--- a/figures/figures.pptx
+++ b/figures/figures.pptx
@@ -106,6 +106,11 @@
       </a:defRPr>
     </a:lvl9pPr>
   </p:defaultTextStyle>
+  <p:extLst>
+    <p:ext uri="{EFAFB233-063F-42B5-8137-9DF3F51BA10A}">
+      <p15:sldGuideLst xmlns:p15="http://schemas.microsoft.com/office/powerpoint/2012/main"/>
+    </p:ext>
+  </p:extLst>
 </p:presentation>
 </file>
 
@@ -256,7 +261,7 @@
           <a:p>
             <a:fld id="{4B9CF307-EB09-4B6C-AE6A-0B77EE827448}" type="datetimeFigureOut">
               <a:rPr lang="en-US" smtClean="0"/>
-              <a:t>4/20/2022</a:t>
+              <a:t>4/25/2022</a:t>
             </a:fld>
             <a:endParaRPr lang="en-US"/>
           </a:p>
@@ -454,7 +459,7 @@
           <a:p>
             <a:fld id="{4B9CF307-EB09-4B6C-AE6A-0B77EE827448}" type="datetimeFigureOut">
               <a:rPr lang="en-US" smtClean="0"/>
-              <a:t>4/20/2022</a:t>
+              <a:t>4/25/2022</a:t>
             </a:fld>
             <a:endParaRPr lang="en-US"/>
           </a:p>
@@ -662,7 +667,7 @@
           <a:p>
             <a:fld id="{4B9CF307-EB09-4B6C-AE6A-0B77EE827448}" type="datetimeFigureOut">
               <a:rPr lang="en-US" smtClean="0"/>
-              <a:t>4/20/2022</a:t>
+              <a:t>4/25/2022</a:t>
             </a:fld>
             <a:endParaRPr lang="en-US"/>
           </a:p>
@@ -860,7 +865,7 @@
           <a:p>
             <a:fld id="{4B9CF307-EB09-4B6C-AE6A-0B77EE827448}" type="datetimeFigureOut">
               <a:rPr lang="en-US" smtClean="0"/>
-              <a:t>4/20/2022</a:t>
+              <a:t>4/25/2022</a:t>
             </a:fld>
             <a:endParaRPr lang="en-US"/>
           </a:p>
@@ -1135,7 +1140,7 @@
           <a:p>
             <a:fld id="{4B9CF307-EB09-4B6C-AE6A-0B77EE827448}" type="datetimeFigureOut">
               <a:rPr lang="en-US" smtClean="0"/>
-              <a:t>4/20/2022</a:t>
+              <a:t>4/25/2022</a:t>
             </a:fld>
             <a:endParaRPr lang="en-US"/>
           </a:p>
@@ -1400,7 +1405,7 @@
           <a:p>
             <a:fld id="{4B9CF307-EB09-4B6C-AE6A-0B77EE827448}" type="datetimeFigureOut">
               <a:rPr lang="en-US" smtClean="0"/>
-              <a:t>4/20/2022</a:t>
+              <a:t>4/25/2022</a:t>
             </a:fld>
             <a:endParaRPr lang="en-US"/>
           </a:p>
@@ -1812,7 +1817,7 @@
           <a:p>
             <a:fld id="{4B9CF307-EB09-4B6C-AE6A-0B77EE827448}" type="datetimeFigureOut">
               <a:rPr lang="en-US" smtClean="0"/>
-              <a:t>4/20/2022</a:t>
+              <a:t>4/25/2022</a:t>
             </a:fld>
             <a:endParaRPr lang="en-US"/>
           </a:p>
@@ -1953,7 +1958,7 @@
           <a:p>
             <a:fld id="{4B9CF307-EB09-4B6C-AE6A-0B77EE827448}" type="datetimeFigureOut">
               <a:rPr lang="en-US" smtClean="0"/>
-              <a:t>4/20/2022</a:t>
+              <a:t>4/25/2022</a:t>
             </a:fld>
             <a:endParaRPr lang="en-US"/>
           </a:p>
@@ -2066,7 +2071,7 @@
           <a:p>
             <a:fld id="{4B9CF307-EB09-4B6C-AE6A-0B77EE827448}" type="datetimeFigureOut">
               <a:rPr lang="en-US" smtClean="0"/>
-              <a:t>4/20/2022</a:t>
+              <a:t>4/25/2022</a:t>
             </a:fld>
             <a:endParaRPr lang="en-US"/>
           </a:p>
@@ -2377,7 +2382,7 @@
           <a:p>
             <a:fld id="{4B9CF307-EB09-4B6C-AE6A-0B77EE827448}" type="datetimeFigureOut">
               <a:rPr lang="en-US" smtClean="0"/>
-              <a:t>4/20/2022</a:t>
+              <a:t>4/25/2022</a:t>
             </a:fld>
             <a:endParaRPr lang="en-US"/>
           </a:p>
@@ -2665,7 +2670,7 @@
           <a:p>
             <a:fld id="{4B9CF307-EB09-4B6C-AE6A-0B77EE827448}" type="datetimeFigureOut">
               <a:rPr lang="en-US" smtClean="0"/>
-              <a:t>4/20/2022</a:t>
+              <a:t>4/25/2022</a:t>
             </a:fld>
             <a:endParaRPr lang="en-US"/>
           </a:p>
@@ -2906,7 +2911,7 @@
           <a:p>
             <a:fld id="{4B9CF307-EB09-4B6C-AE6A-0B77EE827448}" type="datetimeFigureOut">
               <a:rPr lang="en-US" smtClean="0"/>
-              <a:t>4/20/2022</a:t>
+              <a:t>4/25/2022</a:t>
             </a:fld>
             <a:endParaRPr lang="en-US"/>
           </a:p>
@@ -3473,8 +3478,8 @@
         </p:nvSpPr>
         <p:spPr>
           <a:xfrm>
-            <a:off x="1595674" y="2270503"/>
-            <a:ext cx="1609344" cy="923330"/>
+            <a:off x="1513276" y="2811248"/>
+            <a:ext cx="1609344" cy="369332"/>
           </a:xfrm>
           <a:prstGeom prst="rect">
             <a:avLst/>
@@ -3490,7 +3495,7 @@
             <a:pPr algn="ctr"/>
             <a:r>
               <a:rPr lang="en-US" dirty="0"/>
-              <a:t>Method with Minified Method Name</a:t>
+              <a:t>Minified Code</a:t>
             </a:r>
           </a:p>
         </p:txBody>
@@ -4227,6 +4232,17 @@
               <a:t>Variable Type Generation</a:t>
             </a:r>
           </a:p>
+          <a:p>
+            <a:pPr algn="ctr"/>
+            <a:r>
+              <a:rPr lang="en-US" dirty="0">
+                <a:solidFill>
+                  <a:schemeClr val="tx1"/>
+                </a:solidFill>
+              </a:rPr>
+              <a:t>Model</a:t>
+            </a:r>
+          </a:p>
         </p:txBody>
       </p:sp>
       <p:sp>
@@ -4293,6 +4309,17 @@
               <a:t>Variable Name Generation</a:t>
             </a:r>
           </a:p>
+          <a:p>
+            <a:pPr algn="ctr"/>
+            <a:r>
+              <a:rPr lang="en-US" dirty="0">
+                <a:solidFill>
+                  <a:schemeClr val="tx1"/>
+                </a:solidFill>
+              </a:rPr>
+              <a:t>Model</a:t>
+            </a:r>
+          </a:p>
         </p:txBody>
       </p:sp>
       <p:sp>
@@ -4423,8 +4450,8 @@
         </p:nvSpPr>
         <p:spPr>
           <a:xfrm>
-            <a:off x="8203002" y="1466087"/>
-            <a:ext cx="1609344" cy="369332"/>
+            <a:off x="8203002" y="1245065"/>
+            <a:ext cx="1609344" cy="646331"/>
           </a:xfrm>
           <a:prstGeom prst="rect">
             <a:avLst/>
@@ -4440,7 +4467,7 @@
             <a:pPr algn="ctr"/>
             <a:r>
               <a:rPr lang="en-US" dirty="0"/>
-              <a:t>Variable Type</a:t>
+              <a:t>Variables’ Types</a:t>
             </a:r>
           </a:p>
         </p:txBody>
@@ -4459,8 +4486,8 @@
         </p:nvSpPr>
         <p:spPr>
           <a:xfrm>
-            <a:off x="8203002" y="3864365"/>
-            <a:ext cx="1609344" cy="369332"/>
+            <a:off x="8203002" y="3616134"/>
+            <a:ext cx="1609344" cy="646331"/>
           </a:xfrm>
           <a:prstGeom prst="rect">
             <a:avLst/>
@@ -4476,7 +4503,7 @@
             <a:pPr algn="ctr"/>
             <a:r>
               <a:rPr lang="en-US" dirty="0"/>
-              <a:t>Variable Name</a:t>
+              <a:t>Variables’ Names</a:t>
             </a:r>
           </a:p>
         </p:txBody>
@@ -4495,8 +4522,8 @@
         </p:nvSpPr>
         <p:spPr>
           <a:xfrm>
-            <a:off x="4892952" y="2519643"/>
-            <a:ext cx="1609344" cy="369332"/>
+            <a:off x="4828294" y="2239163"/>
+            <a:ext cx="1609344" cy="646331"/>
           </a:xfrm>
           <a:prstGeom prst="rect">
             <a:avLst/>
@@ -4512,7 +4539,7 @@
             <a:pPr algn="ctr"/>
             <a:r>
               <a:rPr lang="en-US" dirty="0"/>
-              <a:t>… Graph</a:t>
+              <a:t>Representation Graph</a:t>
             </a:r>
           </a:p>
         </p:txBody>
@@ -4767,6 +4794,90 @@
           </a:fontRef>
         </p:style>
       </p:cxnSp>
+      <p:cxnSp>
+        <p:nvCxnSpPr>
+          <p:cNvPr id="3" name="Straight Arrow Connector 2">
+            <a:extLst>
+              <a:ext uri="{FF2B5EF4-FFF2-40B4-BE49-F238E27FC236}">
+                <a16:creationId xmlns:a16="http://schemas.microsoft.com/office/drawing/2014/main" id="{7E25D987-202C-4C95-9F99-8A712C7C7F36}"/>
+              </a:ext>
+            </a:extLst>
+          </p:cNvPr>
+          <p:cNvCxnSpPr>
+            <a:stCxn id="32" idx="2"/>
+            <a:endCxn id="33" idx="0"/>
+          </p:cNvCxnSpPr>
+          <p:nvPr/>
+        </p:nvCxnSpPr>
+        <p:spPr>
+          <a:xfrm>
+            <a:off x="7361942" y="3012419"/>
+            <a:ext cx="0" cy="1239561"/>
+          </a:xfrm>
+          <a:prstGeom prst="straightConnector1">
+            <a:avLst/>
+          </a:prstGeom>
+          <a:ln w="19050">
+            <a:headEnd type="triangle"/>
+            <a:tailEnd type="triangle"/>
+          </a:ln>
+        </p:spPr>
+        <p:style>
+          <a:lnRef idx="1">
+            <a:schemeClr val="accent1"/>
+          </a:lnRef>
+          <a:fillRef idx="0">
+            <a:schemeClr val="accent1"/>
+          </a:fillRef>
+          <a:effectRef idx="0">
+            <a:schemeClr val="accent1"/>
+          </a:effectRef>
+          <a:fontRef idx="minor">
+            <a:schemeClr val="tx1"/>
+          </a:fontRef>
+        </p:style>
+      </p:cxnSp>
+      <p:sp>
+        <p:nvSpPr>
+          <p:cNvPr id="12" name="TextBox 11">
+            <a:extLst>
+              <a:ext uri="{FF2B5EF4-FFF2-40B4-BE49-F238E27FC236}">
+                <a16:creationId xmlns:a16="http://schemas.microsoft.com/office/drawing/2014/main" id="{97BB675F-B265-4C42-AA4D-EFE8CEEF4D23}"/>
+              </a:ext>
+            </a:extLst>
+          </p:cNvPr>
+          <p:cNvSpPr txBox="1"/>
+          <p:nvPr/>
+        </p:nvSpPr>
+        <p:spPr>
+          <a:xfrm>
+            <a:off x="7361941" y="3260084"/>
+            <a:ext cx="1081963" cy="646331"/>
+          </a:xfrm>
+          <a:prstGeom prst="rect">
+            <a:avLst/>
+          </a:prstGeom>
+          <a:noFill/>
+        </p:spPr>
+        <p:txBody>
+          <a:bodyPr wrap="none" rtlCol="0">
+            <a:spAutoFit/>
+          </a:bodyPr>
+          <a:lstStyle/>
+          <a:p>
+            <a:r>
+              <a:rPr lang="en-US" dirty="0"/>
+              <a:t>Dual-Task</a:t>
+            </a:r>
+          </a:p>
+          <a:p>
+            <a:r>
+              <a:rPr lang="en-US" dirty="0"/>
+              <a:t>Learning</a:t>
+            </a:r>
+          </a:p>
+        </p:txBody>
+      </p:sp>
     </p:spTree>
     <p:extLst>
       <p:ext uri="{BB962C8B-B14F-4D97-AF65-F5344CB8AC3E}">

--- a/figures/figures.pptx
+++ b/figures/figures.pptx
@@ -261,7 +261,7 @@
           <a:p>
             <a:fld id="{4B9CF307-EB09-4B6C-AE6A-0B77EE827448}" type="datetimeFigureOut">
               <a:rPr lang="en-US" smtClean="0"/>
-              <a:t>4/25/2022</a:t>
+              <a:t>4/26/2022</a:t>
             </a:fld>
             <a:endParaRPr lang="en-US"/>
           </a:p>
@@ -459,7 +459,7 @@
           <a:p>
             <a:fld id="{4B9CF307-EB09-4B6C-AE6A-0B77EE827448}" type="datetimeFigureOut">
               <a:rPr lang="en-US" smtClean="0"/>
-              <a:t>4/25/2022</a:t>
+              <a:t>4/26/2022</a:t>
             </a:fld>
             <a:endParaRPr lang="en-US"/>
           </a:p>
@@ -667,7 +667,7 @@
           <a:p>
             <a:fld id="{4B9CF307-EB09-4B6C-AE6A-0B77EE827448}" type="datetimeFigureOut">
               <a:rPr lang="en-US" smtClean="0"/>
-              <a:t>4/25/2022</a:t>
+              <a:t>4/26/2022</a:t>
             </a:fld>
             <a:endParaRPr lang="en-US"/>
           </a:p>
@@ -865,7 +865,7 @@
           <a:p>
             <a:fld id="{4B9CF307-EB09-4B6C-AE6A-0B77EE827448}" type="datetimeFigureOut">
               <a:rPr lang="en-US" smtClean="0"/>
-              <a:t>4/25/2022</a:t>
+              <a:t>4/26/2022</a:t>
             </a:fld>
             <a:endParaRPr lang="en-US"/>
           </a:p>
@@ -1140,7 +1140,7 @@
           <a:p>
             <a:fld id="{4B9CF307-EB09-4B6C-AE6A-0B77EE827448}" type="datetimeFigureOut">
               <a:rPr lang="en-US" smtClean="0"/>
-              <a:t>4/25/2022</a:t>
+              <a:t>4/26/2022</a:t>
             </a:fld>
             <a:endParaRPr lang="en-US"/>
           </a:p>
@@ -1405,7 +1405,7 @@
           <a:p>
             <a:fld id="{4B9CF307-EB09-4B6C-AE6A-0B77EE827448}" type="datetimeFigureOut">
               <a:rPr lang="en-US" smtClean="0"/>
-              <a:t>4/25/2022</a:t>
+              <a:t>4/26/2022</a:t>
             </a:fld>
             <a:endParaRPr lang="en-US"/>
           </a:p>
@@ -1817,7 +1817,7 @@
           <a:p>
             <a:fld id="{4B9CF307-EB09-4B6C-AE6A-0B77EE827448}" type="datetimeFigureOut">
               <a:rPr lang="en-US" smtClean="0"/>
-              <a:t>4/25/2022</a:t>
+              <a:t>4/26/2022</a:t>
             </a:fld>
             <a:endParaRPr lang="en-US"/>
           </a:p>
@@ -1958,7 +1958,7 @@
           <a:p>
             <a:fld id="{4B9CF307-EB09-4B6C-AE6A-0B77EE827448}" type="datetimeFigureOut">
               <a:rPr lang="en-US" smtClean="0"/>
-              <a:t>4/25/2022</a:t>
+              <a:t>4/26/2022</a:t>
             </a:fld>
             <a:endParaRPr lang="en-US"/>
           </a:p>
@@ -2071,7 +2071,7 @@
           <a:p>
             <a:fld id="{4B9CF307-EB09-4B6C-AE6A-0B77EE827448}" type="datetimeFigureOut">
               <a:rPr lang="en-US" smtClean="0"/>
-              <a:t>4/25/2022</a:t>
+              <a:t>4/26/2022</a:t>
             </a:fld>
             <a:endParaRPr lang="en-US"/>
           </a:p>
@@ -2382,7 +2382,7 @@
           <a:p>
             <a:fld id="{4B9CF307-EB09-4B6C-AE6A-0B77EE827448}" type="datetimeFigureOut">
               <a:rPr lang="en-US" smtClean="0"/>
-              <a:t>4/25/2022</a:t>
+              <a:t>4/26/2022</a:t>
             </a:fld>
             <a:endParaRPr lang="en-US"/>
           </a:p>
@@ -2670,7 +2670,7 @@
           <a:p>
             <a:fld id="{4B9CF307-EB09-4B6C-AE6A-0B77EE827448}" type="datetimeFigureOut">
               <a:rPr lang="en-US" smtClean="0"/>
-              <a:t>4/25/2022</a:t>
+              <a:t>4/26/2022</a:t>
             </a:fld>
             <a:endParaRPr lang="en-US"/>
           </a:p>
@@ -2911,7 +2911,7 @@
           <a:p>
             <a:fld id="{4B9CF307-EB09-4B6C-AE6A-0B77EE827448}" type="datetimeFigureOut">
               <a:rPr lang="en-US" smtClean="0"/>
-              <a:t>4/25/2022</a:t>
+              <a:t>4/26/2022</a:t>
             </a:fld>
             <a:endParaRPr lang="en-US"/>
           </a:p>
@@ -4710,92 +4710,6 @@
       </p:cxnSp>
       <p:cxnSp>
         <p:nvCxnSpPr>
-          <p:cNvPr id="50" name="Straight Arrow Connector 49">
-            <a:extLst>
-              <a:ext uri="{FF2B5EF4-FFF2-40B4-BE49-F238E27FC236}">
-                <a16:creationId xmlns:a16="http://schemas.microsoft.com/office/drawing/2014/main" id="{80F5A353-F573-4AFF-96E6-0186C11E7D23}"/>
-              </a:ext>
-            </a:extLst>
-          </p:cNvPr>
-          <p:cNvCxnSpPr>
-            <a:cxnSpLocks/>
-            <a:stCxn id="35" idx="1"/>
-            <a:endCxn id="32" idx="3"/>
-          </p:cNvCxnSpPr>
-          <p:nvPr/>
-        </p:nvCxnSpPr>
-        <p:spPr>
-          <a:xfrm flipH="1">
-            <a:off x="7962865" y="2449286"/>
-            <a:ext cx="826646" cy="0"/>
-          </a:xfrm>
-          <a:prstGeom prst="straightConnector1">
-            <a:avLst/>
-          </a:prstGeom>
-          <a:ln w="25400">
-            <a:tailEnd type="triangle"/>
-          </a:ln>
-        </p:spPr>
-        <p:style>
-          <a:lnRef idx="1">
-            <a:schemeClr val="accent1"/>
-          </a:lnRef>
-          <a:fillRef idx="0">
-            <a:schemeClr val="accent1"/>
-          </a:fillRef>
-          <a:effectRef idx="0">
-            <a:schemeClr val="accent1"/>
-          </a:effectRef>
-          <a:fontRef idx="minor">
-            <a:schemeClr val="tx1"/>
-          </a:fontRef>
-        </p:style>
-      </p:cxnSp>
-      <p:cxnSp>
-        <p:nvCxnSpPr>
-          <p:cNvPr id="53" name="Straight Arrow Connector 52">
-            <a:extLst>
-              <a:ext uri="{FF2B5EF4-FFF2-40B4-BE49-F238E27FC236}">
-                <a16:creationId xmlns:a16="http://schemas.microsoft.com/office/drawing/2014/main" id="{5D63BE72-1447-4904-B141-8522C6A17561}"/>
-              </a:ext>
-            </a:extLst>
-          </p:cNvPr>
-          <p:cNvCxnSpPr>
-            <a:cxnSpLocks/>
-            <a:stCxn id="36" idx="1"/>
-            <a:endCxn id="33" idx="3"/>
-          </p:cNvCxnSpPr>
-          <p:nvPr/>
-        </p:nvCxnSpPr>
-        <p:spPr>
-          <a:xfrm flipH="1">
-            <a:off x="7962865" y="4815113"/>
-            <a:ext cx="826646" cy="0"/>
-          </a:xfrm>
-          <a:prstGeom prst="straightConnector1">
-            <a:avLst/>
-          </a:prstGeom>
-          <a:ln w="25400">
-            <a:tailEnd type="triangle"/>
-          </a:ln>
-        </p:spPr>
-        <p:style>
-          <a:lnRef idx="1">
-            <a:schemeClr val="accent1"/>
-          </a:lnRef>
-          <a:fillRef idx="0">
-            <a:schemeClr val="accent1"/>
-          </a:fillRef>
-          <a:effectRef idx="0">
-            <a:schemeClr val="accent1"/>
-          </a:effectRef>
-          <a:fontRef idx="minor">
-            <a:schemeClr val="tx1"/>
-          </a:fontRef>
-        </p:style>
-      </p:cxnSp>
-      <p:cxnSp>
-        <p:nvCxnSpPr>
           <p:cNvPr id="3" name="Straight Arrow Connector 2">
             <a:extLst>
               <a:ext uri="{FF2B5EF4-FFF2-40B4-BE49-F238E27FC236}">
@@ -4878,6 +4792,92 @@
           </a:p>
         </p:txBody>
       </p:sp>
+      <p:cxnSp>
+        <p:nvCxnSpPr>
+          <p:cNvPr id="18" name="Straight Arrow Connector 17">
+            <a:extLst>
+              <a:ext uri="{FF2B5EF4-FFF2-40B4-BE49-F238E27FC236}">
+                <a16:creationId xmlns:a16="http://schemas.microsoft.com/office/drawing/2014/main" id="{97D291E3-F089-48A7-9533-3F61A0515079}"/>
+              </a:ext>
+            </a:extLst>
+          </p:cNvPr>
+          <p:cNvCxnSpPr>
+            <a:stCxn id="32" idx="3"/>
+            <a:endCxn id="35" idx="1"/>
+          </p:cNvCxnSpPr>
+          <p:nvPr/>
+        </p:nvCxnSpPr>
+        <p:spPr>
+          <a:xfrm>
+            <a:off x="7962865" y="2449286"/>
+            <a:ext cx="826646" cy="0"/>
+          </a:xfrm>
+          <a:prstGeom prst="straightConnector1">
+            <a:avLst/>
+          </a:prstGeom>
+          <a:ln w="19050">
+            <a:headEnd type="triangle"/>
+            <a:tailEnd type="triangle"/>
+          </a:ln>
+        </p:spPr>
+        <p:style>
+          <a:lnRef idx="1">
+            <a:schemeClr val="accent1"/>
+          </a:lnRef>
+          <a:fillRef idx="0">
+            <a:schemeClr val="accent1"/>
+          </a:fillRef>
+          <a:effectRef idx="0">
+            <a:schemeClr val="accent1"/>
+          </a:effectRef>
+          <a:fontRef idx="minor">
+            <a:schemeClr val="tx1"/>
+          </a:fontRef>
+        </p:style>
+      </p:cxnSp>
+      <p:cxnSp>
+        <p:nvCxnSpPr>
+          <p:cNvPr id="21" name="Straight Arrow Connector 20">
+            <a:extLst>
+              <a:ext uri="{FF2B5EF4-FFF2-40B4-BE49-F238E27FC236}">
+                <a16:creationId xmlns:a16="http://schemas.microsoft.com/office/drawing/2014/main" id="{5DA08198-DDD0-480F-B362-042AC6C1F30B}"/>
+              </a:ext>
+            </a:extLst>
+          </p:cNvPr>
+          <p:cNvCxnSpPr>
+            <a:stCxn id="33" idx="3"/>
+            <a:endCxn id="36" idx="1"/>
+          </p:cNvCxnSpPr>
+          <p:nvPr/>
+        </p:nvCxnSpPr>
+        <p:spPr>
+          <a:xfrm>
+            <a:off x="7962865" y="4815113"/>
+            <a:ext cx="826646" cy="0"/>
+          </a:xfrm>
+          <a:prstGeom prst="straightConnector1">
+            <a:avLst/>
+          </a:prstGeom>
+          <a:ln w="19050">
+            <a:headEnd type="triangle"/>
+            <a:tailEnd type="triangle"/>
+          </a:ln>
+        </p:spPr>
+        <p:style>
+          <a:lnRef idx="1">
+            <a:schemeClr val="accent1"/>
+          </a:lnRef>
+          <a:fillRef idx="0">
+            <a:schemeClr val="accent1"/>
+          </a:fillRef>
+          <a:effectRef idx="0">
+            <a:schemeClr val="accent1"/>
+          </a:effectRef>
+          <a:fontRef idx="minor">
+            <a:schemeClr val="tx1"/>
+          </a:fontRef>
+        </p:style>
+      </p:cxnSp>
     </p:spTree>
     <p:extLst>
       <p:ext uri="{BB962C8B-B14F-4D97-AF65-F5344CB8AC3E}">

--- a/figures/figures.pptx
+++ b/figures/figures.pptx
@@ -8,6 +8,7 @@
     <p:sldId id="256" r:id="rId2"/>
     <p:sldId id="257" r:id="rId3"/>
     <p:sldId id="258" r:id="rId4"/>
+    <p:sldId id="259" r:id="rId5"/>
   </p:sldIdLst>
   <p:sldSz cx="12192000" cy="6858000"/>
   <p:notesSz cx="6858000" cy="9144000"/>
@@ -6285,6 +6286,2430 @@
 </p:sld>
 </file>
 
+<file path=ppt/slides/slide4.xml><?xml version="1.0" encoding="utf-8"?>
+<p:sld xmlns:a="http://schemas.openxmlformats.org/drawingml/2006/main" xmlns:r="http://schemas.openxmlformats.org/officeDocument/2006/relationships" xmlns:p="http://schemas.openxmlformats.org/presentationml/2006/main">
+  <p:cSld>
+    <p:spTree>
+      <p:nvGrpSpPr>
+        <p:cNvPr id="1" name=""/>
+        <p:cNvGrpSpPr/>
+        <p:nvPr/>
+      </p:nvGrpSpPr>
+      <p:grpSpPr>
+        <a:xfrm>
+          <a:off x="0" y="0"/>
+          <a:ext cx="0" cy="0"/>
+          <a:chOff x="0" y="0"/>
+          <a:chExt cx="0" cy="0"/>
+        </a:xfrm>
+      </p:grpSpPr>
+      <p:sp>
+        <p:nvSpPr>
+          <p:cNvPr id="12" name="Oval 11">
+            <a:extLst>
+              <a:ext uri="{FF2B5EF4-FFF2-40B4-BE49-F238E27FC236}">
+                <a16:creationId xmlns:a16="http://schemas.microsoft.com/office/drawing/2014/main" id="{441A009D-CCF4-4AE8-90A7-7D679C18D864}"/>
+              </a:ext>
+            </a:extLst>
+          </p:cNvPr>
+          <p:cNvSpPr/>
+          <p:nvPr/>
+        </p:nvSpPr>
+        <p:spPr>
+          <a:xfrm>
+            <a:off x="5904614" y="917447"/>
+            <a:ext cx="263025" cy="290623"/>
+          </a:xfrm>
+          <a:prstGeom prst="ellipse">
+            <a:avLst/>
+          </a:prstGeom>
+          <a:solidFill>
+            <a:schemeClr val="accent5">
+              <a:lumMod val="20000"/>
+              <a:lumOff val="80000"/>
+            </a:schemeClr>
+          </a:solidFill>
+        </p:spPr>
+        <p:style>
+          <a:lnRef idx="2">
+            <a:schemeClr val="accent1">
+              <a:shade val="50000"/>
+            </a:schemeClr>
+          </a:lnRef>
+          <a:fillRef idx="1">
+            <a:schemeClr val="accent1"/>
+          </a:fillRef>
+          <a:effectRef idx="0">
+            <a:schemeClr val="accent1"/>
+          </a:effectRef>
+          <a:fontRef idx="minor">
+            <a:schemeClr val="lt1"/>
+          </a:fontRef>
+        </p:style>
+        <p:txBody>
+          <a:bodyPr rtlCol="0" anchor="ctr"/>
+          <a:lstStyle/>
+          <a:p>
+            <a:pPr algn="ctr"/>
+            <a:endParaRPr lang="en-US" dirty="0"/>
+          </a:p>
+        </p:txBody>
+      </p:sp>
+      <p:sp>
+        <p:nvSpPr>
+          <p:cNvPr id="13" name="TextBox 12">
+            <a:extLst>
+              <a:ext uri="{FF2B5EF4-FFF2-40B4-BE49-F238E27FC236}">
+                <a16:creationId xmlns:a16="http://schemas.microsoft.com/office/drawing/2014/main" id="{871E2D57-55B9-4967-9CDC-033DD1C8D2D5}"/>
+              </a:ext>
+            </a:extLst>
+          </p:cNvPr>
+          <p:cNvSpPr txBox="1"/>
+          <p:nvPr/>
+        </p:nvSpPr>
+        <p:spPr>
+          <a:xfrm>
+            <a:off x="5891193" y="838738"/>
+            <a:ext cx="303288" cy="369332"/>
+          </a:xfrm>
+          <a:prstGeom prst="rect">
+            <a:avLst/>
+          </a:prstGeom>
+          <a:noFill/>
+        </p:spPr>
+        <p:txBody>
+          <a:bodyPr wrap="none" rtlCol="0">
+            <a:spAutoFit/>
+          </a:bodyPr>
+          <a:lstStyle/>
+          <a:p>
+            <a:r>
+              <a:rPr lang="en-US" i="1" dirty="0"/>
+              <a:t>q</a:t>
+            </a:r>
+          </a:p>
+        </p:txBody>
+      </p:sp>
+      <p:sp>
+        <p:nvSpPr>
+          <p:cNvPr id="4" name="Oval 3">
+            <a:extLst>
+              <a:ext uri="{FF2B5EF4-FFF2-40B4-BE49-F238E27FC236}">
+                <a16:creationId xmlns:a16="http://schemas.microsoft.com/office/drawing/2014/main" id="{DB6D25D3-BDFF-4E31-B832-03CAF760AE35}"/>
+              </a:ext>
+            </a:extLst>
+          </p:cNvPr>
+          <p:cNvSpPr/>
+          <p:nvPr/>
+        </p:nvSpPr>
+        <p:spPr>
+          <a:xfrm>
+            <a:off x="5904614" y="3187222"/>
+            <a:ext cx="276446" cy="290623"/>
+          </a:xfrm>
+          <a:prstGeom prst="ellipse">
+            <a:avLst/>
+          </a:prstGeom>
+          <a:solidFill>
+            <a:schemeClr val="accent5">
+              <a:lumMod val="20000"/>
+              <a:lumOff val="80000"/>
+            </a:schemeClr>
+          </a:solidFill>
+        </p:spPr>
+        <p:style>
+          <a:lnRef idx="2">
+            <a:schemeClr val="accent1">
+              <a:shade val="50000"/>
+            </a:schemeClr>
+          </a:lnRef>
+          <a:fillRef idx="1">
+            <a:schemeClr val="accent1"/>
+          </a:fillRef>
+          <a:effectRef idx="0">
+            <a:schemeClr val="accent1"/>
+          </a:effectRef>
+          <a:fontRef idx="minor">
+            <a:schemeClr val="lt1"/>
+          </a:fontRef>
+        </p:style>
+        <p:txBody>
+          <a:bodyPr rtlCol="0" anchor="ctr"/>
+          <a:lstStyle/>
+          <a:p>
+            <a:pPr algn="ctr"/>
+            <a:endParaRPr lang="en-US" dirty="0"/>
+          </a:p>
+        </p:txBody>
+      </p:sp>
+      <p:sp>
+        <p:nvSpPr>
+          <p:cNvPr id="5" name="TextBox 4">
+            <a:extLst>
+              <a:ext uri="{FF2B5EF4-FFF2-40B4-BE49-F238E27FC236}">
+                <a16:creationId xmlns:a16="http://schemas.microsoft.com/office/drawing/2014/main" id="{FAB51999-8B24-454A-A6A1-10C85A1690EA}"/>
+              </a:ext>
+            </a:extLst>
+          </p:cNvPr>
+          <p:cNvSpPr txBox="1"/>
+          <p:nvPr/>
+        </p:nvSpPr>
+        <p:spPr>
+          <a:xfrm>
+            <a:off x="5910429" y="3108513"/>
+            <a:ext cx="264816" cy="369332"/>
+          </a:xfrm>
+          <a:prstGeom prst="rect">
+            <a:avLst/>
+          </a:prstGeom>
+          <a:noFill/>
+        </p:spPr>
+        <p:txBody>
+          <a:bodyPr wrap="none" rtlCol="0">
+            <a:spAutoFit/>
+          </a:bodyPr>
+          <a:lstStyle/>
+          <a:p>
+            <a:r>
+              <a:rPr lang="en-US" i="1" dirty="0"/>
+              <a:t>r</a:t>
+            </a:r>
+          </a:p>
+        </p:txBody>
+      </p:sp>
+      <p:sp>
+        <p:nvSpPr>
+          <p:cNvPr id="8" name="Oval 7">
+            <a:extLst>
+              <a:ext uri="{FF2B5EF4-FFF2-40B4-BE49-F238E27FC236}">
+                <a16:creationId xmlns:a16="http://schemas.microsoft.com/office/drawing/2014/main" id="{661176C2-BE8C-4BD1-8B73-012FC9358E39}"/>
+              </a:ext>
+            </a:extLst>
+          </p:cNvPr>
+          <p:cNvSpPr/>
+          <p:nvPr/>
+        </p:nvSpPr>
+        <p:spPr>
+          <a:xfrm>
+            <a:off x="5904614" y="1910317"/>
+            <a:ext cx="276446" cy="290623"/>
+          </a:xfrm>
+          <a:prstGeom prst="ellipse">
+            <a:avLst/>
+          </a:prstGeom>
+          <a:noFill/>
+        </p:spPr>
+        <p:style>
+          <a:lnRef idx="2">
+            <a:schemeClr val="accent1">
+              <a:shade val="50000"/>
+            </a:schemeClr>
+          </a:lnRef>
+          <a:fillRef idx="1">
+            <a:schemeClr val="accent1"/>
+          </a:fillRef>
+          <a:effectRef idx="0">
+            <a:schemeClr val="accent1"/>
+          </a:effectRef>
+          <a:fontRef idx="minor">
+            <a:schemeClr val="lt1"/>
+          </a:fontRef>
+        </p:style>
+        <p:txBody>
+          <a:bodyPr rtlCol="0" anchor="ctr"/>
+          <a:lstStyle/>
+          <a:p>
+            <a:pPr algn="ctr"/>
+            <a:endParaRPr lang="en-US" dirty="0"/>
+          </a:p>
+        </p:txBody>
+      </p:sp>
+      <p:sp>
+        <p:nvSpPr>
+          <p:cNvPr id="10" name="TextBox 9">
+            <a:extLst>
+              <a:ext uri="{FF2B5EF4-FFF2-40B4-BE49-F238E27FC236}">
+                <a16:creationId xmlns:a16="http://schemas.microsoft.com/office/drawing/2014/main" id="{BE5FB4F1-888A-47F7-B0B3-AC5A82C9E769}"/>
+              </a:ext>
+            </a:extLst>
+          </p:cNvPr>
+          <p:cNvSpPr txBox="1"/>
+          <p:nvPr/>
+        </p:nvSpPr>
+        <p:spPr>
+          <a:xfrm>
+            <a:off x="6175245" y="1846522"/>
+            <a:ext cx="1284711" cy="369332"/>
+          </a:xfrm>
+          <a:prstGeom prst="rect">
+            <a:avLst/>
+          </a:prstGeom>
+          <a:noFill/>
+        </p:spPr>
+        <p:txBody>
+          <a:bodyPr wrap="none" rtlCol="0">
+            <a:spAutoFit/>
+          </a:bodyPr>
+          <a:lstStyle/>
+          <a:p>
+            <a:r>
+              <a:rPr lang="en-US" dirty="0" err="1"/>
+              <a:t>getRangeAt</a:t>
+            </a:r>
+            <a:endParaRPr lang="en-US" dirty="0"/>
+          </a:p>
+        </p:txBody>
+      </p:sp>
+      <p:cxnSp>
+        <p:nvCxnSpPr>
+          <p:cNvPr id="26" name="Straight Connector 25">
+            <a:extLst>
+              <a:ext uri="{FF2B5EF4-FFF2-40B4-BE49-F238E27FC236}">
+                <a16:creationId xmlns:a16="http://schemas.microsoft.com/office/drawing/2014/main" id="{D394B008-A9A8-4681-ABE1-672081552765}"/>
+              </a:ext>
+            </a:extLst>
+          </p:cNvPr>
+          <p:cNvCxnSpPr>
+            <a:stCxn id="8" idx="4"/>
+            <a:endCxn id="4" idx="0"/>
+          </p:cNvCxnSpPr>
+          <p:nvPr/>
+        </p:nvCxnSpPr>
+        <p:spPr>
+          <a:xfrm>
+            <a:off x="6042837" y="2200940"/>
+            <a:ext cx="0" cy="986282"/>
+          </a:xfrm>
+          <a:prstGeom prst="line">
+            <a:avLst/>
+          </a:prstGeom>
+        </p:spPr>
+        <p:style>
+          <a:lnRef idx="1">
+            <a:schemeClr val="accent1"/>
+          </a:lnRef>
+          <a:fillRef idx="0">
+            <a:schemeClr val="accent1"/>
+          </a:fillRef>
+          <a:effectRef idx="0">
+            <a:schemeClr val="accent1"/>
+          </a:effectRef>
+          <a:fontRef idx="minor">
+            <a:schemeClr val="tx1"/>
+          </a:fontRef>
+        </p:style>
+      </p:cxnSp>
+      <p:sp>
+        <p:nvSpPr>
+          <p:cNvPr id="28" name="TextBox 27">
+            <a:extLst>
+              <a:ext uri="{FF2B5EF4-FFF2-40B4-BE49-F238E27FC236}">
+                <a16:creationId xmlns:a16="http://schemas.microsoft.com/office/drawing/2014/main" id="{5DF54D93-FA01-4EDE-85CE-6C6D5718ABE7}"/>
+              </a:ext>
+            </a:extLst>
+          </p:cNvPr>
+          <p:cNvSpPr txBox="1"/>
+          <p:nvPr/>
+        </p:nvSpPr>
+        <p:spPr>
+          <a:xfrm>
+            <a:off x="6044631" y="2438163"/>
+            <a:ext cx="772969" cy="369332"/>
+          </a:xfrm>
+          <a:prstGeom prst="rect">
+            <a:avLst/>
+          </a:prstGeom>
+          <a:noFill/>
+        </p:spPr>
+        <p:txBody>
+          <a:bodyPr wrap="none" rtlCol="0">
+            <a:spAutoFit/>
+          </a:bodyPr>
+          <a:lstStyle/>
+          <a:p>
+            <a:r>
+              <a:rPr lang="en-US" i="1" dirty="0"/>
+              <a:t>assign</a:t>
+            </a:r>
+          </a:p>
+        </p:txBody>
+      </p:sp>
+      <p:sp>
+        <p:nvSpPr>
+          <p:cNvPr id="29" name="Oval 28">
+            <a:extLst>
+              <a:ext uri="{FF2B5EF4-FFF2-40B4-BE49-F238E27FC236}">
+                <a16:creationId xmlns:a16="http://schemas.microsoft.com/office/drawing/2014/main" id="{05F2E51E-4819-4BA1-A8D4-21BA44333C3E}"/>
+              </a:ext>
+            </a:extLst>
+          </p:cNvPr>
+          <p:cNvSpPr/>
+          <p:nvPr/>
+        </p:nvSpPr>
+        <p:spPr>
+          <a:xfrm>
+            <a:off x="7459956" y="3172308"/>
+            <a:ext cx="276446" cy="290623"/>
+          </a:xfrm>
+          <a:prstGeom prst="ellipse">
+            <a:avLst/>
+          </a:prstGeom>
+          <a:noFill/>
+        </p:spPr>
+        <p:style>
+          <a:lnRef idx="2">
+            <a:schemeClr val="accent1">
+              <a:shade val="50000"/>
+            </a:schemeClr>
+          </a:lnRef>
+          <a:fillRef idx="1">
+            <a:schemeClr val="accent1"/>
+          </a:fillRef>
+          <a:effectRef idx="0">
+            <a:schemeClr val="accent1"/>
+          </a:effectRef>
+          <a:fontRef idx="minor">
+            <a:schemeClr val="lt1"/>
+          </a:fontRef>
+        </p:style>
+        <p:txBody>
+          <a:bodyPr rtlCol="0" anchor="ctr"/>
+          <a:lstStyle/>
+          <a:p>
+            <a:pPr algn="ctr"/>
+            <a:endParaRPr lang="en-US" dirty="0"/>
+          </a:p>
+        </p:txBody>
+      </p:sp>
+      <p:sp>
+        <p:nvSpPr>
+          <p:cNvPr id="30" name="TextBox 29">
+            <a:extLst>
+              <a:ext uri="{FF2B5EF4-FFF2-40B4-BE49-F238E27FC236}">
+                <a16:creationId xmlns:a16="http://schemas.microsoft.com/office/drawing/2014/main" id="{B5338770-F1E1-4F0C-97F3-6C5A6BDAEFBE}"/>
+              </a:ext>
+            </a:extLst>
+          </p:cNvPr>
+          <p:cNvSpPr txBox="1"/>
+          <p:nvPr/>
+        </p:nvSpPr>
+        <p:spPr>
+          <a:xfrm>
+            <a:off x="7730587" y="3108513"/>
+            <a:ext cx="1274388" cy="369332"/>
+          </a:xfrm>
+          <a:prstGeom prst="rect">
+            <a:avLst/>
+          </a:prstGeom>
+          <a:noFill/>
+        </p:spPr>
+        <p:txBody>
+          <a:bodyPr wrap="none" rtlCol="0">
+            <a:spAutoFit/>
+          </a:bodyPr>
+          <a:lstStyle/>
+          <a:p>
+            <a:r>
+              <a:rPr lang="en-US" dirty="0" err="1"/>
+              <a:t>cloneRange</a:t>
+            </a:r>
+            <a:endParaRPr lang="en-US" dirty="0"/>
+          </a:p>
+        </p:txBody>
+      </p:sp>
+      <p:cxnSp>
+        <p:nvCxnSpPr>
+          <p:cNvPr id="32" name="Straight Connector 31">
+            <a:extLst>
+              <a:ext uri="{FF2B5EF4-FFF2-40B4-BE49-F238E27FC236}">
+                <a16:creationId xmlns:a16="http://schemas.microsoft.com/office/drawing/2014/main" id="{D4008063-D27E-4B3B-8217-16800FD12826}"/>
+              </a:ext>
+            </a:extLst>
+          </p:cNvPr>
+          <p:cNvCxnSpPr>
+            <a:cxnSpLocks/>
+            <a:stCxn id="4" idx="6"/>
+            <a:endCxn id="29" idx="2"/>
+          </p:cNvCxnSpPr>
+          <p:nvPr/>
+        </p:nvCxnSpPr>
+        <p:spPr>
+          <a:xfrm flipV="1">
+            <a:off x="6181060" y="3317620"/>
+            <a:ext cx="1278896" cy="14914"/>
+          </a:xfrm>
+          <a:prstGeom prst="line">
+            <a:avLst/>
+          </a:prstGeom>
+        </p:spPr>
+        <p:style>
+          <a:lnRef idx="1">
+            <a:schemeClr val="accent1"/>
+          </a:lnRef>
+          <a:fillRef idx="0">
+            <a:schemeClr val="accent1"/>
+          </a:fillRef>
+          <a:effectRef idx="0">
+            <a:schemeClr val="accent1"/>
+          </a:effectRef>
+          <a:fontRef idx="minor">
+            <a:schemeClr val="tx1"/>
+          </a:fontRef>
+        </p:style>
+      </p:cxnSp>
+      <p:sp>
+        <p:nvSpPr>
+          <p:cNvPr id="34" name="TextBox 33">
+            <a:extLst>
+              <a:ext uri="{FF2B5EF4-FFF2-40B4-BE49-F238E27FC236}">
+                <a16:creationId xmlns:a16="http://schemas.microsoft.com/office/drawing/2014/main" id="{8BC06831-FE1A-4F42-A0D4-EC631518925A}"/>
+              </a:ext>
+            </a:extLst>
+          </p:cNvPr>
+          <p:cNvSpPr txBox="1"/>
+          <p:nvPr/>
+        </p:nvSpPr>
+        <p:spPr>
+          <a:xfrm>
+            <a:off x="6348644" y="3002556"/>
+            <a:ext cx="991490" cy="369332"/>
+          </a:xfrm>
+          <a:prstGeom prst="rect">
+            <a:avLst/>
+          </a:prstGeom>
+          <a:noFill/>
+        </p:spPr>
+        <p:txBody>
+          <a:bodyPr wrap="none" rtlCol="0">
+            <a:spAutoFit/>
+          </a:bodyPr>
+          <a:lstStyle/>
+          <a:p>
+            <a:r>
+              <a:rPr lang="en-US" i="1" dirty="0" err="1"/>
+              <a:t>methcall</a:t>
+            </a:r>
+            <a:endParaRPr lang="en-US" i="1" dirty="0"/>
+          </a:p>
+        </p:txBody>
+      </p:sp>
+      <p:sp>
+        <p:nvSpPr>
+          <p:cNvPr id="35" name="Oval 34">
+            <a:extLst>
+              <a:ext uri="{FF2B5EF4-FFF2-40B4-BE49-F238E27FC236}">
+                <a16:creationId xmlns:a16="http://schemas.microsoft.com/office/drawing/2014/main" id="{CDCAB60C-D950-4FCE-A599-A74EB7916126}"/>
+              </a:ext>
+            </a:extLst>
+          </p:cNvPr>
+          <p:cNvSpPr/>
+          <p:nvPr/>
+        </p:nvSpPr>
+        <p:spPr>
+          <a:xfrm>
+            <a:off x="7459956" y="2324749"/>
+            <a:ext cx="276446" cy="290623"/>
+          </a:xfrm>
+          <a:prstGeom prst="ellipse">
+            <a:avLst/>
+          </a:prstGeom>
+          <a:noFill/>
+        </p:spPr>
+        <p:style>
+          <a:lnRef idx="2">
+            <a:schemeClr val="accent1">
+              <a:shade val="50000"/>
+            </a:schemeClr>
+          </a:lnRef>
+          <a:fillRef idx="1">
+            <a:schemeClr val="accent1"/>
+          </a:fillRef>
+          <a:effectRef idx="0">
+            <a:schemeClr val="accent1"/>
+          </a:effectRef>
+          <a:fontRef idx="minor">
+            <a:schemeClr val="lt1"/>
+          </a:fontRef>
+        </p:style>
+        <p:txBody>
+          <a:bodyPr rtlCol="0" anchor="ctr"/>
+          <a:lstStyle/>
+          <a:p>
+            <a:pPr algn="ctr"/>
+            <a:endParaRPr lang="en-US" dirty="0"/>
+          </a:p>
+        </p:txBody>
+      </p:sp>
+      <p:sp>
+        <p:nvSpPr>
+          <p:cNvPr id="36" name="TextBox 35">
+            <a:extLst>
+              <a:ext uri="{FF2B5EF4-FFF2-40B4-BE49-F238E27FC236}">
+                <a16:creationId xmlns:a16="http://schemas.microsoft.com/office/drawing/2014/main" id="{CCC239A9-C78C-4A45-8353-ADE472E40C9F}"/>
+              </a:ext>
+            </a:extLst>
+          </p:cNvPr>
+          <p:cNvSpPr txBox="1"/>
+          <p:nvPr/>
+        </p:nvSpPr>
+        <p:spPr>
+          <a:xfrm>
+            <a:off x="7407380" y="1949376"/>
+            <a:ext cx="927818" cy="369332"/>
+          </a:xfrm>
+          <a:prstGeom prst="rect">
+            <a:avLst/>
+          </a:prstGeom>
+          <a:noFill/>
+        </p:spPr>
+        <p:txBody>
+          <a:bodyPr wrap="none" rtlCol="0">
+            <a:spAutoFit/>
+          </a:bodyPr>
+          <a:lstStyle/>
+          <a:p>
+            <a:r>
+              <a:rPr lang="en-US" dirty="0" err="1"/>
+              <a:t>toString</a:t>
+            </a:r>
+            <a:endParaRPr lang="en-US" dirty="0"/>
+          </a:p>
+        </p:txBody>
+      </p:sp>
+      <p:cxnSp>
+        <p:nvCxnSpPr>
+          <p:cNvPr id="38" name="Straight Connector 37">
+            <a:extLst>
+              <a:ext uri="{FF2B5EF4-FFF2-40B4-BE49-F238E27FC236}">
+                <a16:creationId xmlns:a16="http://schemas.microsoft.com/office/drawing/2014/main" id="{F9DDF4C7-98F3-491F-85FA-FCA48197D37E}"/>
+              </a:ext>
+            </a:extLst>
+          </p:cNvPr>
+          <p:cNvCxnSpPr>
+            <a:cxnSpLocks/>
+            <a:stCxn id="4" idx="7"/>
+            <a:endCxn id="35" idx="3"/>
+          </p:cNvCxnSpPr>
+          <p:nvPr/>
+        </p:nvCxnSpPr>
+        <p:spPr>
+          <a:xfrm flipV="1">
+            <a:off x="6140575" y="2572811"/>
+            <a:ext cx="1359866" cy="656972"/>
+          </a:xfrm>
+          <a:prstGeom prst="line">
+            <a:avLst/>
+          </a:prstGeom>
+        </p:spPr>
+        <p:style>
+          <a:lnRef idx="1">
+            <a:schemeClr val="accent1"/>
+          </a:lnRef>
+          <a:fillRef idx="0">
+            <a:schemeClr val="accent1"/>
+          </a:fillRef>
+          <a:effectRef idx="0">
+            <a:schemeClr val="accent1"/>
+          </a:effectRef>
+          <a:fontRef idx="minor">
+            <a:schemeClr val="tx1"/>
+          </a:fontRef>
+        </p:style>
+      </p:cxnSp>
+      <p:sp>
+        <p:nvSpPr>
+          <p:cNvPr id="43" name="Oval 42">
+            <a:extLst>
+              <a:ext uri="{FF2B5EF4-FFF2-40B4-BE49-F238E27FC236}">
+                <a16:creationId xmlns:a16="http://schemas.microsoft.com/office/drawing/2014/main" id="{0D6C10DE-2989-4A98-90DB-CFDAF6B9D6E5}"/>
+              </a:ext>
+            </a:extLst>
+          </p:cNvPr>
+          <p:cNvSpPr/>
+          <p:nvPr/>
+        </p:nvSpPr>
+        <p:spPr>
+          <a:xfrm>
+            <a:off x="7449633" y="4019867"/>
+            <a:ext cx="276446" cy="290623"/>
+          </a:xfrm>
+          <a:prstGeom prst="ellipse">
+            <a:avLst/>
+          </a:prstGeom>
+          <a:noFill/>
+        </p:spPr>
+        <p:style>
+          <a:lnRef idx="2">
+            <a:schemeClr val="accent1">
+              <a:shade val="50000"/>
+            </a:schemeClr>
+          </a:lnRef>
+          <a:fillRef idx="1">
+            <a:schemeClr val="accent1"/>
+          </a:fillRef>
+          <a:effectRef idx="0">
+            <a:schemeClr val="accent1"/>
+          </a:effectRef>
+          <a:fontRef idx="minor">
+            <a:schemeClr val="lt1"/>
+          </a:fontRef>
+        </p:style>
+        <p:txBody>
+          <a:bodyPr rtlCol="0" anchor="ctr"/>
+          <a:lstStyle/>
+          <a:p>
+            <a:pPr algn="ctr"/>
+            <a:endParaRPr lang="en-US" dirty="0"/>
+          </a:p>
+        </p:txBody>
+      </p:sp>
+      <p:sp>
+        <p:nvSpPr>
+          <p:cNvPr id="44" name="TextBox 43">
+            <a:extLst>
+              <a:ext uri="{FF2B5EF4-FFF2-40B4-BE49-F238E27FC236}">
+                <a16:creationId xmlns:a16="http://schemas.microsoft.com/office/drawing/2014/main" id="{53C15BFE-9922-4699-AC61-B0B4A748E280}"/>
+              </a:ext>
+            </a:extLst>
+          </p:cNvPr>
+          <p:cNvSpPr txBox="1"/>
+          <p:nvPr/>
+        </p:nvSpPr>
+        <p:spPr>
+          <a:xfrm>
+            <a:off x="7720264" y="3956072"/>
+            <a:ext cx="2782878" cy="369332"/>
+          </a:xfrm>
+          <a:prstGeom prst="rect">
+            <a:avLst/>
+          </a:prstGeom>
+          <a:noFill/>
+        </p:spPr>
+        <p:txBody>
+          <a:bodyPr wrap="none" rtlCol="0">
+            <a:spAutoFit/>
+          </a:bodyPr>
+          <a:lstStyle/>
+          <a:p>
+            <a:r>
+              <a:rPr lang="en-US" dirty="0" err="1"/>
+              <a:t>doesRangeStartWithImages</a:t>
+            </a:r>
+            <a:endParaRPr lang="en-US" dirty="0"/>
+          </a:p>
+        </p:txBody>
+      </p:sp>
+      <p:cxnSp>
+        <p:nvCxnSpPr>
+          <p:cNvPr id="46" name="Straight Connector 45">
+            <a:extLst>
+              <a:ext uri="{FF2B5EF4-FFF2-40B4-BE49-F238E27FC236}">
+                <a16:creationId xmlns:a16="http://schemas.microsoft.com/office/drawing/2014/main" id="{50127386-623A-46B3-9099-55BFA6ED8F9D}"/>
+              </a:ext>
+            </a:extLst>
+          </p:cNvPr>
+          <p:cNvCxnSpPr>
+            <a:cxnSpLocks/>
+            <a:endCxn id="43" idx="1"/>
+          </p:cNvCxnSpPr>
+          <p:nvPr/>
+        </p:nvCxnSpPr>
+        <p:spPr>
+          <a:xfrm>
+            <a:off x="6140575" y="3420371"/>
+            <a:ext cx="1349543" cy="642057"/>
+          </a:xfrm>
+          <a:prstGeom prst="line">
+            <a:avLst/>
+          </a:prstGeom>
+        </p:spPr>
+        <p:style>
+          <a:lnRef idx="1">
+            <a:schemeClr val="accent1"/>
+          </a:lnRef>
+          <a:fillRef idx="0">
+            <a:schemeClr val="accent1"/>
+          </a:fillRef>
+          <a:effectRef idx="0">
+            <a:schemeClr val="accent1"/>
+          </a:effectRef>
+          <a:fontRef idx="minor">
+            <a:schemeClr val="tx1"/>
+          </a:fontRef>
+        </p:style>
+      </p:cxnSp>
+      <p:sp>
+        <p:nvSpPr>
+          <p:cNvPr id="50" name="TextBox 49">
+            <a:extLst>
+              <a:ext uri="{FF2B5EF4-FFF2-40B4-BE49-F238E27FC236}">
+                <a16:creationId xmlns:a16="http://schemas.microsoft.com/office/drawing/2014/main" id="{F36D5277-46FF-41E6-8D28-9856E1FD7F49}"/>
+              </a:ext>
+            </a:extLst>
+          </p:cNvPr>
+          <p:cNvSpPr txBox="1"/>
+          <p:nvPr/>
+        </p:nvSpPr>
+        <p:spPr>
+          <a:xfrm>
+            <a:off x="6690240" y="3432941"/>
+            <a:ext cx="500458" cy="369332"/>
+          </a:xfrm>
+          <a:prstGeom prst="rect">
+            <a:avLst/>
+          </a:prstGeom>
+          <a:noFill/>
+        </p:spPr>
+        <p:txBody>
+          <a:bodyPr wrap="none" rtlCol="0">
+            <a:spAutoFit/>
+          </a:bodyPr>
+          <a:lstStyle/>
+          <a:p>
+            <a:r>
+              <a:rPr lang="en-US" i="1" dirty="0" err="1"/>
+              <a:t>arg</a:t>
+            </a:r>
+            <a:endParaRPr lang="en-US" i="1" dirty="0"/>
+          </a:p>
+        </p:txBody>
+      </p:sp>
+      <p:sp>
+        <p:nvSpPr>
+          <p:cNvPr id="51" name="Oval 50">
+            <a:extLst>
+              <a:ext uri="{FF2B5EF4-FFF2-40B4-BE49-F238E27FC236}">
+                <a16:creationId xmlns:a16="http://schemas.microsoft.com/office/drawing/2014/main" id="{ADD2997D-B707-48EC-B38E-17304E6DF393}"/>
+              </a:ext>
+            </a:extLst>
+          </p:cNvPr>
+          <p:cNvSpPr/>
+          <p:nvPr/>
+        </p:nvSpPr>
+        <p:spPr>
+          <a:xfrm>
+            <a:off x="5904614" y="4316811"/>
+            <a:ext cx="276446" cy="290623"/>
+          </a:xfrm>
+          <a:prstGeom prst="ellipse">
+            <a:avLst/>
+          </a:prstGeom>
+          <a:noFill/>
+        </p:spPr>
+        <p:style>
+          <a:lnRef idx="2">
+            <a:schemeClr val="accent1">
+              <a:shade val="50000"/>
+            </a:schemeClr>
+          </a:lnRef>
+          <a:fillRef idx="1">
+            <a:schemeClr val="accent1"/>
+          </a:fillRef>
+          <a:effectRef idx="0">
+            <a:schemeClr val="accent1"/>
+          </a:effectRef>
+          <a:fontRef idx="minor">
+            <a:schemeClr val="lt1"/>
+          </a:fontRef>
+        </p:style>
+        <p:txBody>
+          <a:bodyPr rtlCol="0" anchor="ctr"/>
+          <a:lstStyle/>
+          <a:p>
+            <a:pPr algn="ctr"/>
+            <a:endParaRPr lang="en-US" dirty="0"/>
+          </a:p>
+        </p:txBody>
+      </p:sp>
+      <p:sp>
+        <p:nvSpPr>
+          <p:cNvPr id="52" name="TextBox 51">
+            <a:extLst>
+              <a:ext uri="{FF2B5EF4-FFF2-40B4-BE49-F238E27FC236}">
+                <a16:creationId xmlns:a16="http://schemas.microsoft.com/office/drawing/2014/main" id="{43767939-8F10-42CD-8236-D296E0AFC465}"/>
+              </a:ext>
+            </a:extLst>
+          </p:cNvPr>
+          <p:cNvSpPr txBox="1"/>
+          <p:nvPr/>
+        </p:nvSpPr>
+        <p:spPr>
+          <a:xfrm>
+            <a:off x="6175245" y="4253016"/>
+            <a:ext cx="1463734" cy="369332"/>
+          </a:xfrm>
+          <a:prstGeom prst="rect">
+            <a:avLst/>
+          </a:prstGeom>
+          <a:noFill/>
+        </p:spPr>
+        <p:txBody>
+          <a:bodyPr wrap="none" rtlCol="0">
+            <a:spAutoFit/>
+          </a:bodyPr>
+          <a:lstStyle/>
+          <a:p>
+            <a:r>
+              <a:rPr lang="en-US" dirty="0" err="1"/>
+              <a:t>endContainer</a:t>
+            </a:r>
+            <a:endParaRPr lang="en-US" dirty="0"/>
+          </a:p>
+        </p:txBody>
+      </p:sp>
+      <p:sp>
+        <p:nvSpPr>
+          <p:cNvPr id="53" name="Oval 52">
+            <a:extLst>
+              <a:ext uri="{FF2B5EF4-FFF2-40B4-BE49-F238E27FC236}">
+                <a16:creationId xmlns:a16="http://schemas.microsoft.com/office/drawing/2014/main" id="{EB270AC6-4FBD-4C89-963B-70215110D101}"/>
+              </a:ext>
+            </a:extLst>
+          </p:cNvPr>
+          <p:cNvSpPr/>
+          <p:nvPr/>
+        </p:nvSpPr>
+        <p:spPr>
+          <a:xfrm>
+            <a:off x="4604145" y="3936197"/>
+            <a:ext cx="276446" cy="290623"/>
+          </a:xfrm>
+          <a:prstGeom prst="ellipse">
+            <a:avLst/>
+          </a:prstGeom>
+          <a:noFill/>
+        </p:spPr>
+        <p:style>
+          <a:lnRef idx="2">
+            <a:schemeClr val="accent1">
+              <a:shade val="50000"/>
+            </a:schemeClr>
+          </a:lnRef>
+          <a:fillRef idx="1">
+            <a:schemeClr val="accent1"/>
+          </a:fillRef>
+          <a:effectRef idx="0">
+            <a:schemeClr val="accent1"/>
+          </a:effectRef>
+          <a:fontRef idx="minor">
+            <a:schemeClr val="lt1"/>
+          </a:fontRef>
+        </p:style>
+        <p:txBody>
+          <a:bodyPr rtlCol="0" anchor="ctr"/>
+          <a:lstStyle/>
+          <a:p>
+            <a:pPr algn="ctr"/>
+            <a:endParaRPr lang="en-US" dirty="0"/>
+          </a:p>
+        </p:txBody>
+      </p:sp>
+      <p:sp>
+        <p:nvSpPr>
+          <p:cNvPr id="54" name="TextBox 53">
+            <a:extLst>
+              <a:ext uri="{FF2B5EF4-FFF2-40B4-BE49-F238E27FC236}">
+                <a16:creationId xmlns:a16="http://schemas.microsoft.com/office/drawing/2014/main" id="{8F6B7D10-C817-4621-8092-9796E033FE01}"/>
+              </a:ext>
+            </a:extLst>
+          </p:cNvPr>
+          <p:cNvSpPr txBox="1"/>
+          <p:nvPr/>
+        </p:nvSpPr>
+        <p:spPr>
+          <a:xfrm>
+            <a:off x="3921168" y="4223188"/>
+            <a:ext cx="1533690" cy="369332"/>
+          </a:xfrm>
+          <a:prstGeom prst="rect">
+            <a:avLst/>
+          </a:prstGeom>
+          <a:noFill/>
+        </p:spPr>
+        <p:txBody>
+          <a:bodyPr wrap="none" rtlCol="0">
+            <a:spAutoFit/>
+          </a:bodyPr>
+          <a:lstStyle/>
+          <a:p>
+            <a:r>
+              <a:rPr lang="en-US" dirty="0" err="1"/>
+              <a:t>startContainer</a:t>
+            </a:r>
+            <a:endParaRPr lang="en-US" dirty="0"/>
+          </a:p>
+        </p:txBody>
+      </p:sp>
+      <p:sp>
+        <p:nvSpPr>
+          <p:cNvPr id="55" name="Oval 54">
+            <a:extLst>
+              <a:ext uri="{FF2B5EF4-FFF2-40B4-BE49-F238E27FC236}">
+                <a16:creationId xmlns:a16="http://schemas.microsoft.com/office/drawing/2014/main" id="{F541A98E-69B2-499E-B768-CC7BFB5C9393}"/>
+              </a:ext>
+            </a:extLst>
+          </p:cNvPr>
+          <p:cNvSpPr/>
+          <p:nvPr/>
+        </p:nvSpPr>
+        <p:spPr>
+          <a:xfrm>
+            <a:off x="4604145" y="3172308"/>
+            <a:ext cx="276446" cy="290623"/>
+          </a:xfrm>
+          <a:prstGeom prst="ellipse">
+            <a:avLst/>
+          </a:prstGeom>
+          <a:noFill/>
+        </p:spPr>
+        <p:style>
+          <a:lnRef idx="2">
+            <a:schemeClr val="accent1">
+              <a:shade val="50000"/>
+            </a:schemeClr>
+          </a:lnRef>
+          <a:fillRef idx="1">
+            <a:schemeClr val="accent1"/>
+          </a:fillRef>
+          <a:effectRef idx="0">
+            <a:schemeClr val="accent1"/>
+          </a:effectRef>
+          <a:fontRef idx="minor">
+            <a:schemeClr val="lt1"/>
+          </a:fontRef>
+        </p:style>
+        <p:txBody>
+          <a:bodyPr rtlCol="0" anchor="ctr"/>
+          <a:lstStyle/>
+          <a:p>
+            <a:pPr algn="ctr"/>
+            <a:endParaRPr lang="en-US" dirty="0"/>
+          </a:p>
+        </p:txBody>
+      </p:sp>
+      <p:sp>
+        <p:nvSpPr>
+          <p:cNvPr id="56" name="TextBox 55">
+            <a:extLst>
+              <a:ext uri="{FF2B5EF4-FFF2-40B4-BE49-F238E27FC236}">
+                <a16:creationId xmlns:a16="http://schemas.microsoft.com/office/drawing/2014/main" id="{4DEB5E5E-224C-4EC3-8C11-655E64AF0245}"/>
+              </a:ext>
+            </a:extLst>
+          </p:cNvPr>
+          <p:cNvSpPr txBox="1"/>
+          <p:nvPr/>
+        </p:nvSpPr>
+        <p:spPr>
+          <a:xfrm>
+            <a:off x="4188871" y="3420371"/>
+            <a:ext cx="1112741" cy="369332"/>
+          </a:xfrm>
+          <a:prstGeom prst="rect">
+            <a:avLst/>
+          </a:prstGeom>
+          <a:noFill/>
+        </p:spPr>
+        <p:txBody>
+          <a:bodyPr wrap="none" rtlCol="0">
+            <a:spAutoFit/>
+          </a:bodyPr>
+          <a:lstStyle/>
+          <a:p>
+            <a:r>
+              <a:rPr lang="en-US" dirty="0" err="1"/>
+              <a:t>endOffset</a:t>
+            </a:r>
+            <a:endParaRPr lang="en-US" dirty="0"/>
+          </a:p>
+        </p:txBody>
+      </p:sp>
+      <p:sp>
+        <p:nvSpPr>
+          <p:cNvPr id="57" name="Oval 56">
+            <a:extLst>
+              <a:ext uri="{FF2B5EF4-FFF2-40B4-BE49-F238E27FC236}">
+                <a16:creationId xmlns:a16="http://schemas.microsoft.com/office/drawing/2014/main" id="{5AF75E40-B8A6-4566-A3D1-C685B2AF9804}"/>
+              </a:ext>
+            </a:extLst>
+          </p:cNvPr>
+          <p:cNvSpPr/>
+          <p:nvPr/>
+        </p:nvSpPr>
+        <p:spPr>
+          <a:xfrm>
+            <a:off x="4599233" y="2228141"/>
+            <a:ext cx="276446" cy="290623"/>
+          </a:xfrm>
+          <a:prstGeom prst="ellipse">
+            <a:avLst/>
+          </a:prstGeom>
+          <a:noFill/>
+        </p:spPr>
+        <p:style>
+          <a:lnRef idx="2">
+            <a:schemeClr val="accent1">
+              <a:shade val="50000"/>
+            </a:schemeClr>
+          </a:lnRef>
+          <a:fillRef idx="1">
+            <a:schemeClr val="accent1"/>
+          </a:fillRef>
+          <a:effectRef idx="0">
+            <a:schemeClr val="accent1"/>
+          </a:effectRef>
+          <a:fontRef idx="minor">
+            <a:schemeClr val="lt1"/>
+          </a:fontRef>
+        </p:style>
+        <p:txBody>
+          <a:bodyPr rtlCol="0" anchor="ctr"/>
+          <a:lstStyle/>
+          <a:p>
+            <a:pPr algn="ctr"/>
+            <a:endParaRPr lang="en-US" dirty="0"/>
+          </a:p>
+        </p:txBody>
+      </p:sp>
+      <p:sp>
+        <p:nvSpPr>
+          <p:cNvPr id="58" name="TextBox 57">
+            <a:extLst>
+              <a:ext uri="{FF2B5EF4-FFF2-40B4-BE49-F238E27FC236}">
+                <a16:creationId xmlns:a16="http://schemas.microsoft.com/office/drawing/2014/main" id="{81C9CE67-144A-42EF-BBBE-C7BA9195859B}"/>
+              </a:ext>
+            </a:extLst>
+          </p:cNvPr>
+          <p:cNvSpPr txBox="1"/>
+          <p:nvPr/>
+        </p:nvSpPr>
+        <p:spPr>
+          <a:xfrm>
+            <a:off x="4089916" y="1870962"/>
+            <a:ext cx="1182696" cy="369332"/>
+          </a:xfrm>
+          <a:prstGeom prst="rect">
+            <a:avLst/>
+          </a:prstGeom>
+          <a:noFill/>
+        </p:spPr>
+        <p:txBody>
+          <a:bodyPr wrap="none" rtlCol="0">
+            <a:spAutoFit/>
+          </a:bodyPr>
+          <a:lstStyle/>
+          <a:p>
+            <a:r>
+              <a:rPr lang="en-US" dirty="0" err="1"/>
+              <a:t>startOffset</a:t>
+            </a:r>
+            <a:endParaRPr lang="en-US" dirty="0"/>
+          </a:p>
+        </p:txBody>
+      </p:sp>
+      <p:cxnSp>
+        <p:nvCxnSpPr>
+          <p:cNvPr id="63" name="Straight Connector 62">
+            <a:extLst>
+              <a:ext uri="{FF2B5EF4-FFF2-40B4-BE49-F238E27FC236}">
+                <a16:creationId xmlns:a16="http://schemas.microsoft.com/office/drawing/2014/main" id="{A6B5AE9C-69A0-425B-9638-936D128C07FE}"/>
+              </a:ext>
+            </a:extLst>
+          </p:cNvPr>
+          <p:cNvCxnSpPr>
+            <a:stCxn id="5" idx="1"/>
+            <a:endCxn id="57" idx="5"/>
+          </p:cNvCxnSpPr>
+          <p:nvPr/>
+        </p:nvCxnSpPr>
+        <p:spPr>
+          <a:xfrm flipH="1" flipV="1">
+            <a:off x="4835194" y="2476203"/>
+            <a:ext cx="1075235" cy="816976"/>
+          </a:xfrm>
+          <a:prstGeom prst="line">
+            <a:avLst/>
+          </a:prstGeom>
+        </p:spPr>
+        <p:style>
+          <a:lnRef idx="1">
+            <a:schemeClr val="accent1"/>
+          </a:lnRef>
+          <a:fillRef idx="0">
+            <a:schemeClr val="accent1"/>
+          </a:fillRef>
+          <a:effectRef idx="0">
+            <a:schemeClr val="accent1"/>
+          </a:effectRef>
+          <a:fontRef idx="minor">
+            <a:schemeClr val="tx1"/>
+          </a:fontRef>
+        </p:style>
+      </p:cxnSp>
+      <p:cxnSp>
+        <p:nvCxnSpPr>
+          <p:cNvPr id="65" name="Straight Connector 64">
+            <a:extLst>
+              <a:ext uri="{FF2B5EF4-FFF2-40B4-BE49-F238E27FC236}">
+                <a16:creationId xmlns:a16="http://schemas.microsoft.com/office/drawing/2014/main" id="{13B3E1BD-F162-45DA-9A5B-26C40042EC4F}"/>
+              </a:ext>
+            </a:extLst>
+          </p:cNvPr>
+          <p:cNvCxnSpPr>
+            <a:stCxn id="4" idx="2"/>
+            <a:endCxn id="55" idx="6"/>
+          </p:cNvCxnSpPr>
+          <p:nvPr/>
+        </p:nvCxnSpPr>
+        <p:spPr>
+          <a:xfrm flipH="1" flipV="1">
+            <a:off x="4880591" y="3317620"/>
+            <a:ext cx="1024023" cy="14914"/>
+          </a:xfrm>
+          <a:prstGeom prst="line">
+            <a:avLst/>
+          </a:prstGeom>
+        </p:spPr>
+        <p:style>
+          <a:lnRef idx="1">
+            <a:schemeClr val="accent1"/>
+          </a:lnRef>
+          <a:fillRef idx="0">
+            <a:schemeClr val="accent1"/>
+          </a:fillRef>
+          <a:effectRef idx="0">
+            <a:schemeClr val="accent1"/>
+          </a:effectRef>
+          <a:fontRef idx="minor">
+            <a:schemeClr val="tx1"/>
+          </a:fontRef>
+        </p:style>
+      </p:cxnSp>
+      <p:cxnSp>
+        <p:nvCxnSpPr>
+          <p:cNvPr id="67" name="Straight Connector 66">
+            <a:extLst>
+              <a:ext uri="{FF2B5EF4-FFF2-40B4-BE49-F238E27FC236}">
+                <a16:creationId xmlns:a16="http://schemas.microsoft.com/office/drawing/2014/main" id="{FF19DB3D-AE12-4EF5-91D6-DBFFE47811A8}"/>
+              </a:ext>
+            </a:extLst>
+          </p:cNvPr>
+          <p:cNvCxnSpPr>
+            <a:cxnSpLocks/>
+            <a:endCxn id="53" idx="7"/>
+          </p:cNvCxnSpPr>
+          <p:nvPr/>
+        </p:nvCxnSpPr>
+        <p:spPr>
+          <a:xfrm flipH="1">
+            <a:off x="4840106" y="3405457"/>
+            <a:ext cx="1070323" cy="573301"/>
+          </a:xfrm>
+          <a:prstGeom prst="line">
+            <a:avLst/>
+          </a:prstGeom>
+        </p:spPr>
+        <p:style>
+          <a:lnRef idx="1">
+            <a:schemeClr val="accent1"/>
+          </a:lnRef>
+          <a:fillRef idx="0">
+            <a:schemeClr val="accent1"/>
+          </a:fillRef>
+          <a:effectRef idx="0">
+            <a:schemeClr val="accent1"/>
+          </a:effectRef>
+          <a:fontRef idx="minor">
+            <a:schemeClr val="tx1"/>
+          </a:fontRef>
+        </p:style>
+      </p:cxnSp>
+      <p:cxnSp>
+        <p:nvCxnSpPr>
+          <p:cNvPr id="70" name="Straight Connector 69">
+            <a:extLst>
+              <a:ext uri="{FF2B5EF4-FFF2-40B4-BE49-F238E27FC236}">
+                <a16:creationId xmlns:a16="http://schemas.microsoft.com/office/drawing/2014/main" id="{36BFF070-15F8-46F2-B5DC-9BC1EF83F916}"/>
+              </a:ext>
+            </a:extLst>
+          </p:cNvPr>
+          <p:cNvCxnSpPr>
+            <a:stCxn id="5" idx="2"/>
+            <a:endCxn id="51" idx="0"/>
+          </p:cNvCxnSpPr>
+          <p:nvPr/>
+        </p:nvCxnSpPr>
+        <p:spPr>
+          <a:xfrm>
+            <a:off x="6042837" y="3477845"/>
+            <a:ext cx="0" cy="838966"/>
+          </a:xfrm>
+          <a:prstGeom prst="line">
+            <a:avLst/>
+          </a:prstGeom>
+        </p:spPr>
+        <p:style>
+          <a:lnRef idx="1">
+            <a:schemeClr val="accent1"/>
+          </a:lnRef>
+          <a:fillRef idx="0">
+            <a:schemeClr val="accent1"/>
+          </a:fillRef>
+          <a:effectRef idx="0">
+            <a:schemeClr val="accent1"/>
+          </a:effectRef>
+          <a:fontRef idx="minor">
+            <a:schemeClr val="tx1"/>
+          </a:fontRef>
+        </p:style>
+      </p:cxnSp>
+      <p:sp>
+        <p:nvSpPr>
+          <p:cNvPr id="71" name="TextBox 70">
+            <a:extLst>
+              <a:ext uri="{FF2B5EF4-FFF2-40B4-BE49-F238E27FC236}">
+                <a16:creationId xmlns:a16="http://schemas.microsoft.com/office/drawing/2014/main" id="{91F1E3E7-E172-48AE-A45D-6D59FAA11199}"/>
+              </a:ext>
+            </a:extLst>
+          </p:cNvPr>
+          <p:cNvSpPr txBox="1"/>
+          <p:nvPr/>
+        </p:nvSpPr>
+        <p:spPr>
+          <a:xfrm>
+            <a:off x="5082363" y="2441133"/>
+            <a:ext cx="899157" cy="369332"/>
+          </a:xfrm>
+          <a:prstGeom prst="rect">
+            <a:avLst/>
+          </a:prstGeom>
+          <a:noFill/>
+        </p:spPr>
+        <p:txBody>
+          <a:bodyPr wrap="none" rtlCol="0">
+            <a:spAutoFit/>
+          </a:bodyPr>
+          <a:lstStyle/>
+          <a:p>
+            <a:r>
+              <a:rPr lang="en-US" i="1" dirty="0" err="1"/>
+              <a:t>fieldacc</a:t>
+            </a:r>
+            <a:endParaRPr lang="en-US" i="1" dirty="0"/>
+          </a:p>
+        </p:txBody>
+      </p:sp>
+      <p:sp>
+        <p:nvSpPr>
+          <p:cNvPr id="72" name="TextBox 71">
+            <a:extLst>
+              <a:ext uri="{FF2B5EF4-FFF2-40B4-BE49-F238E27FC236}">
+                <a16:creationId xmlns:a16="http://schemas.microsoft.com/office/drawing/2014/main" id="{1C773C83-A17F-472C-981E-0AD8B478EF59}"/>
+              </a:ext>
+            </a:extLst>
+          </p:cNvPr>
+          <p:cNvSpPr txBox="1"/>
+          <p:nvPr/>
+        </p:nvSpPr>
+        <p:spPr>
+          <a:xfrm>
+            <a:off x="4936768" y="2986886"/>
+            <a:ext cx="899157" cy="369332"/>
+          </a:xfrm>
+          <a:prstGeom prst="rect">
+            <a:avLst/>
+          </a:prstGeom>
+          <a:noFill/>
+        </p:spPr>
+        <p:txBody>
+          <a:bodyPr wrap="none" rtlCol="0">
+            <a:spAutoFit/>
+          </a:bodyPr>
+          <a:lstStyle/>
+          <a:p>
+            <a:r>
+              <a:rPr lang="en-US" i="1" dirty="0" err="1"/>
+              <a:t>fieldacc</a:t>
+            </a:r>
+            <a:endParaRPr lang="en-US" i="1" dirty="0"/>
+          </a:p>
+        </p:txBody>
+      </p:sp>
+      <p:sp>
+        <p:nvSpPr>
+          <p:cNvPr id="73" name="TextBox 72">
+            <a:extLst>
+              <a:ext uri="{FF2B5EF4-FFF2-40B4-BE49-F238E27FC236}">
+                <a16:creationId xmlns:a16="http://schemas.microsoft.com/office/drawing/2014/main" id="{5E60C07D-E026-48F6-8AF5-60B85A754924}"/>
+              </a:ext>
+            </a:extLst>
+          </p:cNvPr>
+          <p:cNvSpPr txBox="1"/>
+          <p:nvPr/>
+        </p:nvSpPr>
+        <p:spPr>
+          <a:xfrm>
+            <a:off x="5113989" y="3678284"/>
+            <a:ext cx="899157" cy="369332"/>
+          </a:xfrm>
+          <a:prstGeom prst="rect">
+            <a:avLst/>
+          </a:prstGeom>
+          <a:noFill/>
+        </p:spPr>
+        <p:txBody>
+          <a:bodyPr wrap="none" rtlCol="0">
+            <a:spAutoFit/>
+          </a:bodyPr>
+          <a:lstStyle/>
+          <a:p>
+            <a:r>
+              <a:rPr lang="en-US" i="1" dirty="0" err="1"/>
+              <a:t>fieldacc</a:t>
+            </a:r>
+            <a:endParaRPr lang="en-US" i="1" dirty="0"/>
+          </a:p>
+        </p:txBody>
+      </p:sp>
+      <p:sp>
+        <p:nvSpPr>
+          <p:cNvPr id="74" name="TextBox 73">
+            <a:extLst>
+              <a:ext uri="{FF2B5EF4-FFF2-40B4-BE49-F238E27FC236}">
+                <a16:creationId xmlns:a16="http://schemas.microsoft.com/office/drawing/2014/main" id="{A0853F62-36AB-4924-A94F-3ABDEAECA05B}"/>
+              </a:ext>
+            </a:extLst>
+          </p:cNvPr>
+          <p:cNvSpPr txBox="1"/>
+          <p:nvPr/>
+        </p:nvSpPr>
+        <p:spPr>
+          <a:xfrm>
+            <a:off x="6013218" y="3809297"/>
+            <a:ext cx="899157" cy="369332"/>
+          </a:xfrm>
+          <a:prstGeom prst="rect">
+            <a:avLst/>
+          </a:prstGeom>
+          <a:noFill/>
+        </p:spPr>
+        <p:txBody>
+          <a:bodyPr wrap="none" rtlCol="0">
+            <a:spAutoFit/>
+          </a:bodyPr>
+          <a:lstStyle/>
+          <a:p>
+            <a:r>
+              <a:rPr lang="en-US" i="1" dirty="0" err="1"/>
+              <a:t>fieldacc</a:t>
+            </a:r>
+            <a:endParaRPr lang="en-US" i="1" dirty="0"/>
+          </a:p>
+        </p:txBody>
+      </p:sp>
+      <p:cxnSp>
+        <p:nvCxnSpPr>
+          <p:cNvPr id="76" name="Straight Connector 75">
+            <a:extLst>
+              <a:ext uri="{FF2B5EF4-FFF2-40B4-BE49-F238E27FC236}">
+                <a16:creationId xmlns:a16="http://schemas.microsoft.com/office/drawing/2014/main" id="{D25D1AE4-7699-49CA-BC22-50BA7EBB4184}"/>
+              </a:ext>
+            </a:extLst>
+          </p:cNvPr>
+          <p:cNvCxnSpPr>
+            <a:stCxn id="13" idx="2"/>
+            <a:endCxn id="8" idx="0"/>
+          </p:cNvCxnSpPr>
+          <p:nvPr/>
+        </p:nvCxnSpPr>
+        <p:spPr>
+          <a:xfrm>
+            <a:off x="6042837" y="1208070"/>
+            <a:ext cx="0" cy="702247"/>
+          </a:xfrm>
+          <a:prstGeom prst="line">
+            <a:avLst/>
+          </a:prstGeom>
+        </p:spPr>
+        <p:style>
+          <a:lnRef idx="1">
+            <a:schemeClr val="accent1"/>
+          </a:lnRef>
+          <a:fillRef idx="0">
+            <a:schemeClr val="accent1"/>
+          </a:fillRef>
+          <a:effectRef idx="0">
+            <a:schemeClr val="accent1"/>
+          </a:effectRef>
+          <a:fontRef idx="minor">
+            <a:schemeClr val="tx1"/>
+          </a:fontRef>
+        </p:style>
+      </p:cxnSp>
+      <p:sp>
+        <p:nvSpPr>
+          <p:cNvPr id="77" name="TextBox 76">
+            <a:extLst>
+              <a:ext uri="{FF2B5EF4-FFF2-40B4-BE49-F238E27FC236}">
+                <a16:creationId xmlns:a16="http://schemas.microsoft.com/office/drawing/2014/main" id="{B2BE364D-3E60-4446-B0AD-6D7FC9530849}"/>
+              </a:ext>
+            </a:extLst>
+          </p:cNvPr>
+          <p:cNvSpPr txBox="1"/>
+          <p:nvPr/>
+        </p:nvSpPr>
+        <p:spPr>
+          <a:xfrm>
+            <a:off x="6013146" y="1277484"/>
+            <a:ext cx="991490" cy="369332"/>
+          </a:xfrm>
+          <a:prstGeom prst="rect">
+            <a:avLst/>
+          </a:prstGeom>
+          <a:noFill/>
+        </p:spPr>
+        <p:txBody>
+          <a:bodyPr wrap="none" rtlCol="0">
+            <a:spAutoFit/>
+          </a:bodyPr>
+          <a:lstStyle/>
+          <a:p>
+            <a:r>
+              <a:rPr lang="en-US" i="1" dirty="0" err="1"/>
+              <a:t>methcall</a:t>
+            </a:r>
+            <a:endParaRPr lang="en-US" i="1" dirty="0"/>
+          </a:p>
+        </p:txBody>
+      </p:sp>
+      <p:sp>
+        <p:nvSpPr>
+          <p:cNvPr id="78" name="Oval 77">
+            <a:extLst>
+              <a:ext uri="{FF2B5EF4-FFF2-40B4-BE49-F238E27FC236}">
+                <a16:creationId xmlns:a16="http://schemas.microsoft.com/office/drawing/2014/main" id="{ACB770BB-5D5E-48FA-886B-C7F7DC6C5BA7}"/>
+              </a:ext>
+            </a:extLst>
+          </p:cNvPr>
+          <p:cNvSpPr/>
+          <p:nvPr/>
+        </p:nvSpPr>
+        <p:spPr>
+          <a:xfrm>
+            <a:off x="7449633" y="878092"/>
+            <a:ext cx="276446" cy="290624"/>
+          </a:xfrm>
+          <a:prstGeom prst="ellipse">
+            <a:avLst/>
+          </a:prstGeom>
+          <a:noFill/>
+        </p:spPr>
+        <p:style>
+          <a:lnRef idx="2">
+            <a:schemeClr val="accent1">
+              <a:shade val="50000"/>
+            </a:schemeClr>
+          </a:lnRef>
+          <a:fillRef idx="1">
+            <a:schemeClr val="accent1"/>
+          </a:fillRef>
+          <a:effectRef idx="0">
+            <a:schemeClr val="accent1"/>
+          </a:effectRef>
+          <a:fontRef idx="minor">
+            <a:schemeClr val="lt1"/>
+          </a:fontRef>
+        </p:style>
+        <p:txBody>
+          <a:bodyPr rtlCol="0" anchor="ctr"/>
+          <a:lstStyle/>
+          <a:p>
+            <a:pPr algn="ctr"/>
+            <a:endParaRPr lang="en-US" dirty="0"/>
+          </a:p>
+        </p:txBody>
+      </p:sp>
+      <p:sp>
+        <p:nvSpPr>
+          <p:cNvPr id="79" name="TextBox 78">
+            <a:extLst>
+              <a:ext uri="{FF2B5EF4-FFF2-40B4-BE49-F238E27FC236}">
+                <a16:creationId xmlns:a16="http://schemas.microsoft.com/office/drawing/2014/main" id="{93C27B3D-6A1C-42B5-9888-8E527802DA4F}"/>
+              </a:ext>
+            </a:extLst>
+          </p:cNvPr>
+          <p:cNvSpPr txBox="1"/>
+          <p:nvPr/>
+        </p:nvSpPr>
+        <p:spPr>
+          <a:xfrm>
+            <a:off x="7720264" y="765318"/>
+            <a:ext cx="1343701" cy="369332"/>
+          </a:xfrm>
+          <a:prstGeom prst="rect">
+            <a:avLst/>
+          </a:prstGeom>
+          <a:noFill/>
+        </p:spPr>
+        <p:txBody>
+          <a:bodyPr wrap="none" rtlCol="0">
+            <a:spAutoFit/>
+          </a:bodyPr>
+          <a:lstStyle/>
+          <a:p>
+            <a:r>
+              <a:rPr lang="en-US" dirty="0" err="1"/>
+              <a:t>getSelection</a:t>
+            </a:r>
+            <a:endParaRPr lang="en-US" dirty="0"/>
+          </a:p>
+        </p:txBody>
+      </p:sp>
+      <p:cxnSp>
+        <p:nvCxnSpPr>
+          <p:cNvPr id="81" name="Straight Connector 80">
+            <a:extLst>
+              <a:ext uri="{FF2B5EF4-FFF2-40B4-BE49-F238E27FC236}">
+                <a16:creationId xmlns:a16="http://schemas.microsoft.com/office/drawing/2014/main" id="{C80F9011-F3E3-4CF5-88A6-A66647427ECC}"/>
+              </a:ext>
+            </a:extLst>
+          </p:cNvPr>
+          <p:cNvCxnSpPr>
+            <a:cxnSpLocks/>
+            <a:stCxn id="13" idx="3"/>
+            <a:endCxn id="78" idx="2"/>
+          </p:cNvCxnSpPr>
+          <p:nvPr/>
+        </p:nvCxnSpPr>
+        <p:spPr>
+          <a:xfrm>
+            <a:off x="6194481" y="1023404"/>
+            <a:ext cx="1255152" cy="0"/>
+          </a:xfrm>
+          <a:prstGeom prst="line">
+            <a:avLst/>
+          </a:prstGeom>
+        </p:spPr>
+        <p:style>
+          <a:lnRef idx="1">
+            <a:schemeClr val="accent1"/>
+          </a:lnRef>
+          <a:fillRef idx="0">
+            <a:schemeClr val="accent1"/>
+          </a:fillRef>
+          <a:effectRef idx="0">
+            <a:schemeClr val="accent1"/>
+          </a:effectRef>
+          <a:fontRef idx="minor">
+            <a:schemeClr val="tx1"/>
+          </a:fontRef>
+        </p:style>
+      </p:cxnSp>
+      <p:sp>
+        <p:nvSpPr>
+          <p:cNvPr id="90" name="TextBox 89">
+            <a:extLst>
+              <a:ext uri="{FF2B5EF4-FFF2-40B4-BE49-F238E27FC236}">
+                <a16:creationId xmlns:a16="http://schemas.microsoft.com/office/drawing/2014/main" id="{E85ED0C9-49EA-4724-BC7A-381C960F09A4}"/>
+              </a:ext>
+            </a:extLst>
+          </p:cNvPr>
+          <p:cNvSpPr txBox="1"/>
+          <p:nvPr/>
+        </p:nvSpPr>
+        <p:spPr>
+          <a:xfrm>
+            <a:off x="6441211" y="713913"/>
+            <a:ext cx="772969" cy="369332"/>
+          </a:xfrm>
+          <a:prstGeom prst="rect">
+            <a:avLst/>
+          </a:prstGeom>
+          <a:noFill/>
+        </p:spPr>
+        <p:txBody>
+          <a:bodyPr wrap="none" rtlCol="0">
+            <a:spAutoFit/>
+          </a:bodyPr>
+          <a:lstStyle/>
+          <a:p>
+            <a:r>
+              <a:rPr lang="en-US" i="1" dirty="0"/>
+              <a:t>assign</a:t>
+            </a:r>
+          </a:p>
+        </p:txBody>
+      </p:sp>
+      <p:sp>
+        <p:nvSpPr>
+          <p:cNvPr id="93" name="Oval 92">
+            <a:extLst>
+              <a:ext uri="{FF2B5EF4-FFF2-40B4-BE49-F238E27FC236}">
+                <a16:creationId xmlns:a16="http://schemas.microsoft.com/office/drawing/2014/main" id="{8FD835CF-E688-4BD7-BBCF-DBC635A86F98}"/>
+              </a:ext>
+            </a:extLst>
+          </p:cNvPr>
+          <p:cNvSpPr/>
+          <p:nvPr/>
+        </p:nvSpPr>
+        <p:spPr>
+          <a:xfrm>
+            <a:off x="4585812" y="878093"/>
+            <a:ext cx="276446" cy="290623"/>
+          </a:xfrm>
+          <a:prstGeom prst="ellipse">
+            <a:avLst/>
+          </a:prstGeom>
+          <a:noFill/>
+        </p:spPr>
+        <p:style>
+          <a:lnRef idx="2">
+            <a:schemeClr val="accent1">
+              <a:shade val="50000"/>
+            </a:schemeClr>
+          </a:lnRef>
+          <a:fillRef idx="1">
+            <a:schemeClr val="accent1"/>
+          </a:fillRef>
+          <a:effectRef idx="0">
+            <a:schemeClr val="accent1"/>
+          </a:effectRef>
+          <a:fontRef idx="minor">
+            <a:schemeClr val="lt1"/>
+          </a:fontRef>
+        </p:style>
+        <p:txBody>
+          <a:bodyPr rtlCol="0" anchor="ctr"/>
+          <a:lstStyle/>
+          <a:p>
+            <a:pPr algn="ctr"/>
+            <a:endParaRPr lang="en-US" dirty="0"/>
+          </a:p>
+        </p:txBody>
+      </p:sp>
+      <p:sp>
+        <p:nvSpPr>
+          <p:cNvPr id="94" name="TextBox 93">
+            <a:extLst>
+              <a:ext uri="{FF2B5EF4-FFF2-40B4-BE49-F238E27FC236}">
+                <a16:creationId xmlns:a16="http://schemas.microsoft.com/office/drawing/2014/main" id="{7CA5755D-A074-4F3D-8647-DEA3A2E66273}"/>
+              </a:ext>
+            </a:extLst>
+          </p:cNvPr>
+          <p:cNvSpPr txBox="1"/>
+          <p:nvPr/>
+        </p:nvSpPr>
+        <p:spPr>
+          <a:xfrm>
+            <a:off x="4239879" y="1122042"/>
+            <a:ext cx="1278748" cy="369332"/>
+          </a:xfrm>
+          <a:prstGeom prst="rect">
+            <a:avLst/>
+          </a:prstGeom>
+          <a:noFill/>
+        </p:spPr>
+        <p:txBody>
+          <a:bodyPr wrap="none" rtlCol="0">
+            <a:spAutoFit/>
+          </a:bodyPr>
+          <a:lstStyle/>
+          <a:p>
+            <a:r>
+              <a:rPr lang="en-US" dirty="0" err="1"/>
+              <a:t>rangeCount</a:t>
+            </a:r>
+            <a:endParaRPr lang="en-US" dirty="0"/>
+          </a:p>
+        </p:txBody>
+      </p:sp>
+      <p:cxnSp>
+        <p:nvCxnSpPr>
+          <p:cNvPr id="95" name="Straight Connector 94">
+            <a:extLst>
+              <a:ext uri="{FF2B5EF4-FFF2-40B4-BE49-F238E27FC236}">
+                <a16:creationId xmlns:a16="http://schemas.microsoft.com/office/drawing/2014/main" id="{BAC8C798-F8B0-49A8-8CF0-D2CD018FF44E}"/>
+              </a:ext>
+            </a:extLst>
+          </p:cNvPr>
+          <p:cNvCxnSpPr>
+            <a:cxnSpLocks/>
+            <a:stCxn id="13" idx="1"/>
+            <a:endCxn id="93" idx="6"/>
+          </p:cNvCxnSpPr>
+          <p:nvPr/>
+        </p:nvCxnSpPr>
+        <p:spPr>
+          <a:xfrm flipH="1">
+            <a:off x="4862258" y="1023404"/>
+            <a:ext cx="1028935" cy="1"/>
+          </a:xfrm>
+          <a:prstGeom prst="line">
+            <a:avLst/>
+          </a:prstGeom>
+        </p:spPr>
+        <p:style>
+          <a:lnRef idx="1">
+            <a:schemeClr val="accent1"/>
+          </a:lnRef>
+          <a:fillRef idx="0">
+            <a:schemeClr val="accent1"/>
+          </a:fillRef>
+          <a:effectRef idx="0">
+            <a:schemeClr val="accent1"/>
+          </a:effectRef>
+          <a:fontRef idx="minor">
+            <a:schemeClr val="tx1"/>
+          </a:fontRef>
+        </p:style>
+      </p:cxnSp>
+      <p:sp>
+        <p:nvSpPr>
+          <p:cNvPr id="96" name="TextBox 95">
+            <a:extLst>
+              <a:ext uri="{FF2B5EF4-FFF2-40B4-BE49-F238E27FC236}">
+                <a16:creationId xmlns:a16="http://schemas.microsoft.com/office/drawing/2014/main" id="{EE5CC4DD-7F56-44AC-BC56-327B814DBBCB}"/>
+              </a:ext>
+            </a:extLst>
+          </p:cNvPr>
+          <p:cNvSpPr txBox="1"/>
+          <p:nvPr/>
+        </p:nvSpPr>
+        <p:spPr>
+          <a:xfrm>
+            <a:off x="4987776" y="688557"/>
+            <a:ext cx="899157" cy="369332"/>
+          </a:xfrm>
+          <a:prstGeom prst="rect">
+            <a:avLst/>
+          </a:prstGeom>
+          <a:noFill/>
+        </p:spPr>
+        <p:txBody>
+          <a:bodyPr wrap="none" rtlCol="0">
+            <a:spAutoFit/>
+          </a:bodyPr>
+          <a:lstStyle/>
+          <a:p>
+            <a:r>
+              <a:rPr lang="en-US" i="1" dirty="0" err="1"/>
+              <a:t>fieldacc</a:t>
+            </a:r>
+            <a:endParaRPr lang="en-US" i="1" dirty="0"/>
+          </a:p>
+        </p:txBody>
+      </p:sp>
+      <p:sp>
+        <p:nvSpPr>
+          <p:cNvPr id="109" name="Oval 108">
+            <a:extLst>
+              <a:ext uri="{FF2B5EF4-FFF2-40B4-BE49-F238E27FC236}">
+                <a16:creationId xmlns:a16="http://schemas.microsoft.com/office/drawing/2014/main" id="{8277526A-9863-4C76-81DF-5542D9C22A4B}"/>
+              </a:ext>
+            </a:extLst>
+          </p:cNvPr>
+          <p:cNvSpPr/>
+          <p:nvPr/>
+        </p:nvSpPr>
+        <p:spPr>
+          <a:xfrm>
+            <a:off x="9183376" y="2339663"/>
+            <a:ext cx="263025" cy="290623"/>
+          </a:xfrm>
+          <a:prstGeom prst="ellipse">
+            <a:avLst/>
+          </a:prstGeom>
+          <a:solidFill>
+            <a:schemeClr val="accent5">
+              <a:lumMod val="20000"/>
+              <a:lumOff val="80000"/>
+            </a:schemeClr>
+          </a:solidFill>
+        </p:spPr>
+        <p:style>
+          <a:lnRef idx="2">
+            <a:schemeClr val="accent1">
+              <a:shade val="50000"/>
+            </a:schemeClr>
+          </a:lnRef>
+          <a:fillRef idx="1">
+            <a:schemeClr val="accent1"/>
+          </a:fillRef>
+          <a:effectRef idx="0">
+            <a:schemeClr val="accent1"/>
+          </a:effectRef>
+          <a:fontRef idx="minor">
+            <a:schemeClr val="lt1"/>
+          </a:fontRef>
+        </p:style>
+        <p:txBody>
+          <a:bodyPr rtlCol="0" anchor="ctr"/>
+          <a:lstStyle/>
+          <a:p>
+            <a:pPr algn="ctr"/>
+            <a:endParaRPr lang="en-US" dirty="0"/>
+          </a:p>
+        </p:txBody>
+      </p:sp>
+      <p:sp>
+        <p:nvSpPr>
+          <p:cNvPr id="110" name="TextBox 109">
+            <a:extLst>
+              <a:ext uri="{FF2B5EF4-FFF2-40B4-BE49-F238E27FC236}">
+                <a16:creationId xmlns:a16="http://schemas.microsoft.com/office/drawing/2014/main" id="{6B031C8F-DB74-4814-BF20-EA07C704CF41}"/>
+              </a:ext>
+            </a:extLst>
+          </p:cNvPr>
+          <p:cNvSpPr txBox="1"/>
+          <p:nvPr/>
+        </p:nvSpPr>
+        <p:spPr>
+          <a:xfrm>
+            <a:off x="9156534" y="2285594"/>
+            <a:ext cx="303288" cy="369332"/>
+          </a:xfrm>
+          <a:prstGeom prst="rect">
+            <a:avLst/>
+          </a:prstGeom>
+          <a:noFill/>
+        </p:spPr>
+        <p:txBody>
+          <a:bodyPr wrap="none" rtlCol="0">
+            <a:spAutoFit/>
+          </a:bodyPr>
+          <a:lstStyle/>
+          <a:p>
+            <a:r>
+              <a:rPr lang="en-US" i="1" dirty="0"/>
+              <a:t>d</a:t>
+            </a:r>
+          </a:p>
+        </p:txBody>
+      </p:sp>
+      <p:cxnSp>
+        <p:nvCxnSpPr>
+          <p:cNvPr id="112" name="Straight Connector 111">
+            <a:extLst>
+              <a:ext uri="{FF2B5EF4-FFF2-40B4-BE49-F238E27FC236}">
+                <a16:creationId xmlns:a16="http://schemas.microsoft.com/office/drawing/2014/main" id="{97927540-6360-41E2-B40F-57A522E0CA93}"/>
+              </a:ext>
+            </a:extLst>
+          </p:cNvPr>
+          <p:cNvCxnSpPr>
+            <a:cxnSpLocks/>
+            <a:stCxn id="29" idx="7"/>
+          </p:cNvCxnSpPr>
+          <p:nvPr/>
+        </p:nvCxnSpPr>
+        <p:spPr>
+          <a:xfrm flipV="1">
+            <a:off x="7695917" y="2548570"/>
+            <a:ext cx="1487459" cy="666299"/>
+          </a:xfrm>
+          <a:prstGeom prst="line">
+            <a:avLst/>
+          </a:prstGeom>
+        </p:spPr>
+        <p:style>
+          <a:lnRef idx="1">
+            <a:schemeClr val="accent1"/>
+          </a:lnRef>
+          <a:fillRef idx="0">
+            <a:schemeClr val="accent1"/>
+          </a:fillRef>
+          <a:effectRef idx="0">
+            <a:schemeClr val="accent1"/>
+          </a:effectRef>
+          <a:fontRef idx="minor">
+            <a:schemeClr val="tx1"/>
+          </a:fontRef>
+        </p:style>
+      </p:cxnSp>
+      <p:sp>
+        <p:nvSpPr>
+          <p:cNvPr id="115" name="TextBox 114">
+            <a:extLst>
+              <a:ext uri="{FF2B5EF4-FFF2-40B4-BE49-F238E27FC236}">
+                <a16:creationId xmlns:a16="http://schemas.microsoft.com/office/drawing/2014/main" id="{375B13CE-03DB-40F8-B248-5424810404BD}"/>
+              </a:ext>
+            </a:extLst>
+          </p:cNvPr>
+          <p:cNvSpPr txBox="1"/>
+          <p:nvPr/>
+        </p:nvSpPr>
+        <p:spPr>
+          <a:xfrm>
+            <a:off x="7890342" y="2509319"/>
+            <a:ext cx="772969" cy="369332"/>
+          </a:xfrm>
+          <a:prstGeom prst="rect">
+            <a:avLst/>
+          </a:prstGeom>
+          <a:noFill/>
+        </p:spPr>
+        <p:txBody>
+          <a:bodyPr wrap="none" rtlCol="0">
+            <a:spAutoFit/>
+          </a:bodyPr>
+          <a:lstStyle/>
+          <a:p>
+            <a:r>
+              <a:rPr lang="en-US" i="1" dirty="0"/>
+              <a:t>assign</a:t>
+            </a:r>
+          </a:p>
+        </p:txBody>
+      </p:sp>
+      <p:cxnSp>
+        <p:nvCxnSpPr>
+          <p:cNvPr id="117" name="Straight Connector 116">
+            <a:extLst>
+              <a:ext uri="{FF2B5EF4-FFF2-40B4-BE49-F238E27FC236}">
+                <a16:creationId xmlns:a16="http://schemas.microsoft.com/office/drawing/2014/main" id="{D2DDDF41-4895-41AE-8366-B1290CD1A24E}"/>
+              </a:ext>
+            </a:extLst>
+          </p:cNvPr>
+          <p:cNvCxnSpPr>
+            <a:stCxn id="110" idx="1"/>
+            <a:endCxn id="35" idx="6"/>
+          </p:cNvCxnSpPr>
+          <p:nvPr/>
+        </p:nvCxnSpPr>
+        <p:spPr>
+          <a:xfrm flipH="1" flipV="1">
+            <a:off x="7736402" y="2470061"/>
+            <a:ext cx="1420132" cy="199"/>
+          </a:xfrm>
+          <a:prstGeom prst="line">
+            <a:avLst/>
+          </a:prstGeom>
+        </p:spPr>
+        <p:style>
+          <a:lnRef idx="1">
+            <a:schemeClr val="accent1"/>
+          </a:lnRef>
+          <a:fillRef idx="0">
+            <a:schemeClr val="accent1"/>
+          </a:fillRef>
+          <a:effectRef idx="0">
+            <a:schemeClr val="accent1"/>
+          </a:effectRef>
+          <a:fontRef idx="minor">
+            <a:schemeClr val="tx1"/>
+          </a:fontRef>
+        </p:style>
+      </p:cxnSp>
+      <p:sp>
+        <p:nvSpPr>
+          <p:cNvPr id="118" name="TextBox 117">
+            <a:extLst>
+              <a:ext uri="{FF2B5EF4-FFF2-40B4-BE49-F238E27FC236}">
+                <a16:creationId xmlns:a16="http://schemas.microsoft.com/office/drawing/2014/main" id="{F6B3A1FC-D10D-4F84-A152-1F0B8AF9DDF7}"/>
+              </a:ext>
+            </a:extLst>
+          </p:cNvPr>
+          <p:cNvSpPr txBox="1"/>
+          <p:nvPr/>
+        </p:nvSpPr>
+        <p:spPr>
+          <a:xfrm>
+            <a:off x="7979871" y="2158283"/>
+            <a:ext cx="991490" cy="369332"/>
+          </a:xfrm>
+          <a:prstGeom prst="rect">
+            <a:avLst/>
+          </a:prstGeom>
+          <a:noFill/>
+        </p:spPr>
+        <p:txBody>
+          <a:bodyPr wrap="none" rtlCol="0">
+            <a:spAutoFit/>
+          </a:bodyPr>
+          <a:lstStyle/>
+          <a:p>
+            <a:r>
+              <a:rPr lang="en-US" i="1" dirty="0" err="1"/>
+              <a:t>methcall</a:t>
+            </a:r>
+            <a:endParaRPr lang="en-US" i="1" dirty="0"/>
+          </a:p>
+        </p:txBody>
+      </p:sp>
+      <p:sp>
+        <p:nvSpPr>
+          <p:cNvPr id="119" name="Oval 118">
+            <a:extLst>
+              <a:ext uri="{FF2B5EF4-FFF2-40B4-BE49-F238E27FC236}">
+                <a16:creationId xmlns:a16="http://schemas.microsoft.com/office/drawing/2014/main" id="{5B74E2AB-D7E2-491C-BB83-8B283A8ECE1C}"/>
+              </a:ext>
+            </a:extLst>
+          </p:cNvPr>
+          <p:cNvSpPr/>
+          <p:nvPr/>
+        </p:nvSpPr>
+        <p:spPr>
+          <a:xfrm>
+            <a:off x="9169955" y="1402164"/>
+            <a:ext cx="276446" cy="290624"/>
+          </a:xfrm>
+          <a:prstGeom prst="ellipse">
+            <a:avLst/>
+          </a:prstGeom>
+          <a:noFill/>
+        </p:spPr>
+        <p:style>
+          <a:lnRef idx="2">
+            <a:schemeClr val="accent1">
+              <a:shade val="50000"/>
+            </a:schemeClr>
+          </a:lnRef>
+          <a:fillRef idx="1">
+            <a:schemeClr val="accent1"/>
+          </a:fillRef>
+          <a:effectRef idx="0">
+            <a:schemeClr val="accent1"/>
+          </a:effectRef>
+          <a:fontRef idx="minor">
+            <a:schemeClr val="lt1"/>
+          </a:fontRef>
+        </p:style>
+        <p:txBody>
+          <a:bodyPr rtlCol="0" anchor="ctr"/>
+          <a:lstStyle/>
+          <a:p>
+            <a:pPr algn="ctr"/>
+            <a:endParaRPr lang="en-US" dirty="0"/>
+          </a:p>
+        </p:txBody>
+      </p:sp>
+      <p:sp>
+        <p:nvSpPr>
+          <p:cNvPr id="120" name="TextBox 119">
+            <a:extLst>
+              <a:ext uri="{FF2B5EF4-FFF2-40B4-BE49-F238E27FC236}">
+                <a16:creationId xmlns:a16="http://schemas.microsoft.com/office/drawing/2014/main" id="{40949F46-7BC4-4076-B81F-1E202BF7B5B4}"/>
+              </a:ext>
+            </a:extLst>
+          </p:cNvPr>
+          <p:cNvSpPr txBox="1"/>
+          <p:nvPr/>
+        </p:nvSpPr>
+        <p:spPr>
+          <a:xfrm>
+            <a:off x="8276826" y="1064915"/>
+            <a:ext cx="2082301" cy="369332"/>
+          </a:xfrm>
+          <a:prstGeom prst="rect">
+            <a:avLst/>
+          </a:prstGeom>
+          <a:noFill/>
+        </p:spPr>
+        <p:txBody>
+          <a:bodyPr wrap="none" rtlCol="0">
+            <a:spAutoFit/>
+          </a:bodyPr>
+          <a:lstStyle/>
+          <a:p>
+            <a:r>
+              <a:rPr lang="en-US" dirty="0" err="1"/>
+              <a:t>selectNodeContents</a:t>
+            </a:r>
+            <a:endParaRPr lang="en-US" dirty="0"/>
+          </a:p>
+        </p:txBody>
+      </p:sp>
+      <p:cxnSp>
+        <p:nvCxnSpPr>
+          <p:cNvPr id="135" name="Straight Connector 134">
+            <a:extLst>
+              <a:ext uri="{FF2B5EF4-FFF2-40B4-BE49-F238E27FC236}">
+                <a16:creationId xmlns:a16="http://schemas.microsoft.com/office/drawing/2014/main" id="{A9FE044D-9A14-45D4-9285-2F6504308D48}"/>
+              </a:ext>
+            </a:extLst>
+          </p:cNvPr>
+          <p:cNvCxnSpPr>
+            <a:stCxn id="119" idx="4"/>
+            <a:endCxn id="109" idx="0"/>
+          </p:cNvCxnSpPr>
+          <p:nvPr/>
+        </p:nvCxnSpPr>
+        <p:spPr>
+          <a:xfrm>
+            <a:off x="9308178" y="1692788"/>
+            <a:ext cx="6711" cy="646875"/>
+          </a:xfrm>
+          <a:prstGeom prst="line">
+            <a:avLst/>
+          </a:prstGeom>
+        </p:spPr>
+        <p:style>
+          <a:lnRef idx="1">
+            <a:schemeClr val="accent1"/>
+          </a:lnRef>
+          <a:fillRef idx="0">
+            <a:schemeClr val="accent1"/>
+          </a:fillRef>
+          <a:effectRef idx="0">
+            <a:schemeClr val="accent1"/>
+          </a:effectRef>
+          <a:fontRef idx="minor">
+            <a:schemeClr val="tx1"/>
+          </a:fontRef>
+        </p:style>
+      </p:cxnSp>
+      <p:sp>
+        <p:nvSpPr>
+          <p:cNvPr id="138" name="Oval 137">
+            <a:extLst>
+              <a:ext uri="{FF2B5EF4-FFF2-40B4-BE49-F238E27FC236}">
+                <a16:creationId xmlns:a16="http://schemas.microsoft.com/office/drawing/2014/main" id="{C483A5A2-C8DF-4627-8D84-959035CB1914}"/>
+              </a:ext>
+            </a:extLst>
+          </p:cNvPr>
+          <p:cNvSpPr/>
+          <p:nvPr/>
+        </p:nvSpPr>
+        <p:spPr>
+          <a:xfrm>
+            <a:off x="9169955" y="3172308"/>
+            <a:ext cx="276446" cy="290623"/>
+          </a:xfrm>
+          <a:prstGeom prst="ellipse">
+            <a:avLst/>
+          </a:prstGeom>
+          <a:noFill/>
+        </p:spPr>
+        <p:style>
+          <a:lnRef idx="2">
+            <a:schemeClr val="accent1">
+              <a:shade val="50000"/>
+            </a:schemeClr>
+          </a:lnRef>
+          <a:fillRef idx="1">
+            <a:schemeClr val="accent1"/>
+          </a:fillRef>
+          <a:effectRef idx="0">
+            <a:schemeClr val="accent1"/>
+          </a:effectRef>
+          <a:fontRef idx="minor">
+            <a:schemeClr val="lt1"/>
+          </a:fontRef>
+        </p:style>
+        <p:txBody>
+          <a:bodyPr rtlCol="0" anchor="ctr"/>
+          <a:lstStyle/>
+          <a:p>
+            <a:pPr algn="ctr"/>
+            <a:endParaRPr lang="en-US" dirty="0"/>
+          </a:p>
+        </p:txBody>
+      </p:sp>
+      <p:sp>
+        <p:nvSpPr>
+          <p:cNvPr id="139" name="TextBox 138">
+            <a:extLst>
+              <a:ext uri="{FF2B5EF4-FFF2-40B4-BE49-F238E27FC236}">
+                <a16:creationId xmlns:a16="http://schemas.microsoft.com/office/drawing/2014/main" id="{61E90963-09F0-49E5-8821-F2717CE9D270}"/>
+              </a:ext>
+            </a:extLst>
+          </p:cNvPr>
+          <p:cNvSpPr txBox="1"/>
+          <p:nvPr/>
+        </p:nvSpPr>
+        <p:spPr>
+          <a:xfrm>
+            <a:off x="9454007" y="3105324"/>
+            <a:ext cx="821443" cy="369332"/>
+          </a:xfrm>
+          <a:prstGeom prst="rect">
+            <a:avLst/>
+          </a:prstGeom>
+          <a:noFill/>
+        </p:spPr>
+        <p:txBody>
+          <a:bodyPr wrap="none" rtlCol="0">
+            <a:spAutoFit/>
+          </a:bodyPr>
+          <a:lstStyle/>
+          <a:p>
+            <a:r>
+              <a:rPr lang="en-US" dirty="0" err="1"/>
+              <a:t>setEnd</a:t>
+            </a:r>
+            <a:endParaRPr lang="en-US" dirty="0"/>
+          </a:p>
+        </p:txBody>
+      </p:sp>
+      <p:cxnSp>
+        <p:nvCxnSpPr>
+          <p:cNvPr id="141" name="Straight Connector 140">
+            <a:extLst>
+              <a:ext uri="{FF2B5EF4-FFF2-40B4-BE49-F238E27FC236}">
+                <a16:creationId xmlns:a16="http://schemas.microsoft.com/office/drawing/2014/main" id="{079350D5-4A46-42C7-9ED7-731AE5611AEF}"/>
+              </a:ext>
+            </a:extLst>
+          </p:cNvPr>
+          <p:cNvCxnSpPr>
+            <a:cxnSpLocks/>
+            <a:stCxn id="110" idx="2"/>
+            <a:endCxn id="138" idx="0"/>
+          </p:cNvCxnSpPr>
+          <p:nvPr/>
+        </p:nvCxnSpPr>
+        <p:spPr>
+          <a:xfrm>
+            <a:off x="9308178" y="2654926"/>
+            <a:ext cx="0" cy="517382"/>
+          </a:xfrm>
+          <a:prstGeom prst="line">
+            <a:avLst/>
+          </a:prstGeom>
+        </p:spPr>
+        <p:style>
+          <a:lnRef idx="1">
+            <a:schemeClr val="accent1"/>
+          </a:lnRef>
+          <a:fillRef idx="0">
+            <a:schemeClr val="accent1"/>
+          </a:fillRef>
+          <a:effectRef idx="0">
+            <a:schemeClr val="accent1"/>
+          </a:effectRef>
+          <a:fontRef idx="minor">
+            <a:schemeClr val="tx1"/>
+          </a:fontRef>
+        </p:style>
+      </p:cxnSp>
+      <p:sp>
+        <p:nvSpPr>
+          <p:cNvPr id="144" name="TextBox 143">
+            <a:extLst>
+              <a:ext uri="{FF2B5EF4-FFF2-40B4-BE49-F238E27FC236}">
+                <a16:creationId xmlns:a16="http://schemas.microsoft.com/office/drawing/2014/main" id="{89D43F27-C752-4F33-A38C-96B34CFA4F63}"/>
+              </a:ext>
+            </a:extLst>
+          </p:cNvPr>
+          <p:cNvSpPr txBox="1"/>
+          <p:nvPr/>
+        </p:nvSpPr>
+        <p:spPr>
+          <a:xfrm>
+            <a:off x="9290114" y="2630035"/>
+            <a:ext cx="991490" cy="369332"/>
+          </a:xfrm>
+          <a:prstGeom prst="rect">
+            <a:avLst/>
+          </a:prstGeom>
+          <a:noFill/>
+        </p:spPr>
+        <p:txBody>
+          <a:bodyPr wrap="none" rtlCol="0">
+            <a:spAutoFit/>
+          </a:bodyPr>
+          <a:lstStyle/>
+          <a:p>
+            <a:r>
+              <a:rPr lang="en-US" i="1" dirty="0" err="1"/>
+              <a:t>methcall</a:t>
+            </a:r>
+            <a:endParaRPr lang="en-US" i="1" dirty="0"/>
+          </a:p>
+        </p:txBody>
+      </p:sp>
+      <p:cxnSp>
+        <p:nvCxnSpPr>
+          <p:cNvPr id="146" name="Straight Connector 145">
+            <a:extLst>
+              <a:ext uri="{FF2B5EF4-FFF2-40B4-BE49-F238E27FC236}">
+                <a16:creationId xmlns:a16="http://schemas.microsoft.com/office/drawing/2014/main" id="{B57DC1E7-3FC6-490D-89CB-46AD53E2BA63}"/>
+              </a:ext>
+            </a:extLst>
+          </p:cNvPr>
+          <p:cNvCxnSpPr>
+            <a:cxnSpLocks/>
+          </p:cNvCxnSpPr>
+          <p:nvPr/>
+        </p:nvCxnSpPr>
+        <p:spPr>
+          <a:xfrm flipV="1">
+            <a:off x="9432528" y="1673054"/>
+            <a:ext cx="632645" cy="717093"/>
+          </a:xfrm>
+          <a:prstGeom prst="line">
+            <a:avLst/>
+          </a:prstGeom>
+          <a:ln>
+            <a:prstDash val="lgDashDotDot"/>
+          </a:ln>
+        </p:spPr>
+        <p:style>
+          <a:lnRef idx="1">
+            <a:schemeClr val="accent1"/>
+          </a:lnRef>
+          <a:fillRef idx="0">
+            <a:schemeClr val="accent1"/>
+          </a:fillRef>
+          <a:effectRef idx="0">
+            <a:schemeClr val="accent1"/>
+          </a:effectRef>
+          <a:fontRef idx="minor">
+            <a:schemeClr val="tx1"/>
+          </a:fontRef>
+        </p:style>
+      </p:cxnSp>
+      <p:cxnSp>
+        <p:nvCxnSpPr>
+          <p:cNvPr id="148" name="Straight Connector 147">
+            <a:extLst>
+              <a:ext uri="{FF2B5EF4-FFF2-40B4-BE49-F238E27FC236}">
+                <a16:creationId xmlns:a16="http://schemas.microsoft.com/office/drawing/2014/main" id="{2ADCC4A4-D736-4524-BF07-6A94355BE443}"/>
+              </a:ext>
+            </a:extLst>
+          </p:cNvPr>
+          <p:cNvCxnSpPr>
+            <a:cxnSpLocks/>
+          </p:cNvCxnSpPr>
+          <p:nvPr/>
+        </p:nvCxnSpPr>
+        <p:spPr>
+          <a:xfrm flipH="1">
+            <a:off x="5504027" y="1195676"/>
+            <a:ext cx="414009" cy="641718"/>
+          </a:xfrm>
+          <a:prstGeom prst="line">
+            <a:avLst/>
+          </a:prstGeom>
+          <a:ln>
+            <a:prstDash val="lgDashDotDot"/>
+          </a:ln>
+        </p:spPr>
+        <p:style>
+          <a:lnRef idx="1">
+            <a:schemeClr val="accent1"/>
+          </a:lnRef>
+          <a:fillRef idx="0">
+            <a:schemeClr val="accent1"/>
+          </a:fillRef>
+          <a:effectRef idx="0">
+            <a:schemeClr val="accent1"/>
+          </a:effectRef>
+          <a:fontRef idx="minor">
+            <a:schemeClr val="tx1"/>
+          </a:fontRef>
+        </p:style>
+      </p:cxnSp>
+    </p:spTree>
+    <p:extLst>
+      <p:ext uri="{BB962C8B-B14F-4D97-AF65-F5344CB8AC3E}">
+        <p14:creationId xmlns:p14="http://schemas.microsoft.com/office/powerpoint/2010/main" val="2426180810"/>
+      </p:ext>
+    </p:extLst>
+  </p:cSld>
+  <p:clrMapOvr>
+    <a:masterClrMapping/>
+  </p:clrMapOvr>
+</p:sld>
+</file>
+
 <file path=ppt/theme/theme1.xml><?xml version="1.0" encoding="utf-8"?>
 <a:theme xmlns:a="http://schemas.openxmlformats.org/drawingml/2006/main" name="Office Theme">
   <a:themeElements>

--- a/figures/figures.pptx
+++ b/figures/figures.pptx
@@ -9,6 +9,7 @@
     <p:sldId id="257" r:id="rId3"/>
     <p:sldId id="258" r:id="rId4"/>
     <p:sldId id="259" r:id="rId5"/>
+    <p:sldId id="260" r:id="rId6"/>
   </p:sldIdLst>
   <p:sldSz cx="12192000" cy="6858000"/>
   <p:notesSz cx="6858000" cy="9144000"/>
@@ -262,7 +263,7 @@
           <a:p>
             <a:fld id="{4B9CF307-EB09-4B6C-AE6A-0B77EE827448}" type="datetimeFigureOut">
               <a:rPr lang="en-US" smtClean="0"/>
-              <a:t>4/26/2022</a:t>
+              <a:t>4/27/2022</a:t>
             </a:fld>
             <a:endParaRPr lang="en-US"/>
           </a:p>
@@ -460,7 +461,7 @@
           <a:p>
             <a:fld id="{4B9CF307-EB09-4B6C-AE6A-0B77EE827448}" type="datetimeFigureOut">
               <a:rPr lang="en-US" smtClean="0"/>
-              <a:t>4/26/2022</a:t>
+              <a:t>4/27/2022</a:t>
             </a:fld>
             <a:endParaRPr lang="en-US"/>
           </a:p>
@@ -668,7 +669,7 @@
           <a:p>
             <a:fld id="{4B9CF307-EB09-4B6C-AE6A-0B77EE827448}" type="datetimeFigureOut">
               <a:rPr lang="en-US" smtClean="0"/>
-              <a:t>4/26/2022</a:t>
+              <a:t>4/27/2022</a:t>
             </a:fld>
             <a:endParaRPr lang="en-US"/>
           </a:p>
@@ -866,7 +867,7 @@
           <a:p>
             <a:fld id="{4B9CF307-EB09-4B6C-AE6A-0B77EE827448}" type="datetimeFigureOut">
               <a:rPr lang="en-US" smtClean="0"/>
-              <a:t>4/26/2022</a:t>
+              <a:t>4/27/2022</a:t>
             </a:fld>
             <a:endParaRPr lang="en-US"/>
           </a:p>
@@ -1141,7 +1142,7 @@
           <a:p>
             <a:fld id="{4B9CF307-EB09-4B6C-AE6A-0B77EE827448}" type="datetimeFigureOut">
               <a:rPr lang="en-US" smtClean="0"/>
-              <a:t>4/26/2022</a:t>
+              <a:t>4/27/2022</a:t>
             </a:fld>
             <a:endParaRPr lang="en-US"/>
           </a:p>
@@ -1406,7 +1407,7 @@
           <a:p>
             <a:fld id="{4B9CF307-EB09-4B6C-AE6A-0B77EE827448}" type="datetimeFigureOut">
               <a:rPr lang="en-US" smtClean="0"/>
-              <a:t>4/26/2022</a:t>
+              <a:t>4/27/2022</a:t>
             </a:fld>
             <a:endParaRPr lang="en-US"/>
           </a:p>
@@ -1818,7 +1819,7 @@
           <a:p>
             <a:fld id="{4B9CF307-EB09-4B6C-AE6A-0B77EE827448}" type="datetimeFigureOut">
               <a:rPr lang="en-US" smtClean="0"/>
-              <a:t>4/26/2022</a:t>
+              <a:t>4/27/2022</a:t>
             </a:fld>
             <a:endParaRPr lang="en-US"/>
           </a:p>
@@ -1959,7 +1960,7 @@
           <a:p>
             <a:fld id="{4B9CF307-EB09-4B6C-AE6A-0B77EE827448}" type="datetimeFigureOut">
               <a:rPr lang="en-US" smtClean="0"/>
-              <a:t>4/26/2022</a:t>
+              <a:t>4/27/2022</a:t>
             </a:fld>
             <a:endParaRPr lang="en-US"/>
           </a:p>
@@ -2072,7 +2073,7 @@
           <a:p>
             <a:fld id="{4B9CF307-EB09-4B6C-AE6A-0B77EE827448}" type="datetimeFigureOut">
               <a:rPr lang="en-US" smtClean="0"/>
-              <a:t>4/26/2022</a:t>
+              <a:t>4/27/2022</a:t>
             </a:fld>
             <a:endParaRPr lang="en-US"/>
           </a:p>
@@ -2383,7 +2384,7 @@
           <a:p>
             <a:fld id="{4B9CF307-EB09-4B6C-AE6A-0B77EE827448}" type="datetimeFigureOut">
               <a:rPr lang="en-US" smtClean="0"/>
-              <a:t>4/26/2022</a:t>
+              <a:t>4/27/2022</a:t>
             </a:fld>
             <a:endParaRPr lang="en-US"/>
           </a:p>
@@ -2671,7 +2672,7 @@
           <a:p>
             <a:fld id="{4B9CF307-EB09-4B6C-AE6A-0B77EE827448}" type="datetimeFigureOut">
               <a:rPr lang="en-US" smtClean="0"/>
-              <a:t>4/26/2022</a:t>
+              <a:t>4/27/2022</a:t>
             </a:fld>
             <a:endParaRPr lang="en-US"/>
           </a:p>
@@ -2912,7 +2913,7 @@
           <a:p>
             <a:fld id="{4B9CF307-EB09-4B6C-AE6A-0B77EE827448}" type="datetimeFigureOut">
               <a:rPr lang="en-US" smtClean="0"/>
-              <a:t>4/26/2022</a:t>
+              <a:t>4/27/2022</a:t>
             </a:fld>
             <a:endParaRPr lang="en-US"/>
           </a:p>
@@ -8710,6 +8711,5255 @@
 </p:sld>
 </file>
 
+<file path=ppt/slides/slide5.xml><?xml version="1.0" encoding="utf-8"?>
+<p:sld xmlns:a="http://schemas.openxmlformats.org/drawingml/2006/main" xmlns:r="http://schemas.openxmlformats.org/officeDocument/2006/relationships" xmlns:p="http://schemas.openxmlformats.org/presentationml/2006/main">
+  <p:cSld>
+    <p:spTree>
+      <p:nvGrpSpPr>
+        <p:cNvPr id="1" name=""/>
+        <p:cNvGrpSpPr/>
+        <p:nvPr/>
+      </p:nvGrpSpPr>
+      <p:grpSpPr>
+        <a:xfrm>
+          <a:off x="0" y="0"/>
+          <a:ext cx="0" cy="0"/>
+          <a:chOff x="0" y="0"/>
+          <a:chExt cx="0" cy="0"/>
+        </a:xfrm>
+      </p:grpSpPr>
+      <p:grpSp>
+        <p:nvGrpSpPr>
+          <p:cNvPr id="4" name="Group 3">
+            <a:extLst>
+              <a:ext uri="{FF2B5EF4-FFF2-40B4-BE49-F238E27FC236}">
+                <a16:creationId xmlns:a16="http://schemas.microsoft.com/office/drawing/2014/main" id="{A75C7E20-EEA8-46EF-AD64-E9F43F5D2BFC}"/>
+              </a:ext>
+            </a:extLst>
+          </p:cNvPr>
+          <p:cNvGrpSpPr/>
+          <p:nvPr/>
+        </p:nvGrpSpPr>
+        <p:grpSpPr>
+          <a:xfrm>
+            <a:off x="39859" y="2885857"/>
+            <a:ext cx="1261872" cy="1309146"/>
+            <a:chOff x="3666744" y="2717780"/>
+            <a:chExt cx="1261872" cy="1309146"/>
+          </a:xfrm>
+        </p:grpSpPr>
+        <p:sp>
+          <p:nvSpPr>
+            <p:cNvPr id="5" name="Oval 4">
+              <a:extLst>
+                <a:ext uri="{FF2B5EF4-FFF2-40B4-BE49-F238E27FC236}">
+                  <a16:creationId xmlns:a16="http://schemas.microsoft.com/office/drawing/2014/main" id="{7D3A3714-80FB-4491-A716-508B077BCF59}"/>
+                </a:ext>
+              </a:extLst>
+            </p:cNvPr>
+            <p:cNvSpPr/>
+            <p:nvPr/>
+          </p:nvSpPr>
+          <p:spPr>
+            <a:xfrm>
+              <a:off x="4197096" y="2717780"/>
+              <a:ext cx="182880" cy="182880"/>
+            </a:xfrm>
+            <a:prstGeom prst="ellipse">
+              <a:avLst/>
+            </a:prstGeom>
+            <a:solidFill>
+              <a:schemeClr val="accent6">
+                <a:lumMod val="20000"/>
+                <a:lumOff val="80000"/>
+              </a:schemeClr>
+            </a:solidFill>
+            <a:ln>
+              <a:solidFill>
+                <a:schemeClr val="accent6">
+                  <a:lumMod val="75000"/>
+                </a:schemeClr>
+              </a:solidFill>
+            </a:ln>
+          </p:spPr>
+          <p:style>
+            <a:lnRef idx="2">
+              <a:schemeClr val="accent1">
+                <a:shade val="50000"/>
+              </a:schemeClr>
+            </a:lnRef>
+            <a:fillRef idx="1">
+              <a:schemeClr val="accent1"/>
+            </a:fillRef>
+            <a:effectRef idx="0">
+              <a:schemeClr val="accent1"/>
+            </a:effectRef>
+            <a:fontRef idx="minor">
+              <a:schemeClr val="lt1"/>
+            </a:fontRef>
+          </p:style>
+          <p:txBody>
+            <a:bodyPr rtlCol="0" anchor="ctr"/>
+            <a:lstStyle/>
+            <a:p>
+              <a:pPr algn="ctr"/>
+              <a:endParaRPr lang="en-US"/>
+            </a:p>
+          </p:txBody>
+        </p:sp>
+        <p:sp>
+          <p:nvSpPr>
+            <p:cNvPr id="6" name="Oval 5">
+              <a:extLst>
+                <a:ext uri="{FF2B5EF4-FFF2-40B4-BE49-F238E27FC236}">
+                  <a16:creationId xmlns:a16="http://schemas.microsoft.com/office/drawing/2014/main" id="{60340589-8041-4422-A50A-574965ED4C70}"/>
+                </a:ext>
+              </a:extLst>
+            </p:cNvPr>
+            <p:cNvSpPr/>
+            <p:nvPr/>
+          </p:nvSpPr>
+          <p:spPr>
+            <a:xfrm>
+              <a:off x="3849624" y="3172968"/>
+              <a:ext cx="182880" cy="182880"/>
+            </a:xfrm>
+            <a:prstGeom prst="ellipse">
+              <a:avLst/>
+            </a:prstGeom>
+            <a:solidFill>
+              <a:schemeClr val="accent6">
+                <a:lumMod val="20000"/>
+                <a:lumOff val="80000"/>
+              </a:schemeClr>
+            </a:solidFill>
+            <a:ln>
+              <a:solidFill>
+                <a:schemeClr val="accent6">
+                  <a:lumMod val="75000"/>
+                </a:schemeClr>
+              </a:solidFill>
+            </a:ln>
+          </p:spPr>
+          <p:style>
+            <a:lnRef idx="2">
+              <a:schemeClr val="accent1">
+                <a:shade val="50000"/>
+              </a:schemeClr>
+            </a:lnRef>
+            <a:fillRef idx="1">
+              <a:schemeClr val="accent1"/>
+            </a:fillRef>
+            <a:effectRef idx="0">
+              <a:schemeClr val="accent1"/>
+            </a:effectRef>
+            <a:fontRef idx="minor">
+              <a:schemeClr val="lt1"/>
+            </a:fontRef>
+          </p:style>
+          <p:txBody>
+            <a:bodyPr rtlCol="0" anchor="ctr"/>
+            <a:lstStyle/>
+            <a:p>
+              <a:pPr algn="ctr"/>
+              <a:endParaRPr lang="en-US"/>
+            </a:p>
+          </p:txBody>
+        </p:sp>
+        <p:sp>
+          <p:nvSpPr>
+            <p:cNvPr id="7" name="Oval 6">
+              <a:extLst>
+                <a:ext uri="{FF2B5EF4-FFF2-40B4-BE49-F238E27FC236}">
+                  <a16:creationId xmlns:a16="http://schemas.microsoft.com/office/drawing/2014/main" id="{E88673CE-AA04-43B7-B599-4D1B15BC00C5}"/>
+                </a:ext>
+              </a:extLst>
+            </p:cNvPr>
+            <p:cNvSpPr/>
+            <p:nvPr/>
+          </p:nvSpPr>
+          <p:spPr>
+            <a:xfrm>
+              <a:off x="4288536" y="3661166"/>
+              <a:ext cx="182880" cy="182880"/>
+            </a:xfrm>
+            <a:prstGeom prst="ellipse">
+              <a:avLst/>
+            </a:prstGeom>
+            <a:solidFill>
+              <a:schemeClr val="accent6">
+                <a:lumMod val="20000"/>
+                <a:lumOff val="80000"/>
+              </a:schemeClr>
+            </a:solidFill>
+            <a:ln>
+              <a:solidFill>
+                <a:schemeClr val="accent6">
+                  <a:lumMod val="75000"/>
+                </a:schemeClr>
+              </a:solidFill>
+            </a:ln>
+          </p:spPr>
+          <p:style>
+            <a:lnRef idx="2">
+              <a:schemeClr val="accent1">
+                <a:shade val="50000"/>
+              </a:schemeClr>
+            </a:lnRef>
+            <a:fillRef idx="1">
+              <a:schemeClr val="accent1"/>
+            </a:fillRef>
+            <a:effectRef idx="0">
+              <a:schemeClr val="accent1"/>
+            </a:effectRef>
+            <a:fontRef idx="minor">
+              <a:schemeClr val="lt1"/>
+            </a:fontRef>
+          </p:style>
+          <p:txBody>
+            <a:bodyPr rtlCol="0" anchor="ctr"/>
+            <a:lstStyle/>
+            <a:p>
+              <a:pPr algn="ctr"/>
+              <a:endParaRPr lang="en-US"/>
+            </a:p>
+          </p:txBody>
+        </p:sp>
+        <p:sp>
+          <p:nvSpPr>
+            <p:cNvPr id="8" name="Oval 7">
+              <a:extLst>
+                <a:ext uri="{FF2B5EF4-FFF2-40B4-BE49-F238E27FC236}">
+                  <a16:creationId xmlns:a16="http://schemas.microsoft.com/office/drawing/2014/main" id="{8B8019A2-AC4F-4764-9C65-80730CFC1C08}"/>
+                </a:ext>
+              </a:extLst>
+            </p:cNvPr>
+            <p:cNvSpPr/>
+            <p:nvPr/>
+          </p:nvSpPr>
+          <p:spPr>
+            <a:xfrm>
+              <a:off x="4745736" y="3246120"/>
+              <a:ext cx="182880" cy="182880"/>
+            </a:xfrm>
+            <a:prstGeom prst="ellipse">
+              <a:avLst/>
+            </a:prstGeom>
+            <a:solidFill>
+              <a:schemeClr val="accent6">
+                <a:lumMod val="20000"/>
+                <a:lumOff val="80000"/>
+              </a:schemeClr>
+            </a:solidFill>
+            <a:ln>
+              <a:solidFill>
+                <a:schemeClr val="accent6">
+                  <a:lumMod val="75000"/>
+                </a:schemeClr>
+              </a:solidFill>
+            </a:ln>
+          </p:spPr>
+          <p:style>
+            <a:lnRef idx="2">
+              <a:schemeClr val="accent1">
+                <a:shade val="50000"/>
+              </a:schemeClr>
+            </a:lnRef>
+            <a:fillRef idx="1">
+              <a:schemeClr val="accent1"/>
+            </a:fillRef>
+            <a:effectRef idx="0">
+              <a:schemeClr val="accent1"/>
+            </a:effectRef>
+            <a:fontRef idx="minor">
+              <a:schemeClr val="lt1"/>
+            </a:fontRef>
+          </p:style>
+          <p:txBody>
+            <a:bodyPr rtlCol="0" anchor="ctr"/>
+            <a:lstStyle/>
+            <a:p>
+              <a:pPr algn="ctr"/>
+              <a:endParaRPr lang="en-US" dirty="0"/>
+            </a:p>
+          </p:txBody>
+        </p:sp>
+        <p:sp>
+          <p:nvSpPr>
+            <p:cNvPr id="9" name="Oval 8">
+              <a:extLst>
+                <a:ext uri="{FF2B5EF4-FFF2-40B4-BE49-F238E27FC236}">
+                  <a16:creationId xmlns:a16="http://schemas.microsoft.com/office/drawing/2014/main" id="{7DC8FD7C-BF62-4BA4-852D-4D9FC7B07915}"/>
+                </a:ext>
+              </a:extLst>
+            </p:cNvPr>
+            <p:cNvSpPr/>
+            <p:nvPr/>
+          </p:nvSpPr>
+          <p:spPr>
+            <a:xfrm>
+              <a:off x="3666744" y="3844046"/>
+              <a:ext cx="182880" cy="182880"/>
+            </a:xfrm>
+            <a:prstGeom prst="ellipse">
+              <a:avLst/>
+            </a:prstGeom>
+            <a:solidFill>
+              <a:schemeClr val="accent6">
+                <a:lumMod val="20000"/>
+                <a:lumOff val="80000"/>
+              </a:schemeClr>
+            </a:solidFill>
+            <a:ln>
+              <a:solidFill>
+                <a:schemeClr val="accent6">
+                  <a:lumMod val="75000"/>
+                </a:schemeClr>
+              </a:solidFill>
+            </a:ln>
+          </p:spPr>
+          <p:style>
+            <a:lnRef idx="2">
+              <a:schemeClr val="accent1">
+                <a:shade val="50000"/>
+              </a:schemeClr>
+            </a:lnRef>
+            <a:fillRef idx="1">
+              <a:schemeClr val="accent1"/>
+            </a:fillRef>
+            <a:effectRef idx="0">
+              <a:schemeClr val="accent1"/>
+            </a:effectRef>
+            <a:fontRef idx="minor">
+              <a:schemeClr val="lt1"/>
+            </a:fontRef>
+          </p:style>
+          <p:txBody>
+            <a:bodyPr rtlCol="0" anchor="ctr"/>
+            <a:lstStyle/>
+            <a:p>
+              <a:pPr algn="ctr"/>
+              <a:endParaRPr lang="en-US"/>
+            </a:p>
+          </p:txBody>
+        </p:sp>
+        <p:cxnSp>
+          <p:nvCxnSpPr>
+            <p:cNvPr id="10" name="Straight Arrow Connector 9">
+              <a:extLst>
+                <a:ext uri="{FF2B5EF4-FFF2-40B4-BE49-F238E27FC236}">
+                  <a16:creationId xmlns:a16="http://schemas.microsoft.com/office/drawing/2014/main" id="{B469082F-EAFD-4C99-B170-B3577DC153FD}"/>
+                </a:ext>
+              </a:extLst>
+            </p:cNvPr>
+            <p:cNvCxnSpPr>
+              <a:stCxn id="5" idx="3"/>
+              <a:endCxn id="6" idx="7"/>
+            </p:cNvCxnSpPr>
+            <p:nvPr/>
+          </p:nvCxnSpPr>
+          <p:spPr>
+            <a:xfrm flipH="1">
+              <a:off x="4005722" y="2873878"/>
+              <a:ext cx="218156" cy="325872"/>
+            </a:xfrm>
+            <a:prstGeom prst="straightConnector1">
+              <a:avLst/>
+            </a:prstGeom>
+            <a:ln>
+              <a:solidFill>
+                <a:srgbClr val="0070C0"/>
+              </a:solidFill>
+              <a:tailEnd type="triangle"/>
+            </a:ln>
+          </p:spPr>
+          <p:style>
+            <a:lnRef idx="1">
+              <a:schemeClr val="accent1"/>
+            </a:lnRef>
+            <a:fillRef idx="0">
+              <a:schemeClr val="accent1"/>
+            </a:fillRef>
+            <a:effectRef idx="0">
+              <a:schemeClr val="accent1"/>
+            </a:effectRef>
+            <a:fontRef idx="minor">
+              <a:schemeClr val="tx1"/>
+            </a:fontRef>
+          </p:style>
+        </p:cxnSp>
+        <p:cxnSp>
+          <p:nvCxnSpPr>
+            <p:cNvPr id="11" name="Straight Arrow Connector 10">
+              <a:extLst>
+                <a:ext uri="{FF2B5EF4-FFF2-40B4-BE49-F238E27FC236}">
+                  <a16:creationId xmlns:a16="http://schemas.microsoft.com/office/drawing/2014/main" id="{DDD7D46F-728F-45AC-A88C-8CBA11A9239F}"/>
+                </a:ext>
+              </a:extLst>
+            </p:cNvPr>
+            <p:cNvCxnSpPr>
+              <a:cxnSpLocks/>
+              <a:stCxn id="5" idx="4"/>
+              <a:endCxn id="7" idx="0"/>
+            </p:cNvCxnSpPr>
+            <p:nvPr/>
+          </p:nvCxnSpPr>
+          <p:spPr>
+            <a:xfrm>
+              <a:off x="4288536" y="2900660"/>
+              <a:ext cx="91440" cy="760506"/>
+            </a:xfrm>
+            <a:prstGeom prst="straightConnector1">
+              <a:avLst/>
+            </a:prstGeom>
+            <a:ln>
+              <a:solidFill>
+                <a:srgbClr val="0070C0"/>
+              </a:solidFill>
+              <a:tailEnd type="triangle"/>
+            </a:ln>
+          </p:spPr>
+          <p:style>
+            <a:lnRef idx="1">
+              <a:schemeClr val="accent1"/>
+            </a:lnRef>
+            <a:fillRef idx="0">
+              <a:schemeClr val="accent1"/>
+            </a:fillRef>
+            <a:effectRef idx="0">
+              <a:schemeClr val="accent1"/>
+            </a:effectRef>
+            <a:fontRef idx="minor">
+              <a:schemeClr val="tx1"/>
+            </a:fontRef>
+          </p:style>
+        </p:cxnSp>
+        <p:cxnSp>
+          <p:nvCxnSpPr>
+            <p:cNvPr id="12" name="Straight Arrow Connector 11">
+              <a:extLst>
+                <a:ext uri="{FF2B5EF4-FFF2-40B4-BE49-F238E27FC236}">
+                  <a16:creationId xmlns:a16="http://schemas.microsoft.com/office/drawing/2014/main" id="{C316BC33-7A21-42B3-BE31-AD649BE17A7A}"/>
+                </a:ext>
+              </a:extLst>
+            </p:cNvPr>
+            <p:cNvCxnSpPr>
+              <a:cxnSpLocks/>
+              <a:stCxn id="5" idx="5"/>
+              <a:endCxn id="8" idx="1"/>
+            </p:cNvCxnSpPr>
+            <p:nvPr/>
+          </p:nvCxnSpPr>
+          <p:spPr>
+            <a:xfrm>
+              <a:off x="4353194" y="2873878"/>
+              <a:ext cx="419324" cy="399024"/>
+            </a:xfrm>
+            <a:prstGeom prst="straightConnector1">
+              <a:avLst/>
+            </a:prstGeom>
+            <a:ln>
+              <a:solidFill>
+                <a:srgbClr val="0070C0"/>
+              </a:solidFill>
+              <a:tailEnd type="triangle"/>
+            </a:ln>
+          </p:spPr>
+          <p:style>
+            <a:lnRef idx="1">
+              <a:schemeClr val="accent1"/>
+            </a:lnRef>
+            <a:fillRef idx="0">
+              <a:schemeClr val="accent1"/>
+            </a:fillRef>
+            <a:effectRef idx="0">
+              <a:schemeClr val="accent1"/>
+            </a:effectRef>
+            <a:fontRef idx="minor">
+              <a:schemeClr val="tx1"/>
+            </a:fontRef>
+          </p:style>
+        </p:cxnSp>
+        <p:cxnSp>
+          <p:nvCxnSpPr>
+            <p:cNvPr id="13" name="Straight Arrow Connector 12">
+              <a:extLst>
+                <a:ext uri="{FF2B5EF4-FFF2-40B4-BE49-F238E27FC236}">
+                  <a16:creationId xmlns:a16="http://schemas.microsoft.com/office/drawing/2014/main" id="{B03C5068-96C0-406F-A910-7463D671365E}"/>
+                </a:ext>
+              </a:extLst>
+            </p:cNvPr>
+            <p:cNvCxnSpPr>
+              <a:cxnSpLocks/>
+              <a:stCxn id="8" idx="3"/>
+              <a:endCxn id="7" idx="7"/>
+            </p:cNvCxnSpPr>
+            <p:nvPr/>
+          </p:nvCxnSpPr>
+          <p:spPr>
+            <a:xfrm flipH="1">
+              <a:off x="4444634" y="3402218"/>
+              <a:ext cx="327884" cy="285730"/>
+            </a:xfrm>
+            <a:prstGeom prst="straightConnector1">
+              <a:avLst/>
+            </a:prstGeom>
+            <a:ln>
+              <a:solidFill>
+                <a:srgbClr val="0070C0"/>
+              </a:solidFill>
+              <a:tailEnd type="triangle"/>
+            </a:ln>
+          </p:spPr>
+          <p:style>
+            <a:lnRef idx="1">
+              <a:schemeClr val="accent1"/>
+            </a:lnRef>
+            <a:fillRef idx="0">
+              <a:schemeClr val="accent1"/>
+            </a:fillRef>
+            <a:effectRef idx="0">
+              <a:schemeClr val="accent1"/>
+            </a:effectRef>
+            <a:fontRef idx="minor">
+              <a:schemeClr val="tx1"/>
+            </a:fontRef>
+          </p:style>
+        </p:cxnSp>
+        <p:cxnSp>
+          <p:nvCxnSpPr>
+            <p:cNvPr id="14" name="Straight Arrow Connector 13">
+              <a:extLst>
+                <a:ext uri="{FF2B5EF4-FFF2-40B4-BE49-F238E27FC236}">
+                  <a16:creationId xmlns:a16="http://schemas.microsoft.com/office/drawing/2014/main" id="{766A5434-9533-4634-A02B-8CC545C14242}"/>
+                </a:ext>
+              </a:extLst>
+            </p:cNvPr>
+            <p:cNvCxnSpPr>
+              <a:cxnSpLocks/>
+              <a:stCxn id="9" idx="6"/>
+              <a:endCxn id="7" idx="2"/>
+            </p:cNvCxnSpPr>
+            <p:nvPr/>
+          </p:nvCxnSpPr>
+          <p:spPr>
+            <a:xfrm flipV="1">
+              <a:off x="3849624" y="3752606"/>
+              <a:ext cx="438912" cy="182880"/>
+            </a:xfrm>
+            <a:prstGeom prst="straightConnector1">
+              <a:avLst/>
+            </a:prstGeom>
+            <a:ln>
+              <a:solidFill>
+                <a:srgbClr val="0070C0"/>
+              </a:solidFill>
+              <a:tailEnd type="triangle"/>
+            </a:ln>
+          </p:spPr>
+          <p:style>
+            <a:lnRef idx="1">
+              <a:schemeClr val="accent1"/>
+            </a:lnRef>
+            <a:fillRef idx="0">
+              <a:schemeClr val="accent1"/>
+            </a:fillRef>
+            <a:effectRef idx="0">
+              <a:schemeClr val="accent1"/>
+            </a:effectRef>
+            <a:fontRef idx="minor">
+              <a:schemeClr val="tx1"/>
+            </a:fontRef>
+          </p:style>
+        </p:cxnSp>
+        <p:cxnSp>
+          <p:nvCxnSpPr>
+            <p:cNvPr id="15" name="Straight Arrow Connector 14">
+              <a:extLst>
+                <a:ext uri="{FF2B5EF4-FFF2-40B4-BE49-F238E27FC236}">
+                  <a16:creationId xmlns:a16="http://schemas.microsoft.com/office/drawing/2014/main" id="{0953CD24-4D99-4FAC-95EA-F1A371844B02}"/>
+                </a:ext>
+              </a:extLst>
+            </p:cNvPr>
+            <p:cNvCxnSpPr>
+              <a:cxnSpLocks/>
+              <a:stCxn id="9" idx="0"/>
+              <a:endCxn id="6" idx="4"/>
+            </p:cNvCxnSpPr>
+            <p:nvPr/>
+          </p:nvCxnSpPr>
+          <p:spPr>
+            <a:xfrm flipV="1">
+              <a:off x="3758184" y="3355848"/>
+              <a:ext cx="182880" cy="488198"/>
+            </a:xfrm>
+            <a:prstGeom prst="straightConnector1">
+              <a:avLst/>
+            </a:prstGeom>
+            <a:ln>
+              <a:solidFill>
+                <a:srgbClr val="0070C0"/>
+              </a:solidFill>
+              <a:tailEnd type="triangle"/>
+            </a:ln>
+          </p:spPr>
+          <p:style>
+            <a:lnRef idx="1">
+              <a:schemeClr val="accent1"/>
+            </a:lnRef>
+            <a:fillRef idx="0">
+              <a:schemeClr val="accent1"/>
+            </a:fillRef>
+            <a:effectRef idx="0">
+              <a:schemeClr val="accent1"/>
+            </a:effectRef>
+            <a:fontRef idx="minor">
+              <a:schemeClr val="tx1"/>
+            </a:fontRef>
+          </p:style>
+        </p:cxnSp>
+      </p:grpSp>
+      <p:sp>
+        <p:nvSpPr>
+          <p:cNvPr id="16" name="Rectangle: Rounded Corners 15">
+            <a:extLst>
+              <a:ext uri="{FF2B5EF4-FFF2-40B4-BE49-F238E27FC236}">
+                <a16:creationId xmlns:a16="http://schemas.microsoft.com/office/drawing/2014/main" id="{6AD7E2D8-ABFC-4548-A2BE-C2117F161939}"/>
+              </a:ext>
+            </a:extLst>
+          </p:cNvPr>
+          <p:cNvSpPr/>
+          <p:nvPr/>
+        </p:nvSpPr>
+        <p:spPr>
+          <a:xfrm>
+            <a:off x="1775845" y="2942504"/>
+            <a:ext cx="1201847" cy="1126266"/>
+          </a:xfrm>
+          <a:prstGeom prst="roundRect">
+            <a:avLst>
+              <a:gd name="adj" fmla="val 10106"/>
+            </a:avLst>
+          </a:prstGeom>
+          <a:solidFill>
+            <a:schemeClr val="accent4">
+              <a:lumMod val="20000"/>
+              <a:lumOff val="80000"/>
+            </a:schemeClr>
+          </a:solidFill>
+          <a:ln>
+            <a:solidFill>
+              <a:srgbClr val="FFC000"/>
+            </a:solidFill>
+          </a:ln>
+          <a:effectLst>
+            <a:outerShdw blurRad="50800" dist="38100" dir="2700000" algn="tl" rotWithShape="0">
+              <a:prstClr val="black">
+                <a:alpha val="40000"/>
+              </a:prstClr>
+            </a:outerShdw>
+          </a:effectLst>
+        </p:spPr>
+        <p:style>
+          <a:lnRef idx="2">
+            <a:schemeClr val="accent1">
+              <a:shade val="50000"/>
+            </a:schemeClr>
+          </a:lnRef>
+          <a:fillRef idx="1">
+            <a:schemeClr val="accent1"/>
+          </a:fillRef>
+          <a:effectRef idx="0">
+            <a:schemeClr val="accent1"/>
+          </a:effectRef>
+          <a:fontRef idx="minor">
+            <a:schemeClr val="lt1"/>
+          </a:fontRef>
+        </p:style>
+        <p:txBody>
+          <a:bodyPr lIns="0" tIns="0" rIns="0" bIns="0" rtlCol="0" anchor="ctr"/>
+          <a:lstStyle/>
+          <a:p>
+            <a:pPr algn="ctr"/>
+            <a:r>
+              <a:rPr lang="en-US" dirty="0">
+                <a:solidFill>
+                  <a:schemeClr val="tx1"/>
+                </a:solidFill>
+              </a:rPr>
+              <a:t>Graph</a:t>
+            </a:r>
+          </a:p>
+          <a:p>
+            <a:pPr algn="ctr"/>
+            <a:r>
+              <a:rPr lang="en-US" dirty="0">
+                <a:solidFill>
+                  <a:schemeClr val="tx1"/>
+                </a:solidFill>
+              </a:rPr>
+              <a:t>Convolution</a:t>
+            </a:r>
+          </a:p>
+          <a:p>
+            <a:pPr algn="ctr"/>
+            <a:r>
+              <a:rPr lang="en-US" dirty="0">
+                <a:solidFill>
+                  <a:schemeClr val="tx1"/>
+                </a:solidFill>
+              </a:rPr>
+              <a:t>Network</a:t>
+            </a:r>
+          </a:p>
+        </p:txBody>
+      </p:sp>
+      <p:sp>
+        <p:nvSpPr>
+          <p:cNvPr id="43" name="Rectangle 26">
+            <a:extLst>
+              <a:ext uri="{FF2B5EF4-FFF2-40B4-BE49-F238E27FC236}">
+                <a16:creationId xmlns:a16="http://schemas.microsoft.com/office/drawing/2014/main" id="{DF97CE4A-34DC-461E-B6BD-B593A900C0A4}"/>
+              </a:ext>
+            </a:extLst>
+          </p:cNvPr>
+          <p:cNvSpPr>
+            <a:spLocks noChangeArrowheads="1"/>
+          </p:cNvSpPr>
+          <p:nvPr/>
+        </p:nvSpPr>
+        <p:spPr bwMode="auto">
+          <a:xfrm>
+            <a:off x="0" y="0"/>
+            <a:ext cx="12192000" cy="457200"/>
+          </a:xfrm>
+          <a:prstGeom prst="rect">
+            <a:avLst/>
+          </a:prstGeom>
+          <a:noFill/>
+          <a:ln>
+            <a:noFill/>
+          </a:ln>
+          <a:effectLst/>
+          <a:extLst>
+            <a:ext uri="{909E8E84-426E-40DD-AFC4-6F175D3DCCD1}">
+              <a14:hiddenFill xmlns:a14="http://schemas.microsoft.com/office/drawing/2010/main">
+                <a:solidFill>
+                  <a:schemeClr val="accent1"/>
+                </a:solidFill>
+              </a14:hiddenFill>
+            </a:ext>
+            <a:ext uri="{91240B29-F687-4F45-9708-019B960494DF}">
+              <a14:hiddenLine xmlns:a14="http://schemas.microsoft.com/office/drawing/2010/main" w="9525">
+                <a:solidFill>
+                  <a:schemeClr val="tx1"/>
+                </a:solidFill>
+                <a:miter lim="800000"/>
+                <a:headEnd/>
+                <a:tailEnd/>
+              </a14:hiddenLine>
+            </a:ext>
+            <a:ext uri="{AF507438-7753-43E0-B8FC-AC1667EBCBE1}">
+              <a14:hiddenEffects xmlns:a14="http://schemas.microsoft.com/office/drawing/2010/main">
+                <a:effectLst>
+                  <a:outerShdw dist="35921" dir="2700000" algn="ctr" rotWithShape="0">
+                    <a:schemeClr val="bg2"/>
+                  </a:outerShdw>
+                </a:effectLst>
+              </a14:hiddenEffects>
+            </a:ext>
+          </a:extLst>
+        </p:spPr>
+        <p:txBody>
+          <a:bodyPr vert="horz" wrap="none" lIns="91440" tIns="45720" rIns="91440" bIns="45720" numCol="1" anchor="ctr" anchorCtr="0" compatLnSpc="1">
+            <a:prstTxWarp prst="textNoShape">
+              <a:avLst/>
+            </a:prstTxWarp>
+            <a:spAutoFit/>
+          </a:bodyPr>
+          <a:lstStyle/>
+          <a:p>
+            <a:endParaRPr lang="en-US"/>
+          </a:p>
+        </p:txBody>
+      </p:sp>
+      <p:grpSp>
+        <p:nvGrpSpPr>
+          <p:cNvPr id="63" name="Group 62">
+            <a:extLst>
+              <a:ext uri="{FF2B5EF4-FFF2-40B4-BE49-F238E27FC236}">
+                <a16:creationId xmlns:a16="http://schemas.microsoft.com/office/drawing/2014/main" id="{71B3C28F-96AB-46C4-815A-09E7A4F71C7A}"/>
+              </a:ext>
+            </a:extLst>
+          </p:cNvPr>
+          <p:cNvGrpSpPr/>
+          <p:nvPr/>
+        </p:nvGrpSpPr>
+        <p:grpSpPr>
+          <a:xfrm>
+            <a:off x="3547425" y="2682022"/>
+            <a:ext cx="720991" cy="1610870"/>
+            <a:chOff x="3547425" y="2682022"/>
+            <a:chExt cx="720991" cy="1610870"/>
+          </a:xfrm>
+        </p:grpSpPr>
+        <p:grpSp>
+          <p:nvGrpSpPr>
+            <p:cNvPr id="46" name="Group 45">
+              <a:extLst>
+                <a:ext uri="{FF2B5EF4-FFF2-40B4-BE49-F238E27FC236}">
+                  <a16:creationId xmlns:a16="http://schemas.microsoft.com/office/drawing/2014/main" id="{EC4C4986-06F3-44C7-B7D4-F48C29F01CDF}"/>
+                </a:ext>
+              </a:extLst>
+            </p:cNvPr>
+            <p:cNvGrpSpPr/>
+            <p:nvPr/>
+          </p:nvGrpSpPr>
+          <p:grpSpPr>
+            <a:xfrm>
+              <a:off x="3553406" y="2682022"/>
+              <a:ext cx="711200" cy="203835"/>
+              <a:chOff x="3559387" y="2503170"/>
+              <a:chExt cx="711200" cy="203835"/>
+            </a:xfrm>
+          </p:grpSpPr>
+          <p:sp>
+            <p:nvSpPr>
+              <p:cNvPr id="18" name="Rectangle: Rounded Corners 17">
+                <a:extLst>
+                  <a:ext uri="{FF2B5EF4-FFF2-40B4-BE49-F238E27FC236}">
+                    <a16:creationId xmlns:a16="http://schemas.microsoft.com/office/drawing/2014/main" id="{4DDDA0ED-7C55-49F5-B3EE-BE76434D8889}"/>
+                  </a:ext>
+                </a:extLst>
+              </p:cNvPr>
+              <p:cNvSpPr/>
+              <p:nvPr/>
+            </p:nvSpPr>
+            <p:spPr>
+              <a:xfrm>
+                <a:off x="3559387" y="2503170"/>
+                <a:ext cx="711200" cy="203835"/>
+              </a:xfrm>
+              <a:prstGeom prst="roundRect">
+                <a:avLst/>
+              </a:prstGeom>
+              <a:noFill/>
+              <a:ln>
+                <a:solidFill>
+                  <a:schemeClr val="tx1"/>
+                </a:solidFill>
+              </a:ln>
+            </p:spPr>
+            <p:style>
+              <a:lnRef idx="2">
+                <a:schemeClr val="accent1">
+                  <a:shade val="50000"/>
+                </a:schemeClr>
+              </a:lnRef>
+              <a:fillRef idx="1">
+                <a:schemeClr val="accent1"/>
+              </a:fillRef>
+              <a:effectRef idx="0">
+                <a:schemeClr val="accent1"/>
+              </a:effectRef>
+              <a:fontRef idx="minor">
+                <a:schemeClr val="lt1"/>
+              </a:fontRef>
+            </p:style>
+            <p:txBody>
+              <a:bodyPr rot="0" spcFirstLastPara="0" vert="horz" wrap="square" lIns="91440" tIns="45720" rIns="91440" bIns="45720" numCol="1" spcCol="0" rtlCol="0" fromWordArt="0" anchor="ctr" anchorCtr="0" forceAA="0" compatLnSpc="1">
+                <a:prstTxWarp prst="textNoShape">
+                  <a:avLst/>
+                </a:prstTxWarp>
+                <a:noAutofit/>
+              </a:bodyPr>
+              <a:lstStyle/>
+              <a:p>
+                <a:endParaRPr lang="en-US"/>
+              </a:p>
+            </p:txBody>
+          </p:sp>
+          <p:sp>
+            <p:nvSpPr>
+              <p:cNvPr id="19" name="Oval 18">
+                <a:extLst>
+                  <a:ext uri="{FF2B5EF4-FFF2-40B4-BE49-F238E27FC236}">
+                    <a16:creationId xmlns:a16="http://schemas.microsoft.com/office/drawing/2014/main" id="{1128D7ED-9270-4FB2-83BD-D7742BC221F4}"/>
+                  </a:ext>
+                </a:extLst>
+              </p:cNvPr>
+              <p:cNvSpPr/>
+              <p:nvPr/>
+            </p:nvSpPr>
+            <p:spPr>
+              <a:xfrm>
+                <a:off x="3640032" y="2545080"/>
+                <a:ext cx="134620" cy="128905"/>
+              </a:xfrm>
+              <a:prstGeom prst="ellipse">
+                <a:avLst/>
+              </a:prstGeom>
+              <a:solidFill>
+                <a:schemeClr val="accent1">
+                  <a:lumMod val="40000"/>
+                  <a:lumOff val="60000"/>
+                </a:schemeClr>
+              </a:solidFill>
+              <a:ln>
+                <a:solidFill>
+                  <a:schemeClr val="accent1">
+                    <a:lumMod val="60000"/>
+                    <a:lumOff val="40000"/>
+                  </a:schemeClr>
+                </a:solidFill>
+              </a:ln>
+            </p:spPr>
+            <p:style>
+              <a:lnRef idx="2">
+                <a:schemeClr val="accent1">
+                  <a:shade val="50000"/>
+                </a:schemeClr>
+              </a:lnRef>
+              <a:fillRef idx="1">
+                <a:schemeClr val="accent1"/>
+              </a:fillRef>
+              <a:effectRef idx="0">
+                <a:schemeClr val="accent1"/>
+              </a:effectRef>
+              <a:fontRef idx="minor">
+                <a:schemeClr val="lt1"/>
+              </a:fontRef>
+            </p:style>
+            <p:txBody>
+              <a:bodyPr rot="0" spcFirstLastPara="0" vert="horz" wrap="square" lIns="91440" tIns="45720" rIns="91440" bIns="45720" numCol="1" spcCol="0" rtlCol="0" fromWordArt="0" anchor="ctr" anchorCtr="0" forceAA="0" compatLnSpc="1">
+                <a:prstTxWarp prst="textNoShape">
+                  <a:avLst/>
+                </a:prstTxWarp>
+                <a:noAutofit/>
+              </a:bodyPr>
+              <a:lstStyle/>
+              <a:p>
+                <a:endParaRPr lang="en-US"/>
+              </a:p>
+            </p:txBody>
+          </p:sp>
+          <p:sp>
+            <p:nvSpPr>
+              <p:cNvPr id="20" name="Oval 19">
+                <a:extLst>
+                  <a:ext uri="{FF2B5EF4-FFF2-40B4-BE49-F238E27FC236}">
+                    <a16:creationId xmlns:a16="http://schemas.microsoft.com/office/drawing/2014/main" id="{9DB8AAEA-59AF-42A2-95CE-DC586CE37560}"/>
+                  </a:ext>
+                </a:extLst>
+              </p:cNvPr>
+              <p:cNvSpPr/>
+              <p:nvPr/>
+            </p:nvSpPr>
+            <p:spPr>
+              <a:xfrm>
+                <a:off x="3851487" y="2545080"/>
+                <a:ext cx="134620" cy="128905"/>
+              </a:xfrm>
+              <a:prstGeom prst="ellipse">
+                <a:avLst/>
+              </a:prstGeom>
+              <a:solidFill>
+                <a:schemeClr val="accent1">
+                  <a:lumMod val="40000"/>
+                  <a:lumOff val="60000"/>
+                </a:schemeClr>
+              </a:solidFill>
+              <a:ln>
+                <a:solidFill>
+                  <a:schemeClr val="accent1">
+                    <a:lumMod val="60000"/>
+                    <a:lumOff val="40000"/>
+                  </a:schemeClr>
+                </a:solidFill>
+              </a:ln>
+            </p:spPr>
+            <p:style>
+              <a:lnRef idx="2">
+                <a:schemeClr val="accent1">
+                  <a:shade val="50000"/>
+                </a:schemeClr>
+              </a:lnRef>
+              <a:fillRef idx="1">
+                <a:schemeClr val="accent1"/>
+              </a:fillRef>
+              <a:effectRef idx="0">
+                <a:schemeClr val="accent1"/>
+              </a:effectRef>
+              <a:fontRef idx="minor">
+                <a:schemeClr val="lt1"/>
+              </a:fontRef>
+            </p:style>
+            <p:txBody>
+              <a:bodyPr rot="0" spcFirstLastPara="0" vert="horz" wrap="square" lIns="91440" tIns="45720" rIns="91440" bIns="45720" numCol="1" spcCol="0" rtlCol="0" fromWordArt="0" anchor="ctr" anchorCtr="0" forceAA="0" compatLnSpc="1">
+                <a:prstTxWarp prst="textNoShape">
+                  <a:avLst/>
+                </a:prstTxWarp>
+                <a:noAutofit/>
+              </a:bodyPr>
+              <a:lstStyle/>
+              <a:p>
+                <a:endParaRPr lang="en-US"/>
+              </a:p>
+            </p:txBody>
+          </p:sp>
+          <p:sp>
+            <p:nvSpPr>
+              <p:cNvPr id="21" name="Oval 20">
+                <a:extLst>
+                  <a:ext uri="{FF2B5EF4-FFF2-40B4-BE49-F238E27FC236}">
+                    <a16:creationId xmlns:a16="http://schemas.microsoft.com/office/drawing/2014/main" id="{B53A2837-2489-4AE8-9A97-4F741830C4E2}"/>
+                  </a:ext>
+                </a:extLst>
+              </p:cNvPr>
+              <p:cNvSpPr/>
+              <p:nvPr/>
+            </p:nvSpPr>
+            <p:spPr>
+              <a:xfrm>
+                <a:off x="4063577" y="2545080"/>
+                <a:ext cx="134620" cy="128905"/>
+              </a:xfrm>
+              <a:prstGeom prst="ellipse">
+                <a:avLst/>
+              </a:prstGeom>
+              <a:solidFill>
+                <a:schemeClr val="accent1">
+                  <a:lumMod val="40000"/>
+                  <a:lumOff val="60000"/>
+                </a:schemeClr>
+              </a:solidFill>
+              <a:ln>
+                <a:solidFill>
+                  <a:schemeClr val="accent1">
+                    <a:lumMod val="60000"/>
+                    <a:lumOff val="40000"/>
+                  </a:schemeClr>
+                </a:solidFill>
+              </a:ln>
+            </p:spPr>
+            <p:style>
+              <a:lnRef idx="2">
+                <a:schemeClr val="accent1">
+                  <a:shade val="50000"/>
+                </a:schemeClr>
+              </a:lnRef>
+              <a:fillRef idx="1">
+                <a:schemeClr val="accent1"/>
+              </a:fillRef>
+              <a:effectRef idx="0">
+                <a:schemeClr val="accent1"/>
+              </a:effectRef>
+              <a:fontRef idx="minor">
+                <a:schemeClr val="lt1"/>
+              </a:fontRef>
+            </p:style>
+            <p:txBody>
+              <a:bodyPr rot="0" spcFirstLastPara="0" vert="horz" wrap="square" lIns="91440" tIns="45720" rIns="91440" bIns="45720" numCol="1" spcCol="0" rtlCol="0" fromWordArt="0" anchor="ctr" anchorCtr="0" forceAA="0" compatLnSpc="1">
+                <a:prstTxWarp prst="textNoShape">
+                  <a:avLst/>
+                </a:prstTxWarp>
+                <a:noAutofit/>
+              </a:bodyPr>
+              <a:lstStyle/>
+              <a:p>
+                <a:endParaRPr lang="en-US"/>
+              </a:p>
+            </p:txBody>
+          </p:sp>
+        </p:grpSp>
+        <p:grpSp>
+          <p:nvGrpSpPr>
+            <p:cNvPr id="47" name="Group 46">
+              <a:extLst>
+                <a:ext uri="{FF2B5EF4-FFF2-40B4-BE49-F238E27FC236}">
+                  <a16:creationId xmlns:a16="http://schemas.microsoft.com/office/drawing/2014/main" id="{10D7F356-56F1-4254-AF71-651D11B5A249}"/>
+                </a:ext>
+              </a:extLst>
+            </p:cNvPr>
+            <p:cNvGrpSpPr/>
+            <p:nvPr/>
+          </p:nvGrpSpPr>
+          <p:grpSpPr>
+            <a:xfrm>
+              <a:off x="3557216" y="3064709"/>
+              <a:ext cx="711200" cy="203835"/>
+              <a:chOff x="3559387" y="2503170"/>
+              <a:chExt cx="711200" cy="203835"/>
+            </a:xfrm>
+          </p:grpSpPr>
+          <p:sp>
+            <p:nvSpPr>
+              <p:cNvPr id="48" name="Rectangle: Rounded Corners 47">
+                <a:extLst>
+                  <a:ext uri="{FF2B5EF4-FFF2-40B4-BE49-F238E27FC236}">
+                    <a16:creationId xmlns:a16="http://schemas.microsoft.com/office/drawing/2014/main" id="{B3156FDB-143C-4188-B2DA-16E7619EE1A5}"/>
+                  </a:ext>
+                </a:extLst>
+              </p:cNvPr>
+              <p:cNvSpPr/>
+              <p:nvPr/>
+            </p:nvSpPr>
+            <p:spPr>
+              <a:xfrm>
+                <a:off x="3559387" y="2503170"/>
+                <a:ext cx="711200" cy="203835"/>
+              </a:xfrm>
+              <a:prstGeom prst="roundRect">
+                <a:avLst/>
+              </a:prstGeom>
+              <a:noFill/>
+              <a:ln>
+                <a:solidFill>
+                  <a:schemeClr val="tx1"/>
+                </a:solidFill>
+              </a:ln>
+            </p:spPr>
+            <p:style>
+              <a:lnRef idx="2">
+                <a:schemeClr val="accent1">
+                  <a:shade val="50000"/>
+                </a:schemeClr>
+              </a:lnRef>
+              <a:fillRef idx="1">
+                <a:schemeClr val="accent1"/>
+              </a:fillRef>
+              <a:effectRef idx="0">
+                <a:schemeClr val="accent1"/>
+              </a:effectRef>
+              <a:fontRef idx="minor">
+                <a:schemeClr val="lt1"/>
+              </a:fontRef>
+            </p:style>
+            <p:txBody>
+              <a:bodyPr rot="0" spcFirstLastPara="0" vert="horz" wrap="square" lIns="91440" tIns="45720" rIns="91440" bIns="45720" numCol="1" spcCol="0" rtlCol="0" fromWordArt="0" anchor="ctr" anchorCtr="0" forceAA="0" compatLnSpc="1">
+                <a:prstTxWarp prst="textNoShape">
+                  <a:avLst/>
+                </a:prstTxWarp>
+                <a:noAutofit/>
+              </a:bodyPr>
+              <a:lstStyle/>
+              <a:p>
+                <a:endParaRPr lang="en-US"/>
+              </a:p>
+            </p:txBody>
+          </p:sp>
+          <p:sp>
+            <p:nvSpPr>
+              <p:cNvPr id="49" name="Oval 48">
+                <a:extLst>
+                  <a:ext uri="{FF2B5EF4-FFF2-40B4-BE49-F238E27FC236}">
+                    <a16:creationId xmlns:a16="http://schemas.microsoft.com/office/drawing/2014/main" id="{643A148E-A22B-44E3-9480-1BF930090B67}"/>
+                  </a:ext>
+                </a:extLst>
+              </p:cNvPr>
+              <p:cNvSpPr/>
+              <p:nvPr/>
+            </p:nvSpPr>
+            <p:spPr>
+              <a:xfrm>
+                <a:off x="3640032" y="2545080"/>
+                <a:ext cx="134620" cy="128905"/>
+              </a:xfrm>
+              <a:prstGeom prst="ellipse">
+                <a:avLst/>
+              </a:prstGeom>
+              <a:solidFill>
+                <a:schemeClr val="accent1">
+                  <a:lumMod val="40000"/>
+                  <a:lumOff val="60000"/>
+                </a:schemeClr>
+              </a:solidFill>
+              <a:ln>
+                <a:solidFill>
+                  <a:schemeClr val="accent1">
+                    <a:lumMod val="60000"/>
+                    <a:lumOff val="40000"/>
+                  </a:schemeClr>
+                </a:solidFill>
+              </a:ln>
+            </p:spPr>
+            <p:style>
+              <a:lnRef idx="2">
+                <a:schemeClr val="accent1">
+                  <a:shade val="50000"/>
+                </a:schemeClr>
+              </a:lnRef>
+              <a:fillRef idx="1">
+                <a:schemeClr val="accent1"/>
+              </a:fillRef>
+              <a:effectRef idx="0">
+                <a:schemeClr val="accent1"/>
+              </a:effectRef>
+              <a:fontRef idx="minor">
+                <a:schemeClr val="lt1"/>
+              </a:fontRef>
+            </p:style>
+            <p:txBody>
+              <a:bodyPr rot="0" spcFirstLastPara="0" vert="horz" wrap="square" lIns="91440" tIns="45720" rIns="91440" bIns="45720" numCol="1" spcCol="0" rtlCol="0" fromWordArt="0" anchor="ctr" anchorCtr="0" forceAA="0" compatLnSpc="1">
+                <a:prstTxWarp prst="textNoShape">
+                  <a:avLst/>
+                </a:prstTxWarp>
+                <a:noAutofit/>
+              </a:bodyPr>
+              <a:lstStyle/>
+              <a:p>
+                <a:endParaRPr lang="en-US"/>
+              </a:p>
+            </p:txBody>
+          </p:sp>
+          <p:sp>
+            <p:nvSpPr>
+              <p:cNvPr id="50" name="Oval 49">
+                <a:extLst>
+                  <a:ext uri="{FF2B5EF4-FFF2-40B4-BE49-F238E27FC236}">
+                    <a16:creationId xmlns:a16="http://schemas.microsoft.com/office/drawing/2014/main" id="{568692B1-9FD1-41FC-8850-F35CFD226D77}"/>
+                  </a:ext>
+                </a:extLst>
+              </p:cNvPr>
+              <p:cNvSpPr/>
+              <p:nvPr/>
+            </p:nvSpPr>
+            <p:spPr>
+              <a:xfrm>
+                <a:off x="3851487" y="2545080"/>
+                <a:ext cx="134620" cy="128905"/>
+              </a:xfrm>
+              <a:prstGeom prst="ellipse">
+                <a:avLst/>
+              </a:prstGeom>
+              <a:solidFill>
+                <a:schemeClr val="accent1">
+                  <a:lumMod val="40000"/>
+                  <a:lumOff val="60000"/>
+                </a:schemeClr>
+              </a:solidFill>
+              <a:ln>
+                <a:solidFill>
+                  <a:schemeClr val="accent1">
+                    <a:lumMod val="60000"/>
+                    <a:lumOff val="40000"/>
+                  </a:schemeClr>
+                </a:solidFill>
+              </a:ln>
+            </p:spPr>
+            <p:style>
+              <a:lnRef idx="2">
+                <a:schemeClr val="accent1">
+                  <a:shade val="50000"/>
+                </a:schemeClr>
+              </a:lnRef>
+              <a:fillRef idx="1">
+                <a:schemeClr val="accent1"/>
+              </a:fillRef>
+              <a:effectRef idx="0">
+                <a:schemeClr val="accent1"/>
+              </a:effectRef>
+              <a:fontRef idx="minor">
+                <a:schemeClr val="lt1"/>
+              </a:fontRef>
+            </p:style>
+            <p:txBody>
+              <a:bodyPr rot="0" spcFirstLastPara="0" vert="horz" wrap="square" lIns="91440" tIns="45720" rIns="91440" bIns="45720" numCol="1" spcCol="0" rtlCol="0" fromWordArt="0" anchor="ctr" anchorCtr="0" forceAA="0" compatLnSpc="1">
+                <a:prstTxWarp prst="textNoShape">
+                  <a:avLst/>
+                </a:prstTxWarp>
+                <a:noAutofit/>
+              </a:bodyPr>
+              <a:lstStyle/>
+              <a:p>
+                <a:endParaRPr lang="en-US"/>
+              </a:p>
+            </p:txBody>
+          </p:sp>
+          <p:sp>
+            <p:nvSpPr>
+              <p:cNvPr id="51" name="Oval 50">
+                <a:extLst>
+                  <a:ext uri="{FF2B5EF4-FFF2-40B4-BE49-F238E27FC236}">
+                    <a16:creationId xmlns:a16="http://schemas.microsoft.com/office/drawing/2014/main" id="{1B68E82E-9906-4A60-BC29-5843E618E9F6}"/>
+                  </a:ext>
+                </a:extLst>
+              </p:cNvPr>
+              <p:cNvSpPr/>
+              <p:nvPr/>
+            </p:nvSpPr>
+            <p:spPr>
+              <a:xfrm>
+                <a:off x="4063577" y="2545080"/>
+                <a:ext cx="134620" cy="128905"/>
+              </a:xfrm>
+              <a:prstGeom prst="ellipse">
+                <a:avLst/>
+              </a:prstGeom>
+              <a:solidFill>
+                <a:schemeClr val="accent1">
+                  <a:lumMod val="40000"/>
+                  <a:lumOff val="60000"/>
+                </a:schemeClr>
+              </a:solidFill>
+              <a:ln>
+                <a:solidFill>
+                  <a:schemeClr val="accent1">
+                    <a:lumMod val="60000"/>
+                    <a:lumOff val="40000"/>
+                  </a:schemeClr>
+                </a:solidFill>
+              </a:ln>
+            </p:spPr>
+            <p:style>
+              <a:lnRef idx="2">
+                <a:schemeClr val="accent1">
+                  <a:shade val="50000"/>
+                </a:schemeClr>
+              </a:lnRef>
+              <a:fillRef idx="1">
+                <a:schemeClr val="accent1"/>
+              </a:fillRef>
+              <a:effectRef idx="0">
+                <a:schemeClr val="accent1"/>
+              </a:effectRef>
+              <a:fontRef idx="minor">
+                <a:schemeClr val="lt1"/>
+              </a:fontRef>
+            </p:style>
+            <p:txBody>
+              <a:bodyPr rot="0" spcFirstLastPara="0" vert="horz" wrap="square" lIns="91440" tIns="45720" rIns="91440" bIns="45720" numCol="1" spcCol="0" rtlCol="0" fromWordArt="0" anchor="ctr" anchorCtr="0" forceAA="0" compatLnSpc="1">
+                <a:prstTxWarp prst="textNoShape">
+                  <a:avLst/>
+                </a:prstTxWarp>
+                <a:noAutofit/>
+              </a:bodyPr>
+              <a:lstStyle/>
+              <a:p>
+                <a:endParaRPr lang="en-US"/>
+              </a:p>
+            </p:txBody>
+          </p:sp>
+        </p:grpSp>
+        <p:grpSp>
+          <p:nvGrpSpPr>
+            <p:cNvPr id="52" name="Group 51">
+              <a:extLst>
+                <a:ext uri="{FF2B5EF4-FFF2-40B4-BE49-F238E27FC236}">
+                  <a16:creationId xmlns:a16="http://schemas.microsoft.com/office/drawing/2014/main" id="{6E94D5AF-B8E7-44F3-837C-40285C528164}"/>
+                </a:ext>
+              </a:extLst>
+            </p:cNvPr>
+            <p:cNvGrpSpPr/>
+            <p:nvPr/>
+          </p:nvGrpSpPr>
+          <p:grpSpPr>
+            <a:xfrm>
+              <a:off x="3557216" y="3703411"/>
+              <a:ext cx="711200" cy="203835"/>
+              <a:chOff x="3559387" y="2503170"/>
+              <a:chExt cx="711200" cy="203835"/>
+            </a:xfrm>
+          </p:grpSpPr>
+          <p:sp>
+            <p:nvSpPr>
+              <p:cNvPr id="53" name="Rectangle: Rounded Corners 52">
+                <a:extLst>
+                  <a:ext uri="{FF2B5EF4-FFF2-40B4-BE49-F238E27FC236}">
+                    <a16:creationId xmlns:a16="http://schemas.microsoft.com/office/drawing/2014/main" id="{74DD0041-C0EC-4ED7-BE2E-3479EFD2F3A3}"/>
+                  </a:ext>
+                </a:extLst>
+              </p:cNvPr>
+              <p:cNvSpPr/>
+              <p:nvPr/>
+            </p:nvSpPr>
+            <p:spPr>
+              <a:xfrm>
+                <a:off x="3559387" y="2503170"/>
+                <a:ext cx="711200" cy="203835"/>
+              </a:xfrm>
+              <a:prstGeom prst="roundRect">
+                <a:avLst/>
+              </a:prstGeom>
+              <a:noFill/>
+              <a:ln>
+                <a:solidFill>
+                  <a:schemeClr val="tx1"/>
+                </a:solidFill>
+              </a:ln>
+            </p:spPr>
+            <p:style>
+              <a:lnRef idx="2">
+                <a:schemeClr val="accent1">
+                  <a:shade val="50000"/>
+                </a:schemeClr>
+              </a:lnRef>
+              <a:fillRef idx="1">
+                <a:schemeClr val="accent1"/>
+              </a:fillRef>
+              <a:effectRef idx="0">
+                <a:schemeClr val="accent1"/>
+              </a:effectRef>
+              <a:fontRef idx="minor">
+                <a:schemeClr val="lt1"/>
+              </a:fontRef>
+            </p:style>
+            <p:txBody>
+              <a:bodyPr rot="0" spcFirstLastPara="0" vert="horz" wrap="square" lIns="91440" tIns="45720" rIns="91440" bIns="45720" numCol="1" spcCol="0" rtlCol="0" fromWordArt="0" anchor="ctr" anchorCtr="0" forceAA="0" compatLnSpc="1">
+                <a:prstTxWarp prst="textNoShape">
+                  <a:avLst/>
+                </a:prstTxWarp>
+                <a:noAutofit/>
+              </a:bodyPr>
+              <a:lstStyle/>
+              <a:p>
+                <a:endParaRPr lang="en-US"/>
+              </a:p>
+            </p:txBody>
+          </p:sp>
+          <p:sp>
+            <p:nvSpPr>
+              <p:cNvPr id="54" name="Oval 53">
+                <a:extLst>
+                  <a:ext uri="{FF2B5EF4-FFF2-40B4-BE49-F238E27FC236}">
+                    <a16:creationId xmlns:a16="http://schemas.microsoft.com/office/drawing/2014/main" id="{F9A7A776-2C0E-4A3B-9F5B-AA940AABC85D}"/>
+                  </a:ext>
+                </a:extLst>
+              </p:cNvPr>
+              <p:cNvSpPr/>
+              <p:nvPr/>
+            </p:nvSpPr>
+            <p:spPr>
+              <a:xfrm>
+                <a:off x="3640032" y="2545080"/>
+                <a:ext cx="134620" cy="128905"/>
+              </a:xfrm>
+              <a:prstGeom prst="ellipse">
+                <a:avLst/>
+              </a:prstGeom>
+              <a:solidFill>
+                <a:schemeClr val="accent1">
+                  <a:lumMod val="40000"/>
+                  <a:lumOff val="60000"/>
+                </a:schemeClr>
+              </a:solidFill>
+              <a:ln>
+                <a:solidFill>
+                  <a:schemeClr val="accent1">
+                    <a:lumMod val="60000"/>
+                    <a:lumOff val="40000"/>
+                  </a:schemeClr>
+                </a:solidFill>
+              </a:ln>
+            </p:spPr>
+            <p:style>
+              <a:lnRef idx="2">
+                <a:schemeClr val="accent1">
+                  <a:shade val="50000"/>
+                </a:schemeClr>
+              </a:lnRef>
+              <a:fillRef idx="1">
+                <a:schemeClr val="accent1"/>
+              </a:fillRef>
+              <a:effectRef idx="0">
+                <a:schemeClr val="accent1"/>
+              </a:effectRef>
+              <a:fontRef idx="minor">
+                <a:schemeClr val="lt1"/>
+              </a:fontRef>
+            </p:style>
+            <p:txBody>
+              <a:bodyPr rot="0" spcFirstLastPara="0" vert="horz" wrap="square" lIns="91440" tIns="45720" rIns="91440" bIns="45720" numCol="1" spcCol="0" rtlCol="0" fromWordArt="0" anchor="ctr" anchorCtr="0" forceAA="0" compatLnSpc="1">
+                <a:prstTxWarp prst="textNoShape">
+                  <a:avLst/>
+                </a:prstTxWarp>
+                <a:noAutofit/>
+              </a:bodyPr>
+              <a:lstStyle/>
+              <a:p>
+                <a:endParaRPr lang="en-US"/>
+              </a:p>
+            </p:txBody>
+          </p:sp>
+          <p:sp>
+            <p:nvSpPr>
+              <p:cNvPr id="55" name="Oval 54">
+                <a:extLst>
+                  <a:ext uri="{FF2B5EF4-FFF2-40B4-BE49-F238E27FC236}">
+                    <a16:creationId xmlns:a16="http://schemas.microsoft.com/office/drawing/2014/main" id="{DE48DAFF-8D13-4FF1-94F6-25A95F9A7AEB}"/>
+                  </a:ext>
+                </a:extLst>
+              </p:cNvPr>
+              <p:cNvSpPr/>
+              <p:nvPr/>
+            </p:nvSpPr>
+            <p:spPr>
+              <a:xfrm>
+                <a:off x="3851487" y="2545080"/>
+                <a:ext cx="134620" cy="128905"/>
+              </a:xfrm>
+              <a:prstGeom prst="ellipse">
+                <a:avLst/>
+              </a:prstGeom>
+              <a:solidFill>
+                <a:schemeClr val="accent1">
+                  <a:lumMod val="40000"/>
+                  <a:lumOff val="60000"/>
+                </a:schemeClr>
+              </a:solidFill>
+              <a:ln>
+                <a:solidFill>
+                  <a:schemeClr val="accent1">
+                    <a:lumMod val="60000"/>
+                    <a:lumOff val="40000"/>
+                  </a:schemeClr>
+                </a:solidFill>
+              </a:ln>
+            </p:spPr>
+            <p:style>
+              <a:lnRef idx="2">
+                <a:schemeClr val="accent1">
+                  <a:shade val="50000"/>
+                </a:schemeClr>
+              </a:lnRef>
+              <a:fillRef idx="1">
+                <a:schemeClr val="accent1"/>
+              </a:fillRef>
+              <a:effectRef idx="0">
+                <a:schemeClr val="accent1"/>
+              </a:effectRef>
+              <a:fontRef idx="minor">
+                <a:schemeClr val="lt1"/>
+              </a:fontRef>
+            </p:style>
+            <p:txBody>
+              <a:bodyPr rot="0" spcFirstLastPara="0" vert="horz" wrap="square" lIns="91440" tIns="45720" rIns="91440" bIns="45720" numCol="1" spcCol="0" rtlCol="0" fromWordArt="0" anchor="ctr" anchorCtr="0" forceAA="0" compatLnSpc="1">
+                <a:prstTxWarp prst="textNoShape">
+                  <a:avLst/>
+                </a:prstTxWarp>
+                <a:noAutofit/>
+              </a:bodyPr>
+              <a:lstStyle/>
+              <a:p>
+                <a:endParaRPr lang="en-US"/>
+              </a:p>
+            </p:txBody>
+          </p:sp>
+          <p:sp>
+            <p:nvSpPr>
+              <p:cNvPr id="56" name="Oval 55">
+                <a:extLst>
+                  <a:ext uri="{FF2B5EF4-FFF2-40B4-BE49-F238E27FC236}">
+                    <a16:creationId xmlns:a16="http://schemas.microsoft.com/office/drawing/2014/main" id="{D80E5E54-6325-4DDC-8796-5317720261C2}"/>
+                  </a:ext>
+                </a:extLst>
+              </p:cNvPr>
+              <p:cNvSpPr/>
+              <p:nvPr/>
+            </p:nvSpPr>
+            <p:spPr>
+              <a:xfrm>
+                <a:off x="4063577" y="2545080"/>
+                <a:ext cx="134620" cy="128905"/>
+              </a:xfrm>
+              <a:prstGeom prst="ellipse">
+                <a:avLst/>
+              </a:prstGeom>
+              <a:solidFill>
+                <a:schemeClr val="accent1">
+                  <a:lumMod val="40000"/>
+                  <a:lumOff val="60000"/>
+                </a:schemeClr>
+              </a:solidFill>
+              <a:ln>
+                <a:solidFill>
+                  <a:schemeClr val="accent1">
+                    <a:lumMod val="60000"/>
+                    <a:lumOff val="40000"/>
+                  </a:schemeClr>
+                </a:solidFill>
+              </a:ln>
+            </p:spPr>
+            <p:style>
+              <a:lnRef idx="2">
+                <a:schemeClr val="accent1">
+                  <a:shade val="50000"/>
+                </a:schemeClr>
+              </a:lnRef>
+              <a:fillRef idx="1">
+                <a:schemeClr val="accent1"/>
+              </a:fillRef>
+              <a:effectRef idx="0">
+                <a:schemeClr val="accent1"/>
+              </a:effectRef>
+              <a:fontRef idx="minor">
+                <a:schemeClr val="lt1"/>
+              </a:fontRef>
+            </p:style>
+            <p:txBody>
+              <a:bodyPr rot="0" spcFirstLastPara="0" vert="horz" wrap="square" lIns="91440" tIns="45720" rIns="91440" bIns="45720" numCol="1" spcCol="0" rtlCol="0" fromWordArt="0" anchor="ctr" anchorCtr="0" forceAA="0" compatLnSpc="1">
+                <a:prstTxWarp prst="textNoShape">
+                  <a:avLst/>
+                </a:prstTxWarp>
+                <a:noAutofit/>
+              </a:bodyPr>
+              <a:lstStyle/>
+              <a:p>
+                <a:endParaRPr lang="en-US"/>
+              </a:p>
+            </p:txBody>
+          </p:sp>
+        </p:grpSp>
+        <p:grpSp>
+          <p:nvGrpSpPr>
+            <p:cNvPr id="57" name="Group 56">
+              <a:extLst>
+                <a:ext uri="{FF2B5EF4-FFF2-40B4-BE49-F238E27FC236}">
+                  <a16:creationId xmlns:a16="http://schemas.microsoft.com/office/drawing/2014/main" id="{4C77F533-187D-4609-A36F-5EA8ED641559}"/>
+                </a:ext>
+              </a:extLst>
+            </p:cNvPr>
+            <p:cNvGrpSpPr/>
+            <p:nvPr/>
+          </p:nvGrpSpPr>
+          <p:grpSpPr>
+            <a:xfrm>
+              <a:off x="3547425" y="4089057"/>
+              <a:ext cx="711200" cy="203835"/>
+              <a:chOff x="3559387" y="2503170"/>
+              <a:chExt cx="711200" cy="203835"/>
+            </a:xfrm>
+          </p:grpSpPr>
+          <p:sp>
+            <p:nvSpPr>
+              <p:cNvPr id="58" name="Rectangle: Rounded Corners 57">
+                <a:extLst>
+                  <a:ext uri="{FF2B5EF4-FFF2-40B4-BE49-F238E27FC236}">
+                    <a16:creationId xmlns:a16="http://schemas.microsoft.com/office/drawing/2014/main" id="{3F247D63-6303-4570-A4FA-1FAE9A742299}"/>
+                  </a:ext>
+                </a:extLst>
+              </p:cNvPr>
+              <p:cNvSpPr/>
+              <p:nvPr/>
+            </p:nvSpPr>
+            <p:spPr>
+              <a:xfrm>
+                <a:off x="3559387" y="2503170"/>
+                <a:ext cx="711200" cy="203835"/>
+              </a:xfrm>
+              <a:prstGeom prst="roundRect">
+                <a:avLst/>
+              </a:prstGeom>
+              <a:noFill/>
+              <a:ln>
+                <a:solidFill>
+                  <a:schemeClr val="tx1"/>
+                </a:solidFill>
+              </a:ln>
+            </p:spPr>
+            <p:style>
+              <a:lnRef idx="2">
+                <a:schemeClr val="accent1">
+                  <a:shade val="50000"/>
+                </a:schemeClr>
+              </a:lnRef>
+              <a:fillRef idx="1">
+                <a:schemeClr val="accent1"/>
+              </a:fillRef>
+              <a:effectRef idx="0">
+                <a:schemeClr val="accent1"/>
+              </a:effectRef>
+              <a:fontRef idx="minor">
+                <a:schemeClr val="lt1"/>
+              </a:fontRef>
+            </p:style>
+            <p:txBody>
+              <a:bodyPr rot="0" spcFirstLastPara="0" vert="horz" wrap="square" lIns="91440" tIns="45720" rIns="91440" bIns="45720" numCol="1" spcCol="0" rtlCol="0" fromWordArt="0" anchor="ctr" anchorCtr="0" forceAA="0" compatLnSpc="1">
+                <a:prstTxWarp prst="textNoShape">
+                  <a:avLst/>
+                </a:prstTxWarp>
+                <a:noAutofit/>
+              </a:bodyPr>
+              <a:lstStyle/>
+              <a:p>
+                <a:endParaRPr lang="en-US"/>
+              </a:p>
+            </p:txBody>
+          </p:sp>
+          <p:sp>
+            <p:nvSpPr>
+              <p:cNvPr id="59" name="Oval 58">
+                <a:extLst>
+                  <a:ext uri="{FF2B5EF4-FFF2-40B4-BE49-F238E27FC236}">
+                    <a16:creationId xmlns:a16="http://schemas.microsoft.com/office/drawing/2014/main" id="{DD58FF30-2FDD-4A77-901F-29046AA1E0D7}"/>
+                  </a:ext>
+                </a:extLst>
+              </p:cNvPr>
+              <p:cNvSpPr/>
+              <p:nvPr/>
+            </p:nvSpPr>
+            <p:spPr>
+              <a:xfrm>
+                <a:off x="3640032" y="2545080"/>
+                <a:ext cx="134620" cy="128905"/>
+              </a:xfrm>
+              <a:prstGeom prst="ellipse">
+                <a:avLst/>
+              </a:prstGeom>
+              <a:solidFill>
+                <a:schemeClr val="accent1">
+                  <a:lumMod val="40000"/>
+                  <a:lumOff val="60000"/>
+                </a:schemeClr>
+              </a:solidFill>
+              <a:ln>
+                <a:solidFill>
+                  <a:schemeClr val="accent1">
+                    <a:lumMod val="60000"/>
+                    <a:lumOff val="40000"/>
+                  </a:schemeClr>
+                </a:solidFill>
+              </a:ln>
+            </p:spPr>
+            <p:style>
+              <a:lnRef idx="2">
+                <a:schemeClr val="accent1">
+                  <a:shade val="50000"/>
+                </a:schemeClr>
+              </a:lnRef>
+              <a:fillRef idx="1">
+                <a:schemeClr val="accent1"/>
+              </a:fillRef>
+              <a:effectRef idx="0">
+                <a:schemeClr val="accent1"/>
+              </a:effectRef>
+              <a:fontRef idx="minor">
+                <a:schemeClr val="lt1"/>
+              </a:fontRef>
+            </p:style>
+            <p:txBody>
+              <a:bodyPr rot="0" spcFirstLastPara="0" vert="horz" wrap="square" lIns="91440" tIns="45720" rIns="91440" bIns="45720" numCol="1" spcCol="0" rtlCol="0" fromWordArt="0" anchor="ctr" anchorCtr="0" forceAA="0" compatLnSpc="1">
+                <a:prstTxWarp prst="textNoShape">
+                  <a:avLst/>
+                </a:prstTxWarp>
+                <a:noAutofit/>
+              </a:bodyPr>
+              <a:lstStyle/>
+              <a:p>
+                <a:endParaRPr lang="en-US"/>
+              </a:p>
+            </p:txBody>
+          </p:sp>
+          <p:sp>
+            <p:nvSpPr>
+              <p:cNvPr id="60" name="Oval 59">
+                <a:extLst>
+                  <a:ext uri="{FF2B5EF4-FFF2-40B4-BE49-F238E27FC236}">
+                    <a16:creationId xmlns:a16="http://schemas.microsoft.com/office/drawing/2014/main" id="{BEC4E59D-A47B-4C5F-AB39-1D41238CD50A}"/>
+                  </a:ext>
+                </a:extLst>
+              </p:cNvPr>
+              <p:cNvSpPr/>
+              <p:nvPr/>
+            </p:nvSpPr>
+            <p:spPr>
+              <a:xfrm>
+                <a:off x="3851487" y="2545080"/>
+                <a:ext cx="134620" cy="128905"/>
+              </a:xfrm>
+              <a:prstGeom prst="ellipse">
+                <a:avLst/>
+              </a:prstGeom>
+              <a:solidFill>
+                <a:schemeClr val="accent1">
+                  <a:lumMod val="40000"/>
+                  <a:lumOff val="60000"/>
+                </a:schemeClr>
+              </a:solidFill>
+              <a:ln>
+                <a:solidFill>
+                  <a:schemeClr val="accent1">
+                    <a:lumMod val="60000"/>
+                    <a:lumOff val="40000"/>
+                  </a:schemeClr>
+                </a:solidFill>
+              </a:ln>
+            </p:spPr>
+            <p:style>
+              <a:lnRef idx="2">
+                <a:schemeClr val="accent1">
+                  <a:shade val="50000"/>
+                </a:schemeClr>
+              </a:lnRef>
+              <a:fillRef idx="1">
+                <a:schemeClr val="accent1"/>
+              </a:fillRef>
+              <a:effectRef idx="0">
+                <a:schemeClr val="accent1"/>
+              </a:effectRef>
+              <a:fontRef idx="minor">
+                <a:schemeClr val="lt1"/>
+              </a:fontRef>
+            </p:style>
+            <p:txBody>
+              <a:bodyPr rot="0" spcFirstLastPara="0" vert="horz" wrap="square" lIns="91440" tIns="45720" rIns="91440" bIns="45720" numCol="1" spcCol="0" rtlCol="0" fromWordArt="0" anchor="ctr" anchorCtr="0" forceAA="0" compatLnSpc="1">
+                <a:prstTxWarp prst="textNoShape">
+                  <a:avLst/>
+                </a:prstTxWarp>
+                <a:noAutofit/>
+              </a:bodyPr>
+              <a:lstStyle/>
+              <a:p>
+                <a:endParaRPr lang="en-US"/>
+              </a:p>
+            </p:txBody>
+          </p:sp>
+          <p:sp>
+            <p:nvSpPr>
+              <p:cNvPr id="61" name="Oval 60">
+                <a:extLst>
+                  <a:ext uri="{FF2B5EF4-FFF2-40B4-BE49-F238E27FC236}">
+                    <a16:creationId xmlns:a16="http://schemas.microsoft.com/office/drawing/2014/main" id="{305A8B22-4CCF-4BC6-B6DA-6FDD459CBE2C}"/>
+                  </a:ext>
+                </a:extLst>
+              </p:cNvPr>
+              <p:cNvSpPr/>
+              <p:nvPr/>
+            </p:nvSpPr>
+            <p:spPr>
+              <a:xfrm>
+                <a:off x="4063577" y="2545080"/>
+                <a:ext cx="134620" cy="128905"/>
+              </a:xfrm>
+              <a:prstGeom prst="ellipse">
+                <a:avLst/>
+              </a:prstGeom>
+              <a:solidFill>
+                <a:schemeClr val="accent1">
+                  <a:lumMod val="40000"/>
+                  <a:lumOff val="60000"/>
+                </a:schemeClr>
+              </a:solidFill>
+              <a:ln>
+                <a:solidFill>
+                  <a:schemeClr val="accent1">
+                    <a:lumMod val="60000"/>
+                    <a:lumOff val="40000"/>
+                  </a:schemeClr>
+                </a:solidFill>
+              </a:ln>
+            </p:spPr>
+            <p:style>
+              <a:lnRef idx="2">
+                <a:schemeClr val="accent1">
+                  <a:shade val="50000"/>
+                </a:schemeClr>
+              </a:lnRef>
+              <a:fillRef idx="1">
+                <a:schemeClr val="accent1"/>
+              </a:fillRef>
+              <a:effectRef idx="0">
+                <a:schemeClr val="accent1"/>
+              </a:effectRef>
+              <a:fontRef idx="minor">
+                <a:schemeClr val="lt1"/>
+              </a:fontRef>
+            </p:style>
+            <p:txBody>
+              <a:bodyPr rot="0" spcFirstLastPara="0" vert="horz" wrap="square" lIns="91440" tIns="45720" rIns="91440" bIns="45720" numCol="1" spcCol="0" rtlCol="0" fromWordArt="0" anchor="ctr" anchorCtr="0" forceAA="0" compatLnSpc="1">
+                <a:prstTxWarp prst="textNoShape">
+                  <a:avLst/>
+                </a:prstTxWarp>
+                <a:noAutofit/>
+              </a:bodyPr>
+              <a:lstStyle/>
+              <a:p>
+                <a:endParaRPr lang="en-US"/>
+              </a:p>
+            </p:txBody>
+          </p:sp>
+        </p:grpSp>
+        <p:sp>
+          <p:nvSpPr>
+            <p:cNvPr id="62" name="TextBox 61">
+              <a:extLst>
+                <a:ext uri="{FF2B5EF4-FFF2-40B4-BE49-F238E27FC236}">
+                  <a16:creationId xmlns:a16="http://schemas.microsoft.com/office/drawing/2014/main" id="{4B807A1A-F2C2-4AFB-A340-44C1C132B4DE}"/>
+                </a:ext>
+              </a:extLst>
+            </p:cNvPr>
+            <p:cNvSpPr txBox="1"/>
+            <p:nvPr/>
+          </p:nvSpPr>
+          <p:spPr>
+            <a:xfrm>
+              <a:off x="3748522" y="3243174"/>
+              <a:ext cx="343364" cy="369332"/>
+            </a:xfrm>
+            <a:prstGeom prst="rect">
+              <a:avLst/>
+            </a:prstGeom>
+            <a:noFill/>
+          </p:spPr>
+          <p:txBody>
+            <a:bodyPr wrap="none" rtlCol="0">
+              <a:spAutoFit/>
+            </a:bodyPr>
+            <a:lstStyle/>
+            <a:p>
+              <a:r>
+                <a:rPr lang="en-US" dirty="0"/>
+                <a:t>…</a:t>
+              </a:r>
+            </a:p>
+          </p:txBody>
+        </p:sp>
+      </p:grpSp>
+      <p:sp>
+        <p:nvSpPr>
+          <p:cNvPr id="64" name="TextBox 63">
+            <a:extLst>
+              <a:ext uri="{FF2B5EF4-FFF2-40B4-BE49-F238E27FC236}">
+                <a16:creationId xmlns:a16="http://schemas.microsoft.com/office/drawing/2014/main" id="{74C0257D-0541-415E-956B-B85B39C0BEB6}"/>
+              </a:ext>
+            </a:extLst>
+          </p:cNvPr>
+          <p:cNvSpPr txBox="1"/>
+          <p:nvPr/>
+        </p:nvSpPr>
+        <p:spPr>
+          <a:xfrm>
+            <a:off x="3068341" y="1700669"/>
+            <a:ext cx="1669368" cy="923330"/>
+          </a:xfrm>
+          <a:prstGeom prst="rect">
+            <a:avLst/>
+          </a:prstGeom>
+          <a:noFill/>
+        </p:spPr>
+        <p:txBody>
+          <a:bodyPr wrap="none" rtlCol="0">
+            <a:spAutoFit/>
+          </a:bodyPr>
+          <a:lstStyle/>
+          <a:p>
+            <a:pPr algn="ctr"/>
+            <a:r>
+              <a:rPr lang="en-US" dirty="0"/>
+              <a:t>Node</a:t>
+            </a:r>
+          </a:p>
+          <a:p>
+            <a:pPr algn="ctr"/>
+            <a:r>
+              <a:rPr lang="en-US" dirty="0"/>
+              <a:t>Representation</a:t>
+            </a:r>
+          </a:p>
+          <a:p>
+            <a:pPr algn="ctr"/>
+            <a:r>
+              <a:rPr lang="en-US" dirty="0"/>
+              <a:t>Vectors</a:t>
+            </a:r>
+          </a:p>
+        </p:txBody>
+      </p:sp>
+      <p:sp>
+        <p:nvSpPr>
+          <p:cNvPr id="66" name="Flowchart: Summing Junction 65">
+            <a:extLst>
+              <a:ext uri="{FF2B5EF4-FFF2-40B4-BE49-F238E27FC236}">
+                <a16:creationId xmlns:a16="http://schemas.microsoft.com/office/drawing/2014/main" id="{3A551137-0C2D-493A-B023-4DF1EA2E5489}"/>
+              </a:ext>
+            </a:extLst>
+          </p:cNvPr>
+          <p:cNvSpPr/>
+          <p:nvPr/>
+        </p:nvSpPr>
+        <p:spPr>
+          <a:xfrm>
+            <a:off x="4379920" y="3380672"/>
+            <a:ext cx="226669" cy="203835"/>
+          </a:xfrm>
+          <a:prstGeom prst="flowChartSummingJunction">
+            <a:avLst/>
+          </a:prstGeom>
+          <a:noFill/>
+        </p:spPr>
+        <p:style>
+          <a:lnRef idx="2">
+            <a:schemeClr val="accent1">
+              <a:shade val="50000"/>
+            </a:schemeClr>
+          </a:lnRef>
+          <a:fillRef idx="1">
+            <a:schemeClr val="accent1"/>
+          </a:fillRef>
+          <a:effectRef idx="0">
+            <a:schemeClr val="accent1"/>
+          </a:effectRef>
+          <a:fontRef idx="minor">
+            <a:schemeClr val="lt1"/>
+          </a:fontRef>
+        </p:style>
+        <p:txBody>
+          <a:bodyPr rtlCol="0" anchor="ctr"/>
+          <a:lstStyle/>
+          <a:p>
+            <a:pPr algn="ctr"/>
+            <a:endParaRPr lang="en-US"/>
+          </a:p>
+        </p:txBody>
+      </p:sp>
+      <p:grpSp>
+        <p:nvGrpSpPr>
+          <p:cNvPr id="90" name="Group 89">
+            <a:extLst>
+              <a:ext uri="{FF2B5EF4-FFF2-40B4-BE49-F238E27FC236}">
+                <a16:creationId xmlns:a16="http://schemas.microsoft.com/office/drawing/2014/main" id="{3D986BCA-A4BF-4A45-B177-1C15DE4A27A9}"/>
+              </a:ext>
+            </a:extLst>
+          </p:cNvPr>
+          <p:cNvGrpSpPr/>
+          <p:nvPr/>
+        </p:nvGrpSpPr>
+        <p:grpSpPr>
+          <a:xfrm>
+            <a:off x="3082373" y="2683800"/>
+            <a:ext cx="3947491" cy="2351465"/>
+            <a:chOff x="3391290" y="2677969"/>
+            <a:chExt cx="3947491" cy="2351465"/>
+          </a:xfrm>
+        </p:grpSpPr>
+        <p:grpSp>
+          <p:nvGrpSpPr>
+            <p:cNvPr id="67" name="Group 66">
+              <a:extLst>
+                <a:ext uri="{FF2B5EF4-FFF2-40B4-BE49-F238E27FC236}">
+                  <a16:creationId xmlns:a16="http://schemas.microsoft.com/office/drawing/2014/main" id="{462A9258-6067-438C-9D5B-1C76C3A9FACA}"/>
+                </a:ext>
+              </a:extLst>
+            </p:cNvPr>
+            <p:cNvGrpSpPr/>
+            <p:nvPr/>
+          </p:nvGrpSpPr>
+          <p:grpSpPr>
+            <a:xfrm>
+              <a:off x="5029455" y="2677969"/>
+              <a:ext cx="720991" cy="1610870"/>
+              <a:chOff x="3547425" y="2682022"/>
+              <a:chExt cx="720991" cy="1610870"/>
+            </a:xfrm>
+          </p:grpSpPr>
+          <p:grpSp>
+            <p:nvGrpSpPr>
+              <p:cNvPr id="68" name="Group 67">
+                <a:extLst>
+                  <a:ext uri="{FF2B5EF4-FFF2-40B4-BE49-F238E27FC236}">
+                    <a16:creationId xmlns:a16="http://schemas.microsoft.com/office/drawing/2014/main" id="{DBB2BD8F-9692-46C2-9BD9-26950F00C356}"/>
+                  </a:ext>
+                </a:extLst>
+              </p:cNvPr>
+              <p:cNvGrpSpPr/>
+              <p:nvPr/>
+            </p:nvGrpSpPr>
+            <p:grpSpPr>
+              <a:xfrm>
+                <a:off x="3553406" y="2682022"/>
+                <a:ext cx="711200" cy="203835"/>
+                <a:chOff x="3559387" y="2503170"/>
+                <a:chExt cx="711200" cy="203835"/>
+              </a:xfrm>
+            </p:grpSpPr>
+            <p:sp>
+              <p:nvSpPr>
+                <p:cNvPr id="85" name="Rectangle: Rounded Corners 84">
+                  <a:extLst>
+                    <a:ext uri="{FF2B5EF4-FFF2-40B4-BE49-F238E27FC236}">
+                      <a16:creationId xmlns:a16="http://schemas.microsoft.com/office/drawing/2014/main" id="{921DDFF1-7527-432B-BBC9-73C3BBEACAA6}"/>
+                    </a:ext>
+                  </a:extLst>
+                </p:cNvPr>
+                <p:cNvSpPr/>
+                <p:nvPr/>
+              </p:nvSpPr>
+              <p:spPr>
+                <a:xfrm>
+                  <a:off x="3559387" y="2503170"/>
+                  <a:ext cx="711200" cy="203835"/>
+                </a:xfrm>
+                <a:prstGeom prst="roundRect">
+                  <a:avLst/>
+                </a:prstGeom>
+                <a:noFill/>
+                <a:ln>
+                  <a:solidFill>
+                    <a:schemeClr val="tx1"/>
+                  </a:solidFill>
+                </a:ln>
+              </p:spPr>
+              <p:style>
+                <a:lnRef idx="2">
+                  <a:schemeClr val="accent1">
+                    <a:shade val="50000"/>
+                  </a:schemeClr>
+                </a:lnRef>
+                <a:fillRef idx="1">
+                  <a:schemeClr val="accent1"/>
+                </a:fillRef>
+                <a:effectRef idx="0">
+                  <a:schemeClr val="accent1"/>
+                </a:effectRef>
+                <a:fontRef idx="minor">
+                  <a:schemeClr val="lt1"/>
+                </a:fontRef>
+              </p:style>
+              <p:txBody>
+                <a:bodyPr rot="0" spcFirstLastPara="0" vert="horz" wrap="square" lIns="91440" tIns="45720" rIns="91440" bIns="45720" numCol="1" spcCol="0" rtlCol="0" fromWordArt="0" anchor="ctr" anchorCtr="0" forceAA="0" compatLnSpc="1">
+                  <a:prstTxWarp prst="textNoShape">
+                    <a:avLst/>
+                  </a:prstTxWarp>
+                  <a:noAutofit/>
+                </a:bodyPr>
+                <a:lstStyle/>
+                <a:p>
+                  <a:endParaRPr lang="en-US"/>
+                </a:p>
+              </p:txBody>
+            </p:sp>
+            <p:sp>
+              <p:nvSpPr>
+                <p:cNvPr id="86" name="Oval 85">
+                  <a:extLst>
+                    <a:ext uri="{FF2B5EF4-FFF2-40B4-BE49-F238E27FC236}">
+                      <a16:creationId xmlns:a16="http://schemas.microsoft.com/office/drawing/2014/main" id="{6DBE0161-9BED-48B0-929E-F5164AEBB4C2}"/>
+                    </a:ext>
+                  </a:extLst>
+                </p:cNvPr>
+                <p:cNvSpPr/>
+                <p:nvPr/>
+              </p:nvSpPr>
+              <p:spPr>
+                <a:xfrm>
+                  <a:off x="3640032" y="2545080"/>
+                  <a:ext cx="134620" cy="128905"/>
+                </a:xfrm>
+                <a:prstGeom prst="ellipse">
+                  <a:avLst/>
+                </a:prstGeom>
+                <a:solidFill>
+                  <a:srgbClr val="00B0F0"/>
+                </a:solidFill>
+                <a:ln>
+                  <a:solidFill>
+                    <a:schemeClr val="accent1">
+                      <a:lumMod val="60000"/>
+                      <a:lumOff val="40000"/>
+                    </a:schemeClr>
+                  </a:solidFill>
+                </a:ln>
+              </p:spPr>
+              <p:style>
+                <a:lnRef idx="2">
+                  <a:schemeClr val="accent1">
+                    <a:shade val="50000"/>
+                  </a:schemeClr>
+                </a:lnRef>
+                <a:fillRef idx="1">
+                  <a:schemeClr val="accent1"/>
+                </a:fillRef>
+                <a:effectRef idx="0">
+                  <a:schemeClr val="accent1"/>
+                </a:effectRef>
+                <a:fontRef idx="minor">
+                  <a:schemeClr val="lt1"/>
+                </a:fontRef>
+              </p:style>
+              <p:txBody>
+                <a:bodyPr rot="0" spcFirstLastPara="0" vert="horz" wrap="square" lIns="91440" tIns="45720" rIns="91440" bIns="45720" numCol="1" spcCol="0" rtlCol="0" fromWordArt="0" anchor="ctr" anchorCtr="0" forceAA="0" compatLnSpc="1">
+                  <a:prstTxWarp prst="textNoShape">
+                    <a:avLst/>
+                  </a:prstTxWarp>
+                  <a:noAutofit/>
+                </a:bodyPr>
+                <a:lstStyle/>
+                <a:p>
+                  <a:endParaRPr lang="en-US" dirty="0"/>
+                </a:p>
+              </p:txBody>
+            </p:sp>
+            <p:sp>
+              <p:nvSpPr>
+                <p:cNvPr id="87" name="Oval 86">
+                  <a:extLst>
+                    <a:ext uri="{FF2B5EF4-FFF2-40B4-BE49-F238E27FC236}">
+                      <a16:creationId xmlns:a16="http://schemas.microsoft.com/office/drawing/2014/main" id="{52DE7B79-842E-466E-A00F-6B9075F55515}"/>
+                    </a:ext>
+                  </a:extLst>
+                </p:cNvPr>
+                <p:cNvSpPr/>
+                <p:nvPr/>
+              </p:nvSpPr>
+              <p:spPr>
+                <a:xfrm>
+                  <a:off x="3851487" y="2545080"/>
+                  <a:ext cx="134620" cy="128905"/>
+                </a:xfrm>
+                <a:prstGeom prst="ellipse">
+                  <a:avLst/>
+                </a:prstGeom>
+                <a:solidFill>
+                  <a:srgbClr val="00B0F0"/>
+                </a:solidFill>
+                <a:ln>
+                  <a:solidFill>
+                    <a:schemeClr val="accent1">
+                      <a:lumMod val="60000"/>
+                      <a:lumOff val="40000"/>
+                    </a:schemeClr>
+                  </a:solidFill>
+                </a:ln>
+              </p:spPr>
+              <p:style>
+                <a:lnRef idx="2">
+                  <a:schemeClr val="accent1">
+                    <a:shade val="50000"/>
+                  </a:schemeClr>
+                </a:lnRef>
+                <a:fillRef idx="1">
+                  <a:schemeClr val="accent1"/>
+                </a:fillRef>
+                <a:effectRef idx="0">
+                  <a:schemeClr val="accent1"/>
+                </a:effectRef>
+                <a:fontRef idx="minor">
+                  <a:schemeClr val="lt1"/>
+                </a:fontRef>
+              </p:style>
+              <p:txBody>
+                <a:bodyPr rot="0" spcFirstLastPara="0" vert="horz" wrap="square" lIns="91440" tIns="45720" rIns="91440" bIns="45720" numCol="1" spcCol="0" rtlCol="0" fromWordArt="0" anchor="ctr" anchorCtr="0" forceAA="0" compatLnSpc="1">
+                  <a:prstTxWarp prst="textNoShape">
+                    <a:avLst/>
+                  </a:prstTxWarp>
+                  <a:noAutofit/>
+                </a:bodyPr>
+                <a:lstStyle/>
+                <a:p>
+                  <a:endParaRPr lang="en-US"/>
+                </a:p>
+              </p:txBody>
+            </p:sp>
+            <p:sp>
+              <p:nvSpPr>
+                <p:cNvPr id="88" name="Oval 87">
+                  <a:extLst>
+                    <a:ext uri="{FF2B5EF4-FFF2-40B4-BE49-F238E27FC236}">
+                      <a16:creationId xmlns:a16="http://schemas.microsoft.com/office/drawing/2014/main" id="{F756A39B-0619-4459-B780-097B46B3DEA7}"/>
+                    </a:ext>
+                  </a:extLst>
+                </p:cNvPr>
+                <p:cNvSpPr/>
+                <p:nvPr/>
+              </p:nvSpPr>
+              <p:spPr>
+                <a:xfrm>
+                  <a:off x="4063577" y="2545080"/>
+                  <a:ext cx="134620" cy="128905"/>
+                </a:xfrm>
+                <a:prstGeom prst="ellipse">
+                  <a:avLst/>
+                </a:prstGeom>
+                <a:solidFill>
+                  <a:srgbClr val="00B0F0"/>
+                </a:solidFill>
+                <a:ln>
+                  <a:solidFill>
+                    <a:schemeClr val="accent1">
+                      <a:lumMod val="60000"/>
+                      <a:lumOff val="40000"/>
+                    </a:schemeClr>
+                  </a:solidFill>
+                </a:ln>
+              </p:spPr>
+              <p:style>
+                <a:lnRef idx="2">
+                  <a:schemeClr val="accent1">
+                    <a:shade val="50000"/>
+                  </a:schemeClr>
+                </a:lnRef>
+                <a:fillRef idx="1">
+                  <a:schemeClr val="accent1"/>
+                </a:fillRef>
+                <a:effectRef idx="0">
+                  <a:schemeClr val="accent1"/>
+                </a:effectRef>
+                <a:fontRef idx="minor">
+                  <a:schemeClr val="lt1"/>
+                </a:fontRef>
+              </p:style>
+              <p:txBody>
+                <a:bodyPr rot="0" spcFirstLastPara="0" vert="horz" wrap="square" lIns="91440" tIns="45720" rIns="91440" bIns="45720" numCol="1" spcCol="0" rtlCol="0" fromWordArt="0" anchor="ctr" anchorCtr="0" forceAA="0" compatLnSpc="1">
+                  <a:prstTxWarp prst="textNoShape">
+                    <a:avLst/>
+                  </a:prstTxWarp>
+                  <a:noAutofit/>
+                </a:bodyPr>
+                <a:lstStyle/>
+                <a:p>
+                  <a:endParaRPr lang="en-US"/>
+                </a:p>
+              </p:txBody>
+            </p:sp>
+          </p:grpSp>
+          <p:grpSp>
+            <p:nvGrpSpPr>
+              <p:cNvPr id="69" name="Group 68">
+                <a:extLst>
+                  <a:ext uri="{FF2B5EF4-FFF2-40B4-BE49-F238E27FC236}">
+                    <a16:creationId xmlns:a16="http://schemas.microsoft.com/office/drawing/2014/main" id="{E254ADD6-7A76-46FE-812C-E7BFBDFF5DD4}"/>
+                  </a:ext>
+                </a:extLst>
+              </p:cNvPr>
+              <p:cNvGrpSpPr/>
+              <p:nvPr/>
+            </p:nvGrpSpPr>
+            <p:grpSpPr>
+              <a:xfrm>
+                <a:off x="3557216" y="3064709"/>
+                <a:ext cx="711200" cy="203835"/>
+                <a:chOff x="3559387" y="2503170"/>
+                <a:chExt cx="711200" cy="203835"/>
+              </a:xfrm>
+            </p:grpSpPr>
+            <p:sp>
+              <p:nvSpPr>
+                <p:cNvPr id="81" name="Rectangle: Rounded Corners 80">
+                  <a:extLst>
+                    <a:ext uri="{FF2B5EF4-FFF2-40B4-BE49-F238E27FC236}">
+                      <a16:creationId xmlns:a16="http://schemas.microsoft.com/office/drawing/2014/main" id="{5EEEF3B8-7AE8-4F4A-87EE-0E0076E2053E}"/>
+                    </a:ext>
+                  </a:extLst>
+                </p:cNvPr>
+                <p:cNvSpPr/>
+                <p:nvPr/>
+              </p:nvSpPr>
+              <p:spPr>
+                <a:xfrm>
+                  <a:off x="3559387" y="2503170"/>
+                  <a:ext cx="711200" cy="203835"/>
+                </a:xfrm>
+                <a:prstGeom prst="roundRect">
+                  <a:avLst/>
+                </a:prstGeom>
+                <a:noFill/>
+                <a:ln>
+                  <a:solidFill>
+                    <a:schemeClr val="tx1"/>
+                  </a:solidFill>
+                </a:ln>
+              </p:spPr>
+              <p:style>
+                <a:lnRef idx="2">
+                  <a:schemeClr val="accent1">
+                    <a:shade val="50000"/>
+                  </a:schemeClr>
+                </a:lnRef>
+                <a:fillRef idx="1">
+                  <a:schemeClr val="accent1"/>
+                </a:fillRef>
+                <a:effectRef idx="0">
+                  <a:schemeClr val="accent1"/>
+                </a:effectRef>
+                <a:fontRef idx="minor">
+                  <a:schemeClr val="lt1"/>
+                </a:fontRef>
+              </p:style>
+              <p:txBody>
+                <a:bodyPr rot="0" spcFirstLastPara="0" vert="horz" wrap="square" lIns="91440" tIns="45720" rIns="91440" bIns="45720" numCol="1" spcCol="0" rtlCol="0" fromWordArt="0" anchor="ctr" anchorCtr="0" forceAA="0" compatLnSpc="1">
+                  <a:prstTxWarp prst="textNoShape">
+                    <a:avLst/>
+                  </a:prstTxWarp>
+                  <a:noAutofit/>
+                </a:bodyPr>
+                <a:lstStyle/>
+                <a:p>
+                  <a:endParaRPr lang="en-US"/>
+                </a:p>
+              </p:txBody>
+            </p:sp>
+            <p:sp>
+              <p:nvSpPr>
+                <p:cNvPr id="82" name="Oval 81">
+                  <a:extLst>
+                    <a:ext uri="{FF2B5EF4-FFF2-40B4-BE49-F238E27FC236}">
+                      <a16:creationId xmlns:a16="http://schemas.microsoft.com/office/drawing/2014/main" id="{7E03D652-95A2-4C6D-86D2-3112A4957D2D}"/>
+                    </a:ext>
+                  </a:extLst>
+                </p:cNvPr>
+                <p:cNvSpPr/>
+                <p:nvPr/>
+              </p:nvSpPr>
+              <p:spPr>
+                <a:xfrm>
+                  <a:off x="3640032" y="2545080"/>
+                  <a:ext cx="134620" cy="128905"/>
+                </a:xfrm>
+                <a:prstGeom prst="ellipse">
+                  <a:avLst/>
+                </a:prstGeom>
+                <a:solidFill>
+                  <a:srgbClr val="00B0F0"/>
+                </a:solidFill>
+                <a:ln>
+                  <a:solidFill>
+                    <a:schemeClr val="accent1">
+                      <a:lumMod val="60000"/>
+                      <a:lumOff val="40000"/>
+                    </a:schemeClr>
+                  </a:solidFill>
+                </a:ln>
+              </p:spPr>
+              <p:style>
+                <a:lnRef idx="2">
+                  <a:schemeClr val="accent1">
+                    <a:shade val="50000"/>
+                  </a:schemeClr>
+                </a:lnRef>
+                <a:fillRef idx="1">
+                  <a:schemeClr val="accent1"/>
+                </a:fillRef>
+                <a:effectRef idx="0">
+                  <a:schemeClr val="accent1"/>
+                </a:effectRef>
+                <a:fontRef idx="minor">
+                  <a:schemeClr val="lt1"/>
+                </a:fontRef>
+              </p:style>
+              <p:txBody>
+                <a:bodyPr rot="0" spcFirstLastPara="0" vert="horz" wrap="square" lIns="91440" tIns="45720" rIns="91440" bIns="45720" numCol="1" spcCol="0" rtlCol="0" fromWordArt="0" anchor="ctr" anchorCtr="0" forceAA="0" compatLnSpc="1">
+                  <a:prstTxWarp prst="textNoShape">
+                    <a:avLst/>
+                  </a:prstTxWarp>
+                  <a:noAutofit/>
+                </a:bodyPr>
+                <a:lstStyle/>
+                <a:p>
+                  <a:endParaRPr lang="en-US"/>
+                </a:p>
+              </p:txBody>
+            </p:sp>
+            <p:sp>
+              <p:nvSpPr>
+                <p:cNvPr id="83" name="Oval 82">
+                  <a:extLst>
+                    <a:ext uri="{FF2B5EF4-FFF2-40B4-BE49-F238E27FC236}">
+                      <a16:creationId xmlns:a16="http://schemas.microsoft.com/office/drawing/2014/main" id="{565DE06C-0005-474B-BCEE-B67BDF0E2505}"/>
+                    </a:ext>
+                  </a:extLst>
+                </p:cNvPr>
+                <p:cNvSpPr/>
+                <p:nvPr/>
+              </p:nvSpPr>
+              <p:spPr>
+                <a:xfrm>
+                  <a:off x="3851487" y="2545080"/>
+                  <a:ext cx="134620" cy="128905"/>
+                </a:xfrm>
+                <a:prstGeom prst="ellipse">
+                  <a:avLst/>
+                </a:prstGeom>
+                <a:solidFill>
+                  <a:srgbClr val="00B0F0"/>
+                </a:solidFill>
+                <a:ln>
+                  <a:solidFill>
+                    <a:schemeClr val="accent1">
+                      <a:lumMod val="60000"/>
+                      <a:lumOff val="40000"/>
+                    </a:schemeClr>
+                  </a:solidFill>
+                </a:ln>
+              </p:spPr>
+              <p:style>
+                <a:lnRef idx="2">
+                  <a:schemeClr val="accent1">
+                    <a:shade val="50000"/>
+                  </a:schemeClr>
+                </a:lnRef>
+                <a:fillRef idx="1">
+                  <a:schemeClr val="accent1"/>
+                </a:fillRef>
+                <a:effectRef idx="0">
+                  <a:schemeClr val="accent1"/>
+                </a:effectRef>
+                <a:fontRef idx="minor">
+                  <a:schemeClr val="lt1"/>
+                </a:fontRef>
+              </p:style>
+              <p:txBody>
+                <a:bodyPr rot="0" spcFirstLastPara="0" vert="horz" wrap="square" lIns="91440" tIns="45720" rIns="91440" bIns="45720" numCol="1" spcCol="0" rtlCol="0" fromWordArt="0" anchor="ctr" anchorCtr="0" forceAA="0" compatLnSpc="1">
+                  <a:prstTxWarp prst="textNoShape">
+                    <a:avLst/>
+                  </a:prstTxWarp>
+                  <a:noAutofit/>
+                </a:bodyPr>
+                <a:lstStyle/>
+                <a:p>
+                  <a:endParaRPr lang="en-US"/>
+                </a:p>
+              </p:txBody>
+            </p:sp>
+            <p:sp>
+              <p:nvSpPr>
+                <p:cNvPr id="84" name="Oval 83">
+                  <a:extLst>
+                    <a:ext uri="{FF2B5EF4-FFF2-40B4-BE49-F238E27FC236}">
+                      <a16:creationId xmlns:a16="http://schemas.microsoft.com/office/drawing/2014/main" id="{DDFDD935-8192-4E6E-A8B7-098DC565C697}"/>
+                    </a:ext>
+                  </a:extLst>
+                </p:cNvPr>
+                <p:cNvSpPr/>
+                <p:nvPr/>
+              </p:nvSpPr>
+              <p:spPr>
+                <a:xfrm>
+                  <a:off x="4063577" y="2545080"/>
+                  <a:ext cx="134620" cy="128905"/>
+                </a:xfrm>
+                <a:prstGeom prst="ellipse">
+                  <a:avLst/>
+                </a:prstGeom>
+                <a:solidFill>
+                  <a:srgbClr val="00B0F0"/>
+                </a:solidFill>
+                <a:ln>
+                  <a:solidFill>
+                    <a:schemeClr val="accent1">
+                      <a:lumMod val="60000"/>
+                      <a:lumOff val="40000"/>
+                    </a:schemeClr>
+                  </a:solidFill>
+                </a:ln>
+              </p:spPr>
+              <p:style>
+                <a:lnRef idx="2">
+                  <a:schemeClr val="accent1">
+                    <a:shade val="50000"/>
+                  </a:schemeClr>
+                </a:lnRef>
+                <a:fillRef idx="1">
+                  <a:schemeClr val="accent1"/>
+                </a:fillRef>
+                <a:effectRef idx="0">
+                  <a:schemeClr val="accent1"/>
+                </a:effectRef>
+                <a:fontRef idx="minor">
+                  <a:schemeClr val="lt1"/>
+                </a:fontRef>
+              </p:style>
+              <p:txBody>
+                <a:bodyPr rot="0" spcFirstLastPara="0" vert="horz" wrap="square" lIns="91440" tIns="45720" rIns="91440" bIns="45720" numCol="1" spcCol="0" rtlCol="0" fromWordArt="0" anchor="ctr" anchorCtr="0" forceAA="0" compatLnSpc="1">
+                  <a:prstTxWarp prst="textNoShape">
+                    <a:avLst/>
+                  </a:prstTxWarp>
+                  <a:noAutofit/>
+                </a:bodyPr>
+                <a:lstStyle/>
+                <a:p>
+                  <a:endParaRPr lang="en-US"/>
+                </a:p>
+              </p:txBody>
+            </p:sp>
+          </p:grpSp>
+          <p:grpSp>
+            <p:nvGrpSpPr>
+              <p:cNvPr id="70" name="Group 69">
+                <a:extLst>
+                  <a:ext uri="{FF2B5EF4-FFF2-40B4-BE49-F238E27FC236}">
+                    <a16:creationId xmlns:a16="http://schemas.microsoft.com/office/drawing/2014/main" id="{A8F24DA3-1C3E-4200-8FF5-CEB441FAC6A6}"/>
+                  </a:ext>
+                </a:extLst>
+              </p:cNvPr>
+              <p:cNvGrpSpPr/>
+              <p:nvPr/>
+            </p:nvGrpSpPr>
+            <p:grpSpPr>
+              <a:xfrm>
+                <a:off x="3557216" y="3703411"/>
+                <a:ext cx="711200" cy="203835"/>
+                <a:chOff x="3559387" y="2503170"/>
+                <a:chExt cx="711200" cy="203835"/>
+              </a:xfrm>
+            </p:grpSpPr>
+            <p:sp>
+              <p:nvSpPr>
+                <p:cNvPr id="77" name="Rectangle: Rounded Corners 76">
+                  <a:extLst>
+                    <a:ext uri="{FF2B5EF4-FFF2-40B4-BE49-F238E27FC236}">
+                      <a16:creationId xmlns:a16="http://schemas.microsoft.com/office/drawing/2014/main" id="{75C318E7-B580-4ACF-88E6-4D3FD1962BB4}"/>
+                    </a:ext>
+                  </a:extLst>
+                </p:cNvPr>
+                <p:cNvSpPr/>
+                <p:nvPr/>
+              </p:nvSpPr>
+              <p:spPr>
+                <a:xfrm>
+                  <a:off x="3559387" y="2503170"/>
+                  <a:ext cx="711200" cy="203835"/>
+                </a:xfrm>
+                <a:prstGeom prst="roundRect">
+                  <a:avLst/>
+                </a:prstGeom>
+                <a:noFill/>
+                <a:ln>
+                  <a:solidFill>
+                    <a:schemeClr val="tx1"/>
+                  </a:solidFill>
+                </a:ln>
+              </p:spPr>
+              <p:style>
+                <a:lnRef idx="2">
+                  <a:schemeClr val="accent1">
+                    <a:shade val="50000"/>
+                  </a:schemeClr>
+                </a:lnRef>
+                <a:fillRef idx="1">
+                  <a:schemeClr val="accent1"/>
+                </a:fillRef>
+                <a:effectRef idx="0">
+                  <a:schemeClr val="accent1"/>
+                </a:effectRef>
+                <a:fontRef idx="minor">
+                  <a:schemeClr val="lt1"/>
+                </a:fontRef>
+              </p:style>
+              <p:txBody>
+                <a:bodyPr rot="0" spcFirstLastPara="0" vert="horz" wrap="square" lIns="91440" tIns="45720" rIns="91440" bIns="45720" numCol="1" spcCol="0" rtlCol="0" fromWordArt="0" anchor="ctr" anchorCtr="0" forceAA="0" compatLnSpc="1">
+                  <a:prstTxWarp prst="textNoShape">
+                    <a:avLst/>
+                  </a:prstTxWarp>
+                  <a:noAutofit/>
+                </a:bodyPr>
+                <a:lstStyle/>
+                <a:p>
+                  <a:endParaRPr lang="en-US"/>
+                </a:p>
+              </p:txBody>
+            </p:sp>
+            <p:sp>
+              <p:nvSpPr>
+                <p:cNvPr id="78" name="Oval 77">
+                  <a:extLst>
+                    <a:ext uri="{FF2B5EF4-FFF2-40B4-BE49-F238E27FC236}">
+                      <a16:creationId xmlns:a16="http://schemas.microsoft.com/office/drawing/2014/main" id="{F3B93F5E-1292-4B87-BB5D-8F47CF40337E}"/>
+                    </a:ext>
+                  </a:extLst>
+                </p:cNvPr>
+                <p:cNvSpPr/>
+                <p:nvPr/>
+              </p:nvSpPr>
+              <p:spPr>
+                <a:xfrm>
+                  <a:off x="3640032" y="2545080"/>
+                  <a:ext cx="134620" cy="128905"/>
+                </a:xfrm>
+                <a:prstGeom prst="ellipse">
+                  <a:avLst/>
+                </a:prstGeom>
+                <a:solidFill>
+                  <a:srgbClr val="00B0F0"/>
+                </a:solidFill>
+                <a:ln>
+                  <a:solidFill>
+                    <a:schemeClr val="accent1">
+                      <a:lumMod val="60000"/>
+                      <a:lumOff val="40000"/>
+                    </a:schemeClr>
+                  </a:solidFill>
+                </a:ln>
+              </p:spPr>
+              <p:style>
+                <a:lnRef idx="2">
+                  <a:schemeClr val="accent1">
+                    <a:shade val="50000"/>
+                  </a:schemeClr>
+                </a:lnRef>
+                <a:fillRef idx="1">
+                  <a:schemeClr val="accent1"/>
+                </a:fillRef>
+                <a:effectRef idx="0">
+                  <a:schemeClr val="accent1"/>
+                </a:effectRef>
+                <a:fontRef idx="minor">
+                  <a:schemeClr val="lt1"/>
+                </a:fontRef>
+              </p:style>
+              <p:txBody>
+                <a:bodyPr rot="0" spcFirstLastPara="0" vert="horz" wrap="square" lIns="91440" tIns="45720" rIns="91440" bIns="45720" numCol="1" spcCol="0" rtlCol="0" fromWordArt="0" anchor="ctr" anchorCtr="0" forceAA="0" compatLnSpc="1">
+                  <a:prstTxWarp prst="textNoShape">
+                    <a:avLst/>
+                  </a:prstTxWarp>
+                  <a:noAutofit/>
+                </a:bodyPr>
+                <a:lstStyle/>
+                <a:p>
+                  <a:endParaRPr lang="en-US"/>
+                </a:p>
+              </p:txBody>
+            </p:sp>
+            <p:sp>
+              <p:nvSpPr>
+                <p:cNvPr id="79" name="Oval 78">
+                  <a:extLst>
+                    <a:ext uri="{FF2B5EF4-FFF2-40B4-BE49-F238E27FC236}">
+                      <a16:creationId xmlns:a16="http://schemas.microsoft.com/office/drawing/2014/main" id="{0C338790-CC15-403A-AA05-AA596F0BB520}"/>
+                    </a:ext>
+                  </a:extLst>
+                </p:cNvPr>
+                <p:cNvSpPr/>
+                <p:nvPr/>
+              </p:nvSpPr>
+              <p:spPr>
+                <a:xfrm>
+                  <a:off x="3851487" y="2545080"/>
+                  <a:ext cx="134620" cy="128905"/>
+                </a:xfrm>
+                <a:prstGeom prst="ellipse">
+                  <a:avLst/>
+                </a:prstGeom>
+                <a:solidFill>
+                  <a:srgbClr val="00B0F0"/>
+                </a:solidFill>
+                <a:ln>
+                  <a:solidFill>
+                    <a:schemeClr val="accent1">
+                      <a:lumMod val="60000"/>
+                      <a:lumOff val="40000"/>
+                    </a:schemeClr>
+                  </a:solidFill>
+                </a:ln>
+              </p:spPr>
+              <p:style>
+                <a:lnRef idx="2">
+                  <a:schemeClr val="accent1">
+                    <a:shade val="50000"/>
+                  </a:schemeClr>
+                </a:lnRef>
+                <a:fillRef idx="1">
+                  <a:schemeClr val="accent1"/>
+                </a:fillRef>
+                <a:effectRef idx="0">
+                  <a:schemeClr val="accent1"/>
+                </a:effectRef>
+                <a:fontRef idx="minor">
+                  <a:schemeClr val="lt1"/>
+                </a:fontRef>
+              </p:style>
+              <p:txBody>
+                <a:bodyPr rot="0" spcFirstLastPara="0" vert="horz" wrap="square" lIns="91440" tIns="45720" rIns="91440" bIns="45720" numCol="1" spcCol="0" rtlCol="0" fromWordArt="0" anchor="ctr" anchorCtr="0" forceAA="0" compatLnSpc="1">
+                  <a:prstTxWarp prst="textNoShape">
+                    <a:avLst/>
+                  </a:prstTxWarp>
+                  <a:noAutofit/>
+                </a:bodyPr>
+                <a:lstStyle/>
+                <a:p>
+                  <a:endParaRPr lang="en-US"/>
+                </a:p>
+              </p:txBody>
+            </p:sp>
+            <p:sp>
+              <p:nvSpPr>
+                <p:cNvPr id="80" name="Oval 79">
+                  <a:extLst>
+                    <a:ext uri="{FF2B5EF4-FFF2-40B4-BE49-F238E27FC236}">
+                      <a16:creationId xmlns:a16="http://schemas.microsoft.com/office/drawing/2014/main" id="{FBAC7FA5-DB42-48E3-8CDF-1C84A1F3D573}"/>
+                    </a:ext>
+                  </a:extLst>
+                </p:cNvPr>
+                <p:cNvSpPr/>
+                <p:nvPr/>
+              </p:nvSpPr>
+              <p:spPr>
+                <a:xfrm>
+                  <a:off x="4063577" y="2545080"/>
+                  <a:ext cx="134620" cy="128905"/>
+                </a:xfrm>
+                <a:prstGeom prst="ellipse">
+                  <a:avLst/>
+                </a:prstGeom>
+                <a:solidFill>
+                  <a:srgbClr val="00B0F0"/>
+                </a:solidFill>
+                <a:ln>
+                  <a:solidFill>
+                    <a:schemeClr val="accent1">
+                      <a:lumMod val="60000"/>
+                      <a:lumOff val="40000"/>
+                    </a:schemeClr>
+                  </a:solidFill>
+                </a:ln>
+              </p:spPr>
+              <p:style>
+                <a:lnRef idx="2">
+                  <a:schemeClr val="accent1">
+                    <a:shade val="50000"/>
+                  </a:schemeClr>
+                </a:lnRef>
+                <a:fillRef idx="1">
+                  <a:schemeClr val="accent1"/>
+                </a:fillRef>
+                <a:effectRef idx="0">
+                  <a:schemeClr val="accent1"/>
+                </a:effectRef>
+                <a:fontRef idx="minor">
+                  <a:schemeClr val="lt1"/>
+                </a:fontRef>
+              </p:style>
+              <p:txBody>
+                <a:bodyPr rot="0" spcFirstLastPara="0" vert="horz" wrap="square" lIns="91440" tIns="45720" rIns="91440" bIns="45720" numCol="1" spcCol="0" rtlCol="0" fromWordArt="0" anchor="ctr" anchorCtr="0" forceAA="0" compatLnSpc="1">
+                  <a:prstTxWarp prst="textNoShape">
+                    <a:avLst/>
+                  </a:prstTxWarp>
+                  <a:noAutofit/>
+                </a:bodyPr>
+                <a:lstStyle/>
+                <a:p>
+                  <a:endParaRPr lang="en-US"/>
+                </a:p>
+              </p:txBody>
+            </p:sp>
+          </p:grpSp>
+          <p:grpSp>
+            <p:nvGrpSpPr>
+              <p:cNvPr id="71" name="Group 70">
+                <a:extLst>
+                  <a:ext uri="{FF2B5EF4-FFF2-40B4-BE49-F238E27FC236}">
+                    <a16:creationId xmlns:a16="http://schemas.microsoft.com/office/drawing/2014/main" id="{ABF0855F-1A95-4581-940C-41B7E64CAE39}"/>
+                  </a:ext>
+                </a:extLst>
+              </p:cNvPr>
+              <p:cNvGrpSpPr/>
+              <p:nvPr/>
+            </p:nvGrpSpPr>
+            <p:grpSpPr>
+              <a:xfrm>
+                <a:off x="3547425" y="4089057"/>
+                <a:ext cx="711200" cy="203835"/>
+                <a:chOff x="3559387" y="2503170"/>
+                <a:chExt cx="711200" cy="203835"/>
+              </a:xfrm>
+            </p:grpSpPr>
+            <p:sp>
+              <p:nvSpPr>
+                <p:cNvPr id="73" name="Rectangle: Rounded Corners 72">
+                  <a:extLst>
+                    <a:ext uri="{FF2B5EF4-FFF2-40B4-BE49-F238E27FC236}">
+                      <a16:creationId xmlns:a16="http://schemas.microsoft.com/office/drawing/2014/main" id="{A07EED3A-59C4-4844-A43B-47F9ED620F2C}"/>
+                    </a:ext>
+                  </a:extLst>
+                </p:cNvPr>
+                <p:cNvSpPr/>
+                <p:nvPr/>
+              </p:nvSpPr>
+              <p:spPr>
+                <a:xfrm>
+                  <a:off x="3559387" y="2503170"/>
+                  <a:ext cx="711200" cy="203835"/>
+                </a:xfrm>
+                <a:prstGeom prst="roundRect">
+                  <a:avLst/>
+                </a:prstGeom>
+                <a:noFill/>
+                <a:ln>
+                  <a:solidFill>
+                    <a:schemeClr val="tx1"/>
+                  </a:solidFill>
+                </a:ln>
+              </p:spPr>
+              <p:style>
+                <a:lnRef idx="2">
+                  <a:schemeClr val="accent1">
+                    <a:shade val="50000"/>
+                  </a:schemeClr>
+                </a:lnRef>
+                <a:fillRef idx="1">
+                  <a:schemeClr val="accent1"/>
+                </a:fillRef>
+                <a:effectRef idx="0">
+                  <a:schemeClr val="accent1"/>
+                </a:effectRef>
+                <a:fontRef idx="minor">
+                  <a:schemeClr val="lt1"/>
+                </a:fontRef>
+              </p:style>
+              <p:txBody>
+                <a:bodyPr rot="0" spcFirstLastPara="0" vert="horz" wrap="square" lIns="91440" tIns="45720" rIns="91440" bIns="45720" numCol="1" spcCol="0" rtlCol="0" fromWordArt="0" anchor="ctr" anchorCtr="0" forceAA="0" compatLnSpc="1">
+                  <a:prstTxWarp prst="textNoShape">
+                    <a:avLst/>
+                  </a:prstTxWarp>
+                  <a:noAutofit/>
+                </a:bodyPr>
+                <a:lstStyle/>
+                <a:p>
+                  <a:endParaRPr lang="en-US"/>
+                </a:p>
+              </p:txBody>
+            </p:sp>
+            <p:sp>
+              <p:nvSpPr>
+                <p:cNvPr id="74" name="Oval 73">
+                  <a:extLst>
+                    <a:ext uri="{FF2B5EF4-FFF2-40B4-BE49-F238E27FC236}">
+                      <a16:creationId xmlns:a16="http://schemas.microsoft.com/office/drawing/2014/main" id="{1E6AFD5D-A6E2-42AC-B501-7C658EAFBC9B}"/>
+                    </a:ext>
+                  </a:extLst>
+                </p:cNvPr>
+                <p:cNvSpPr/>
+                <p:nvPr/>
+              </p:nvSpPr>
+              <p:spPr>
+                <a:xfrm>
+                  <a:off x="3640032" y="2545080"/>
+                  <a:ext cx="134620" cy="128905"/>
+                </a:xfrm>
+                <a:prstGeom prst="ellipse">
+                  <a:avLst/>
+                </a:prstGeom>
+                <a:solidFill>
+                  <a:srgbClr val="00B0F0"/>
+                </a:solidFill>
+                <a:ln>
+                  <a:solidFill>
+                    <a:schemeClr val="accent1">
+                      <a:lumMod val="60000"/>
+                      <a:lumOff val="40000"/>
+                    </a:schemeClr>
+                  </a:solidFill>
+                </a:ln>
+              </p:spPr>
+              <p:style>
+                <a:lnRef idx="2">
+                  <a:schemeClr val="accent1">
+                    <a:shade val="50000"/>
+                  </a:schemeClr>
+                </a:lnRef>
+                <a:fillRef idx="1">
+                  <a:schemeClr val="accent1"/>
+                </a:fillRef>
+                <a:effectRef idx="0">
+                  <a:schemeClr val="accent1"/>
+                </a:effectRef>
+                <a:fontRef idx="minor">
+                  <a:schemeClr val="lt1"/>
+                </a:fontRef>
+              </p:style>
+              <p:txBody>
+                <a:bodyPr rot="0" spcFirstLastPara="0" vert="horz" wrap="square" lIns="91440" tIns="45720" rIns="91440" bIns="45720" numCol="1" spcCol="0" rtlCol="0" fromWordArt="0" anchor="ctr" anchorCtr="0" forceAA="0" compatLnSpc="1">
+                  <a:prstTxWarp prst="textNoShape">
+                    <a:avLst/>
+                  </a:prstTxWarp>
+                  <a:noAutofit/>
+                </a:bodyPr>
+                <a:lstStyle/>
+                <a:p>
+                  <a:endParaRPr lang="en-US"/>
+                </a:p>
+              </p:txBody>
+            </p:sp>
+            <p:sp>
+              <p:nvSpPr>
+                <p:cNvPr id="75" name="Oval 74">
+                  <a:extLst>
+                    <a:ext uri="{FF2B5EF4-FFF2-40B4-BE49-F238E27FC236}">
+                      <a16:creationId xmlns:a16="http://schemas.microsoft.com/office/drawing/2014/main" id="{86BB7C09-8ADD-4165-B032-F3BB5D932DCB}"/>
+                    </a:ext>
+                  </a:extLst>
+                </p:cNvPr>
+                <p:cNvSpPr/>
+                <p:nvPr/>
+              </p:nvSpPr>
+              <p:spPr>
+                <a:xfrm>
+                  <a:off x="3851487" y="2545080"/>
+                  <a:ext cx="134620" cy="128905"/>
+                </a:xfrm>
+                <a:prstGeom prst="ellipse">
+                  <a:avLst/>
+                </a:prstGeom>
+                <a:solidFill>
+                  <a:srgbClr val="00B0F0"/>
+                </a:solidFill>
+                <a:ln>
+                  <a:solidFill>
+                    <a:schemeClr val="accent1">
+                      <a:lumMod val="60000"/>
+                      <a:lumOff val="40000"/>
+                    </a:schemeClr>
+                  </a:solidFill>
+                </a:ln>
+              </p:spPr>
+              <p:style>
+                <a:lnRef idx="2">
+                  <a:schemeClr val="accent1">
+                    <a:shade val="50000"/>
+                  </a:schemeClr>
+                </a:lnRef>
+                <a:fillRef idx="1">
+                  <a:schemeClr val="accent1"/>
+                </a:fillRef>
+                <a:effectRef idx="0">
+                  <a:schemeClr val="accent1"/>
+                </a:effectRef>
+                <a:fontRef idx="minor">
+                  <a:schemeClr val="lt1"/>
+                </a:fontRef>
+              </p:style>
+              <p:txBody>
+                <a:bodyPr rot="0" spcFirstLastPara="0" vert="horz" wrap="square" lIns="91440" tIns="45720" rIns="91440" bIns="45720" numCol="1" spcCol="0" rtlCol="0" fromWordArt="0" anchor="ctr" anchorCtr="0" forceAA="0" compatLnSpc="1">
+                  <a:prstTxWarp prst="textNoShape">
+                    <a:avLst/>
+                  </a:prstTxWarp>
+                  <a:noAutofit/>
+                </a:bodyPr>
+                <a:lstStyle/>
+                <a:p>
+                  <a:endParaRPr lang="en-US"/>
+                </a:p>
+              </p:txBody>
+            </p:sp>
+            <p:sp>
+              <p:nvSpPr>
+                <p:cNvPr id="76" name="Oval 75">
+                  <a:extLst>
+                    <a:ext uri="{FF2B5EF4-FFF2-40B4-BE49-F238E27FC236}">
+                      <a16:creationId xmlns:a16="http://schemas.microsoft.com/office/drawing/2014/main" id="{729E0830-60C4-4DD6-AA7D-E9148D326E74}"/>
+                    </a:ext>
+                  </a:extLst>
+                </p:cNvPr>
+                <p:cNvSpPr/>
+                <p:nvPr/>
+              </p:nvSpPr>
+              <p:spPr>
+                <a:xfrm>
+                  <a:off x="4063577" y="2545080"/>
+                  <a:ext cx="134620" cy="128905"/>
+                </a:xfrm>
+                <a:prstGeom prst="ellipse">
+                  <a:avLst/>
+                </a:prstGeom>
+                <a:solidFill>
+                  <a:srgbClr val="00B0F0"/>
+                </a:solidFill>
+                <a:ln>
+                  <a:solidFill>
+                    <a:schemeClr val="accent1">
+                      <a:lumMod val="60000"/>
+                      <a:lumOff val="40000"/>
+                    </a:schemeClr>
+                  </a:solidFill>
+                </a:ln>
+              </p:spPr>
+              <p:style>
+                <a:lnRef idx="2">
+                  <a:schemeClr val="accent1">
+                    <a:shade val="50000"/>
+                  </a:schemeClr>
+                </a:lnRef>
+                <a:fillRef idx="1">
+                  <a:schemeClr val="accent1"/>
+                </a:fillRef>
+                <a:effectRef idx="0">
+                  <a:schemeClr val="accent1"/>
+                </a:effectRef>
+                <a:fontRef idx="minor">
+                  <a:schemeClr val="lt1"/>
+                </a:fontRef>
+              </p:style>
+              <p:txBody>
+                <a:bodyPr rot="0" spcFirstLastPara="0" vert="horz" wrap="square" lIns="91440" tIns="45720" rIns="91440" bIns="45720" numCol="1" spcCol="0" rtlCol="0" fromWordArt="0" anchor="ctr" anchorCtr="0" forceAA="0" compatLnSpc="1">
+                  <a:prstTxWarp prst="textNoShape">
+                    <a:avLst/>
+                  </a:prstTxWarp>
+                  <a:noAutofit/>
+                </a:bodyPr>
+                <a:lstStyle/>
+                <a:p>
+                  <a:endParaRPr lang="en-US"/>
+                </a:p>
+              </p:txBody>
+            </p:sp>
+          </p:grpSp>
+          <p:sp>
+            <p:nvSpPr>
+              <p:cNvPr id="72" name="TextBox 71">
+                <a:extLst>
+                  <a:ext uri="{FF2B5EF4-FFF2-40B4-BE49-F238E27FC236}">
+                    <a16:creationId xmlns:a16="http://schemas.microsoft.com/office/drawing/2014/main" id="{4E69B18C-24C1-4954-948E-D10AFB7C8DC9}"/>
+                  </a:ext>
+                </a:extLst>
+              </p:cNvPr>
+              <p:cNvSpPr txBox="1"/>
+              <p:nvPr/>
+            </p:nvSpPr>
+            <p:spPr>
+              <a:xfrm>
+                <a:off x="3748522" y="3243174"/>
+                <a:ext cx="343364" cy="369332"/>
+              </a:xfrm>
+              <a:prstGeom prst="rect">
+                <a:avLst/>
+              </a:prstGeom>
+              <a:noFill/>
+            </p:spPr>
+            <p:txBody>
+              <a:bodyPr wrap="none" rtlCol="0">
+                <a:spAutoFit/>
+              </a:bodyPr>
+              <a:lstStyle/>
+              <a:p>
+                <a:r>
+                  <a:rPr lang="en-US" dirty="0"/>
+                  <a:t>…</a:t>
+                </a:r>
+              </a:p>
+            </p:txBody>
+          </p:sp>
+        </p:grpSp>
+        <p:sp>
+          <p:nvSpPr>
+            <p:cNvPr id="89" name="TextBox 88">
+              <a:extLst>
+                <a:ext uri="{FF2B5EF4-FFF2-40B4-BE49-F238E27FC236}">
+                  <a16:creationId xmlns:a16="http://schemas.microsoft.com/office/drawing/2014/main" id="{CC9999F7-C77B-4713-9819-76621603C16B}"/>
+                </a:ext>
+              </a:extLst>
+            </p:cNvPr>
+            <p:cNvSpPr txBox="1"/>
+            <p:nvPr/>
+          </p:nvSpPr>
+          <p:spPr>
+            <a:xfrm>
+              <a:off x="3391290" y="4660102"/>
+              <a:ext cx="3947491" cy="369332"/>
+            </a:xfrm>
+            <a:prstGeom prst="rect">
+              <a:avLst/>
+            </a:prstGeom>
+            <a:noFill/>
+          </p:spPr>
+          <p:txBody>
+            <a:bodyPr wrap="none" rtlCol="0">
+              <a:spAutoFit/>
+            </a:bodyPr>
+            <a:lstStyle/>
+            <a:p>
+              <a:pPr algn="ctr"/>
+              <a:r>
+                <a:rPr lang="en-US" dirty="0"/>
+                <a:t>From </a:t>
+              </a:r>
+              <a:r>
+                <a:rPr lang="en-US" dirty="0" err="1"/>
+                <a:t>GCNmf</a:t>
+              </a:r>
+              <a:r>
+                <a:rPr lang="en-US" dirty="0"/>
+                <a:t> of name generation model</a:t>
+              </a:r>
+            </a:p>
+          </p:txBody>
+        </p:sp>
+      </p:grpSp>
+      <p:grpSp>
+        <p:nvGrpSpPr>
+          <p:cNvPr id="91" name="Group 90">
+            <a:extLst>
+              <a:ext uri="{FF2B5EF4-FFF2-40B4-BE49-F238E27FC236}">
+                <a16:creationId xmlns:a16="http://schemas.microsoft.com/office/drawing/2014/main" id="{F99E98EC-1981-4AED-8B69-BAE8D5ED74FC}"/>
+              </a:ext>
+            </a:extLst>
+          </p:cNvPr>
+          <p:cNvGrpSpPr/>
+          <p:nvPr/>
+        </p:nvGrpSpPr>
+        <p:grpSpPr>
+          <a:xfrm>
+            <a:off x="5891558" y="2682022"/>
+            <a:ext cx="720991" cy="1610870"/>
+            <a:chOff x="3547425" y="2682022"/>
+            <a:chExt cx="720991" cy="1610870"/>
+          </a:xfrm>
+        </p:grpSpPr>
+        <p:grpSp>
+          <p:nvGrpSpPr>
+            <p:cNvPr id="92" name="Group 91">
+              <a:extLst>
+                <a:ext uri="{FF2B5EF4-FFF2-40B4-BE49-F238E27FC236}">
+                  <a16:creationId xmlns:a16="http://schemas.microsoft.com/office/drawing/2014/main" id="{EFA71E03-1EE2-4355-841A-F439A08D7F6D}"/>
+                </a:ext>
+              </a:extLst>
+            </p:cNvPr>
+            <p:cNvGrpSpPr/>
+            <p:nvPr/>
+          </p:nvGrpSpPr>
+          <p:grpSpPr>
+            <a:xfrm>
+              <a:off x="3553406" y="2682022"/>
+              <a:ext cx="711200" cy="203835"/>
+              <a:chOff x="3559387" y="2503170"/>
+              <a:chExt cx="711200" cy="203835"/>
+            </a:xfrm>
+          </p:grpSpPr>
+          <p:sp>
+            <p:nvSpPr>
+              <p:cNvPr id="109" name="Rectangle: Rounded Corners 108">
+                <a:extLst>
+                  <a:ext uri="{FF2B5EF4-FFF2-40B4-BE49-F238E27FC236}">
+                    <a16:creationId xmlns:a16="http://schemas.microsoft.com/office/drawing/2014/main" id="{F53E1FE0-CDDE-4617-9D28-751BEB5E93AF}"/>
+                  </a:ext>
+                </a:extLst>
+              </p:cNvPr>
+              <p:cNvSpPr/>
+              <p:nvPr/>
+            </p:nvSpPr>
+            <p:spPr>
+              <a:xfrm>
+                <a:off x="3559387" y="2503170"/>
+                <a:ext cx="711200" cy="203835"/>
+              </a:xfrm>
+              <a:prstGeom prst="roundRect">
+                <a:avLst/>
+              </a:prstGeom>
+              <a:noFill/>
+              <a:ln>
+                <a:solidFill>
+                  <a:schemeClr val="tx1"/>
+                </a:solidFill>
+              </a:ln>
+            </p:spPr>
+            <p:style>
+              <a:lnRef idx="2">
+                <a:schemeClr val="accent1">
+                  <a:shade val="50000"/>
+                </a:schemeClr>
+              </a:lnRef>
+              <a:fillRef idx="1">
+                <a:schemeClr val="accent1"/>
+              </a:fillRef>
+              <a:effectRef idx="0">
+                <a:schemeClr val="accent1"/>
+              </a:effectRef>
+              <a:fontRef idx="minor">
+                <a:schemeClr val="lt1"/>
+              </a:fontRef>
+            </p:style>
+            <p:txBody>
+              <a:bodyPr rot="0" spcFirstLastPara="0" vert="horz" wrap="square" lIns="91440" tIns="45720" rIns="91440" bIns="45720" numCol="1" spcCol="0" rtlCol="0" fromWordArt="0" anchor="ctr" anchorCtr="0" forceAA="0" compatLnSpc="1">
+                <a:prstTxWarp prst="textNoShape">
+                  <a:avLst/>
+                </a:prstTxWarp>
+                <a:noAutofit/>
+              </a:bodyPr>
+              <a:lstStyle/>
+              <a:p>
+                <a:endParaRPr lang="en-US"/>
+              </a:p>
+            </p:txBody>
+          </p:sp>
+          <p:sp>
+            <p:nvSpPr>
+              <p:cNvPr id="110" name="Oval 109">
+                <a:extLst>
+                  <a:ext uri="{FF2B5EF4-FFF2-40B4-BE49-F238E27FC236}">
+                    <a16:creationId xmlns:a16="http://schemas.microsoft.com/office/drawing/2014/main" id="{FDC780A8-F4A5-4A0C-BFA8-09EAE5372FDF}"/>
+                  </a:ext>
+                </a:extLst>
+              </p:cNvPr>
+              <p:cNvSpPr/>
+              <p:nvPr/>
+            </p:nvSpPr>
+            <p:spPr>
+              <a:xfrm>
+                <a:off x="3640032" y="2545080"/>
+                <a:ext cx="134620" cy="128905"/>
+              </a:xfrm>
+              <a:prstGeom prst="ellipse">
+                <a:avLst/>
+              </a:prstGeom>
+              <a:solidFill>
+                <a:srgbClr val="0070C0"/>
+              </a:solidFill>
+              <a:ln>
+                <a:solidFill>
+                  <a:schemeClr val="accent1">
+                    <a:lumMod val="60000"/>
+                    <a:lumOff val="40000"/>
+                  </a:schemeClr>
+                </a:solidFill>
+              </a:ln>
+            </p:spPr>
+            <p:style>
+              <a:lnRef idx="2">
+                <a:schemeClr val="accent1">
+                  <a:shade val="50000"/>
+                </a:schemeClr>
+              </a:lnRef>
+              <a:fillRef idx="1">
+                <a:schemeClr val="accent1"/>
+              </a:fillRef>
+              <a:effectRef idx="0">
+                <a:schemeClr val="accent1"/>
+              </a:effectRef>
+              <a:fontRef idx="minor">
+                <a:schemeClr val="lt1"/>
+              </a:fontRef>
+            </p:style>
+            <p:txBody>
+              <a:bodyPr rot="0" spcFirstLastPara="0" vert="horz" wrap="square" lIns="91440" tIns="45720" rIns="91440" bIns="45720" numCol="1" spcCol="0" rtlCol="0" fromWordArt="0" anchor="ctr" anchorCtr="0" forceAA="0" compatLnSpc="1">
+                <a:prstTxWarp prst="textNoShape">
+                  <a:avLst/>
+                </a:prstTxWarp>
+                <a:noAutofit/>
+              </a:bodyPr>
+              <a:lstStyle/>
+              <a:p>
+                <a:endParaRPr lang="en-US" dirty="0"/>
+              </a:p>
+            </p:txBody>
+          </p:sp>
+          <p:sp>
+            <p:nvSpPr>
+              <p:cNvPr id="111" name="Oval 110">
+                <a:extLst>
+                  <a:ext uri="{FF2B5EF4-FFF2-40B4-BE49-F238E27FC236}">
+                    <a16:creationId xmlns:a16="http://schemas.microsoft.com/office/drawing/2014/main" id="{8AA54E81-B523-4E3A-BF78-D1545FB8C8AB}"/>
+                  </a:ext>
+                </a:extLst>
+              </p:cNvPr>
+              <p:cNvSpPr/>
+              <p:nvPr/>
+            </p:nvSpPr>
+            <p:spPr>
+              <a:xfrm>
+                <a:off x="3851487" y="2545080"/>
+                <a:ext cx="134620" cy="128905"/>
+              </a:xfrm>
+              <a:prstGeom prst="ellipse">
+                <a:avLst/>
+              </a:prstGeom>
+              <a:solidFill>
+                <a:srgbClr val="0070C0"/>
+              </a:solidFill>
+              <a:ln>
+                <a:solidFill>
+                  <a:schemeClr val="accent1">
+                    <a:lumMod val="60000"/>
+                    <a:lumOff val="40000"/>
+                  </a:schemeClr>
+                </a:solidFill>
+              </a:ln>
+            </p:spPr>
+            <p:style>
+              <a:lnRef idx="2">
+                <a:schemeClr val="accent1">
+                  <a:shade val="50000"/>
+                </a:schemeClr>
+              </a:lnRef>
+              <a:fillRef idx="1">
+                <a:schemeClr val="accent1"/>
+              </a:fillRef>
+              <a:effectRef idx="0">
+                <a:schemeClr val="accent1"/>
+              </a:effectRef>
+              <a:fontRef idx="minor">
+                <a:schemeClr val="lt1"/>
+              </a:fontRef>
+            </p:style>
+            <p:txBody>
+              <a:bodyPr rot="0" spcFirstLastPara="0" vert="horz" wrap="square" lIns="91440" tIns="45720" rIns="91440" bIns="45720" numCol="1" spcCol="0" rtlCol="0" fromWordArt="0" anchor="ctr" anchorCtr="0" forceAA="0" compatLnSpc="1">
+                <a:prstTxWarp prst="textNoShape">
+                  <a:avLst/>
+                </a:prstTxWarp>
+                <a:noAutofit/>
+              </a:bodyPr>
+              <a:lstStyle/>
+              <a:p>
+                <a:endParaRPr lang="en-US"/>
+              </a:p>
+            </p:txBody>
+          </p:sp>
+          <p:sp>
+            <p:nvSpPr>
+              <p:cNvPr id="112" name="Oval 111">
+                <a:extLst>
+                  <a:ext uri="{FF2B5EF4-FFF2-40B4-BE49-F238E27FC236}">
+                    <a16:creationId xmlns:a16="http://schemas.microsoft.com/office/drawing/2014/main" id="{5A36A4CA-F1AA-41E3-B9E7-3C1EA5361803}"/>
+                  </a:ext>
+                </a:extLst>
+              </p:cNvPr>
+              <p:cNvSpPr/>
+              <p:nvPr/>
+            </p:nvSpPr>
+            <p:spPr>
+              <a:xfrm>
+                <a:off x="4063577" y="2545080"/>
+                <a:ext cx="134620" cy="128905"/>
+              </a:xfrm>
+              <a:prstGeom prst="ellipse">
+                <a:avLst/>
+              </a:prstGeom>
+              <a:solidFill>
+                <a:srgbClr val="0070C0"/>
+              </a:solidFill>
+              <a:ln>
+                <a:solidFill>
+                  <a:schemeClr val="accent1">
+                    <a:lumMod val="60000"/>
+                    <a:lumOff val="40000"/>
+                  </a:schemeClr>
+                </a:solidFill>
+              </a:ln>
+            </p:spPr>
+            <p:style>
+              <a:lnRef idx="2">
+                <a:schemeClr val="accent1">
+                  <a:shade val="50000"/>
+                </a:schemeClr>
+              </a:lnRef>
+              <a:fillRef idx="1">
+                <a:schemeClr val="accent1"/>
+              </a:fillRef>
+              <a:effectRef idx="0">
+                <a:schemeClr val="accent1"/>
+              </a:effectRef>
+              <a:fontRef idx="minor">
+                <a:schemeClr val="lt1"/>
+              </a:fontRef>
+            </p:style>
+            <p:txBody>
+              <a:bodyPr rot="0" spcFirstLastPara="0" vert="horz" wrap="square" lIns="91440" tIns="45720" rIns="91440" bIns="45720" numCol="1" spcCol="0" rtlCol="0" fromWordArt="0" anchor="ctr" anchorCtr="0" forceAA="0" compatLnSpc="1">
+                <a:prstTxWarp prst="textNoShape">
+                  <a:avLst/>
+                </a:prstTxWarp>
+                <a:noAutofit/>
+              </a:bodyPr>
+              <a:lstStyle/>
+              <a:p>
+                <a:endParaRPr lang="en-US"/>
+              </a:p>
+            </p:txBody>
+          </p:sp>
+        </p:grpSp>
+        <p:grpSp>
+          <p:nvGrpSpPr>
+            <p:cNvPr id="93" name="Group 92">
+              <a:extLst>
+                <a:ext uri="{FF2B5EF4-FFF2-40B4-BE49-F238E27FC236}">
+                  <a16:creationId xmlns:a16="http://schemas.microsoft.com/office/drawing/2014/main" id="{029DE85B-626F-4E8F-A859-09B370F1B33E}"/>
+                </a:ext>
+              </a:extLst>
+            </p:cNvPr>
+            <p:cNvGrpSpPr/>
+            <p:nvPr/>
+          </p:nvGrpSpPr>
+          <p:grpSpPr>
+            <a:xfrm>
+              <a:off x="3557216" y="3064709"/>
+              <a:ext cx="711200" cy="203835"/>
+              <a:chOff x="3559387" y="2503170"/>
+              <a:chExt cx="711200" cy="203835"/>
+            </a:xfrm>
+          </p:grpSpPr>
+          <p:sp>
+            <p:nvSpPr>
+              <p:cNvPr id="105" name="Rectangle: Rounded Corners 104">
+                <a:extLst>
+                  <a:ext uri="{FF2B5EF4-FFF2-40B4-BE49-F238E27FC236}">
+                    <a16:creationId xmlns:a16="http://schemas.microsoft.com/office/drawing/2014/main" id="{88B52E5C-D92D-41C2-9442-431885C5E11A}"/>
+                  </a:ext>
+                </a:extLst>
+              </p:cNvPr>
+              <p:cNvSpPr/>
+              <p:nvPr/>
+            </p:nvSpPr>
+            <p:spPr>
+              <a:xfrm>
+                <a:off x="3559387" y="2503170"/>
+                <a:ext cx="711200" cy="203835"/>
+              </a:xfrm>
+              <a:prstGeom prst="roundRect">
+                <a:avLst/>
+              </a:prstGeom>
+              <a:noFill/>
+              <a:ln>
+                <a:solidFill>
+                  <a:schemeClr val="tx1"/>
+                </a:solidFill>
+              </a:ln>
+            </p:spPr>
+            <p:style>
+              <a:lnRef idx="2">
+                <a:schemeClr val="accent1">
+                  <a:shade val="50000"/>
+                </a:schemeClr>
+              </a:lnRef>
+              <a:fillRef idx="1">
+                <a:schemeClr val="accent1"/>
+              </a:fillRef>
+              <a:effectRef idx="0">
+                <a:schemeClr val="accent1"/>
+              </a:effectRef>
+              <a:fontRef idx="minor">
+                <a:schemeClr val="lt1"/>
+              </a:fontRef>
+            </p:style>
+            <p:txBody>
+              <a:bodyPr rot="0" spcFirstLastPara="0" vert="horz" wrap="square" lIns="91440" tIns="45720" rIns="91440" bIns="45720" numCol="1" spcCol="0" rtlCol="0" fromWordArt="0" anchor="ctr" anchorCtr="0" forceAA="0" compatLnSpc="1">
+                <a:prstTxWarp prst="textNoShape">
+                  <a:avLst/>
+                </a:prstTxWarp>
+                <a:noAutofit/>
+              </a:bodyPr>
+              <a:lstStyle/>
+              <a:p>
+                <a:endParaRPr lang="en-US"/>
+              </a:p>
+            </p:txBody>
+          </p:sp>
+          <p:sp>
+            <p:nvSpPr>
+              <p:cNvPr id="106" name="Oval 105">
+                <a:extLst>
+                  <a:ext uri="{FF2B5EF4-FFF2-40B4-BE49-F238E27FC236}">
+                    <a16:creationId xmlns:a16="http://schemas.microsoft.com/office/drawing/2014/main" id="{E53B0A8F-6224-4B03-972F-47E4527CD758}"/>
+                  </a:ext>
+                </a:extLst>
+              </p:cNvPr>
+              <p:cNvSpPr/>
+              <p:nvPr/>
+            </p:nvSpPr>
+            <p:spPr>
+              <a:xfrm>
+                <a:off x="3640032" y="2545080"/>
+                <a:ext cx="134620" cy="128905"/>
+              </a:xfrm>
+              <a:prstGeom prst="ellipse">
+                <a:avLst/>
+              </a:prstGeom>
+              <a:solidFill>
+                <a:srgbClr val="0070C0"/>
+              </a:solidFill>
+              <a:ln>
+                <a:solidFill>
+                  <a:schemeClr val="accent1">
+                    <a:lumMod val="60000"/>
+                    <a:lumOff val="40000"/>
+                  </a:schemeClr>
+                </a:solidFill>
+              </a:ln>
+            </p:spPr>
+            <p:style>
+              <a:lnRef idx="2">
+                <a:schemeClr val="accent1">
+                  <a:shade val="50000"/>
+                </a:schemeClr>
+              </a:lnRef>
+              <a:fillRef idx="1">
+                <a:schemeClr val="accent1"/>
+              </a:fillRef>
+              <a:effectRef idx="0">
+                <a:schemeClr val="accent1"/>
+              </a:effectRef>
+              <a:fontRef idx="minor">
+                <a:schemeClr val="lt1"/>
+              </a:fontRef>
+            </p:style>
+            <p:txBody>
+              <a:bodyPr rot="0" spcFirstLastPara="0" vert="horz" wrap="square" lIns="91440" tIns="45720" rIns="91440" bIns="45720" numCol="1" spcCol="0" rtlCol="0" fromWordArt="0" anchor="ctr" anchorCtr="0" forceAA="0" compatLnSpc="1">
+                <a:prstTxWarp prst="textNoShape">
+                  <a:avLst/>
+                </a:prstTxWarp>
+                <a:noAutofit/>
+              </a:bodyPr>
+              <a:lstStyle/>
+              <a:p>
+                <a:endParaRPr lang="en-US"/>
+              </a:p>
+            </p:txBody>
+          </p:sp>
+          <p:sp>
+            <p:nvSpPr>
+              <p:cNvPr id="107" name="Oval 106">
+                <a:extLst>
+                  <a:ext uri="{FF2B5EF4-FFF2-40B4-BE49-F238E27FC236}">
+                    <a16:creationId xmlns:a16="http://schemas.microsoft.com/office/drawing/2014/main" id="{2DB34156-D2C2-428E-AF0B-9F8FC81B4F2F}"/>
+                  </a:ext>
+                </a:extLst>
+              </p:cNvPr>
+              <p:cNvSpPr/>
+              <p:nvPr/>
+            </p:nvSpPr>
+            <p:spPr>
+              <a:xfrm>
+                <a:off x="3851487" y="2545080"/>
+                <a:ext cx="134620" cy="128905"/>
+              </a:xfrm>
+              <a:prstGeom prst="ellipse">
+                <a:avLst/>
+              </a:prstGeom>
+              <a:solidFill>
+                <a:srgbClr val="0070C0"/>
+              </a:solidFill>
+              <a:ln>
+                <a:solidFill>
+                  <a:schemeClr val="accent1">
+                    <a:lumMod val="60000"/>
+                    <a:lumOff val="40000"/>
+                  </a:schemeClr>
+                </a:solidFill>
+              </a:ln>
+            </p:spPr>
+            <p:style>
+              <a:lnRef idx="2">
+                <a:schemeClr val="accent1">
+                  <a:shade val="50000"/>
+                </a:schemeClr>
+              </a:lnRef>
+              <a:fillRef idx="1">
+                <a:schemeClr val="accent1"/>
+              </a:fillRef>
+              <a:effectRef idx="0">
+                <a:schemeClr val="accent1"/>
+              </a:effectRef>
+              <a:fontRef idx="minor">
+                <a:schemeClr val="lt1"/>
+              </a:fontRef>
+            </p:style>
+            <p:txBody>
+              <a:bodyPr rot="0" spcFirstLastPara="0" vert="horz" wrap="square" lIns="91440" tIns="45720" rIns="91440" bIns="45720" numCol="1" spcCol="0" rtlCol="0" fromWordArt="0" anchor="ctr" anchorCtr="0" forceAA="0" compatLnSpc="1">
+                <a:prstTxWarp prst="textNoShape">
+                  <a:avLst/>
+                </a:prstTxWarp>
+                <a:noAutofit/>
+              </a:bodyPr>
+              <a:lstStyle/>
+              <a:p>
+                <a:endParaRPr lang="en-US"/>
+              </a:p>
+            </p:txBody>
+          </p:sp>
+          <p:sp>
+            <p:nvSpPr>
+              <p:cNvPr id="108" name="Oval 107">
+                <a:extLst>
+                  <a:ext uri="{FF2B5EF4-FFF2-40B4-BE49-F238E27FC236}">
+                    <a16:creationId xmlns:a16="http://schemas.microsoft.com/office/drawing/2014/main" id="{6C373AB2-9A93-4FBE-8D64-78833A4D4C23}"/>
+                  </a:ext>
+                </a:extLst>
+              </p:cNvPr>
+              <p:cNvSpPr/>
+              <p:nvPr/>
+            </p:nvSpPr>
+            <p:spPr>
+              <a:xfrm>
+                <a:off x="4063577" y="2545080"/>
+                <a:ext cx="134620" cy="128905"/>
+              </a:xfrm>
+              <a:prstGeom prst="ellipse">
+                <a:avLst/>
+              </a:prstGeom>
+              <a:solidFill>
+                <a:srgbClr val="0070C0"/>
+              </a:solidFill>
+              <a:ln>
+                <a:solidFill>
+                  <a:schemeClr val="accent1">
+                    <a:lumMod val="60000"/>
+                    <a:lumOff val="40000"/>
+                  </a:schemeClr>
+                </a:solidFill>
+              </a:ln>
+            </p:spPr>
+            <p:style>
+              <a:lnRef idx="2">
+                <a:schemeClr val="accent1">
+                  <a:shade val="50000"/>
+                </a:schemeClr>
+              </a:lnRef>
+              <a:fillRef idx="1">
+                <a:schemeClr val="accent1"/>
+              </a:fillRef>
+              <a:effectRef idx="0">
+                <a:schemeClr val="accent1"/>
+              </a:effectRef>
+              <a:fontRef idx="minor">
+                <a:schemeClr val="lt1"/>
+              </a:fontRef>
+            </p:style>
+            <p:txBody>
+              <a:bodyPr rot="0" spcFirstLastPara="0" vert="horz" wrap="square" lIns="91440" tIns="45720" rIns="91440" bIns="45720" numCol="1" spcCol="0" rtlCol="0" fromWordArt="0" anchor="ctr" anchorCtr="0" forceAA="0" compatLnSpc="1">
+                <a:prstTxWarp prst="textNoShape">
+                  <a:avLst/>
+                </a:prstTxWarp>
+                <a:noAutofit/>
+              </a:bodyPr>
+              <a:lstStyle/>
+              <a:p>
+                <a:endParaRPr lang="en-US"/>
+              </a:p>
+            </p:txBody>
+          </p:sp>
+        </p:grpSp>
+        <p:grpSp>
+          <p:nvGrpSpPr>
+            <p:cNvPr id="94" name="Group 93">
+              <a:extLst>
+                <a:ext uri="{FF2B5EF4-FFF2-40B4-BE49-F238E27FC236}">
+                  <a16:creationId xmlns:a16="http://schemas.microsoft.com/office/drawing/2014/main" id="{AB1D676C-CD5B-46E6-B626-99237E8DFF02}"/>
+                </a:ext>
+              </a:extLst>
+            </p:cNvPr>
+            <p:cNvGrpSpPr/>
+            <p:nvPr/>
+          </p:nvGrpSpPr>
+          <p:grpSpPr>
+            <a:xfrm>
+              <a:off x="3557216" y="3703411"/>
+              <a:ext cx="711200" cy="203835"/>
+              <a:chOff x="3559387" y="2503170"/>
+              <a:chExt cx="711200" cy="203835"/>
+            </a:xfrm>
+          </p:grpSpPr>
+          <p:sp>
+            <p:nvSpPr>
+              <p:cNvPr id="101" name="Rectangle: Rounded Corners 100">
+                <a:extLst>
+                  <a:ext uri="{FF2B5EF4-FFF2-40B4-BE49-F238E27FC236}">
+                    <a16:creationId xmlns:a16="http://schemas.microsoft.com/office/drawing/2014/main" id="{58B9B012-561C-4D9F-BBFD-7D7448A7E18B}"/>
+                  </a:ext>
+                </a:extLst>
+              </p:cNvPr>
+              <p:cNvSpPr/>
+              <p:nvPr/>
+            </p:nvSpPr>
+            <p:spPr>
+              <a:xfrm>
+                <a:off x="3559387" y="2503170"/>
+                <a:ext cx="711200" cy="203835"/>
+              </a:xfrm>
+              <a:prstGeom prst="roundRect">
+                <a:avLst/>
+              </a:prstGeom>
+              <a:noFill/>
+              <a:ln>
+                <a:solidFill>
+                  <a:schemeClr val="tx1"/>
+                </a:solidFill>
+              </a:ln>
+            </p:spPr>
+            <p:style>
+              <a:lnRef idx="2">
+                <a:schemeClr val="accent1">
+                  <a:shade val="50000"/>
+                </a:schemeClr>
+              </a:lnRef>
+              <a:fillRef idx="1">
+                <a:schemeClr val="accent1"/>
+              </a:fillRef>
+              <a:effectRef idx="0">
+                <a:schemeClr val="accent1"/>
+              </a:effectRef>
+              <a:fontRef idx="minor">
+                <a:schemeClr val="lt1"/>
+              </a:fontRef>
+            </p:style>
+            <p:txBody>
+              <a:bodyPr rot="0" spcFirstLastPara="0" vert="horz" wrap="square" lIns="91440" tIns="45720" rIns="91440" bIns="45720" numCol="1" spcCol="0" rtlCol="0" fromWordArt="0" anchor="ctr" anchorCtr="0" forceAA="0" compatLnSpc="1">
+                <a:prstTxWarp prst="textNoShape">
+                  <a:avLst/>
+                </a:prstTxWarp>
+                <a:noAutofit/>
+              </a:bodyPr>
+              <a:lstStyle/>
+              <a:p>
+                <a:endParaRPr lang="en-US"/>
+              </a:p>
+            </p:txBody>
+          </p:sp>
+          <p:sp>
+            <p:nvSpPr>
+              <p:cNvPr id="102" name="Oval 101">
+                <a:extLst>
+                  <a:ext uri="{FF2B5EF4-FFF2-40B4-BE49-F238E27FC236}">
+                    <a16:creationId xmlns:a16="http://schemas.microsoft.com/office/drawing/2014/main" id="{8AFD315F-D523-4D37-A8BA-A5D70F6C549A}"/>
+                  </a:ext>
+                </a:extLst>
+              </p:cNvPr>
+              <p:cNvSpPr/>
+              <p:nvPr/>
+            </p:nvSpPr>
+            <p:spPr>
+              <a:xfrm>
+                <a:off x="3640032" y="2545080"/>
+                <a:ext cx="134620" cy="128905"/>
+              </a:xfrm>
+              <a:prstGeom prst="ellipse">
+                <a:avLst/>
+              </a:prstGeom>
+              <a:solidFill>
+                <a:srgbClr val="0070C0"/>
+              </a:solidFill>
+              <a:ln>
+                <a:solidFill>
+                  <a:schemeClr val="accent1">
+                    <a:lumMod val="60000"/>
+                    <a:lumOff val="40000"/>
+                  </a:schemeClr>
+                </a:solidFill>
+              </a:ln>
+            </p:spPr>
+            <p:style>
+              <a:lnRef idx="2">
+                <a:schemeClr val="accent1">
+                  <a:shade val="50000"/>
+                </a:schemeClr>
+              </a:lnRef>
+              <a:fillRef idx="1">
+                <a:schemeClr val="accent1"/>
+              </a:fillRef>
+              <a:effectRef idx="0">
+                <a:schemeClr val="accent1"/>
+              </a:effectRef>
+              <a:fontRef idx="minor">
+                <a:schemeClr val="lt1"/>
+              </a:fontRef>
+            </p:style>
+            <p:txBody>
+              <a:bodyPr rot="0" spcFirstLastPara="0" vert="horz" wrap="square" lIns="91440" tIns="45720" rIns="91440" bIns="45720" numCol="1" spcCol="0" rtlCol="0" fromWordArt="0" anchor="ctr" anchorCtr="0" forceAA="0" compatLnSpc="1">
+                <a:prstTxWarp prst="textNoShape">
+                  <a:avLst/>
+                </a:prstTxWarp>
+                <a:noAutofit/>
+              </a:bodyPr>
+              <a:lstStyle/>
+              <a:p>
+                <a:endParaRPr lang="en-US"/>
+              </a:p>
+            </p:txBody>
+          </p:sp>
+          <p:sp>
+            <p:nvSpPr>
+              <p:cNvPr id="103" name="Oval 102">
+                <a:extLst>
+                  <a:ext uri="{FF2B5EF4-FFF2-40B4-BE49-F238E27FC236}">
+                    <a16:creationId xmlns:a16="http://schemas.microsoft.com/office/drawing/2014/main" id="{4A65E3E0-8338-4828-9B98-48BE13D73E14}"/>
+                  </a:ext>
+                </a:extLst>
+              </p:cNvPr>
+              <p:cNvSpPr/>
+              <p:nvPr/>
+            </p:nvSpPr>
+            <p:spPr>
+              <a:xfrm>
+                <a:off x="3851487" y="2545080"/>
+                <a:ext cx="134620" cy="128905"/>
+              </a:xfrm>
+              <a:prstGeom prst="ellipse">
+                <a:avLst/>
+              </a:prstGeom>
+              <a:solidFill>
+                <a:srgbClr val="0070C0"/>
+              </a:solidFill>
+              <a:ln>
+                <a:solidFill>
+                  <a:schemeClr val="accent1">
+                    <a:lumMod val="60000"/>
+                    <a:lumOff val="40000"/>
+                  </a:schemeClr>
+                </a:solidFill>
+              </a:ln>
+            </p:spPr>
+            <p:style>
+              <a:lnRef idx="2">
+                <a:schemeClr val="accent1">
+                  <a:shade val="50000"/>
+                </a:schemeClr>
+              </a:lnRef>
+              <a:fillRef idx="1">
+                <a:schemeClr val="accent1"/>
+              </a:fillRef>
+              <a:effectRef idx="0">
+                <a:schemeClr val="accent1"/>
+              </a:effectRef>
+              <a:fontRef idx="minor">
+                <a:schemeClr val="lt1"/>
+              </a:fontRef>
+            </p:style>
+            <p:txBody>
+              <a:bodyPr rot="0" spcFirstLastPara="0" vert="horz" wrap="square" lIns="91440" tIns="45720" rIns="91440" bIns="45720" numCol="1" spcCol="0" rtlCol="0" fromWordArt="0" anchor="ctr" anchorCtr="0" forceAA="0" compatLnSpc="1">
+                <a:prstTxWarp prst="textNoShape">
+                  <a:avLst/>
+                </a:prstTxWarp>
+                <a:noAutofit/>
+              </a:bodyPr>
+              <a:lstStyle/>
+              <a:p>
+                <a:endParaRPr lang="en-US"/>
+              </a:p>
+            </p:txBody>
+          </p:sp>
+          <p:sp>
+            <p:nvSpPr>
+              <p:cNvPr id="104" name="Oval 103">
+                <a:extLst>
+                  <a:ext uri="{FF2B5EF4-FFF2-40B4-BE49-F238E27FC236}">
+                    <a16:creationId xmlns:a16="http://schemas.microsoft.com/office/drawing/2014/main" id="{80999250-84AC-4297-ABC6-992DA08E36E5}"/>
+                  </a:ext>
+                </a:extLst>
+              </p:cNvPr>
+              <p:cNvSpPr/>
+              <p:nvPr/>
+            </p:nvSpPr>
+            <p:spPr>
+              <a:xfrm>
+                <a:off x="4063577" y="2545080"/>
+                <a:ext cx="134620" cy="128905"/>
+              </a:xfrm>
+              <a:prstGeom prst="ellipse">
+                <a:avLst/>
+              </a:prstGeom>
+              <a:solidFill>
+                <a:srgbClr val="0070C0"/>
+              </a:solidFill>
+              <a:ln>
+                <a:solidFill>
+                  <a:schemeClr val="accent1">
+                    <a:lumMod val="60000"/>
+                    <a:lumOff val="40000"/>
+                  </a:schemeClr>
+                </a:solidFill>
+              </a:ln>
+            </p:spPr>
+            <p:style>
+              <a:lnRef idx="2">
+                <a:schemeClr val="accent1">
+                  <a:shade val="50000"/>
+                </a:schemeClr>
+              </a:lnRef>
+              <a:fillRef idx="1">
+                <a:schemeClr val="accent1"/>
+              </a:fillRef>
+              <a:effectRef idx="0">
+                <a:schemeClr val="accent1"/>
+              </a:effectRef>
+              <a:fontRef idx="minor">
+                <a:schemeClr val="lt1"/>
+              </a:fontRef>
+            </p:style>
+            <p:txBody>
+              <a:bodyPr rot="0" spcFirstLastPara="0" vert="horz" wrap="square" lIns="91440" tIns="45720" rIns="91440" bIns="45720" numCol="1" spcCol="0" rtlCol="0" fromWordArt="0" anchor="ctr" anchorCtr="0" forceAA="0" compatLnSpc="1">
+                <a:prstTxWarp prst="textNoShape">
+                  <a:avLst/>
+                </a:prstTxWarp>
+                <a:noAutofit/>
+              </a:bodyPr>
+              <a:lstStyle/>
+              <a:p>
+                <a:endParaRPr lang="en-US" dirty="0"/>
+              </a:p>
+            </p:txBody>
+          </p:sp>
+        </p:grpSp>
+        <p:grpSp>
+          <p:nvGrpSpPr>
+            <p:cNvPr id="95" name="Group 94">
+              <a:extLst>
+                <a:ext uri="{FF2B5EF4-FFF2-40B4-BE49-F238E27FC236}">
+                  <a16:creationId xmlns:a16="http://schemas.microsoft.com/office/drawing/2014/main" id="{B3545452-50FB-4C20-AA3E-BD0D8EDA2174}"/>
+                </a:ext>
+              </a:extLst>
+            </p:cNvPr>
+            <p:cNvGrpSpPr/>
+            <p:nvPr/>
+          </p:nvGrpSpPr>
+          <p:grpSpPr>
+            <a:xfrm>
+              <a:off x="3547425" y="4089057"/>
+              <a:ext cx="711200" cy="203835"/>
+              <a:chOff x="3559387" y="2503170"/>
+              <a:chExt cx="711200" cy="203835"/>
+            </a:xfrm>
+          </p:grpSpPr>
+          <p:sp>
+            <p:nvSpPr>
+              <p:cNvPr id="97" name="Rectangle: Rounded Corners 96">
+                <a:extLst>
+                  <a:ext uri="{FF2B5EF4-FFF2-40B4-BE49-F238E27FC236}">
+                    <a16:creationId xmlns:a16="http://schemas.microsoft.com/office/drawing/2014/main" id="{830D509F-D5E4-4C23-BB09-90682CAA9817}"/>
+                  </a:ext>
+                </a:extLst>
+              </p:cNvPr>
+              <p:cNvSpPr/>
+              <p:nvPr/>
+            </p:nvSpPr>
+            <p:spPr>
+              <a:xfrm>
+                <a:off x="3559387" y="2503170"/>
+                <a:ext cx="711200" cy="203835"/>
+              </a:xfrm>
+              <a:prstGeom prst="roundRect">
+                <a:avLst/>
+              </a:prstGeom>
+              <a:noFill/>
+              <a:ln>
+                <a:solidFill>
+                  <a:schemeClr val="tx1"/>
+                </a:solidFill>
+              </a:ln>
+            </p:spPr>
+            <p:style>
+              <a:lnRef idx="2">
+                <a:schemeClr val="accent1">
+                  <a:shade val="50000"/>
+                </a:schemeClr>
+              </a:lnRef>
+              <a:fillRef idx="1">
+                <a:schemeClr val="accent1"/>
+              </a:fillRef>
+              <a:effectRef idx="0">
+                <a:schemeClr val="accent1"/>
+              </a:effectRef>
+              <a:fontRef idx="minor">
+                <a:schemeClr val="lt1"/>
+              </a:fontRef>
+            </p:style>
+            <p:txBody>
+              <a:bodyPr rot="0" spcFirstLastPara="0" vert="horz" wrap="square" lIns="91440" tIns="45720" rIns="91440" bIns="45720" numCol="1" spcCol="0" rtlCol="0" fromWordArt="0" anchor="ctr" anchorCtr="0" forceAA="0" compatLnSpc="1">
+                <a:prstTxWarp prst="textNoShape">
+                  <a:avLst/>
+                </a:prstTxWarp>
+                <a:noAutofit/>
+              </a:bodyPr>
+              <a:lstStyle/>
+              <a:p>
+                <a:endParaRPr lang="en-US"/>
+              </a:p>
+            </p:txBody>
+          </p:sp>
+          <p:sp>
+            <p:nvSpPr>
+              <p:cNvPr id="98" name="Oval 97">
+                <a:extLst>
+                  <a:ext uri="{FF2B5EF4-FFF2-40B4-BE49-F238E27FC236}">
+                    <a16:creationId xmlns:a16="http://schemas.microsoft.com/office/drawing/2014/main" id="{8A30CC19-CBCE-468D-9625-72EB93B28FD0}"/>
+                  </a:ext>
+                </a:extLst>
+              </p:cNvPr>
+              <p:cNvSpPr/>
+              <p:nvPr/>
+            </p:nvSpPr>
+            <p:spPr>
+              <a:xfrm>
+                <a:off x="3640032" y="2545080"/>
+                <a:ext cx="134620" cy="128905"/>
+              </a:xfrm>
+              <a:prstGeom prst="ellipse">
+                <a:avLst/>
+              </a:prstGeom>
+              <a:solidFill>
+                <a:srgbClr val="0070C0"/>
+              </a:solidFill>
+              <a:ln>
+                <a:solidFill>
+                  <a:schemeClr val="accent1">
+                    <a:lumMod val="60000"/>
+                    <a:lumOff val="40000"/>
+                  </a:schemeClr>
+                </a:solidFill>
+              </a:ln>
+            </p:spPr>
+            <p:style>
+              <a:lnRef idx="2">
+                <a:schemeClr val="accent1">
+                  <a:shade val="50000"/>
+                </a:schemeClr>
+              </a:lnRef>
+              <a:fillRef idx="1">
+                <a:schemeClr val="accent1"/>
+              </a:fillRef>
+              <a:effectRef idx="0">
+                <a:schemeClr val="accent1"/>
+              </a:effectRef>
+              <a:fontRef idx="minor">
+                <a:schemeClr val="lt1"/>
+              </a:fontRef>
+            </p:style>
+            <p:txBody>
+              <a:bodyPr rot="0" spcFirstLastPara="0" vert="horz" wrap="square" lIns="91440" tIns="45720" rIns="91440" bIns="45720" numCol="1" spcCol="0" rtlCol="0" fromWordArt="0" anchor="ctr" anchorCtr="0" forceAA="0" compatLnSpc="1">
+                <a:prstTxWarp prst="textNoShape">
+                  <a:avLst/>
+                </a:prstTxWarp>
+                <a:noAutofit/>
+              </a:bodyPr>
+              <a:lstStyle/>
+              <a:p>
+                <a:endParaRPr lang="en-US"/>
+              </a:p>
+            </p:txBody>
+          </p:sp>
+          <p:sp>
+            <p:nvSpPr>
+              <p:cNvPr id="99" name="Oval 98">
+                <a:extLst>
+                  <a:ext uri="{FF2B5EF4-FFF2-40B4-BE49-F238E27FC236}">
+                    <a16:creationId xmlns:a16="http://schemas.microsoft.com/office/drawing/2014/main" id="{B493CE6D-C659-464A-BF33-CDE686E43892}"/>
+                  </a:ext>
+                </a:extLst>
+              </p:cNvPr>
+              <p:cNvSpPr/>
+              <p:nvPr/>
+            </p:nvSpPr>
+            <p:spPr>
+              <a:xfrm>
+                <a:off x="3851487" y="2545080"/>
+                <a:ext cx="134620" cy="128905"/>
+              </a:xfrm>
+              <a:prstGeom prst="ellipse">
+                <a:avLst/>
+              </a:prstGeom>
+              <a:solidFill>
+                <a:srgbClr val="0070C0"/>
+              </a:solidFill>
+              <a:ln>
+                <a:solidFill>
+                  <a:schemeClr val="accent1">
+                    <a:lumMod val="60000"/>
+                    <a:lumOff val="40000"/>
+                  </a:schemeClr>
+                </a:solidFill>
+              </a:ln>
+            </p:spPr>
+            <p:style>
+              <a:lnRef idx="2">
+                <a:schemeClr val="accent1">
+                  <a:shade val="50000"/>
+                </a:schemeClr>
+              </a:lnRef>
+              <a:fillRef idx="1">
+                <a:schemeClr val="accent1"/>
+              </a:fillRef>
+              <a:effectRef idx="0">
+                <a:schemeClr val="accent1"/>
+              </a:effectRef>
+              <a:fontRef idx="minor">
+                <a:schemeClr val="lt1"/>
+              </a:fontRef>
+            </p:style>
+            <p:txBody>
+              <a:bodyPr rot="0" spcFirstLastPara="0" vert="horz" wrap="square" lIns="91440" tIns="45720" rIns="91440" bIns="45720" numCol="1" spcCol="0" rtlCol="0" fromWordArt="0" anchor="ctr" anchorCtr="0" forceAA="0" compatLnSpc="1">
+                <a:prstTxWarp prst="textNoShape">
+                  <a:avLst/>
+                </a:prstTxWarp>
+                <a:noAutofit/>
+              </a:bodyPr>
+              <a:lstStyle/>
+              <a:p>
+                <a:endParaRPr lang="en-US"/>
+              </a:p>
+            </p:txBody>
+          </p:sp>
+          <p:sp>
+            <p:nvSpPr>
+              <p:cNvPr id="100" name="Oval 99">
+                <a:extLst>
+                  <a:ext uri="{FF2B5EF4-FFF2-40B4-BE49-F238E27FC236}">
+                    <a16:creationId xmlns:a16="http://schemas.microsoft.com/office/drawing/2014/main" id="{8395355E-FDB9-49D4-94AC-A4920A160CD2}"/>
+                  </a:ext>
+                </a:extLst>
+              </p:cNvPr>
+              <p:cNvSpPr/>
+              <p:nvPr/>
+            </p:nvSpPr>
+            <p:spPr>
+              <a:xfrm>
+                <a:off x="4063577" y="2545080"/>
+                <a:ext cx="134620" cy="128905"/>
+              </a:xfrm>
+              <a:prstGeom prst="ellipse">
+                <a:avLst/>
+              </a:prstGeom>
+              <a:solidFill>
+                <a:srgbClr val="0070C0"/>
+              </a:solidFill>
+              <a:ln>
+                <a:solidFill>
+                  <a:schemeClr val="accent1">
+                    <a:lumMod val="60000"/>
+                    <a:lumOff val="40000"/>
+                  </a:schemeClr>
+                </a:solidFill>
+              </a:ln>
+            </p:spPr>
+            <p:style>
+              <a:lnRef idx="2">
+                <a:schemeClr val="accent1">
+                  <a:shade val="50000"/>
+                </a:schemeClr>
+              </a:lnRef>
+              <a:fillRef idx="1">
+                <a:schemeClr val="accent1"/>
+              </a:fillRef>
+              <a:effectRef idx="0">
+                <a:schemeClr val="accent1"/>
+              </a:effectRef>
+              <a:fontRef idx="minor">
+                <a:schemeClr val="lt1"/>
+              </a:fontRef>
+            </p:style>
+            <p:txBody>
+              <a:bodyPr rot="0" spcFirstLastPara="0" vert="horz" wrap="square" lIns="91440" tIns="45720" rIns="91440" bIns="45720" numCol="1" spcCol="0" rtlCol="0" fromWordArt="0" anchor="ctr" anchorCtr="0" forceAA="0" compatLnSpc="1">
+                <a:prstTxWarp prst="textNoShape">
+                  <a:avLst/>
+                </a:prstTxWarp>
+                <a:noAutofit/>
+              </a:bodyPr>
+              <a:lstStyle/>
+              <a:p>
+                <a:endParaRPr lang="en-US"/>
+              </a:p>
+            </p:txBody>
+          </p:sp>
+        </p:grpSp>
+        <p:sp>
+          <p:nvSpPr>
+            <p:cNvPr id="96" name="TextBox 95">
+              <a:extLst>
+                <a:ext uri="{FF2B5EF4-FFF2-40B4-BE49-F238E27FC236}">
+                  <a16:creationId xmlns:a16="http://schemas.microsoft.com/office/drawing/2014/main" id="{3DCA80F2-D04B-4D56-A705-D354C8D72D5F}"/>
+                </a:ext>
+              </a:extLst>
+            </p:cNvPr>
+            <p:cNvSpPr txBox="1"/>
+            <p:nvPr/>
+          </p:nvSpPr>
+          <p:spPr>
+            <a:xfrm>
+              <a:off x="3748522" y="3243174"/>
+              <a:ext cx="343364" cy="369332"/>
+            </a:xfrm>
+            <a:prstGeom prst="rect">
+              <a:avLst/>
+            </a:prstGeom>
+            <a:noFill/>
+          </p:spPr>
+          <p:txBody>
+            <a:bodyPr wrap="none" rtlCol="0">
+              <a:spAutoFit/>
+            </a:bodyPr>
+            <a:lstStyle/>
+            <a:p>
+              <a:r>
+                <a:rPr lang="en-US" dirty="0"/>
+                <a:t>…</a:t>
+              </a:r>
+            </a:p>
+          </p:txBody>
+        </p:sp>
+      </p:grpSp>
+      <p:sp>
+        <p:nvSpPr>
+          <p:cNvPr id="113" name="TextBox 112">
+            <a:extLst>
+              <a:ext uri="{FF2B5EF4-FFF2-40B4-BE49-F238E27FC236}">
+                <a16:creationId xmlns:a16="http://schemas.microsoft.com/office/drawing/2014/main" id="{9B397CA0-992F-4E06-8F83-CCECD1F416B2}"/>
+              </a:ext>
+            </a:extLst>
+          </p:cNvPr>
+          <p:cNvSpPr txBox="1"/>
+          <p:nvPr/>
+        </p:nvSpPr>
+        <p:spPr>
+          <a:xfrm>
+            <a:off x="5412474" y="1728792"/>
+            <a:ext cx="1669368" cy="923330"/>
+          </a:xfrm>
+          <a:prstGeom prst="rect">
+            <a:avLst/>
+          </a:prstGeom>
+          <a:noFill/>
+        </p:spPr>
+        <p:txBody>
+          <a:bodyPr wrap="none" rtlCol="0">
+            <a:spAutoFit/>
+          </a:bodyPr>
+          <a:lstStyle/>
+          <a:p>
+            <a:pPr algn="ctr"/>
+            <a:r>
+              <a:rPr lang="en-US" dirty="0"/>
+              <a:t>Enhanced Node</a:t>
+            </a:r>
+          </a:p>
+          <a:p>
+            <a:pPr algn="ctr"/>
+            <a:r>
+              <a:rPr lang="en-US" dirty="0"/>
+              <a:t>Representation</a:t>
+            </a:r>
+          </a:p>
+          <a:p>
+            <a:pPr algn="ctr"/>
+            <a:r>
+              <a:rPr lang="en-US" dirty="0"/>
+              <a:t>Vectors</a:t>
+            </a:r>
+          </a:p>
+        </p:txBody>
+      </p:sp>
+      <p:sp>
+        <p:nvSpPr>
+          <p:cNvPr id="114" name="Rectangle 113">
+            <a:extLst>
+              <a:ext uri="{FF2B5EF4-FFF2-40B4-BE49-F238E27FC236}">
+                <a16:creationId xmlns:a16="http://schemas.microsoft.com/office/drawing/2014/main" id="{0E8E6CA9-D5E4-4BC1-87B7-2D244B5B92AA}"/>
+              </a:ext>
+            </a:extLst>
+          </p:cNvPr>
+          <p:cNvSpPr/>
+          <p:nvPr/>
+        </p:nvSpPr>
+        <p:spPr>
+          <a:xfrm>
+            <a:off x="7208590" y="2699990"/>
+            <a:ext cx="436326" cy="1610870"/>
+          </a:xfrm>
+          <a:prstGeom prst="rect">
+            <a:avLst/>
+          </a:prstGeom>
+          <a:ln/>
+          <a:effectLst>
+            <a:outerShdw blurRad="50800" dist="38100" dir="2700000" algn="tl" rotWithShape="0">
+              <a:prstClr val="black">
+                <a:alpha val="40000"/>
+              </a:prstClr>
+            </a:outerShdw>
+          </a:effectLst>
+        </p:spPr>
+        <p:style>
+          <a:lnRef idx="1">
+            <a:schemeClr val="accent6"/>
+          </a:lnRef>
+          <a:fillRef idx="2">
+            <a:schemeClr val="accent6"/>
+          </a:fillRef>
+          <a:effectRef idx="1">
+            <a:schemeClr val="accent6"/>
+          </a:effectRef>
+          <a:fontRef idx="minor">
+            <a:schemeClr val="dk1"/>
+          </a:fontRef>
+        </p:style>
+        <p:txBody>
+          <a:bodyPr rtlCol="0" anchor="ctr"/>
+          <a:lstStyle/>
+          <a:p>
+            <a:pPr algn="ctr"/>
+            <a:endParaRPr lang="en-US" dirty="0"/>
+          </a:p>
+        </p:txBody>
+      </p:sp>
+      <p:sp>
+        <p:nvSpPr>
+          <p:cNvPr id="115" name="TextBox 114">
+            <a:extLst>
+              <a:ext uri="{FF2B5EF4-FFF2-40B4-BE49-F238E27FC236}">
+                <a16:creationId xmlns:a16="http://schemas.microsoft.com/office/drawing/2014/main" id="{77389297-A266-49A1-AAF6-5944E501000E}"/>
+              </a:ext>
+            </a:extLst>
+          </p:cNvPr>
+          <p:cNvSpPr txBox="1"/>
+          <p:nvPr/>
+        </p:nvSpPr>
+        <p:spPr>
+          <a:xfrm>
+            <a:off x="6949564" y="2020741"/>
+            <a:ext cx="977832" cy="646331"/>
+          </a:xfrm>
+          <a:prstGeom prst="rect">
+            <a:avLst/>
+          </a:prstGeom>
+          <a:noFill/>
+        </p:spPr>
+        <p:txBody>
+          <a:bodyPr wrap="none" rtlCol="0">
+            <a:spAutoFit/>
+          </a:bodyPr>
+          <a:lstStyle/>
+          <a:p>
+            <a:pPr algn="ctr"/>
+            <a:r>
+              <a:rPr lang="en-US" dirty="0"/>
+              <a:t>GRU</a:t>
+            </a:r>
+          </a:p>
+          <a:p>
+            <a:pPr algn="ctr"/>
+            <a:r>
+              <a:rPr lang="en-US" dirty="0"/>
+              <a:t>Decoder</a:t>
+            </a:r>
+          </a:p>
+        </p:txBody>
+      </p:sp>
+      <p:grpSp>
+        <p:nvGrpSpPr>
+          <p:cNvPr id="125" name="Group 124">
+            <a:extLst>
+              <a:ext uri="{FF2B5EF4-FFF2-40B4-BE49-F238E27FC236}">
+                <a16:creationId xmlns:a16="http://schemas.microsoft.com/office/drawing/2014/main" id="{4A508EE9-9A6E-47E6-A861-F1AE1CBA2E74}"/>
+              </a:ext>
+            </a:extLst>
+          </p:cNvPr>
+          <p:cNvGrpSpPr/>
+          <p:nvPr/>
+        </p:nvGrpSpPr>
+        <p:grpSpPr>
+          <a:xfrm>
+            <a:off x="8156246" y="2639894"/>
+            <a:ext cx="417129" cy="1658950"/>
+            <a:chOff x="8142596" y="2641653"/>
+            <a:chExt cx="417129" cy="1669419"/>
+          </a:xfrm>
+        </p:grpSpPr>
+        <p:sp>
+          <p:nvSpPr>
+            <p:cNvPr id="116" name="Rectangle 115">
+              <a:extLst>
+                <a:ext uri="{FF2B5EF4-FFF2-40B4-BE49-F238E27FC236}">
+                  <a16:creationId xmlns:a16="http://schemas.microsoft.com/office/drawing/2014/main" id="{BA55D7F1-FFB9-40D8-9D79-82F80A846EC6}"/>
+                </a:ext>
+              </a:extLst>
+            </p:cNvPr>
+            <p:cNvSpPr/>
+            <p:nvPr/>
+          </p:nvSpPr>
+          <p:spPr>
+            <a:xfrm>
+              <a:off x="8203433" y="2700202"/>
+              <a:ext cx="296234" cy="1610870"/>
+            </a:xfrm>
+            <a:prstGeom prst="rect">
+              <a:avLst/>
+            </a:prstGeom>
+            <a:solidFill>
+              <a:schemeClr val="accent2">
+                <a:lumMod val="20000"/>
+                <a:lumOff val="80000"/>
+              </a:schemeClr>
+            </a:solidFill>
+            <a:ln>
+              <a:solidFill>
+                <a:srgbClr val="C00000"/>
+              </a:solidFill>
+            </a:ln>
+          </p:spPr>
+          <p:style>
+            <a:lnRef idx="2">
+              <a:schemeClr val="accent1">
+                <a:shade val="50000"/>
+              </a:schemeClr>
+            </a:lnRef>
+            <a:fillRef idx="1">
+              <a:schemeClr val="accent1"/>
+            </a:fillRef>
+            <a:effectRef idx="0">
+              <a:schemeClr val="accent1"/>
+            </a:effectRef>
+            <a:fontRef idx="minor">
+              <a:schemeClr val="lt1"/>
+            </a:fontRef>
+          </p:style>
+          <p:txBody>
+            <a:bodyPr rtlCol="0" anchor="ctr"/>
+            <a:lstStyle/>
+            <a:p>
+              <a:pPr algn="ctr"/>
+              <a:r>
+                <a:rPr lang="en-US" dirty="0">
+                  <a:solidFill>
+                    <a:schemeClr val="tx1"/>
+                  </a:solidFill>
+                </a:rPr>
+                <a:t>…</a:t>
+              </a:r>
+            </a:p>
+          </p:txBody>
+        </p:sp>
+        <p:sp>
+          <p:nvSpPr>
+            <p:cNvPr id="119" name="TextBox 118">
+              <a:extLst>
+                <a:ext uri="{FF2B5EF4-FFF2-40B4-BE49-F238E27FC236}">
+                  <a16:creationId xmlns:a16="http://schemas.microsoft.com/office/drawing/2014/main" id="{A1A37F6F-1689-4104-BF64-78881B90B530}"/>
+                </a:ext>
+              </a:extLst>
+            </p:cNvPr>
+            <p:cNvSpPr txBox="1"/>
+            <p:nvPr/>
+          </p:nvSpPr>
+          <p:spPr>
+            <a:xfrm>
+              <a:off x="8145829" y="2641653"/>
+              <a:ext cx="413896" cy="369332"/>
+            </a:xfrm>
+            <a:prstGeom prst="rect">
+              <a:avLst/>
+            </a:prstGeom>
+            <a:noFill/>
+          </p:spPr>
+          <p:txBody>
+            <a:bodyPr wrap="none" rtlCol="0">
+              <a:spAutoFit/>
+            </a:bodyPr>
+            <a:lstStyle/>
+            <a:p>
+              <a:r>
+                <a:rPr lang="en-US" dirty="0"/>
+                <a:t>T1</a:t>
+              </a:r>
+            </a:p>
+          </p:txBody>
+        </p:sp>
+        <p:sp>
+          <p:nvSpPr>
+            <p:cNvPr id="120" name="TextBox 119">
+              <a:extLst>
+                <a:ext uri="{FF2B5EF4-FFF2-40B4-BE49-F238E27FC236}">
+                  <a16:creationId xmlns:a16="http://schemas.microsoft.com/office/drawing/2014/main" id="{809B0699-3ED6-4EE2-BF8B-B3A035D8335F}"/>
+                </a:ext>
+              </a:extLst>
+            </p:cNvPr>
+            <p:cNvSpPr txBox="1"/>
+            <p:nvPr/>
+          </p:nvSpPr>
+          <p:spPr>
+            <a:xfrm>
+              <a:off x="8142596" y="2942504"/>
+              <a:ext cx="413896" cy="369332"/>
+            </a:xfrm>
+            <a:prstGeom prst="rect">
+              <a:avLst/>
+            </a:prstGeom>
+            <a:noFill/>
+          </p:spPr>
+          <p:txBody>
+            <a:bodyPr wrap="none" rtlCol="0">
+              <a:spAutoFit/>
+            </a:bodyPr>
+            <a:lstStyle/>
+            <a:p>
+              <a:r>
+                <a:rPr lang="en-US" dirty="0"/>
+                <a:t>T2</a:t>
+              </a:r>
+            </a:p>
+          </p:txBody>
+        </p:sp>
+      </p:grpSp>
+      <p:sp>
+        <p:nvSpPr>
+          <p:cNvPr id="121" name="TextBox 120">
+            <a:extLst>
+              <a:ext uri="{FF2B5EF4-FFF2-40B4-BE49-F238E27FC236}">
+                <a16:creationId xmlns:a16="http://schemas.microsoft.com/office/drawing/2014/main" id="{7B8D7E9E-D578-4E50-BDD3-6051DA50EA76}"/>
+              </a:ext>
+            </a:extLst>
+          </p:cNvPr>
+          <p:cNvSpPr txBox="1"/>
+          <p:nvPr/>
+        </p:nvSpPr>
+        <p:spPr>
+          <a:xfrm>
+            <a:off x="7820320" y="2017636"/>
+            <a:ext cx="1080039" cy="646331"/>
+          </a:xfrm>
+          <a:prstGeom prst="rect">
+            <a:avLst/>
+          </a:prstGeom>
+          <a:noFill/>
+        </p:spPr>
+        <p:txBody>
+          <a:bodyPr wrap="none" rtlCol="0">
+            <a:spAutoFit/>
+          </a:bodyPr>
+          <a:lstStyle/>
+          <a:p>
+            <a:pPr algn="ctr"/>
+            <a:r>
+              <a:rPr lang="en-US" dirty="0"/>
+              <a:t>Predicted</a:t>
+            </a:r>
+          </a:p>
+          <a:p>
+            <a:pPr algn="ctr"/>
+            <a:r>
+              <a:rPr lang="en-US" dirty="0"/>
+              <a:t>Types</a:t>
+            </a:r>
+          </a:p>
+        </p:txBody>
+      </p:sp>
+      <p:sp>
+        <p:nvSpPr>
+          <p:cNvPr id="122" name="Rectangle 121">
+            <a:extLst>
+              <a:ext uri="{FF2B5EF4-FFF2-40B4-BE49-F238E27FC236}">
+                <a16:creationId xmlns:a16="http://schemas.microsoft.com/office/drawing/2014/main" id="{14790091-278C-4409-AF34-FC41C54DBC03}"/>
+              </a:ext>
+            </a:extLst>
+          </p:cNvPr>
+          <p:cNvSpPr/>
+          <p:nvPr/>
+        </p:nvSpPr>
+        <p:spPr>
+          <a:xfrm>
+            <a:off x="8974031" y="2693842"/>
+            <a:ext cx="436326" cy="1610870"/>
+          </a:xfrm>
+          <a:prstGeom prst="rect">
+            <a:avLst/>
+          </a:prstGeom>
+          <a:ln/>
+          <a:effectLst>
+            <a:outerShdw blurRad="50800" dist="38100" dir="2700000" algn="tl" rotWithShape="0">
+              <a:prstClr val="black">
+                <a:alpha val="40000"/>
+              </a:prstClr>
+            </a:outerShdw>
+          </a:effectLst>
+        </p:spPr>
+        <p:style>
+          <a:lnRef idx="1">
+            <a:schemeClr val="accent6"/>
+          </a:lnRef>
+          <a:fillRef idx="2">
+            <a:schemeClr val="accent6"/>
+          </a:fillRef>
+          <a:effectRef idx="1">
+            <a:schemeClr val="accent6"/>
+          </a:effectRef>
+          <a:fontRef idx="minor">
+            <a:schemeClr val="dk1"/>
+          </a:fontRef>
+        </p:style>
+        <p:txBody>
+          <a:bodyPr rtlCol="0" anchor="ctr"/>
+          <a:lstStyle/>
+          <a:p>
+            <a:pPr algn="ctr"/>
+            <a:endParaRPr lang="en-US" dirty="0"/>
+          </a:p>
+        </p:txBody>
+      </p:sp>
+      <p:sp>
+        <p:nvSpPr>
+          <p:cNvPr id="123" name="TextBox 122">
+            <a:extLst>
+              <a:ext uri="{FF2B5EF4-FFF2-40B4-BE49-F238E27FC236}">
+                <a16:creationId xmlns:a16="http://schemas.microsoft.com/office/drawing/2014/main" id="{35DE3DBD-C6FD-445E-B07E-5A81C3BED9E5}"/>
+              </a:ext>
+            </a:extLst>
+          </p:cNvPr>
+          <p:cNvSpPr txBox="1"/>
+          <p:nvPr/>
+        </p:nvSpPr>
+        <p:spPr>
+          <a:xfrm>
+            <a:off x="8859397" y="1785642"/>
+            <a:ext cx="744113" cy="923330"/>
+          </a:xfrm>
+          <a:prstGeom prst="rect">
+            <a:avLst/>
+          </a:prstGeom>
+          <a:noFill/>
+        </p:spPr>
+        <p:txBody>
+          <a:bodyPr wrap="none" rtlCol="0">
+            <a:spAutoFit/>
+          </a:bodyPr>
+          <a:lstStyle/>
+          <a:p>
+            <a:pPr algn="ctr"/>
+            <a:r>
+              <a:rPr lang="en-US" dirty="0"/>
+              <a:t>Rule-</a:t>
+            </a:r>
+          </a:p>
+          <a:p>
+            <a:pPr algn="ctr"/>
+            <a:r>
+              <a:rPr lang="en-US" dirty="0"/>
+              <a:t>based</a:t>
+            </a:r>
+          </a:p>
+          <a:p>
+            <a:pPr algn="ctr"/>
+            <a:r>
+              <a:rPr lang="en-US" dirty="0"/>
+              <a:t>Filter</a:t>
+            </a:r>
+          </a:p>
+        </p:txBody>
+      </p:sp>
+      <p:grpSp>
+        <p:nvGrpSpPr>
+          <p:cNvPr id="126" name="Group 125">
+            <a:extLst>
+              <a:ext uri="{FF2B5EF4-FFF2-40B4-BE49-F238E27FC236}">
+                <a16:creationId xmlns:a16="http://schemas.microsoft.com/office/drawing/2014/main" id="{A9DBAE9E-7BA4-4FA1-B658-574BF8C0C5A0}"/>
+              </a:ext>
+            </a:extLst>
+          </p:cNvPr>
+          <p:cNvGrpSpPr/>
+          <p:nvPr/>
+        </p:nvGrpSpPr>
+        <p:grpSpPr>
+          <a:xfrm>
+            <a:off x="9844427" y="2633132"/>
+            <a:ext cx="532545" cy="1669419"/>
+            <a:chOff x="8142596" y="2641653"/>
+            <a:chExt cx="532545" cy="1669419"/>
+          </a:xfrm>
+        </p:grpSpPr>
+        <p:sp>
+          <p:nvSpPr>
+            <p:cNvPr id="127" name="Rectangle 126">
+              <a:extLst>
+                <a:ext uri="{FF2B5EF4-FFF2-40B4-BE49-F238E27FC236}">
+                  <a16:creationId xmlns:a16="http://schemas.microsoft.com/office/drawing/2014/main" id="{0462166F-CBDA-4EEE-BF10-0645F6F0A899}"/>
+                </a:ext>
+              </a:extLst>
+            </p:cNvPr>
+            <p:cNvSpPr/>
+            <p:nvPr/>
+          </p:nvSpPr>
+          <p:spPr>
+            <a:xfrm>
+              <a:off x="8203433" y="2700202"/>
+              <a:ext cx="421202" cy="1610870"/>
+            </a:xfrm>
+            <a:prstGeom prst="rect">
+              <a:avLst/>
+            </a:prstGeom>
+            <a:solidFill>
+              <a:schemeClr val="accent2">
+                <a:lumMod val="20000"/>
+                <a:lumOff val="80000"/>
+              </a:schemeClr>
+            </a:solidFill>
+            <a:ln>
+              <a:solidFill>
+                <a:srgbClr val="C00000"/>
+              </a:solidFill>
+            </a:ln>
+          </p:spPr>
+          <p:style>
+            <a:lnRef idx="2">
+              <a:schemeClr val="accent1">
+                <a:shade val="50000"/>
+              </a:schemeClr>
+            </a:lnRef>
+            <a:fillRef idx="1">
+              <a:schemeClr val="accent1"/>
+            </a:fillRef>
+            <a:effectRef idx="0">
+              <a:schemeClr val="accent1"/>
+            </a:effectRef>
+            <a:fontRef idx="minor">
+              <a:schemeClr val="lt1"/>
+            </a:fontRef>
+          </p:style>
+          <p:txBody>
+            <a:bodyPr rtlCol="0" anchor="ctr"/>
+            <a:lstStyle/>
+            <a:p>
+              <a:pPr algn="ctr"/>
+              <a:r>
+                <a:rPr lang="en-US" dirty="0">
+                  <a:solidFill>
+                    <a:schemeClr val="tx1"/>
+                  </a:solidFill>
+                </a:rPr>
+                <a:t>…</a:t>
+              </a:r>
+            </a:p>
+          </p:txBody>
+        </p:sp>
+        <p:sp>
+          <p:nvSpPr>
+            <p:cNvPr id="128" name="TextBox 127">
+              <a:extLst>
+                <a:ext uri="{FF2B5EF4-FFF2-40B4-BE49-F238E27FC236}">
+                  <a16:creationId xmlns:a16="http://schemas.microsoft.com/office/drawing/2014/main" id="{A58B1548-008E-4184-8247-04FA070DD33F}"/>
+                </a:ext>
+              </a:extLst>
+            </p:cNvPr>
+            <p:cNvSpPr txBox="1"/>
+            <p:nvPr/>
+          </p:nvSpPr>
+          <p:spPr>
+            <a:xfrm>
+              <a:off x="8145829" y="2641653"/>
+              <a:ext cx="529312" cy="369332"/>
+            </a:xfrm>
+            <a:prstGeom prst="rect">
+              <a:avLst/>
+            </a:prstGeom>
+            <a:noFill/>
+          </p:spPr>
+          <p:txBody>
+            <a:bodyPr wrap="none" rtlCol="0">
+              <a:spAutoFit/>
+            </a:bodyPr>
+            <a:lstStyle/>
+            <a:p>
+              <a:r>
+                <a:rPr lang="en-US" dirty="0"/>
+                <a:t>T1*</a:t>
+              </a:r>
+            </a:p>
+          </p:txBody>
+        </p:sp>
+        <p:sp>
+          <p:nvSpPr>
+            <p:cNvPr id="129" name="TextBox 128">
+              <a:extLst>
+                <a:ext uri="{FF2B5EF4-FFF2-40B4-BE49-F238E27FC236}">
+                  <a16:creationId xmlns:a16="http://schemas.microsoft.com/office/drawing/2014/main" id="{EFA53460-C317-4A7E-9B62-A772BEF4BCD0}"/>
+                </a:ext>
+              </a:extLst>
+            </p:cNvPr>
+            <p:cNvSpPr txBox="1"/>
+            <p:nvPr/>
+          </p:nvSpPr>
+          <p:spPr>
+            <a:xfrm>
+              <a:off x="8142596" y="2942504"/>
+              <a:ext cx="529312" cy="369332"/>
+            </a:xfrm>
+            <a:prstGeom prst="rect">
+              <a:avLst/>
+            </a:prstGeom>
+            <a:noFill/>
+          </p:spPr>
+          <p:txBody>
+            <a:bodyPr wrap="none" rtlCol="0">
+              <a:spAutoFit/>
+            </a:bodyPr>
+            <a:lstStyle/>
+            <a:p>
+              <a:r>
+                <a:rPr lang="en-US" dirty="0"/>
+                <a:t>T2*</a:t>
+              </a:r>
+            </a:p>
+          </p:txBody>
+        </p:sp>
+      </p:grpSp>
+      <p:sp>
+        <p:nvSpPr>
+          <p:cNvPr id="130" name="TextBox 129">
+            <a:extLst>
+              <a:ext uri="{FF2B5EF4-FFF2-40B4-BE49-F238E27FC236}">
+                <a16:creationId xmlns:a16="http://schemas.microsoft.com/office/drawing/2014/main" id="{1AE205CC-41C3-4E25-B689-2C504B9DA21F}"/>
+              </a:ext>
+            </a:extLst>
+          </p:cNvPr>
+          <p:cNvSpPr txBox="1"/>
+          <p:nvPr/>
+        </p:nvSpPr>
+        <p:spPr>
+          <a:xfrm>
+            <a:off x="9764294" y="2017636"/>
+            <a:ext cx="717632" cy="646331"/>
+          </a:xfrm>
+          <a:prstGeom prst="rect">
+            <a:avLst/>
+          </a:prstGeom>
+          <a:noFill/>
+        </p:spPr>
+        <p:txBody>
+          <a:bodyPr wrap="none" rtlCol="0">
+            <a:spAutoFit/>
+          </a:bodyPr>
+          <a:lstStyle/>
+          <a:p>
+            <a:pPr algn="ctr"/>
+            <a:r>
+              <a:rPr lang="en-US" dirty="0"/>
+              <a:t>Final</a:t>
+            </a:r>
+          </a:p>
+          <a:p>
+            <a:pPr algn="ctr"/>
+            <a:r>
+              <a:rPr lang="en-US" dirty="0"/>
+              <a:t>Types</a:t>
+            </a:r>
+          </a:p>
+        </p:txBody>
+      </p:sp>
+      <p:cxnSp>
+        <p:nvCxnSpPr>
+          <p:cNvPr id="132" name="Straight Arrow Connector 131">
+            <a:extLst>
+              <a:ext uri="{FF2B5EF4-FFF2-40B4-BE49-F238E27FC236}">
+                <a16:creationId xmlns:a16="http://schemas.microsoft.com/office/drawing/2014/main" id="{DE9974E0-11F6-4FFA-B07C-E17437C2990E}"/>
+              </a:ext>
+            </a:extLst>
+          </p:cNvPr>
+          <p:cNvCxnSpPr>
+            <a:cxnSpLocks/>
+            <a:endCxn id="16" idx="1"/>
+          </p:cNvCxnSpPr>
+          <p:nvPr/>
+        </p:nvCxnSpPr>
+        <p:spPr>
+          <a:xfrm>
+            <a:off x="1404217" y="3505637"/>
+            <a:ext cx="371628" cy="0"/>
+          </a:xfrm>
+          <a:prstGeom prst="straightConnector1">
+            <a:avLst/>
+          </a:prstGeom>
+          <a:ln w="19050">
+            <a:tailEnd type="triangle"/>
+          </a:ln>
+        </p:spPr>
+        <p:style>
+          <a:lnRef idx="1">
+            <a:schemeClr val="accent1"/>
+          </a:lnRef>
+          <a:fillRef idx="0">
+            <a:schemeClr val="accent1"/>
+          </a:fillRef>
+          <a:effectRef idx="0">
+            <a:schemeClr val="accent1"/>
+          </a:effectRef>
+          <a:fontRef idx="minor">
+            <a:schemeClr val="tx1"/>
+          </a:fontRef>
+        </p:style>
+      </p:cxnSp>
+      <p:cxnSp>
+        <p:nvCxnSpPr>
+          <p:cNvPr id="137" name="Straight Arrow Connector 136">
+            <a:extLst>
+              <a:ext uri="{FF2B5EF4-FFF2-40B4-BE49-F238E27FC236}">
+                <a16:creationId xmlns:a16="http://schemas.microsoft.com/office/drawing/2014/main" id="{AB78BB1E-DDC3-4F33-9B20-A99224BDA9A5}"/>
+              </a:ext>
+            </a:extLst>
+          </p:cNvPr>
+          <p:cNvCxnSpPr>
+            <a:cxnSpLocks/>
+          </p:cNvCxnSpPr>
+          <p:nvPr/>
+        </p:nvCxnSpPr>
+        <p:spPr>
+          <a:xfrm>
+            <a:off x="2977692" y="3505637"/>
+            <a:ext cx="371628" cy="0"/>
+          </a:xfrm>
+          <a:prstGeom prst="straightConnector1">
+            <a:avLst/>
+          </a:prstGeom>
+          <a:ln w="19050">
+            <a:tailEnd type="triangle"/>
+          </a:ln>
+        </p:spPr>
+        <p:style>
+          <a:lnRef idx="1">
+            <a:schemeClr val="accent1"/>
+          </a:lnRef>
+          <a:fillRef idx="0">
+            <a:schemeClr val="accent1"/>
+          </a:fillRef>
+          <a:effectRef idx="0">
+            <a:schemeClr val="accent1"/>
+          </a:effectRef>
+          <a:fontRef idx="minor">
+            <a:schemeClr val="tx1"/>
+          </a:fontRef>
+        </p:style>
+      </p:cxnSp>
+      <p:cxnSp>
+        <p:nvCxnSpPr>
+          <p:cNvPr id="138" name="Straight Arrow Connector 137">
+            <a:extLst>
+              <a:ext uri="{FF2B5EF4-FFF2-40B4-BE49-F238E27FC236}">
+                <a16:creationId xmlns:a16="http://schemas.microsoft.com/office/drawing/2014/main" id="{FDC8DCF5-7195-400A-97B0-990BB50EF6BB}"/>
+              </a:ext>
+            </a:extLst>
+          </p:cNvPr>
+          <p:cNvCxnSpPr>
+            <a:cxnSpLocks/>
+          </p:cNvCxnSpPr>
+          <p:nvPr/>
+        </p:nvCxnSpPr>
+        <p:spPr>
+          <a:xfrm>
+            <a:off x="5441529" y="3499301"/>
+            <a:ext cx="371628" cy="0"/>
+          </a:xfrm>
+          <a:prstGeom prst="straightConnector1">
+            <a:avLst/>
+          </a:prstGeom>
+          <a:ln w="19050">
+            <a:tailEnd type="triangle"/>
+          </a:ln>
+        </p:spPr>
+        <p:style>
+          <a:lnRef idx="1">
+            <a:schemeClr val="accent1"/>
+          </a:lnRef>
+          <a:fillRef idx="0">
+            <a:schemeClr val="accent1"/>
+          </a:fillRef>
+          <a:effectRef idx="0">
+            <a:schemeClr val="accent1"/>
+          </a:effectRef>
+          <a:fontRef idx="minor">
+            <a:schemeClr val="tx1"/>
+          </a:fontRef>
+        </p:style>
+      </p:cxnSp>
+      <p:cxnSp>
+        <p:nvCxnSpPr>
+          <p:cNvPr id="139" name="Straight Arrow Connector 138">
+            <a:extLst>
+              <a:ext uri="{FF2B5EF4-FFF2-40B4-BE49-F238E27FC236}">
+                <a16:creationId xmlns:a16="http://schemas.microsoft.com/office/drawing/2014/main" id="{9ED214FD-1E4C-4BBD-8082-33906CBA7320}"/>
+              </a:ext>
+            </a:extLst>
+          </p:cNvPr>
+          <p:cNvCxnSpPr>
+            <a:cxnSpLocks/>
+          </p:cNvCxnSpPr>
+          <p:nvPr/>
+        </p:nvCxnSpPr>
+        <p:spPr>
+          <a:xfrm>
+            <a:off x="6836962" y="3499277"/>
+            <a:ext cx="371628" cy="0"/>
+          </a:xfrm>
+          <a:prstGeom prst="straightConnector1">
+            <a:avLst/>
+          </a:prstGeom>
+          <a:ln w="19050">
+            <a:tailEnd type="triangle"/>
+          </a:ln>
+        </p:spPr>
+        <p:style>
+          <a:lnRef idx="1">
+            <a:schemeClr val="accent1"/>
+          </a:lnRef>
+          <a:fillRef idx="0">
+            <a:schemeClr val="accent1"/>
+          </a:fillRef>
+          <a:effectRef idx="0">
+            <a:schemeClr val="accent1"/>
+          </a:effectRef>
+          <a:fontRef idx="minor">
+            <a:schemeClr val="tx1"/>
+          </a:fontRef>
+        </p:style>
+      </p:cxnSp>
+      <p:cxnSp>
+        <p:nvCxnSpPr>
+          <p:cNvPr id="140" name="Straight Arrow Connector 139">
+            <a:extLst>
+              <a:ext uri="{FF2B5EF4-FFF2-40B4-BE49-F238E27FC236}">
+                <a16:creationId xmlns:a16="http://schemas.microsoft.com/office/drawing/2014/main" id="{6AF7CBC9-9632-4AC5-9932-4B485A25B00A}"/>
+              </a:ext>
+            </a:extLst>
+          </p:cNvPr>
+          <p:cNvCxnSpPr>
+            <a:cxnSpLocks/>
+            <a:stCxn id="114" idx="3"/>
+            <a:endCxn id="116" idx="1"/>
+          </p:cNvCxnSpPr>
+          <p:nvPr/>
+        </p:nvCxnSpPr>
+        <p:spPr>
+          <a:xfrm flipV="1">
+            <a:off x="7644916" y="3498460"/>
+            <a:ext cx="572167" cy="6965"/>
+          </a:xfrm>
+          <a:prstGeom prst="straightConnector1">
+            <a:avLst/>
+          </a:prstGeom>
+          <a:ln w="19050">
+            <a:tailEnd type="triangle"/>
+          </a:ln>
+        </p:spPr>
+        <p:style>
+          <a:lnRef idx="1">
+            <a:schemeClr val="accent1"/>
+          </a:lnRef>
+          <a:fillRef idx="0">
+            <a:schemeClr val="accent1"/>
+          </a:fillRef>
+          <a:effectRef idx="0">
+            <a:schemeClr val="accent1"/>
+          </a:effectRef>
+          <a:fontRef idx="minor">
+            <a:schemeClr val="tx1"/>
+          </a:fontRef>
+        </p:style>
+      </p:cxnSp>
+      <p:cxnSp>
+        <p:nvCxnSpPr>
+          <p:cNvPr id="144" name="Straight Arrow Connector 143">
+            <a:extLst>
+              <a:ext uri="{FF2B5EF4-FFF2-40B4-BE49-F238E27FC236}">
+                <a16:creationId xmlns:a16="http://schemas.microsoft.com/office/drawing/2014/main" id="{85F6009F-AE3B-43BD-AC39-001294C4BB65}"/>
+              </a:ext>
+            </a:extLst>
+          </p:cNvPr>
+          <p:cNvCxnSpPr>
+            <a:cxnSpLocks/>
+            <a:stCxn id="116" idx="3"/>
+            <a:endCxn id="122" idx="1"/>
+          </p:cNvCxnSpPr>
+          <p:nvPr/>
+        </p:nvCxnSpPr>
+        <p:spPr>
+          <a:xfrm>
+            <a:off x="8513317" y="3498460"/>
+            <a:ext cx="460714" cy="817"/>
+          </a:xfrm>
+          <a:prstGeom prst="straightConnector1">
+            <a:avLst/>
+          </a:prstGeom>
+          <a:ln w="19050">
+            <a:tailEnd type="triangle"/>
+          </a:ln>
+        </p:spPr>
+        <p:style>
+          <a:lnRef idx="1">
+            <a:schemeClr val="accent1"/>
+          </a:lnRef>
+          <a:fillRef idx="0">
+            <a:schemeClr val="accent1"/>
+          </a:fillRef>
+          <a:effectRef idx="0">
+            <a:schemeClr val="accent1"/>
+          </a:effectRef>
+          <a:fontRef idx="minor">
+            <a:schemeClr val="tx1"/>
+          </a:fontRef>
+        </p:style>
+      </p:cxnSp>
+      <p:cxnSp>
+        <p:nvCxnSpPr>
+          <p:cNvPr id="148" name="Straight Arrow Connector 147">
+            <a:extLst>
+              <a:ext uri="{FF2B5EF4-FFF2-40B4-BE49-F238E27FC236}">
+                <a16:creationId xmlns:a16="http://schemas.microsoft.com/office/drawing/2014/main" id="{2DAB4077-9435-4E9F-A4B0-5769BB0C40DE}"/>
+              </a:ext>
+            </a:extLst>
+          </p:cNvPr>
+          <p:cNvCxnSpPr>
+            <a:cxnSpLocks/>
+            <a:stCxn id="122" idx="3"/>
+            <a:endCxn id="127" idx="1"/>
+          </p:cNvCxnSpPr>
+          <p:nvPr/>
+        </p:nvCxnSpPr>
+        <p:spPr>
+          <a:xfrm flipV="1">
+            <a:off x="9410357" y="3497116"/>
+            <a:ext cx="494907" cy="2161"/>
+          </a:xfrm>
+          <a:prstGeom prst="straightConnector1">
+            <a:avLst/>
+          </a:prstGeom>
+          <a:ln w="19050">
+            <a:tailEnd type="triangle"/>
+          </a:ln>
+        </p:spPr>
+        <p:style>
+          <a:lnRef idx="1">
+            <a:schemeClr val="accent1"/>
+          </a:lnRef>
+          <a:fillRef idx="0">
+            <a:schemeClr val="accent1"/>
+          </a:fillRef>
+          <a:effectRef idx="0">
+            <a:schemeClr val="accent1"/>
+          </a:effectRef>
+          <a:fontRef idx="minor">
+            <a:schemeClr val="tx1"/>
+          </a:fontRef>
+        </p:style>
+      </p:cxnSp>
+      <p:cxnSp>
+        <p:nvCxnSpPr>
+          <p:cNvPr id="153" name="Straight Arrow Connector 152">
+            <a:extLst>
+              <a:ext uri="{FF2B5EF4-FFF2-40B4-BE49-F238E27FC236}">
+                <a16:creationId xmlns:a16="http://schemas.microsoft.com/office/drawing/2014/main" id="{3263C07E-8A8C-41B2-8102-FF61E80412E0}"/>
+              </a:ext>
+            </a:extLst>
+          </p:cNvPr>
+          <p:cNvCxnSpPr>
+            <a:cxnSpLocks/>
+          </p:cNvCxnSpPr>
+          <p:nvPr/>
+        </p:nvCxnSpPr>
+        <p:spPr>
+          <a:xfrm flipH="1" flipV="1">
+            <a:off x="5071484" y="4352423"/>
+            <a:ext cx="3810" cy="371938"/>
+          </a:xfrm>
+          <a:prstGeom prst="straightConnector1">
+            <a:avLst/>
+          </a:prstGeom>
+          <a:ln w="19050">
+            <a:tailEnd type="triangle"/>
+          </a:ln>
+        </p:spPr>
+        <p:style>
+          <a:lnRef idx="1">
+            <a:schemeClr val="accent1"/>
+          </a:lnRef>
+          <a:fillRef idx="0">
+            <a:schemeClr val="accent1"/>
+          </a:fillRef>
+          <a:effectRef idx="0">
+            <a:schemeClr val="accent1"/>
+          </a:effectRef>
+          <a:fontRef idx="minor">
+            <a:schemeClr val="tx1"/>
+          </a:fontRef>
+        </p:style>
+      </p:cxnSp>
+    </p:spTree>
+    <p:extLst>
+      <p:ext uri="{BB962C8B-B14F-4D97-AF65-F5344CB8AC3E}">
+        <p14:creationId xmlns:p14="http://schemas.microsoft.com/office/powerpoint/2010/main" val="2965220434"/>
+      </p:ext>
+    </p:extLst>
+  </p:cSld>
+  <p:clrMapOvr>
+    <a:masterClrMapping/>
+  </p:clrMapOvr>
+</p:sld>
+</file>
+
 <file path=ppt/theme/theme1.xml><?xml version="1.0" encoding="utf-8"?>
 <a:theme xmlns:a="http://schemas.openxmlformats.org/drawingml/2006/main" name="Office Theme">
   <a:themeElements>

--- a/figures/figures.pptx
+++ b/figures/figures.pptx
@@ -10,6 +10,7 @@
     <p:sldId id="258" r:id="rId4"/>
     <p:sldId id="259" r:id="rId5"/>
     <p:sldId id="260" r:id="rId6"/>
+    <p:sldId id="261" r:id="rId7"/>
   </p:sldIdLst>
   <p:sldSz cx="12192000" cy="6858000"/>
   <p:notesSz cx="6858000" cy="9144000"/>
@@ -13332,6 +13333,12 @@
           <a:prstGeom prst="rect">
             <a:avLst/>
           </a:prstGeom>
+          <a:solidFill>
+            <a:schemeClr val="accent5">
+              <a:lumMod val="40000"/>
+              <a:lumOff val="60000"/>
+            </a:schemeClr>
+          </a:solidFill>
           <a:ln/>
           <a:effectLst>
             <a:outerShdw blurRad="50800" dist="38100" dir="2700000" algn="tl" rotWithShape="0">
@@ -13947,10 +13954,4143 @@
           </a:fontRef>
         </p:style>
       </p:cxnSp>
+      <p:sp>
+        <p:nvSpPr>
+          <p:cNvPr id="3" name="TextBox 2">
+            <a:extLst>
+              <a:ext uri="{FF2B5EF4-FFF2-40B4-BE49-F238E27FC236}">
+                <a16:creationId xmlns:a16="http://schemas.microsoft.com/office/drawing/2014/main" id="{2EEB875D-7093-427D-A225-855AD93467A1}"/>
+              </a:ext>
+            </a:extLst>
+          </p:cNvPr>
+          <p:cNvSpPr txBox="1"/>
+          <p:nvPr/>
+        </p:nvSpPr>
+        <p:spPr>
+          <a:xfrm>
+            <a:off x="-72165" y="2483505"/>
+            <a:ext cx="1628459" cy="369332"/>
+          </a:xfrm>
+          <a:prstGeom prst="rect">
+            <a:avLst/>
+          </a:prstGeom>
+          <a:noFill/>
+        </p:spPr>
+        <p:txBody>
+          <a:bodyPr wrap="none" rtlCol="0">
+            <a:spAutoFit/>
+          </a:bodyPr>
+          <a:lstStyle/>
+          <a:p>
+            <a:r>
+              <a:rPr lang="en-US" dirty="0"/>
+              <a:t>Complete Code</a:t>
+            </a:r>
+          </a:p>
+        </p:txBody>
+      </p:sp>
     </p:spTree>
     <p:extLst>
       <p:ext uri="{BB962C8B-B14F-4D97-AF65-F5344CB8AC3E}">
         <p14:creationId xmlns:p14="http://schemas.microsoft.com/office/powerpoint/2010/main" val="2965220434"/>
+      </p:ext>
+    </p:extLst>
+  </p:cSld>
+  <p:clrMapOvr>
+    <a:masterClrMapping/>
+  </p:clrMapOvr>
+</p:sld>
+</file>
+
+<file path=ppt/slides/slide6.xml><?xml version="1.0" encoding="utf-8"?>
+<p:sld xmlns:a="http://schemas.openxmlformats.org/drawingml/2006/main" xmlns:r="http://schemas.openxmlformats.org/officeDocument/2006/relationships" xmlns:p="http://schemas.openxmlformats.org/presentationml/2006/main">
+  <p:cSld>
+    <p:spTree>
+      <p:nvGrpSpPr>
+        <p:cNvPr id="1" name=""/>
+        <p:cNvGrpSpPr/>
+        <p:nvPr/>
+      </p:nvGrpSpPr>
+      <p:grpSpPr>
+        <a:xfrm>
+          <a:off x="0" y="0"/>
+          <a:ext cx="0" cy="0"/>
+          <a:chOff x="0" y="0"/>
+          <a:chExt cx="0" cy="0"/>
+        </a:xfrm>
+      </p:grpSpPr>
+      <p:grpSp>
+        <p:nvGrpSpPr>
+          <p:cNvPr id="4" name="Group 3">
+            <a:extLst>
+              <a:ext uri="{FF2B5EF4-FFF2-40B4-BE49-F238E27FC236}">
+                <a16:creationId xmlns:a16="http://schemas.microsoft.com/office/drawing/2014/main" id="{05BD183D-0B86-42EB-88F6-042196F2497E}"/>
+              </a:ext>
+            </a:extLst>
+          </p:cNvPr>
+          <p:cNvGrpSpPr/>
+          <p:nvPr/>
+        </p:nvGrpSpPr>
+        <p:grpSpPr>
+          <a:xfrm>
+            <a:off x="39859" y="2885857"/>
+            <a:ext cx="1261872" cy="1309146"/>
+            <a:chOff x="3666744" y="2717780"/>
+            <a:chExt cx="1261872" cy="1309146"/>
+          </a:xfrm>
+        </p:grpSpPr>
+        <p:sp>
+          <p:nvSpPr>
+            <p:cNvPr id="5" name="Oval 4">
+              <a:extLst>
+                <a:ext uri="{FF2B5EF4-FFF2-40B4-BE49-F238E27FC236}">
+                  <a16:creationId xmlns:a16="http://schemas.microsoft.com/office/drawing/2014/main" id="{E5788072-969C-4C1D-B81B-3E02357D4D70}"/>
+                </a:ext>
+              </a:extLst>
+            </p:cNvPr>
+            <p:cNvSpPr/>
+            <p:nvPr/>
+          </p:nvSpPr>
+          <p:spPr>
+            <a:xfrm>
+              <a:off x="4197096" y="2717780"/>
+              <a:ext cx="182880" cy="182880"/>
+            </a:xfrm>
+            <a:prstGeom prst="ellipse">
+              <a:avLst/>
+            </a:prstGeom>
+            <a:solidFill>
+              <a:schemeClr val="accent6">
+                <a:lumMod val="20000"/>
+                <a:lumOff val="80000"/>
+              </a:schemeClr>
+            </a:solidFill>
+            <a:ln>
+              <a:solidFill>
+                <a:schemeClr val="accent6">
+                  <a:lumMod val="75000"/>
+                </a:schemeClr>
+              </a:solidFill>
+            </a:ln>
+          </p:spPr>
+          <p:style>
+            <a:lnRef idx="2">
+              <a:schemeClr val="accent1">
+                <a:shade val="50000"/>
+              </a:schemeClr>
+            </a:lnRef>
+            <a:fillRef idx="1">
+              <a:schemeClr val="accent1"/>
+            </a:fillRef>
+            <a:effectRef idx="0">
+              <a:schemeClr val="accent1"/>
+            </a:effectRef>
+            <a:fontRef idx="minor">
+              <a:schemeClr val="lt1"/>
+            </a:fontRef>
+          </p:style>
+          <p:txBody>
+            <a:bodyPr rtlCol="0" anchor="ctr"/>
+            <a:lstStyle/>
+            <a:p>
+              <a:pPr algn="ctr"/>
+              <a:endParaRPr lang="en-US"/>
+            </a:p>
+          </p:txBody>
+        </p:sp>
+        <p:sp>
+          <p:nvSpPr>
+            <p:cNvPr id="6" name="Oval 5">
+              <a:extLst>
+                <a:ext uri="{FF2B5EF4-FFF2-40B4-BE49-F238E27FC236}">
+                  <a16:creationId xmlns:a16="http://schemas.microsoft.com/office/drawing/2014/main" id="{3B97AC91-CC66-418C-9804-A8FD2A250815}"/>
+                </a:ext>
+              </a:extLst>
+            </p:cNvPr>
+            <p:cNvSpPr/>
+            <p:nvPr/>
+          </p:nvSpPr>
+          <p:spPr>
+            <a:xfrm>
+              <a:off x="3849624" y="3172968"/>
+              <a:ext cx="182880" cy="182880"/>
+            </a:xfrm>
+            <a:prstGeom prst="ellipse">
+              <a:avLst/>
+            </a:prstGeom>
+            <a:solidFill>
+              <a:schemeClr val="accent6">
+                <a:lumMod val="20000"/>
+                <a:lumOff val="80000"/>
+              </a:schemeClr>
+            </a:solidFill>
+            <a:ln>
+              <a:solidFill>
+                <a:schemeClr val="accent6">
+                  <a:lumMod val="75000"/>
+                </a:schemeClr>
+              </a:solidFill>
+            </a:ln>
+          </p:spPr>
+          <p:style>
+            <a:lnRef idx="2">
+              <a:schemeClr val="accent1">
+                <a:shade val="50000"/>
+              </a:schemeClr>
+            </a:lnRef>
+            <a:fillRef idx="1">
+              <a:schemeClr val="accent1"/>
+            </a:fillRef>
+            <a:effectRef idx="0">
+              <a:schemeClr val="accent1"/>
+            </a:effectRef>
+            <a:fontRef idx="minor">
+              <a:schemeClr val="lt1"/>
+            </a:fontRef>
+          </p:style>
+          <p:txBody>
+            <a:bodyPr rtlCol="0" anchor="ctr"/>
+            <a:lstStyle/>
+            <a:p>
+              <a:pPr algn="ctr"/>
+              <a:endParaRPr lang="en-US"/>
+            </a:p>
+          </p:txBody>
+        </p:sp>
+        <p:sp>
+          <p:nvSpPr>
+            <p:cNvPr id="7" name="Oval 6">
+              <a:extLst>
+                <a:ext uri="{FF2B5EF4-FFF2-40B4-BE49-F238E27FC236}">
+                  <a16:creationId xmlns:a16="http://schemas.microsoft.com/office/drawing/2014/main" id="{A6E73F57-C031-497D-9C5F-87AD0FD44C34}"/>
+                </a:ext>
+              </a:extLst>
+            </p:cNvPr>
+            <p:cNvSpPr/>
+            <p:nvPr/>
+          </p:nvSpPr>
+          <p:spPr>
+            <a:xfrm>
+              <a:off x="4288536" y="3661166"/>
+              <a:ext cx="182880" cy="182880"/>
+            </a:xfrm>
+            <a:prstGeom prst="ellipse">
+              <a:avLst/>
+            </a:prstGeom>
+            <a:solidFill>
+              <a:schemeClr val="accent6">
+                <a:lumMod val="20000"/>
+                <a:lumOff val="80000"/>
+              </a:schemeClr>
+            </a:solidFill>
+            <a:ln>
+              <a:solidFill>
+                <a:schemeClr val="accent6">
+                  <a:lumMod val="75000"/>
+                </a:schemeClr>
+              </a:solidFill>
+            </a:ln>
+          </p:spPr>
+          <p:style>
+            <a:lnRef idx="2">
+              <a:schemeClr val="accent1">
+                <a:shade val="50000"/>
+              </a:schemeClr>
+            </a:lnRef>
+            <a:fillRef idx="1">
+              <a:schemeClr val="accent1"/>
+            </a:fillRef>
+            <a:effectRef idx="0">
+              <a:schemeClr val="accent1"/>
+            </a:effectRef>
+            <a:fontRef idx="minor">
+              <a:schemeClr val="lt1"/>
+            </a:fontRef>
+          </p:style>
+          <p:txBody>
+            <a:bodyPr rtlCol="0" anchor="ctr"/>
+            <a:lstStyle/>
+            <a:p>
+              <a:pPr algn="ctr"/>
+              <a:endParaRPr lang="en-US"/>
+            </a:p>
+          </p:txBody>
+        </p:sp>
+        <p:sp>
+          <p:nvSpPr>
+            <p:cNvPr id="8" name="Oval 7">
+              <a:extLst>
+                <a:ext uri="{FF2B5EF4-FFF2-40B4-BE49-F238E27FC236}">
+                  <a16:creationId xmlns:a16="http://schemas.microsoft.com/office/drawing/2014/main" id="{41ADC034-E8C9-493E-907B-53D7BDF021A5}"/>
+                </a:ext>
+              </a:extLst>
+            </p:cNvPr>
+            <p:cNvSpPr/>
+            <p:nvPr/>
+          </p:nvSpPr>
+          <p:spPr>
+            <a:xfrm>
+              <a:off x="4745736" y="3246120"/>
+              <a:ext cx="182880" cy="182880"/>
+            </a:xfrm>
+            <a:prstGeom prst="ellipse">
+              <a:avLst/>
+            </a:prstGeom>
+            <a:solidFill>
+              <a:schemeClr val="accent6">
+                <a:lumMod val="20000"/>
+                <a:lumOff val="80000"/>
+              </a:schemeClr>
+            </a:solidFill>
+            <a:ln>
+              <a:solidFill>
+                <a:schemeClr val="accent6">
+                  <a:lumMod val="75000"/>
+                </a:schemeClr>
+              </a:solidFill>
+            </a:ln>
+          </p:spPr>
+          <p:style>
+            <a:lnRef idx="2">
+              <a:schemeClr val="accent1">
+                <a:shade val="50000"/>
+              </a:schemeClr>
+            </a:lnRef>
+            <a:fillRef idx="1">
+              <a:schemeClr val="accent1"/>
+            </a:fillRef>
+            <a:effectRef idx="0">
+              <a:schemeClr val="accent1"/>
+            </a:effectRef>
+            <a:fontRef idx="minor">
+              <a:schemeClr val="lt1"/>
+            </a:fontRef>
+          </p:style>
+          <p:txBody>
+            <a:bodyPr rtlCol="0" anchor="ctr"/>
+            <a:lstStyle/>
+            <a:p>
+              <a:pPr algn="ctr"/>
+              <a:endParaRPr lang="en-US" dirty="0"/>
+            </a:p>
+          </p:txBody>
+        </p:sp>
+        <p:sp>
+          <p:nvSpPr>
+            <p:cNvPr id="9" name="Oval 8">
+              <a:extLst>
+                <a:ext uri="{FF2B5EF4-FFF2-40B4-BE49-F238E27FC236}">
+                  <a16:creationId xmlns:a16="http://schemas.microsoft.com/office/drawing/2014/main" id="{44AFACC5-88D5-420B-8C0D-019D8D431DCD}"/>
+                </a:ext>
+              </a:extLst>
+            </p:cNvPr>
+            <p:cNvSpPr/>
+            <p:nvPr/>
+          </p:nvSpPr>
+          <p:spPr>
+            <a:xfrm>
+              <a:off x="3666744" y="3844046"/>
+              <a:ext cx="182880" cy="182880"/>
+            </a:xfrm>
+            <a:prstGeom prst="ellipse">
+              <a:avLst/>
+            </a:prstGeom>
+            <a:solidFill>
+              <a:schemeClr val="accent6">
+                <a:lumMod val="20000"/>
+                <a:lumOff val="80000"/>
+              </a:schemeClr>
+            </a:solidFill>
+            <a:ln>
+              <a:solidFill>
+                <a:schemeClr val="accent6">
+                  <a:lumMod val="75000"/>
+                </a:schemeClr>
+              </a:solidFill>
+            </a:ln>
+          </p:spPr>
+          <p:style>
+            <a:lnRef idx="2">
+              <a:schemeClr val="accent1">
+                <a:shade val="50000"/>
+              </a:schemeClr>
+            </a:lnRef>
+            <a:fillRef idx="1">
+              <a:schemeClr val="accent1"/>
+            </a:fillRef>
+            <a:effectRef idx="0">
+              <a:schemeClr val="accent1"/>
+            </a:effectRef>
+            <a:fontRef idx="minor">
+              <a:schemeClr val="lt1"/>
+            </a:fontRef>
+          </p:style>
+          <p:txBody>
+            <a:bodyPr rtlCol="0" anchor="ctr"/>
+            <a:lstStyle/>
+            <a:p>
+              <a:pPr algn="ctr"/>
+              <a:endParaRPr lang="en-US"/>
+            </a:p>
+          </p:txBody>
+        </p:sp>
+        <p:cxnSp>
+          <p:nvCxnSpPr>
+            <p:cNvPr id="10" name="Straight Arrow Connector 9">
+              <a:extLst>
+                <a:ext uri="{FF2B5EF4-FFF2-40B4-BE49-F238E27FC236}">
+                  <a16:creationId xmlns:a16="http://schemas.microsoft.com/office/drawing/2014/main" id="{45C6A2D0-B5FF-45E2-8CE4-C7B8D13F4913}"/>
+                </a:ext>
+              </a:extLst>
+            </p:cNvPr>
+            <p:cNvCxnSpPr>
+              <a:stCxn id="5" idx="3"/>
+              <a:endCxn id="6" idx="7"/>
+            </p:cNvCxnSpPr>
+            <p:nvPr/>
+          </p:nvCxnSpPr>
+          <p:spPr>
+            <a:xfrm flipH="1">
+              <a:off x="4005722" y="2873878"/>
+              <a:ext cx="218156" cy="325872"/>
+            </a:xfrm>
+            <a:prstGeom prst="straightConnector1">
+              <a:avLst/>
+            </a:prstGeom>
+            <a:ln>
+              <a:solidFill>
+                <a:srgbClr val="0070C0"/>
+              </a:solidFill>
+              <a:tailEnd type="triangle"/>
+            </a:ln>
+          </p:spPr>
+          <p:style>
+            <a:lnRef idx="1">
+              <a:schemeClr val="accent1"/>
+            </a:lnRef>
+            <a:fillRef idx="0">
+              <a:schemeClr val="accent1"/>
+            </a:fillRef>
+            <a:effectRef idx="0">
+              <a:schemeClr val="accent1"/>
+            </a:effectRef>
+            <a:fontRef idx="minor">
+              <a:schemeClr val="tx1"/>
+            </a:fontRef>
+          </p:style>
+        </p:cxnSp>
+        <p:cxnSp>
+          <p:nvCxnSpPr>
+            <p:cNvPr id="11" name="Straight Arrow Connector 10">
+              <a:extLst>
+                <a:ext uri="{FF2B5EF4-FFF2-40B4-BE49-F238E27FC236}">
+                  <a16:creationId xmlns:a16="http://schemas.microsoft.com/office/drawing/2014/main" id="{916F75C0-A6E5-42E8-AF7F-65F22B32AB94}"/>
+                </a:ext>
+              </a:extLst>
+            </p:cNvPr>
+            <p:cNvCxnSpPr>
+              <a:cxnSpLocks/>
+              <a:stCxn id="5" idx="4"/>
+              <a:endCxn id="7" idx="0"/>
+            </p:cNvCxnSpPr>
+            <p:nvPr/>
+          </p:nvCxnSpPr>
+          <p:spPr>
+            <a:xfrm>
+              <a:off x="4288536" y="2900660"/>
+              <a:ext cx="91440" cy="760506"/>
+            </a:xfrm>
+            <a:prstGeom prst="straightConnector1">
+              <a:avLst/>
+            </a:prstGeom>
+            <a:ln>
+              <a:solidFill>
+                <a:srgbClr val="0070C0"/>
+              </a:solidFill>
+              <a:tailEnd type="triangle"/>
+            </a:ln>
+          </p:spPr>
+          <p:style>
+            <a:lnRef idx="1">
+              <a:schemeClr val="accent1"/>
+            </a:lnRef>
+            <a:fillRef idx="0">
+              <a:schemeClr val="accent1"/>
+            </a:fillRef>
+            <a:effectRef idx="0">
+              <a:schemeClr val="accent1"/>
+            </a:effectRef>
+            <a:fontRef idx="minor">
+              <a:schemeClr val="tx1"/>
+            </a:fontRef>
+          </p:style>
+        </p:cxnSp>
+        <p:cxnSp>
+          <p:nvCxnSpPr>
+            <p:cNvPr id="12" name="Straight Arrow Connector 11">
+              <a:extLst>
+                <a:ext uri="{FF2B5EF4-FFF2-40B4-BE49-F238E27FC236}">
+                  <a16:creationId xmlns:a16="http://schemas.microsoft.com/office/drawing/2014/main" id="{C0937B8F-C243-4DBB-AEB0-59A785F1B80D}"/>
+                </a:ext>
+              </a:extLst>
+            </p:cNvPr>
+            <p:cNvCxnSpPr>
+              <a:cxnSpLocks/>
+              <a:stCxn id="5" idx="5"/>
+              <a:endCxn id="8" idx="1"/>
+            </p:cNvCxnSpPr>
+            <p:nvPr/>
+          </p:nvCxnSpPr>
+          <p:spPr>
+            <a:xfrm>
+              <a:off x="4353194" y="2873878"/>
+              <a:ext cx="419324" cy="399024"/>
+            </a:xfrm>
+            <a:prstGeom prst="straightConnector1">
+              <a:avLst/>
+            </a:prstGeom>
+            <a:ln>
+              <a:solidFill>
+                <a:srgbClr val="0070C0"/>
+              </a:solidFill>
+              <a:tailEnd type="triangle"/>
+            </a:ln>
+          </p:spPr>
+          <p:style>
+            <a:lnRef idx="1">
+              <a:schemeClr val="accent1"/>
+            </a:lnRef>
+            <a:fillRef idx="0">
+              <a:schemeClr val="accent1"/>
+            </a:fillRef>
+            <a:effectRef idx="0">
+              <a:schemeClr val="accent1"/>
+            </a:effectRef>
+            <a:fontRef idx="minor">
+              <a:schemeClr val="tx1"/>
+            </a:fontRef>
+          </p:style>
+        </p:cxnSp>
+        <p:cxnSp>
+          <p:nvCxnSpPr>
+            <p:cNvPr id="13" name="Straight Arrow Connector 12">
+              <a:extLst>
+                <a:ext uri="{FF2B5EF4-FFF2-40B4-BE49-F238E27FC236}">
+                  <a16:creationId xmlns:a16="http://schemas.microsoft.com/office/drawing/2014/main" id="{29B04A20-B743-4B82-B885-6F329C49A813}"/>
+                </a:ext>
+              </a:extLst>
+            </p:cNvPr>
+            <p:cNvCxnSpPr>
+              <a:cxnSpLocks/>
+              <a:stCxn id="8" idx="3"/>
+              <a:endCxn id="7" idx="7"/>
+            </p:cNvCxnSpPr>
+            <p:nvPr/>
+          </p:nvCxnSpPr>
+          <p:spPr>
+            <a:xfrm flipH="1">
+              <a:off x="4444634" y="3402218"/>
+              <a:ext cx="327884" cy="285730"/>
+            </a:xfrm>
+            <a:prstGeom prst="straightConnector1">
+              <a:avLst/>
+            </a:prstGeom>
+            <a:ln>
+              <a:solidFill>
+                <a:srgbClr val="0070C0"/>
+              </a:solidFill>
+              <a:tailEnd type="triangle"/>
+            </a:ln>
+          </p:spPr>
+          <p:style>
+            <a:lnRef idx="1">
+              <a:schemeClr val="accent1"/>
+            </a:lnRef>
+            <a:fillRef idx="0">
+              <a:schemeClr val="accent1"/>
+            </a:fillRef>
+            <a:effectRef idx="0">
+              <a:schemeClr val="accent1"/>
+            </a:effectRef>
+            <a:fontRef idx="minor">
+              <a:schemeClr val="tx1"/>
+            </a:fontRef>
+          </p:style>
+        </p:cxnSp>
+        <p:cxnSp>
+          <p:nvCxnSpPr>
+            <p:cNvPr id="14" name="Straight Arrow Connector 13">
+              <a:extLst>
+                <a:ext uri="{FF2B5EF4-FFF2-40B4-BE49-F238E27FC236}">
+                  <a16:creationId xmlns:a16="http://schemas.microsoft.com/office/drawing/2014/main" id="{90D13FC1-B4C7-460F-B970-1132AD8B942E}"/>
+                </a:ext>
+              </a:extLst>
+            </p:cNvPr>
+            <p:cNvCxnSpPr>
+              <a:cxnSpLocks/>
+              <a:stCxn id="9" idx="6"/>
+              <a:endCxn id="7" idx="2"/>
+            </p:cNvCxnSpPr>
+            <p:nvPr/>
+          </p:nvCxnSpPr>
+          <p:spPr>
+            <a:xfrm flipV="1">
+              <a:off x="3849624" y="3752606"/>
+              <a:ext cx="438912" cy="182880"/>
+            </a:xfrm>
+            <a:prstGeom prst="straightConnector1">
+              <a:avLst/>
+            </a:prstGeom>
+            <a:ln>
+              <a:solidFill>
+                <a:srgbClr val="0070C0"/>
+              </a:solidFill>
+              <a:tailEnd type="triangle"/>
+            </a:ln>
+          </p:spPr>
+          <p:style>
+            <a:lnRef idx="1">
+              <a:schemeClr val="accent1"/>
+            </a:lnRef>
+            <a:fillRef idx="0">
+              <a:schemeClr val="accent1"/>
+            </a:fillRef>
+            <a:effectRef idx="0">
+              <a:schemeClr val="accent1"/>
+            </a:effectRef>
+            <a:fontRef idx="minor">
+              <a:schemeClr val="tx1"/>
+            </a:fontRef>
+          </p:style>
+        </p:cxnSp>
+        <p:cxnSp>
+          <p:nvCxnSpPr>
+            <p:cNvPr id="15" name="Straight Arrow Connector 14">
+              <a:extLst>
+                <a:ext uri="{FF2B5EF4-FFF2-40B4-BE49-F238E27FC236}">
+                  <a16:creationId xmlns:a16="http://schemas.microsoft.com/office/drawing/2014/main" id="{421A8B38-18BD-4BA4-B448-C3D8EBBE5D14}"/>
+                </a:ext>
+              </a:extLst>
+            </p:cNvPr>
+            <p:cNvCxnSpPr>
+              <a:cxnSpLocks/>
+              <a:stCxn id="9" idx="0"/>
+              <a:endCxn id="6" idx="4"/>
+            </p:cNvCxnSpPr>
+            <p:nvPr/>
+          </p:nvCxnSpPr>
+          <p:spPr>
+            <a:xfrm flipV="1">
+              <a:off x="3758184" y="3355848"/>
+              <a:ext cx="182880" cy="488198"/>
+            </a:xfrm>
+            <a:prstGeom prst="straightConnector1">
+              <a:avLst/>
+            </a:prstGeom>
+            <a:ln>
+              <a:solidFill>
+                <a:srgbClr val="0070C0"/>
+              </a:solidFill>
+              <a:tailEnd type="triangle"/>
+            </a:ln>
+          </p:spPr>
+          <p:style>
+            <a:lnRef idx="1">
+              <a:schemeClr val="accent1"/>
+            </a:lnRef>
+            <a:fillRef idx="0">
+              <a:schemeClr val="accent1"/>
+            </a:fillRef>
+            <a:effectRef idx="0">
+              <a:schemeClr val="accent1"/>
+            </a:effectRef>
+            <a:fontRef idx="minor">
+              <a:schemeClr val="tx1"/>
+            </a:fontRef>
+          </p:style>
+        </p:cxnSp>
+      </p:grpSp>
+      <p:sp>
+        <p:nvSpPr>
+          <p:cNvPr id="16" name="Rectangle: Rounded Corners 15">
+            <a:extLst>
+              <a:ext uri="{FF2B5EF4-FFF2-40B4-BE49-F238E27FC236}">
+                <a16:creationId xmlns:a16="http://schemas.microsoft.com/office/drawing/2014/main" id="{EEFE1ACB-AB9F-4E48-87EB-ED655D5C73ED}"/>
+              </a:ext>
+            </a:extLst>
+          </p:cNvPr>
+          <p:cNvSpPr/>
+          <p:nvPr/>
+        </p:nvSpPr>
+        <p:spPr>
+          <a:xfrm>
+            <a:off x="1890992" y="2753203"/>
+            <a:ext cx="1597275" cy="1541444"/>
+          </a:xfrm>
+          <a:prstGeom prst="roundRect">
+            <a:avLst>
+              <a:gd name="adj" fmla="val 10106"/>
+            </a:avLst>
+          </a:prstGeom>
+          <a:solidFill>
+            <a:schemeClr val="accent4">
+              <a:lumMod val="20000"/>
+              <a:lumOff val="80000"/>
+            </a:schemeClr>
+          </a:solidFill>
+          <a:ln>
+            <a:solidFill>
+              <a:srgbClr val="FFC000"/>
+            </a:solidFill>
+          </a:ln>
+          <a:effectLst>
+            <a:outerShdw blurRad="50800" dist="38100" dir="2700000" algn="tl" rotWithShape="0">
+              <a:prstClr val="black">
+                <a:alpha val="40000"/>
+              </a:prstClr>
+            </a:outerShdw>
+          </a:effectLst>
+        </p:spPr>
+        <p:style>
+          <a:lnRef idx="2">
+            <a:schemeClr val="accent1">
+              <a:shade val="50000"/>
+            </a:schemeClr>
+          </a:lnRef>
+          <a:fillRef idx="1">
+            <a:schemeClr val="accent1"/>
+          </a:fillRef>
+          <a:effectRef idx="0">
+            <a:schemeClr val="accent1"/>
+          </a:effectRef>
+          <a:fontRef idx="minor">
+            <a:schemeClr val="lt1"/>
+          </a:fontRef>
+        </p:style>
+        <p:txBody>
+          <a:bodyPr lIns="0" tIns="0" rIns="0" bIns="0" rtlCol="0" anchor="ctr"/>
+          <a:lstStyle/>
+          <a:p>
+            <a:pPr algn="ctr"/>
+            <a:r>
+              <a:rPr lang="en-US" dirty="0">
+                <a:solidFill>
+                  <a:schemeClr val="tx1"/>
+                </a:solidFill>
+              </a:rPr>
+              <a:t>Graph</a:t>
+            </a:r>
+          </a:p>
+          <a:p>
+            <a:pPr algn="ctr"/>
+            <a:r>
+              <a:rPr lang="en-US" dirty="0">
+                <a:solidFill>
+                  <a:schemeClr val="tx1"/>
+                </a:solidFill>
+              </a:rPr>
+              <a:t>Convolution</a:t>
+            </a:r>
+          </a:p>
+          <a:p>
+            <a:pPr algn="ctr"/>
+            <a:r>
+              <a:rPr lang="en-US" dirty="0">
+                <a:solidFill>
+                  <a:schemeClr val="tx1"/>
+                </a:solidFill>
+              </a:rPr>
+              <a:t>Network – </a:t>
+            </a:r>
+          </a:p>
+          <a:p>
+            <a:pPr algn="ctr"/>
+            <a:r>
+              <a:rPr lang="en-US" dirty="0">
+                <a:solidFill>
+                  <a:schemeClr val="tx1"/>
+                </a:solidFill>
+              </a:rPr>
+              <a:t>Missing Feature</a:t>
+            </a:r>
+          </a:p>
+          <a:p>
+            <a:pPr algn="ctr"/>
+            <a:r>
+              <a:rPr lang="en-US" dirty="0">
+                <a:solidFill>
+                  <a:schemeClr val="tx1"/>
+                </a:solidFill>
+              </a:rPr>
+              <a:t>(</a:t>
+            </a:r>
+            <a:r>
+              <a:rPr lang="en-US" dirty="0" err="1">
+                <a:solidFill>
+                  <a:schemeClr val="tx1"/>
+                </a:solidFill>
+              </a:rPr>
+              <a:t>GCNmf</a:t>
+            </a:r>
+            <a:r>
+              <a:rPr lang="en-US" dirty="0">
+                <a:solidFill>
+                  <a:schemeClr val="tx1"/>
+                </a:solidFill>
+              </a:rPr>
+              <a:t>)</a:t>
+            </a:r>
+          </a:p>
+        </p:txBody>
+      </p:sp>
+      <p:grpSp>
+        <p:nvGrpSpPr>
+          <p:cNvPr id="17" name="Group 16">
+            <a:extLst>
+              <a:ext uri="{FF2B5EF4-FFF2-40B4-BE49-F238E27FC236}">
+                <a16:creationId xmlns:a16="http://schemas.microsoft.com/office/drawing/2014/main" id="{BD7646C5-6BAA-4655-B372-F0AE4A8FCFC3}"/>
+              </a:ext>
+            </a:extLst>
+          </p:cNvPr>
+          <p:cNvGrpSpPr/>
+          <p:nvPr/>
+        </p:nvGrpSpPr>
+        <p:grpSpPr>
+          <a:xfrm>
+            <a:off x="4174232" y="1630597"/>
+            <a:ext cx="720991" cy="1610870"/>
+            <a:chOff x="3547425" y="2682022"/>
+            <a:chExt cx="720991" cy="1610870"/>
+          </a:xfrm>
+        </p:grpSpPr>
+        <p:grpSp>
+          <p:nvGrpSpPr>
+            <p:cNvPr id="18" name="Group 17">
+              <a:extLst>
+                <a:ext uri="{FF2B5EF4-FFF2-40B4-BE49-F238E27FC236}">
+                  <a16:creationId xmlns:a16="http://schemas.microsoft.com/office/drawing/2014/main" id="{CBBFA48E-938A-48CF-94C0-3ACA46052A21}"/>
+                </a:ext>
+              </a:extLst>
+            </p:cNvPr>
+            <p:cNvGrpSpPr/>
+            <p:nvPr/>
+          </p:nvGrpSpPr>
+          <p:grpSpPr>
+            <a:xfrm>
+              <a:off x="3553406" y="2682022"/>
+              <a:ext cx="711200" cy="203835"/>
+              <a:chOff x="3559387" y="2503170"/>
+              <a:chExt cx="711200" cy="203835"/>
+            </a:xfrm>
+          </p:grpSpPr>
+          <p:sp>
+            <p:nvSpPr>
+              <p:cNvPr id="35" name="Rectangle: Rounded Corners 34">
+                <a:extLst>
+                  <a:ext uri="{FF2B5EF4-FFF2-40B4-BE49-F238E27FC236}">
+                    <a16:creationId xmlns:a16="http://schemas.microsoft.com/office/drawing/2014/main" id="{FFF4E45B-0D35-4473-AF3F-62CEEAC44494}"/>
+                  </a:ext>
+                </a:extLst>
+              </p:cNvPr>
+              <p:cNvSpPr/>
+              <p:nvPr/>
+            </p:nvSpPr>
+            <p:spPr>
+              <a:xfrm>
+                <a:off x="3559387" y="2503170"/>
+                <a:ext cx="711200" cy="203835"/>
+              </a:xfrm>
+              <a:prstGeom prst="roundRect">
+                <a:avLst/>
+              </a:prstGeom>
+              <a:noFill/>
+              <a:ln>
+                <a:solidFill>
+                  <a:schemeClr val="tx1"/>
+                </a:solidFill>
+              </a:ln>
+            </p:spPr>
+            <p:style>
+              <a:lnRef idx="2">
+                <a:schemeClr val="accent1">
+                  <a:shade val="50000"/>
+                </a:schemeClr>
+              </a:lnRef>
+              <a:fillRef idx="1">
+                <a:schemeClr val="accent1"/>
+              </a:fillRef>
+              <a:effectRef idx="0">
+                <a:schemeClr val="accent1"/>
+              </a:effectRef>
+              <a:fontRef idx="minor">
+                <a:schemeClr val="lt1"/>
+              </a:fontRef>
+            </p:style>
+            <p:txBody>
+              <a:bodyPr rot="0" spcFirstLastPara="0" vert="horz" wrap="square" lIns="91440" tIns="45720" rIns="91440" bIns="45720" numCol="1" spcCol="0" rtlCol="0" fromWordArt="0" anchor="ctr" anchorCtr="0" forceAA="0" compatLnSpc="1">
+                <a:prstTxWarp prst="textNoShape">
+                  <a:avLst/>
+                </a:prstTxWarp>
+                <a:noAutofit/>
+              </a:bodyPr>
+              <a:lstStyle/>
+              <a:p>
+                <a:endParaRPr lang="en-US"/>
+              </a:p>
+            </p:txBody>
+          </p:sp>
+          <p:sp>
+            <p:nvSpPr>
+              <p:cNvPr id="36" name="Oval 35">
+                <a:extLst>
+                  <a:ext uri="{FF2B5EF4-FFF2-40B4-BE49-F238E27FC236}">
+                    <a16:creationId xmlns:a16="http://schemas.microsoft.com/office/drawing/2014/main" id="{5246A7EE-3229-49B7-8F1D-08032DC4E4DB}"/>
+                  </a:ext>
+                </a:extLst>
+              </p:cNvPr>
+              <p:cNvSpPr/>
+              <p:nvPr/>
+            </p:nvSpPr>
+            <p:spPr>
+              <a:xfrm>
+                <a:off x="3640032" y="2545080"/>
+                <a:ext cx="134620" cy="128905"/>
+              </a:xfrm>
+              <a:prstGeom prst="ellipse">
+                <a:avLst/>
+              </a:prstGeom>
+              <a:solidFill>
+                <a:schemeClr val="accent1">
+                  <a:lumMod val="40000"/>
+                  <a:lumOff val="60000"/>
+                </a:schemeClr>
+              </a:solidFill>
+              <a:ln>
+                <a:solidFill>
+                  <a:schemeClr val="accent1">
+                    <a:lumMod val="60000"/>
+                    <a:lumOff val="40000"/>
+                  </a:schemeClr>
+                </a:solidFill>
+              </a:ln>
+            </p:spPr>
+            <p:style>
+              <a:lnRef idx="2">
+                <a:schemeClr val="accent1">
+                  <a:shade val="50000"/>
+                </a:schemeClr>
+              </a:lnRef>
+              <a:fillRef idx="1">
+                <a:schemeClr val="accent1"/>
+              </a:fillRef>
+              <a:effectRef idx="0">
+                <a:schemeClr val="accent1"/>
+              </a:effectRef>
+              <a:fontRef idx="minor">
+                <a:schemeClr val="lt1"/>
+              </a:fontRef>
+            </p:style>
+            <p:txBody>
+              <a:bodyPr rot="0" spcFirstLastPara="0" vert="horz" wrap="square" lIns="91440" tIns="45720" rIns="91440" bIns="45720" numCol="1" spcCol="0" rtlCol="0" fromWordArt="0" anchor="ctr" anchorCtr="0" forceAA="0" compatLnSpc="1">
+                <a:prstTxWarp prst="textNoShape">
+                  <a:avLst/>
+                </a:prstTxWarp>
+                <a:noAutofit/>
+              </a:bodyPr>
+              <a:lstStyle/>
+              <a:p>
+                <a:endParaRPr lang="en-US"/>
+              </a:p>
+            </p:txBody>
+          </p:sp>
+          <p:sp>
+            <p:nvSpPr>
+              <p:cNvPr id="37" name="Oval 36">
+                <a:extLst>
+                  <a:ext uri="{FF2B5EF4-FFF2-40B4-BE49-F238E27FC236}">
+                    <a16:creationId xmlns:a16="http://schemas.microsoft.com/office/drawing/2014/main" id="{9DC45F4D-E4AE-4106-9D41-1362B4D4EEA8}"/>
+                  </a:ext>
+                </a:extLst>
+              </p:cNvPr>
+              <p:cNvSpPr/>
+              <p:nvPr/>
+            </p:nvSpPr>
+            <p:spPr>
+              <a:xfrm>
+                <a:off x="3851487" y="2545080"/>
+                <a:ext cx="134620" cy="128905"/>
+              </a:xfrm>
+              <a:prstGeom prst="ellipse">
+                <a:avLst/>
+              </a:prstGeom>
+              <a:solidFill>
+                <a:schemeClr val="accent1">
+                  <a:lumMod val="40000"/>
+                  <a:lumOff val="60000"/>
+                </a:schemeClr>
+              </a:solidFill>
+              <a:ln>
+                <a:solidFill>
+                  <a:schemeClr val="accent1">
+                    <a:lumMod val="60000"/>
+                    <a:lumOff val="40000"/>
+                  </a:schemeClr>
+                </a:solidFill>
+              </a:ln>
+            </p:spPr>
+            <p:style>
+              <a:lnRef idx="2">
+                <a:schemeClr val="accent1">
+                  <a:shade val="50000"/>
+                </a:schemeClr>
+              </a:lnRef>
+              <a:fillRef idx="1">
+                <a:schemeClr val="accent1"/>
+              </a:fillRef>
+              <a:effectRef idx="0">
+                <a:schemeClr val="accent1"/>
+              </a:effectRef>
+              <a:fontRef idx="minor">
+                <a:schemeClr val="lt1"/>
+              </a:fontRef>
+            </p:style>
+            <p:txBody>
+              <a:bodyPr rot="0" spcFirstLastPara="0" vert="horz" wrap="square" lIns="91440" tIns="45720" rIns="91440" bIns="45720" numCol="1" spcCol="0" rtlCol="0" fromWordArt="0" anchor="ctr" anchorCtr="0" forceAA="0" compatLnSpc="1">
+                <a:prstTxWarp prst="textNoShape">
+                  <a:avLst/>
+                </a:prstTxWarp>
+                <a:noAutofit/>
+              </a:bodyPr>
+              <a:lstStyle/>
+              <a:p>
+                <a:endParaRPr lang="en-US"/>
+              </a:p>
+            </p:txBody>
+          </p:sp>
+          <p:sp>
+            <p:nvSpPr>
+              <p:cNvPr id="38" name="Oval 37">
+                <a:extLst>
+                  <a:ext uri="{FF2B5EF4-FFF2-40B4-BE49-F238E27FC236}">
+                    <a16:creationId xmlns:a16="http://schemas.microsoft.com/office/drawing/2014/main" id="{C9E727C1-BE9E-4CDA-8F11-1E0D003B27DD}"/>
+                  </a:ext>
+                </a:extLst>
+              </p:cNvPr>
+              <p:cNvSpPr/>
+              <p:nvPr/>
+            </p:nvSpPr>
+            <p:spPr>
+              <a:xfrm>
+                <a:off x="4063577" y="2545080"/>
+                <a:ext cx="134620" cy="128905"/>
+              </a:xfrm>
+              <a:prstGeom prst="ellipse">
+                <a:avLst/>
+              </a:prstGeom>
+              <a:solidFill>
+                <a:schemeClr val="accent1">
+                  <a:lumMod val="40000"/>
+                  <a:lumOff val="60000"/>
+                </a:schemeClr>
+              </a:solidFill>
+              <a:ln>
+                <a:solidFill>
+                  <a:schemeClr val="accent1">
+                    <a:lumMod val="60000"/>
+                    <a:lumOff val="40000"/>
+                  </a:schemeClr>
+                </a:solidFill>
+              </a:ln>
+            </p:spPr>
+            <p:style>
+              <a:lnRef idx="2">
+                <a:schemeClr val="accent1">
+                  <a:shade val="50000"/>
+                </a:schemeClr>
+              </a:lnRef>
+              <a:fillRef idx="1">
+                <a:schemeClr val="accent1"/>
+              </a:fillRef>
+              <a:effectRef idx="0">
+                <a:schemeClr val="accent1"/>
+              </a:effectRef>
+              <a:fontRef idx="minor">
+                <a:schemeClr val="lt1"/>
+              </a:fontRef>
+            </p:style>
+            <p:txBody>
+              <a:bodyPr rot="0" spcFirstLastPara="0" vert="horz" wrap="square" lIns="91440" tIns="45720" rIns="91440" bIns="45720" numCol="1" spcCol="0" rtlCol="0" fromWordArt="0" anchor="ctr" anchorCtr="0" forceAA="0" compatLnSpc="1">
+                <a:prstTxWarp prst="textNoShape">
+                  <a:avLst/>
+                </a:prstTxWarp>
+                <a:noAutofit/>
+              </a:bodyPr>
+              <a:lstStyle/>
+              <a:p>
+                <a:endParaRPr lang="en-US"/>
+              </a:p>
+            </p:txBody>
+          </p:sp>
+        </p:grpSp>
+        <p:grpSp>
+          <p:nvGrpSpPr>
+            <p:cNvPr id="19" name="Group 18">
+              <a:extLst>
+                <a:ext uri="{FF2B5EF4-FFF2-40B4-BE49-F238E27FC236}">
+                  <a16:creationId xmlns:a16="http://schemas.microsoft.com/office/drawing/2014/main" id="{054A2394-9CE7-42EC-AE13-8B6968EB0EA2}"/>
+                </a:ext>
+              </a:extLst>
+            </p:cNvPr>
+            <p:cNvGrpSpPr/>
+            <p:nvPr/>
+          </p:nvGrpSpPr>
+          <p:grpSpPr>
+            <a:xfrm>
+              <a:off x="3557216" y="3064709"/>
+              <a:ext cx="711200" cy="203835"/>
+              <a:chOff x="3559387" y="2503170"/>
+              <a:chExt cx="711200" cy="203835"/>
+            </a:xfrm>
+          </p:grpSpPr>
+          <p:sp>
+            <p:nvSpPr>
+              <p:cNvPr id="31" name="Rectangle: Rounded Corners 30">
+                <a:extLst>
+                  <a:ext uri="{FF2B5EF4-FFF2-40B4-BE49-F238E27FC236}">
+                    <a16:creationId xmlns:a16="http://schemas.microsoft.com/office/drawing/2014/main" id="{F4E3F44E-C6C6-4A03-A532-EC486CFF9267}"/>
+                  </a:ext>
+                </a:extLst>
+              </p:cNvPr>
+              <p:cNvSpPr/>
+              <p:nvPr/>
+            </p:nvSpPr>
+            <p:spPr>
+              <a:xfrm>
+                <a:off x="3559387" y="2503170"/>
+                <a:ext cx="711200" cy="203835"/>
+              </a:xfrm>
+              <a:prstGeom prst="roundRect">
+                <a:avLst/>
+              </a:prstGeom>
+              <a:noFill/>
+              <a:ln>
+                <a:solidFill>
+                  <a:schemeClr val="tx1"/>
+                </a:solidFill>
+              </a:ln>
+            </p:spPr>
+            <p:style>
+              <a:lnRef idx="2">
+                <a:schemeClr val="accent1">
+                  <a:shade val="50000"/>
+                </a:schemeClr>
+              </a:lnRef>
+              <a:fillRef idx="1">
+                <a:schemeClr val="accent1"/>
+              </a:fillRef>
+              <a:effectRef idx="0">
+                <a:schemeClr val="accent1"/>
+              </a:effectRef>
+              <a:fontRef idx="minor">
+                <a:schemeClr val="lt1"/>
+              </a:fontRef>
+            </p:style>
+            <p:txBody>
+              <a:bodyPr rot="0" spcFirstLastPara="0" vert="horz" wrap="square" lIns="91440" tIns="45720" rIns="91440" bIns="45720" numCol="1" spcCol="0" rtlCol="0" fromWordArt="0" anchor="ctr" anchorCtr="0" forceAA="0" compatLnSpc="1">
+                <a:prstTxWarp prst="textNoShape">
+                  <a:avLst/>
+                </a:prstTxWarp>
+                <a:noAutofit/>
+              </a:bodyPr>
+              <a:lstStyle/>
+              <a:p>
+                <a:endParaRPr lang="en-US"/>
+              </a:p>
+            </p:txBody>
+          </p:sp>
+          <p:sp>
+            <p:nvSpPr>
+              <p:cNvPr id="32" name="Oval 31">
+                <a:extLst>
+                  <a:ext uri="{FF2B5EF4-FFF2-40B4-BE49-F238E27FC236}">
+                    <a16:creationId xmlns:a16="http://schemas.microsoft.com/office/drawing/2014/main" id="{919F45A9-62DA-43F6-9692-1079E106A342}"/>
+                  </a:ext>
+                </a:extLst>
+              </p:cNvPr>
+              <p:cNvSpPr/>
+              <p:nvPr/>
+            </p:nvSpPr>
+            <p:spPr>
+              <a:xfrm>
+                <a:off x="3640032" y="2545080"/>
+                <a:ext cx="134620" cy="128905"/>
+              </a:xfrm>
+              <a:prstGeom prst="ellipse">
+                <a:avLst/>
+              </a:prstGeom>
+              <a:solidFill>
+                <a:schemeClr val="accent1">
+                  <a:lumMod val="40000"/>
+                  <a:lumOff val="60000"/>
+                </a:schemeClr>
+              </a:solidFill>
+              <a:ln>
+                <a:solidFill>
+                  <a:schemeClr val="accent1">
+                    <a:lumMod val="60000"/>
+                    <a:lumOff val="40000"/>
+                  </a:schemeClr>
+                </a:solidFill>
+              </a:ln>
+            </p:spPr>
+            <p:style>
+              <a:lnRef idx="2">
+                <a:schemeClr val="accent1">
+                  <a:shade val="50000"/>
+                </a:schemeClr>
+              </a:lnRef>
+              <a:fillRef idx="1">
+                <a:schemeClr val="accent1"/>
+              </a:fillRef>
+              <a:effectRef idx="0">
+                <a:schemeClr val="accent1"/>
+              </a:effectRef>
+              <a:fontRef idx="minor">
+                <a:schemeClr val="lt1"/>
+              </a:fontRef>
+            </p:style>
+            <p:txBody>
+              <a:bodyPr rot="0" spcFirstLastPara="0" vert="horz" wrap="square" lIns="91440" tIns="45720" rIns="91440" bIns="45720" numCol="1" spcCol="0" rtlCol="0" fromWordArt="0" anchor="ctr" anchorCtr="0" forceAA="0" compatLnSpc="1">
+                <a:prstTxWarp prst="textNoShape">
+                  <a:avLst/>
+                </a:prstTxWarp>
+                <a:noAutofit/>
+              </a:bodyPr>
+              <a:lstStyle/>
+              <a:p>
+                <a:endParaRPr lang="en-US"/>
+              </a:p>
+            </p:txBody>
+          </p:sp>
+          <p:sp>
+            <p:nvSpPr>
+              <p:cNvPr id="33" name="Oval 32">
+                <a:extLst>
+                  <a:ext uri="{FF2B5EF4-FFF2-40B4-BE49-F238E27FC236}">
+                    <a16:creationId xmlns:a16="http://schemas.microsoft.com/office/drawing/2014/main" id="{F849C353-E91D-466F-812A-56B9EC03112B}"/>
+                  </a:ext>
+                </a:extLst>
+              </p:cNvPr>
+              <p:cNvSpPr/>
+              <p:nvPr/>
+            </p:nvSpPr>
+            <p:spPr>
+              <a:xfrm>
+                <a:off x="3851487" y="2545080"/>
+                <a:ext cx="134620" cy="128905"/>
+              </a:xfrm>
+              <a:prstGeom prst="ellipse">
+                <a:avLst/>
+              </a:prstGeom>
+              <a:solidFill>
+                <a:schemeClr val="accent1">
+                  <a:lumMod val="40000"/>
+                  <a:lumOff val="60000"/>
+                </a:schemeClr>
+              </a:solidFill>
+              <a:ln>
+                <a:solidFill>
+                  <a:schemeClr val="accent1">
+                    <a:lumMod val="60000"/>
+                    <a:lumOff val="40000"/>
+                  </a:schemeClr>
+                </a:solidFill>
+              </a:ln>
+            </p:spPr>
+            <p:style>
+              <a:lnRef idx="2">
+                <a:schemeClr val="accent1">
+                  <a:shade val="50000"/>
+                </a:schemeClr>
+              </a:lnRef>
+              <a:fillRef idx="1">
+                <a:schemeClr val="accent1"/>
+              </a:fillRef>
+              <a:effectRef idx="0">
+                <a:schemeClr val="accent1"/>
+              </a:effectRef>
+              <a:fontRef idx="minor">
+                <a:schemeClr val="lt1"/>
+              </a:fontRef>
+            </p:style>
+            <p:txBody>
+              <a:bodyPr rot="0" spcFirstLastPara="0" vert="horz" wrap="square" lIns="91440" tIns="45720" rIns="91440" bIns="45720" numCol="1" spcCol="0" rtlCol="0" fromWordArt="0" anchor="ctr" anchorCtr="0" forceAA="0" compatLnSpc="1">
+                <a:prstTxWarp prst="textNoShape">
+                  <a:avLst/>
+                </a:prstTxWarp>
+                <a:noAutofit/>
+              </a:bodyPr>
+              <a:lstStyle/>
+              <a:p>
+                <a:endParaRPr lang="en-US"/>
+              </a:p>
+            </p:txBody>
+          </p:sp>
+          <p:sp>
+            <p:nvSpPr>
+              <p:cNvPr id="34" name="Oval 33">
+                <a:extLst>
+                  <a:ext uri="{FF2B5EF4-FFF2-40B4-BE49-F238E27FC236}">
+                    <a16:creationId xmlns:a16="http://schemas.microsoft.com/office/drawing/2014/main" id="{058304BF-F614-425D-9E31-9FFE92132914}"/>
+                  </a:ext>
+                </a:extLst>
+              </p:cNvPr>
+              <p:cNvSpPr/>
+              <p:nvPr/>
+            </p:nvSpPr>
+            <p:spPr>
+              <a:xfrm>
+                <a:off x="4063577" y="2545080"/>
+                <a:ext cx="134620" cy="128905"/>
+              </a:xfrm>
+              <a:prstGeom prst="ellipse">
+                <a:avLst/>
+              </a:prstGeom>
+              <a:solidFill>
+                <a:schemeClr val="accent1">
+                  <a:lumMod val="40000"/>
+                  <a:lumOff val="60000"/>
+                </a:schemeClr>
+              </a:solidFill>
+              <a:ln>
+                <a:solidFill>
+                  <a:schemeClr val="accent1">
+                    <a:lumMod val="60000"/>
+                    <a:lumOff val="40000"/>
+                  </a:schemeClr>
+                </a:solidFill>
+              </a:ln>
+            </p:spPr>
+            <p:style>
+              <a:lnRef idx="2">
+                <a:schemeClr val="accent1">
+                  <a:shade val="50000"/>
+                </a:schemeClr>
+              </a:lnRef>
+              <a:fillRef idx="1">
+                <a:schemeClr val="accent1"/>
+              </a:fillRef>
+              <a:effectRef idx="0">
+                <a:schemeClr val="accent1"/>
+              </a:effectRef>
+              <a:fontRef idx="minor">
+                <a:schemeClr val="lt1"/>
+              </a:fontRef>
+            </p:style>
+            <p:txBody>
+              <a:bodyPr rot="0" spcFirstLastPara="0" vert="horz" wrap="square" lIns="91440" tIns="45720" rIns="91440" bIns="45720" numCol="1" spcCol="0" rtlCol="0" fromWordArt="0" anchor="ctr" anchorCtr="0" forceAA="0" compatLnSpc="1">
+                <a:prstTxWarp prst="textNoShape">
+                  <a:avLst/>
+                </a:prstTxWarp>
+                <a:noAutofit/>
+              </a:bodyPr>
+              <a:lstStyle/>
+              <a:p>
+                <a:endParaRPr lang="en-US"/>
+              </a:p>
+            </p:txBody>
+          </p:sp>
+        </p:grpSp>
+        <p:grpSp>
+          <p:nvGrpSpPr>
+            <p:cNvPr id="20" name="Group 19">
+              <a:extLst>
+                <a:ext uri="{FF2B5EF4-FFF2-40B4-BE49-F238E27FC236}">
+                  <a16:creationId xmlns:a16="http://schemas.microsoft.com/office/drawing/2014/main" id="{3B21855E-2D99-4F20-B840-ABBF921E1BFA}"/>
+                </a:ext>
+              </a:extLst>
+            </p:cNvPr>
+            <p:cNvGrpSpPr/>
+            <p:nvPr/>
+          </p:nvGrpSpPr>
+          <p:grpSpPr>
+            <a:xfrm>
+              <a:off x="3557216" y="3703411"/>
+              <a:ext cx="711200" cy="203835"/>
+              <a:chOff x="3559387" y="2503170"/>
+              <a:chExt cx="711200" cy="203835"/>
+            </a:xfrm>
+          </p:grpSpPr>
+          <p:sp>
+            <p:nvSpPr>
+              <p:cNvPr id="27" name="Rectangle: Rounded Corners 26">
+                <a:extLst>
+                  <a:ext uri="{FF2B5EF4-FFF2-40B4-BE49-F238E27FC236}">
+                    <a16:creationId xmlns:a16="http://schemas.microsoft.com/office/drawing/2014/main" id="{FDE632CF-3070-479E-8CF9-1DE690F0E0C6}"/>
+                  </a:ext>
+                </a:extLst>
+              </p:cNvPr>
+              <p:cNvSpPr/>
+              <p:nvPr/>
+            </p:nvSpPr>
+            <p:spPr>
+              <a:xfrm>
+                <a:off x="3559387" y="2503170"/>
+                <a:ext cx="711200" cy="203835"/>
+              </a:xfrm>
+              <a:prstGeom prst="roundRect">
+                <a:avLst/>
+              </a:prstGeom>
+              <a:noFill/>
+              <a:ln>
+                <a:solidFill>
+                  <a:schemeClr val="tx1"/>
+                </a:solidFill>
+              </a:ln>
+            </p:spPr>
+            <p:style>
+              <a:lnRef idx="2">
+                <a:schemeClr val="accent1">
+                  <a:shade val="50000"/>
+                </a:schemeClr>
+              </a:lnRef>
+              <a:fillRef idx="1">
+                <a:schemeClr val="accent1"/>
+              </a:fillRef>
+              <a:effectRef idx="0">
+                <a:schemeClr val="accent1"/>
+              </a:effectRef>
+              <a:fontRef idx="minor">
+                <a:schemeClr val="lt1"/>
+              </a:fontRef>
+            </p:style>
+            <p:txBody>
+              <a:bodyPr rot="0" spcFirstLastPara="0" vert="horz" wrap="square" lIns="91440" tIns="45720" rIns="91440" bIns="45720" numCol="1" spcCol="0" rtlCol="0" fromWordArt="0" anchor="ctr" anchorCtr="0" forceAA="0" compatLnSpc="1">
+                <a:prstTxWarp prst="textNoShape">
+                  <a:avLst/>
+                </a:prstTxWarp>
+                <a:noAutofit/>
+              </a:bodyPr>
+              <a:lstStyle/>
+              <a:p>
+                <a:endParaRPr lang="en-US"/>
+              </a:p>
+            </p:txBody>
+          </p:sp>
+          <p:sp>
+            <p:nvSpPr>
+              <p:cNvPr id="28" name="Oval 27">
+                <a:extLst>
+                  <a:ext uri="{FF2B5EF4-FFF2-40B4-BE49-F238E27FC236}">
+                    <a16:creationId xmlns:a16="http://schemas.microsoft.com/office/drawing/2014/main" id="{ECF3A2E3-D80B-4258-AE6A-04BEDE56C900}"/>
+                  </a:ext>
+                </a:extLst>
+              </p:cNvPr>
+              <p:cNvSpPr/>
+              <p:nvPr/>
+            </p:nvSpPr>
+            <p:spPr>
+              <a:xfrm>
+                <a:off x="3640032" y="2545080"/>
+                <a:ext cx="134620" cy="128905"/>
+              </a:xfrm>
+              <a:prstGeom prst="ellipse">
+                <a:avLst/>
+              </a:prstGeom>
+              <a:solidFill>
+                <a:schemeClr val="accent1">
+                  <a:lumMod val="40000"/>
+                  <a:lumOff val="60000"/>
+                </a:schemeClr>
+              </a:solidFill>
+              <a:ln>
+                <a:solidFill>
+                  <a:schemeClr val="accent1">
+                    <a:lumMod val="60000"/>
+                    <a:lumOff val="40000"/>
+                  </a:schemeClr>
+                </a:solidFill>
+              </a:ln>
+            </p:spPr>
+            <p:style>
+              <a:lnRef idx="2">
+                <a:schemeClr val="accent1">
+                  <a:shade val="50000"/>
+                </a:schemeClr>
+              </a:lnRef>
+              <a:fillRef idx="1">
+                <a:schemeClr val="accent1"/>
+              </a:fillRef>
+              <a:effectRef idx="0">
+                <a:schemeClr val="accent1"/>
+              </a:effectRef>
+              <a:fontRef idx="minor">
+                <a:schemeClr val="lt1"/>
+              </a:fontRef>
+            </p:style>
+            <p:txBody>
+              <a:bodyPr rot="0" spcFirstLastPara="0" vert="horz" wrap="square" lIns="91440" tIns="45720" rIns="91440" bIns="45720" numCol="1" spcCol="0" rtlCol="0" fromWordArt="0" anchor="ctr" anchorCtr="0" forceAA="0" compatLnSpc="1">
+                <a:prstTxWarp prst="textNoShape">
+                  <a:avLst/>
+                </a:prstTxWarp>
+                <a:noAutofit/>
+              </a:bodyPr>
+              <a:lstStyle/>
+              <a:p>
+                <a:endParaRPr lang="en-US"/>
+              </a:p>
+            </p:txBody>
+          </p:sp>
+          <p:sp>
+            <p:nvSpPr>
+              <p:cNvPr id="29" name="Oval 28">
+                <a:extLst>
+                  <a:ext uri="{FF2B5EF4-FFF2-40B4-BE49-F238E27FC236}">
+                    <a16:creationId xmlns:a16="http://schemas.microsoft.com/office/drawing/2014/main" id="{8B309E2B-0DAB-4F51-9B68-61A581BFE109}"/>
+                  </a:ext>
+                </a:extLst>
+              </p:cNvPr>
+              <p:cNvSpPr/>
+              <p:nvPr/>
+            </p:nvSpPr>
+            <p:spPr>
+              <a:xfrm>
+                <a:off x="3851487" y="2545080"/>
+                <a:ext cx="134620" cy="128905"/>
+              </a:xfrm>
+              <a:prstGeom prst="ellipse">
+                <a:avLst/>
+              </a:prstGeom>
+              <a:solidFill>
+                <a:schemeClr val="accent1">
+                  <a:lumMod val="40000"/>
+                  <a:lumOff val="60000"/>
+                </a:schemeClr>
+              </a:solidFill>
+              <a:ln>
+                <a:solidFill>
+                  <a:schemeClr val="accent1">
+                    <a:lumMod val="60000"/>
+                    <a:lumOff val="40000"/>
+                  </a:schemeClr>
+                </a:solidFill>
+              </a:ln>
+            </p:spPr>
+            <p:style>
+              <a:lnRef idx="2">
+                <a:schemeClr val="accent1">
+                  <a:shade val="50000"/>
+                </a:schemeClr>
+              </a:lnRef>
+              <a:fillRef idx="1">
+                <a:schemeClr val="accent1"/>
+              </a:fillRef>
+              <a:effectRef idx="0">
+                <a:schemeClr val="accent1"/>
+              </a:effectRef>
+              <a:fontRef idx="minor">
+                <a:schemeClr val="lt1"/>
+              </a:fontRef>
+            </p:style>
+            <p:txBody>
+              <a:bodyPr rot="0" spcFirstLastPara="0" vert="horz" wrap="square" lIns="91440" tIns="45720" rIns="91440" bIns="45720" numCol="1" spcCol="0" rtlCol="0" fromWordArt="0" anchor="ctr" anchorCtr="0" forceAA="0" compatLnSpc="1">
+                <a:prstTxWarp prst="textNoShape">
+                  <a:avLst/>
+                </a:prstTxWarp>
+                <a:noAutofit/>
+              </a:bodyPr>
+              <a:lstStyle/>
+              <a:p>
+                <a:endParaRPr lang="en-US"/>
+              </a:p>
+            </p:txBody>
+          </p:sp>
+          <p:sp>
+            <p:nvSpPr>
+              <p:cNvPr id="30" name="Oval 29">
+                <a:extLst>
+                  <a:ext uri="{FF2B5EF4-FFF2-40B4-BE49-F238E27FC236}">
+                    <a16:creationId xmlns:a16="http://schemas.microsoft.com/office/drawing/2014/main" id="{D3472EB9-90CE-4595-A36F-F03179F4D293}"/>
+                  </a:ext>
+                </a:extLst>
+              </p:cNvPr>
+              <p:cNvSpPr/>
+              <p:nvPr/>
+            </p:nvSpPr>
+            <p:spPr>
+              <a:xfrm>
+                <a:off x="4063577" y="2545080"/>
+                <a:ext cx="134620" cy="128905"/>
+              </a:xfrm>
+              <a:prstGeom prst="ellipse">
+                <a:avLst/>
+              </a:prstGeom>
+              <a:solidFill>
+                <a:schemeClr val="accent1">
+                  <a:lumMod val="40000"/>
+                  <a:lumOff val="60000"/>
+                </a:schemeClr>
+              </a:solidFill>
+              <a:ln>
+                <a:solidFill>
+                  <a:schemeClr val="accent1">
+                    <a:lumMod val="60000"/>
+                    <a:lumOff val="40000"/>
+                  </a:schemeClr>
+                </a:solidFill>
+              </a:ln>
+            </p:spPr>
+            <p:style>
+              <a:lnRef idx="2">
+                <a:schemeClr val="accent1">
+                  <a:shade val="50000"/>
+                </a:schemeClr>
+              </a:lnRef>
+              <a:fillRef idx="1">
+                <a:schemeClr val="accent1"/>
+              </a:fillRef>
+              <a:effectRef idx="0">
+                <a:schemeClr val="accent1"/>
+              </a:effectRef>
+              <a:fontRef idx="minor">
+                <a:schemeClr val="lt1"/>
+              </a:fontRef>
+            </p:style>
+            <p:txBody>
+              <a:bodyPr rot="0" spcFirstLastPara="0" vert="horz" wrap="square" lIns="91440" tIns="45720" rIns="91440" bIns="45720" numCol="1" spcCol="0" rtlCol="0" fromWordArt="0" anchor="ctr" anchorCtr="0" forceAA="0" compatLnSpc="1">
+                <a:prstTxWarp prst="textNoShape">
+                  <a:avLst/>
+                </a:prstTxWarp>
+                <a:noAutofit/>
+              </a:bodyPr>
+              <a:lstStyle/>
+              <a:p>
+                <a:endParaRPr lang="en-US"/>
+              </a:p>
+            </p:txBody>
+          </p:sp>
+        </p:grpSp>
+        <p:grpSp>
+          <p:nvGrpSpPr>
+            <p:cNvPr id="21" name="Group 20">
+              <a:extLst>
+                <a:ext uri="{FF2B5EF4-FFF2-40B4-BE49-F238E27FC236}">
+                  <a16:creationId xmlns:a16="http://schemas.microsoft.com/office/drawing/2014/main" id="{D3418411-5B78-4CC0-893D-288A5640BBF5}"/>
+                </a:ext>
+              </a:extLst>
+            </p:cNvPr>
+            <p:cNvGrpSpPr/>
+            <p:nvPr/>
+          </p:nvGrpSpPr>
+          <p:grpSpPr>
+            <a:xfrm>
+              <a:off x="3547425" y="4089057"/>
+              <a:ext cx="711200" cy="203835"/>
+              <a:chOff x="3559387" y="2503170"/>
+              <a:chExt cx="711200" cy="203835"/>
+            </a:xfrm>
+          </p:grpSpPr>
+          <p:sp>
+            <p:nvSpPr>
+              <p:cNvPr id="23" name="Rectangle: Rounded Corners 22">
+                <a:extLst>
+                  <a:ext uri="{FF2B5EF4-FFF2-40B4-BE49-F238E27FC236}">
+                    <a16:creationId xmlns:a16="http://schemas.microsoft.com/office/drawing/2014/main" id="{E810F0D5-3F31-4355-8304-C8E04942FA60}"/>
+                  </a:ext>
+                </a:extLst>
+              </p:cNvPr>
+              <p:cNvSpPr/>
+              <p:nvPr/>
+            </p:nvSpPr>
+            <p:spPr>
+              <a:xfrm>
+                <a:off x="3559387" y="2503170"/>
+                <a:ext cx="711200" cy="203835"/>
+              </a:xfrm>
+              <a:prstGeom prst="roundRect">
+                <a:avLst/>
+              </a:prstGeom>
+              <a:noFill/>
+              <a:ln>
+                <a:solidFill>
+                  <a:schemeClr val="tx1"/>
+                </a:solidFill>
+              </a:ln>
+            </p:spPr>
+            <p:style>
+              <a:lnRef idx="2">
+                <a:schemeClr val="accent1">
+                  <a:shade val="50000"/>
+                </a:schemeClr>
+              </a:lnRef>
+              <a:fillRef idx="1">
+                <a:schemeClr val="accent1"/>
+              </a:fillRef>
+              <a:effectRef idx="0">
+                <a:schemeClr val="accent1"/>
+              </a:effectRef>
+              <a:fontRef idx="minor">
+                <a:schemeClr val="lt1"/>
+              </a:fontRef>
+            </p:style>
+            <p:txBody>
+              <a:bodyPr rot="0" spcFirstLastPara="0" vert="horz" wrap="square" lIns="91440" tIns="45720" rIns="91440" bIns="45720" numCol="1" spcCol="0" rtlCol="0" fromWordArt="0" anchor="ctr" anchorCtr="0" forceAA="0" compatLnSpc="1">
+                <a:prstTxWarp prst="textNoShape">
+                  <a:avLst/>
+                </a:prstTxWarp>
+                <a:noAutofit/>
+              </a:bodyPr>
+              <a:lstStyle/>
+              <a:p>
+                <a:endParaRPr lang="en-US"/>
+              </a:p>
+            </p:txBody>
+          </p:sp>
+          <p:sp>
+            <p:nvSpPr>
+              <p:cNvPr id="24" name="Oval 23">
+                <a:extLst>
+                  <a:ext uri="{FF2B5EF4-FFF2-40B4-BE49-F238E27FC236}">
+                    <a16:creationId xmlns:a16="http://schemas.microsoft.com/office/drawing/2014/main" id="{DCD1460E-66B5-464D-B460-C2C0F91E48C2}"/>
+                  </a:ext>
+                </a:extLst>
+              </p:cNvPr>
+              <p:cNvSpPr/>
+              <p:nvPr/>
+            </p:nvSpPr>
+            <p:spPr>
+              <a:xfrm>
+                <a:off x="3640032" y="2545080"/>
+                <a:ext cx="134620" cy="128905"/>
+              </a:xfrm>
+              <a:prstGeom prst="ellipse">
+                <a:avLst/>
+              </a:prstGeom>
+              <a:solidFill>
+                <a:schemeClr val="accent1">
+                  <a:lumMod val="40000"/>
+                  <a:lumOff val="60000"/>
+                </a:schemeClr>
+              </a:solidFill>
+              <a:ln>
+                <a:solidFill>
+                  <a:schemeClr val="accent1">
+                    <a:lumMod val="60000"/>
+                    <a:lumOff val="40000"/>
+                  </a:schemeClr>
+                </a:solidFill>
+              </a:ln>
+            </p:spPr>
+            <p:style>
+              <a:lnRef idx="2">
+                <a:schemeClr val="accent1">
+                  <a:shade val="50000"/>
+                </a:schemeClr>
+              </a:lnRef>
+              <a:fillRef idx="1">
+                <a:schemeClr val="accent1"/>
+              </a:fillRef>
+              <a:effectRef idx="0">
+                <a:schemeClr val="accent1"/>
+              </a:effectRef>
+              <a:fontRef idx="minor">
+                <a:schemeClr val="lt1"/>
+              </a:fontRef>
+            </p:style>
+            <p:txBody>
+              <a:bodyPr rot="0" spcFirstLastPara="0" vert="horz" wrap="square" lIns="91440" tIns="45720" rIns="91440" bIns="45720" numCol="1" spcCol="0" rtlCol="0" fromWordArt="0" anchor="ctr" anchorCtr="0" forceAA="0" compatLnSpc="1">
+                <a:prstTxWarp prst="textNoShape">
+                  <a:avLst/>
+                </a:prstTxWarp>
+                <a:noAutofit/>
+              </a:bodyPr>
+              <a:lstStyle/>
+              <a:p>
+                <a:endParaRPr lang="en-US"/>
+              </a:p>
+            </p:txBody>
+          </p:sp>
+          <p:sp>
+            <p:nvSpPr>
+              <p:cNvPr id="25" name="Oval 24">
+                <a:extLst>
+                  <a:ext uri="{FF2B5EF4-FFF2-40B4-BE49-F238E27FC236}">
+                    <a16:creationId xmlns:a16="http://schemas.microsoft.com/office/drawing/2014/main" id="{75E5BE2C-3C34-459A-9245-1F0AF8BA4E93}"/>
+                  </a:ext>
+                </a:extLst>
+              </p:cNvPr>
+              <p:cNvSpPr/>
+              <p:nvPr/>
+            </p:nvSpPr>
+            <p:spPr>
+              <a:xfrm>
+                <a:off x="3851487" y="2545080"/>
+                <a:ext cx="134620" cy="128905"/>
+              </a:xfrm>
+              <a:prstGeom prst="ellipse">
+                <a:avLst/>
+              </a:prstGeom>
+              <a:solidFill>
+                <a:schemeClr val="accent1">
+                  <a:lumMod val="40000"/>
+                  <a:lumOff val="60000"/>
+                </a:schemeClr>
+              </a:solidFill>
+              <a:ln>
+                <a:solidFill>
+                  <a:schemeClr val="accent1">
+                    <a:lumMod val="60000"/>
+                    <a:lumOff val="40000"/>
+                  </a:schemeClr>
+                </a:solidFill>
+              </a:ln>
+            </p:spPr>
+            <p:style>
+              <a:lnRef idx="2">
+                <a:schemeClr val="accent1">
+                  <a:shade val="50000"/>
+                </a:schemeClr>
+              </a:lnRef>
+              <a:fillRef idx="1">
+                <a:schemeClr val="accent1"/>
+              </a:fillRef>
+              <a:effectRef idx="0">
+                <a:schemeClr val="accent1"/>
+              </a:effectRef>
+              <a:fontRef idx="minor">
+                <a:schemeClr val="lt1"/>
+              </a:fontRef>
+            </p:style>
+            <p:txBody>
+              <a:bodyPr rot="0" spcFirstLastPara="0" vert="horz" wrap="square" lIns="91440" tIns="45720" rIns="91440" bIns="45720" numCol="1" spcCol="0" rtlCol="0" fromWordArt="0" anchor="ctr" anchorCtr="0" forceAA="0" compatLnSpc="1">
+                <a:prstTxWarp prst="textNoShape">
+                  <a:avLst/>
+                </a:prstTxWarp>
+                <a:noAutofit/>
+              </a:bodyPr>
+              <a:lstStyle/>
+              <a:p>
+                <a:endParaRPr lang="en-US"/>
+              </a:p>
+            </p:txBody>
+          </p:sp>
+          <p:sp>
+            <p:nvSpPr>
+              <p:cNvPr id="26" name="Oval 25">
+                <a:extLst>
+                  <a:ext uri="{FF2B5EF4-FFF2-40B4-BE49-F238E27FC236}">
+                    <a16:creationId xmlns:a16="http://schemas.microsoft.com/office/drawing/2014/main" id="{EE5E03DA-8B06-4933-933A-650E8EEC5F96}"/>
+                  </a:ext>
+                </a:extLst>
+              </p:cNvPr>
+              <p:cNvSpPr/>
+              <p:nvPr/>
+            </p:nvSpPr>
+            <p:spPr>
+              <a:xfrm>
+                <a:off x="4063577" y="2545080"/>
+                <a:ext cx="134620" cy="128905"/>
+              </a:xfrm>
+              <a:prstGeom prst="ellipse">
+                <a:avLst/>
+              </a:prstGeom>
+              <a:solidFill>
+                <a:schemeClr val="accent1">
+                  <a:lumMod val="40000"/>
+                  <a:lumOff val="60000"/>
+                </a:schemeClr>
+              </a:solidFill>
+              <a:ln>
+                <a:solidFill>
+                  <a:schemeClr val="accent1">
+                    <a:lumMod val="60000"/>
+                    <a:lumOff val="40000"/>
+                  </a:schemeClr>
+                </a:solidFill>
+              </a:ln>
+            </p:spPr>
+            <p:style>
+              <a:lnRef idx="2">
+                <a:schemeClr val="accent1">
+                  <a:shade val="50000"/>
+                </a:schemeClr>
+              </a:lnRef>
+              <a:fillRef idx="1">
+                <a:schemeClr val="accent1"/>
+              </a:fillRef>
+              <a:effectRef idx="0">
+                <a:schemeClr val="accent1"/>
+              </a:effectRef>
+              <a:fontRef idx="minor">
+                <a:schemeClr val="lt1"/>
+              </a:fontRef>
+            </p:style>
+            <p:txBody>
+              <a:bodyPr rot="0" spcFirstLastPara="0" vert="horz" wrap="square" lIns="91440" tIns="45720" rIns="91440" bIns="45720" numCol="1" spcCol="0" rtlCol="0" fromWordArt="0" anchor="ctr" anchorCtr="0" forceAA="0" compatLnSpc="1">
+                <a:prstTxWarp prst="textNoShape">
+                  <a:avLst/>
+                </a:prstTxWarp>
+                <a:noAutofit/>
+              </a:bodyPr>
+              <a:lstStyle/>
+              <a:p>
+                <a:endParaRPr lang="en-US"/>
+              </a:p>
+            </p:txBody>
+          </p:sp>
+        </p:grpSp>
+        <p:sp>
+          <p:nvSpPr>
+            <p:cNvPr id="22" name="TextBox 21">
+              <a:extLst>
+                <a:ext uri="{FF2B5EF4-FFF2-40B4-BE49-F238E27FC236}">
+                  <a16:creationId xmlns:a16="http://schemas.microsoft.com/office/drawing/2014/main" id="{8F6839A9-5229-4F58-838D-C95D41B5F4AC}"/>
+                </a:ext>
+              </a:extLst>
+            </p:cNvPr>
+            <p:cNvSpPr txBox="1"/>
+            <p:nvPr/>
+          </p:nvSpPr>
+          <p:spPr>
+            <a:xfrm>
+              <a:off x="3748522" y="3243174"/>
+              <a:ext cx="343364" cy="369332"/>
+            </a:xfrm>
+            <a:prstGeom prst="rect">
+              <a:avLst/>
+            </a:prstGeom>
+            <a:noFill/>
+          </p:spPr>
+          <p:txBody>
+            <a:bodyPr wrap="none" rtlCol="0">
+              <a:spAutoFit/>
+            </a:bodyPr>
+            <a:lstStyle/>
+            <a:p>
+              <a:r>
+                <a:rPr lang="en-US" dirty="0"/>
+                <a:t>…</a:t>
+              </a:r>
+            </a:p>
+          </p:txBody>
+        </p:sp>
+      </p:grpSp>
+      <p:sp>
+        <p:nvSpPr>
+          <p:cNvPr id="40" name="TextBox 39">
+            <a:extLst>
+              <a:ext uri="{FF2B5EF4-FFF2-40B4-BE49-F238E27FC236}">
+                <a16:creationId xmlns:a16="http://schemas.microsoft.com/office/drawing/2014/main" id="{CA72FC33-55F1-4517-8F44-2EFAD7965AF8}"/>
+              </a:ext>
+            </a:extLst>
+          </p:cNvPr>
+          <p:cNvSpPr txBox="1"/>
+          <p:nvPr/>
+        </p:nvSpPr>
+        <p:spPr>
+          <a:xfrm>
+            <a:off x="2529431" y="1511223"/>
+            <a:ext cx="1669368" cy="923330"/>
+          </a:xfrm>
+          <a:prstGeom prst="rect">
+            <a:avLst/>
+          </a:prstGeom>
+          <a:noFill/>
+        </p:spPr>
+        <p:txBody>
+          <a:bodyPr wrap="none" rtlCol="0">
+            <a:spAutoFit/>
+          </a:bodyPr>
+          <a:lstStyle/>
+          <a:p>
+            <a:pPr algn="ctr"/>
+            <a:r>
+              <a:rPr lang="en-US" dirty="0"/>
+              <a:t>Node</a:t>
+            </a:r>
+          </a:p>
+          <a:p>
+            <a:pPr algn="ctr"/>
+            <a:r>
+              <a:rPr lang="en-US" dirty="0"/>
+              <a:t>Representation</a:t>
+            </a:r>
+          </a:p>
+          <a:p>
+            <a:pPr algn="ctr"/>
+            <a:r>
+              <a:rPr lang="en-US" dirty="0"/>
+              <a:t>Vectors</a:t>
+            </a:r>
+          </a:p>
+        </p:txBody>
+      </p:sp>
+      <p:grpSp>
+        <p:nvGrpSpPr>
+          <p:cNvPr id="41" name="Group 40">
+            <a:extLst>
+              <a:ext uri="{FF2B5EF4-FFF2-40B4-BE49-F238E27FC236}">
+                <a16:creationId xmlns:a16="http://schemas.microsoft.com/office/drawing/2014/main" id="{1A6D8444-96A1-4906-86BF-AC0B1FA5D0BA}"/>
+              </a:ext>
+            </a:extLst>
+          </p:cNvPr>
+          <p:cNvGrpSpPr/>
+          <p:nvPr/>
+        </p:nvGrpSpPr>
+        <p:grpSpPr>
+          <a:xfrm>
+            <a:off x="4179127" y="3897019"/>
+            <a:ext cx="720991" cy="1610870"/>
+            <a:chOff x="3547425" y="2682022"/>
+            <a:chExt cx="720991" cy="1610870"/>
+          </a:xfrm>
+        </p:grpSpPr>
+        <p:grpSp>
+          <p:nvGrpSpPr>
+            <p:cNvPr id="42" name="Group 41">
+              <a:extLst>
+                <a:ext uri="{FF2B5EF4-FFF2-40B4-BE49-F238E27FC236}">
+                  <a16:creationId xmlns:a16="http://schemas.microsoft.com/office/drawing/2014/main" id="{BD3C18C7-AE62-41E0-9E07-F400938EDBD8}"/>
+                </a:ext>
+              </a:extLst>
+            </p:cNvPr>
+            <p:cNvGrpSpPr/>
+            <p:nvPr/>
+          </p:nvGrpSpPr>
+          <p:grpSpPr>
+            <a:xfrm>
+              <a:off x="3553406" y="2682022"/>
+              <a:ext cx="711200" cy="203835"/>
+              <a:chOff x="3559387" y="2503170"/>
+              <a:chExt cx="711200" cy="203835"/>
+            </a:xfrm>
+          </p:grpSpPr>
+          <p:sp>
+            <p:nvSpPr>
+              <p:cNvPr id="59" name="Rectangle: Rounded Corners 58">
+                <a:extLst>
+                  <a:ext uri="{FF2B5EF4-FFF2-40B4-BE49-F238E27FC236}">
+                    <a16:creationId xmlns:a16="http://schemas.microsoft.com/office/drawing/2014/main" id="{5A31863F-AC95-4FF6-AEE7-27B26AFF97DE}"/>
+                  </a:ext>
+                </a:extLst>
+              </p:cNvPr>
+              <p:cNvSpPr/>
+              <p:nvPr/>
+            </p:nvSpPr>
+            <p:spPr>
+              <a:xfrm>
+                <a:off x="3559387" y="2503170"/>
+                <a:ext cx="711200" cy="203835"/>
+              </a:xfrm>
+              <a:prstGeom prst="roundRect">
+                <a:avLst/>
+              </a:prstGeom>
+              <a:noFill/>
+              <a:ln>
+                <a:solidFill>
+                  <a:schemeClr val="tx1"/>
+                </a:solidFill>
+              </a:ln>
+            </p:spPr>
+            <p:style>
+              <a:lnRef idx="2">
+                <a:schemeClr val="accent1">
+                  <a:shade val="50000"/>
+                </a:schemeClr>
+              </a:lnRef>
+              <a:fillRef idx="1">
+                <a:schemeClr val="accent1"/>
+              </a:fillRef>
+              <a:effectRef idx="0">
+                <a:schemeClr val="accent1"/>
+              </a:effectRef>
+              <a:fontRef idx="minor">
+                <a:schemeClr val="lt1"/>
+              </a:fontRef>
+            </p:style>
+            <p:txBody>
+              <a:bodyPr rot="0" spcFirstLastPara="0" vert="horz" wrap="square" lIns="91440" tIns="45720" rIns="91440" bIns="45720" numCol="1" spcCol="0" rtlCol="0" fromWordArt="0" anchor="ctr" anchorCtr="0" forceAA="0" compatLnSpc="1">
+                <a:prstTxWarp prst="textNoShape">
+                  <a:avLst/>
+                </a:prstTxWarp>
+                <a:noAutofit/>
+              </a:bodyPr>
+              <a:lstStyle/>
+              <a:p>
+                <a:endParaRPr lang="en-US"/>
+              </a:p>
+            </p:txBody>
+          </p:sp>
+          <p:sp>
+            <p:nvSpPr>
+              <p:cNvPr id="60" name="Oval 59">
+                <a:extLst>
+                  <a:ext uri="{FF2B5EF4-FFF2-40B4-BE49-F238E27FC236}">
+                    <a16:creationId xmlns:a16="http://schemas.microsoft.com/office/drawing/2014/main" id="{A9C983F9-208B-411C-9AE4-E564A8B8B52A}"/>
+                  </a:ext>
+                </a:extLst>
+              </p:cNvPr>
+              <p:cNvSpPr/>
+              <p:nvPr/>
+            </p:nvSpPr>
+            <p:spPr>
+              <a:xfrm>
+                <a:off x="3640032" y="2545080"/>
+                <a:ext cx="134620" cy="128905"/>
+              </a:xfrm>
+              <a:prstGeom prst="ellipse">
+                <a:avLst/>
+              </a:prstGeom>
+              <a:solidFill>
+                <a:schemeClr val="accent2">
+                  <a:lumMod val="20000"/>
+                  <a:lumOff val="80000"/>
+                </a:schemeClr>
+              </a:solidFill>
+              <a:ln>
+                <a:solidFill>
+                  <a:schemeClr val="accent1">
+                    <a:lumMod val="60000"/>
+                    <a:lumOff val="40000"/>
+                  </a:schemeClr>
+                </a:solidFill>
+              </a:ln>
+            </p:spPr>
+            <p:style>
+              <a:lnRef idx="2">
+                <a:schemeClr val="accent1">
+                  <a:shade val="50000"/>
+                </a:schemeClr>
+              </a:lnRef>
+              <a:fillRef idx="1">
+                <a:schemeClr val="accent1"/>
+              </a:fillRef>
+              <a:effectRef idx="0">
+                <a:schemeClr val="accent1"/>
+              </a:effectRef>
+              <a:fontRef idx="minor">
+                <a:schemeClr val="lt1"/>
+              </a:fontRef>
+            </p:style>
+            <p:txBody>
+              <a:bodyPr rot="0" spcFirstLastPara="0" vert="horz" wrap="square" lIns="91440" tIns="45720" rIns="91440" bIns="45720" numCol="1" spcCol="0" rtlCol="0" fromWordArt="0" anchor="ctr" anchorCtr="0" forceAA="0" compatLnSpc="1">
+                <a:prstTxWarp prst="textNoShape">
+                  <a:avLst/>
+                </a:prstTxWarp>
+                <a:noAutofit/>
+              </a:bodyPr>
+              <a:lstStyle/>
+              <a:p>
+                <a:endParaRPr lang="en-US"/>
+              </a:p>
+            </p:txBody>
+          </p:sp>
+          <p:sp>
+            <p:nvSpPr>
+              <p:cNvPr id="61" name="Oval 60">
+                <a:extLst>
+                  <a:ext uri="{FF2B5EF4-FFF2-40B4-BE49-F238E27FC236}">
+                    <a16:creationId xmlns:a16="http://schemas.microsoft.com/office/drawing/2014/main" id="{DBEEB066-09E1-4AD5-B0C8-ACC81D7AF846}"/>
+                  </a:ext>
+                </a:extLst>
+              </p:cNvPr>
+              <p:cNvSpPr/>
+              <p:nvPr/>
+            </p:nvSpPr>
+            <p:spPr>
+              <a:xfrm>
+                <a:off x="3851487" y="2545080"/>
+                <a:ext cx="134620" cy="128905"/>
+              </a:xfrm>
+              <a:prstGeom prst="ellipse">
+                <a:avLst/>
+              </a:prstGeom>
+              <a:solidFill>
+                <a:schemeClr val="accent2">
+                  <a:lumMod val="20000"/>
+                  <a:lumOff val="80000"/>
+                </a:schemeClr>
+              </a:solidFill>
+              <a:ln>
+                <a:solidFill>
+                  <a:schemeClr val="accent1">
+                    <a:lumMod val="60000"/>
+                    <a:lumOff val="40000"/>
+                  </a:schemeClr>
+                </a:solidFill>
+              </a:ln>
+            </p:spPr>
+            <p:style>
+              <a:lnRef idx="2">
+                <a:schemeClr val="accent1">
+                  <a:shade val="50000"/>
+                </a:schemeClr>
+              </a:lnRef>
+              <a:fillRef idx="1">
+                <a:schemeClr val="accent1"/>
+              </a:fillRef>
+              <a:effectRef idx="0">
+                <a:schemeClr val="accent1"/>
+              </a:effectRef>
+              <a:fontRef idx="minor">
+                <a:schemeClr val="lt1"/>
+              </a:fontRef>
+            </p:style>
+            <p:txBody>
+              <a:bodyPr rot="0" spcFirstLastPara="0" vert="horz" wrap="square" lIns="91440" tIns="45720" rIns="91440" bIns="45720" numCol="1" spcCol="0" rtlCol="0" fromWordArt="0" anchor="ctr" anchorCtr="0" forceAA="0" compatLnSpc="1">
+                <a:prstTxWarp prst="textNoShape">
+                  <a:avLst/>
+                </a:prstTxWarp>
+                <a:noAutofit/>
+              </a:bodyPr>
+              <a:lstStyle/>
+              <a:p>
+                <a:endParaRPr lang="en-US"/>
+              </a:p>
+            </p:txBody>
+          </p:sp>
+          <p:sp>
+            <p:nvSpPr>
+              <p:cNvPr id="62" name="Oval 61">
+                <a:extLst>
+                  <a:ext uri="{FF2B5EF4-FFF2-40B4-BE49-F238E27FC236}">
+                    <a16:creationId xmlns:a16="http://schemas.microsoft.com/office/drawing/2014/main" id="{7ADB48A7-600D-427F-A638-4BBC9B52EBAD}"/>
+                  </a:ext>
+                </a:extLst>
+              </p:cNvPr>
+              <p:cNvSpPr/>
+              <p:nvPr/>
+            </p:nvSpPr>
+            <p:spPr>
+              <a:xfrm>
+                <a:off x="4063577" y="2545080"/>
+                <a:ext cx="134620" cy="128905"/>
+              </a:xfrm>
+              <a:prstGeom prst="ellipse">
+                <a:avLst/>
+              </a:prstGeom>
+              <a:solidFill>
+                <a:schemeClr val="accent2">
+                  <a:lumMod val="20000"/>
+                  <a:lumOff val="80000"/>
+                </a:schemeClr>
+              </a:solidFill>
+              <a:ln>
+                <a:solidFill>
+                  <a:schemeClr val="accent1">
+                    <a:lumMod val="60000"/>
+                    <a:lumOff val="40000"/>
+                  </a:schemeClr>
+                </a:solidFill>
+              </a:ln>
+            </p:spPr>
+            <p:style>
+              <a:lnRef idx="2">
+                <a:schemeClr val="accent1">
+                  <a:shade val="50000"/>
+                </a:schemeClr>
+              </a:lnRef>
+              <a:fillRef idx="1">
+                <a:schemeClr val="accent1"/>
+              </a:fillRef>
+              <a:effectRef idx="0">
+                <a:schemeClr val="accent1"/>
+              </a:effectRef>
+              <a:fontRef idx="minor">
+                <a:schemeClr val="lt1"/>
+              </a:fontRef>
+            </p:style>
+            <p:txBody>
+              <a:bodyPr rot="0" spcFirstLastPara="0" vert="horz" wrap="square" lIns="91440" tIns="45720" rIns="91440" bIns="45720" numCol="1" spcCol="0" rtlCol="0" fromWordArt="0" anchor="ctr" anchorCtr="0" forceAA="0" compatLnSpc="1">
+                <a:prstTxWarp prst="textNoShape">
+                  <a:avLst/>
+                </a:prstTxWarp>
+                <a:noAutofit/>
+              </a:bodyPr>
+              <a:lstStyle/>
+              <a:p>
+                <a:endParaRPr lang="en-US"/>
+              </a:p>
+            </p:txBody>
+          </p:sp>
+        </p:grpSp>
+        <p:grpSp>
+          <p:nvGrpSpPr>
+            <p:cNvPr id="43" name="Group 42">
+              <a:extLst>
+                <a:ext uri="{FF2B5EF4-FFF2-40B4-BE49-F238E27FC236}">
+                  <a16:creationId xmlns:a16="http://schemas.microsoft.com/office/drawing/2014/main" id="{4D692AFA-C4B7-4B43-8F6E-938183374ADB}"/>
+                </a:ext>
+              </a:extLst>
+            </p:cNvPr>
+            <p:cNvGrpSpPr/>
+            <p:nvPr/>
+          </p:nvGrpSpPr>
+          <p:grpSpPr>
+            <a:xfrm>
+              <a:off x="3557216" y="3064709"/>
+              <a:ext cx="711200" cy="203835"/>
+              <a:chOff x="3559387" y="2503170"/>
+              <a:chExt cx="711200" cy="203835"/>
+            </a:xfrm>
+          </p:grpSpPr>
+          <p:sp>
+            <p:nvSpPr>
+              <p:cNvPr id="55" name="Rectangle: Rounded Corners 54">
+                <a:extLst>
+                  <a:ext uri="{FF2B5EF4-FFF2-40B4-BE49-F238E27FC236}">
+                    <a16:creationId xmlns:a16="http://schemas.microsoft.com/office/drawing/2014/main" id="{FF6033CA-3114-43A2-84C2-59CC9E97A0EA}"/>
+                  </a:ext>
+                </a:extLst>
+              </p:cNvPr>
+              <p:cNvSpPr/>
+              <p:nvPr/>
+            </p:nvSpPr>
+            <p:spPr>
+              <a:xfrm>
+                <a:off x="3559387" y="2503170"/>
+                <a:ext cx="711200" cy="203835"/>
+              </a:xfrm>
+              <a:prstGeom prst="roundRect">
+                <a:avLst/>
+              </a:prstGeom>
+              <a:noFill/>
+              <a:ln>
+                <a:solidFill>
+                  <a:schemeClr val="tx1"/>
+                </a:solidFill>
+              </a:ln>
+            </p:spPr>
+            <p:style>
+              <a:lnRef idx="2">
+                <a:schemeClr val="accent1">
+                  <a:shade val="50000"/>
+                </a:schemeClr>
+              </a:lnRef>
+              <a:fillRef idx="1">
+                <a:schemeClr val="accent1"/>
+              </a:fillRef>
+              <a:effectRef idx="0">
+                <a:schemeClr val="accent1"/>
+              </a:effectRef>
+              <a:fontRef idx="minor">
+                <a:schemeClr val="lt1"/>
+              </a:fontRef>
+            </p:style>
+            <p:txBody>
+              <a:bodyPr rot="0" spcFirstLastPara="0" vert="horz" wrap="square" lIns="91440" tIns="45720" rIns="91440" bIns="45720" numCol="1" spcCol="0" rtlCol="0" fromWordArt="0" anchor="ctr" anchorCtr="0" forceAA="0" compatLnSpc="1">
+                <a:prstTxWarp prst="textNoShape">
+                  <a:avLst/>
+                </a:prstTxWarp>
+                <a:noAutofit/>
+              </a:bodyPr>
+              <a:lstStyle/>
+              <a:p>
+                <a:endParaRPr lang="en-US"/>
+              </a:p>
+            </p:txBody>
+          </p:sp>
+          <p:sp>
+            <p:nvSpPr>
+              <p:cNvPr id="56" name="Oval 55">
+                <a:extLst>
+                  <a:ext uri="{FF2B5EF4-FFF2-40B4-BE49-F238E27FC236}">
+                    <a16:creationId xmlns:a16="http://schemas.microsoft.com/office/drawing/2014/main" id="{DD974334-9BA3-47C2-8BB9-95AECAAE67E4}"/>
+                  </a:ext>
+                </a:extLst>
+              </p:cNvPr>
+              <p:cNvSpPr/>
+              <p:nvPr/>
+            </p:nvSpPr>
+            <p:spPr>
+              <a:xfrm>
+                <a:off x="3640032" y="2545080"/>
+                <a:ext cx="134620" cy="128905"/>
+              </a:xfrm>
+              <a:prstGeom prst="ellipse">
+                <a:avLst/>
+              </a:prstGeom>
+              <a:solidFill>
+                <a:schemeClr val="accent2">
+                  <a:lumMod val="20000"/>
+                  <a:lumOff val="80000"/>
+                </a:schemeClr>
+              </a:solidFill>
+              <a:ln>
+                <a:solidFill>
+                  <a:schemeClr val="accent1">
+                    <a:lumMod val="60000"/>
+                    <a:lumOff val="40000"/>
+                  </a:schemeClr>
+                </a:solidFill>
+              </a:ln>
+            </p:spPr>
+            <p:style>
+              <a:lnRef idx="2">
+                <a:schemeClr val="accent1">
+                  <a:shade val="50000"/>
+                </a:schemeClr>
+              </a:lnRef>
+              <a:fillRef idx="1">
+                <a:schemeClr val="accent1"/>
+              </a:fillRef>
+              <a:effectRef idx="0">
+                <a:schemeClr val="accent1"/>
+              </a:effectRef>
+              <a:fontRef idx="minor">
+                <a:schemeClr val="lt1"/>
+              </a:fontRef>
+            </p:style>
+            <p:txBody>
+              <a:bodyPr rot="0" spcFirstLastPara="0" vert="horz" wrap="square" lIns="91440" tIns="45720" rIns="91440" bIns="45720" numCol="1" spcCol="0" rtlCol="0" fromWordArt="0" anchor="ctr" anchorCtr="0" forceAA="0" compatLnSpc="1">
+                <a:prstTxWarp prst="textNoShape">
+                  <a:avLst/>
+                </a:prstTxWarp>
+                <a:noAutofit/>
+              </a:bodyPr>
+              <a:lstStyle/>
+              <a:p>
+                <a:endParaRPr lang="en-US"/>
+              </a:p>
+            </p:txBody>
+          </p:sp>
+          <p:sp>
+            <p:nvSpPr>
+              <p:cNvPr id="57" name="Oval 56">
+                <a:extLst>
+                  <a:ext uri="{FF2B5EF4-FFF2-40B4-BE49-F238E27FC236}">
+                    <a16:creationId xmlns:a16="http://schemas.microsoft.com/office/drawing/2014/main" id="{BCE8FA90-E3FF-4041-BBE0-5585613083F3}"/>
+                  </a:ext>
+                </a:extLst>
+              </p:cNvPr>
+              <p:cNvSpPr/>
+              <p:nvPr/>
+            </p:nvSpPr>
+            <p:spPr>
+              <a:xfrm>
+                <a:off x="3851487" y="2545080"/>
+                <a:ext cx="134620" cy="128905"/>
+              </a:xfrm>
+              <a:prstGeom prst="ellipse">
+                <a:avLst/>
+              </a:prstGeom>
+              <a:solidFill>
+                <a:schemeClr val="accent2">
+                  <a:lumMod val="20000"/>
+                  <a:lumOff val="80000"/>
+                </a:schemeClr>
+              </a:solidFill>
+              <a:ln>
+                <a:solidFill>
+                  <a:schemeClr val="accent1">
+                    <a:lumMod val="60000"/>
+                    <a:lumOff val="40000"/>
+                  </a:schemeClr>
+                </a:solidFill>
+              </a:ln>
+            </p:spPr>
+            <p:style>
+              <a:lnRef idx="2">
+                <a:schemeClr val="accent1">
+                  <a:shade val="50000"/>
+                </a:schemeClr>
+              </a:lnRef>
+              <a:fillRef idx="1">
+                <a:schemeClr val="accent1"/>
+              </a:fillRef>
+              <a:effectRef idx="0">
+                <a:schemeClr val="accent1"/>
+              </a:effectRef>
+              <a:fontRef idx="minor">
+                <a:schemeClr val="lt1"/>
+              </a:fontRef>
+            </p:style>
+            <p:txBody>
+              <a:bodyPr rot="0" spcFirstLastPara="0" vert="horz" wrap="square" lIns="91440" tIns="45720" rIns="91440" bIns="45720" numCol="1" spcCol="0" rtlCol="0" fromWordArt="0" anchor="ctr" anchorCtr="0" forceAA="0" compatLnSpc="1">
+                <a:prstTxWarp prst="textNoShape">
+                  <a:avLst/>
+                </a:prstTxWarp>
+                <a:noAutofit/>
+              </a:bodyPr>
+              <a:lstStyle/>
+              <a:p>
+                <a:endParaRPr lang="en-US"/>
+              </a:p>
+            </p:txBody>
+          </p:sp>
+          <p:sp>
+            <p:nvSpPr>
+              <p:cNvPr id="58" name="Oval 57">
+                <a:extLst>
+                  <a:ext uri="{FF2B5EF4-FFF2-40B4-BE49-F238E27FC236}">
+                    <a16:creationId xmlns:a16="http://schemas.microsoft.com/office/drawing/2014/main" id="{9DBD706C-F503-45CC-82A9-D7AD57F1F32E}"/>
+                  </a:ext>
+                </a:extLst>
+              </p:cNvPr>
+              <p:cNvSpPr/>
+              <p:nvPr/>
+            </p:nvSpPr>
+            <p:spPr>
+              <a:xfrm>
+                <a:off x="4063577" y="2545080"/>
+                <a:ext cx="134620" cy="128905"/>
+              </a:xfrm>
+              <a:prstGeom prst="ellipse">
+                <a:avLst/>
+              </a:prstGeom>
+              <a:solidFill>
+                <a:schemeClr val="accent2">
+                  <a:lumMod val="20000"/>
+                  <a:lumOff val="80000"/>
+                </a:schemeClr>
+              </a:solidFill>
+              <a:ln>
+                <a:solidFill>
+                  <a:schemeClr val="accent1">
+                    <a:lumMod val="60000"/>
+                    <a:lumOff val="40000"/>
+                  </a:schemeClr>
+                </a:solidFill>
+              </a:ln>
+            </p:spPr>
+            <p:style>
+              <a:lnRef idx="2">
+                <a:schemeClr val="accent1">
+                  <a:shade val="50000"/>
+                </a:schemeClr>
+              </a:lnRef>
+              <a:fillRef idx="1">
+                <a:schemeClr val="accent1"/>
+              </a:fillRef>
+              <a:effectRef idx="0">
+                <a:schemeClr val="accent1"/>
+              </a:effectRef>
+              <a:fontRef idx="minor">
+                <a:schemeClr val="lt1"/>
+              </a:fontRef>
+            </p:style>
+            <p:txBody>
+              <a:bodyPr rot="0" spcFirstLastPara="0" vert="horz" wrap="square" lIns="91440" tIns="45720" rIns="91440" bIns="45720" numCol="1" spcCol="0" rtlCol="0" fromWordArt="0" anchor="ctr" anchorCtr="0" forceAA="0" compatLnSpc="1">
+                <a:prstTxWarp prst="textNoShape">
+                  <a:avLst/>
+                </a:prstTxWarp>
+                <a:noAutofit/>
+              </a:bodyPr>
+              <a:lstStyle/>
+              <a:p>
+                <a:endParaRPr lang="en-US"/>
+              </a:p>
+            </p:txBody>
+          </p:sp>
+        </p:grpSp>
+        <p:grpSp>
+          <p:nvGrpSpPr>
+            <p:cNvPr id="44" name="Group 43">
+              <a:extLst>
+                <a:ext uri="{FF2B5EF4-FFF2-40B4-BE49-F238E27FC236}">
+                  <a16:creationId xmlns:a16="http://schemas.microsoft.com/office/drawing/2014/main" id="{271F6C86-74C6-49DD-8260-D98A8F2ABF5F}"/>
+                </a:ext>
+              </a:extLst>
+            </p:cNvPr>
+            <p:cNvGrpSpPr/>
+            <p:nvPr/>
+          </p:nvGrpSpPr>
+          <p:grpSpPr>
+            <a:xfrm>
+              <a:off x="3557216" y="3703411"/>
+              <a:ext cx="711200" cy="203835"/>
+              <a:chOff x="3559387" y="2503170"/>
+              <a:chExt cx="711200" cy="203835"/>
+            </a:xfrm>
+          </p:grpSpPr>
+          <p:sp>
+            <p:nvSpPr>
+              <p:cNvPr id="51" name="Rectangle: Rounded Corners 50">
+                <a:extLst>
+                  <a:ext uri="{FF2B5EF4-FFF2-40B4-BE49-F238E27FC236}">
+                    <a16:creationId xmlns:a16="http://schemas.microsoft.com/office/drawing/2014/main" id="{3D316C4A-B8B4-4D80-96E5-9E084920256E}"/>
+                  </a:ext>
+                </a:extLst>
+              </p:cNvPr>
+              <p:cNvSpPr/>
+              <p:nvPr/>
+            </p:nvSpPr>
+            <p:spPr>
+              <a:xfrm>
+                <a:off x="3559387" y="2503170"/>
+                <a:ext cx="711200" cy="203835"/>
+              </a:xfrm>
+              <a:prstGeom prst="roundRect">
+                <a:avLst/>
+              </a:prstGeom>
+              <a:noFill/>
+              <a:ln>
+                <a:solidFill>
+                  <a:schemeClr val="tx1"/>
+                </a:solidFill>
+              </a:ln>
+            </p:spPr>
+            <p:style>
+              <a:lnRef idx="2">
+                <a:schemeClr val="accent1">
+                  <a:shade val="50000"/>
+                </a:schemeClr>
+              </a:lnRef>
+              <a:fillRef idx="1">
+                <a:schemeClr val="accent1"/>
+              </a:fillRef>
+              <a:effectRef idx="0">
+                <a:schemeClr val="accent1"/>
+              </a:effectRef>
+              <a:fontRef idx="minor">
+                <a:schemeClr val="lt1"/>
+              </a:fontRef>
+            </p:style>
+            <p:txBody>
+              <a:bodyPr rot="0" spcFirstLastPara="0" vert="horz" wrap="square" lIns="91440" tIns="45720" rIns="91440" bIns="45720" numCol="1" spcCol="0" rtlCol="0" fromWordArt="0" anchor="ctr" anchorCtr="0" forceAA="0" compatLnSpc="1">
+                <a:prstTxWarp prst="textNoShape">
+                  <a:avLst/>
+                </a:prstTxWarp>
+                <a:noAutofit/>
+              </a:bodyPr>
+              <a:lstStyle/>
+              <a:p>
+                <a:endParaRPr lang="en-US"/>
+              </a:p>
+            </p:txBody>
+          </p:sp>
+          <p:sp>
+            <p:nvSpPr>
+              <p:cNvPr id="52" name="Oval 51">
+                <a:extLst>
+                  <a:ext uri="{FF2B5EF4-FFF2-40B4-BE49-F238E27FC236}">
+                    <a16:creationId xmlns:a16="http://schemas.microsoft.com/office/drawing/2014/main" id="{F48BDB00-F0C3-470C-9271-BEC864E2D8D2}"/>
+                  </a:ext>
+                </a:extLst>
+              </p:cNvPr>
+              <p:cNvSpPr/>
+              <p:nvPr/>
+            </p:nvSpPr>
+            <p:spPr>
+              <a:xfrm>
+                <a:off x="3640032" y="2545080"/>
+                <a:ext cx="134620" cy="128905"/>
+              </a:xfrm>
+              <a:prstGeom prst="ellipse">
+                <a:avLst/>
+              </a:prstGeom>
+              <a:solidFill>
+                <a:schemeClr val="accent2">
+                  <a:lumMod val="20000"/>
+                  <a:lumOff val="80000"/>
+                </a:schemeClr>
+              </a:solidFill>
+              <a:ln>
+                <a:solidFill>
+                  <a:schemeClr val="accent1">
+                    <a:lumMod val="60000"/>
+                    <a:lumOff val="40000"/>
+                  </a:schemeClr>
+                </a:solidFill>
+              </a:ln>
+            </p:spPr>
+            <p:style>
+              <a:lnRef idx="2">
+                <a:schemeClr val="accent1">
+                  <a:shade val="50000"/>
+                </a:schemeClr>
+              </a:lnRef>
+              <a:fillRef idx="1">
+                <a:schemeClr val="accent1"/>
+              </a:fillRef>
+              <a:effectRef idx="0">
+                <a:schemeClr val="accent1"/>
+              </a:effectRef>
+              <a:fontRef idx="minor">
+                <a:schemeClr val="lt1"/>
+              </a:fontRef>
+            </p:style>
+            <p:txBody>
+              <a:bodyPr rot="0" spcFirstLastPara="0" vert="horz" wrap="square" lIns="91440" tIns="45720" rIns="91440" bIns="45720" numCol="1" spcCol="0" rtlCol="0" fromWordArt="0" anchor="ctr" anchorCtr="0" forceAA="0" compatLnSpc="1">
+                <a:prstTxWarp prst="textNoShape">
+                  <a:avLst/>
+                </a:prstTxWarp>
+                <a:noAutofit/>
+              </a:bodyPr>
+              <a:lstStyle/>
+              <a:p>
+                <a:endParaRPr lang="en-US"/>
+              </a:p>
+            </p:txBody>
+          </p:sp>
+          <p:sp>
+            <p:nvSpPr>
+              <p:cNvPr id="53" name="Oval 52">
+                <a:extLst>
+                  <a:ext uri="{FF2B5EF4-FFF2-40B4-BE49-F238E27FC236}">
+                    <a16:creationId xmlns:a16="http://schemas.microsoft.com/office/drawing/2014/main" id="{ADE4811B-26E3-42FA-888D-9CE2FF253341}"/>
+                  </a:ext>
+                </a:extLst>
+              </p:cNvPr>
+              <p:cNvSpPr/>
+              <p:nvPr/>
+            </p:nvSpPr>
+            <p:spPr>
+              <a:xfrm>
+                <a:off x="3851487" y="2545080"/>
+                <a:ext cx="134620" cy="128905"/>
+              </a:xfrm>
+              <a:prstGeom prst="ellipse">
+                <a:avLst/>
+              </a:prstGeom>
+              <a:solidFill>
+                <a:schemeClr val="accent2">
+                  <a:lumMod val="20000"/>
+                  <a:lumOff val="80000"/>
+                </a:schemeClr>
+              </a:solidFill>
+              <a:ln>
+                <a:solidFill>
+                  <a:schemeClr val="accent1">
+                    <a:lumMod val="60000"/>
+                    <a:lumOff val="40000"/>
+                  </a:schemeClr>
+                </a:solidFill>
+              </a:ln>
+            </p:spPr>
+            <p:style>
+              <a:lnRef idx="2">
+                <a:schemeClr val="accent1">
+                  <a:shade val="50000"/>
+                </a:schemeClr>
+              </a:lnRef>
+              <a:fillRef idx="1">
+                <a:schemeClr val="accent1"/>
+              </a:fillRef>
+              <a:effectRef idx="0">
+                <a:schemeClr val="accent1"/>
+              </a:effectRef>
+              <a:fontRef idx="minor">
+                <a:schemeClr val="lt1"/>
+              </a:fontRef>
+            </p:style>
+            <p:txBody>
+              <a:bodyPr rot="0" spcFirstLastPara="0" vert="horz" wrap="square" lIns="91440" tIns="45720" rIns="91440" bIns="45720" numCol="1" spcCol="0" rtlCol="0" fromWordArt="0" anchor="ctr" anchorCtr="0" forceAA="0" compatLnSpc="1">
+                <a:prstTxWarp prst="textNoShape">
+                  <a:avLst/>
+                </a:prstTxWarp>
+                <a:noAutofit/>
+              </a:bodyPr>
+              <a:lstStyle/>
+              <a:p>
+                <a:endParaRPr lang="en-US"/>
+              </a:p>
+            </p:txBody>
+          </p:sp>
+          <p:sp>
+            <p:nvSpPr>
+              <p:cNvPr id="54" name="Oval 53">
+                <a:extLst>
+                  <a:ext uri="{FF2B5EF4-FFF2-40B4-BE49-F238E27FC236}">
+                    <a16:creationId xmlns:a16="http://schemas.microsoft.com/office/drawing/2014/main" id="{680CFE1D-9214-4619-BA82-11A636A07BA0}"/>
+                  </a:ext>
+                </a:extLst>
+              </p:cNvPr>
+              <p:cNvSpPr/>
+              <p:nvPr/>
+            </p:nvSpPr>
+            <p:spPr>
+              <a:xfrm>
+                <a:off x="4063577" y="2545080"/>
+                <a:ext cx="134620" cy="128905"/>
+              </a:xfrm>
+              <a:prstGeom prst="ellipse">
+                <a:avLst/>
+              </a:prstGeom>
+              <a:solidFill>
+                <a:schemeClr val="accent2">
+                  <a:lumMod val="20000"/>
+                  <a:lumOff val="80000"/>
+                </a:schemeClr>
+              </a:solidFill>
+              <a:ln>
+                <a:solidFill>
+                  <a:schemeClr val="accent1">
+                    <a:lumMod val="60000"/>
+                    <a:lumOff val="40000"/>
+                  </a:schemeClr>
+                </a:solidFill>
+              </a:ln>
+            </p:spPr>
+            <p:style>
+              <a:lnRef idx="2">
+                <a:schemeClr val="accent1">
+                  <a:shade val="50000"/>
+                </a:schemeClr>
+              </a:lnRef>
+              <a:fillRef idx="1">
+                <a:schemeClr val="accent1"/>
+              </a:fillRef>
+              <a:effectRef idx="0">
+                <a:schemeClr val="accent1"/>
+              </a:effectRef>
+              <a:fontRef idx="minor">
+                <a:schemeClr val="lt1"/>
+              </a:fontRef>
+            </p:style>
+            <p:txBody>
+              <a:bodyPr rot="0" spcFirstLastPara="0" vert="horz" wrap="square" lIns="91440" tIns="45720" rIns="91440" bIns="45720" numCol="1" spcCol="0" rtlCol="0" fromWordArt="0" anchor="ctr" anchorCtr="0" forceAA="0" compatLnSpc="1">
+                <a:prstTxWarp prst="textNoShape">
+                  <a:avLst/>
+                </a:prstTxWarp>
+                <a:noAutofit/>
+              </a:bodyPr>
+              <a:lstStyle/>
+              <a:p>
+                <a:endParaRPr lang="en-US"/>
+              </a:p>
+            </p:txBody>
+          </p:sp>
+        </p:grpSp>
+        <p:grpSp>
+          <p:nvGrpSpPr>
+            <p:cNvPr id="45" name="Group 44">
+              <a:extLst>
+                <a:ext uri="{FF2B5EF4-FFF2-40B4-BE49-F238E27FC236}">
+                  <a16:creationId xmlns:a16="http://schemas.microsoft.com/office/drawing/2014/main" id="{FA4826E6-25FD-49E2-BC94-D48069C2551D}"/>
+                </a:ext>
+              </a:extLst>
+            </p:cNvPr>
+            <p:cNvGrpSpPr/>
+            <p:nvPr/>
+          </p:nvGrpSpPr>
+          <p:grpSpPr>
+            <a:xfrm>
+              <a:off x="3547425" y="4089057"/>
+              <a:ext cx="711200" cy="203835"/>
+              <a:chOff x="3559387" y="2503170"/>
+              <a:chExt cx="711200" cy="203835"/>
+            </a:xfrm>
+          </p:grpSpPr>
+          <p:sp>
+            <p:nvSpPr>
+              <p:cNvPr id="47" name="Rectangle: Rounded Corners 46">
+                <a:extLst>
+                  <a:ext uri="{FF2B5EF4-FFF2-40B4-BE49-F238E27FC236}">
+                    <a16:creationId xmlns:a16="http://schemas.microsoft.com/office/drawing/2014/main" id="{67E404A8-E6F1-40AD-922C-5B0290EF76DB}"/>
+                  </a:ext>
+                </a:extLst>
+              </p:cNvPr>
+              <p:cNvSpPr/>
+              <p:nvPr/>
+            </p:nvSpPr>
+            <p:spPr>
+              <a:xfrm>
+                <a:off x="3559387" y="2503170"/>
+                <a:ext cx="711200" cy="203835"/>
+              </a:xfrm>
+              <a:prstGeom prst="roundRect">
+                <a:avLst/>
+              </a:prstGeom>
+              <a:noFill/>
+              <a:ln>
+                <a:solidFill>
+                  <a:schemeClr val="tx1"/>
+                </a:solidFill>
+              </a:ln>
+            </p:spPr>
+            <p:style>
+              <a:lnRef idx="2">
+                <a:schemeClr val="accent1">
+                  <a:shade val="50000"/>
+                </a:schemeClr>
+              </a:lnRef>
+              <a:fillRef idx="1">
+                <a:schemeClr val="accent1"/>
+              </a:fillRef>
+              <a:effectRef idx="0">
+                <a:schemeClr val="accent1"/>
+              </a:effectRef>
+              <a:fontRef idx="minor">
+                <a:schemeClr val="lt1"/>
+              </a:fontRef>
+            </p:style>
+            <p:txBody>
+              <a:bodyPr rot="0" spcFirstLastPara="0" vert="horz" wrap="square" lIns="91440" tIns="45720" rIns="91440" bIns="45720" numCol="1" spcCol="0" rtlCol="0" fromWordArt="0" anchor="ctr" anchorCtr="0" forceAA="0" compatLnSpc="1">
+                <a:prstTxWarp prst="textNoShape">
+                  <a:avLst/>
+                </a:prstTxWarp>
+                <a:noAutofit/>
+              </a:bodyPr>
+              <a:lstStyle/>
+              <a:p>
+                <a:endParaRPr lang="en-US"/>
+              </a:p>
+            </p:txBody>
+          </p:sp>
+          <p:sp>
+            <p:nvSpPr>
+              <p:cNvPr id="48" name="Oval 47">
+                <a:extLst>
+                  <a:ext uri="{FF2B5EF4-FFF2-40B4-BE49-F238E27FC236}">
+                    <a16:creationId xmlns:a16="http://schemas.microsoft.com/office/drawing/2014/main" id="{24290721-4BB0-4F5E-8017-2667E7D6E4C8}"/>
+                  </a:ext>
+                </a:extLst>
+              </p:cNvPr>
+              <p:cNvSpPr/>
+              <p:nvPr/>
+            </p:nvSpPr>
+            <p:spPr>
+              <a:xfrm>
+                <a:off x="3640032" y="2545080"/>
+                <a:ext cx="134620" cy="128905"/>
+              </a:xfrm>
+              <a:prstGeom prst="ellipse">
+                <a:avLst/>
+              </a:prstGeom>
+              <a:solidFill>
+                <a:schemeClr val="accent2">
+                  <a:lumMod val="20000"/>
+                  <a:lumOff val="80000"/>
+                </a:schemeClr>
+              </a:solidFill>
+              <a:ln>
+                <a:solidFill>
+                  <a:schemeClr val="accent1">
+                    <a:lumMod val="60000"/>
+                    <a:lumOff val="40000"/>
+                  </a:schemeClr>
+                </a:solidFill>
+              </a:ln>
+            </p:spPr>
+            <p:style>
+              <a:lnRef idx="2">
+                <a:schemeClr val="accent1">
+                  <a:shade val="50000"/>
+                </a:schemeClr>
+              </a:lnRef>
+              <a:fillRef idx="1">
+                <a:schemeClr val="accent1"/>
+              </a:fillRef>
+              <a:effectRef idx="0">
+                <a:schemeClr val="accent1"/>
+              </a:effectRef>
+              <a:fontRef idx="minor">
+                <a:schemeClr val="lt1"/>
+              </a:fontRef>
+            </p:style>
+            <p:txBody>
+              <a:bodyPr rot="0" spcFirstLastPara="0" vert="horz" wrap="square" lIns="91440" tIns="45720" rIns="91440" bIns="45720" numCol="1" spcCol="0" rtlCol="0" fromWordArt="0" anchor="ctr" anchorCtr="0" forceAA="0" compatLnSpc="1">
+                <a:prstTxWarp prst="textNoShape">
+                  <a:avLst/>
+                </a:prstTxWarp>
+                <a:noAutofit/>
+              </a:bodyPr>
+              <a:lstStyle/>
+              <a:p>
+                <a:endParaRPr lang="en-US"/>
+              </a:p>
+            </p:txBody>
+          </p:sp>
+          <p:sp>
+            <p:nvSpPr>
+              <p:cNvPr id="49" name="Oval 48">
+                <a:extLst>
+                  <a:ext uri="{FF2B5EF4-FFF2-40B4-BE49-F238E27FC236}">
+                    <a16:creationId xmlns:a16="http://schemas.microsoft.com/office/drawing/2014/main" id="{BE5B4187-A07D-4D88-B8A7-804FE3231BAF}"/>
+                  </a:ext>
+                </a:extLst>
+              </p:cNvPr>
+              <p:cNvSpPr/>
+              <p:nvPr/>
+            </p:nvSpPr>
+            <p:spPr>
+              <a:xfrm>
+                <a:off x="3851487" y="2545080"/>
+                <a:ext cx="134620" cy="128905"/>
+              </a:xfrm>
+              <a:prstGeom prst="ellipse">
+                <a:avLst/>
+              </a:prstGeom>
+              <a:solidFill>
+                <a:schemeClr val="accent2">
+                  <a:lumMod val="20000"/>
+                  <a:lumOff val="80000"/>
+                </a:schemeClr>
+              </a:solidFill>
+              <a:ln>
+                <a:solidFill>
+                  <a:schemeClr val="accent1">
+                    <a:lumMod val="60000"/>
+                    <a:lumOff val="40000"/>
+                  </a:schemeClr>
+                </a:solidFill>
+              </a:ln>
+            </p:spPr>
+            <p:style>
+              <a:lnRef idx="2">
+                <a:schemeClr val="accent1">
+                  <a:shade val="50000"/>
+                </a:schemeClr>
+              </a:lnRef>
+              <a:fillRef idx="1">
+                <a:schemeClr val="accent1"/>
+              </a:fillRef>
+              <a:effectRef idx="0">
+                <a:schemeClr val="accent1"/>
+              </a:effectRef>
+              <a:fontRef idx="minor">
+                <a:schemeClr val="lt1"/>
+              </a:fontRef>
+            </p:style>
+            <p:txBody>
+              <a:bodyPr rot="0" spcFirstLastPara="0" vert="horz" wrap="square" lIns="91440" tIns="45720" rIns="91440" bIns="45720" numCol="1" spcCol="0" rtlCol="0" fromWordArt="0" anchor="ctr" anchorCtr="0" forceAA="0" compatLnSpc="1">
+                <a:prstTxWarp prst="textNoShape">
+                  <a:avLst/>
+                </a:prstTxWarp>
+                <a:noAutofit/>
+              </a:bodyPr>
+              <a:lstStyle/>
+              <a:p>
+                <a:endParaRPr lang="en-US"/>
+              </a:p>
+            </p:txBody>
+          </p:sp>
+          <p:sp>
+            <p:nvSpPr>
+              <p:cNvPr id="50" name="Oval 49">
+                <a:extLst>
+                  <a:ext uri="{FF2B5EF4-FFF2-40B4-BE49-F238E27FC236}">
+                    <a16:creationId xmlns:a16="http://schemas.microsoft.com/office/drawing/2014/main" id="{327E4A96-80C6-40AD-9F0B-801F6B2FF711}"/>
+                  </a:ext>
+                </a:extLst>
+              </p:cNvPr>
+              <p:cNvSpPr/>
+              <p:nvPr/>
+            </p:nvSpPr>
+            <p:spPr>
+              <a:xfrm>
+                <a:off x="4063577" y="2545080"/>
+                <a:ext cx="134620" cy="128905"/>
+              </a:xfrm>
+              <a:prstGeom prst="ellipse">
+                <a:avLst/>
+              </a:prstGeom>
+              <a:solidFill>
+                <a:schemeClr val="accent2">
+                  <a:lumMod val="20000"/>
+                  <a:lumOff val="80000"/>
+                </a:schemeClr>
+              </a:solidFill>
+              <a:ln>
+                <a:solidFill>
+                  <a:schemeClr val="accent1">
+                    <a:lumMod val="60000"/>
+                    <a:lumOff val="40000"/>
+                  </a:schemeClr>
+                </a:solidFill>
+              </a:ln>
+            </p:spPr>
+            <p:style>
+              <a:lnRef idx="2">
+                <a:schemeClr val="accent1">
+                  <a:shade val="50000"/>
+                </a:schemeClr>
+              </a:lnRef>
+              <a:fillRef idx="1">
+                <a:schemeClr val="accent1"/>
+              </a:fillRef>
+              <a:effectRef idx="0">
+                <a:schemeClr val="accent1"/>
+              </a:effectRef>
+              <a:fontRef idx="minor">
+                <a:schemeClr val="lt1"/>
+              </a:fontRef>
+            </p:style>
+            <p:txBody>
+              <a:bodyPr rot="0" spcFirstLastPara="0" vert="horz" wrap="square" lIns="91440" tIns="45720" rIns="91440" bIns="45720" numCol="1" spcCol="0" rtlCol="0" fromWordArt="0" anchor="ctr" anchorCtr="0" forceAA="0" compatLnSpc="1">
+                <a:prstTxWarp prst="textNoShape">
+                  <a:avLst/>
+                </a:prstTxWarp>
+                <a:noAutofit/>
+              </a:bodyPr>
+              <a:lstStyle/>
+              <a:p>
+                <a:endParaRPr lang="en-US"/>
+              </a:p>
+            </p:txBody>
+          </p:sp>
+        </p:grpSp>
+        <p:sp>
+          <p:nvSpPr>
+            <p:cNvPr id="46" name="TextBox 45">
+              <a:extLst>
+                <a:ext uri="{FF2B5EF4-FFF2-40B4-BE49-F238E27FC236}">
+                  <a16:creationId xmlns:a16="http://schemas.microsoft.com/office/drawing/2014/main" id="{FCDAE5D3-0FE4-495B-9E28-03161F358F18}"/>
+                </a:ext>
+              </a:extLst>
+            </p:cNvPr>
+            <p:cNvSpPr txBox="1"/>
+            <p:nvPr/>
+          </p:nvSpPr>
+          <p:spPr>
+            <a:xfrm>
+              <a:off x="3748522" y="3243174"/>
+              <a:ext cx="343364" cy="369332"/>
+            </a:xfrm>
+            <a:prstGeom prst="rect">
+              <a:avLst/>
+            </a:prstGeom>
+            <a:noFill/>
+          </p:spPr>
+          <p:txBody>
+            <a:bodyPr wrap="none" rtlCol="0">
+              <a:spAutoFit/>
+            </a:bodyPr>
+            <a:lstStyle/>
+            <a:p>
+              <a:r>
+                <a:rPr lang="en-US" dirty="0"/>
+                <a:t>…</a:t>
+              </a:r>
+            </a:p>
+          </p:txBody>
+        </p:sp>
+      </p:grpSp>
+      <p:sp>
+        <p:nvSpPr>
+          <p:cNvPr id="85" name="TextBox 84">
+            <a:extLst>
+              <a:ext uri="{FF2B5EF4-FFF2-40B4-BE49-F238E27FC236}">
+                <a16:creationId xmlns:a16="http://schemas.microsoft.com/office/drawing/2014/main" id="{BDF2BD93-5BFD-441E-8718-BEEC9608E8FE}"/>
+              </a:ext>
+            </a:extLst>
+          </p:cNvPr>
+          <p:cNvSpPr txBox="1"/>
+          <p:nvPr/>
+        </p:nvSpPr>
+        <p:spPr>
+          <a:xfrm>
+            <a:off x="2421787" y="4558660"/>
+            <a:ext cx="1686166" cy="923330"/>
+          </a:xfrm>
+          <a:prstGeom prst="rect">
+            <a:avLst/>
+          </a:prstGeom>
+          <a:noFill/>
+        </p:spPr>
+        <p:txBody>
+          <a:bodyPr wrap="none" rtlCol="0">
+            <a:spAutoFit/>
+          </a:bodyPr>
+          <a:lstStyle/>
+          <a:p>
+            <a:pPr algn="ctr"/>
+            <a:r>
+              <a:rPr lang="en-US" dirty="0"/>
+              <a:t>Missing-Feature</a:t>
+            </a:r>
+          </a:p>
+          <a:p>
+            <a:pPr algn="ctr"/>
+            <a:r>
+              <a:rPr lang="en-US" dirty="0"/>
+              <a:t>Representation</a:t>
+            </a:r>
+          </a:p>
+          <a:p>
+            <a:pPr algn="ctr"/>
+            <a:r>
+              <a:rPr lang="en-US" dirty="0"/>
+              <a:t>Vectors</a:t>
+            </a:r>
+          </a:p>
+        </p:txBody>
+      </p:sp>
+      <p:sp>
+        <p:nvSpPr>
+          <p:cNvPr id="86" name="TextBox 85">
+            <a:extLst>
+              <a:ext uri="{FF2B5EF4-FFF2-40B4-BE49-F238E27FC236}">
+                <a16:creationId xmlns:a16="http://schemas.microsoft.com/office/drawing/2014/main" id="{D71AEBFD-B11C-41DD-8B4A-6417C6555484}"/>
+              </a:ext>
+            </a:extLst>
+          </p:cNvPr>
+          <p:cNvSpPr txBox="1"/>
+          <p:nvPr/>
+        </p:nvSpPr>
+        <p:spPr>
+          <a:xfrm>
+            <a:off x="5131729" y="1594384"/>
+            <a:ext cx="1928541" cy="646331"/>
+          </a:xfrm>
+          <a:prstGeom prst="rect">
+            <a:avLst/>
+          </a:prstGeom>
+          <a:noFill/>
+        </p:spPr>
+        <p:txBody>
+          <a:bodyPr wrap="square" rtlCol="0">
+            <a:spAutoFit/>
+          </a:bodyPr>
+          <a:lstStyle/>
+          <a:p>
+            <a:pPr algn="ctr"/>
+            <a:r>
+              <a:rPr lang="en-US" dirty="0"/>
+              <a:t>To Variable Type </a:t>
+            </a:r>
+          </a:p>
+          <a:p>
+            <a:pPr algn="ctr"/>
+            <a:r>
+              <a:rPr lang="en-US" dirty="0"/>
+              <a:t>Prediction Model</a:t>
+            </a:r>
+          </a:p>
+        </p:txBody>
+      </p:sp>
+      <p:sp>
+        <p:nvSpPr>
+          <p:cNvPr id="87" name="Rectangle 86">
+            <a:extLst>
+              <a:ext uri="{FF2B5EF4-FFF2-40B4-BE49-F238E27FC236}">
+                <a16:creationId xmlns:a16="http://schemas.microsoft.com/office/drawing/2014/main" id="{4AE1CADC-9F95-4EE8-B45F-F6DBF0EDD59A}"/>
+              </a:ext>
+            </a:extLst>
+          </p:cNvPr>
+          <p:cNvSpPr/>
+          <p:nvPr/>
+        </p:nvSpPr>
+        <p:spPr>
+          <a:xfrm>
+            <a:off x="5457150" y="3928424"/>
+            <a:ext cx="436326" cy="1610870"/>
+          </a:xfrm>
+          <a:prstGeom prst="rect">
+            <a:avLst/>
+          </a:prstGeom>
+          <a:ln/>
+          <a:effectLst>
+            <a:outerShdw blurRad="50800" dist="38100" dir="2700000" algn="tl" rotWithShape="0">
+              <a:prstClr val="black">
+                <a:alpha val="40000"/>
+              </a:prstClr>
+            </a:outerShdw>
+          </a:effectLst>
+        </p:spPr>
+        <p:style>
+          <a:lnRef idx="1">
+            <a:schemeClr val="accent6"/>
+          </a:lnRef>
+          <a:fillRef idx="2">
+            <a:schemeClr val="accent6"/>
+          </a:fillRef>
+          <a:effectRef idx="1">
+            <a:schemeClr val="accent6"/>
+          </a:effectRef>
+          <a:fontRef idx="minor">
+            <a:schemeClr val="dk1"/>
+          </a:fontRef>
+        </p:style>
+        <p:txBody>
+          <a:bodyPr rtlCol="0" anchor="ctr"/>
+          <a:lstStyle/>
+          <a:p>
+            <a:pPr algn="ctr"/>
+            <a:endParaRPr lang="en-US" dirty="0"/>
+          </a:p>
+        </p:txBody>
+      </p:sp>
+      <p:sp>
+        <p:nvSpPr>
+          <p:cNvPr id="88" name="TextBox 87">
+            <a:extLst>
+              <a:ext uri="{FF2B5EF4-FFF2-40B4-BE49-F238E27FC236}">
+                <a16:creationId xmlns:a16="http://schemas.microsoft.com/office/drawing/2014/main" id="{ED95EFEE-5C76-4437-A99D-78570D13E300}"/>
+              </a:ext>
+            </a:extLst>
+          </p:cNvPr>
+          <p:cNvSpPr txBox="1"/>
+          <p:nvPr/>
+        </p:nvSpPr>
+        <p:spPr>
+          <a:xfrm>
+            <a:off x="5174268" y="3209694"/>
+            <a:ext cx="977832" cy="646331"/>
+          </a:xfrm>
+          <a:prstGeom prst="rect">
+            <a:avLst/>
+          </a:prstGeom>
+          <a:noFill/>
+        </p:spPr>
+        <p:txBody>
+          <a:bodyPr wrap="none" rtlCol="0">
+            <a:spAutoFit/>
+          </a:bodyPr>
+          <a:lstStyle/>
+          <a:p>
+            <a:pPr algn="ctr"/>
+            <a:r>
+              <a:rPr lang="en-US" dirty="0"/>
+              <a:t>GRU</a:t>
+            </a:r>
+          </a:p>
+          <a:p>
+            <a:pPr algn="ctr"/>
+            <a:r>
+              <a:rPr lang="en-US" dirty="0"/>
+              <a:t>Decoder</a:t>
+            </a:r>
+          </a:p>
+        </p:txBody>
+      </p:sp>
+      <p:sp>
+        <p:nvSpPr>
+          <p:cNvPr id="89" name="Rectangle 88">
+            <a:extLst>
+              <a:ext uri="{FF2B5EF4-FFF2-40B4-BE49-F238E27FC236}">
+                <a16:creationId xmlns:a16="http://schemas.microsoft.com/office/drawing/2014/main" id="{B3ABC764-9F6C-4CB9-8282-9F6946E932B4}"/>
+              </a:ext>
+            </a:extLst>
+          </p:cNvPr>
+          <p:cNvSpPr/>
+          <p:nvPr/>
+        </p:nvSpPr>
+        <p:spPr>
+          <a:xfrm>
+            <a:off x="6623944" y="3928424"/>
+            <a:ext cx="436326" cy="1610870"/>
+          </a:xfrm>
+          <a:prstGeom prst="rect">
+            <a:avLst/>
+          </a:prstGeom>
+          <a:solidFill>
+            <a:schemeClr val="accent5">
+              <a:lumMod val="20000"/>
+              <a:lumOff val="80000"/>
+            </a:schemeClr>
+          </a:solidFill>
+          <a:ln>
+            <a:solidFill>
+              <a:srgbClr val="0070C0"/>
+            </a:solidFill>
+          </a:ln>
+        </p:spPr>
+        <p:style>
+          <a:lnRef idx="2">
+            <a:schemeClr val="accent1">
+              <a:shade val="50000"/>
+            </a:schemeClr>
+          </a:lnRef>
+          <a:fillRef idx="1">
+            <a:schemeClr val="accent1"/>
+          </a:fillRef>
+          <a:effectRef idx="0">
+            <a:schemeClr val="accent1"/>
+          </a:effectRef>
+          <a:fontRef idx="minor">
+            <a:schemeClr val="lt1"/>
+          </a:fontRef>
+        </p:style>
+        <p:txBody>
+          <a:bodyPr rtlCol="0" anchor="ctr"/>
+          <a:lstStyle/>
+          <a:p>
+            <a:pPr algn="ctr"/>
+            <a:endParaRPr lang="en-US"/>
+          </a:p>
+        </p:txBody>
+      </p:sp>
+      <p:sp>
+        <p:nvSpPr>
+          <p:cNvPr id="90" name="TextBox 89">
+            <a:extLst>
+              <a:ext uri="{FF2B5EF4-FFF2-40B4-BE49-F238E27FC236}">
+                <a16:creationId xmlns:a16="http://schemas.microsoft.com/office/drawing/2014/main" id="{A54495A0-A138-46A8-90B9-3D8C90E2A997}"/>
+              </a:ext>
+            </a:extLst>
+          </p:cNvPr>
+          <p:cNvSpPr txBox="1"/>
+          <p:nvPr/>
+        </p:nvSpPr>
+        <p:spPr>
+          <a:xfrm>
+            <a:off x="6286953" y="3209694"/>
+            <a:ext cx="1080039" cy="646331"/>
+          </a:xfrm>
+          <a:prstGeom prst="rect">
+            <a:avLst/>
+          </a:prstGeom>
+          <a:noFill/>
+        </p:spPr>
+        <p:txBody>
+          <a:bodyPr wrap="none" rtlCol="0">
+            <a:spAutoFit/>
+          </a:bodyPr>
+          <a:lstStyle/>
+          <a:p>
+            <a:pPr algn="ctr"/>
+            <a:r>
+              <a:rPr lang="en-US" dirty="0"/>
+              <a:t>Predicted</a:t>
+            </a:r>
+          </a:p>
+          <a:p>
+            <a:pPr algn="ctr"/>
+            <a:r>
+              <a:rPr lang="en-US" dirty="0"/>
+              <a:t>Names</a:t>
+            </a:r>
+          </a:p>
+        </p:txBody>
+      </p:sp>
+      <p:sp>
+        <p:nvSpPr>
+          <p:cNvPr id="91" name="TextBox 90">
+            <a:extLst>
+              <a:ext uri="{FF2B5EF4-FFF2-40B4-BE49-F238E27FC236}">
+                <a16:creationId xmlns:a16="http://schemas.microsoft.com/office/drawing/2014/main" id="{F69D2426-7A44-404E-89AE-36ACD467EE11}"/>
+              </a:ext>
+            </a:extLst>
+          </p:cNvPr>
+          <p:cNvSpPr txBox="1"/>
+          <p:nvPr/>
+        </p:nvSpPr>
+        <p:spPr>
+          <a:xfrm>
+            <a:off x="6620024" y="3912690"/>
+            <a:ext cx="450764" cy="369332"/>
+          </a:xfrm>
+          <a:prstGeom prst="rect">
+            <a:avLst/>
+          </a:prstGeom>
+          <a:noFill/>
+        </p:spPr>
+        <p:txBody>
+          <a:bodyPr wrap="none" rtlCol="0">
+            <a:spAutoFit/>
+          </a:bodyPr>
+          <a:lstStyle/>
+          <a:p>
+            <a:r>
+              <a:rPr lang="en-US" dirty="0"/>
+              <a:t>N1</a:t>
+            </a:r>
+          </a:p>
+        </p:txBody>
+      </p:sp>
+      <p:sp>
+        <p:nvSpPr>
+          <p:cNvPr id="92" name="TextBox 91">
+            <a:extLst>
+              <a:ext uri="{FF2B5EF4-FFF2-40B4-BE49-F238E27FC236}">
+                <a16:creationId xmlns:a16="http://schemas.microsoft.com/office/drawing/2014/main" id="{EEE447DC-C366-43C5-A0A8-285D4A3F86BE}"/>
+              </a:ext>
+            </a:extLst>
+          </p:cNvPr>
+          <p:cNvSpPr txBox="1"/>
+          <p:nvPr/>
+        </p:nvSpPr>
+        <p:spPr>
+          <a:xfrm>
+            <a:off x="6620975" y="4229311"/>
+            <a:ext cx="450764" cy="369332"/>
+          </a:xfrm>
+          <a:prstGeom prst="rect">
+            <a:avLst/>
+          </a:prstGeom>
+          <a:noFill/>
+        </p:spPr>
+        <p:txBody>
+          <a:bodyPr wrap="none" rtlCol="0">
+            <a:spAutoFit/>
+          </a:bodyPr>
+          <a:lstStyle/>
+          <a:p>
+            <a:r>
+              <a:rPr lang="en-US" dirty="0"/>
+              <a:t>N2</a:t>
+            </a:r>
+          </a:p>
+        </p:txBody>
+      </p:sp>
+      <p:sp>
+        <p:nvSpPr>
+          <p:cNvPr id="93" name="TextBox 92">
+            <a:extLst>
+              <a:ext uri="{FF2B5EF4-FFF2-40B4-BE49-F238E27FC236}">
+                <a16:creationId xmlns:a16="http://schemas.microsoft.com/office/drawing/2014/main" id="{57C81594-566F-4BAD-9BAD-8D413AF91D6F}"/>
+              </a:ext>
+            </a:extLst>
+          </p:cNvPr>
+          <p:cNvSpPr txBox="1"/>
+          <p:nvPr/>
+        </p:nvSpPr>
+        <p:spPr>
+          <a:xfrm>
+            <a:off x="6670425" y="4620700"/>
+            <a:ext cx="343364" cy="369332"/>
+          </a:xfrm>
+          <a:prstGeom prst="rect">
+            <a:avLst/>
+          </a:prstGeom>
+          <a:noFill/>
+        </p:spPr>
+        <p:txBody>
+          <a:bodyPr wrap="none" rtlCol="0">
+            <a:spAutoFit/>
+          </a:bodyPr>
+          <a:lstStyle/>
+          <a:p>
+            <a:r>
+              <a:rPr lang="en-US" dirty="0"/>
+              <a:t>…</a:t>
+            </a:r>
+          </a:p>
+        </p:txBody>
+      </p:sp>
+      <p:sp>
+        <p:nvSpPr>
+          <p:cNvPr id="94" name="Rectangle 93">
+            <a:extLst>
+              <a:ext uri="{FF2B5EF4-FFF2-40B4-BE49-F238E27FC236}">
+                <a16:creationId xmlns:a16="http://schemas.microsoft.com/office/drawing/2014/main" id="{4CF78E2C-9142-4000-84AA-AF4057B0FD8E}"/>
+              </a:ext>
+            </a:extLst>
+          </p:cNvPr>
+          <p:cNvSpPr/>
+          <p:nvPr/>
+        </p:nvSpPr>
+        <p:spPr>
+          <a:xfrm>
+            <a:off x="7786818" y="3928424"/>
+            <a:ext cx="436326" cy="1610870"/>
+          </a:xfrm>
+          <a:prstGeom prst="rect">
+            <a:avLst/>
+          </a:prstGeom>
+          <a:solidFill>
+            <a:schemeClr val="accent2">
+              <a:lumMod val="40000"/>
+              <a:lumOff val="60000"/>
+            </a:schemeClr>
+          </a:solidFill>
+          <a:ln/>
+          <a:effectLst>
+            <a:outerShdw blurRad="50800" dist="38100" dir="2700000" algn="tl" rotWithShape="0">
+              <a:prstClr val="black">
+                <a:alpha val="40000"/>
+              </a:prstClr>
+            </a:outerShdw>
+          </a:effectLst>
+        </p:spPr>
+        <p:style>
+          <a:lnRef idx="1">
+            <a:schemeClr val="accent6"/>
+          </a:lnRef>
+          <a:fillRef idx="2">
+            <a:schemeClr val="accent6"/>
+          </a:fillRef>
+          <a:effectRef idx="1">
+            <a:schemeClr val="accent6"/>
+          </a:effectRef>
+          <a:fontRef idx="minor">
+            <a:schemeClr val="dk1"/>
+          </a:fontRef>
+        </p:style>
+        <p:txBody>
+          <a:bodyPr rtlCol="0" anchor="ctr"/>
+          <a:lstStyle/>
+          <a:p>
+            <a:pPr algn="ctr"/>
+            <a:endParaRPr lang="en-US" dirty="0"/>
+          </a:p>
+        </p:txBody>
+      </p:sp>
+      <p:sp>
+        <p:nvSpPr>
+          <p:cNvPr id="95" name="TextBox 94">
+            <a:extLst>
+              <a:ext uri="{FF2B5EF4-FFF2-40B4-BE49-F238E27FC236}">
+                <a16:creationId xmlns:a16="http://schemas.microsoft.com/office/drawing/2014/main" id="{64158782-8F25-4F36-89CA-CC3C31494752}"/>
+              </a:ext>
+            </a:extLst>
+          </p:cNvPr>
+          <p:cNvSpPr txBox="1"/>
+          <p:nvPr/>
+        </p:nvSpPr>
+        <p:spPr>
+          <a:xfrm>
+            <a:off x="7488786" y="3212004"/>
+            <a:ext cx="1031051" cy="646331"/>
+          </a:xfrm>
+          <a:prstGeom prst="rect">
+            <a:avLst/>
+          </a:prstGeom>
+          <a:noFill/>
+        </p:spPr>
+        <p:txBody>
+          <a:bodyPr wrap="none" rtlCol="0">
+            <a:spAutoFit/>
+          </a:bodyPr>
+          <a:lstStyle/>
+          <a:p>
+            <a:pPr algn="ctr"/>
+            <a:r>
+              <a:rPr lang="en-US" dirty="0"/>
+              <a:t>Name </a:t>
+            </a:r>
+          </a:p>
+          <a:p>
+            <a:pPr algn="ctr"/>
+            <a:r>
+              <a:rPr lang="en-US" dirty="0"/>
+              <a:t>Checking</a:t>
+            </a:r>
+          </a:p>
+        </p:txBody>
+      </p:sp>
+      <p:sp>
+        <p:nvSpPr>
+          <p:cNvPr id="96" name="Rectangle 95">
+            <a:extLst>
+              <a:ext uri="{FF2B5EF4-FFF2-40B4-BE49-F238E27FC236}">
+                <a16:creationId xmlns:a16="http://schemas.microsoft.com/office/drawing/2014/main" id="{99FCBC9B-C493-4103-8652-9562BCC3CA92}"/>
+              </a:ext>
+            </a:extLst>
+          </p:cNvPr>
+          <p:cNvSpPr/>
+          <p:nvPr/>
+        </p:nvSpPr>
+        <p:spPr>
+          <a:xfrm>
+            <a:off x="8938223" y="3938929"/>
+            <a:ext cx="436326" cy="1610870"/>
+          </a:xfrm>
+          <a:prstGeom prst="rect">
+            <a:avLst/>
+          </a:prstGeom>
+          <a:solidFill>
+            <a:schemeClr val="accent5">
+              <a:lumMod val="20000"/>
+              <a:lumOff val="80000"/>
+            </a:schemeClr>
+          </a:solidFill>
+          <a:ln>
+            <a:solidFill>
+              <a:srgbClr val="0070C0"/>
+            </a:solidFill>
+          </a:ln>
+        </p:spPr>
+        <p:style>
+          <a:lnRef idx="2">
+            <a:schemeClr val="accent1">
+              <a:shade val="50000"/>
+            </a:schemeClr>
+          </a:lnRef>
+          <a:fillRef idx="1">
+            <a:schemeClr val="accent1"/>
+          </a:fillRef>
+          <a:effectRef idx="0">
+            <a:schemeClr val="accent1"/>
+          </a:effectRef>
+          <a:fontRef idx="minor">
+            <a:schemeClr val="lt1"/>
+          </a:fontRef>
+        </p:style>
+        <p:txBody>
+          <a:bodyPr rtlCol="0" anchor="ctr"/>
+          <a:lstStyle/>
+          <a:p>
+            <a:pPr algn="ctr"/>
+            <a:endParaRPr lang="en-US"/>
+          </a:p>
+        </p:txBody>
+      </p:sp>
+      <p:sp>
+        <p:nvSpPr>
+          <p:cNvPr id="97" name="TextBox 96">
+            <a:extLst>
+              <a:ext uri="{FF2B5EF4-FFF2-40B4-BE49-F238E27FC236}">
+                <a16:creationId xmlns:a16="http://schemas.microsoft.com/office/drawing/2014/main" id="{33C760A8-4E88-4694-9A88-D4844ED837D9}"/>
+              </a:ext>
+            </a:extLst>
+          </p:cNvPr>
+          <p:cNvSpPr txBox="1"/>
+          <p:nvPr/>
+        </p:nvSpPr>
+        <p:spPr>
+          <a:xfrm>
+            <a:off x="8724310" y="3220199"/>
+            <a:ext cx="833883" cy="646331"/>
+          </a:xfrm>
+          <a:prstGeom prst="rect">
+            <a:avLst/>
+          </a:prstGeom>
+          <a:noFill/>
+        </p:spPr>
+        <p:txBody>
+          <a:bodyPr wrap="none" rtlCol="0">
+            <a:spAutoFit/>
+          </a:bodyPr>
+          <a:lstStyle/>
+          <a:p>
+            <a:pPr algn="ctr"/>
+            <a:r>
+              <a:rPr lang="en-US" dirty="0"/>
+              <a:t>Final</a:t>
+            </a:r>
+          </a:p>
+          <a:p>
+            <a:pPr algn="ctr"/>
+            <a:r>
+              <a:rPr lang="en-US" dirty="0"/>
+              <a:t>Names</a:t>
+            </a:r>
+          </a:p>
+        </p:txBody>
+      </p:sp>
+      <p:sp>
+        <p:nvSpPr>
+          <p:cNvPr id="98" name="TextBox 97">
+            <a:extLst>
+              <a:ext uri="{FF2B5EF4-FFF2-40B4-BE49-F238E27FC236}">
+                <a16:creationId xmlns:a16="http://schemas.microsoft.com/office/drawing/2014/main" id="{2E571D84-CEF9-44E4-918E-928EE66F0D1E}"/>
+              </a:ext>
+            </a:extLst>
+          </p:cNvPr>
+          <p:cNvSpPr txBox="1"/>
+          <p:nvPr/>
+        </p:nvSpPr>
+        <p:spPr>
+          <a:xfrm>
+            <a:off x="8893614" y="3919606"/>
+            <a:ext cx="566181" cy="369332"/>
+          </a:xfrm>
+          <a:prstGeom prst="rect">
+            <a:avLst/>
+          </a:prstGeom>
+          <a:noFill/>
+        </p:spPr>
+        <p:txBody>
+          <a:bodyPr wrap="none" rtlCol="0">
+            <a:spAutoFit/>
+          </a:bodyPr>
+          <a:lstStyle/>
+          <a:p>
+            <a:r>
+              <a:rPr lang="en-US" dirty="0"/>
+              <a:t>N1*</a:t>
+            </a:r>
+          </a:p>
+        </p:txBody>
+      </p:sp>
+      <p:sp>
+        <p:nvSpPr>
+          <p:cNvPr id="99" name="TextBox 98">
+            <a:extLst>
+              <a:ext uri="{FF2B5EF4-FFF2-40B4-BE49-F238E27FC236}">
+                <a16:creationId xmlns:a16="http://schemas.microsoft.com/office/drawing/2014/main" id="{1DD3E74E-0589-48E3-AC29-961EE2F0B505}"/>
+              </a:ext>
+            </a:extLst>
+          </p:cNvPr>
+          <p:cNvSpPr txBox="1"/>
+          <p:nvPr/>
+        </p:nvSpPr>
+        <p:spPr>
+          <a:xfrm>
+            <a:off x="8908162" y="4239816"/>
+            <a:ext cx="566181" cy="369332"/>
+          </a:xfrm>
+          <a:prstGeom prst="rect">
+            <a:avLst/>
+          </a:prstGeom>
+          <a:noFill/>
+        </p:spPr>
+        <p:txBody>
+          <a:bodyPr wrap="none" rtlCol="0">
+            <a:spAutoFit/>
+          </a:bodyPr>
+          <a:lstStyle/>
+          <a:p>
+            <a:r>
+              <a:rPr lang="en-US" dirty="0"/>
+              <a:t>N2*</a:t>
+            </a:r>
+          </a:p>
+        </p:txBody>
+      </p:sp>
+      <p:sp>
+        <p:nvSpPr>
+          <p:cNvPr id="100" name="TextBox 99">
+            <a:extLst>
+              <a:ext uri="{FF2B5EF4-FFF2-40B4-BE49-F238E27FC236}">
+                <a16:creationId xmlns:a16="http://schemas.microsoft.com/office/drawing/2014/main" id="{1F666038-EC46-41C0-BF89-0765A61BCBEC}"/>
+              </a:ext>
+            </a:extLst>
+          </p:cNvPr>
+          <p:cNvSpPr txBox="1"/>
+          <p:nvPr/>
+        </p:nvSpPr>
+        <p:spPr>
+          <a:xfrm>
+            <a:off x="8984704" y="4631205"/>
+            <a:ext cx="343364" cy="369332"/>
+          </a:xfrm>
+          <a:prstGeom prst="rect">
+            <a:avLst/>
+          </a:prstGeom>
+          <a:noFill/>
+        </p:spPr>
+        <p:txBody>
+          <a:bodyPr wrap="none" rtlCol="0">
+            <a:spAutoFit/>
+          </a:bodyPr>
+          <a:lstStyle/>
+          <a:p>
+            <a:r>
+              <a:rPr lang="en-US" dirty="0"/>
+              <a:t>…</a:t>
+            </a:r>
+          </a:p>
+        </p:txBody>
+      </p:sp>
+      <p:cxnSp>
+        <p:nvCxnSpPr>
+          <p:cNvPr id="101" name="Straight Arrow Connector 100">
+            <a:extLst>
+              <a:ext uri="{FF2B5EF4-FFF2-40B4-BE49-F238E27FC236}">
+                <a16:creationId xmlns:a16="http://schemas.microsoft.com/office/drawing/2014/main" id="{5DCED083-DB8D-4F8A-8E09-3FFDAADC526E}"/>
+              </a:ext>
+            </a:extLst>
+          </p:cNvPr>
+          <p:cNvCxnSpPr>
+            <a:cxnSpLocks/>
+          </p:cNvCxnSpPr>
+          <p:nvPr/>
+        </p:nvCxnSpPr>
+        <p:spPr>
+          <a:xfrm>
+            <a:off x="1519364" y="3520975"/>
+            <a:ext cx="371628" cy="0"/>
+          </a:xfrm>
+          <a:prstGeom prst="straightConnector1">
+            <a:avLst/>
+          </a:prstGeom>
+          <a:ln w="19050">
+            <a:tailEnd type="triangle"/>
+          </a:ln>
+        </p:spPr>
+        <p:style>
+          <a:lnRef idx="1">
+            <a:schemeClr val="accent1"/>
+          </a:lnRef>
+          <a:fillRef idx="0">
+            <a:schemeClr val="accent1"/>
+          </a:fillRef>
+          <a:effectRef idx="0">
+            <a:schemeClr val="accent1"/>
+          </a:effectRef>
+          <a:fontRef idx="minor">
+            <a:schemeClr val="tx1"/>
+          </a:fontRef>
+        </p:style>
+      </p:cxnSp>
+      <p:cxnSp>
+        <p:nvCxnSpPr>
+          <p:cNvPr id="103" name="Straight Arrow Connector 102">
+            <a:extLst>
+              <a:ext uri="{FF2B5EF4-FFF2-40B4-BE49-F238E27FC236}">
+                <a16:creationId xmlns:a16="http://schemas.microsoft.com/office/drawing/2014/main" id="{EC8E8842-C366-4C48-BD59-E47907DFC8F7}"/>
+              </a:ext>
+            </a:extLst>
+          </p:cNvPr>
+          <p:cNvCxnSpPr>
+            <a:stCxn id="16" idx="3"/>
+          </p:cNvCxnSpPr>
+          <p:nvPr/>
+        </p:nvCxnSpPr>
+        <p:spPr>
+          <a:xfrm flipV="1">
+            <a:off x="3488267" y="2434553"/>
+            <a:ext cx="673832" cy="1089372"/>
+          </a:xfrm>
+          <a:prstGeom prst="straightConnector1">
+            <a:avLst/>
+          </a:prstGeom>
+          <a:ln w="19050">
+            <a:tailEnd type="triangle"/>
+          </a:ln>
+        </p:spPr>
+        <p:style>
+          <a:lnRef idx="1">
+            <a:schemeClr val="accent1"/>
+          </a:lnRef>
+          <a:fillRef idx="0">
+            <a:schemeClr val="accent1"/>
+          </a:fillRef>
+          <a:effectRef idx="0">
+            <a:schemeClr val="accent1"/>
+          </a:effectRef>
+          <a:fontRef idx="minor">
+            <a:schemeClr val="tx1"/>
+          </a:fontRef>
+        </p:style>
+      </p:cxnSp>
+      <p:cxnSp>
+        <p:nvCxnSpPr>
+          <p:cNvPr id="105" name="Connector: Elbow 104">
+            <a:extLst>
+              <a:ext uri="{FF2B5EF4-FFF2-40B4-BE49-F238E27FC236}">
+                <a16:creationId xmlns:a16="http://schemas.microsoft.com/office/drawing/2014/main" id="{D813AC20-05C5-4B67-A58C-490034B10C39}"/>
+              </a:ext>
+            </a:extLst>
+          </p:cNvPr>
+          <p:cNvCxnSpPr>
+            <a:cxnSpLocks/>
+            <a:endCxn id="86" idx="2"/>
+          </p:cNvCxnSpPr>
+          <p:nvPr/>
+        </p:nvCxnSpPr>
+        <p:spPr>
+          <a:xfrm flipV="1">
+            <a:off x="5080000" y="2240715"/>
+            <a:ext cx="1016000" cy="320366"/>
+          </a:xfrm>
+          <a:prstGeom prst="bentConnector2">
+            <a:avLst/>
+          </a:prstGeom>
+          <a:ln w="19050">
+            <a:tailEnd type="triangle"/>
+          </a:ln>
+        </p:spPr>
+        <p:style>
+          <a:lnRef idx="1">
+            <a:schemeClr val="accent1"/>
+          </a:lnRef>
+          <a:fillRef idx="0">
+            <a:schemeClr val="accent1"/>
+          </a:fillRef>
+          <a:effectRef idx="0">
+            <a:schemeClr val="accent1"/>
+          </a:effectRef>
+          <a:fontRef idx="minor">
+            <a:schemeClr val="tx1"/>
+          </a:fontRef>
+        </p:style>
+      </p:cxnSp>
+      <p:cxnSp>
+        <p:nvCxnSpPr>
+          <p:cNvPr id="108" name="Straight Arrow Connector 107">
+            <a:extLst>
+              <a:ext uri="{FF2B5EF4-FFF2-40B4-BE49-F238E27FC236}">
+                <a16:creationId xmlns:a16="http://schemas.microsoft.com/office/drawing/2014/main" id="{4C1D4A03-2110-43CE-AB4D-2C0CEBE8917E}"/>
+              </a:ext>
+            </a:extLst>
+          </p:cNvPr>
+          <p:cNvCxnSpPr>
+            <a:stCxn id="16" idx="3"/>
+          </p:cNvCxnSpPr>
+          <p:nvPr/>
+        </p:nvCxnSpPr>
+        <p:spPr>
+          <a:xfrm>
+            <a:off x="3488267" y="3523925"/>
+            <a:ext cx="623366" cy="1034735"/>
+          </a:xfrm>
+          <a:prstGeom prst="straightConnector1">
+            <a:avLst/>
+          </a:prstGeom>
+          <a:ln w="19050">
+            <a:tailEnd type="triangle"/>
+          </a:ln>
+        </p:spPr>
+        <p:style>
+          <a:lnRef idx="1">
+            <a:schemeClr val="accent1"/>
+          </a:lnRef>
+          <a:fillRef idx="0">
+            <a:schemeClr val="accent1"/>
+          </a:fillRef>
+          <a:effectRef idx="0">
+            <a:schemeClr val="accent1"/>
+          </a:effectRef>
+          <a:fontRef idx="minor">
+            <a:schemeClr val="tx1"/>
+          </a:fontRef>
+        </p:style>
+      </p:cxnSp>
+      <p:cxnSp>
+        <p:nvCxnSpPr>
+          <p:cNvPr id="109" name="Straight Arrow Connector 108">
+            <a:extLst>
+              <a:ext uri="{FF2B5EF4-FFF2-40B4-BE49-F238E27FC236}">
+                <a16:creationId xmlns:a16="http://schemas.microsoft.com/office/drawing/2014/main" id="{701CDFBA-42AB-4579-9B72-EE3F9FD1A7B3}"/>
+              </a:ext>
+            </a:extLst>
+          </p:cNvPr>
+          <p:cNvCxnSpPr>
+            <a:cxnSpLocks/>
+          </p:cNvCxnSpPr>
+          <p:nvPr/>
+        </p:nvCxnSpPr>
+        <p:spPr>
+          <a:xfrm>
+            <a:off x="5080000" y="4733859"/>
+            <a:ext cx="371628" cy="0"/>
+          </a:xfrm>
+          <a:prstGeom prst="straightConnector1">
+            <a:avLst/>
+          </a:prstGeom>
+          <a:ln w="19050">
+            <a:tailEnd type="triangle"/>
+          </a:ln>
+        </p:spPr>
+        <p:style>
+          <a:lnRef idx="1">
+            <a:schemeClr val="accent1"/>
+          </a:lnRef>
+          <a:fillRef idx="0">
+            <a:schemeClr val="accent1"/>
+          </a:fillRef>
+          <a:effectRef idx="0">
+            <a:schemeClr val="accent1"/>
+          </a:effectRef>
+          <a:fontRef idx="minor">
+            <a:schemeClr val="tx1"/>
+          </a:fontRef>
+        </p:style>
+      </p:cxnSp>
+      <p:cxnSp>
+        <p:nvCxnSpPr>
+          <p:cNvPr id="110" name="Straight Arrow Connector 109">
+            <a:extLst>
+              <a:ext uri="{FF2B5EF4-FFF2-40B4-BE49-F238E27FC236}">
+                <a16:creationId xmlns:a16="http://schemas.microsoft.com/office/drawing/2014/main" id="{83D7EB43-99AE-44CD-B9BE-5B1110E9CC4A}"/>
+              </a:ext>
+            </a:extLst>
+          </p:cNvPr>
+          <p:cNvCxnSpPr>
+            <a:cxnSpLocks/>
+            <a:stCxn id="87" idx="3"/>
+            <a:endCxn id="89" idx="1"/>
+          </p:cNvCxnSpPr>
+          <p:nvPr/>
+        </p:nvCxnSpPr>
+        <p:spPr>
+          <a:xfrm>
+            <a:off x="5893476" y="4733859"/>
+            <a:ext cx="730468" cy="0"/>
+          </a:xfrm>
+          <a:prstGeom prst="straightConnector1">
+            <a:avLst/>
+          </a:prstGeom>
+          <a:ln w="19050">
+            <a:tailEnd type="triangle"/>
+          </a:ln>
+        </p:spPr>
+        <p:style>
+          <a:lnRef idx="1">
+            <a:schemeClr val="accent1"/>
+          </a:lnRef>
+          <a:fillRef idx="0">
+            <a:schemeClr val="accent1"/>
+          </a:fillRef>
+          <a:effectRef idx="0">
+            <a:schemeClr val="accent1"/>
+          </a:effectRef>
+          <a:fontRef idx="minor">
+            <a:schemeClr val="tx1"/>
+          </a:fontRef>
+        </p:style>
+      </p:cxnSp>
+      <p:cxnSp>
+        <p:nvCxnSpPr>
+          <p:cNvPr id="116" name="Straight Arrow Connector 115">
+            <a:extLst>
+              <a:ext uri="{FF2B5EF4-FFF2-40B4-BE49-F238E27FC236}">
+                <a16:creationId xmlns:a16="http://schemas.microsoft.com/office/drawing/2014/main" id="{490E58B6-7263-43D0-B894-2EEEE0347743}"/>
+              </a:ext>
+            </a:extLst>
+          </p:cNvPr>
+          <p:cNvCxnSpPr>
+            <a:cxnSpLocks/>
+          </p:cNvCxnSpPr>
+          <p:nvPr/>
+        </p:nvCxnSpPr>
+        <p:spPr>
+          <a:xfrm>
+            <a:off x="7070788" y="4733859"/>
+            <a:ext cx="730468" cy="0"/>
+          </a:xfrm>
+          <a:prstGeom prst="straightConnector1">
+            <a:avLst/>
+          </a:prstGeom>
+          <a:ln w="19050">
+            <a:tailEnd type="triangle"/>
+          </a:ln>
+        </p:spPr>
+        <p:style>
+          <a:lnRef idx="1">
+            <a:schemeClr val="accent1"/>
+          </a:lnRef>
+          <a:fillRef idx="0">
+            <a:schemeClr val="accent1"/>
+          </a:fillRef>
+          <a:effectRef idx="0">
+            <a:schemeClr val="accent1"/>
+          </a:effectRef>
+          <a:fontRef idx="minor">
+            <a:schemeClr val="tx1"/>
+          </a:fontRef>
+        </p:style>
+      </p:cxnSp>
+      <p:cxnSp>
+        <p:nvCxnSpPr>
+          <p:cNvPr id="117" name="Straight Arrow Connector 116">
+            <a:extLst>
+              <a:ext uri="{FF2B5EF4-FFF2-40B4-BE49-F238E27FC236}">
+                <a16:creationId xmlns:a16="http://schemas.microsoft.com/office/drawing/2014/main" id="{B4A49520-9B24-4318-82EE-B3288907EA89}"/>
+              </a:ext>
+            </a:extLst>
+          </p:cNvPr>
+          <p:cNvCxnSpPr>
+            <a:cxnSpLocks/>
+          </p:cNvCxnSpPr>
+          <p:nvPr/>
+        </p:nvCxnSpPr>
+        <p:spPr>
+          <a:xfrm>
+            <a:off x="8223144" y="4744364"/>
+            <a:ext cx="730468" cy="0"/>
+          </a:xfrm>
+          <a:prstGeom prst="straightConnector1">
+            <a:avLst/>
+          </a:prstGeom>
+          <a:ln w="19050">
+            <a:tailEnd type="triangle"/>
+          </a:ln>
+        </p:spPr>
+        <p:style>
+          <a:lnRef idx="1">
+            <a:schemeClr val="accent1"/>
+          </a:lnRef>
+          <a:fillRef idx="0">
+            <a:schemeClr val="accent1"/>
+          </a:fillRef>
+          <a:effectRef idx="0">
+            <a:schemeClr val="accent1"/>
+          </a:effectRef>
+          <a:fontRef idx="minor">
+            <a:schemeClr val="tx1"/>
+          </a:fontRef>
+        </p:style>
+      </p:cxnSp>
+    </p:spTree>
+    <p:extLst>
+      <p:ext uri="{BB962C8B-B14F-4D97-AF65-F5344CB8AC3E}">
+        <p14:creationId xmlns:p14="http://schemas.microsoft.com/office/powerpoint/2010/main" val="345213280"/>
       </p:ext>
     </p:extLst>
   </p:cSld>

--- a/figures/figures.pptx
+++ b/figures/figures.pptx
@@ -11,6 +11,7 @@
     <p:sldId id="259" r:id="rId5"/>
     <p:sldId id="260" r:id="rId6"/>
     <p:sldId id="261" r:id="rId7"/>
+    <p:sldId id="262" r:id="rId8"/>
   </p:sldIdLst>
   <p:sldSz cx="12192000" cy="6858000"/>
   <p:notesSz cx="6858000" cy="9144000"/>
@@ -264,7 +265,7 @@
           <a:p>
             <a:fld id="{4B9CF307-EB09-4B6C-AE6A-0B77EE827448}" type="datetimeFigureOut">
               <a:rPr lang="en-US" smtClean="0"/>
-              <a:t>4/27/2022</a:t>
+              <a:t>1/29/2023</a:t>
             </a:fld>
             <a:endParaRPr lang="en-US"/>
           </a:p>
@@ -462,7 +463,7 @@
           <a:p>
             <a:fld id="{4B9CF307-EB09-4B6C-AE6A-0B77EE827448}" type="datetimeFigureOut">
               <a:rPr lang="en-US" smtClean="0"/>
-              <a:t>4/27/2022</a:t>
+              <a:t>1/29/2023</a:t>
             </a:fld>
             <a:endParaRPr lang="en-US"/>
           </a:p>
@@ -670,7 +671,7 @@
           <a:p>
             <a:fld id="{4B9CF307-EB09-4B6C-AE6A-0B77EE827448}" type="datetimeFigureOut">
               <a:rPr lang="en-US" smtClean="0"/>
-              <a:t>4/27/2022</a:t>
+              <a:t>1/29/2023</a:t>
             </a:fld>
             <a:endParaRPr lang="en-US"/>
           </a:p>
@@ -868,7 +869,7 @@
           <a:p>
             <a:fld id="{4B9CF307-EB09-4B6C-AE6A-0B77EE827448}" type="datetimeFigureOut">
               <a:rPr lang="en-US" smtClean="0"/>
-              <a:t>4/27/2022</a:t>
+              <a:t>1/29/2023</a:t>
             </a:fld>
             <a:endParaRPr lang="en-US"/>
           </a:p>
@@ -1143,7 +1144,7 @@
           <a:p>
             <a:fld id="{4B9CF307-EB09-4B6C-AE6A-0B77EE827448}" type="datetimeFigureOut">
               <a:rPr lang="en-US" smtClean="0"/>
-              <a:t>4/27/2022</a:t>
+              <a:t>1/29/2023</a:t>
             </a:fld>
             <a:endParaRPr lang="en-US"/>
           </a:p>
@@ -1408,7 +1409,7 @@
           <a:p>
             <a:fld id="{4B9CF307-EB09-4B6C-AE6A-0B77EE827448}" type="datetimeFigureOut">
               <a:rPr lang="en-US" smtClean="0"/>
-              <a:t>4/27/2022</a:t>
+              <a:t>1/29/2023</a:t>
             </a:fld>
             <a:endParaRPr lang="en-US"/>
           </a:p>
@@ -1820,7 +1821,7 @@
           <a:p>
             <a:fld id="{4B9CF307-EB09-4B6C-AE6A-0B77EE827448}" type="datetimeFigureOut">
               <a:rPr lang="en-US" smtClean="0"/>
-              <a:t>4/27/2022</a:t>
+              <a:t>1/29/2023</a:t>
             </a:fld>
             <a:endParaRPr lang="en-US"/>
           </a:p>
@@ -1961,7 +1962,7 @@
           <a:p>
             <a:fld id="{4B9CF307-EB09-4B6C-AE6A-0B77EE827448}" type="datetimeFigureOut">
               <a:rPr lang="en-US" smtClean="0"/>
-              <a:t>4/27/2022</a:t>
+              <a:t>1/29/2023</a:t>
             </a:fld>
             <a:endParaRPr lang="en-US"/>
           </a:p>
@@ -2074,7 +2075,7 @@
           <a:p>
             <a:fld id="{4B9CF307-EB09-4B6C-AE6A-0B77EE827448}" type="datetimeFigureOut">
               <a:rPr lang="en-US" smtClean="0"/>
-              <a:t>4/27/2022</a:t>
+              <a:t>1/29/2023</a:t>
             </a:fld>
             <a:endParaRPr lang="en-US"/>
           </a:p>
@@ -2385,7 +2386,7 @@
           <a:p>
             <a:fld id="{4B9CF307-EB09-4B6C-AE6A-0B77EE827448}" type="datetimeFigureOut">
               <a:rPr lang="en-US" smtClean="0"/>
-              <a:t>4/27/2022</a:t>
+              <a:t>1/29/2023</a:t>
             </a:fld>
             <a:endParaRPr lang="en-US"/>
           </a:p>
@@ -2673,7 +2674,7 @@
           <a:p>
             <a:fld id="{4B9CF307-EB09-4B6C-AE6A-0B77EE827448}" type="datetimeFigureOut">
               <a:rPr lang="en-US" smtClean="0"/>
-              <a:t>4/27/2022</a:t>
+              <a:t>1/29/2023</a:t>
             </a:fld>
             <a:endParaRPr lang="en-US"/>
           </a:p>
@@ -2914,7 +2915,7 @@
           <a:p>
             <a:fld id="{4B9CF307-EB09-4B6C-AE6A-0B77EE827448}" type="datetimeFigureOut">
               <a:rPr lang="en-US" smtClean="0"/>
-              <a:t>4/27/2022</a:t>
+              <a:t>1/29/2023</a:t>
             </a:fld>
             <a:endParaRPr lang="en-US"/>
           </a:p>
@@ -18100,6 +18101,5282 @@
 </p:sld>
 </file>
 
+<file path=ppt/slides/slide7.xml><?xml version="1.0" encoding="utf-8"?>
+<p:sld xmlns:a="http://schemas.openxmlformats.org/drawingml/2006/main" xmlns:r="http://schemas.openxmlformats.org/officeDocument/2006/relationships" xmlns:p="http://schemas.openxmlformats.org/presentationml/2006/main">
+  <p:cSld>
+    <p:spTree>
+      <p:nvGrpSpPr>
+        <p:cNvPr id="1" name=""/>
+        <p:cNvGrpSpPr/>
+        <p:nvPr/>
+      </p:nvGrpSpPr>
+      <p:grpSpPr>
+        <a:xfrm>
+          <a:off x="0" y="0"/>
+          <a:ext cx="0" cy="0"/>
+          <a:chOff x="0" y="0"/>
+          <a:chExt cx="0" cy="0"/>
+        </a:xfrm>
+      </p:grpSpPr>
+      <p:grpSp>
+        <p:nvGrpSpPr>
+          <p:cNvPr id="4" name="Group 3">
+            <a:extLst>
+              <a:ext uri="{FF2B5EF4-FFF2-40B4-BE49-F238E27FC236}">
+                <a16:creationId xmlns:a16="http://schemas.microsoft.com/office/drawing/2014/main" id="{A75C7E20-EEA8-46EF-AD64-E9F43F5D2BFC}"/>
+              </a:ext>
+            </a:extLst>
+          </p:cNvPr>
+          <p:cNvGrpSpPr/>
+          <p:nvPr/>
+        </p:nvGrpSpPr>
+        <p:grpSpPr>
+          <a:xfrm>
+            <a:off x="39859" y="2885857"/>
+            <a:ext cx="1261872" cy="1309146"/>
+            <a:chOff x="3666744" y="2717780"/>
+            <a:chExt cx="1261872" cy="1309146"/>
+          </a:xfrm>
+        </p:grpSpPr>
+        <p:sp>
+          <p:nvSpPr>
+            <p:cNvPr id="5" name="Oval 4">
+              <a:extLst>
+                <a:ext uri="{FF2B5EF4-FFF2-40B4-BE49-F238E27FC236}">
+                  <a16:creationId xmlns:a16="http://schemas.microsoft.com/office/drawing/2014/main" id="{7D3A3714-80FB-4491-A716-508B077BCF59}"/>
+                </a:ext>
+              </a:extLst>
+            </p:cNvPr>
+            <p:cNvSpPr/>
+            <p:nvPr/>
+          </p:nvSpPr>
+          <p:spPr>
+            <a:xfrm>
+              <a:off x="4197096" y="2717780"/>
+              <a:ext cx="182880" cy="182880"/>
+            </a:xfrm>
+            <a:prstGeom prst="ellipse">
+              <a:avLst/>
+            </a:prstGeom>
+            <a:solidFill>
+              <a:schemeClr val="accent6">
+                <a:lumMod val="20000"/>
+                <a:lumOff val="80000"/>
+              </a:schemeClr>
+            </a:solidFill>
+            <a:ln>
+              <a:solidFill>
+                <a:schemeClr val="accent6">
+                  <a:lumMod val="75000"/>
+                </a:schemeClr>
+              </a:solidFill>
+            </a:ln>
+          </p:spPr>
+          <p:style>
+            <a:lnRef idx="2">
+              <a:schemeClr val="accent1">
+                <a:shade val="50000"/>
+              </a:schemeClr>
+            </a:lnRef>
+            <a:fillRef idx="1">
+              <a:schemeClr val="accent1"/>
+            </a:fillRef>
+            <a:effectRef idx="0">
+              <a:schemeClr val="accent1"/>
+            </a:effectRef>
+            <a:fontRef idx="minor">
+              <a:schemeClr val="lt1"/>
+            </a:fontRef>
+          </p:style>
+          <p:txBody>
+            <a:bodyPr rtlCol="0" anchor="ctr"/>
+            <a:lstStyle/>
+            <a:p>
+              <a:pPr algn="ctr"/>
+              <a:endParaRPr lang="en-US"/>
+            </a:p>
+          </p:txBody>
+        </p:sp>
+        <p:sp>
+          <p:nvSpPr>
+            <p:cNvPr id="6" name="Oval 5">
+              <a:extLst>
+                <a:ext uri="{FF2B5EF4-FFF2-40B4-BE49-F238E27FC236}">
+                  <a16:creationId xmlns:a16="http://schemas.microsoft.com/office/drawing/2014/main" id="{60340589-8041-4422-A50A-574965ED4C70}"/>
+                </a:ext>
+              </a:extLst>
+            </p:cNvPr>
+            <p:cNvSpPr/>
+            <p:nvPr/>
+          </p:nvSpPr>
+          <p:spPr>
+            <a:xfrm>
+              <a:off x="3849624" y="3172968"/>
+              <a:ext cx="182880" cy="182880"/>
+            </a:xfrm>
+            <a:prstGeom prst="ellipse">
+              <a:avLst/>
+            </a:prstGeom>
+            <a:solidFill>
+              <a:schemeClr val="accent6">
+                <a:lumMod val="20000"/>
+                <a:lumOff val="80000"/>
+              </a:schemeClr>
+            </a:solidFill>
+            <a:ln>
+              <a:solidFill>
+                <a:schemeClr val="accent6">
+                  <a:lumMod val="75000"/>
+                </a:schemeClr>
+              </a:solidFill>
+            </a:ln>
+          </p:spPr>
+          <p:style>
+            <a:lnRef idx="2">
+              <a:schemeClr val="accent1">
+                <a:shade val="50000"/>
+              </a:schemeClr>
+            </a:lnRef>
+            <a:fillRef idx="1">
+              <a:schemeClr val="accent1"/>
+            </a:fillRef>
+            <a:effectRef idx="0">
+              <a:schemeClr val="accent1"/>
+            </a:effectRef>
+            <a:fontRef idx="minor">
+              <a:schemeClr val="lt1"/>
+            </a:fontRef>
+          </p:style>
+          <p:txBody>
+            <a:bodyPr rtlCol="0" anchor="ctr"/>
+            <a:lstStyle/>
+            <a:p>
+              <a:pPr algn="ctr"/>
+              <a:endParaRPr lang="en-US"/>
+            </a:p>
+          </p:txBody>
+        </p:sp>
+        <p:sp>
+          <p:nvSpPr>
+            <p:cNvPr id="7" name="Oval 6">
+              <a:extLst>
+                <a:ext uri="{FF2B5EF4-FFF2-40B4-BE49-F238E27FC236}">
+                  <a16:creationId xmlns:a16="http://schemas.microsoft.com/office/drawing/2014/main" id="{E88673CE-AA04-43B7-B599-4D1B15BC00C5}"/>
+                </a:ext>
+              </a:extLst>
+            </p:cNvPr>
+            <p:cNvSpPr/>
+            <p:nvPr/>
+          </p:nvSpPr>
+          <p:spPr>
+            <a:xfrm>
+              <a:off x="4288536" y="3661166"/>
+              <a:ext cx="182880" cy="182880"/>
+            </a:xfrm>
+            <a:prstGeom prst="ellipse">
+              <a:avLst/>
+            </a:prstGeom>
+            <a:solidFill>
+              <a:schemeClr val="accent6">
+                <a:lumMod val="20000"/>
+                <a:lumOff val="80000"/>
+              </a:schemeClr>
+            </a:solidFill>
+            <a:ln>
+              <a:solidFill>
+                <a:schemeClr val="accent6">
+                  <a:lumMod val="75000"/>
+                </a:schemeClr>
+              </a:solidFill>
+            </a:ln>
+          </p:spPr>
+          <p:style>
+            <a:lnRef idx="2">
+              <a:schemeClr val="accent1">
+                <a:shade val="50000"/>
+              </a:schemeClr>
+            </a:lnRef>
+            <a:fillRef idx="1">
+              <a:schemeClr val="accent1"/>
+            </a:fillRef>
+            <a:effectRef idx="0">
+              <a:schemeClr val="accent1"/>
+            </a:effectRef>
+            <a:fontRef idx="minor">
+              <a:schemeClr val="lt1"/>
+            </a:fontRef>
+          </p:style>
+          <p:txBody>
+            <a:bodyPr rtlCol="0" anchor="ctr"/>
+            <a:lstStyle/>
+            <a:p>
+              <a:pPr algn="ctr"/>
+              <a:endParaRPr lang="en-US"/>
+            </a:p>
+          </p:txBody>
+        </p:sp>
+        <p:sp>
+          <p:nvSpPr>
+            <p:cNvPr id="8" name="Oval 7">
+              <a:extLst>
+                <a:ext uri="{FF2B5EF4-FFF2-40B4-BE49-F238E27FC236}">
+                  <a16:creationId xmlns:a16="http://schemas.microsoft.com/office/drawing/2014/main" id="{8B8019A2-AC4F-4764-9C65-80730CFC1C08}"/>
+                </a:ext>
+              </a:extLst>
+            </p:cNvPr>
+            <p:cNvSpPr/>
+            <p:nvPr/>
+          </p:nvSpPr>
+          <p:spPr>
+            <a:xfrm>
+              <a:off x="4745736" y="3246120"/>
+              <a:ext cx="182880" cy="182880"/>
+            </a:xfrm>
+            <a:prstGeom prst="ellipse">
+              <a:avLst/>
+            </a:prstGeom>
+            <a:solidFill>
+              <a:schemeClr val="accent6">
+                <a:lumMod val="20000"/>
+                <a:lumOff val="80000"/>
+              </a:schemeClr>
+            </a:solidFill>
+            <a:ln>
+              <a:solidFill>
+                <a:schemeClr val="accent6">
+                  <a:lumMod val="75000"/>
+                </a:schemeClr>
+              </a:solidFill>
+            </a:ln>
+          </p:spPr>
+          <p:style>
+            <a:lnRef idx="2">
+              <a:schemeClr val="accent1">
+                <a:shade val="50000"/>
+              </a:schemeClr>
+            </a:lnRef>
+            <a:fillRef idx="1">
+              <a:schemeClr val="accent1"/>
+            </a:fillRef>
+            <a:effectRef idx="0">
+              <a:schemeClr val="accent1"/>
+            </a:effectRef>
+            <a:fontRef idx="minor">
+              <a:schemeClr val="lt1"/>
+            </a:fontRef>
+          </p:style>
+          <p:txBody>
+            <a:bodyPr rtlCol="0" anchor="ctr"/>
+            <a:lstStyle/>
+            <a:p>
+              <a:pPr algn="ctr"/>
+              <a:endParaRPr lang="en-US" dirty="0"/>
+            </a:p>
+          </p:txBody>
+        </p:sp>
+        <p:sp>
+          <p:nvSpPr>
+            <p:cNvPr id="9" name="Oval 8">
+              <a:extLst>
+                <a:ext uri="{FF2B5EF4-FFF2-40B4-BE49-F238E27FC236}">
+                  <a16:creationId xmlns:a16="http://schemas.microsoft.com/office/drawing/2014/main" id="{7DC8FD7C-BF62-4BA4-852D-4D9FC7B07915}"/>
+                </a:ext>
+              </a:extLst>
+            </p:cNvPr>
+            <p:cNvSpPr/>
+            <p:nvPr/>
+          </p:nvSpPr>
+          <p:spPr>
+            <a:xfrm>
+              <a:off x="3666744" y="3844046"/>
+              <a:ext cx="182880" cy="182880"/>
+            </a:xfrm>
+            <a:prstGeom prst="ellipse">
+              <a:avLst/>
+            </a:prstGeom>
+            <a:solidFill>
+              <a:schemeClr val="accent6">
+                <a:lumMod val="20000"/>
+                <a:lumOff val="80000"/>
+              </a:schemeClr>
+            </a:solidFill>
+            <a:ln>
+              <a:solidFill>
+                <a:schemeClr val="accent6">
+                  <a:lumMod val="75000"/>
+                </a:schemeClr>
+              </a:solidFill>
+            </a:ln>
+          </p:spPr>
+          <p:style>
+            <a:lnRef idx="2">
+              <a:schemeClr val="accent1">
+                <a:shade val="50000"/>
+              </a:schemeClr>
+            </a:lnRef>
+            <a:fillRef idx="1">
+              <a:schemeClr val="accent1"/>
+            </a:fillRef>
+            <a:effectRef idx="0">
+              <a:schemeClr val="accent1"/>
+            </a:effectRef>
+            <a:fontRef idx="minor">
+              <a:schemeClr val="lt1"/>
+            </a:fontRef>
+          </p:style>
+          <p:txBody>
+            <a:bodyPr rtlCol="0" anchor="ctr"/>
+            <a:lstStyle/>
+            <a:p>
+              <a:pPr algn="ctr"/>
+              <a:endParaRPr lang="en-US"/>
+            </a:p>
+          </p:txBody>
+        </p:sp>
+        <p:cxnSp>
+          <p:nvCxnSpPr>
+            <p:cNvPr id="10" name="Straight Arrow Connector 9">
+              <a:extLst>
+                <a:ext uri="{FF2B5EF4-FFF2-40B4-BE49-F238E27FC236}">
+                  <a16:creationId xmlns:a16="http://schemas.microsoft.com/office/drawing/2014/main" id="{B469082F-EAFD-4C99-B170-B3577DC153FD}"/>
+                </a:ext>
+              </a:extLst>
+            </p:cNvPr>
+            <p:cNvCxnSpPr>
+              <a:stCxn id="5" idx="3"/>
+              <a:endCxn id="6" idx="7"/>
+            </p:cNvCxnSpPr>
+            <p:nvPr/>
+          </p:nvCxnSpPr>
+          <p:spPr>
+            <a:xfrm flipH="1">
+              <a:off x="4005722" y="2873878"/>
+              <a:ext cx="218156" cy="325872"/>
+            </a:xfrm>
+            <a:prstGeom prst="straightConnector1">
+              <a:avLst/>
+            </a:prstGeom>
+            <a:ln>
+              <a:solidFill>
+                <a:srgbClr val="0070C0"/>
+              </a:solidFill>
+              <a:tailEnd type="triangle"/>
+            </a:ln>
+          </p:spPr>
+          <p:style>
+            <a:lnRef idx="1">
+              <a:schemeClr val="accent1"/>
+            </a:lnRef>
+            <a:fillRef idx="0">
+              <a:schemeClr val="accent1"/>
+            </a:fillRef>
+            <a:effectRef idx="0">
+              <a:schemeClr val="accent1"/>
+            </a:effectRef>
+            <a:fontRef idx="minor">
+              <a:schemeClr val="tx1"/>
+            </a:fontRef>
+          </p:style>
+        </p:cxnSp>
+        <p:cxnSp>
+          <p:nvCxnSpPr>
+            <p:cNvPr id="11" name="Straight Arrow Connector 10">
+              <a:extLst>
+                <a:ext uri="{FF2B5EF4-FFF2-40B4-BE49-F238E27FC236}">
+                  <a16:creationId xmlns:a16="http://schemas.microsoft.com/office/drawing/2014/main" id="{DDD7D46F-728F-45AC-A88C-8CBA11A9239F}"/>
+                </a:ext>
+              </a:extLst>
+            </p:cNvPr>
+            <p:cNvCxnSpPr>
+              <a:cxnSpLocks/>
+              <a:stCxn id="5" idx="4"/>
+              <a:endCxn id="7" idx="0"/>
+            </p:cNvCxnSpPr>
+            <p:nvPr/>
+          </p:nvCxnSpPr>
+          <p:spPr>
+            <a:xfrm>
+              <a:off x="4288536" y="2900660"/>
+              <a:ext cx="91440" cy="760506"/>
+            </a:xfrm>
+            <a:prstGeom prst="straightConnector1">
+              <a:avLst/>
+            </a:prstGeom>
+            <a:ln>
+              <a:solidFill>
+                <a:srgbClr val="0070C0"/>
+              </a:solidFill>
+              <a:tailEnd type="triangle"/>
+            </a:ln>
+          </p:spPr>
+          <p:style>
+            <a:lnRef idx="1">
+              <a:schemeClr val="accent1"/>
+            </a:lnRef>
+            <a:fillRef idx="0">
+              <a:schemeClr val="accent1"/>
+            </a:fillRef>
+            <a:effectRef idx="0">
+              <a:schemeClr val="accent1"/>
+            </a:effectRef>
+            <a:fontRef idx="minor">
+              <a:schemeClr val="tx1"/>
+            </a:fontRef>
+          </p:style>
+        </p:cxnSp>
+        <p:cxnSp>
+          <p:nvCxnSpPr>
+            <p:cNvPr id="12" name="Straight Arrow Connector 11">
+              <a:extLst>
+                <a:ext uri="{FF2B5EF4-FFF2-40B4-BE49-F238E27FC236}">
+                  <a16:creationId xmlns:a16="http://schemas.microsoft.com/office/drawing/2014/main" id="{C316BC33-7A21-42B3-BE31-AD649BE17A7A}"/>
+                </a:ext>
+              </a:extLst>
+            </p:cNvPr>
+            <p:cNvCxnSpPr>
+              <a:cxnSpLocks/>
+              <a:stCxn id="5" idx="5"/>
+              <a:endCxn id="8" idx="1"/>
+            </p:cNvCxnSpPr>
+            <p:nvPr/>
+          </p:nvCxnSpPr>
+          <p:spPr>
+            <a:xfrm>
+              <a:off x="4353194" y="2873878"/>
+              <a:ext cx="419324" cy="399024"/>
+            </a:xfrm>
+            <a:prstGeom prst="straightConnector1">
+              <a:avLst/>
+            </a:prstGeom>
+            <a:ln>
+              <a:solidFill>
+                <a:srgbClr val="0070C0"/>
+              </a:solidFill>
+              <a:tailEnd type="triangle"/>
+            </a:ln>
+          </p:spPr>
+          <p:style>
+            <a:lnRef idx="1">
+              <a:schemeClr val="accent1"/>
+            </a:lnRef>
+            <a:fillRef idx="0">
+              <a:schemeClr val="accent1"/>
+            </a:fillRef>
+            <a:effectRef idx="0">
+              <a:schemeClr val="accent1"/>
+            </a:effectRef>
+            <a:fontRef idx="minor">
+              <a:schemeClr val="tx1"/>
+            </a:fontRef>
+          </p:style>
+        </p:cxnSp>
+        <p:cxnSp>
+          <p:nvCxnSpPr>
+            <p:cNvPr id="13" name="Straight Arrow Connector 12">
+              <a:extLst>
+                <a:ext uri="{FF2B5EF4-FFF2-40B4-BE49-F238E27FC236}">
+                  <a16:creationId xmlns:a16="http://schemas.microsoft.com/office/drawing/2014/main" id="{B03C5068-96C0-406F-A910-7463D671365E}"/>
+                </a:ext>
+              </a:extLst>
+            </p:cNvPr>
+            <p:cNvCxnSpPr>
+              <a:cxnSpLocks/>
+              <a:stCxn id="8" idx="3"/>
+              <a:endCxn id="7" idx="7"/>
+            </p:cNvCxnSpPr>
+            <p:nvPr/>
+          </p:nvCxnSpPr>
+          <p:spPr>
+            <a:xfrm flipH="1">
+              <a:off x="4444634" y="3402218"/>
+              <a:ext cx="327884" cy="285730"/>
+            </a:xfrm>
+            <a:prstGeom prst="straightConnector1">
+              <a:avLst/>
+            </a:prstGeom>
+            <a:ln>
+              <a:solidFill>
+                <a:srgbClr val="0070C0"/>
+              </a:solidFill>
+              <a:tailEnd type="triangle"/>
+            </a:ln>
+          </p:spPr>
+          <p:style>
+            <a:lnRef idx="1">
+              <a:schemeClr val="accent1"/>
+            </a:lnRef>
+            <a:fillRef idx="0">
+              <a:schemeClr val="accent1"/>
+            </a:fillRef>
+            <a:effectRef idx="0">
+              <a:schemeClr val="accent1"/>
+            </a:effectRef>
+            <a:fontRef idx="minor">
+              <a:schemeClr val="tx1"/>
+            </a:fontRef>
+          </p:style>
+        </p:cxnSp>
+        <p:cxnSp>
+          <p:nvCxnSpPr>
+            <p:cNvPr id="14" name="Straight Arrow Connector 13">
+              <a:extLst>
+                <a:ext uri="{FF2B5EF4-FFF2-40B4-BE49-F238E27FC236}">
+                  <a16:creationId xmlns:a16="http://schemas.microsoft.com/office/drawing/2014/main" id="{766A5434-9533-4634-A02B-8CC545C14242}"/>
+                </a:ext>
+              </a:extLst>
+            </p:cNvPr>
+            <p:cNvCxnSpPr>
+              <a:cxnSpLocks/>
+              <a:stCxn id="9" idx="6"/>
+              <a:endCxn id="7" idx="2"/>
+            </p:cNvCxnSpPr>
+            <p:nvPr/>
+          </p:nvCxnSpPr>
+          <p:spPr>
+            <a:xfrm flipV="1">
+              <a:off x="3849624" y="3752606"/>
+              <a:ext cx="438912" cy="182880"/>
+            </a:xfrm>
+            <a:prstGeom prst="straightConnector1">
+              <a:avLst/>
+            </a:prstGeom>
+            <a:ln>
+              <a:solidFill>
+                <a:srgbClr val="0070C0"/>
+              </a:solidFill>
+              <a:tailEnd type="triangle"/>
+            </a:ln>
+          </p:spPr>
+          <p:style>
+            <a:lnRef idx="1">
+              <a:schemeClr val="accent1"/>
+            </a:lnRef>
+            <a:fillRef idx="0">
+              <a:schemeClr val="accent1"/>
+            </a:fillRef>
+            <a:effectRef idx="0">
+              <a:schemeClr val="accent1"/>
+            </a:effectRef>
+            <a:fontRef idx="minor">
+              <a:schemeClr val="tx1"/>
+            </a:fontRef>
+          </p:style>
+        </p:cxnSp>
+        <p:cxnSp>
+          <p:nvCxnSpPr>
+            <p:cNvPr id="15" name="Straight Arrow Connector 14">
+              <a:extLst>
+                <a:ext uri="{FF2B5EF4-FFF2-40B4-BE49-F238E27FC236}">
+                  <a16:creationId xmlns:a16="http://schemas.microsoft.com/office/drawing/2014/main" id="{0953CD24-4D99-4FAC-95EA-F1A371844B02}"/>
+                </a:ext>
+              </a:extLst>
+            </p:cNvPr>
+            <p:cNvCxnSpPr>
+              <a:cxnSpLocks/>
+              <a:stCxn id="9" idx="0"/>
+              <a:endCxn id="6" idx="4"/>
+            </p:cNvCxnSpPr>
+            <p:nvPr/>
+          </p:nvCxnSpPr>
+          <p:spPr>
+            <a:xfrm flipV="1">
+              <a:off x="3758184" y="3355848"/>
+              <a:ext cx="182880" cy="488198"/>
+            </a:xfrm>
+            <a:prstGeom prst="straightConnector1">
+              <a:avLst/>
+            </a:prstGeom>
+            <a:ln>
+              <a:solidFill>
+                <a:srgbClr val="0070C0"/>
+              </a:solidFill>
+              <a:tailEnd type="triangle"/>
+            </a:ln>
+          </p:spPr>
+          <p:style>
+            <a:lnRef idx="1">
+              <a:schemeClr val="accent1"/>
+            </a:lnRef>
+            <a:fillRef idx="0">
+              <a:schemeClr val="accent1"/>
+            </a:fillRef>
+            <a:effectRef idx="0">
+              <a:schemeClr val="accent1"/>
+            </a:effectRef>
+            <a:fontRef idx="minor">
+              <a:schemeClr val="tx1"/>
+            </a:fontRef>
+          </p:style>
+        </p:cxnSp>
+      </p:grpSp>
+      <p:sp>
+        <p:nvSpPr>
+          <p:cNvPr id="16" name="Rectangle: Rounded Corners 15">
+            <a:extLst>
+              <a:ext uri="{FF2B5EF4-FFF2-40B4-BE49-F238E27FC236}">
+                <a16:creationId xmlns:a16="http://schemas.microsoft.com/office/drawing/2014/main" id="{6AD7E2D8-ABFC-4548-A2BE-C2117F161939}"/>
+              </a:ext>
+            </a:extLst>
+          </p:cNvPr>
+          <p:cNvSpPr/>
+          <p:nvPr/>
+        </p:nvSpPr>
+        <p:spPr>
+          <a:xfrm>
+            <a:off x="1775845" y="2942504"/>
+            <a:ext cx="1201847" cy="1126266"/>
+          </a:xfrm>
+          <a:prstGeom prst="roundRect">
+            <a:avLst>
+              <a:gd name="adj" fmla="val 10106"/>
+            </a:avLst>
+          </a:prstGeom>
+          <a:solidFill>
+            <a:schemeClr val="accent4">
+              <a:lumMod val="20000"/>
+              <a:lumOff val="80000"/>
+            </a:schemeClr>
+          </a:solidFill>
+          <a:ln>
+            <a:solidFill>
+              <a:srgbClr val="FFC000"/>
+            </a:solidFill>
+          </a:ln>
+          <a:effectLst>
+            <a:outerShdw blurRad="50800" dist="38100" dir="2700000" algn="tl" rotWithShape="0">
+              <a:prstClr val="black">
+                <a:alpha val="40000"/>
+              </a:prstClr>
+            </a:outerShdw>
+          </a:effectLst>
+        </p:spPr>
+        <p:style>
+          <a:lnRef idx="2">
+            <a:schemeClr val="accent1">
+              <a:shade val="50000"/>
+            </a:schemeClr>
+          </a:lnRef>
+          <a:fillRef idx="1">
+            <a:schemeClr val="accent1"/>
+          </a:fillRef>
+          <a:effectRef idx="0">
+            <a:schemeClr val="accent1"/>
+          </a:effectRef>
+          <a:fontRef idx="minor">
+            <a:schemeClr val="lt1"/>
+          </a:fontRef>
+        </p:style>
+        <p:txBody>
+          <a:bodyPr lIns="0" tIns="0" rIns="0" bIns="0" rtlCol="0" anchor="ctr"/>
+          <a:lstStyle/>
+          <a:p>
+            <a:pPr algn="ctr"/>
+            <a:r>
+              <a:rPr lang="en-US" dirty="0">
+                <a:solidFill>
+                  <a:schemeClr val="tx1"/>
+                </a:solidFill>
+              </a:rPr>
+              <a:t>EE-Graph</a:t>
+            </a:r>
+          </a:p>
+          <a:p>
+            <a:pPr algn="ctr"/>
+            <a:r>
+              <a:rPr lang="en-US" dirty="0">
+                <a:solidFill>
+                  <a:schemeClr val="tx1"/>
+                </a:solidFill>
+              </a:rPr>
+              <a:t>Convolution</a:t>
+            </a:r>
+          </a:p>
+          <a:p>
+            <a:pPr algn="ctr"/>
+            <a:r>
+              <a:rPr lang="en-US" dirty="0">
+                <a:solidFill>
+                  <a:schemeClr val="tx1"/>
+                </a:solidFill>
+              </a:rPr>
+              <a:t>Network</a:t>
+            </a:r>
+          </a:p>
+        </p:txBody>
+      </p:sp>
+      <p:sp>
+        <p:nvSpPr>
+          <p:cNvPr id="43" name="Rectangle 26">
+            <a:extLst>
+              <a:ext uri="{FF2B5EF4-FFF2-40B4-BE49-F238E27FC236}">
+                <a16:creationId xmlns:a16="http://schemas.microsoft.com/office/drawing/2014/main" id="{DF97CE4A-34DC-461E-B6BD-B593A900C0A4}"/>
+              </a:ext>
+            </a:extLst>
+          </p:cNvPr>
+          <p:cNvSpPr>
+            <a:spLocks noChangeArrowheads="1"/>
+          </p:cNvSpPr>
+          <p:nvPr/>
+        </p:nvSpPr>
+        <p:spPr bwMode="auto">
+          <a:xfrm>
+            <a:off x="0" y="0"/>
+            <a:ext cx="12192000" cy="457200"/>
+          </a:xfrm>
+          <a:prstGeom prst="rect">
+            <a:avLst/>
+          </a:prstGeom>
+          <a:noFill/>
+          <a:ln>
+            <a:noFill/>
+          </a:ln>
+          <a:effectLst/>
+          <a:extLst>
+            <a:ext uri="{909E8E84-426E-40DD-AFC4-6F175D3DCCD1}">
+              <a14:hiddenFill xmlns:a14="http://schemas.microsoft.com/office/drawing/2010/main">
+                <a:solidFill>
+                  <a:schemeClr val="accent1"/>
+                </a:solidFill>
+              </a14:hiddenFill>
+            </a:ext>
+            <a:ext uri="{91240B29-F687-4F45-9708-019B960494DF}">
+              <a14:hiddenLine xmlns:a14="http://schemas.microsoft.com/office/drawing/2010/main" w="9525">
+                <a:solidFill>
+                  <a:schemeClr val="tx1"/>
+                </a:solidFill>
+                <a:miter lim="800000"/>
+                <a:headEnd/>
+                <a:tailEnd/>
+              </a14:hiddenLine>
+            </a:ext>
+            <a:ext uri="{AF507438-7753-43E0-B8FC-AC1667EBCBE1}">
+              <a14:hiddenEffects xmlns:a14="http://schemas.microsoft.com/office/drawing/2010/main">
+                <a:effectLst>
+                  <a:outerShdw dist="35921" dir="2700000" algn="ctr" rotWithShape="0">
+                    <a:schemeClr val="bg2"/>
+                  </a:outerShdw>
+                </a:effectLst>
+              </a14:hiddenEffects>
+            </a:ext>
+          </a:extLst>
+        </p:spPr>
+        <p:txBody>
+          <a:bodyPr vert="horz" wrap="none" lIns="91440" tIns="45720" rIns="91440" bIns="45720" numCol="1" anchor="ctr" anchorCtr="0" compatLnSpc="1">
+            <a:prstTxWarp prst="textNoShape">
+              <a:avLst/>
+            </a:prstTxWarp>
+            <a:spAutoFit/>
+          </a:bodyPr>
+          <a:lstStyle/>
+          <a:p>
+            <a:endParaRPr lang="en-US"/>
+          </a:p>
+        </p:txBody>
+      </p:sp>
+      <p:grpSp>
+        <p:nvGrpSpPr>
+          <p:cNvPr id="63" name="Group 62">
+            <a:extLst>
+              <a:ext uri="{FF2B5EF4-FFF2-40B4-BE49-F238E27FC236}">
+                <a16:creationId xmlns:a16="http://schemas.microsoft.com/office/drawing/2014/main" id="{71B3C28F-96AB-46C4-815A-09E7A4F71C7A}"/>
+              </a:ext>
+            </a:extLst>
+          </p:cNvPr>
+          <p:cNvGrpSpPr/>
+          <p:nvPr/>
+        </p:nvGrpSpPr>
+        <p:grpSpPr>
+          <a:xfrm>
+            <a:off x="3547425" y="2682022"/>
+            <a:ext cx="720991" cy="1610870"/>
+            <a:chOff x="3547425" y="2682022"/>
+            <a:chExt cx="720991" cy="1610870"/>
+          </a:xfrm>
+        </p:grpSpPr>
+        <p:grpSp>
+          <p:nvGrpSpPr>
+            <p:cNvPr id="46" name="Group 45">
+              <a:extLst>
+                <a:ext uri="{FF2B5EF4-FFF2-40B4-BE49-F238E27FC236}">
+                  <a16:creationId xmlns:a16="http://schemas.microsoft.com/office/drawing/2014/main" id="{EC4C4986-06F3-44C7-B7D4-F48C29F01CDF}"/>
+                </a:ext>
+              </a:extLst>
+            </p:cNvPr>
+            <p:cNvGrpSpPr/>
+            <p:nvPr/>
+          </p:nvGrpSpPr>
+          <p:grpSpPr>
+            <a:xfrm>
+              <a:off x="3553406" y="2682022"/>
+              <a:ext cx="711200" cy="203835"/>
+              <a:chOff x="3559387" y="2503170"/>
+              <a:chExt cx="711200" cy="203835"/>
+            </a:xfrm>
+          </p:grpSpPr>
+          <p:sp>
+            <p:nvSpPr>
+              <p:cNvPr id="18" name="Rectangle: Rounded Corners 17">
+                <a:extLst>
+                  <a:ext uri="{FF2B5EF4-FFF2-40B4-BE49-F238E27FC236}">
+                    <a16:creationId xmlns:a16="http://schemas.microsoft.com/office/drawing/2014/main" id="{4DDDA0ED-7C55-49F5-B3EE-BE76434D8889}"/>
+                  </a:ext>
+                </a:extLst>
+              </p:cNvPr>
+              <p:cNvSpPr/>
+              <p:nvPr/>
+            </p:nvSpPr>
+            <p:spPr>
+              <a:xfrm>
+                <a:off x="3559387" y="2503170"/>
+                <a:ext cx="711200" cy="203835"/>
+              </a:xfrm>
+              <a:prstGeom prst="roundRect">
+                <a:avLst/>
+              </a:prstGeom>
+              <a:noFill/>
+              <a:ln>
+                <a:solidFill>
+                  <a:schemeClr val="tx1"/>
+                </a:solidFill>
+              </a:ln>
+            </p:spPr>
+            <p:style>
+              <a:lnRef idx="2">
+                <a:schemeClr val="accent1">
+                  <a:shade val="50000"/>
+                </a:schemeClr>
+              </a:lnRef>
+              <a:fillRef idx="1">
+                <a:schemeClr val="accent1"/>
+              </a:fillRef>
+              <a:effectRef idx="0">
+                <a:schemeClr val="accent1"/>
+              </a:effectRef>
+              <a:fontRef idx="minor">
+                <a:schemeClr val="lt1"/>
+              </a:fontRef>
+            </p:style>
+            <p:txBody>
+              <a:bodyPr rot="0" spcFirstLastPara="0" vert="horz" wrap="square" lIns="91440" tIns="45720" rIns="91440" bIns="45720" numCol="1" spcCol="0" rtlCol="0" fromWordArt="0" anchor="ctr" anchorCtr="0" forceAA="0" compatLnSpc="1">
+                <a:prstTxWarp prst="textNoShape">
+                  <a:avLst/>
+                </a:prstTxWarp>
+                <a:noAutofit/>
+              </a:bodyPr>
+              <a:lstStyle/>
+              <a:p>
+                <a:endParaRPr lang="en-US"/>
+              </a:p>
+            </p:txBody>
+          </p:sp>
+          <p:sp>
+            <p:nvSpPr>
+              <p:cNvPr id="19" name="Oval 18">
+                <a:extLst>
+                  <a:ext uri="{FF2B5EF4-FFF2-40B4-BE49-F238E27FC236}">
+                    <a16:creationId xmlns:a16="http://schemas.microsoft.com/office/drawing/2014/main" id="{1128D7ED-9270-4FB2-83BD-D7742BC221F4}"/>
+                  </a:ext>
+                </a:extLst>
+              </p:cNvPr>
+              <p:cNvSpPr/>
+              <p:nvPr/>
+            </p:nvSpPr>
+            <p:spPr>
+              <a:xfrm>
+                <a:off x="3640032" y="2545080"/>
+                <a:ext cx="134620" cy="128905"/>
+              </a:xfrm>
+              <a:prstGeom prst="ellipse">
+                <a:avLst/>
+              </a:prstGeom>
+              <a:solidFill>
+                <a:schemeClr val="accent1">
+                  <a:lumMod val="40000"/>
+                  <a:lumOff val="60000"/>
+                </a:schemeClr>
+              </a:solidFill>
+              <a:ln>
+                <a:solidFill>
+                  <a:schemeClr val="accent1">
+                    <a:lumMod val="60000"/>
+                    <a:lumOff val="40000"/>
+                  </a:schemeClr>
+                </a:solidFill>
+              </a:ln>
+            </p:spPr>
+            <p:style>
+              <a:lnRef idx="2">
+                <a:schemeClr val="accent1">
+                  <a:shade val="50000"/>
+                </a:schemeClr>
+              </a:lnRef>
+              <a:fillRef idx="1">
+                <a:schemeClr val="accent1"/>
+              </a:fillRef>
+              <a:effectRef idx="0">
+                <a:schemeClr val="accent1"/>
+              </a:effectRef>
+              <a:fontRef idx="minor">
+                <a:schemeClr val="lt1"/>
+              </a:fontRef>
+            </p:style>
+            <p:txBody>
+              <a:bodyPr rot="0" spcFirstLastPara="0" vert="horz" wrap="square" lIns="91440" tIns="45720" rIns="91440" bIns="45720" numCol="1" spcCol="0" rtlCol="0" fromWordArt="0" anchor="ctr" anchorCtr="0" forceAA="0" compatLnSpc="1">
+                <a:prstTxWarp prst="textNoShape">
+                  <a:avLst/>
+                </a:prstTxWarp>
+                <a:noAutofit/>
+              </a:bodyPr>
+              <a:lstStyle/>
+              <a:p>
+                <a:endParaRPr lang="en-US"/>
+              </a:p>
+            </p:txBody>
+          </p:sp>
+          <p:sp>
+            <p:nvSpPr>
+              <p:cNvPr id="20" name="Oval 19">
+                <a:extLst>
+                  <a:ext uri="{FF2B5EF4-FFF2-40B4-BE49-F238E27FC236}">
+                    <a16:creationId xmlns:a16="http://schemas.microsoft.com/office/drawing/2014/main" id="{9DB8AAEA-59AF-42A2-95CE-DC586CE37560}"/>
+                  </a:ext>
+                </a:extLst>
+              </p:cNvPr>
+              <p:cNvSpPr/>
+              <p:nvPr/>
+            </p:nvSpPr>
+            <p:spPr>
+              <a:xfrm>
+                <a:off x="3851487" y="2545080"/>
+                <a:ext cx="134620" cy="128905"/>
+              </a:xfrm>
+              <a:prstGeom prst="ellipse">
+                <a:avLst/>
+              </a:prstGeom>
+              <a:solidFill>
+                <a:schemeClr val="accent1">
+                  <a:lumMod val="40000"/>
+                  <a:lumOff val="60000"/>
+                </a:schemeClr>
+              </a:solidFill>
+              <a:ln>
+                <a:solidFill>
+                  <a:schemeClr val="accent1">
+                    <a:lumMod val="60000"/>
+                    <a:lumOff val="40000"/>
+                  </a:schemeClr>
+                </a:solidFill>
+              </a:ln>
+            </p:spPr>
+            <p:style>
+              <a:lnRef idx="2">
+                <a:schemeClr val="accent1">
+                  <a:shade val="50000"/>
+                </a:schemeClr>
+              </a:lnRef>
+              <a:fillRef idx="1">
+                <a:schemeClr val="accent1"/>
+              </a:fillRef>
+              <a:effectRef idx="0">
+                <a:schemeClr val="accent1"/>
+              </a:effectRef>
+              <a:fontRef idx="minor">
+                <a:schemeClr val="lt1"/>
+              </a:fontRef>
+            </p:style>
+            <p:txBody>
+              <a:bodyPr rot="0" spcFirstLastPara="0" vert="horz" wrap="square" lIns="91440" tIns="45720" rIns="91440" bIns="45720" numCol="1" spcCol="0" rtlCol="0" fromWordArt="0" anchor="ctr" anchorCtr="0" forceAA="0" compatLnSpc="1">
+                <a:prstTxWarp prst="textNoShape">
+                  <a:avLst/>
+                </a:prstTxWarp>
+                <a:noAutofit/>
+              </a:bodyPr>
+              <a:lstStyle/>
+              <a:p>
+                <a:endParaRPr lang="en-US"/>
+              </a:p>
+            </p:txBody>
+          </p:sp>
+          <p:sp>
+            <p:nvSpPr>
+              <p:cNvPr id="21" name="Oval 20">
+                <a:extLst>
+                  <a:ext uri="{FF2B5EF4-FFF2-40B4-BE49-F238E27FC236}">
+                    <a16:creationId xmlns:a16="http://schemas.microsoft.com/office/drawing/2014/main" id="{B53A2837-2489-4AE8-9A97-4F741830C4E2}"/>
+                  </a:ext>
+                </a:extLst>
+              </p:cNvPr>
+              <p:cNvSpPr/>
+              <p:nvPr/>
+            </p:nvSpPr>
+            <p:spPr>
+              <a:xfrm>
+                <a:off x="4063577" y="2545080"/>
+                <a:ext cx="134620" cy="128905"/>
+              </a:xfrm>
+              <a:prstGeom prst="ellipse">
+                <a:avLst/>
+              </a:prstGeom>
+              <a:solidFill>
+                <a:schemeClr val="accent1">
+                  <a:lumMod val="40000"/>
+                  <a:lumOff val="60000"/>
+                </a:schemeClr>
+              </a:solidFill>
+              <a:ln>
+                <a:solidFill>
+                  <a:schemeClr val="accent1">
+                    <a:lumMod val="60000"/>
+                    <a:lumOff val="40000"/>
+                  </a:schemeClr>
+                </a:solidFill>
+              </a:ln>
+            </p:spPr>
+            <p:style>
+              <a:lnRef idx="2">
+                <a:schemeClr val="accent1">
+                  <a:shade val="50000"/>
+                </a:schemeClr>
+              </a:lnRef>
+              <a:fillRef idx="1">
+                <a:schemeClr val="accent1"/>
+              </a:fillRef>
+              <a:effectRef idx="0">
+                <a:schemeClr val="accent1"/>
+              </a:effectRef>
+              <a:fontRef idx="minor">
+                <a:schemeClr val="lt1"/>
+              </a:fontRef>
+            </p:style>
+            <p:txBody>
+              <a:bodyPr rot="0" spcFirstLastPara="0" vert="horz" wrap="square" lIns="91440" tIns="45720" rIns="91440" bIns="45720" numCol="1" spcCol="0" rtlCol="0" fromWordArt="0" anchor="ctr" anchorCtr="0" forceAA="0" compatLnSpc="1">
+                <a:prstTxWarp prst="textNoShape">
+                  <a:avLst/>
+                </a:prstTxWarp>
+                <a:noAutofit/>
+              </a:bodyPr>
+              <a:lstStyle/>
+              <a:p>
+                <a:endParaRPr lang="en-US"/>
+              </a:p>
+            </p:txBody>
+          </p:sp>
+        </p:grpSp>
+        <p:grpSp>
+          <p:nvGrpSpPr>
+            <p:cNvPr id="47" name="Group 46">
+              <a:extLst>
+                <a:ext uri="{FF2B5EF4-FFF2-40B4-BE49-F238E27FC236}">
+                  <a16:creationId xmlns:a16="http://schemas.microsoft.com/office/drawing/2014/main" id="{10D7F356-56F1-4254-AF71-651D11B5A249}"/>
+                </a:ext>
+              </a:extLst>
+            </p:cNvPr>
+            <p:cNvGrpSpPr/>
+            <p:nvPr/>
+          </p:nvGrpSpPr>
+          <p:grpSpPr>
+            <a:xfrm>
+              <a:off x="3557216" y="3064709"/>
+              <a:ext cx="711200" cy="203835"/>
+              <a:chOff x="3559387" y="2503170"/>
+              <a:chExt cx="711200" cy="203835"/>
+            </a:xfrm>
+          </p:grpSpPr>
+          <p:sp>
+            <p:nvSpPr>
+              <p:cNvPr id="48" name="Rectangle: Rounded Corners 47">
+                <a:extLst>
+                  <a:ext uri="{FF2B5EF4-FFF2-40B4-BE49-F238E27FC236}">
+                    <a16:creationId xmlns:a16="http://schemas.microsoft.com/office/drawing/2014/main" id="{B3156FDB-143C-4188-B2DA-16E7619EE1A5}"/>
+                  </a:ext>
+                </a:extLst>
+              </p:cNvPr>
+              <p:cNvSpPr/>
+              <p:nvPr/>
+            </p:nvSpPr>
+            <p:spPr>
+              <a:xfrm>
+                <a:off x="3559387" y="2503170"/>
+                <a:ext cx="711200" cy="203835"/>
+              </a:xfrm>
+              <a:prstGeom prst="roundRect">
+                <a:avLst/>
+              </a:prstGeom>
+              <a:noFill/>
+              <a:ln>
+                <a:solidFill>
+                  <a:schemeClr val="tx1"/>
+                </a:solidFill>
+              </a:ln>
+            </p:spPr>
+            <p:style>
+              <a:lnRef idx="2">
+                <a:schemeClr val="accent1">
+                  <a:shade val="50000"/>
+                </a:schemeClr>
+              </a:lnRef>
+              <a:fillRef idx="1">
+                <a:schemeClr val="accent1"/>
+              </a:fillRef>
+              <a:effectRef idx="0">
+                <a:schemeClr val="accent1"/>
+              </a:effectRef>
+              <a:fontRef idx="minor">
+                <a:schemeClr val="lt1"/>
+              </a:fontRef>
+            </p:style>
+            <p:txBody>
+              <a:bodyPr rot="0" spcFirstLastPara="0" vert="horz" wrap="square" lIns="91440" tIns="45720" rIns="91440" bIns="45720" numCol="1" spcCol="0" rtlCol="0" fromWordArt="0" anchor="ctr" anchorCtr="0" forceAA="0" compatLnSpc="1">
+                <a:prstTxWarp prst="textNoShape">
+                  <a:avLst/>
+                </a:prstTxWarp>
+                <a:noAutofit/>
+              </a:bodyPr>
+              <a:lstStyle/>
+              <a:p>
+                <a:endParaRPr lang="en-US"/>
+              </a:p>
+            </p:txBody>
+          </p:sp>
+          <p:sp>
+            <p:nvSpPr>
+              <p:cNvPr id="49" name="Oval 48">
+                <a:extLst>
+                  <a:ext uri="{FF2B5EF4-FFF2-40B4-BE49-F238E27FC236}">
+                    <a16:creationId xmlns:a16="http://schemas.microsoft.com/office/drawing/2014/main" id="{643A148E-A22B-44E3-9480-1BF930090B67}"/>
+                  </a:ext>
+                </a:extLst>
+              </p:cNvPr>
+              <p:cNvSpPr/>
+              <p:nvPr/>
+            </p:nvSpPr>
+            <p:spPr>
+              <a:xfrm>
+                <a:off x="3640032" y="2545080"/>
+                <a:ext cx="134620" cy="128905"/>
+              </a:xfrm>
+              <a:prstGeom prst="ellipse">
+                <a:avLst/>
+              </a:prstGeom>
+              <a:solidFill>
+                <a:schemeClr val="accent1">
+                  <a:lumMod val="40000"/>
+                  <a:lumOff val="60000"/>
+                </a:schemeClr>
+              </a:solidFill>
+              <a:ln>
+                <a:solidFill>
+                  <a:schemeClr val="accent1">
+                    <a:lumMod val="60000"/>
+                    <a:lumOff val="40000"/>
+                  </a:schemeClr>
+                </a:solidFill>
+              </a:ln>
+            </p:spPr>
+            <p:style>
+              <a:lnRef idx="2">
+                <a:schemeClr val="accent1">
+                  <a:shade val="50000"/>
+                </a:schemeClr>
+              </a:lnRef>
+              <a:fillRef idx="1">
+                <a:schemeClr val="accent1"/>
+              </a:fillRef>
+              <a:effectRef idx="0">
+                <a:schemeClr val="accent1"/>
+              </a:effectRef>
+              <a:fontRef idx="minor">
+                <a:schemeClr val="lt1"/>
+              </a:fontRef>
+            </p:style>
+            <p:txBody>
+              <a:bodyPr rot="0" spcFirstLastPara="0" vert="horz" wrap="square" lIns="91440" tIns="45720" rIns="91440" bIns="45720" numCol="1" spcCol="0" rtlCol="0" fromWordArt="0" anchor="ctr" anchorCtr="0" forceAA="0" compatLnSpc="1">
+                <a:prstTxWarp prst="textNoShape">
+                  <a:avLst/>
+                </a:prstTxWarp>
+                <a:noAutofit/>
+              </a:bodyPr>
+              <a:lstStyle/>
+              <a:p>
+                <a:endParaRPr lang="en-US"/>
+              </a:p>
+            </p:txBody>
+          </p:sp>
+          <p:sp>
+            <p:nvSpPr>
+              <p:cNvPr id="50" name="Oval 49">
+                <a:extLst>
+                  <a:ext uri="{FF2B5EF4-FFF2-40B4-BE49-F238E27FC236}">
+                    <a16:creationId xmlns:a16="http://schemas.microsoft.com/office/drawing/2014/main" id="{568692B1-9FD1-41FC-8850-F35CFD226D77}"/>
+                  </a:ext>
+                </a:extLst>
+              </p:cNvPr>
+              <p:cNvSpPr/>
+              <p:nvPr/>
+            </p:nvSpPr>
+            <p:spPr>
+              <a:xfrm>
+                <a:off x="3851487" y="2545080"/>
+                <a:ext cx="134620" cy="128905"/>
+              </a:xfrm>
+              <a:prstGeom prst="ellipse">
+                <a:avLst/>
+              </a:prstGeom>
+              <a:solidFill>
+                <a:schemeClr val="accent1">
+                  <a:lumMod val="40000"/>
+                  <a:lumOff val="60000"/>
+                </a:schemeClr>
+              </a:solidFill>
+              <a:ln>
+                <a:solidFill>
+                  <a:schemeClr val="accent1">
+                    <a:lumMod val="60000"/>
+                    <a:lumOff val="40000"/>
+                  </a:schemeClr>
+                </a:solidFill>
+              </a:ln>
+            </p:spPr>
+            <p:style>
+              <a:lnRef idx="2">
+                <a:schemeClr val="accent1">
+                  <a:shade val="50000"/>
+                </a:schemeClr>
+              </a:lnRef>
+              <a:fillRef idx="1">
+                <a:schemeClr val="accent1"/>
+              </a:fillRef>
+              <a:effectRef idx="0">
+                <a:schemeClr val="accent1"/>
+              </a:effectRef>
+              <a:fontRef idx="minor">
+                <a:schemeClr val="lt1"/>
+              </a:fontRef>
+            </p:style>
+            <p:txBody>
+              <a:bodyPr rot="0" spcFirstLastPara="0" vert="horz" wrap="square" lIns="91440" tIns="45720" rIns="91440" bIns="45720" numCol="1" spcCol="0" rtlCol="0" fromWordArt="0" anchor="ctr" anchorCtr="0" forceAA="0" compatLnSpc="1">
+                <a:prstTxWarp prst="textNoShape">
+                  <a:avLst/>
+                </a:prstTxWarp>
+                <a:noAutofit/>
+              </a:bodyPr>
+              <a:lstStyle/>
+              <a:p>
+                <a:endParaRPr lang="en-US"/>
+              </a:p>
+            </p:txBody>
+          </p:sp>
+          <p:sp>
+            <p:nvSpPr>
+              <p:cNvPr id="51" name="Oval 50">
+                <a:extLst>
+                  <a:ext uri="{FF2B5EF4-FFF2-40B4-BE49-F238E27FC236}">
+                    <a16:creationId xmlns:a16="http://schemas.microsoft.com/office/drawing/2014/main" id="{1B68E82E-9906-4A60-BC29-5843E618E9F6}"/>
+                  </a:ext>
+                </a:extLst>
+              </p:cNvPr>
+              <p:cNvSpPr/>
+              <p:nvPr/>
+            </p:nvSpPr>
+            <p:spPr>
+              <a:xfrm>
+                <a:off x="4063577" y="2545080"/>
+                <a:ext cx="134620" cy="128905"/>
+              </a:xfrm>
+              <a:prstGeom prst="ellipse">
+                <a:avLst/>
+              </a:prstGeom>
+              <a:solidFill>
+                <a:schemeClr val="accent1">
+                  <a:lumMod val="40000"/>
+                  <a:lumOff val="60000"/>
+                </a:schemeClr>
+              </a:solidFill>
+              <a:ln>
+                <a:solidFill>
+                  <a:schemeClr val="accent1">
+                    <a:lumMod val="60000"/>
+                    <a:lumOff val="40000"/>
+                  </a:schemeClr>
+                </a:solidFill>
+              </a:ln>
+            </p:spPr>
+            <p:style>
+              <a:lnRef idx="2">
+                <a:schemeClr val="accent1">
+                  <a:shade val="50000"/>
+                </a:schemeClr>
+              </a:lnRef>
+              <a:fillRef idx="1">
+                <a:schemeClr val="accent1"/>
+              </a:fillRef>
+              <a:effectRef idx="0">
+                <a:schemeClr val="accent1"/>
+              </a:effectRef>
+              <a:fontRef idx="minor">
+                <a:schemeClr val="lt1"/>
+              </a:fontRef>
+            </p:style>
+            <p:txBody>
+              <a:bodyPr rot="0" spcFirstLastPara="0" vert="horz" wrap="square" lIns="91440" tIns="45720" rIns="91440" bIns="45720" numCol="1" spcCol="0" rtlCol="0" fromWordArt="0" anchor="ctr" anchorCtr="0" forceAA="0" compatLnSpc="1">
+                <a:prstTxWarp prst="textNoShape">
+                  <a:avLst/>
+                </a:prstTxWarp>
+                <a:noAutofit/>
+              </a:bodyPr>
+              <a:lstStyle/>
+              <a:p>
+                <a:endParaRPr lang="en-US"/>
+              </a:p>
+            </p:txBody>
+          </p:sp>
+        </p:grpSp>
+        <p:grpSp>
+          <p:nvGrpSpPr>
+            <p:cNvPr id="52" name="Group 51">
+              <a:extLst>
+                <a:ext uri="{FF2B5EF4-FFF2-40B4-BE49-F238E27FC236}">
+                  <a16:creationId xmlns:a16="http://schemas.microsoft.com/office/drawing/2014/main" id="{6E94D5AF-B8E7-44F3-837C-40285C528164}"/>
+                </a:ext>
+              </a:extLst>
+            </p:cNvPr>
+            <p:cNvGrpSpPr/>
+            <p:nvPr/>
+          </p:nvGrpSpPr>
+          <p:grpSpPr>
+            <a:xfrm>
+              <a:off x="3557216" y="3703411"/>
+              <a:ext cx="711200" cy="203835"/>
+              <a:chOff x="3559387" y="2503170"/>
+              <a:chExt cx="711200" cy="203835"/>
+            </a:xfrm>
+          </p:grpSpPr>
+          <p:sp>
+            <p:nvSpPr>
+              <p:cNvPr id="53" name="Rectangle: Rounded Corners 52">
+                <a:extLst>
+                  <a:ext uri="{FF2B5EF4-FFF2-40B4-BE49-F238E27FC236}">
+                    <a16:creationId xmlns:a16="http://schemas.microsoft.com/office/drawing/2014/main" id="{74DD0041-C0EC-4ED7-BE2E-3479EFD2F3A3}"/>
+                  </a:ext>
+                </a:extLst>
+              </p:cNvPr>
+              <p:cNvSpPr/>
+              <p:nvPr/>
+            </p:nvSpPr>
+            <p:spPr>
+              <a:xfrm>
+                <a:off x="3559387" y="2503170"/>
+                <a:ext cx="711200" cy="203835"/>
+              </a:xfrm>
+              <a:prstGeom prst="roundRect">
+                <a:avLst/>
+              </a:prstGeom>
+              <a:noFill/>
+              <a:ln>
+                <a:solidFill>
+                  <a:schemeClr val="tx1"/>
+                </a:solidFill>
+              </a:ln>
+            </p:spPr>
+            <p:style>
+              <a:lnRef idx="2">
+                <a:schemeClr val="accent1">
+                  <a:shade val="50000"/>
+                </a:schemeClr>
+              </a:lnRef>
+              <a:fillRef idx="1">
+                <a:schemeClr val="accent1"/>
+              </a:fillRef>
+              <a:effectRef idx="0">
+                <a:schemeClr val="accent1"/>
+              </a:effectRef>
+              <a:fontRef idx="minor">
+                <a:schemeClr val="lt1"/>
+              </a:fontRef>
+            </p:style>
+            <p:txBody>
+              <a:bodyPr rot="0" spcFirstLastPara="0" vert="horz" wrap="square" lIns="91440" tIns="45720" rIns="91440" bIns="45720" numCol="1" spcCol="0" rtlCol="0" fromWordArt="0" anchor="ctr" anchorCtr="0" forceAA="0" compatLnSpc="1">
+                <a:prstTxWarp prst="textNoShape">
+                  <a:avLst/>
+                </a:prstTxWarp>
+                <a:noAutofit/>
+              </a:bodyPr>
+              <a:lstStyle/>
+              <a:p>
+                <a:endParaRPr lang="en-US"/>
+              </a:p>
+            </p:txBody>
+          </p:sp>
+          <p:sp>
+            <p:nvSpPr>
+              <p:cNvPr id="54" name="Oval 53">
+                <a:extLst>
+                  <a:ext uri="{FF2B5EF4-FFF2-40B4-BE49-F238E27FC236}">
+                    <a16:creationId xmlns:a16="http://schemas.microsoft.com/office/drawing/2014/main" id="{F9A7A776-2C0E-4A3B-9F5B-AA940AABC85D}"/>
+                  </a:ext>
+                </a:extLst>
+              </p:cNvPr>
+              <p:cNvSpPr/>
+              <p:nvPr/>
+            </p:nvSpPr>
+            <p:spPr>
+              <a:xfrm>
+                <a:off x="3640032" y="2545080"/>
+                <a:ext cx="134620" cy="128905"/>
+              </a:xfrm>
+              <a:prstGeom prst="ellipse">
+                <a:avLst/>
+              </a:prstGeom>
+              <a:solidFill>
+                <a:schemeClr val="accent1">
+                  <a:lumMod val="40000"/>
+                  <a:lumOff val="60000"/>
+                </a:schemeClr>
+              </a:solidFill>
+              <a:ln>
+                <a:solidFill>
+                  <a:schemeClr val="accent1">
+                    <a:lumMod val="60000"/>
+                    <a:lumOff val="40000"/>
+                  </a:schemeClr>
+                </a:solidFill>
+              </a:ln>
+            </p:spPr>
+            <p:style>
+              <a:lnRef idx="2">
+                <a:schemeClr val="accent1">
+                  <a:shade val="50000"/>
+                </a:schemeClr>
+              </a:lnRef>
+              <a:fillRef idx="1">
+                <a:schemeClr val="accent1"/>
+              </a:fillRef>
+              <a:effectRef idx="0">
+                <a:schemeClr val="accent1"/>
+              </a:effectRef>
+              <a:fontRef idx="minor">
+                <a:schemeClr val="lt1"/>
+              </a:fontRef>
+            </p:style>
+            <p:txBody>
+              <a:bodyPr rot="0" spcFirstLastPara="0" vert="horz" wrap="square" lIns="91440" tIns="45720" rIns="91440" bIns="45720" numCol="1" spcCol="0" rtlCol="0" fromWordArt="0" anchor="ctr" anchorCtr="0" forceAA="0" compatLnSpc="1">
+                <a:prstTxWarp prst="textNoShape">
+                  <a:avLst/>
+                </a:prstTxWarp>
+                <a:noAutofit/>
+              </a:bodyPr>
+              <a:lstStyle/>
+              <a:p>
+                <a:endParaRPr lang="en-US"/>
+              </a:p>
+            </p:txBody>
+          </p:sp>
+          <p:sp>
+            <p:nvSpPr>
+              <p:cNvPr id="55" name="Oval 54">
+                <a:extLst>
+                  <a:ext uri="{FF2B5EF4-FFF2-40B4-BE49-F238E27FC236}">
+                    <a16:creationId xmlns:a16="http://schemas.microsoft.com/office/drawing/2014/main" id="{DE48DAFF-8D13-4FF1-94F6-25A95F9A7AEB}"/>
+                  </a:ext>
+                </a:extLst>
+              </p:cNvPr>
+              <p:cNvSpPr/>
+              <p:nvPr/>
+            </p:nvSpPr>
+            <p:spPr>
+              <a:xfrm>
+                <a:off x="3851487" y="2545080"/>
+                <a:ext cx="134620" cy="128905"/>
+              </a:xfrm>
+              <a:prstGeom prst="ellipse">
+                <a:avLst/>
+              </a:prstGeom>
+              <a:solidFill>
+                <a:schemeClr val="accent1">
+                  <a:lumMod val="40000"/>
+                  <a:lumOff val="60000"/>
+                </a:schemeClr>
+              </a:solidFill>
+              <a:ln>
+                <a:solidFill>
+                  <a:schemeClr val="accent1">
+                    <a:lumMod val="60000"/>
+                    <a:lumOff val="40000"/>
+                  </a:schemeClr>
+                </a:solidFill>
+              </a:ln>
+            </p:spPr>
+            <p:style>
+              <a:lnRef idx="2">
+                <a:schemeClr val="accent1">
+                  <a:shade val="50000"/>
+                </a:schemeClr>
+              </a:lnRef>
+              <a:fillRef idx="1">
+                <a:schemeClr val="accent1"/>
+              </a:fillRef>
+              <a:effectRef idx="0">
+                <a:schemeClr val="accent1"/>
+              </a:effectRef>
+              <a:fontRef idx="minor">
+                <a:schemeClr val="lt1"/>
+              </a:fontRef>
+            </p:style>
+            <p:txBody>
+              <a:bodyPr rot="0" spcFirstLastPara="0" vert="horz" wrap="square" lIns="91440" tIns="45720" rIns="91440" bIns="45720" numCol="1" spcCol="0" rtlCol="0" fromWordArt="0" anchor="ctr" anchorCtr="0" forceAA="0" compatLnSpc="1">
+                <a:prstTxWarp prst="textNoShape">
+                  <a:avLst/>
+                </a:prstTxWarp>
+                <a:noAutofit/>
+              </a:bodyPr>
+              <a:lstStyle/>
+              <a:p>
+                <a:endParaRPr lang="en-US"/>
+              </a:p>
+            </p:txBody>
+          </p:sp>
+          <p:sp>
+            <p:nvSpPr>
+              <p:cNvPr id="56" name="Oval 55">
+                <a:extLst>
+                  <a:ext uri="{FF2B5EF4-FFF2-40B4-BE49-F238E27FC236}">
+                    <a16:creationId xmlns:a16="http://schemas.microsoft.com/office/drawing/2014/main" id="{D80E5E54-6325-4DDC-8796-5317720261C2}"/>
+                  </a:ext>
+                </a:extLst>
+              </p:cNvPr>
+              <p:cNvSpPr/>
+              <p:nvPr/>
+            </p:nvSpPr>
+            <p:spPr>
+              <a:xfrm>
+                <a:off x="4063577" y="2545080"/>
+                <a:ext cx="134620" cy="128905"/>
+              </a:xfrm>
+              <a:prstGeom prst="ellipse">
+                <a:avLst/>
+              </a:prstGeom>
+              <a:solidFill>
+                <a:schemeClr val="accent1">
+                  <a:lumMod val="40000"/>
+                  <a:lumOff val="60000"/>
+                </a:schemeClr>
+              </a:solidFill>
+              <a:ln>
+                <a:solidFill>
+                  <a:schemeClr val="accent1">
+                    <a:lumMod val="60000"/>
+                    <a:lumOff val="40000"/>
+                  </a:schemeClr>
+                </a:solidFill>
+              </a:ln>
+            </p:spPr>
+            <p:style>
+              <a:lnRef idx="2">
+                <a:schemeClr val="accent1">
+                  <a:shade val="50000"/>
+                </a:schemeClr>
+              </a:lnRef>
+              <a:fillRef idx="1">
+                <a:schemeClr val="accent1"/>
+              </a:fillRef>
+              <a:effectRef idx="0">
+                <a:schemeClr val="accent1"/>
+              </a:effectRef>
+              <a:fontRef idx="minor">
+                <a:schemeClr val="lt1"/>
+              </a:fontRef>
+            </p:style>
+            <p:txBody>
+              <a:bodyPr rot="0" spcFirstLastPara="0" vert="horz" wrap="square" lIns="91440" tIns="45720" rIns="91440" bIns="45720" numCol="1" spcCol="0" rtlCol="0" fromWordArt="0" anchor="ctr" anchorCtr="0" forceAA="0" compatLnSpc="1">
+                <a:prstTxWarp prst="textNoShape">
+                  <a:avLst/>
+                </a:prstTxWarp>
+                <a:noAutofit/>
+              </a:bodyPr>
+              <a:lstStyle/>
+              <a:p>
+                <a:endParaRPr lang="en-US"/>
+              </a:p>
+            </p:txBody>
+          </p:sp>
+        </p:grpSp>
+        <p:grpSp>
+          <p:nvGrpSpPr>
+            <p:cNvPr id="57" name="Group 56">
+              <a:extLst>
+                <a:ext uri="{FF2B5EF4-FFF2-40B4-BE49-F238E27FC236}">
+                  <a16:creationId xmlns:a16="http://schemas.microsoft.com/office/drawing/2014/main" id="{4C77F533-187D-4609-A36F-5EA8ED641559}"/>
+                </a:ext>
+              </a:extLst>
+            </p:cNvPr>
+            <p:cNvGrpSpPr/>
+            <p:nvPr/>
+          </p:nvGrpSpPr>
+          <p:grpSpPr>
+            <a:xfrm>
+              <a:off x="3547425" y="4089057"/>
+              <a:ext cx="711200" cy="203835"/>
+              <a:chOff x="3559387" y="2503170"/>
+              <a:chExt cx="711200" cy="203835"/>
+            </a:xfrm>
+          </p:grpSpPr>
+          <p:sp>
+            <p:nvSpPr>
+              <p:cNvPr id="58" name="Rectangle: Rounded Corners 57">
+                <a:extLst>
+                  <a:ext uri="{FF2B5EF4-FFF2-40B4-BE49-F238E27FC236}">
+                    <a16:creationId xmlns:a16="http://schemas.microsoft.com/office/drawing/2014/main" id="{3F247D63-6303-4570-A4FA-1FAE9A742299}"/>
+                  </a:ext>
+                </a:extLst>
+              </p:cNvPr>
+              <p:cNvSpPr/>
+              <p:nvPr/>
+            </p:nvSpPr>
+            <p:spPr>
+              <a:xfrm>
+                <a:off x="3559387" y="2503170"/>
+                <a:ext cx="711200" cy="203835"/>
+              </a:xfrm>
+              <a:prstGeom prst="roundRect">
+                <a:avLst/>
+              </a:prstGeom>
+              <a:noFill/>
+              <a:ln>
+                <a:solidFill>
+                  <a:schemeClr val="tx1"/>
+                </a:solidFill>
+              </a:ln>
+            </p:spPr>
+            <p:style>
+              <a:lnRef idx="2">
+                <a:schemeClr val="accent1">
+                  <a:shade val="50000"/>
+                </a:schemeClr>
+              </a:lnRef>
+              <a:fillRef idx="1">
+                <a:schemeClr val="accent1"/>
+              </a:fillRef>
+              <a:effectRef idx="0">
+                <a:schemeClr val="accent1"/>
+              </a:effectRef>
+              <a:fontRef idx="minor">
+                <a:schemeClr val="lt1"/>
+              </a:fontRef>
+            </p:style>
+            <p:txBody>
+              <a:bodyPr rot="0" spcFirstLastPara="0" vert="horz" wrap="square" lIns="91440" tIns="45720" rIns="91440" bIns="45720" numCol="1" spcCol="0" rtlCol="0" fromWordArt="0" anchor="ctr" anchorCtr="0" forceAA="0" compatLnSpc="1">
+                <a:prstTxWarp prst="textNoShape">
+                  <a:avLst/>
+                </a:prstTxWarp>
+                <a:noAutofit/>
+              </a:bodyPr>
+              <a:lstStyle/>
+              <a:p>
+                <a:endParaRPr lang="en-US"/>
+              </a:p>
+            </p:txBody>
+          </p:sp>
+          <p:sp>
+            <p:nvSpPr>
+              <p:cNvPr id="59" name="Oval 58">
+                <a:extLst>
+                  <a:ext uri="{FF2B5EF4-FFF2-40B4-BE49-F238E27FC236}">
+                    <a16:creationId xmlns:a16="http://schemas.microsoft.com/office/drawing/2014/main" id="{DD58FF30-2FDD-4A77-901F-29046AA1E0D7}"/>
+                  </a:ext>
+                </a:extLst>
+              </p:cNvPr>
+              <p:cNvSpPr/>
+              <p:nvPr/>
+            </p:nvSpPr>
+            <p:spPr>
+              <a:xfrm>
+                <a:off x="3640032" y="2545080"/>
+                <a:ext cx="134620" cy="128905"/>
+              </a:xfrm>
+              <a:prstGeom prst="ellipse">
+                <a:avLst/>
+              </a:prstGeom>
+              <a:solidFill>
+                <a:schemeClr val="accent1">
+                  <a:lumMod val="40000"/>
+                  <a:lumOff val="60000"/>
+                </a:schemeClr>
+              </a:solidFill>
+              <a:ln>
+                <a:solidFill>
+                  <a:schemeClr val="accent1">
+                    <a:lumMod val="60000"/>
+                    <a:lumOff val="40000"/>
+                  </a:schemeClr>
+                </a:solidFill>
+              </a:ln>
+            </p:spPr>
+            <p:style>
+              <a:lnRef idx="2">
+                <a:schemeClr val="accent1">
+                  <a:shade val="50000"/>
+                </a:schemeClr>
+              </a:lnRef>
+              <a:fillRef idx="1">
+                <a:schemeClr val="accent1"/>
+              </a:fillRef>
+              <a:effectRef idx="0">
+                <a:schemeClr val="accent1"/>
+              </a:effectRef>
+              <a:fontRef idx="minor">
+                <a:schemeClr val="lt1"/>
+              </a:fontRef>
+            </p:style>
+            <p:txBody>
+              <a:bodyPr rot="0" spcFirstLastPara="0" vert="horz" wrap="square" lIns="91440" tIns="45720" rIns="91440" bIns="45720" numCol="1" spcCol="0" rtlCol="0" fromWordArt="0" anchor="ctr" anchorCtr="0" forceAA="0" compatLnSpc="1">
+                <a:prstTxWarp prst="textNoShape">
+                  <a:avLst/>
+                </a:prstTxWarp>
+                <a:noAutofit/>
+              </a:bodyPr>
+              <a:lstStyle/>
+              <a:p>
+                <a:endParaRPr lang="en-US"/>
+              </a:p>
+            </p:txBody>
+          </p:sp>
+          <p:sp>
+            <p:nvSpPr>
+              <p:cNvPr id="60" name="Oval 59">
+                <a:extLst>
+                  <a:ext uri="{FF2B5EF4-FFF2-40B4-BE49-F238E27FC236}">
+                    <a16:creationId xmlns:a16="http://schemas.microsoft.com/office/drawing/2014/main" id="{BEC4E59D-A47B-4C5F-AB39-1D41238CD50A}"/>
+                  </a:ext>
+                </a:extLst>
+              </p:cNvPr>
+              <p:cNvSpPr/>
+              <p:nvPr/>
+            </p:nvSpPr>
+            <p:spPr>
+              <a:xfrm>
+                <a:off x="3851487" y="2545080"/>
+                <a:ext cx="134620" cy="128905"/>
+              </a:xfrm>
+              <a:prstGeom prst="ellipse">
+                <a:avLst/>
+              </a:prstGeom>
+              <a:solidFill>
+                <a:schemeClr val="accent1">
+                  <a:lumMod val="40000"/>
+                  <a:lumOff val="60000"/>
+                </a:schemeClr>
+              </a:solidFill>
+              <a:ln>
+                <a:solidFill>
+                  <a:schemeClr val="accent1">
+                    <a:lumMod val="60000"/>
+                    <a:lumOff val="40000"/>
+                  </a:schemeClr>
+                </a:solidFill>
+              </a:ln>
+            </p:spPr>
+            <p:style>
+              <a:lnRef idx="2">
+                <a:schemeClr val="accent1">
+                  <a:shade val="50000"/>
+                </a:schemeClr>
+              </a:lnRef>
+              <a:fillRef idx="1">
+                <a:schemeClr val="accent1"/>
+              </a:fillRef>
+              <a:effectRef idx="0">
+                <a:schemeClr val="accent1"/>
+              </a:effectRef>
+              <a:fontRef idx="minor">
+                <a:schemeClr val="lt1"/>
+              </a:fontRef>
+            </p:style>
+            <p:txBody>
+              <a:bodyPr rot="0" spcFirstLastPara="0" vert="horz" wrap="square" lIns="91440" tIns="45720" rIns="91440" bIns="45720" numCol="1" spcCol="0" rtlCol="0" fromWordArt="0" anchor="ctr" anchorCtr="0" forceAA="0" compatLnSpc="1">
+                <a:prstTxWarp prst="textNoShape">
+                  <a:avLst/>
+                </a:prstTxWarp>
+                <a:noAutofit/>
+              </a:bodyPr>
+              <a:lstStyle/>
+              <a:p>
+                <a:endParaRPr lang="en-US"/>
+              </a:p>
+            </p:txBody>
+          </p:sp>
+          <p:sp>
+            <p:nvSpPr>
+              <p:cNvPr id="61" name="Oval 60">
+                <a:extLst>
+                  <a:ext uri="{FF2B5EF4-FFF2-40B4-BE49-F238E27FC236}">
+                    <a16:creationId xmlns:a16="http://schemas.microsoft.com/office/drawing/2014/main" id="{305A8B22-4CCF-4BC6-B6DA-6FDD459CBE2C}"/>
+                  </a:ext>
+                </a:extLst>
+              </p:cNvPr>
+              <p:cNvSpPr/>
+              <p:nvPr/>
+            </p:nvSpPr>
+            <p:spPr>
+              <a:xfrm>
+                <a:off x="4063577" y="2545080"/>
+                <a:ext cx="134620" cy="128905"/>
+              </a:xfrm>
+              <a:prstGeom prst="ellipse">
+                <a:avLst/>
+              </a:prstGeom>
+              <a:solidFill>
+                <a:schemeClr val="accent1">
+                  <a:lumMod val="40000"/>
+                  <a:lumOff val="60000"/>
+                </a:schemeClr>
+              </a:solidFill>
+              <a:ln>
+                <a:solidFill>
+                  <a:schemeClr val="accent1">
+                    <a:lumMod val="60000"/>
+                    <a:lumOff val="40000"/>
+                  </a:schemeClr>
+                </a:solidFill>
+              </a:ln>
+            </p:spPr>
+            <p:style>
+              <a:lnRef idx="2">
+                <a:schemeClr val="accent1">
+                  <a:shade val="50000"/>
+                </a:schemeClr>
+              </a:lnRef>
+              <a:fillRef idx="1">
+                <a:schemeClr val="accent1"/>
+              </a:fillRef>
+              <a:effectRef idx="0">
+                <a:schemeClr val="accent1"/>
+              </a:effectRef>
+              <a:fontRef idx="minor">
+                <a:schemeClr val="lt1"/>
+              </a:fontRef>
+            </p:style>
+            <p:txBody>
+              <a:bodyPr rot="0" spcFirstLastPara="0" vert="horz" wrap="square" lIns="91440" tIns="45720" rIns="91440" bIns="45720" numCol="1" spcCol="0" rtlCol="0" fromWordArt="0" anchor="ctr" anchorCtr="0" forceAA="0" compatLnSpc="1">
+                <a:prstTxWarp prst="textNoShape">
+                  <a:avLst/>
+                </a:prstTxWarp>
+                <a:noAutofit/>
+              </a:bodyPr>
+              <a:lstStyle/>
+              <a:p>
+                <a:endParaRPr lang="en-US"/>
+              </a:p>
+            </p:txBody>
+          </p:sp>
+        </p:grpSp>
+        <p:sp>
+          <p:nvSpPr>
+            <p:cNvPr id="62" name="TextBox 61">
+              <a:extLst>
+                <a:ext uri="{FF2B5EF4-FFF2-40B4-BE49-F238E27FC236}">
+                  <a16:creationId xmlns:a16="http://schemas.microsoft.com/office/drawing/2014/main" id="{4B807A1A-F2C2-4AFB-A340-44C1C132B4DE}"/>
+                </a:ext>
+              </a:extLst>
+            </p:cNvPr>
+            <p:cNvSpPr txBox="1"/>
+            <p:nvPr/>
+          </p:nvSpPr>
+          <p:spPr>
+            <a:xfrm>
+              <a:off x="3748522" y="3243174"/>
+              <a:ext cx="343364" cy="369332"/>
+            </a:xfrm>
+            <a:prstGeom prst="rect">
+              <a:avLst/>
+            </a:prstGeom>
+            <a:noFill/>
+          </p:spPr>
+          <p:txBody>
+            <a:bodyPr wrap="none" rtlCol="0">
+              <a:spAutoFit/>
+            </a:bodyPr>
+            <a:lstStyle/>
+            <a:p>
+              <a:r>
+                <a:rPr lang="en-US" dirty="0"/>
+                <a:t>…</a:t>
+              </a:r>
+            </a:p>
+          </p:txBody>
+        </p:sp>
+      </p:grpSp>
+      <p:sp>
+        <p:nvSpPr>
+          <p:cNvPr id="64" name="TextBox 63">
+            <a:extLst>
+              <a:ext uri="{FF2B5EF4-FFF2-40B4-BE49-F238E27FC236}">
+                <a16:creationId xmlns:a16="http://schemas.microsoft.com/office/drawing/2014/main" id="{74C0257D-0541-415E-956B-B85B39C0BEB6}"/>
+              </a:ext>
+            </a:extLst>
+          </p:cNvPr>
+          <p:cNvSpPr txBox="1"/>
+          <p:nvPr/>
+        </p:nvSpPr>
+        <p:spPr>
+          <a:xfrm>
+            <a:off x="3462872" y="1908692"/>
+            <a:ext cx="880305" cy="646331"/>
+          </a:xfrm>
+          <a:prstGeom prst="rect">
+            <a:avLst/>
+          </a:prstGeom>
+          <a:noFill/>
+        </p:spPr>
+        <p:txBody>
+          <a:bodyPr wrap="none" rtlCol="0">
+            <a:spAutoFit/>
+          </a:bodyPr>
+          <a:lstStyle/>
+          <a:p>
+            <a:pPr algn="ctr"/>
+            <a:r>
+              <a:rPr lang="en-US" dirty="0"/>
+              <a:t>Node</a:t>
+            </a:r>
+          </a:p>
+          <a:p>
+            <a:pPr algn="ctr"/>
+            <a:r>
+              <a:rPr lang="en-US" dirty="0"/>
+              <a:t>Vectors</a:t>
+            </a:r>
+          </a:p>
+        </p:txBody>
+      </p:sp>
+      <p:sp>
+        <p:nvSpPr>
+          <p:cNvPr id="66" name="Flowchart: Summing Junction 65">
+            <a:extLst>
+              <a:ext uri="{FF2B5EF4-FFF2-40B4-BE49-F238E27FC236}">
+                <a16:creationId xmlns:a16="http://schemas.microsoft.com/office/drawing/2014/main" id="{3A551137-0C2D-493A-B023-4DF1EA2E5489}"/>
+              </a:ext>
+            </a:extLst>
+          </p:cNvPr>
+          <p:cNvSpPr/>
+          <p:nvPr/>
+        </p:nvSpPr>
+        <p:spPr>
+          <a:xfrm>
+            <a:off x="4379920" y="3380672"/>
+            <a:ext cx="226669" cy="203835"/>
+          </a:xfrm>
+          <a:prstGeom prst="flowChartSummingJunction">
+            <a:avLst/>
+          </a:prstGeom>
+          <a:noFill/>
+        </p:spPr>
+        <p:style>
+          <a:lnRef idx="2">
+            <a:schemeClr val="accent1">
+              <a:shade val="50000"/>
+            </a:schemeClr>
+          </a:lnRef>
+          <a:fillRef idx="1">
+            <a:schemeClr val="accent1"/>
+          </a:fillRef>
+          <a:effectRef idx="0">
+            <a:schemeClr val="accent1"/>
+          </a:effectRef>
+          <a:fontRef idx="minor">
+            <a:schemeClr val="lt1"/>
+          </a:fontRef>
+        </p:style>
+        <p:txBody>
+          <a:bodyPr rtlCol="0" anchor="ctr"/>
+          <a:lstStyle/>
+          <a:p>
+            <a:pPr algn="ctr"/>
+            <a:endParaRPr lang="en-US"/>
+          </a:p>
+        </p:txBody>
+      </p:sp>
+      <p:grpSp>
+        <p:nvGrpSpPr>
+          <p:cNvPr id="90" name="Group 89">
+            <a:extLst>
+              <a:ext uri="{FF2B5EF4-FFF2-40B4-BE49-F238E27FC236}">
+                <a16:creationId xmlns:a16="http://schemas.microsoft.com/office/drawing/2014/main" id="{3D986BCA-A4BF-4A45-B177-1C15DE4A27A9}"/>
+              </a:ext>
+            </a:extLst>
+          </p:cNvPr>
+          <p:cNvGrpSpPr/>
+          <p:nvPr/>
+        </p:nvGrpSpPr>
+        <p:grpSpPr>
+          <a:xfrm>
+            <a:off x="3082373" y="2683800"/>
+            <a:ext cx="3947491" cy="2351465"/>
+            <a:chOff x="3391290" y="2677969"/>
+            <a:chExt cx="3947491" cy="2351465"/>
+          </a:xfrm>
+        </p:grpSpPr>
+        <p:grpSp>
+          <p:nvGrpSpPr>
+            <p:cNvPr id="67" name="Group 66">
+              <a:extLst>
+                <a:ext uri="{FF2B5EF4-FFF2-40B4-BE49-F238E27FC236}">
+                  <a16:creationId xmlns:a16="http://schemas.microsoft.com/office/drawing/2014/main" id="{462A9258-6067-438C-9D5B-1C76C3A9FACA}"/>
+                </a:ext>
+              </a:extLst>
+            </p:cNvPr>
+            <p:cNvGrpSpPr/>
+            <p:nvPr/>
+          </p:nvGrpSpPr>
+          <p:grpSpPr>
+            <a:xfrm>
+              <a:off x="5029455" y="2677969"/>
+              <a:ext cx="720991" cy="1610870"/>
+              <a:chOff x="3547425" y="2682022"/>
+              <a:chExt cx="720991" cy="1610870"/>
+            </a:xfrm>
+          </p:grpSpPr>
+          <p:grpSp>
+            <p:nvGrpSpPr>
+              <p:cNvPr id="68" name="Group 67">
+                <a:extLst>
+                  <a:ext uri="{FF2B5EF4-FFF2-40B4-BE49-F238E27FC236}">
+                    <a16:creationId xmlns:a16="http://schemas.microsoft.com/office/drawing/2014/main" id="{DBB2BD8F-9692-46C2-9BD9-26950F00C356}"/>
+                  </a:ext>
+                </a:extLst>
+              </p:cNvPr>
+              <p:cNvGrpSpPr/>
+              <p:nvPr/>
+            </p:nvGrpSpPr>
+            <p:grpSpPr>
+              <a:xfrm>
+                <a:off x="3553406" y="2682022"/>
+                <a:ext cx="711200" cy="203835"/>
+                <a:chOff x="3559387" y="2503170"/>
+                <a:chExt cx="711200" cy="203835"/>
+              </a:xfrm>
+            </p:grpSpPr>
+            <p:sp>
+              <p:nvSpPr>
+                <p:cNvPr id="85" name="Rectangle: Rounded Corners 84">
+                  <a:extLst>
+                    <a:ext uri="{FF2B5EF4-FFF2-40B4-BE49-F238E27FC236}">
+                      <a16:creationId xmlns:a16="http://schemas.microsoft.com/office/drawing/2014/main" id="{921DDFF1-7527-432B-BBC9-73C3BBEACAA6}"/>
+                    </a:ext>
+                  </a:extLst>
+                </p:cNvPr>
+                <p:cNvSpPr/>
+                <p:nvPr/>
+              </p:nvSpPr>
+              <p:spPr>
+                <a:xfrm>
+                  <a:off x="3559387" y="2503170"/>
+                  <a:ext cx="711200" cy="203835"/>
+                </a:xfrm>
+                <a:prstGeom prst="roundRect">
+                  <a:avLst/>
+                </a:prstGeom>
+                <a:noFill/>
+                <a:ln>
+                  <a:solidFill>
+                    <a:schemeClr val="tx1"/>
+                  </a:solidFill>
+                </a:ln>
+              </p:spPr>
+              <p:style>
+                <a:lnRef idx="2">
+                  <a:schemeClr val="accent1">
+                    <a:shade val="50000"/>
+                  </a:schemeClr>
+                </a:lnRef>
+                <a:fillRef idx="1">
+                  <a:schemeClr val="accent1"/>
+                </a:fillRef>
+                <a:effectRef idx="0">
+                  <a:schemeClr val="accent1"/>
+                </a:effectRef>
+                <a:fontRef idx="minor">
+                  <a:schemeClr val="lt1"/>
+                </a:fontRef>
+              </p:style>
+              <p:txBody>
+                <a:bodyPr rot="0" spcFirstLastPara="0" vert="horz" wrap="square" lIns="91440" tIns="45720" rIns="91440" bIns="45720" numCol="1" spcCol="0" rtlCol="0" fromWordArt="0" anchor="ctr" anchorCtr="0" forceAA="0" compatLnSpc="1">
+                  <a:prstTxWarp prst="textNoShape">
+                    <a:avLst/>
+                  </a:prstTxWarp>
+                  <a:noAutofit/>
+                </a:bodyPr>
+                <a:lstStyle/>
+                <a:p>
+                  <a:endParaRPr lang="en-US"/>
+                </a:p>
+              </p:txBody>
+            </p:sp>
+            <p:sp>
+              <p:nvSpPr>
+                <p:cNvPr id="86" name="Oval 85">
+                  <a:extLst>
+                    <a:ext uri="{FF2B5EF4-FFF2-40B4-BE49-F238E27FC236}">
+                      <a16:creationId xmlns:a16="http://schemas.microsoft.com/office/drawing/2014/main" id="{6DBE0161-9BED-48B0-929E-F5164AEBB4C2}"/>
+                    </a:ext>
+                  </a:extLst>
+                </p:cNvPr>
+                <p:cNvSpPr/>
+                <p:nvPr/>
+              </p:nvSpPr>
+              <p:spPr>
+                <a:xfrm>
+                  <a:off x="3640032" y="2545080"/>
+                  <a:ext cx="134620" cy="128905"/>
+                </a:xfrm>
+                <a:prstGeom prst="ellipse">
+                  <a:avLst/>
+                </a:prstGeom>
+                <a:solidFill>
+                  <a:srgbClr val="00B0F0"/>
+                </a:solidFill>
+                <a:ln>
+                  <a:solidFill>
+                    <a:schemeClr val="accent1">
+                      <a:lumMod val="60000"/>
+                      <a:lumOff val="40000"/>
+                    </a:schemeClr>
+                  </a:solidFill>
+                </a:ln>
+              </p:spPr>
+              <p:style>
+                <a:lnRef idx="2">
+                  <a:schemeClr val="accent1">
+                    <a:shade val="50000"/>
+                  </a:schemeClr>
+                </a:lnRef>
+                <a:fillRef idx="1">
+                  <a:schemeClr val="accent1"/>
+                </a:fillRef>
+                <a:effectRef idx="0">
+                  <a:schemeClr val="accent1"/>
+                </a:effectRef>
+                <a:fontRef idx="minor">
+                  <a:schemeClr val="lt1"/>
+                </a:fontRef>
+              </p:style>
+              <p:txBody>
+                <a:bodyPr rot="0" spcFirstLastPara="0" vert="horz" wrap="square" lIns="91440" tIns="45720" rIns="91440" bIns="45720" numCol="1" spcCol="0" rtlCol="0" fromWordArt="0" anchor="ctr" anchorCtr="0" forceAA="0" compatLnSpc="1">
+                  <a:prstTxWarp prst="textNoShape">
+                    <a:avLst/>
+                  </a:prstTxWarp>
+                  <a:noAutofit/>
+                </a:bodyPr>
+                <a:lstStyle/>
+                <a:p>
+                  <a:endParaRPr lang="en-US" dirty="0"/>
+                </a:p>
+              </p:txBody>
+            </p:sp>
+            <p:sp>
+              <p:nvSpPr>
+                <p:cNvPr id="87" name="Oval 86">
+                  <a:extLst>
+                    <a:ext uri="{FF2B5EF4-FFF2-40B4-BE49-F238E27FC236}">
+                      <a16:creationId xmlns:a16="http://schemas.microsoft.com/office/drawing/2014/main" id="{52DE7B79-842E-466E-A00F-6B9075F55515}"/>
+                    </a:ext>
+                  </a:extLst>
+                </p:cNvPr>
+                <p:cNvSpPr/>
+                <p:nvPr/>
+              </p:nvSpPr>
+              <p:spPr>
+                <a:xfrm>
+                  <a:off x="3851487" y="2545080"/>
+                  <a:ext cx="134620" cy="128905"/>
+                </a:xfrm>
+                <a:prstGeom prst="ellipse">
+                  <a:avLst/>
+                </a:prstGeom>
+                <a:solidFill>
+                  <a:srgbClr val="00B0F0"/>
+                </a:solidFill>
+                <a:ln>
+                  <a:solidFill>
+                    <a:schemeClr val="accent1">
+                      <a:lumMod val="60000"/>
+                      <a:lumOff val="40000"/>
+                    </a:schemeClr>
+                  </a:solidFill>
+                </a:ln>
+              </p:spPr>
+              <p:style>
+                <a:lnRef idx="2">
+                  <a:schemeClr val="accent1">
+                    <a:shade val="50000"/>
+                  </a:schemeClr>
+                </a:lnRef>
+                <a:fillRef idx="1">
+                  <a:schemeClr val="accent1"/>
+                </a:fillRef>
+                <a:effectRef idx="0">
+                  <a:schemeClr val="accent1"/>
+                </a:effectRef>
+                <a:fontRef idx="minor">
+                  <a:schemeClr val="lt1"/>
+                </a:fontRef>
+              </p:style>
+              <p:txBody>
+                <a:bodyPr rot="0" spcFirstLastPara="0" vert="horz" wrap="square" lIns="91440" tIns="45720" rIns="91440" bIns="45720" numCol="1" spcCol="0" rtlCol="0" fromWordArt="0" anchor="ctr" anchorCtr="0" forceAA="0" compatLnSpc="1">
+                  <a:prstTxWarp prst="textNoShape">
+                    <a:avLst/>
+                  </a:prstTxWarp>
+                  <a:noAutofit/>
+                </a:bodyPr>
+                <a:lstStyle/>
+                <a:p>
+                  <a:endParaRPr lang="en-US"/>
+                </a:p>
+              </p:txBody>
+            </p:sp>
+            <p:sp>
+              <p:nvSpPr>
+                <p:cNvPr id="88" name="Oval 87">
+                  <a:extLst>
+                    <a:ext uri="{FF2B5EF4-FFF2-40B4-BE49-F238E27FC236}">
+                      <a16:creationId xmlns:a16="http://schemas.microsoft.com/office/drawing/2014/main" id="{F756A39B-0619-4459-B780-097B46B3DEA7}"/>
+                    </a:ext>
+                  </a:extLst>
+                </p:cNvPr>
+                <p:cNvSpPr/>
+                <p:nvPr/>
+              </p:nvSpPr>
+              <p:spPr>
+                <a:xfrm>
+                  <a:off x="4063577" y="2545080"/>
+                  <a:ext cx="134620" cy="128905"/>
+                </a:xfrm>
+                <a:prstGeom prst="ellipse">
+                  <a:avLst/>
+                </a:prstGeom>
+                <a:solidFill>
+                  <a:srgbClr val="00B0F0"/>
+                </a:solidFill>
+                <a:ln>
+                  <a:solidFill>
+                    <a:schemeClr val="accent1">
+                      <a:lumMod val="60000"/>
+                      <a:lumOff val="40000"/>
+                    </a:schemeClr>
+                  </a:solidFill>
+                </a:ln>
+              </p:spPr>
+              <p:style>
+                <a:lnRef idx="2">
+                  <a:schemeClr val="accent1">
+                    <a:shade val="50000"/>
+                  </a:schemeClr>
+                </a:lnRef>
+                <a:fillRef idx="1">
+                  <a:schemeClr val="accent1"/>
+                </a:fillRef>
+                <a:effectRef idx="0">
+                  <a:schemeClr val="accent1"/>
+                </a:effectRef>
+                <a:fontRef idx="minor">
+                  <a:schemeClr val="lt1"/>
+                </a:fontRef>
+              </p:style>
+              <p:txBody>
+                <a:bodyPr rot="0" spcFirstLastPara="0" vert="horz" wrap="square" lIns="91440" tIns="45720" rIns="91440" bIns="45720" numCol="1" spcCol="0" rtlCol="0" fromWordArt="0" anchor="ctr" anchorCtr="0" forceAA="0" compatLnSpc="1">
+                  <a:prstTxWarp prst="textNoShape">
+                    <a:avLst/>
+                  </a:prstTxWarp>
+                  <a:noAutofit/>
+                </a:bodyPr>
+                <a:lstStyle/>
+                <a:p>
+                  <a:endParaRPr lang="en-US"/>
+                </a:p>
+              </p:txBody>
+            </p:sp>
+          </p:grpSp>
+          <p:grpSp>
+            <p:nvGrpSpPr>
+              <p:cNvPr id="69" name="Group 68">
+                <a:extLst>
+                  <a:ext uri="{FF2B5EF4-FFF2-40B4-BE49-F238E27FC236}">
+                    <a16:creationId xmlns:a16="http://schemas.microsoft.com/office/drawing/2014/main" id="{E254ADD6-7A76-46FE-812C-E7BFBDFF5DD4}"/>
+                  </a:ext>
+                </a:extLst>
+              </p:cNvPr>
+              <p:cNvGrpSpPr/>
+              <p:nvPr/>
+            </p:nvGrpSpPr>
+            <p:grpSpPr>
+              <a:xfrm>
+                <a:off x="3557216" y="3064709"/>
+                <a:ext cx="711200" cy="203835"/>
+                <a:chOff x="3559387" y="2503170"/>
+                <a:chExt cx="711200" cy="203835"/>
+              </a:xfrm>
+            </p:grpSpPr>
+            <p:sp>
+              <p:nvSpPr>
+                <p:cNvPr id="81" name="Rectangle: Rounded Corners 80">
+                  <a:extLst>
+                    <a:ext uri="{FF2B5EF4-FFF2-40B4-BE49-F238E27FC236}">
+                      <a16:creationId xmlns:a16="http://schemas.microsoft.com/office/drawing/2014/main" id="{5EEEF3B8-7AE8-4F4A-87EE-0E0076E2053E}"/>
+                    </a:ext>
+                  </a:extLst>
+                </p:cNvPr>
+                <p:cNvSpPr/>
+                <p:nvPr/>
+              </p:nvSpPr>
+              <p:spPr>
+                <a:xfrm>
+                  <a:off x="3559387" y="2503170"/>
+                  <a:ext cx="711200" cy="203835"/>
+                </a:xfrm>
+                <a:prstGeom prst="roundRect">
+                  <a:avLst/>
+                </a:prstGeom>
+                <a:noFill/>
+                <a:ln>
+                  <a:solidFill>
+                    <a:schemeClr val="tx1"/>
+                  </a:solidFill>
+                </a:ln>
+              </p:spPr>
+              <p:style>
+                <a:lnRef idx="2">
+                  <a:schemeClr val="accent1">
+                    <a:shade val="50000"/>
+                  </a:schemeClr>
+                </a:lnRef>
+                <a:fillRef idx="1">
+                  <a:schemeClr val="accent1"/>
+                </a:fillRef>
+                <a:effectRef idx="0">
+                  <a:schemeClr val="accent1"/>
+                </a:effectRef>
+                <a:fontRef idx="minor">
+                  <a:schemeClr val="lt1"/>
+                </a:fontRef>
+              </p:style>
+              <p:txBody>
+                <a:bodyPr rot="0" spcFirstLastPara="0" vert="horz" wrap="square" lIns="91440" tIns="45720" rIns="91440" bIns="45720" numCol="1" spcCol="0" rtlCol="0" fromWordArt="0" anchor="ctr" anchorCtr="0" forceAA="0" compatLnSpc="1">
+                  <a:prstTxWarp prst="textNoShape">
+                    <a:avLst/>
+                  </a:prstTxWarp>
+                  <a:noAutofit/>
+                </a:bodyPr>
+                <a:lstStyle/>
+                <a:p>
+                  <a:endParaRPr lang="en-US"/>
+                </a:p>
+              </p:txBody>
+            </p:sp>
+            <p:sp>
+              <p:nvSpPr>
+                <p:cNvPr id="82" name="Oval 81">
+                  <a:extLst>
+                    <a:ext uri="{FF2B5EF4-FFF2-40B4-BE49-F238E27FC236}">
+                      <a16:creationId xmlns:a16="http://schemas.microsoft.com/office/drawing/2014/main" id="{7E03D652-95A2-4C6D-86D2-3112A4957D2D}"/>
+                    </a:ext>
+                  </a:extLst>
+                </p:cNvPr>
+                <p:cNvSpPr/>
+                <p:nvPr/>
+              </p:nvSpPr>
+              <p:spPr>
+                <a:xfrm>
+                  <a:off x="3640032" y="2545080"/>
+                  <a:ext cx="134620" cy="128905"/>
+                </a:xfrm>
+                <a:prstGeom prst="ellipse">
+                  <a:avLst/>
+                </a:prstGeom>
+                <a:solidFill>
+                  <a:srgbClr val="00B0F0"/>
+                </a:solidFill>
+                <a:ln>
+                  <a:solidFill>
+                    <a:schemeClr val="accent1">
+                      <a:lumMod val="60000"/>
+                      <a:lumOff val="40000"/>
+                    </a:schemeClr>
+                  </a:solidFill>
+                </a:ln>
+              </p:spPr>
+              <p:style>
+                <a:lnRef idx="2">
+                  <a:schemeClr val="accent1">
+                    <a:shade val="50000"/>
+                  </a:schemeClr>
+                </a:lnRef>
+                <a:fillRef idx="1">
+                  <a:schemeClr val="accent1"/>
+                </a:fillRef>
+                <a:effectRef idx="0">
+                  <a:schemeClr val="accent1"/>
+                </a:effectRef>
+                <a:fontRef idx="minor">
+                  <a:schemeClr val="lt1"/>
+                </a:fontRef>
+              </p:style>
+              <p:txBody>
+                <a:bodyPr rot="0" spcFirstLastPara="0" vert="horz" wrap="square" lIns="91440" tIns="45720" rIns="91440" bIns="45720" numCol="1" spcCol="0" rtlCol="0" fromWordArt="0" anchor="ctr" anchorCtr="0" forceAA="0" compatLnSpc="1">
+                  <a:prstTxWarp prst="textNoShape">
+                    <a:avLst/>
+                  </a:prstTxWarp>
+                  <a:noAutofit/>
+                </a:bodyPr>
+                <a:lstStyle/>
+                <a:p>
+                  <a:endParaRPr lang="en-US"/>
+                </a:p>
+              </p:txBody>
+            </p:sp>
+            <p:sp>
+              <p:nvSpPr>
+                <p:cNvPr id="83" name="Oval 82">
+                  <a:extLst>
+                    <a:ext uri="{FF2B5EF4-FFF2-40B4-BE49-F238E27FC236}">
+                      <a16:creationId xmlns:a16="http://schemas.microsoft.com/office/drawing/2014/main" id="{565DE06C-0005-474B-BCEE-B67BDF0E2505}"/>
+                    </a:ext>
+                  </a:extLst>
+                </p:cNvPr>
+                <p:cNvSpPr/>
+                <p:nvPr/>
+              </p:nvSpPr>
+              <p:spPr>
+                <a:xfrm>
+                  <a:off x="3851487" y="2545080"/>
+                  <a:ext cx="134620" cy="128905"/>
+                </a:xfrm>
+                <a:prstGeom prst="ellipse">
+                  <a:avLst/>
+                </a:prstGeom>
+                <a:solidFill>
+                  <a:srgbClr val="00B0F0"/>
+                </a:solidFill>
+                <a:ln>
+                  <a:solidFill>
+                    <a:schemeClr val="accent1">
+                      <a:lumMod val="60000"/>
+                      <a:lumOff val="40000"/>
+                    </a:schemeClr>
+                  </a:solidFill>
+                </a:ln>
+              </p:spPr>
+              <p:style>
+                <a:lnRef idx="2">
+                  <a:schemeClr val="accent1">
+                    <a:shade val="50000"/>
+                  </a:schemeClr>
+                </a:lnRef>
+                <a:fillRef idx="1">
+                  <a:schemeClr val="accent1"/>
+                </a:fillRef>
+                <a:effectRef idx="0">
+                  <a:schemeClr val="accent1"/>
+                </a:effectRef>
+                <a:fontRef idx="minor">
+                  <a:schemeClr val="lt1"/>
+                </a:fontRef>
+              </p:style>
+              <p:txBody>
+                <a:bodyPr rot="0" spcFirstLastPara="0" vert="horz" wrap="square" lIns="91440" tIns="45720" rIns="91440" bIns="45720" numCol="1" spcCol="0" rtlCol="0" fromWordArt="0" anchor="ctr" anchorCtr="0" forceAA="0" compatLnSpc="1">
+                  <a:prstTxWarp prst="textNoShape">
+                    <a:avLst/>
+                  </a:prstTxWarp>
+                  <a:noAutofit/>
+                </a:bodyPr>
+                <a:lstStyle/>
+                <a:p>
+                  <a:endParaRPr lang="en-US"/>
+                </a:p>
+              </p:txBody>
+            </p:sp>
+            <p:sp>
+              <p:nvSpPr>
+                <p:cNvPr id="84" name="Oval 83">
+                  <a:extLst>
+                    <a:ext uri="{FF2B5EF4-FFF2-40B4-BE49-F238E27FC236}">
+                      <a16:creationId xmlns:a16="http://schemas.microsoft.com/office/drawing/2014/main" id="{DDFDD935-8192-4E6E-A8B7-098DC565C697}"/>
+                    </a:ext>
+                  </a:extLst>
+                </p:cNvPr>
+                <p:cNvSpPr/>
+                <p:nvPr/>
+              </p:nvSpPr>
+              <p:spPr>
+                <a:xfrm>
+                  <a:off x="4063577" y="2545080"/>
+                  <a:ext cx="134620" cy="128905"/>
+                </a:xfrm>
+                <a:prstGeom prst="ellipse">
+                  <a:avLst/>
+                </a:prstGeom>
+                <a:solidFill>
+                  <a:srgbClr val="00B0F0"/>
+                </a:solidFill>
+                <a:ln>
+                  <a:solidFill>
+                    <a:schemeClr val="accent1">
+                      <a:lumMod val="60000"/>
+                      <a:lumOff val="40000"/>
+                    </a:schemeClr>
+                  </a:solidFill>
+                </a:ln>
+              </p:spPr>
+              <p:style>
+                <a:lnRef idx="2">
+                  <a:schemeClr val="accent1">
+                    <a:shade val="50000"/>
+                  </a:schemeClr>
+                </a:lnRef>
+                <a:fillRef idx="1">
+                  <a:schemeClr val="accent1"/>
+                </a:fillRef>
+                <a:effectRef idx="0">
+                  <a:schemeClr val="accent1"/>
+                </a:effectRef>
+                <a:fontRef idx="minor">
+                  <a:schemeClr val="lt1"/>
+                </a:fontRef>
+              </p:style>
+              <p:txBody>
+                <a:bodyPr rot="0" spcFirstLastPara="0" vert="horz" wrap="square" lIns="91440" tIns="45720" rIns="91440" bIns="45720" numCol="1" spcCol="0" rtlCol="0" fromWordArt="0" anchor="ctr" anchorCtr="0" forceAA="0" compatLnSpc="1">
+                  <a:prstTxWarp prst="textNoShape">
+                    <a:avLst/>
+                  </a:prstTxWarp>
+                  <a:noAutofit/>
+                </a:bodyPr>
+                <a:lstStyle/>
+                <a:p>
+                  <a:endParaRPr lang="en-US"/>
+                </a:p>
+              </p:txBody>
+            </p:sp>
+          </p:grpSp>
+          <p:grpSp>
+            <p:nvGrpSpPr>
+              <p:cNvPr id="70" name="Group 69">
+                <a:extLst>
+                  <a:ext uri="{FF2B5EF4-FFF2-40B4-BE49-F238E27FC236}">
+                    <a16:creationId xmlns:a16="http://schemas.microsoft.com/office/drawing/2014/main" id="{A8F24DA3-1C3E-4200-8FF5-CEB441FAC6A6}"/>
+                  </a:ext>
+                </a:extLst>
+              </p:cNvPr>
+              <p:cNvGrpSpPr/>
+              <p:nvPr/>
+            </p:nvGrpSpPr>
+            <p:grpSpPr>
+              <a:xfrm>
+                <a:off x="3557216" y="3703411"/>
+                <a:ext cx="711200" cy="203835"/>
+                <a:chOff x="3559387" y="2503170"/>
+                <a:chExt cx="711200" cy="203835"/>
+              </a:xfrm>
+            </p:grpSpPr>
+            <p:sp>
+              <p:nvSpPr>
+                <p:cNvPr id="77" name="Rectangle: Rounded Corners 76">
+                  <a:extLst>
+                    <a:ext uri="{FF2B5EF4-FFF2-40B4-BE49-F238E27FC236}">
+                      <a16:creationId xmlns:a16="http://schemas.microsoft.com/office/drawing/2014/main" id="{75C318E7-B580-4ACF-88E6-4D3FD1962BB4}"/>
+                    </a:ext>
+                  </a:extLst>
+                </p:cNvPr>
+                <p:cNvSpPr/>
+                <p:nvPr/>
+              </p:nvSpPr>
+              <p:spPr>
+                <a:xfrm>
+                  <a:off x="3559387" y="2503170"/>
+                  <a:ext cx="711200" cy="203835"/>
+                </a:xfrm>
+                <a:prstGeom prst="roundRect">
+                  <a:avLst/>
+                </a:prstGeom>
+                <a:noFill/>
+                <a:ln>
+                  <a:solidFill>
+                    <a:schemeClr val="tx1"/>
+                  </a:solidFill>
+                </a:ln>
+              </p:spPr>
+              <p:style>
+                <a:lnRef idx="2">
+                  <a:schemeClr val="accent1">
+                    <a:shade val="50000"/>
+                  </a:schemeClr>
+                </a:lnRef>
+                <a:fillRef idx="1">
+                  <a:schemeClr val="accent1"/>
+                </a:fillRef>
+                <a:effectRef idx="0">
+                  <a:schemeClr val="accent1"/>
+                </a:effectRef>
+                <a:fontRef idx="minor">
+                  <a:schemeClr val="lt1"/>
+                </a:fontRef>
+              </p:style>
+              <p:txBody>
+                <a:bodyPr rot="0" spcFirstLastPara="0" vert="horz" wrap="square" lIns="91440" tIns="45720" rIns="91440" bIns="45720" numCol="1" spcCol="0" rtlCol="0" fromWordArt="0" anchor="ctr" anchorCtr="0" forceAA="0" compatLnSpc="1">
+                  <a:prstTxWarp prst="textNoShape">
+                    <a:avLst/>
+                  </a:prstTxWarp>
+                  <a:noAutofit/>
+                </a:bodyPr>
+                <a:lstStyle/>
+                <a:p>
+                  <a:endParaRPr lang="en-US"/>
+                </a:p>
+              </p:txBody>
+            </p:sp>
+            <p:sp>
+              <p:nvSpPr>
+                <p:cNvPr id="78" name="Oval 77">
+                  <a:extLst>
+                    <a:ext uri="{FF2B5EF4-FFF2-40B4-BE49-F238E27FC236}">
+                      <a16:creationId xmlns:a16="http://schemas.microsoft.com/office/drawing/2014/main" id="{F3B93F5E-1292-4B87-BB5D-8F47CF40337E}"/>
+                    </a:ext>
+                  </a:extLst>
+                </p:cNvPr>
+                <p:cNvSpPr/>
+                <p:nvPr/>
+              </p:nvSpPr>
+              <p:spPr>
+                <a:xfrm>
+                  <a:off x="3640032" y="2545080"/>
+                  <a:ext cx="134620" cy="128905"/>
+                </a:xfrm>
+                <a:prstGeom prst="ellipse">
+                  <a:avLst/>
+                </a:prstGeom>
+                <a:solidFill>
+                  <a:srgbClr val="00B0F0"/>
+                </a:solidFill>
+                <a:ln>
+                  <a:solidFill>
+                    <a:schemeClr val="accent1">
+                      <a:lumMod val="60000"/>
+                      <a:lumOff val="40000"/>
+                    </a:schemeClr>
+                  </a:solidFill>
+                </a:ln>
+              </p:spPr>
+              <p:style>
+                <a:lnRef idx="2">
+                  <a:schemeClr val="accent1">
+                    <a:shade val="50000"/>
+                  </a:schemeClr>
+                </a:lnRef>
+                <a:fillRef idx="1">
+                  <a:schemeClr val="accent1"/>
+                </a:fillRef>
+                <a:effectRef idx="0">
+                  <a:schemeClr val="accent1"/>
+                </a:effectRef>
+                <a:fontRef idx="minor">
+                  <a:schemeClr val="lt1"/>
+                </a:fontRef>
+              </p:style>
+              <p:txBody>
+                <a:bodyPr rot="0" spcFirstLastPara="0" vert="horz" wrap="square" lIns="91440" tIns="45720" rIns="91440" bIns="45720" numCol="1" spcCol="0" rtlCol="0" fromWordArt="0" anchor="ctr" anchorCtr="0" forceAA="0" compatLnSpc="1">
+                  <a:prstTxWarp prst="textNoShape">
+                    <a:avLst/>
+                  </a:prstTxWarp>
+                  <a:noAutofit/>
+                </a:bodyPr>
+                <a:lstStyle/>
+                <a:p>
+                  <a:endParaRPr lang="en-US"/>
+                </a:p>
+              </p:txBody>
+            </p:sp>
+            <p:sp>
+              <p:nvSpPr>
+                <p:cNvPr id="79" name="Oval 78">
+                  <a:extLst>
+                    <a:ext uri="{FF2B5EF4-FFF2-40B4-BE49-F238E27FC236}">
+                      <a16:creationId xmlns:a16="http://schemas.microsoft.com/office/drawing/2014/main" id="{0C338790-CC15-403A-AA05-AA596F0BB520}"/>
+                    </a:ext>
+                  </a:extLst>
+                </p:cNvPr>
+                <p:cNvSpPr/>
+                <p:nvPr/>
+              </p:nvSpPr>
+              <p:spPr>
+                <a:xfrm>
+                  <a:off x="3851487" y="2545080"/>
+                  <a:ext cx="134620" cy="128905"/>
+                </a:xfrm>
+                <a:prstGeom prst="ellipse">
+                  <a:avLst/>
+                </a:prstGeom>
+                <a:solidFill>
+                  <a:srgbClr val="00B0F0"/>
+                </a:solidFill>
+                <a:ln>
+                  <a:solidFill>
+                    <a:schemeClr val="accent1">
+                      <a:lumMod val="60000"/>
+                      <a:lumOff val="40000"/>
+                    </a:schemeClr>
+                  </a:solidFill>
+                </a:ln>
+              </p:spPr>
+              <p:style>
+                <a:lnRef idx="2">
+                  <a:schemeClr val="accent1">
+                    <a:shade val="50000"/>
+                  </a:schemeClr>
+                </a:lnRef>
+                <a:fillRef idx="1">
+                  <a:schemeClr val="accent1"/>
+                </a:fillRef>
+                <a:effectRef idx="0">
+                  <a:schemeClr val="accent1"/>
+                </a:effectRef>
+                <a:fontRef idx="minor">
+                  <a:schemeClr val="lt1"/>
+                </a:fontRef>
+              </p:style>
+              <p:txBody>
+                <a:bodyPr rot="0" spcFirstLastPara="0" vert="horz" wrap="square" lIns="91440" tIns="45720" rIns="91440" bIns="45720" numCol="1" spcCol="0" rtlCol="0" fromWordArt="0" anchor="ctr" anchorCtr="0" forceAA="0" compatLnSpc="1">
+                  <a:prstTxWarp prst="textNoShape">
+                    <a:avLst/>
+                  </a:prstTxWarp>
+                  <a:noAutofit/>
+                </a:bodyPr>
+                <a:lstStyle/>
+                <a:p>
+                  <a:endParaRPr lang="en-US"/>
+                </a:p>
+              </p:txBody>
+            </p:sp>
+            <p:sp>
+              <p:nvSpPr>
+                <p:cNvPr id="80" name="Oval 79">
+                  <a:extLst>
+                    <a:ext uri="{FF2B5EF4-FFF2-40B4-BE49-F238E27FC236}">
+                      <a16:creationId xmlns:a16="http://schemas.microsoft.com/office/drawing/2014/main" id="{FBAC7FA5-DB42-48E3-8CDF-1C84A1F3D573}"/>
+                    </a:ext>
+                  </a:extLst>
+                </p:cNvPr>
+                <p:cNvSpPr/>
+                <p:nvPr/>
+              </p:nvSpPr>
+              <p:spPr>
+                <a:xfrm>
+                  <a:off x="4063577" y="2545080"/>
+                  <a:ext cx="134620" cy="128905"/>
+                </a:xfrm>
+                <a:prstGeom prst="ellipse">
+                  <a:avLst/>
+                </a:prstGeom>
+                <a:solidFill>
+                  <a:srgbClr val="00B0F0"/>
+                </a:solidFill>
+                <a:ln>
+                  <a:solidFill>
+                    <a:schemeClr val="accent1">
+                      <a:lumMod val="60000"/>
+                      <a:lumOff val="40000"/>
+                    </a:schemeClr>
+                  </a:solidFill>
+                </a:ln>
+              </p:spPr>
+              <p:style>
+                <a:lnRef idx="2">
+                  <a:schemeClr val="accent1">
+                    <a:shade val="50000"/>
+                  </a:schemeClr>
+                </a:lnRef>
+                <a:fillRef idx="1">
+                  <a:schemeClr val="accent1"/>
+                </a:fillRef>
+                <a:effectRef idx="0">
+                  <a:schemeClr val="accent1"/>
+                </a:effectRef>
+                <a:fontRef idx="minor">
+                  <a:schemeClr val="lt1"/>
+                </a:fontRef>
+              </p:style>
+              <p:txBody>
+                <a:bodyPr rot="0" spcFirstLastPara="0" vert="horz" wrap="square" lIns="91440" tIns="45720" rIns="91440" bIns="45720" numCol="1" spcCol="0" rtlCol="0" fromWordArt="0" anchor="ctr" anchorCtr="0" forceAA="0" compatLnSpc="1">
+                  <a:prstTxWarp prst="textNoShape">
+                    <a:avLst/>
+                  </a:prstTxWarp>
+                  <a:noAutofit/>
+                </a:bodyPr>
+                <a:lstStyle/>
+                <a:p>
+                  <a:endParaRPr lang="en-US"/>
+                </a:p>
+              </p:txBody>
+            </p:sp>
+          </p:grpSp>
+          <p:grpSp>
+            <p:nvGrpSpPr>
+              <p:cNvPr id="71" name="Group 70">
+                <a:extLst>
+                  <a:ext uri="{FF2B5EF4-FFF2-40B4-BE49-F238E27FC236}">
+                    <a16:creationId xmlns:a16="http://schemas.microsoft.com/office/drawing/2014/main" id="{ABF0855F-1A95-4581-940C-41B7E64CAE39}"/>
+                  </a:ext>
+                </a:extLst>
+              </p:cNvPr>
+              <p:cNvGrpSpPr/>
+              <p:nvPr/>
+            </p:nvGrpSpPr>
+            <p:grpSpPr>
+              <a:xfrm>
+                <a:off x="3547425" y="4089057"/>
+                <a:ext cx="711200" cy="203835"/>
+                <a:chOff x="3559387" y="2503170"/>
+                <a:chExt cx="711200" cy="203835"/>
+              </a:xfrm>
+            </p:grpSpPr>
+            <p:sp>
+              <p:nvSpPr>
+                <p:cNvPr id="73" name="Rectangle: Rounded Corners 72">
+                  <a:extLst>
+                    <a:ext uri="{FF2B5EF4-FFF2-40B4-BE49-F238E27FC236}">
+                      <a16:creationId xmlns:a16="http://schemas.microsoft.com/office/drawing/2014/main" id="{A07EED3A-59C4-4844-A43B-47F9ED620F2C}"/>
+                    </a:ext>
+                  </a:extLst>
+                </p:cNvPr>
+                <p:cNvSpPr/>
+                <p:nvPr/>
+              </p:nvSpPr>
+              <p:spPr>
+                <a:xfrm>
+                  <a:off x="3559387" y="2503170"/>
+                  <a:ext cx="711200" cy="203835"/>
+                </a:xfrm>
+                <a:prstGeom prst="roundRect">
+                  <a:avLst/>
+                </a:prstGeom>
+                <a:noFill/>
+                <a:ln>
+                  <a:solidFill>
+                    <a:schemeClr val="tx1"/>
+                  </a:solidFill>
+                </a:ln>
+              </p:spPr>
+              <p:style>
+                <a:lnRef idx="2">
+                  <a:schemeClr val="accent1">
+                    <a:shade val="50000"/>
+                  </a:schemeClr>
+                </a:lnRef>
+                <a:fillRef idx="1">
+                  <a:schemeClr val="accent1"/>
+                </a:fillRef>
+                <a:effectRef idx="0">
+                  <a:schemeClr val="accent1"/>
+                </a:effectRef>
+                <a:fontRef idx="minor">
+                  <a:schemeClr val="lt1"/>
+                </a:fontRef>
+              </p:style>
+              <p:txBody>
+                <a:bodyPr rot="0" spcFirstLastPara="0" vert="horz" wrap="square" lIns="91440" tIns="45720" rIns="91440" bIns="45720" numCol="1" spcCol="0" rtlCol="0" fromWordArt="0" anchor="ctr" anchorCtr="0" forceAA="0" compatLnSpc="1">
+                  <a:prstTxWarp prst="textNoShape">
+                    <a:avLst/>
+                  </a:prstTxWarp>
+                  <a:noAutofit/>
+                </a:bodyPr>
+                <a:lstStyle/>
+                <a:p>
+                  <a:endParaRPr lang="en-US"/>
+                </a:p>
+              </p:txBody>
+            </p:sp>
+            <p:sp>
+              <p:nvSpPr>
+                <p:cNvPr id="74" name="Oval 73">
+                  <a:extLst>
+                    <a:ext uri="{FF2B5EF4-FFF2-40B4-BE49-F238E27FC236}">
+                      <a16:creationId xmlns:a16="http://schemas.microsoft.com/office/drawing/2014/main" id="{1E6AFD5D-A6E2-42AC-B501-7C658EAFBC9B}"/>
+                    </a:ext>
+                  </a:extLst>
+                </p:cNvPr>
+                <p:cNvSpPr/>
+                <p:nvPr/>
+              </p:nvSpPr>
+              <p:spPr>
+                <a:xfrm>
+                  <a:off x="3640032" y="2545080"/>
+                  <a:ext cx="134620" cy="128905"/>
+                </a:xfrm>
+                <a:prstGeom prst="ellipse">
+                  <a:avLst/>
+                </a:prstGeom>
+                <a:solidFill>
+                  <a:srgbClr val="00B0F0"/>
+                </a:solidFill>
+                <a:ln>
+                  <a:solidFill>
+                    <a:schemeClr val="accent1">
+                      <a:lumMod val="60000"/>
+                      <a:lumOff val="40000"/>
+                    </a:schemeClr>
+                  </a:solidFill>
+                </a:ln>
+              </p:spPr>
+              <p:style>
+                <a:lnRef idx="2">
+                  <a:schemeClr val="accent1">
+                    <a:shade val="50000"/>
+                  </a:schemeClr>
+                </a:lnRef>
+                <a:fillRef idx="1">
+                  <a:schemeClr val="accent1"/>
+                </a:fillRef>
+                <a:effectRef idx="0">
+                  <a:schemeClr val="accent1"/>
+                </a:effectRef>
+                <a:fontRef idx="minor">
+                  <a:schemeClr val="lt1"/>
+                </a:fontRef>
+              </p:style>
+              <p:txBody>
+                <a:bodyPr rot="0" spcFirstLastPara="0" vert="horz" wrap="square" lIns="91440" tIns="45720" rIns="91440" bIns="45720" numCol="1" spcCol="0" rtlCol="0" fromWordArt="0" anchor="ctr" anchorCtr="0" forceAA="0" compatLnSpc="1">
+                  <a:prstTxWarp prst="textNoShape">
+                    <a:avLst/>
+                  </a:prstTxWarp>
+                  <a:noAutofit/>
+                </a:bodyPr>
+                <a:lstStyle/>
+                <a:p>
+                  <a:endParaRPr lang="en-US"/>
+                </a:p>
+              </p:txBody>
+            </p:sp>
+            <p:sp>
+              <p:nvSpPr>
+                <p:cNvPr id="75" name="Oval 74">
+                  <a:extLst>
+                    <a:ext uri="{FF2B5EF4-FFF2-40B4-BE49-F238E27FC236}">
+                      <a16:creationId xmlns:a16="http://schemas.microsoft.com/office/drawing/2014/main" id="{86BB7C09-8ADD-4165-B032-F3BB5D932DCB}"/>
+                    </a:ext>
+                  </a:extLst>
+                </p:cNvPr>
+                <p:cNvSpPr/>
+                <p:nvPr/>
+              </p:nvSpPr>
+              <p:spPr>
+                <a:xfrm>
+                  <a:off x="3851487" y="2545080"/>
+                  <a:ext cx="134620" cy="128905"/>
+                </a:xfrm>
+                <a:prstGeom prst="ellipse">
+                  <a:avLst/>
+                </a:prstGeom>
+                <a:solidFill>
+                  <a:srgbClr val="00B0F0"/>
+                </a:solidFill>
+                <a:ln>
+                  <a:solidFill>
+                    <a:schemeClr val="accent1">
+                      <a:lumMod val="60000"/>
+                      <a:lumOff val="40000"/>
+                    </a:schemeClr>
+                  </a:solidFill>
+                </a:ln>
+              </p:spPr>
+              <p:style>
+                <a:lnRef idx="2">
+                  <a:schemeClr val="accent1">
+                    <a:shade val="50000"/>
+                  </a:schemeClr>
+                </a:lnRef>
+                <a:fillRef idx="1">
+                  <a:schemeClr val="accent1"/>
+                </a:fillRef>
+                <a:effectRef idx="0">
+                  <a:schemeClr val="accent1"/>
+                </a:effectRef>
+                <a:fontRef idx="minor">
+                  <a:schemeClr val="lt1"/>
+                </a:fontRef>
+              </p:style>
+              <p:txBody>
+                <a:bodyPr rot="0" spcFirstLastPara="0" vert="horz" wrap="square" lIns="91440" tIns="45720" rIns="91440" bIns="45720" numCol="1" spcCol="0" rtlCol="0" fromWordArt="0" anchor="ctr" anchorCtr="0" forceAA="0" compatLnSpc="1">
+                  <a:prstTxWarp prst="textNoShape">
+                    <a:avLst/>
+                  </a:prstTxWarp>
+                  <a:noAutofit/>
+                </a:bodyPr>
+                <a:lstStyle/>
+                <a:p>
+                  <a:endParaRPr lang="en-US"/>
+                </a:p>
+              </p:txBody>
+            </p:sp>
+            <p:sp>
+              <p:nvSpPr>
+                <p:cNvPr id="76" name="Oval 75">
+                  <a:extLst>
+                    <a:ext uri="{FF2B5EF4-FFF2-40B4-BE49-F238E27FC236}">
+                      <a16:creationId xmlns:a16="http://schemas.microsoft.com/office/drawing/2014/main" id="{729E0830-60C4-4DD6-AA7D-E9148D326E74}"/>
+                    </a:ext>
+                  </a:extLst>
+                </p:cNvPr>
+                <p:cNvSpPr/>
+                <p:nvPr/>
+              </p:nvSpPr>
+              <p:spPr>
+                <a:xfrm>
+                  <a:off x="4063577" y="2545080"/>
+                  <a:ext cx="134620" cy="128905"/>
+                </a:xfrm>
+                <a:prstGeom prst="ellipse">
+                  <a:avLst/>
+                </a:prstGeom>
+                <a:solidFill>
+                  <a:srgbClr val="00B0F0"/>
+                </a:solidFill>
+                <a:ln>
+                  <a:solidFill>
+                    <a:schemeClr val="accent1">
+                      <a:lumMod val="60000"/>
+                      <a:lumOff val="40000"/>
+                    </a:schemeClr>
+                  </a:solidFill>
+                </a:ln>
+              </p:spPr>
+              <p:style>
+                <a:lnRef idx="2">
+                  <a:schemeClr val="accent1">
+                    <a:shade val="50000"/>
+                  </a:schemeClr>
+                </a:lnRef>
+                <a:fillRef idx="1">
+                  <a:schemeClr val="accent1"/>
+                </a:fillRef>
+                <a:effectRef idx="0">
+                  <a:schemeClr val="accent1"/>
+                </a:effectRef>
+                <a:fontRef idx="minor">
+                  <a:schemeClr val="lt1"/>
+                </a:fontRef>
+              </p:style>
+              <p:txBody>
+                <a:bodyPr rot="0" spcFirstLastPara="0" vert="horz" wrap="square" lIns="91440" tIns="45720" rIns="91440" bIns="45720" numCol="1" spcCol="0" rtlCol="0" fromWordArt="0" anchor="ctr" anchorCtr="0" forceAA="0" compatLnSpc="1">
+                  <a:prstTxWarp prst="textNoShape">
+                    <a:avLst/>
+                  </a:prstTxWarp>
+                  <a:noAutofit/>
+                </a:bodyPr>
+                <a:lstStyle/>
+                <a:p>
+                  <a:endParaRPr lang="en-US"/>
+                </a:p>
+              </p:txBody>
+            </p:sp>
+          </p:grpSp>
+          <p:sp>
+            <p:nvSpPr>
+              <p:cNvPr id="72" name="TextBox 71">
+                <a:extLst>
+                  <a:ext uri="{FF2B5EF4-FFF2-40B4-BE49-F238E27FC236}">
+                    <a16:creationId xmlns:a16="http://schemas.microsoft.com/office/drawing/2014/main" id="{4E69B18C-24C1-4954-948E-D10AFB7C8DC9}"/>
+                  </a:ext>
+                </a:extLst>
+              </p:cNvPr>
+              <p:cNvSpPr txBox="1"/>
+              <p:nvPr/>
+            </p:nvSpPr>
+            <p:spPr>
+              <a:xfrm>
+                <a:off x="3748522" y="3243174"/>
+                <a:ext cx="343364" cy="369332"/>
+              </a:xfrm>
+              <a:prstGeom prst="rect">
+                <a:avLst/>
+              </a:prstGeom>
+              <a:noFill/>
+            </p:spPr>
+            <p:txBody>
+              <a:bodyPr wrap="none" rtlCol="0">
+                <a:spAutoFit/>
+              </a:bodyPr>
+              <a:lstStyle/>
+              <a:p>
+                <a:r>
+                  <a:rPr lang="en-US" dirty="0"/>
+                  <a:t>…</a:t>
+                </a:r>
+              </a:p>
+            </p:txBody>
+          </p:sp>
+        </p:grpSp>
+        <p:sp>
+          <p:nvSpPr>
+            <p:cNvPr id="89" name="TextBox 88">
+              <a:extLst>
+                <a:ext uri="{FF2B5EF4-FFF2-40B4-BE49-F238E27FC236}">
+                  <a16:creationId xmlns:a16="http://schemas.microsoft.com/office/drawing/2014/main" id="{CC9999F7-C77B-4713-9819-76621603C16B}"/>
+                </a:ext>
+              </a:extLst>
+            </p:cNvPr>
+            <p:cNvSpPr txBox="1"/>
+            <p:nvPr/>
+          </p:nvSpPr>
+          <p:spPr>
+            <a:xfrm>
+              <a:off x="3391290" y="4660102"/>
+              <a:ext cx="3947491" cy="369332"/>
+            </a:xfrm>
+            <a:prstGeom prst="rect">
+              <a:avLst/>
+            </a:prstGeom>
+            <a:noFill/>
+          </p:spPr>
+          <p:txBody>
+            <a:bodyPr wrap="none" rtlCol="0">
+              <a:spAutoFit/>
+            </a:bodyPr>
+            <a:lstStyle/>
+            <a:p>
+              <a:pPr algn="ctr"/>
+              <a:r>
+                <a:rPr lang="en-US" dirty="0"/>
+                <a:t>From </a:t>
+              </a:r>
+              <a:r>
+                <a:rPr lang="en-US" dirty="0" err="1"/>
+                <a:t>GCNmf</a:t>
+              </a:r>
+              <a:r>
+                <a:rPr lang="en-US" dirty="0"/>
+                <a:t> of name generation model</a:t>
+              </a:r>
+            </a:p>
+          </p:txBody>
+        </p:sp>
+      </p:grpSp>
+      <p:grpSp>
+        <p:nvGrpSpPr>
+          <p:cNvPr id="91" name="Group 90">
+            <a:extLst>
+              <a:ext uri="{FF2B5EF4-FFF2-40B4-BE49-F238E27FC236}">
+                <a16:creationId xmlns:a16="http://schemas.microsoft.com/office/drawing/2014/main" id="{F99E98EC-1981-4AED-8B69-BAE8D5ED74FC}"/>
+              </a:ext>
+            </a:extLst>
+          </p:cNvPr>
+          <p:cNvGrpSpPr/>
+          <p:nvPr/>
+        </p:nvGrpSpPr>
+        <p:grpSpPr>
+          <a:xfrm>
+            <a:off x="5891558" y="2682022"/>
+            <a:ext cx="720991" cy="1610870"/>
+            <a:chOff x="3547425" y="2682022"/>
+            <a:chExt cx="720991" cy="1610870"/>
+          </a:xfrm>
+        </p:grpSpPr>
+        <p:grpSp>
+          <p:nvGrpSpPr>
+            <p:cNvPr id="92" name="Group 91">
+              <a:extLst>
+                <a:ext uri="{FF2B5EF4-FFF2-40B4-BE49-F238E27FC236}">
+                  <a16:creationId xmlns:a16="http://schemas.microsoft.com/office/drawing/2014/main" id="{EFA71E03-1EE2-4355-841A-F439A08D7F6D}"/>
+                </a:ext>
+              </a:extLst>
+            </p:cNvPr>
+            <p:cNvGrpSpPr/>
+            <p:nvPr/>
+          </p:nvGrpSpPr>
+          <p:grpSpPr>
+            <a:xfrm>
+              <a:off x="3553406" y="2682022"/>
+              <a:ext cx="711200" cy="203835"/>
+              <a:chOff x="3559387" y="2503170"/>
+              <a:chExt cx="711200" cy="203835"/>
+            </a:xfrm>
+          </p:grpSpPr>
+          <p:sp>
+            <p:nvSpPr>
+              <p:cNvPr id="109" name="Rectangle: Rounded Corners 108">
+                <a:extLst>
+                  <a:ext uri="{FF2B5EF4-FFF2-40B4-BE49-F238E27FC236}">
+                    <a16:creationId xmlns:a16="http://schemas.microsoft.com/office/drawing/2014/main" id="{F53E1FE0-CDDE-4617-9D28-751BEB5E93AF}"/>
+                  </a:ext>
+                </a:extLst>
+              </p:cNvPr>
+              <p:cNvSpPr/>
+              <p:nvPr/>
+            </p:nvSpPr>
+            <p:spPr>
+              <a:xfrm>
+                <a:off x="3559387" y="2503170"/>
+                <a:ext cx="711200" cy="203835"/>
+              </a:xfrm>
+              <a:prstGeom prst="roundRect">
+                <a:avLst/>
+              </a:prstGeom>
+              <a:noFill/>
+              <a:ln>
+                <a:solidFill>
+                  <a:schemeClr val="tx1"/>
+                </a:solidFill>
+              </a:ln>
+            </p:spPr>
+            <p:style>
+              <a:lnRef idx="2">
+                <a:schemeClr val="accent1">
+                  <a:shade val="50000"/>
+                </a:schemeClr>
+              </a:lnRef>
+              <a:fillRef idx="1">
+                <a:schemeClr val="accent1"/>
+              </a:fillRef>
+              <a:effectRef idx="0">
+                <a:schemeClr val="accent1"/>
+              </a:effectRef>
+              <a:fontRef idx="minor">
+                <a:schemeClr val="lt1"/>
+              </a:fontRef>
+            </p:style>
+            <p:txBody>
+              <a:bodyPr rot="0" spcFirstLastPara="0" vert="horz" wrap="square" lIns="91440" tIns="45720" rIns="91440" bIns="45720" numCol="1" spcCol="0" rtlCol="0" fromWordArt="0" anchor="ctr" anchorCtr="0" forceAA="0" compatLnSpc="1">
+                <a:prstTxWarp prst="textNoShape">
+                  <a:avLst/>
+                </a:prstTxWarp>
+                <a:noAutofit/>
+              </a:bodyPr>
+              <a:lstStyle/>
+              <a:p>
+                <a:endParaRPr lang="en-US"/>
+              </a:p>
+            </p:txBody>
+          </p:sp>
+          <p:sp>
+            <p:nvSpPr>
+              <p:cNvPr id="110" name="Oval 109">
+                <a:extLst>
+                  <a:ext uri="{FF2B5EF4-FFF2-40B4-BE49-F238E27FC236}">
+                    <a16:creationId xmlns:a16="http://schemas.microsoft.com/office/drawing/2014/main" id="{FDC780A8-F4A5-4A0C-BFA8-09EAE5372FDF}"/>
+                  </a:ext>
+                </a:extLst>
+              </p:cNvPr>
+              <p:cNvSpPr/>
+              <p:nvPr/>
+            </p:nvSpPr>
+            <p:spPr>
+              <a:xfrm>
+                <a:off x="3640032" y="2545080"/>
+                <a:ext cx="134620" cy="128905"/>
+              </a:xfrm>
+              <a:prstGeom prst="ellipse">
+                <a:avLst/>
+              </a:prstGeom>
+              <a:solidFill>
+                <a:srgbClr val="0070C0"/>
+              </a:solidFill>
+              <a:ln>
+                <a:solidFill>
+                  <a:schemeClr val="accent1">
+                    <a:lumMod val="60000"/>
+                    <a:lumOff val="40000"/>
+                  </a:schemeClr>
+                </a:solidFill>
+              </a:ln>
+            </p:spPr>
+            <p:style>
+              <a:lnRef idx="2">
+                <a:schemeClr val="accent1">
+                  <a:shade val="50000"/>
+                </a:schemeClr>
+              </a:lnRef>
+              <a:fillRef idx="1">
+                <a:schemeClr val="accent1"/>
+              </a:fillRef>
+              <a:effectRef idx="0">
+                <a:schemeClr val="accent1"/>
+              </a:effectRef>
+              <a:fontRef idx="minor">
+                <a:schemeClr val="lt1"/>
+              </a:fontRef>
+            </p:style>
+            <p:txBody>
+              <a:bodyPr rot="0" spcFirstLastPara="0" vert="horz" wrap="square" lIns="91440" tIns="45720" rIns="91440" bIns="45720" numCol="1" spcCol="0" rtlCol="0" fromWordArt="0" anchor="ctr" anchorCtr="0" forceAA="0" compatLnSpc="1">
+                <a:prstTxWarp prst="textNoShape">
+                  <a:avLst/>
+                </a:prstTxWarp>
+                <a:noAutofit/>
+              </a:bodyPr>
+              <a:lstStyle/>
+              <a:p>
+                <a:endParaRPr lang="en-US" dirty="0"/>
+              </a:p>
+            </p:txBody>
+          </p:sp>
+          <p:sp>
+            <p:nvSpPr>
+              <p:cNvPr id="111" name="Oval 110">
+                <a:extLst>
+                  <a:ext uri="{FF2B5EF4-FFF2-40B4-BE49-F238E27FC236}">
+                    <a16:creationId xmlns:a16="http://schemas.microsoft.com/office/drawing/2014/main" id="{8AA54E81-B523-4E3A-BF78-D1545FB8C8AB}"/>
+                  </a:ext>
+                </a:extLst>
+              </p:cNvPr>
+              <p:cNvSpPr/>
+              <p:nvPr/>
+            </p:nvSpPr>
+            <p:spPr>
+              <a:xfrm>
+                <a:off x="3851487" y="2545080"/>
+                <a:ext cx="134620" cy="128905"/>
+              </a:xfrm>
+              <a:prstGeom prst="ellipse">
+                <a:avLst/>
+              </a:prstGeom>
+              <a:solidFill>
+                <a:srgbClr val="0070C0"/>
+              </a:solidFill>
+              <a:ln>
+                <a:solidFill>
+                  <a:schemeClr val="accent1">
+                    <a:lumMod val="60000"/>
+                    <a:lumOff val="40000"/>
+                  </a:schemeClr>
+                </a:solidFill>
+              </a:ln>
+            </p:spPr>
+            <p:style>
+              <a:lnRef idx="2">
+                <a:schemeClr val="accent1">
+                  <a:shade val="50000"/>
+                </a:schemeClr>
+              </a:lnRef>
+              <a:fillRef idx="1">
+                <a:schemeClr val="accent1"/>
+              </a:fillRef>
+              <a:effectRef idx="0">
+                <a:schemeClr val="accent1"/>
+              </a:effectRef>
+              <a:fontRef idx="minor">
+                <a:schemeClr val="lt1"/>
+              </a:fontRef>
+            </p:style>
+            <p:txBody>
+              <a:bodyPr rot="0" spcFirstLastPara="0" vert="horz" wrap="square" lIns="91440" tIns="45720" rIns="91440" bIns="45720" numCol="1" spcCol="0" rtlCol="0" fromWordArt="0" anchor="ctr" anchorCtr="0" forceAA="0" compatLnSpc="1">
+                <a:prstTxWarp prst="textNoShape">
+                  <a:avLst/>
+                </a:prstTxWarp>
+                <a:noAutofit/>
+              </a:bodyPr>
+              <a:lstStyle/>
+              <a:p>
+                <a:endParaRPr lang="en-US"/>
+              </a:p>
+            </p:txBody>
+          </p:sp>
+          <p:sp>
+            <p:nvSpPr>
+              <p:cNvPr id="112" name="Oval 111">
+                <a:extLst>
+                  <a:ext uri="{FF2B5EF4-FFF2-40B4-BE49-F238E27FC236}">
+                    <a16:creationId xmlns:a16="http://schemas.microsoft.com/office/drawing/2014/main" id="{5A36A4CA-F1AA-41E3-B9E7-3C1EA5361803}"/>
+                  </a:ext>
+                </a:extLst>
+              </p:cNvPr>
+              <p:cNvSpPr/>
+              <p:nvPr/>
+            </p:nvSpPr>
+            <p:spPr>
+              <a:xfrm>
+                <a:off x="4063577" y="2545080"/>
+                <a:ext cx="134620" cy="128905"/>
+              </a:xfrm>
+              <a:prstGeom prst="ellipse">
+                <a:avLst/>
+              </a:prstGeom>
+              <a:solidFill>
+                <a:srgbClr val="0070C0"/>
+              </a:solidFill>
+              <a:ln>
+                <a:solidFill>
+                  <a:schemeClr val="accent1">
+                    <a:lumMod val="60000"/>
+                    <a:lumOff val="40000"/>
+                  </a:schemeClr>
+                </a:solidFill>
+              </a:ln>
+            </p:spPr>
+            <p:style>
+              <a:lnRef idx="2">
+                <a:schemeClr val="accent1">
+                  <a:shade val="50000"/>
+                </a:schemeClr>
+              </a:lnRef>
+              <a:fillRef idx="1">
+                <a:schemeClr val="accent1"/>
+              </a:fillRef>
+              <a:effectRef idx="0">
+                <a:schemeClr val="accent1"/>
+              </a:effectRef>
+              <a:fontRef idx="minor">
+                <a:schemeClr val="lt1"/>
+              </a:fontRef>
+            </p:style>
+            <p:txBody>
+              <a:bodyPr rot="0" spcFirstLastPara="0" vert="horz" wrap="square" lIns="91440" tIns="45720" rIns="91440" bIns="45720" numCol="1" spcCol="0" rtlCol="0" fromWordArt="0" anchor="ctr" anchorCtr="0" forceAA="0" compatLnSpc="1">
+                <a:prstTxWarp prst="textNoShape">
+                  <a:avLst/>
+                </a:prstTxWarp>
+                <a:noAutofit/>
+              </a:bodyPr>
+              <a:lstStyle/>
+              <a:p>
+                <a:endParaRPr lang="en-US"/>
+              </a:p>
+            </p:txBody>
+          </p:sp>
+        </p:grpSp>
+        <p:grpSp>
+          <p:nvGrpSpPr>
+            <p:cNvPr id="93" name="Group 92">
+              <a:extLst>
+                <a:ext uri="{FF2B5EF4-FFF2-40B4-BE49-F238E27FC236}">
+                  <a16:creationId xmlns:a16="http://schemas.microsoft.com/office/drawing/2014/main" id="{029DE85B-626F-4E8F-A859-09B370F1B33E}"/>
+                </a:ext>
+              </a:extLst>
+            </p:cNvPr>
+            <p:cNvGrpSpPr/>
+            <p:nvPr/>
+          </p:nvGrpSpPr>
+          <p:grpSpPr>
+            <a:xfrm>
+              <a:off x="3557216" y="3064709"/>
+              <a:ext cx="711200" cy="203835"/>
+              <a:chOff x="3559387" y="2503170"/>
+              <a:chExt cx="711200" cy="203835"/>
+            </a:xfrm>
+          </p:grpSpPr>
+          <p:sp>
+            <p:nvSpPr>
+              <p:cNvPr id="105" name="Rectangle: Rounded Corners 104">
+                <a:extLst>
+                  <a:ext uri="{FF2B5EF4-FFF2-40B4-BE49-F238E27FC236}">
+                    <a16:creationId xmlns:a16="http://schemas.microsoft.com/office/drawing/2014/main" id="{88B52E5C-D92D-41C2-9442-431885C5E11A}"/>
+                  </a:ext>
+                </a:extLst>
+              </p:cNvPr>
+              <p:cNvSpPr/>
+              <p:nvPr/>
+            </p:nvSpPr>
+            <p:spPr>
+              <a:xfrm>
+                <a:off x="3559387" y="2503170"/>
+                <a:ext cx="711200" cy="203835"/>
+              </a:xfrm>
+              <a:prstGeom prst="roundRect">
+                <a:avLst/>
+              </a:prstGeom>
+              <a:noFill/>
+              <a:ln>
+                <a:solidFill>
+                  <a:schemeClr val="tx1"/>
+                </a:solidFill>
+              </a:ln>
+            </p:spPr>
+            <p:style>
+              <a:lnRef idx="2">
+                <a:schemeClr val="accent1">
+                  <a:shade val="50000"/>
+                </a:schemeClr>
+              </a:lnRef>
+              <a:fillRef idx="1">
+                <a:schemeClr val="accent1"/>
+              </a:fillRef>
+              <a:effectRef idx="0">
+                <a:schemeClr val="accent1"/>
+              </a:effectRef>
+              <a:fontRef idx="minor">
+                <a:schemeClr val="lt1"/>
+              </a:fontRef>
+            </p:style>
+            <p:txBody>
+              <a:bodyPr rot="0" spcFirstLastPara="0" vert="horz" wrap="square" lIns="91440" tIns="45720" rIns="91440" bIns="45720" numCol="1" spcCol="0" rtlCol="0" fromWordArt="0" anchor="ctr" anchorCtr="0" forceAA="0" compatLnSpc="1">
+                <a:prstTxWarp prst="textNoShape">
+                  <a:avLst/>
+                </a:prstTxWarp>
+                <a:noAutofit/>
+              </a:bodyPr>
+              <a:lstStyle/>
+              <a:p>
+                <a:endParaRPr lang="en-US"/>
+              </a:p>
+            </p:txBody>
+          </p:sp>
+          <p:sp>
+            <p:nvSpPr>
+              <p:cNvPr id="106" name="Oval 105">
+                <a:extLst>
+                  <a:ext uri="{FF2B5EF4-FFF2-40B4-BE49-F238E27FC236}">
+                    <a16:creationId xmlns:a16="http://schemas.microsoft.com/office/drawing/2014/main" id="{E53B0A8F-6224-4B03-972F-47E4527CD758}"/>
+                  </a:ext>
+                </a:extLst>
+              </p:cNvPr>
+              <p:cNvSpPr/>
+              <p:nvPr/>
+            </p:nvSpPr>
+            <p:spPr>
+              <a:xfrm>
+                <a:off x="3640032" y="2545080"/>
+                <a:ext cx="134620" cy="128905"/>
+              </a:xfrm>
+              <a:prstGeom prst="ellipse">
+                <a:avLst/>
+              </a:prstGeom>
+              <a:solidFill>
+                <a:srgbClr val="0070C0"/>
+              </a:solidFill>
+              <a:ln>
+                <a:solidFill>
+                  <a:schemeClr val="accent1">
+                    <a:lumMod val="60000"/>
+                    <a:lumOff val="40000"/>
+                  </a:schemeClr>
+                </a:solidFill>
+              </a:ln>
+            </p:spPr>
+            <p:style>
+              <a:lnRef idx="2">
+                <a:schemeClr val="accent1">
+                  <a:shade val="50000"/>
+                </a:schemeClr>
+              </a:lnRef>
+              <a:fillRef idx="1">
+                <a:schemeClr val="accent1"/>
+              </a:fillRef>
+              <a:effectRef idx="0">
+                <a:schemeClr val="accent1"/>
+              </a:effectRef>
+              <a:fontRef idx="minor">
+                <a:schemeClr val="lt1"/>
+              </a:fontRef>
+            </p:style>
+            <p:txBody>
+              <a:bodyPr rot="0" spcFirstLastPara="0" vert="horz" wrap="square" lIns="91440" tIns="45720" rIns="91440" bIns="45720" numCol="1" spcCol="0" rtlCol="0" fromWordArt="0" anchor="ctr" anchorCtr="0" forceAA="0" compatLnSpc="1">
+                <a:prstTxWarp prst="textNoShape">
+                  <a:avLst/>
+                </a:prstTxWarp>
+                <a:noAutofit/>
+              </a:bodyPr>
+              <a:lstStyle/>
+              <a:p>
+                <a:endParaRPr lang="en-US"/>
+              </a:p>
+            </p:txBody>
+          </p:sp>
+          <p:sp>
+            <p:nvSpPr>
+              <p:cNvPr id="107" name="Oval 106">
+                <a:extLst>
+                  <a:ext uri="{FF2B5EF4-FFF2-40B4-BE49-F238E27FC236}">
+                    <a16:creationId xmlns:a16="http://schemas.microsoft.com/office/drawing/2014/main" id="{2DB34156-D2C2-428E-AF0B-9F8FC81B4F2F}"/>
+                  </a:ext>
+                </a:extLst>
+              </p:cNvPr>
+              <p:cNvSpPr/>
+              <p:nvPr/>
+            </p:nvSpPr>
+            <p:spPr>
+              <a:xfrm>
+                <a:off x="3851487" y="2545080"/>
+                <a:ext cx="134620" cy="128905"/>
+              </a:xfrm>
+              <a:prstGeom prst="ellipse">
+                <a:avLst/>
+              </a:prstGeom>
+              <a:solidFill>
+                <a:srgbClr val="0070C0"/>
+              </a:solidFill>
+              <a:ln>
+                <a:solidFill>
+                  <a:schemeClr val="accent1">
+                    <a:lumMod val="60000"/>
+                    <a:lumOff val="40000"/>
+                  </a:schemeClr>
+                </a:solidFill>
+              </a:ln>
+            </p:spPr>
+            <p:style>
+              <a:lnRef idx="2">
+                <a:schemeClr val="accent1">
+                  <a:shade val="50000"/>
+                </a:schemeClr>
+              </a:lnRef>
+              <a:fillRef idx="1">
+                <a:schemeClr val="accent1"/>
+              </a:fillRef>
+              <a:effectRef idx="0">
+                <a:schemeClr val="accent1"/>
+              </a:effectRef>
+              <a:fontRef idx="minor">
+                <a:schemeClr val="lt1"/>
+              </a:fontRef>
+            </p:style>
+            <p:txBody>
+              <a:bodyPr rot="0" spcFirstLastPara="0" vert="horz" wrap="square" lIns="91440" tIns="45720" rIns="91440" bIns="45720" numCol="1" spcCol="0" rtlCol="0" fromWordArt="0" anchor="ctr" anchorCtr="0" forceAA="0" compatLnSpc="1">
+                <a:prstTxWarp prst="textNoShape">
+                  <a:avLst/>
+                </a:prstTxWarp>
+                <a:noAutofit/>
+              </a:bodyPr>
+              <a:lstStyle/>
+              <a:p>
+                <a:endParaRPr lang="en-US"/>
+              </a:p>
+            </p:txBody>
+          </p:sp>
+          <p:sp>
+            <p:nvSpPr>
+              <p:cNvPr id="108" name="Oval 107">
+                <a:extLst>
+                  <a:ext uri="{FF2B5EF4-FFF2-40B4-BE49-F238E27FC236}">
+                    <a16:creationId xmlns:a16="http://schemas.microsoft.com/office/drawing/2014/main" id="{6C373AB2-9A93-4FBE-8D64-78833A4D4C23}"/>
+                  </a:ext>
+                </a:extLst>
+              </p:cNvPr>
+              <p:cNvSpPr/>
+              <p:nvPr/>
+            </p:nvSpPr>
+            <p:spPr>
+              <a:xfrm>
+                <a:off x="4063577" y="2545080"/>
+                <a:ext cx="134620" cy="128905"/>
+              </a:xfrm>
+              <a:prstGeom prst="ellipse">
+                <a:avLst/>
+              </a:prstGeom>
+              <a:solidFill>
+                <a:srgbClr val="0070C0"/>
+              </a:solidFill>
+              <a:ln>
+                <a:solidFill>
+                  <a:schemeClr val="accent1">
+                    <a:lumMod val="60000"/>
+                    <a:lumOff val="40000"/>
+                  </a:schemeClr>
+                </a:solidFill>
+              </a:ln>
+            </p:spPr>
+            <p:style>
+              <a:lnRef idx="2">
+                <a:schemeClr val="accent1">
+                  <a:shade val="50000"/>
+                </a:schemeClr>
+              </a:lnRef>
+              <a:fillRef idx="1">
+                <a:schemeClr val="accent1"/>
+              </a:fillRef>
+              <a:effectRef idx="0">
+                <a:schemeClr val="accent1"/>
+              </a:effectRef>
+              <a:fontRef idx="minor">
+                <a:schemeClr val="lt1"/>
+              </a:fontRef>
+            </p:style>
+            <p:txBody>
+              <a:bodyPr rot="0" spcFirstLastPara="0" vert="horz" wrap="square" lIns="91440" tIns="45720" rIns="91440" bIns="45720" numCol="1" spcCol="0" rtlCol="0" fromWordArt="0" anchor="ctr" anchorCtr="0" forceAA="0" compatLnSpc="1">
+                <a:prstTxWarp prst="textNoShape">
+                  <a:avLst/>
+                </a:prstTxWarp>
+                <a:noAutofit/>
+              </a:bodyPr>
+              <a:lstStyle/>
+              <a:p>
+                <a:endParaRPr lang="en-US"/>
+              </a:p>
+            </p:txBody>
+          </p:sp>
+        </p:grpSp>
+        <p:grpSp>
+          <p:nvGrpSpPr>
+            <p:cNvPr id="94" name="Group 93">
+              <a:extLst>
+                <a:ext uri="{FF2B5EF4-FFF2-40B4-BE49-F238E27FC236}">
+                  <a16:creationId xmlns:a16="http://schemas.microsoft.com/office/drawing/2014/main" id="{AB1D676C-CD5B-46E6-B626-99237E8DFF02}"/>
+                </a:ext>
+              </a:extLst>
+            </p:cNvPr>
+            <p:cNvGrpSpPr/>
+            <p:nvPr/>
+          </p:nvGrpSpPr>
+          <p:grpSpPr>
+            <a:xfrm>
+              <a:off x="3557216" y="3703411"/>
+              <a:ext cx="711200" cy="203835"/>
+              <a:chOff x="3559387" y="2503170"/>
+              <a:chExt cx="711200" cy="203835"/>
+            </a:xfrm>
+          </p:grpSpPr>
+          <p:sp>
+            <p:nvSpPr>
+              <p:cNvPr id="101" name="Rectangle: Rounded Corners 100">
+                <a:extLst>
+                  <a:ext uri="{FF2B5EF4-FFF2-40B4-BE49-F238E27FC236}">
+                    <a16:creationId xmlns:a16="http://schemas.microsoft.com/office/drawing/2014/main" id="{58B9B012-561C-4D9F-BBFD-7D7448A7E18B}"/>
+                  </a:ext>
+                </a:extLst>
+              </p:cNvPr>
+              <p:cNvSpPr/>
+              <p:nvPr/>
+            </p:nvSpPr>
+            <p:spPr>
+              <a:xfrm>
+                <a:off x="3559387" y="2503170"/>
+                <a:ext cx="711200" cy="203835"/>
+              </a:xfrm>
+              <a:prstGeom prst="roundRect">
+                <a:avLst/>
+              </a:prstGeom>
+              <a:noFill/>
+              <a:ln>
+                <a:solidFill>
+                  <a:schemeClr val="tx1"/>
+                </a:solidFill>
+              </a:ln>
+            </p:spPr>
+            <p:style>
+              <a:lnRef idx="2">
+                <a:schemeClr val="accent1">
+                  <a:shade val="50000"/>
+                </a:schemeClr>
+              </a:lnRef>
+              <a:fillRef idx="1">
+                <a:schemeClr val="accent1"/>
+              </a:fillRef>
+              <a:effectRef idx="0">
+                <a:schemeClr val="accent1"/>
+              </a:effectRef>
+              <a:fontRef idx="minor">
+                <a:schemeClr val="lt1"/>
+              </a:fontRef>
+            </p:style>
+            <p:txBody>
+              <a:bodyPr rot="0" spcFirstLastPara="0" vert="horz" wrap="square" lIns="91440" tIns="45720" rIns="91440" bIns="45720" numCol="1" spcCol="0" rtlCol="0" fromWordArt="0" anchor="ctr" anchorCtr="0" forceAA="0" compatLnSpc="1">
+                <a:prstTxWarp prst="textNoShape">
+                  <a:avLst/>
+                </a:prstTxWarp>
+                <a:noAutofit/>
+              </a:bodyPr>
+              <a:lstStyle/>
+              <a:p>
+                <a:endParaRPr lang="en-US"/>
+              </a:p>
+            </p:txBody>
+          </p:sp>
+          <p:sp>
+            <p:nvSpPr>
+              <p:cNvPr id="102" name="Oval 101">
+                <a:extLst>
+                  <a:ext uri="{FF2B5EF4-FFF2-40B4-BE49-F238E27FC236}">
+                    <a16:creationId xmlns:a16="http://schemas.microsoft.com/office/drawing/2014/main" id="{8AFD315F-D523-4D37-A8BA-A5D70F6C549A}"/>
+                  </a:ext>
+                </a:extLst>
+              </p:cNvPr>
+              <p:cNvSpPr/>
+              <p:nvPr/>
+            </p:nvSpPr>
+            <p:spPr>
+              <a:xfrm>
+                <a:off x="3640032" y="2545080"/>
+                <a:ext cx="134620" cy="128905"/>
+              </a:xfrm>
+              <a:prstGeom prst="ellipse">
+                <a:avLst/>
+              </a:prstGeom>
+              <a:solidFill>
+                <a:srgbClr val="0070C0"/>
+              </a:solidFill>
+              <a:ln>
+                <a:solidFill>
+                  <a:schemeClr val="accent1">
+                    <a:lumMod val="60000"/>
+                    <a:lumOff val="40000"/>
+                  </a:schemeClr>
+                </a:solidFill>
+              </a:ln>
+            </p:spPr>
+            <p:style>
+              <a:lnRef idx="2">
+                <a:schemeClr val="accent1">
+                  <a:shade val="50000"/>
+                </a:schemeClr>
+              </a:lnRef>
+              <a:fillRef idx="1">
+                <a:schemeClr val="accent1"/>
+              </a:fillRef>
+              <a:effectRef idx="0">
+                <a:schemeClr val="accent1"/>
+              </a:effectRef>
+              <a:fontRef idx="minor">
+                <a:schemeClr val="lt1"/>
+              </a:fontRef>
+            </p:style>
+            <p:txBody>
+              <a:bodyPr rot="0" spcFirstLastPara="0" vert="horz" wrap="square" lIns="91440" tIns="45720" rIns="91440" bIns="45720" numCol="1" spcCol="0" rtlCol="0" fromWordArt="0" anchor="ctr" anchorCtr="0" forceAA="0" compatLnSpc="1">
+                <a:prstTxWarp prst="textNoShape">
+                  <a:avLst/>
+                </a:prstTxWarp>
+                <a:noAutofit/>
+              </a:bodyPr>
+              <a:lstStyle/>
+              <a:p>
+                <a:endParaRPr lang="en-US"/>
+              </a:p>
+            </p:txBody>
+          </p:sp>
+          <p:sp>
+            <p:nvSpPr>
+              <p:cNvPr id="103" name="Oval 102">
+                <a:extLst>
+                  <a:ext uri="{FF2B5EF4-FFF2-40B4-BE49-F238E27FC236}">
+                    <a16:creationId xmlns:a16="http://schemas.microsoft.com/office/drawing/2014/main" id="{4A65E3E0-8338-4828-9B98-48BE13D73E14}"/>
+                  </a:ext>
+                </a:extLst>
+              </p:cNvPr>
+              <p:cNvSpPr/>
+              <p:nvPr/>
+            </p:nvSpPr>
+            <p:spPr>
+              <a:xfrm>
+                <a:off x="3851487" y="2545080"/>
+                <a:ext cx="134620" cy="128905"/>
+              </a:xfrm>
+              <a:prstGeom prst="ellipse">
+                <a:avLst/>
+              </a:prstGeom>
+              <a:solidFill>
+                <a:srgbClr val="0070C0"/>
+              </a:solidFill>
+              <a:ln>
+                <a:solidFill>
+                  <a:schemeClr val="accent1">
+                    <a:lumMod val="60000"/>
+                    <a:lumOff val="40000"/>
+                  </a:schemeClr>
+                </a:solidFill>
+              </a:ln>
+            </p:spPr>
+            <p:style>
+              <a:lnRef idx="2">
+                <a:schemeClr val="accent1">
+                  <a:shade val="50000"/>
+                </a:schemeClr>
+              </a:lnRef>
+              <a:fillRef idx="1">
+                <a:schemeClr val="accent1"/>
+              </a:fillRef>
+              <a:effectRef idx="0">
+                <a:schemeClr val="accent1"/>
+              </a:effectRef>
+              <a:fontRef idx="minor">
+                <a:schemeClr val="lt1"/>
+              </a:fontRef>
+            </p:style>
+            <p:txBody>
+              <a:bodyPr rot="0" spcFirstLastPara="0" vert="horz" wrap="square" lIns="91440" tIns="45720" rIns="91440" bIns="45720" numCol="1" spcCol="0" rtlCol="0" fromWordArt="0" anchor="ctr" anchorCtr="0" forceAA="0" compatLnSpc="1">
+                <a:prstTxWarp prst="textNoShape">
+                  <a:avLst/>
+                </a:prstTxWarp>
+                <a:noAutofit/>
+              </a:bodyPr>
+              <a:lstStyle/>
+              <a:p>
+                <a:endParaRPr lang="en-US"/>
+              </a:p>
+            </p:txBody>
+          </p:sp>
+          <p:sp>
+            <p:nvSpPr>
+              <p:cNvPr id="104" name="Oval 103">
+                <a:extLst>
+                  <a:ext uri="{FF2B5EF4-FFF2-40B4-BE49-F238E27FC236}">
+                    <a16:creationId xmlns:a16="http://schemas.microsoft.com/office/drawing/2014/main" id="{80999250-84AC-4297-ABC6-992DA08E36E5}"/>
+                  </a:ext>
+                </a:extLst>
+              </p:cNvPr>
+              <p:cNvSpPr/>
+              <p:nvPr/>
+            </p:nvSpPr>
+            <p:spPr>
+              <a:xfrm>
+                <a:off x="4063577" y="2545080"/>
+                <a:ext cx="134620" cy="128905"/>
+              </a:xfrm>
+              <a:prstGeom prst="ellipse">
+                <a:avLst/>
+              </a:prstGeom>
+              <a:solidFill>
+                <a:srgbClr val="0070C0"/>
+              </a:solidFill>
+              <a:ln>
+                <a:solidFill>
+                  <a:schemeClr val="accent1">
+                    <a:lumMod val="60000"/>
+                    <a:lumOff val="40000"/>
+                  </a:schemeClr>
+                </a:solidFill>
+              </a:ln>
+            </p:spPr>
+            <p:style>
+              <a:lnRef idx="2">
+                <a:schemeClr val="accent1">
+                  <a:shade val="50000"/>
+                </a:schemeClr>
+              </a:lnRef>
+              <a:fillRef idx="1">
+                <a:schemeClr val="accent1"/>
+              </a:fillRef>
+              <a:effectRef idx="0">
+                <a:schemeClr val="accent1"/>
+              </a:effectRef>
+              <a:fontRef idx="minor">
+                <a:schemeClr val="lt1"/>
+              </a:fontRef>
+            </p:style>
+            <p:txBody>
+              <a:bodyPr rot="0" spcFirstLastPara="0" vert="horz" wrap="square" lIns="91440" tIns="45720" rIns="91440" bIns="45720" numCol="1" spcCol="0" rtlCol="0" fromWordArt="0" anchor="ctr" anchorCtr="0" forceAA="0" compatLnSpc="1">
+                <a:prstTxWarp prst="textNoShape">
+                  <a:avLst/>
+                </a:prstTxWarp>
+                <a:noAutofit/>
+              </a:bodyPr>
+              <a:lstStyle/>
+              <a:p>
+                <a:endParaRPr lang="en-US" dirty="0"/>
+              </a:p>
+            </p:txBody>
+          </p:sp>
+        </p:grpSp>
+        <p:grpSp>
+          <p:nvGrpSpPr>
+            <p:cNvPr id="95" name="Group 94">
+              <a:extLst>
+                <a:ext uri="{FF2B5EF4-FFF2-40B4-BE49-F238E27FC236}">
+                  <a16:creationId xmlns:a16="http://schemas.microsoft.com/office/drawing/2014/main" id="{B3545452-50FB-4C20-AA3E-BD0D8EDA2174}"/>
+                </a:ext>
+              </a:extLst>
+            </p:cNvPr>
+            <p:cNvGrpSpPr/>
+            <p:nvPr/>
+          </p:nvGrpSpPr>
+          <p:grpSpPr>
+            <a:xfrm>
+              <a:off x="3547425" y="4089057"/>
+              <a:ext cx="711200" cy="203835"/>
+              <a:chOff x="3559387" y="2503170"/>
+              <a:chExt cx="711200" cy="203835"/>
+            </a:xfrm>
+          </p:grpSpPr>
+          <p:sp>
+            <p:nvSpPr>
+              <p:cNvPr id="97" name="Rectangle: Rounded Corners 96">
+                <a:extLst>
+                  <a:ext uri="{FF2B5EF4-FFF2-40B4-BE49-F238E27FC236}">
+                    <a16:creationId xmlns:a16="http://schemas.microsoft.com/office/drawing/2014/main" id="{830D509F-D5E4-4C23-BB09-90682CAA9817}"/>
+                  </a:ext>
+                </a:extLst>
+              </p:cNvPr>
+              <p:cNvSpPr/>
+              <p:nvPr/>
+            </p:nvSpPr>
+            <p:spPr>
+              <a:xfrm>
+                <a:off x="3559387" y="2503170"/>
+                <a:ext cx="711200" cy="203835"/>
+              </a:xfrm>
+              <a:prstGeom prst="roundRect">
+                <a:avLst/>
+              </a:prstGeom>
+              <a:noFill/>
+              <a:ln>
+                <a:solidFill>
+                  <a:schemeClr val="tx1"/>
+                </a:solidFill>
+              </a:ln>
+            </p:spPr>
+            <p:style>
+              <a:lnRef idx="2">
+                <a:schemeClr val="accent1">
+                  <a:shade val="50000"/>
+                </a:schemeClr>
+              </a:lnRef>
+              <a:fillRef idx="1">
+                <a:schemeClr val="accent1"/>
+              </a:fillRef>
+              <a:effectRef idx="0">
+                <a:schemeClr val="accent1"/>
+              </a:effectRef>
+              <a:fontRef idx="minor">
+                <a:schemeClr val="lt1"/>
+              </a:fontRef>
+            </p:style>
+            <p:txBody>
+              <a:bodyPr rot="0" spcFirstLastPara="0" vert="horz" wrap="square" lIns="91440" tIns="45720" rIns="91440" bIns="45720" numCol="1" spcCol="0" rtlCol="0" fromWordArt="0" anchor="ctr" anchorCtr="0" forceAA="0" compatLnSpc="1">
+                <a:prstTxWarp prst="textNoShape">
+                  <a:avLst/>
+                </a:prstTxWarp>
+                <a:noAutofit/>
+              </a:bodyPr>
+              <a:lstStyle/>
+              <a:p>
+                <a:endParaRPr lang="en-US"/>
+              </a:p>
+            </p:txBody>
+          </p:sp>
+          <p:sp>
+            <p:nvSpPr>
+              <p:cNvPr id="98" name="Oval 97">
+                <a:extLst>
+                  <a:ext uri="{FF2B5EF4-FFF2-40B4-BE49-F238E27FC236}">
+                    <a16:creationId xmlns:a16="http://schemas.microsoft.com/office/drawing/2014/main" id="{8A30CC19-CBCE-468D-9625-72EB93B28FD0}"/>
+                  </a:ext>
+                </a:extLst>
+              </p:cNvPr>
+              <p:cNvSpPr/>
+              <p:nvPr/>
+            </p:nvSpPr>
+            <p:spPr>
+              <a:xfrm>
+                <a:off x="3640032" y="2545080"/>
+                <a:ext cx="134620" cy="128905"/>
+              </a:xfrm>
+              <a:prstGeom prst="ellipse">
+                <a:avLst/>
+              </a:prstGeom>
+              <a:solidFill>
+                <a:srgbClr val="0070C0"/>
+              </a:solidFill>
+              <a:ln>
+                <a:solidFill>
+                  <a:schemeClr val="accent1">
+                    <a:lumMod val="60000"/>
+                    <a:lumOff val="40000"/>
+                  </a:schemeClr>
+                </a:solidFill>
+              </a:ln>
+            </p:spPr>
+            <p:style>
+              <a:lnRef idx="2">
+                <a:schemeClr val="accent1">
+                  <a:shade val="50000"/>
+                </a:schemeClr>
+              </a:lnRef>
+              <a:fillRef idx="1">
+                <a:schemeClr val="accent1"/>
+              </a:fillRef>
+              <a:effectRef idx="0">
+                <a:schemeClr val="accent1"/>
+              </a:effectRef>
+              <a:fontRef idx="minor">
+                <a:schemeClr val="lt1"/>
+              </a:fontRef>
+            </p:style>
+            <p:txBody>
+              <a:bodyPr rot="0" spcFirstLastPara="0" vert="horz" wrap="square" lIns="91440" tIns="45720" rIns="91440" bIns="45720" numCol="1" spcCol="0" rtlCol="0" fromWordArt="0" anchor="ctr" anchorCtr="0" forceAA="0" compatLnSpc="1">
+                <a:prstTxWarp prst="textNoShape">
+                  <a:avLst/>
+                </a:prstTxWarp>
+                <a:noAutofit/>
+              </a:bodyPr>
+              <a:lstStyle/>
+              <a:p>
+                <a:endParaRPr lang="en-US"/>
+              </a:p>
+            </p:txBody>
+          </p:sp>
+          <p:sp>
+            <p:nvSpPr>
+              <p:cNvPr id="99" name="Oval 98">
+                <a:extLst>
+                  <a:ext uri="{FF2B5EF4-FFF2-40B4-BE49-F238E27FC236}">
+                    <a16:creationId xmlns:a16="http://schemas.microsoft.com/office/drawing/2014/main" id="{B493CE6D-C659-464A-BF33-CDE686E43892}"/>
+                  </a:ext>
+                </a:extLst>
+              </p:cNvPr>
+              <p:cNvSpPr/>
+              <p:nvPr/>
+            </p:nvSpPr>
+            <p:spPr>
+              <a:xfrm>
+                <a:off x="3851487" y="2545080"/>
+                <a:ext cx="134620" cy="128905"/>
+              </a:xfrm>
+              <a:prstGeom prst="ellipse">
+                <a:avLst/>
+              </a:prstGeom>
+              <a:solidFill>
+                <a:srgbClr val="0070C0"/>
+              </a:solidFill>
+              <a:ln>
+                <a:solidFill>
+                  <a:schemeClr val="accent1">
+                    <a:lumMod val="60000"/>
+                    <a:lumOff val="40000"/>
+                  </a:schemeClr>
+                </a:solidFill>
+              </a:ln>
+            </p:spPr>
+            <p:style>
+              <a:lnRef idx="2">
+                <a:schemeClr val="accent1">
+                  <a:shade val="50000"/>
+                </a:schemeClr>
+              </a:lnRef>
+              <a:fillRef idx="1">
+                <a:schemeClr val="accent1"/>
+              </a:fillRef>
+              <a:effectRef idx="0">
+                <a:schemeClr val="accent1"/>
+              </a:effectRef>
+              <a:fontRef idx="minor">
+                <a:schemeClr val="lt1"/>
+              </a:fontRef>
+            </p:style>
+            <p:txBody>
+              <a:bodyPr rot="0" spcFirstLastPara="0" vert="horz" wrap="square" lIns="91440" tIns="45720" rIns="91440" bIns="45720" numCol="1" spcCol="0" rtlCol="0" fromWordArt="0" anchor="ctr" anchorCtr="0" forceAA="0" compatLnSpc="1">
+                <a:prstTxWarp prst="textNoShape">
+                  <a:avLst/>
+                </a:prstTxWarp>
+                <a:noAutofit/>
+              </a:bodyPr>
+              <a:lstStyle/>
+              <a:p>
+                <a:endParaRPr lang="en-US"/>
+              </a:p>
+            </p:txBody>
+          </p:sp>
+          <p:sp>
+            <p:nvSpPr>
+              <p:cNvPr id="100" name="Oval 99">
+                <a:extLst>
+                  <a:ext uri="{FF2B5EF4-FFF2-40B4-BE49-F238E27FC236}">
+                    <a16:creationId xmlns:a16="http://schemas.microsoft.com/office/drawing/2014/main" id="{8395355E-FDB9-49D4-94AC-A4920A160CD2}"/>
+                  </a:ext>
+                </a:extLst>
+              </p:cNvPr>
+              <p:cNvSpPr/>
+              <p:nvPr/>
+            </p:nvSpPr>
+            <p:spPr>
+              <a:xfrm>
+                <a:off x="4063577" y="2545080"/>
+                <a:ext cx="134620" cy="128905"/>
+              </a:xfrm>
+              <a:prstGeom prst="ellipse">
+                <a:avLst/>
+              </a:prstGeom>
+              <a:solidFill>
+                <a:srgbClr val="0070C0"/>
+              </a:solidFill>
+              <a:ln>
+                <a:solidFill>
+                  <a:schemeClr val="accent1">
+                    <a:lumMod val="60000"/>
+                    <a:lumOff val="40000"/>
+                  </a:schemeClr>
+                </a:solidFill>
+              </a:ln>
+            </p:spPr>
+            <p:style>
+              <a:lnRef idx="2">
+                <a:schemeClr val="accent1">
+                  <a:shade val="50000"/>
+                </a:schemeClr>
+              </a:lnRef>
+              <a:fillRef idx="1">
+                <a:schemeClr val="accent1"/>
+              </a:fillRef>
+              <a:effectRef idx="0">
+                <a:schemeClr val="accent1"/>
+              </a:effectRef>
+              <a:fontRef idx="minor">
+                <a:schemeClr val="lt1"/>
+              </a:fontRef>
+            </p:style>
+            <p:txBody>
+              <a:bodyPr rot="0" spcFirstLastPara="0" vert="horz" wrap="square" lIns="91440" tIns="45720" rIns="91440" bIns="45720" numCol="1" spcCol="0" rtlCol="0" fromWordArt="0" anchor="ctr" anchorCtr="0" forceAA="0" compatLnSpc="1">
+                <a:prstTxWarp prst="textNoShape">
+                  <a:avLst/>
+                </a:prstTxWarp>
+                <a:noAutofit/>
+              </a:bodyPr>
+              <a:lstStyle/>
+              <a:p>
+                <a:endParaRPr lang="en-US"/>
+              </a:p>
+            </p:txBody>
+          </p:sp>
+        </p:grpSp>
+        <p:sp>
+          <p:nvSpPr>
+            <p:cNvPr id="96" name="TextBox 95">
+              <a:extLst>
+                <a:ext uri="{FF2B5EF4-FFF2-40B4-BE49-F238E27FC236}">
+                  <a16:creationId xmlns:a16="http://schemas.microsoft.com/office/drawing/2014/main" id="{3DCA80F2-D04B-4D56-A705-D354C8D72D5F}"/>
+                </a:ext>
+              </a:extLst>
+            </p:cNvPr>
+            <p:cNvSpPr txBox="1"/>
+            <p:nvPr/>
+          </p:nvSpPr>
+          <p:spPr>
+            <a:xfrm>
+              <a:off x="3748522" y="3243174"/>
+              <a:ext cx="343364" cy="369332"/>
+            </a:xfrm>
+            <a:prstGeom prst="rect">
+              <a:avLst/>
+            </a:prstGeom>
+            <a:noFill/>
+          </p:spPr>
+          <p:txBody>
+            <a:bodyPr wrap="none" rtlCol="0">
+              <a:spAutoFit/>
+            </a:bodyPr>
+            <a:lstStyle/>
+            <a:p>
+              <a:r>
+                <a:rPr lang="en-US" dirty="0"/>
+                <a:t>…</a:t>
+              </a:r>
+            </a:p>
+          </p:txBody>
+        </p:sp>
+      </p:grpSp>
+      <p:sp>
+        <p:nvSpPr>
+          <p:cNvPr id="113" name="TextBox 112">
+            <a:extLst>
+              <a:ext uri="{FF2B5EF4-FFF2-40B4-BE49-F238E27FC236}">
+                <a16:creationId xmlns:a16="http://schemas.microsoft.com/office/drawing/2014/main" id="{9B397CA0-992F-4E06-8F83-CCECD1F416B2}"/>
+              </a:ext>
+            </a:extLst>
+          </p:cNvPr>
+          <p:cNvSpPr txBox="1"/>
+          <p:nvPr/>
+        </p:nvSpPr>
+        <p:spPr>
+          <a:xfrm>
+            <a:off x="5665965" y="1893416"/>
+            <a:ext cx="1160895" cy="646331"/>
+          </a:xfrm>
+          <a:prstGeom prst="rect">
+            <a:avLst/>
+          </a:prstGeom>
+          <a:noFill/>
+        </p:spPr>
+        <p:txBody>
+          <a:bodyPr wrap="none" rtlCol="0">
+            <a:spAutoFit/>
+          </a:bodyPr>
+          <a:lstStyle/>
+          <a:p>
+            <a:pPr algn="ctr"/>
+            <a:r>
+              <a:rPr lang="en-US" dirty="0"/>
+              <a:t>Enhanced </a:t>
+            </a:r>
+          </a:p>
+          <a:p>
+            <a:pPr algn="ctr"/>
+            <a:r>
+              <a:rPr lang="en-US" dirty="0"/>
+              <a:t>Vectors</a:t>
+            </a:r>
+          </a:p>
+        </p:txBody>
+      </p:sp>
+      <p:sp>
+        <p:nvSpPr>
+          <p:cNvPr id="114" name="Rectangle 113">
+            <a:extLst>
+              <a:ext uri="{FF2B5EF4-FFF2-40B4-BE49-F238E27FC236}">
+                <a16:creationId xmlns:a16="http://schemas.microsoft.com/office/drawing/2014/main" id="{0E8E6CA9-D5E4-4BC1-87B7-2D244B5B92AA}"/>
+              </a:ext>
+            </a:extLst>
+          </p:cNvPr>
+          <p:cNvSpPr/>
+          <p:nvPr/>
+        </p:nvSpPr>
+        <p:spPr>
+          <a:xfrm>
+            <a:off x="7208590" y="2699990"/>
+            <a:ext cx="436326" cy="1610870"/>
+          </a:xfrm>
+          <a:prstGeom prst="rect">
+            <a:avLst/>
+          </a:prstGeom>
+          <a:ln/>
+          <a:effectLst>
+            <a:outerShdw blurRad="50800" dist="38100" dir="2700000" algn="tl" rotWithShape="0">
+              <a:prstClr val="black">
+                <a:alpha val="40000"/>
+              </a:prstClr>
+            </a:outerShdw>
+          </a:effectLst>
+        </p:spPr>
+        <p:style>
+          <a:lnRef idx="1">
+            <a:schemeClr val="accent6"/>
+          </a:lnRef>
+          <a:fillRef idx="2">
+            <a:schemeClr val="accent6"/>
+          </a:fillRef>
+          <a:effectRef idx="1">
+            <a:schemeClr val="accent6"/>
+          </a:effectRef>
+          <a:fontRef idx="minor">
+            <a:schemeClr val="dk1"/>
+          </a:fontRef>
+        </p:style>
+        <p:txBody>
+          <a:bodyPr rtlCol="0" anchor="ctr"/>
+          <a:lstStyle/>
+          <a:p>
+            <a:pPr algn="ctr"/>
+            <a:endParaRPr lang="en-US" dirty="0"/>
+          </a:p>
+        </p:txBody>
+      </p:sp>
+      <p:sp>
+        <p:nvSpPr>
+          <p:cNvPr id="115" name="TextBox 114">
+            <a:extLst>
+              <a:ext uri="{FF2B5EF4-FFF2-40B4-BE49-F238E27FC236}">
+                <a16:creationId xmlns:a16="http://schemas.microsoft.com/office/drawing/2014/main" id="{77389297-A266-49A1-AAF6-5944E501000E}"/>
+              </a:ext>
+            </a:extLst>
+          </p:cNvPr>
+          <p:cNvSpPr txBox="1"/>
+          <p:nvPr/>
+        </p:nvSpPr>
+        <p:spPr>
+          <a:xfrm>
+            <a:off x="6949564" y="2020741"/>
+            <a:ext cx="977832" cy="646331"/>
+          </a:xfrm>
+          <a:prstGeom prst="rect">
+            <a:avLst/>
+          </a:prstGeom>
+          <a:noFill/>
+        </p:spPr>
+        <p:txBody>
+          <a:bodyPr wrap="none" rtlCol="0">
+            <a:spAutoFit/>
+          </a:bodyPr>
+          <a:lstStyle/>
+          <a:p>
+            <a:pPr algn="ctr"/>
+            <a:r>
+              <a:rPr lang="en-US" dirty="0"/>
+              <a:t>GRU</a:t>
+            </a:r>
+          </a:p>
+          <a:p>
+            <a:pPr algn="ctr"/>
+            <a:r>
+              <a:rPr lang="en-US" dirty="0"/>
+              <a:t>Decoder</a:t>
+            </a:r>
+          </a:p>
+        </p:txBody>
+      </p:sp>
+      <p:grpSp>
+        <p:nvGrpSpPr>
+          <p:cNvPr id="125" name="Group 124">
+            <a:extLst>
+              <a:ext uri="{FF2B5EF4-FFF2-40B4-BE49-F238E27FC236}">
+                <a16:creationId xmlns:a16="http://schemas.microsoft.com/office/drawing/2014/main" id="{4A508EE9-9A6E-47E6-A861-F1AE1CBA2E74}"/>
+              </a:ext>
+            </a:extLst>
+          </p:cNvPr>
+          <p:cNvGrpSpPr/>
+          <p:nvPr/>
+        </p:nvGrpSpPr>
+        <p:grpSpPr>
+          <a:xfrm>
+            <a:off x="8156246" y="2639894"/>
+            <a:ext cx="417129" cy="1658950"/>
+            <a:chOff x="8142596" y="2641653"/>
+            <a:chExt cx="417129" cy="1669419"/>
+          </a:xfrm>
+        </p:grpSpPr>
+        <p:sp>
+          <p:nvSpPr>
+            <p:cNvPr id="116" name="Rectangle 115">
+              <a:extLst>
+                <a:ext uri="{FF2B5EF4-FFF2-40B4-BE49-F238E27FC236}">
+                  <a16:creationId xmlns:a16="http://schemas.microsoft.com/office/drawing/2014/main" id="{BA55D7F1-FFB9-40D8-9D79-82F80A846EC6}"/>
+                </a:ext>
+              </a:extLst>
+            </p:cNvPr>
+            <p:cNvSpPr/>
+            <p:nvPr/>
+          </p:nvSpPr>
+          <p:spPr>
+            <a:xfrm>
+              <a:off x="8203433" y="2700202"/>
+              <a:ext cx="296234" cy="1610870"/>
+            </a:xfrm>
+            <a:prstGeom prst="rect">
+              <a:avLst/>
+            </a:prstGeom>
+            <a:solidFill>
+              <a:schemeClr val="accent2">
+                <a:lumMod val="20000"/>
+                <a:lumOff val="80000"/>
+              </a:schemeClr>
+            </a:solidFill>
+            <a:ln>
+              <a:solidFill>
+                <a:srgbClr val="C00000"/>
+              </a:solidFill>
+            </a:ln>
+          </p:spPr>
+          <p:style>
+            <a:lnRef idx="2">
+              <a:schemeClr val="accent1">
+                <a:shade val="50000"/>
+              </a:schemeClr>
+            </a:lnRef>
+            <a:fillRef idx="1">
+              <a:schemeClr val="accent1"/>
+            </a:fillRef>
+            <a:effectRef idx="0">
+              <a:schemeClr val="accent1"/>
+            </a:effectRef>
+            <a:fontRef idx="minor">
+              <a:schemeClr val="lt1"/>
+            </a:fontRef>
+          </p:style>
+          <p:txBody>
+            <a:bodyPr rtlCol="0" anchor="ctr"/>
+            <a:lstStyle/>
+            <a:p>
+              <a:pPr algn="ctr"/>
+              <a:r>
+                <a:rPr lang="en-US" dirty="0">
+                  <a:solidFill>
+                    <a:schemeClr val="tx1"/>
+                  </a:solidFill>
+                </a:rPr>
+                <a:t>…</a:t>
+              </a:r>
+            </a:p>
+          </p:txBody>
+        </p:sp>
+        <p:sp>
+          <p:nvSpPr>
+            <p:cNvPr id="119" name="TextBox 118">
+              <a:extLst>
+                <a:ext uri="{FF2B5EF4-FFF2-40B4-BE49-F238E27FC236}">
+                  <a16:creationId xmlns:a16="http://schemas.microsoft.com/office/drawing/2014/main" id="{A1A37F6F-1689-4104-BF64-78881B90B530}"/>
+                </a:ext>
+              </a:extLst>
+            </p:cNvPr>
+            <p:cNvSpPr txBox="1"/>
+            <p:nvPr/>
+          </p:nvSpPr>
+          <p:spPr>
+            <a:xfrm>
+              <a:off x="8145829" y="2641653"/>
+              <a:ext cx="413896" cy="369332"/>
+            </a:xfrm>
+            <a:prstGeom prst="rect">
+              <a:avLst/>
+            </a:prstGeom>
+            <a:noFill/>
+          </p:spPr>
+          <p:txBody>
+            <a:bodyPr wrap="none" rtlCol="0">
+              <a:spAutoFit/>
+            </a:bodyPr>
+            <a:lstStyle/>
+            <a:p>
+              <a:r>
+                <a:rPr lang="en-US" dirty="0"/>
+                <a:t>T1</a:t>
+              </a:r>
+            </a:p>
+          </p:txBody>
+        </p:sp>
+        <p:sp>
+          <p:nvSpPr>
+            <p:cNvPr id="120" name="TextBox 119">
+              <a:extLst>
+                <a:ext uri="{FF2B5EF4-FFF2-40B4-BE49-F238E27FC236}">
+                  <a16:creationId xmlns:a16="http://schemas.microsoft.com/office/drawing/2014/main" id="{809B0699-3ED6-4EE2-BF8B-B3A035D8335F}"/>
+                </a:ext>
+              </a:extLst>
+            </p:cNvPr>
+            <p:cNvSpPr txBox="1"/>
+            <p:nvPr/>
+          </p:nvSpPr>
+          <p:spPr>
+            <a:xfrm>
+              <a:off x="8142596" y="2942504"/>
+              <a:ext cx="413896" cy="369332"/>
+            </a:xfrm>
+            <a:prstGeom prst="rect">
+              <a:avLst/>
+            </a:prstGeom>
+            <a:noFill/>
+          </p:spPr>
+          <p:txBody>
+            <a:bodyPr wrap="none" rtlCol="0">
+              <a:spAutoFit/>
+            </a:bodyPr>
+            <a:lstStyle/>
+            <a:p>
+              <a:r>
+                <a:rPr lang="en-US" dirty="0"/>
+                <a:t>T2</a:t>
+              </a:r>
+            </a:p>
+          </p:txBody>
+        </p:sp>
+      </p:grpSp>
+      <p:sp>
+        <p:nvSpPr>
+          <p:cNvPr id="121" name="TextBox 120">
+            <a:extLst>
+              <a:ext uri="{FF2B5EF4-FFF2-40B4-BE49-F238E27FC236}">
+                <a16:creationId xmlns:a16="http://schemas.microsoft.com/office/drawing/2014/main" id="{7B8D7E9E-D578-4E50-BDD3-6051DA50EA76}"/>
+              </a:ext>
+            </a:extLst>
+          </p:cNvPr>
+          <p:cNvSpPr txBox="1"/>
+          <p:nvPr/>
+        </p:nvSpPr>
+        <p:spPr>
+          <a:xfrm>
+            <a:off x="7820320" y="2017636"/>
+            <a:ext cx="1080039" cy="646331"/>
+          </a:xfrm>
+          <a:prstGeom prst="rect">
+            <a:avLst/>
+          </a:prstGeom>
+          <a:noFill/>
+        </p:spPr>
+        <p:txBody>
+          <a:bodyPr wrap="none" rtlCol="0">
+            <a:spAutoFit/>
+          </a:bodyPr>
+          <a:lstStyle/>
+          <a:p>
+            <a:pPr algn="ctr"/>
+            <a:r>
+              <a:rPr lang="en-US" dirty="0"/>
+              <a:t>Predicted</a:t>
+            </a:r>
+          </a:p>
+          <a:p>
+            <a:pPr algn="ctr"/>
+            <a:r>
+              <a:rPr lang="en-US" dirty="0"/>
+              <a:t>Types</a:t>
+            </a:r>
+          </a:p>
+        </p:txBody>
+      </p:sp>
+      <p:sp>
+        <p:nvSpPr>
+          <p:cNvPr id="122" name="Rectangle 121">
+            <a:extLst>
+              <a:ext uri="{FF2B5EF4-FFF2-40B4-BE49-F238E27FC236}">
+                <a16:creationId xmlns:a16="http://schemas.microsoft.com/office/drawing/2014/main" id="{14790091-278C-4409-AF34-FC41C54DBC03}"/>
+              </a:ext>
+            </a:extLst>
+          </p:cNvPr>
+          <p:cNvSpPr/>
+          <p:nvPr/>
+        </p:nvSpPr>
+        <p:spPr>
+          <a:xfrm>
+            <a:off x="8974031" y="2693842"/>
+            <a:ext cx="436326" cy="1610870"/>
+          </a:xfrm>
+          <a:prstGeom prst="rect">
+            <a:avLst/>
+          </a:prstGeom>
+          <a:solidFill>
+            <a:schemeClr val="accent5">
+              <a:lumMod val="40000"/>
+              <a:lumOff val="60000"/>
+            </a:schemeClr>
+          </a:solidFill>
+          <a:ln/>
+          <a:effectLst>
+            <a:outerShdw blurRad="50800" dist="38100" dir="2700000" algn="tl" rotWithShape="0">
+              <a:prstClr val="black">
+                <a:alpha val="40000"/>
+              </a:prstClr>
+            </a:outerShdw>
+          </a:effectLst>
+        </p:spPr>
+        <p:style>
+          <a:lnRef idx="1">
+            <a:schemeClr val="accent6"/>
+          </a:lnRef>
+          <a:fillRef idx="2">
+            <a:schemeClr val="accent6"/>
+          </a:fillRef>
+          <a:effectRef idx="1">
+            <a:schemeClr val="accent6"/>
+          </a:effectRef>
+          <a:fontRef idx="minor">
+            <a:schemeClr val="dk1"/>
+          </a:fontRef>
+        </p:style>
+        <p:txBody>
+          <a:bodyPr rtlCol="0" anchor="ctr"/>
+          <a:lstStyle/>
+          <a:p>
+            <a:pPr algn="ctr"/>
+            <a:endParaRPr lang="en-US" dirty="0"/>
+          </a:p>
+        </p:txBody>
+      </p:sp>
+      <p:sp>
+        <p:nvSpPr>
+          <p:cNvPr id="123" name="TextBox 122">
+            <a:extLst>
+              <a:ext uri="{FF2B5EF4-FFF2-40B4-BE49-F238E27FC236}">
+                <a16:creationId xmlns:a16="http://schemas.microsoft.com/office/drawing/2014/main" id="{35DE3DBD-C6FD-445E-B07E-5A81C3BED9E5}"/>
+              </a:ext>
+            </a:extLst>
+          </p:cNvPr>
+          <p:cNvSpPr txBox="1"/>
+          <p:nvPr/>
+        </p:nvSpPr>
+        <p:spPr>
+          <a:xfrm>
+            <a:off x="8859397" y="1785642"/>
+            <a:ext cx="744113" cy="923330"/>
+          </a:xfrm>
+          <a:prstGeom prst="rect">
+            <a:avLst/>
+          </a:prstGeom>
+          <a:noFill/>
+        </p:spPr>
+        <p:txBody>
+          <a:bodyPr wrap="none" rtlCol="0">
+            <a:spAutoFit/>
+          </a:bodyPr>
+          <a:lstStyle/>
+          <a:p>
+            <a:pPr algn="ctr"/>
+            <a:r>
+              <a:rPr lang="en-US" dirty="0"/>
+              <a:t>Rule-</a:t>
+            </a:r>
+          </a:p>
+          <a:p>
+            <a:pPr algn="ctr"/>
+            <a:r>
+              <a:rPr lang="en-US" dirty="0"/>
+              <a:t>based</a:t>
+            </a:r>
+          </a:p>
+          <a:p>
+            <a:pPr algn="ctr"/>
+            <a:r>
+              <a:rPr lang="en-US" dirty="0"/>
+              <a:t>Filter</a:t>
+            </a:r>
+          </a:p>
+        </p:txBody>
+      </p:sp>
+      <p:grpSp>
+        <p:nvGrpSpPr>
+          <p:cNvPr id="126" name="Group 125">
+            <a:extLst>
+              <a:ext uri="{FF2B5EF4-FFF2-40B4-BE49-F238E27FC236}">
+                <a16:creationId xmlns:a16="http://schemas.microsoft.com/office/drawing/2014/main" id="{A9DBAE9E-7BA4-4FA1-B658-574BF8C0C5A0}"/>
+              </a:ext>
+            </a:extLst>
+          </p:cNvPr>
+          <p:cNvGrpSpPr/>
+          <p:nvPr/>
+        </p:nvGrpSpPr>
+        <p:grpSpPr>
+          <a:xfrm>
+            <a:off x="9844427" y="2633132"/>
+            <a:ext cx="532545" cy="1669419"/>
+            <a:chOff x="8142596" y="2641653"/>
+            <a:chExt cx="532545" cy="1669419"/>
+          </a:xfrm>
+        </p:grpSpPr>
+        <p:sp>
+          <p:nvSpPr>
+            <p:cNvPr id="127" name="Rectangle 126">
+              <a:extLst>
+                <a:ext uri="{FF2B5EF4-FFF2-40B4-BE49-F238E27FC236}">
+                  <a16:creationId xmlns:a16="http://schemas.microsoft.com/office/drawing/2014/main" id="{0462166F-CBDA-4EEE-BF10-0645F6F0A899}"/>
+                </a:ext>
+              </a:extLst>
+            </p:cNvPr>
+            <p:cNvSpPr/>
+            <p:nvPr/>
+          </p:nvSpPr>
+          <p:spPr>
+            <a:xfrm>
+              <a:off x="8203433" y="2700202"/>
+              <a:ext cx="421202" cy="1610870"/>
+            </a:xfrm>
+            <a:prstGeom prst="rect">
+              <a:avLst/>
+            </a:prstGeom>
+            <a:solidFill>
+              <a:schemeClr val="accent2">
+                <a:lumMod val="20000"/>
+                <a:lumOff val="80000"/>
+              </a:schemeClr>
+            </a:solidFill>
+            <a:ln>
+              <a:solidFill>
+                <a:srgbClr val="C00000"/>
+              </a:solidFill>
+            </a:ln>
+          </p:spPr>
+          <p:style>
+            <a:lnRef idx="2">
+              <a:schemeClr val="accent1">
+                <a:shade val="50000"/>
+              </a:schemeClr>
+            </a:lnRef>
+            <a:fillRef idx="1">
+              <a:schemeClr val="accent1"/>
+            </a:fillRef>
+            <a:effectRef idx="0">
+              <a:schemeClr val="accent1"/>
+            </a:effectRef>
+            <a:fontRef idx="minor">
+              <a:schemeClr val="lt1"/>
+            </a:fontRef>
+          </p:style>
+          <p:txBody>
+            <a:bodyPr rtlCol="0" anchor="ctr"/>
+            <a:lstStyle/>
+            <a:p>
+              <a:pPr algn="ctr"/>
+              <a:r>
+                <a:rPr lang="en-US" dirty="0">
+                  <a:solidFill>
+                    <a:schemeClr val="tx1"/>
+                  </a:solidFill>
+                </a:rPr>
+                <a:t>…</a:t>
+              </a:r>
+            </a:p>
+          </p:txBody>
+        </p:sp>
+        <p:sp>
+          <p:nvSpPr>
+            <p:cNvPr id="128" name="TextBox 127">
+              <a:extLst>
+                <a:ext uri="{FF2B5EF4-FFF2-40B4-BE49-F238E27FC236}">
+                  <a16:creationId xmlns:a16="http://schemas.microsoft.com/office/drawing/2014/main" id="{A58B1548-008E-4184-8247-04FA070DD33F}"/>
+                </a:ext>
+              </a:extLst>
+            </p:cNvPr>
+            <p:cNvSpPr txBox="1"/>
+            <p:nvPr/>
+          </p:nvSpPr>
+          <p:spPr>
+            <a:xfrm>
+              <a:off x="8145829" y="2641653"/>
+              <a:ext cx="529312" cy="369332"/>
+            </a:xfrm>
+            <a:prstGeom prst="rect">
+              <a:avLst/>
+            </a:prstGeom>
+            <a:noFill/>
+          </p:spPr>
+          <p:txBody>
+            <a:bodyPr wrap="none" rtlCol="0">
+              <a:spAutoFit/>
+            </a:bodyPr>
+            <a:lstStyle/>
+            <a:p>
+              <a:r>
+                <a:rPr lang="en-US" dirty="0"/>
+                <a:t>T1*</a:t>
+              </a:r>
+            </a:p>
+          </p:txBody>
+        </p:sp>
+        <p:sp>
+          <p:nvSpPr>
+            <p:cNvPr id="129" name="TextBox 128">
+              <a:extLst>
+                <a:ext uri="{FF2B5EF4-FFF2-40B4-BE49-F238E27FC236}">
+                  <a16:creationId xmlns:a16="http://schemas.microsoft.com/office/drawing/2014/main" id="{EFA53460-C317-4A7E-9B62-A772BEF4BCD0}"/>
+                </a:ext>
+              </a:extLst>
+            </p:cNvPr>
+            <p:cNvSpPr txBox="1"/>
+            <p:nvPr/>
+          </p:nvSpPr>
+          <p:spPr>
+            <a:xfrm>
+              <a:off x="8142596" y="2942504"/>
+              <a:ext cx="529312" cy="369332"/>
+            </a:xfrm>
+            <a:prstGeom prst="rect">
+              <a:avLst/>
+            </a:prstGeom>
+            <a:noFill/>
+          </p:spPr>
+          <p:txBody>
+            <a:bodyPr wrap="none" rtlCol="0">
+              <a:spAutoFit/>
+            </a:bodyPr>
+            <a:lstStyle/>
+            <a:p>
+              <a:r>
+                <a:rPr lang="en-US" dirty="0"/>
+                <a:t>T2*</a:t>
+              </a:r>
+            </a:p>
+          </p:txBody>
+        </p:sp>
+      </p:grpSp>
+      <p:sp>
+        <p:nvSpPr>
+          <p:cNvPr id="130" name="TextBox 129">
+            <a:extLst>
+              <a:ext uri="{FF2B5EF4-FFF2-40B4-BE49-F238E27FC236}">
+                <a16:creationId xmlns:a16="http://schemas.microsoft.com/office/drawing/2014/main" id="{1AE205CC-41C3-4E25-B689-2C504B9DA21F}"/>
+              </a:ext>
+            </a:extLst>
+          </p:cNvPr>
+          <p:cNvSpPr txBox="1"/>
+          <p:nvPr/>
+        </p:nvSpPr>
+        <p:spPr>
+          <a:xfrm>
+            <a:off x="9764294" y="2017636"/>
+            <a:ext cx="717632" cy="646331"/>
+          </a:xfrm>
+          <a:prstGeom prst="rect">
+            <a:avLst/>
+          </a:prstGeom>
+          <a:noFill/>
+        </p:spPr>
+        <p:txBody>
+          <a:bodyPr wrap="none" rtlCol="0">
+            <a:spAutoFit/>
+          </a:bodyPr>
+          <a:lstStyle/>
+          <a:p>
+            <a:pPr algn="ctr"/>
+            <a:r>
+              <a:rPr lang="en-US" dirty="0"/>
+              <a:t>Final</a:t>
+            </a:r>
+          </a:p>
+          <a:p>
+            <a:pPr algn="ctr"/>
+            <a:r>
+              <a:rPr lang="en-US" dirty="0"/>
+              <a:t>Types</a:t>
+            </a:r>
+          </a:p>
+        </p:txBody>
+      </p:sp>
+      <p:cxnSp>
+        <p:nvCxnSpPr>
+          <p:cNvPr id="132" name="Straight Arrow Connector 131">
+            <a:extLst>
+              <a:ext uri="{FF2B5EF4-FFF2-40B4-BE49-F238E27FC236}">
+                <a16:creationId xmlns:a16="http://schemas.microsoft.com/office/drawing/2014/main" id="{DE9974E0-11F6-4FFA-B07C-E17437C2990E}"/>
+              </a:ext>
+            </a:extLst>
+          </p:cNvPr>
+          <p:cNvCxnSpPr>
+            <a:cxnSpLocks/>
+            <a:endCxn id="16" idx="1"/>
+          </p:cNvCxnSpPr>
+          <p:nvPr/>
+        </p:nvCxnSpPr>
+        <p:spPr>
+          <a:xfrm>
+            <a:off x="1404217" y="3505637"/>
+            <a:ext cx="371628" cy="0"/>
+          </a:xfrm>
+          <a:prstGeom prst="straightConnector1">
+            <a:avLst/>
+          </a:prstGeom>
+          <a:ln w="19050">
+            <a:tailEnd type="triangle"/>
+          </a:ln>
+        </p:spPr>
+        <p:style>
+          <a:lnRef idx="1">
+            <a:schemeClr val="accent1"/>
+          </a:lnRef>
+          <a:fillRef idx="0">
+            <a:schemeClr val="accent1"/>
+          </a:fillRef>
+          <a:effectRef idx="0">
+            <a:schemeClr val="accent1"/>
+          </a:effectRef>
+          <a:fontRef idx="minor">
+            <a:schemeClr val="tx1"/>
+          </a:fontRef>
+        </p:style>
+      </p:cxnSp>
+      <p:cxnSp>
+        <p:nvCxnSpPr>
+          <p:cNvPr id="137" name="Straight Arrow Connector 136">
+            <a:extLst>
+              <a:ext uri="{FF2B5EF4-FFF2-40B4-BE49-F238E27FC236}">
+                <a16:creationId xmlns:a16="http://schemas.microsoft.com/office/drawing/2014/main" id="{AB78BB1E-DDC3-4F33-9B20-A99224BDA9A5}"/>
+              </a:ext>
+            </a:extLst>
+          </p:cNvPr>
+          <p:cNvCxnSpPr>
+            <a:cxnSpLocks/>
+          </p:cNvCxnSpPr>
+          <p:nvPr/>
+        </p:nvCxnSpPr>
+        <p:spPr>
+          <a:xfrm>
+            <a:off x="2977692" y="3505637"/>
+            <a:ext cx="371628" cy="0"/>
+          </a:xfrm>
+          <a:prstGeom prst="straightConnector1">
+            <a:avLst/>
+          </a:prstGeom>
+          <a:ln w="19050">
+            <a:tailEnd type="triangle"/>
+          </a:ln>
+        </p:spPr>
+        <p:style>
+          <a:lnRef idx="1">
+            <a:schemeClr val="accent1"/>
+          </a:lnRef>
+          <a:fillRef idx="0">
+            <a:schemeClr val="accent1"/>
+          </a:fillRef>
+          <a:effectRef idx="0">
+            <a:schemeClr val="accent1"/>
+          </a:effectRef>
+          <a:fontRef idx="minor">
+            <a:schemeClr val="tx1"/>
+          </a:fontRef>
+        </p:style>
+      </p:cxnSp>
+      <p:cxnSp>
+        <p:nvCxnSpPr>
+          <p:cNvPr id="138" name="Straight Arrow Connector 137">
+            <a:extLst>
+              <a:ext uri="{FF2B5EF4-FFF2-40B4-BE49-F238E27FC236}">
+                <a16:creationId xmlns:a16="http://schemas.microsoft.com/office/drawing/2014/main" id="{FDC8DCF5-7195-400A-97B0-990BB50EF6BB}"/>
+              </a:ext>
+            </a:extLst>
+          </p:cNvPr>
+          <p:cNvCxnSpPr>
+            <a:cxnSpLocks/>
+          </p:cNvCxnSpPr>
+          <p:nvPr/>
+        </p:nvCxnSpPr>
+        <p:spPr>
+          <a:xfrm>
+            <a:off x="5441529" y="3499301"/>
+            <a:ext cx="371628" cy="0"/>
+          </a:xfrm>
+          <a:prstGeom prst="straightConnector1">
+            <a:avLst/>
+          </a:prstGeom>
+          <a:ln w="19050">
+            <a:tailEnd type="triangle"/>
+          </a:ln>
+        </p:spPr>
+        <p:style>
+          <a:lnRef idx="1">
+            <a:schemeClr val="accent1"/>
+          </a:lnRef>
+          <a:fillRef idx="0">
+            <a:schemeClr val="accent1"/>
+          </a:fillRef>
+          <a:effectRef idx="0">
+            <a:schemeClr val="accent1"/>
+          </a:effectRef>
+          <a:fontRef idx="minor">
+            <a:schemeClr val="tx1"/>
+          </a:fontRef>
+        </p:style>
+      </p:cxnSp>
+      <p:cxnSp>
+        <p:nvCxnSpPr>
+          <p:cNvPr id="139" name="Straight Arrow Connector 138">
+            <a:extLst>
+              <a:ext uri="{FF2B5EF4-FFF2-40B4-BE49-F238E27FC236}">
+                <a16:creationId xmlns:a16="http://schemas.microsoft.com/office/drawing/2014/main" id="{9ED214FD-1E4C-4BBD-8082-33906CBA7320}"/>
+              </a:ext>
+            </a:extLst>
+          </p:cNvPr>
+          <p:cNvCxnSpPr>
+            <a:cxnSpLocks/>
+          </p:cNvCxnSpPr>
+          <p:nvPr/>
+        </p:nvCxnSpPr>
+        <p:spPr>
+          <a:xfrm>
+            <a:off x="6836962" y="3499277"/>
+            <a:ext cx="371628" cy="0"/>
+          </a:xfrm>
+          <a:prstGeom prst="straightConnector1">
+            <a:avLst/>
+          </a:prstGeom>
+          <a:ln w="19050">
+            <a:tailEnd type="triangle"/>
+          </a:ln>
+        </p:spPr>
+        <p:style>
+          <a:lnRef idx="1">
+            <a:schemeClr val="accent1"/>
+          </a:lnRef>
+          <a:fillRef idx="0">
+            <a:schemeClr val="accent1"/>
+          </a:fillRef>
+          <a:effectRef idx="0">
+            <a:schemeClr val="accent1"/>
+          </a:effectRef>
+          <a:fontRef idx="minor">
+            <a:schemeClr val="tx1"/>
+          </a:fontRef>
+        </p:style>
+      </p:cxnSp>
+      <p:cxnSp>
+        <p:nvCxnSpPr>
+          <p:cNvPr id="140" name="Straight Arrow Connector 139">
+            <a:extLst>
+              <a:ext uri="{FF2B5EF4-FFF2-40B4-BE49-F238E27FC236}">
+                <a16:creationId xmlns:a16="http://schemas.microsoft.com/office/drawing/2014/main" id="{6AF7CBC9-9632-4AC5-9932-4B485A25B00A}"/>
+              </a:ext>
+            </a:extLst>
+          </p:cNvPr>
+          <p:cNvCxnSpPr>
+            <a:cxnSpLocks/>
+            <a:stCxn id="114" idx="3"/>
+            <a:endCxn id="116" idx="1"/>
+          </p:cNvCxnSpPr>
+          <p:nvPr/>
+        </p:nvCxnSpPr>
+        <p:spPr>
+          <a:xfrm flipV="1">
+            <a:off x="7644916" y="3498460"/>
+            <a:ext cx="572167" cy="6965"/>
+          </a:xfrm>
+          <a:prstGeom prst="straightConnector1">
+            <a:avLst/>
+          </a:prstGeom>
+          <a:ln w="19050">
+            <a:tailEnd type="triangle"/>
+          </a:ln>
+        </p:spPr>
+        <p:style>
+          <a:lnRef idx="1">
+            <a:schemeClr val="accent1"/>
+          </a:lnRef>
+          <a:fillRef idx="0">
+            <a:schemeClr val="accent1"/>
+          </a:fillRef>
+          <a:effectRef idx="0">
+            <a:schemeClr val="accent1"/>
+          </a:effectRef>
+          <a:fontRef idx="minor">
+            <a:schemeClr val="tx1"/>
+          </a:fontRef>
+        </p:style>
+      </p:cxnSp>
+      <p:cxnSp>
+        <p:nvCxnSpPr>
+          <p:cNvPr id="144" name="Straight Arrow Connector 143">
+            <a:extLst>
+              <a:ext uri="{FF2B5EF4-FFF2-40B4-BE49-F238E27FC236}">
+                <a16:creationId xmlns:a16="http://schemas.microsoft.com/office/drawing/2014/main" id="{85F6009F-AE3B-43BD-AC39-001294C4BB65}"/>
+              </a:ext>
+            </a:extLst>
+          </p:cNvPr>
+          <p:cNvCxnSpPr>
+            <a:cxnSpLocks/>
+            <a:stCxn id="116" idx="3"/>
+            <a:endCxn id="122" idx="1"/>
+          </p:cNvCxnSpPr>
+          <p:nvPr/>
+        </p:nvCxnSpPr>
+        <p:spPr>
+          <a:xfrm>
+            <a:off x="8513317" y="3498460"/>
+            <a:ext cx="460714" cy="817"/>
+          </a:xfrm>
+          <a:prstGeom prst="straightConnector1">
+            <a:avLst/>
+          </a:prstGeom>
+          <a:ln w="19050">
+            <a:tailEnd type="triangle"/>
+          </a:ln>
+        </p:spPr>
+        <p:style>
+          <a:lnRef idx="1">
+            <a:schemeClr val="accent1"/>
+          </a:lnRef>
+          <a:fillRef idx="0">
+            <a:schemeClr val="accent1"/>
+          </a:fillRef>
+          <a:effectRef idx="0">
+            <a:schemeClr val="accent1"/>
+          </a:effectRef>
+          <a:fontRef idx="minor">
+            <a:schemeClr val="tx1"/>
+          </a:fontRef>
+        </p:style>
+      </p:cxnSp>
+      <p:cxnSp>
+        <p:nvCxnSpPr>
+          <p:cNvPr id="148" name="Straight Arrow Connector 147">
+            <a:extLst>
+              <a:ext uri="{FF2B5EF4-FFF2-40B4-BE49-F238E27FC236}">
+                <a16:creationId xmlns:a16="http://schemas.microsoft.com/office/drawing/2014/main" id="{2DAB4077-9435-4E9F-A4B0-5769BB0C40DE}"/>
+              </a:ext>
+            </a:extLst>
+          </p:cNvPr>
+          <p:cNvCxnSpPr>
+            <a:cxnSpLocks/>
+            <a:stCxn id="122" idx="3"/>
+            <a:endCxn id="127" idx="1"/>
+          </p:cNvCxnSpPr>
+          <p:nvPr/>
+        </p:nvCxnSpPr>
+        <p:spPr>
+          <a:xfrm flipV="1">
+            <a:off x="9410357" y="3497116"/>
+            <a:ext cx="494907" cy="2161"/>
+          </a:xfrm>
+          <a:prstGeom prst="straightConnector1">
+            <a:avLst/>
+          </a:prstGeom>
+          <a:ln w="19050">
+            <a:tailEnd type="triangle"/>
+          </a:ln>
+        </p:spPr>
+        <p:style>
+          <a:lnRef idx="1">
+            <a:schemeClr val="accent1"/>
+          </a:lnRef>
+          <a:fillRef idx="0">
+            <a:schemeClr val="accent1"/>
+          </a:fillRef>
+          <a:effectRef idx="0">
+            <a:schemeClr val="accent1"/>
+          </a:effectRef>
+          <a:fontRef idx="minor">
+            <a:schemeClr val="tx1"/>
+          </a:fontRef>
+        </p:style>
+      </p:cxnSp>
+      <p:cxnSp>
+        <p:nvCxnSpPr>
+          <p:cNvPr id="153" name="Straight Arrow Connector 152">
+            <a:extLst>
+              <a:ext uri="{FF2B5EF4-FFF2-40B4-BE49-F238E27FC236}">
+                <a16:creationId xmlns:a16="http://schemas.microsoft.com/office/drawing/2014/main" id="{3263C07E-8A8C-41B2-8102-FF61E80412E0}"/>
+              </a:ext>
+            </a:extLst>
+          </p:cNvPr>
+          <p:cNvCxnSpPr>
+            <a:cxnSpLocks/>
+          </p:cNvCxnSpPr>
+          <p:nvPr/>
+        </p:nvCxnSpPr>
+        <p:spPr>
+          <a:xfrm flipH="1" flipV="1">
+            <a:off x="5071484" y="4352423"/>
+            <a:ext cx="3810" cy="371938"/>
+          </a:xfrm>
+          <a:prstGeom prst="straightConnector1">
+            <a:avLst/>
+          </a:prstGeom>
+          <a:ln w="19050">
+            <a:tailEnd type="triangle"/>
+          </a:ln>
+        </p:spPr>
+        <p:style>
+          <a:lnRef idx="1">
+            <a:schemeClr val="accent1"/>
+          </a:lnRef>
+          <a:fillRef idx="0">
+            <a:schemeClr val="accent1"/>
+          </a:fillRef>
+          <a:effectRef idx="0">
+            <a:schemeClr val="accent1"/>
+          </a:effectRef>
+          <a:fontRef idx="minor">
+            <a:schemeClr val="tx1"/>
+          </a:fontRef>
+        </p:style>
+      </p:cxnSp>
+      <p:sp>
+        <p:nvSpPr>
+          <p:cNvPr id="3" name="TextBox 2">
+            <a:extLst>
+              <a:ext uri="{FF2B5EF4-FFF2-40B4-BE49-F238E27FC236}">
+                <a16:creationId xmlns:a16="http://schemas.microsoft.com/office/drawing/2014/main" id="{2EEB875D-7093-427D-A225-855AD93467A1}"/>
+              </a:ext>
+            </a:extLst>
+          </p:cNvPr>
+          <p:cNvSpPr txBox="1"/>
+          <p:nvPr/>
+        </p:nvSpPr>
+        <p:spPr>
+          <a:xfrm>
+            <a:off x="293341" y="2507617"/>
+            <a:ext cx="760208" cy="369332"/>
+          </a:xfrm>
+          <a:prstGeom prst="rect">
+            <a:avLst/>
+          </a:prstGeom>
+          <a:noFill/>
+        </p:spPr>
+        <p:txBody>
+          <a:bodyPr wrap="none" rtlCol="0">
+            <a:spAutoFit/>
+          </a:bodyPr>
+          <a:lstStyle/>
+          <a:p>
+            <a:r>
+              <a:rPr lang="en-US" dirty="0"/>
+              <a:t>Graph</a:t>
+            </a:r>
+          </a:p>
+        </p:txBody>
+      </p:sp>
+    </p:spTree>
+    <p:extLst>
+      <p:ext uri="{BB962C8B-B14F-4D97-AF65-F5344CB8AC3E}">
+        <p14:creationId xmlns:p14="http://schemas.microsoft.com/office/powerpoint/2010/main" val="3888213786"/>
+      </p:ext>
+    </p:extLst>
+  </p:cSld>
+  <p:clrMapOvr>
+    <a:masterClrMapping/>
+  </p:clrMapOvr>
+</p:sld>
+</file>
+
 <file path=ppt/theme/theme1.xml><?xml version="1.0" encoding="utf-8"?>
 <a:theme xmlns:a="http://schemas.openxmlformats.org/drawingml/2006/main" name="Office Theme">
   <a:themeElements>

--- a/figures/figures.pptx
+++ b/figures/figures.pptx
@@ -12,6 +12,7 @@
     <p:sldId id="260" r:id="rId6"/>
     <p:sldId id="261" r:id="rId7"/>
     <p:sldId id="262" r:id="rId8"/>
+    <p:sldId id="263" r:id="rId9"/>
   </p:sldIdLst>
   <p:sldSz cx="12192000" cy="6858000"/>
   <p:notesSz cx="6858000" cy="9144000"/>
@@ -265,7 +266,7 @@
           <a:p>
             <a:fld id="{4B9CF307-EB09-4B6C-AE6A-0B77EE827448}" type="datetimeFigureOut">
               <a:rPr lang="en-US" smtClean="0"/>
-              <a:t>1/29/2023</a:t>
+              <a:t>1/30/2023</a:t>
             </a:fld>
             <a:endParaRPr lang="en-US"/>
           </a:p>
@@ -463,7 +464,7 @@
           <a:p>
             <a:fld id="{4B9CF307-EB09-4B6C-AE6A-0B77EE827448}" type="datetimeFigureOut">
               <a:rPr lang="en-US" smtClean="0"/>
-              <a:t>1/29/2023</a:t>
+              <a:t>1/30/2023</a:t>
             </a:fld>
             <a:endParaRPr lang="en-US"/>
           </a:p>
@@ -671,7 +672,7 @@
           <a:p>
             <a:fld id="{4B9CF307-EB09-4B6C-AE6A-0B77EE827448}" type="datetimeFigureOut">
               <a:rPr lang="en-US" smtClean="0"/>
-              <a:t>1/29/2023</a:t>
+              <a:t>1/30/2023</a:t>
             </a:fld>
             <a:endParaRPr lang="en-US"/>
           </a:p>
@@ -869,7 +870,7 @@
           <a:p>
             <a:fld id="{4B9CF307-EB09-4B6C-AE6A-0B77EE827448}" type="datetimeFigureOut">
               <a:rPr lang="en-US" smtClean="0"/>
-              <a:t>1/29/2023</a:t>
+              <a:t>1/30/2023</a:t>
             </a:fld>
             <a:endParaRPr lang="en-US"/>
           </a:p>
@@ -1144,7 +1145,7 @@
           <a:p>
             <a:fld id="{4B9CF307-EB09-4B6C-AE6A-0B77EE827448}" type="datetimeFigureOut">
               <a:rPr lang="en-US" smtClean="0"/>
-              <a:t>1/29/2023</a:t>
+              <a:t>1/30/2023</a:t>
             </a:fld>
             <a:endParaRPr lang="en-US"/>
           </a:p>
@@ -1409,7 +1410,7 @@
           <a:p>
             <a:fld id="{4B9CF307-EB09-4B6C-AE6A-0B77EE827448}" type="datetimeFigureOut">
               <a:rPr lang="en-US" smtClean="0"/>
-              <a:t>1/29/2023</a:t>
+              <a:t>1/30/2023</a:t>
             </a:fld>
             <a:endParaRPr lang="en-US"/>
           </a:p>
@@ -1821,7 +1822,7 @@
           <a:p>
             <a:fld id="{4B9CF307-EB09-4B6C-AE6A-0B77EE827448}" type="datetimeFigureOut">
               <a:rPr lang="en-US" smtClean="0"/>
-              <a:t>1/29/2023</a:t>
+              <a:t>1/30/2023</a:t>
             </a:fld>
             <a:endParaRPr lang="en-US"/>
           </a:p>
@@ -1962,7 +1963,7 @@
           <a:p>
             <a:fld id="{4B9CF307-EB09-4B6C-AE6A-0B77EE827448}" type="datetimeFigureOut">
               <a:rPr lang="en-US" smtClean="0"/>
-              <a:t>1/29/2023</a:t>
+              <a:t>1/30/2023</a:t>
             </a:fld>
             <a:endParaRPr lang="en-US"/>
           </a:p>
@@ -2075,7 +2076,7 @@
           <a:p>
             <a:fld id="{4B9CF307-EB09-4B6C-AE6A-0B77EE827448}" type="datetimeFigureOut">
               <a:rPr lang="en-US" smtClean="0"/>
-              <a:t>1/29/2023</a:t>
+              <a:t>1/30/2023</a:t>
             </a:fld>
             <a:endParaRPr lang="en-US"/>
           </a:p>
@@ -2386,7 +2387,7 @@
           <a:p>
             <a:fld id="{4B9CF307-EB09-4B6C-AE6A-0B77EE827448}" type="datetimeFigureOut">
               <a:rPr lang="en-US" smtClean="0"/>
-              <a:t>1/29/2023</a:t>
+              <a:t>1/30/2023</a:t>
             </a:fld>
             <a:endParaRPr lang="en-US"/>
           </a:p>
@@ -2674,7 +2675,7 @@
           <a:p>
             <a:fld id="{4B9CF307-EB09-4B6C-AE6A-0B77EE827448}" type="datetimeFigureOut">
               <a:rPr lang="en-US" smtClean="0"/>
-              <a:t>1/29/2023</a:t>
+              <a:t>1/30/2023</a:t>
             </a:fld>
             <a:endParaRPr lang="en-US"/>
           </a:p>
@@ -2915,7 +2916,7 @@
           <a:p>
             <a:fld id="{4B9CF307-EB09-4B6C-AE6A-0B77EE827448}" type="datetimeFigureOut">
               <a:rPr lang="en-US" smtClean="0"/>
-              <a:t>1/29/2023</a:t>
+              <a:t>1/30/2023</a:t>
             </a:fld>
             <a:endParaRPr lang="en-US"/>
           </a:p>
@@ -23377,6 +23378,4132 @@
 </p:sld>
 </file>
 
+<file path=ppt/slides/slide8.xml><?xml version="1.0" encoding="utf-8"?>
+<p:sld xmlns:a="http://schemas.openxmlformats.org/drawingml/2006/main" xmlns:r="http://schemas.openxmlformats.org/officeDocument/2006/relationships" xmlns:p="http://schemas.openxmlformats.org/presentationml/2006/main">
+  <p:cSld>
+    <p:spTree>
+      <p:nvGrpSpPr>
+        <p:cNvPr id="1" name=""/>
+        <p:cNvGrpSpPr/>
+        <p:nvPr/>
+      </p:nvGrpSpPr>
+      <p:grpSpPr>
+        <a:xfrm>
+          <a:off x="0" y="0"/>
+          <a:ext cx="0" cy="0"/>
+          <a:chOff x="0" y="0"/>
+          <a:chExt cx="0" cy="0"/>
+        </a:xfrm>
+      </p:grpSpPr>
+      <p:grpSp>
+        <p:nvGrpSpPr>
+          <p:cNvPr id="4" name="Group 3">
+            <a:extLst>
+              <a:ext uri="{FF2B5EF4-FFF2-40B4-BE49-F238E27FC236}">
+                <a16:creationId xmlns:a16="http://schemas.microsoft.com/office/drawing/2014/main" id="{05BD183D-0B86-42EB-88F6-042196F2497E}"/>
+              </a:ext>
+            </a:extLst>
+          </p:cNvPr>
+          <p:cNvGrpSpPr/>
+          <p:nvPr/>
+        </p:nvGrpSpPr>
+        <p:grpSpPr>
+          <a:xfrm>
+            <a:off x="39859" y="2885857"/>
+            <a:ext cx="1261872" cy="1309146"/>
+            <a:chOff x="3666744" y="2717780"/>
+            <a:chExt cx="1261872" cy="1309146"/>
+          </a:xfrm>
+        </p:grpSpPr>
+        <p:sp>
+          <p:nvSpPr>
+            <p:cNvPr id="5" name="Oval 4">
+              <a:extLst>
+                <a:ext uri="{FF2B5EF4-FFF2-40B4-BE49-F238E27FC236}">
+                  <a16:creationId xmlns:a16="http://schemas.microsoft.com/office/drawing/2014/main" id="{E5788072-969C-4C1D-B81B-3E02357D4D70}"/>
+                </a:ext>
+              </a:extLst>
+            </p:cNvPr>
+            <p:cNvSpPr/>
+            <p:nvPr/>
+          </p:nvSpPr>
+          <p:spPr>
+            <a:xfrm>
+              <a:off x="4197096" y="2717780"/>
+              <a:ext cx="182880" cy="182880"/>
+            </a:xfrm>
+            <a:prstGeom prst="ellipse">
+              <a:avLst/>
+            </a:prstGeom>
+            <a:solidFill>
+              <a:schemeClr val="accent6">
+                <a:lumMod val="20000"/>
+                <a:lumOff val="80000"/>
+              </a:schemeClr>
+            </a:solidFill>
+            <a:ln>
+              <a:solidFill>
+                <a:schemeClr val="accent6">
+                  <a:lumMod val="75000"/>
+                </a:schemeClr>
+              </a:solidFill>
+            </a:ln>
+          </p:spPr>
+          <p:style>
+            <a:lnRef idx="2">
+              <a:schemeClr val="accent1">
+                <a:shade val="50000"/>
+              </a:schemeClr>
+            </a:lnRef>
+            <a:fillRef idx="1">
+              <a:schemeClr val="accent1"/>
+            </a:fillRef>
+            <a:effectRef idx="0">
+              <a:schemeClr val="accent1"/>
+            </a:effectRef>
+            <a:fontRef idx="minor">
+              <a:schemeClr val="lt1"/>
+            </a:fontRef>
+          </p:style>
+          <p:txBody>
+            <a:bodyPr rtlCol="0" anchor="ctr"/>
+            <a:lstStyle/>
+            <a:p>
+              <a:pPr algn="ctr"/>
+              <a:endParaRPr lang="en-US"/>
+            </a:p>
+          </p:txBody>
+        </p:sp>
+        <p:sp>
+          <p:nvSpPr>
+            <p:cNvPr id="6" name="Oval 5">
+              <a:extLst>
+                <a:ext uri="{FF2B5EF4-FFF2-40B4-BE49-F238E27FC236}">
+                  <a16:creationId xmlns:a16="http://schemas.microsoft.com/office/drawing/2014/main" id="{3B97AC91-CC66-418C-9804-A8FD2A250815}"/>
+                </a:ext>
+              </a:extLst>
+            </p:cNvPr>
+            <p:cNvSpPr/>
+            <p:nvPr/>
+          </p:nvSpPr>
+          <p:spPr>
+            <a:xfrm>
+              <a:off x="3849624" y="3172968"/>
+              <a:ext cx="182880" cy="182880"/>
+            </a:xfrm>
+            <a:prstGeom prst="ellipse">
+              <a:avLst/>
+            </a:prstGeom>
+            <a:solidFill>
+              <a:schemeClr val="accent6">
+                <a:lumMod val="20000"/>
+                <a:lumOff val="80000"/>
+              </a:schemeClr>
+            </a:solidFill>
+            <a:ln>
+              <a:solidFill>
+                <a:schemeClr val="accent6">
+                  <a:lumMod val="75000"/>
+                </a:schemeClr>
+              </a:solidFill>
+            </a:ln>
+          </p:spPr>
+          <p:style>
+            <a:lnRef idx="2">
+              <a:schemeClr val="accent1">
+                <a:shade val="50000"/>
+              </a:schemeClr>
+            </a:lnRef>
+            <a:fillRef idx="1">
+              <a:schemeClr val="accent1"/>
+            </a:fillRef>
+            <a:effectRef idx="0">
+              <a:schemeClr val="accent1"/>
+            </a:effectRef>
+            <a:fontRef idx="minor">
+              <a:schemeClr val="lt1"/>
+            </a:fontRef>
+          </p:style>
+          <p:txBody>
+            <a:bodyPr rtlCol="0" anchor="ctr"/>
+            <a:lstStyle/>
+            <a:p>
+              <a:pPr algn="ctr"/>
+              <a:endParaRPr lang="en-US"/>
+            </a:p>
+          </p:txBody>
+        </p:sp>
+        <p:sp>
+          <p:nvSpPr>
+            <p:cNvPr id="7" name="Oval 6">
+              <a:extLst>
+                <a:ext uri="{FF2B5EF4-FFF2-40B4-BE49-F238E27FC236}">
+                  <a16:creationId xmlns:a16="http://schemas.microsoft.com/office/drawing/2014/main" id="{A6E73F57-C031-497D-9C5F-87AD0FD44C34}"/>
+                </a:ext>
+              </a:extLst>
+            </p:cNvPr>
+            <p:cNvSpPr/>
+            <p:nvPr/>
+          </p:nvSpPr>
+          <p:spPr>
+            <a:xfrm>
+              <a:off x="4288536" y="3661166"/>
+              <a:ext cx="182880" cy="182880"/>
+            </a:xfrm>
+            <a:prstGeom prst="ellipse">
+              <a:avLst/>
+            </a:prstGeom>
+            <a:solidFill>
+              <a:schemeClr val="accent6">
+                <a:lumMod val="20000"/>
+                <a:lumOff val="80000"/>
+              </a:schemeClr>
+            </a:solidFill>
+            <a:ln>
+              <a:solidFill>
+                <a:schemeClr val="accent6">
+                  <a:lumMod val="75000"/>
+                </a:schemeClr>
+              </a:solidFill>
+            </a:ln>
+          </p:spPr>
+          <p:style>
+            <a:lnRef idx="2">
+              <a:schemeClr val="accent1">
+                <a:shade val="50000"/>
+              </a:schemeClr>
+            </a:lnRef>
+            <a:fillRef idx="1">
+              <a:schemeClr val="accent1"/>
+            </a:fillRef>
+            <a:effectRef idx="0">
+              <a:schemeClr val="accent1"/>
+            </a:effectRef>
+            <a:fontRef idx="minor">
+              <a:schemeClr val="lt1"/>
+            </a:fontRef>
+          </p:style>
+          <p:txBody>
+            <a:bodyPr rtlCol="0" anchor="ctr"/>
+            <a:lstStyle/>
+            <a:p>
+              <a:pPr algn="ctr"/>
+              <a:endParaRPr lang="en-US"/>
+            </a:p>
+          </p:txBody>
+        </p:sp>
+        <p:sp>
+          <p:nvSpPr>
+            <p:cNvPr id="8" name="Oval 7">
+              <a:extLst>
+                <a:ext uri="{FF2B5EF4-FFF2-40B4-BE49-F238E27FC236}">
+                  <a16:creationId xmlns:a16="http://schemas.microsoft.com/office/drawing/2014/main" id="{41ADC034-E8C9-493E-907B-53D7BDF021A5}"/>
+                </a:ext>
+              </a:extLst>
+            </p:cNvPr>
+            <p:cNvSpPr/>
+            <p:nvPr/>
+          </p:nvSpPr>
+          <p:spPr>
+            <a:xfrm>
+              <a:off x="4745736" y="3246120"/>
+              <a:ext cx="182880" cy="182880"/>
+            </a:xfrm>
+            <a:prstGeom prst="ellipse">
+              <a:avLst/>
+            </a:prstGeom>
+            <a:solidFill>
+              <a:schemeClr val="accent6">
+                <a:lumMod val="20000"/>
+                <a:lumOff val="80000"/>
+              </a:schemeClr>
+            </a:solidFill>
+            <a:ln>
+              <a:solidFill>
+                <a:schemeClr val="accent6">
+                  <a:lumMod val="75000"/>
+                </a:schemeClr>
+              </a:solidFill>
+            </a:ln>
+          </p:spPr>
+          <p:style>
+            <a:lnRef idx="2">
+              <a:schemeClr val="accent1">
+                <a:shade val="50000"/>
+              </a:schemeClr>
+            </a:lnRef>
+            <a:fillRef idx="1">
+              <a:schemeClr val="accent1"/>
+            </a:fillRef>
+            <a:effectRef idx="0">
+              <a:schemeClr val="accent1"/>
+            </a:effectRef>
+            <a:fontRef idx="minor">
+              <a:schemeClr val="lt1"/>
+            </a:fontRef>
+          </p:style>
+          <p:txBody>
+            <a:bodyPr rtlCol="0" anchor="ctr"/>
+            <a:lstStyle/>
+            <a:p>
+              <a:pPr algn="ctr"/>
+              <a:endParaRPr lang="en-US" dirty="0"/>
+            </a:p>
+          </p:txBody>
+        </p:sp>
+        <p:sp>
+          <p:nvSpPr>
+            <p:cNvPr id="9" name="Oval 8">
+              <a:extLst>
+                <a:ext uri="{FF2B5EF4-FFF2-40B4-BE49-F238E27FC236}">
+                  <a16:creationId xmlns:a16="http://schemas.microsoft.com/office/drawing/2014/main" id="{44AFACC5-88D5-420B-8C0D-019D8D431DCD}"/>
+                </a:ext>
+              </a:extLst>
+            </p:cNvPr>
+            <p:cNvSpPr/>
+            <p:nvPr/>
+          </p:nvSpPr>
+          <p:spPr>
+            <a:xfrm>
+              <a:off x="3666744" y="3844046"/>
+              <a:ext cx="182880" cy="182880"/>
+            </a:xfrm>
+            <a:prstGeom prst="ellipse">
+              <a:avLst/>
+            </a:prstGeom>
+            <a:solidFill>
+              <a:schemeClr val="accent6">
+                <a:lumMod val="20000"/>
+                <a:lumOff val="80000"/>
+              </a:schemeClr>
+            </a:solidFill>
+            <a:ln>
+              <a:solidFill>
+                <a:schemeClr val="accent6">
+                  <a:lumMod val="75000"/>
+                </a:schemeClr>
+              </a:solidFill>
+            </a:ln>
+          </p:spPr>
+          <p:style>
+            <a:lnRef idx="2">
+              <a:schemeClr val="accent1">
+                <a:shade val="50000"/>
+              </a:schemeClr>
+            </a:lnRef>
+            <a:fillRef idx="1">
+              <a:schemeClr val="accent1"/>
+            </a:fillRef>
+            <a:effectRef idx="0">
+              <a:schemeClr val="accent1"/>
+            </a:effectRef>
+            <a:fontRef idx="minor">
+              <a:schemeClr val="lt1"/>
+            </a:fontRef>
+          </p:style>
+          <p:txBody>
+            <a:bodyPr rtlCol="0" anchor="ctr"/>
+            <a:lstStyle/>
+            <a:p>
+              <a:pPr algn="ctr"/>
+              <a:endParaRPr lang="en-US"/>
+            </a:p>
+          </p:txBody>
+        </p:sp>
+        <p:cxnSp>
+          <p:nvCxnSpPr>
+            <p:cNvPr id="10" name="Straight Arrow Connector 9">
+              <a:extLst>
+                <a:ext uri="{FF2B5EF4-FFF2-40B4-BE49-F238E27FC236}">
+                  <a16:creationId xmlns:a16="http://schemas.microsoft.com/office/drawing/2014/main" id="{45C6A2D0-B5FF-45E2-8CE4-C7B8D13F4913}"/>
+                </a:ext>
+              </a:extLst>
+            </p:cNvPr>
+            <p:cNvCxnSpPr>
+              <a:stCxn id="5" idx="3"/>
+              <a:endCxn id="6" idx="7"/>
+            </p:cNvCxnSpPr>
+            <p:nvPr/>
+          </p:nvCxnSpPr>
+          <p:spPr>
+            <a:xfrm flipH="1">
+              <a:off x="4005722" y="2873878"/>
+              <a:ext cx="218156" cy="325872"/>
+            </a:xfrm>
+            <a:prstGeom prst="straightConnector1">
+              <a:avLst/>
+            </a:prstGeom>
+            <a:ln>
+              <a:solidFill>
+                <a:srgbClr val="0070C0"/>
+              </a:solidFill>
+              <a:tailEnd type="triangle"/>
+            </a:ln>
+          </p:spPr>
+          <p:style>
+            <a:lnRef idx="1">
+              <a:schemeClr val="accent1"/>
+            </a:lnRef>
+            <a:fillRef idx="0">
+              <a:schemeClr val="accent1"/>
+            </a:fillRef>
+            <a:effectRef idx="0">
+              <a:schemeClr val="accent1"/>
+            </a:effectRef>
+            <a:fontRef idx="minor">
+              <a:schemeClr val="tx1"/>
+            </a:fontRef>
+          </p:style>
+        </p:cxnSp>
+        <p:cxnSp>
+          <p:nvCxnSpPr>
+            <p:cNvPr id="11" name="Straight Arrow Connector 10">
+              <a:extLst>
+                <a:ext uri="{FF2B5EF4-FFF2-40B4-BE49-F238E27FC236}">
+                  <a16:creationId xmlns:a16="http://schemas.microsoft.com/office/drawing/2014/main" id="{916F75C0-A6E5-42E8-AF7F-65F22B32AB94}"/>
+                </a:ext>
+              </a:extLst>
+            </p:cNvPr>
+            <p:cNvCxnSpPr>
+              <a:cxnSpLocks/>
+              <a:stCxn id="5" idx="4"/>
+              <a:endCxn id="7" idx="0"/>
+            </p:cNvCxnSpPr>
+            <p:nvPr/>
+          </p:nvCxnSpPr>
+          <p:spPr>
+            <a:xfrm>
+              <a:off x="4288536" y="2900660"/>
+              <a:ext cx="91440" cy="760506"/>
+            </a:xfrm>
+            <a:prstGeom prst="straightConnector1">
+              <a:avLst/>
+            </a:prstGeom>
+            <a:ln>
+              <a:solidFill>
+                <a:srgbClr val="0070C0"/>
+              </a:solidFill>
+              <a:tailEnd type="triangle"/>
+            </a:ln>
+          </p:spPr>
+          <p:style>
+            <a:lnRef idx="1">
+              <a:schemeClr val="accent1"/>
+            </a:lnRef>
+            <a:fillRef idx="0">
+              <a:schemeClr val="accent1"/>
+            </a:fillRef>
+            <a:effectRef idx="0">
+              <a:schemeClr val="accent1"/>
+            </a:effectRef>
+            <a:fontRef idx="minor">
+              <a:schemeClr val="tx1"/>
+            </a:fontRef>
+          </p:style>
+        </p:cxnSp>
+        <p:cxnSp>
+          <p:nvCxnSpPr>
+            <p:cNvPr id="12" name="Straight Arrow Connector 11">
+              <a:extLst>
+                <a:ext uri="{FF2B5EF4-FFF2-40B4-BE49-F238E27FC236}">
+                  <a16:creationId xmlns:a16="http://schemas.microsoft.com/office/drawing/2014/main" id="{C0937B8F-C243-4DBB-AEB0-59A785F1B80D}"/>
+                </a:ext>
+              </a:extLst>
+            </p:cNvPr>
+            <p:cNvCxnSpPr>
+              <a:cxnSpLocks/>
+              <a:stCxn id="5" idx="5"/>
+              <a:endCxn id="8" idx="1"/>
+            </p:cNvCxnSpPr>
+            <p:nvPr/>
+          </p:nvCxnSpPr>
+          <p:spPr>
+            <a:xfrm>
+              <a:off x="4353194" y="2873878"/>
+              <a:ext cx="419324" cy="399024"/>
+            </a:xfrm>
+            <a:prstGeom prst="straightConnector1">
+              <a:avLst/>
+            </a:prstGeom>
+            <a:ln>
+              <a:solidFill>
+                <a:srgbClr val="0070C0"/>
+              </a:solidFill>
+              <a:tailEnd type="triangle"/>
+            </a:ln>
+          </p:spPr>
+          <p:style>
+            <a:lnRef idx="1">
+              <a:schemeClr val="accent1"/>
+            </a:lnRef>
+            <a:fillRef idx="0">
+              <a:schemeClr val="accent1"/>
+            </a:fillRef>
+            <a:effectRef idx="0">
+              <a:schemeClr val="accent1"/>
+            </a:effectRef>
+            <a:fontRef idx="minor">
+              <a:schemeClr val="tx1"/>
+            </a:fontRef>
+          </p:style>
+        </p:cxnSp>
+        <p:cxnSp>
+          <p:nvCxnSpPr>
+            <p:cNvPr id="13" name="Straight Arrow Connector 12">
+              <a:extLst>
+                <a:ext uri="{FF2B5EF4-FFF2-40B4-BE49-F238E27FC236}">
+                  <a16:creationId xmlns:a16="http://schemas.microsoft.com/office/drawing/2014/main" id="{29B04A20-B743-4B82-B885-6F329C49A813}"/>
+                </a:ext>
+              </a:extLst>
+            </p:cNvPr>
+            <p:cNvCxnSpPr>
+              <a:cxnSpLocks/>
+              <a:stCxn id="8" idx="3"/>
+              <a:endCxn id="7" idx="7"/>
+            </p:cNvCxnSpPr>
+            <p:nvPr/>
+          </p:nvCxnSpPr>
+          <p:spPr>
+            <a:xfrm flipH="1">
+              <a:off x="4444634" y="3402218"/>
+              <a:ext cx="327884" cy="285730"/>
+            </a:xfrm>
+            <a:prstGeom prst="straightConnector1">
+              <a:avLst/>
+            </a:prstGeom>
+            <a:ln>
+              <a:solidFill>
+                <a:srgbClr val="0070C0"/>
+              </a:solidFill>
+              <a:tailEnd type="triangle"/>
+            </a:ln>
+          </p:spPr>
+          <p:style>
+            <a:lnRef idx="1">
+              <a:schemeClr val="accent1"/>
+            </a:lnRef>
+            <a:fillRef idx="0">
+              <a:schemeClr val="accent1"/>
+            </a:fillRef>
+            <a:effectRef idx="0">
+              <a:schemeClr val="accent1"/>
+            </a:effectRef>
+            <a:fontRef idx="minor">
+              <a:schemeClr val="tx1"/>
+            </a:fontRef>
+          </p:style>
+        </p:cxnSp>
+        <p:cxnSp>
+          <p:nvCxnSpPr>
+            <p:cNvPr id="14" name="Straight Arrow Connector 13">
+              <a:extLst>
+                <a:ext uri="{FF2B5EF4-FFF2-40B4-BE49-F238E27FC236}">
+                  <a16:creationId xmlns:a16="http://schemas.microsoft.com/office/drawing/2014/main" id="{90D13FC1-B4C7-460F-B970-1132AD8B942E}"/>
+                </a:ext>
+              </a:extLst>
+            </p:cNvPr>
+            <p:cNvCxnSpPr>
+              <a:cxnSpLocks/>
+              <a:stCxn id="9" idx="6"/>
+              <a:endCxn id="7" idx="2"/>
+            </p:cNvCxnSpPr>
+            <p:nvPr/>
+          </p:nvCxnSpPr>
+          <p:spPr>
+            <a:xfrm flipV="1">
+              <a:off x="3849624" y="3752606"/>
+              <a:ext cx="438912" cy="182880"/>
+            </a:xfrm>
+            <a:prstGeom prst="straightConnector1">
+              <a:avLst/>
+            </a:prstGeom>
+            <a:ln>
+              <a:solidFill>
+                <a:srgbClr val="0070C0"/>
+              </a:solidFill>
+              <a:tailEnd type="triangle"/>
+            </a:ln>
+          </p:spPr>
+          <p:style>
+            <a:lnRef idx="1">
+              <a:schemeClr val="accent1"/>
+            </a:lnRef>
+            <a:fillRef idx="0">
+              <a:schemeClr val="accent1"/>
+            </a:fillRef>
+            <a:effectRef idx="0">
+              <a:schemeClr val="accent1"/>
+            </a:effectRef>
+            <a:fontRef idx="minor">
+              <a:schemeClr val="tx1"/>
+            </a:fontRef>
+          </p:style>
+        </p:cxnSp>
+        <p:cxnSp>
+          <p:nvCxnSpPr>
+            <p:cNvPr id="15" name="Straight Arrow Connector 14">
+              <a:extLst>
+                <a:ext uri="{FF2B5EF4-FFF2-40B4-BE49-F238E27FC236}">
+                  <a16:creationId xmlns:a16="http://schemas.microsoft.com/office/drawing/2014/main" id="{421A8B38-18BD-4BA4-B448-C3D8EBBE5D14}"/>
+                </a:ext>
+              </a:extLst>
+            </p:cNvPr>
+            <p:cNvCxnSpPr>
+              <a:cxnSpLocks/>
+              <a:stCxn id="9" idx="0"/>
+              <a:endCxn id="6" idx="4"/>
+            </p:cNvCxnSpPr>
+            <p:nvPr/>
+          </p:nvCxnSpPr>
+          <p:spPr>
+            <a:xfrm flipV="1">
+              <a:off x="3758184" y="3355848"/>
+              <a:ext cx="182880" cy="488198"/>
+            </a:xfrm>
+            <a:prstGeom prst="straightConnector1">
+              <a:avLst/>
+            </a:prstGeom>
+            <a:ln>
+              <a:solidFill>
+                <a:srgbClr val="0070C0"/>
+              </a:solidFill>
+              <a:tailEnd type="triangle"/>
+            </a:ln>
+          </p:spPr>
+          <p:style>
+            <a:lnRef idx="1">
+              <a:schemeClr val="accent1"/>
+            </a:lnRef>
+            <a:fillRef idx="0">
+              <a:schemeClr val="accent1"/>
+            </a:fillRef>
+            <a:effectRef idx="0">
+              <a:schemeClr val="accent1"/>
+            </a:effectRef>
+            <a:fontRef idx="minor">
+              <a:schemeClr val="tx1"/>
+            </a:fontRef>
+          </p:style>
+        </p:cxnSp>
+      </p:grpSp>
+      <p:sp>
+        <p:nvSpPr>
+          <p:cNvPr id="16" name="Rectangle: Rounded Corners 15">
+            <a:extLst>
+              <a:ext uri="{FF2B5EF4-FFF2-40B4-BE49-F238E27FC236}">
+                <a16:creationId xmlns:a16="http://schemas.microsoft.com/office/drawing/2014/main" id="{EEFE1ACB-AB9F-4E48-87EB-ED655D5C73ED}"/>
+              </a:ext>
+            </a:extLst>
+          </p:cNvPr>
+          <p:cNvSpPr/>
+          <p:nvPr/>
+        </p:nvSpPr>
+        <p:spPr>
+          <a:xfrm>
+            <a:off x="1890992" y="2753203"/>
+            <a:ext cx="1597275" cy="1541444"/>
+          </a:xfrm>
+          <a:prstGeom prst="roundRect">
+            <a:avLst>
+              <a:gd name="adj" fmla="val 10106"/>
+            </a:avLst>
+          </a:prstGeom>
+          <a:solidFill>
+            <a:schemeClr val="accent4">
+              <a:lumMod val="20000"/>
+              <a:lumOff val="80000"/>
+            </a:schemeClr>
+          </a:solidFill>
+          <a:ln>
+            <a:solidFill>
+              <a:srgbClr val="FFC000"/>
+            </a:solidFill>
+          </a:ln>
+          <a:effectLst>
+            <a:outerShdw blurRad="50800" dist="38100" dir="2700000" algn="tl" rotWithShape="0">
+              <a:prstClr val="black">
+                <a:alpha val="40000"/>
+              </a:prstClr>
+            </a:outerShdw>
+          </a:effectLst>
+        </p:spPr>
+        <p:style>
+          <a:lnRef idx="2">
+            <a:schemeClr val="accent1">
+              <a:shade val="50000"/>
+            </a:schemeClr>
+          </a:lnRef>
+          <a:fillRef idx="1">
+            <a:schemeClr val="accent1"/>
+          </a:fillRef>
+          <a:effectRef idx="0">
+            <a:schemeClr val="accent1"/>
+          </a:effectRef>
+          <a:fontRef idx="minor">
+            <a:schemeClr val="lt1"/>
+          </a:fontRef>
+        </p:style>
+        <p:txBody>
+          <a:bodyPr lIns="0" tIns="0" rIns="0" bIns="0" rtlCol="0" anchor="ctr"/>
+          <a:lstStyle/>
+          <a:p>
+            <a:pPr algn="ctr"/>
+            <a:r>
+              <a:rPr lang="en-US" dirty="0">
+                <a:solidFill>
+                  <a:schemeClr val="tx1"/>
+                </a:solidFill>
+              </a:rPr>
+              <a:t>Graph</a:t>
+            </a:r>
+          </a:p>
+          <a:p>
+            <a:pPr algn="ctr"/>
+            <a:r>
+              <a:rPr lang="en-US" dirty="0">
+                <a:solidFill>
+                  <a:schemeClr val="tx1"/>
+                </a:solidFill>
+              </a:rPr>
+              <a:t>Convolution</a:t>
+            </a:r>
+          </a:p>
+          <a:p>
+            <a:pPr algn="ctr"/>
+            <a:r>
+              <a:rPr lang="en-US" dirty="0">
+                <a:solidFill>
+                  <a:schemeClr val="tx1"/>
+                </a:solidFill>
+              </a:rPr>
+              <a:t>Network – </a:t>
+            </a:r>
+          </a:p>
+          <a:p>
+            <a:pPr algn="ctr"/>
+            <a:r>
+              <a:rPr lang="en-US" dirty="0">
+                <a:solidFill>
+                  <a:schemeClr val="tx1"/>
+                </a:solidFill>
+              </a:rPr>
+              <a:t>Missing Feature</a:t>
+            </a:r>
+          </a:p>
+          <a:p>
+            <a:pPr algn="ctr"/>
+            <a:r>
+              <a:rPr lang="en-US" dirty="0">
+                <a:solidFill>
+                  <a:schemeClr val="tx1"/>
+                </a:solidFill>
+              </a:rPr>
+              <a:t>(</a:t>
+            </a:r>
+            <a:r>
+              <a:rPr lang="en-US" dirty="0" err="1">
+                <a:solidFill>
+                  <a:schemeClr val="tx1"/>
+                </a:solidFill>
+              </a:rPr>
+              <a:t>GCNmf</a:t>
+            </a:r>
+            <a:r>
+              <a:rPr lang="en-US" dirty="0">
+                <a:solidFill>
+                  <a:schemeClr val="tx1"/>
+                </a:solidFill>
+              </a:rPr>
+              <a:t>)</a:t>
+            </a:r>
+          </a:p>
+        </p:txBody>
+      </p:sp>
+      <p:grpSp>
+        <p:nvGrpSpPr>
+          <p:cNvPr id="17" name="Group 16">
+            <a:extLst>
+              <a:ext uri="{FF2B5EF4-FFF2-40B4-BE49-F238E27FC236}">
+                <a16:creationId xmlns:a16="http://schemas.microsoft.com/office/drawing/2014/main" id="{BD7646C5-6BAA-4655-B372-F0AE4A8FCFC3}"/>
+              </a:ext>
+            </a:extLst>
+          </p:cNvPr>
+          <p:cNvGrpSpPr/>
+          <p:nvPr/>
+        </p:nvGrpSpPr>
+        <p:grpSpPr>
+          <a:xfrm>
+            <a:off x="4174232" y="1630597"/>
+            <a:ext cx="720991" cy="1610870"/>
+            <a:chOff x="3547425" y="2682022"/>
+            <a:chExt cx="720991" cy="1610870"/>
+          </a:xfrm>
+        </p:grpSpPr>
+        <p:grpSp>
+          <p:nvGrpSpPr>
+            <p:cNvPr id="18" name="Group 17">
+              <a:extLst>
+                <a:ext uri="{FF2B5EF4-FFF2-40B4-BE49-F238E27FC236}">
+                  <a16:creationId xmlns:a16="http://schemas.microsoft.com/office/drawing/2014/main" id="{CBBFA48E-938A-48CF-94C0-3ACA46052A21}"/>
+                </a:ext>
+              </a:extLst>
+            </p:cNvPr>
+            <p:cNvGrpSpPr/>
+            <p:nvPr/>
+          </p:nvGrpSpPr>
+          <p:grpSpPr>
+            <a:xfrm>
+              <a:off x="3553406" y="2682022"/>
+              <a:ext cx="711200" cy="203835"/>
+              <a:chOff x="3559387" y="2503170"/>
+              <a:chExt cx="711200" cy="203835"/>
+            </a:xfrm>
+          </p:grpSpPr>
+          <p:sp>
+            <p:nvSpPr>
+              <p:cNvPr id="35" name="Rectangle: Rounded Corners 34">
+                <a:extLst>
+                  <a:ext uri="{FF2B5EF4-FFF2-40B4-BE49-F238E27FC236}">
+                    <a16:creationId xmlns:a16="http://schemas.microsoft.com/office/drawing/2014/main" id="{FFF4E45B-0D35-4473-AF3F-62CEEAC44494}"/>
+                  </a:ext>
+                </a:extLst>
+              </p:cNvPr>
+              <p:cNvSpPr/>
+              <p:nvPr/>
+            </p:nvSpPr>
+            <p:spPr>
+              <a:xfrm>
+                <a:off x="3559387" y="2503170"/>
+                <a:ext cx="711200" cy="203835"/>
+              </a:xfrm>
+              <a:prstGeom prst="roundRect">
+                <a:avLst/>
+              </a:prstGeom>
+              <a:noFill/>
+              <a:ln>
+                <a:solidFill>
+                  <a:schemeClr val="tx1"/>
+                </a:solidFill>
+              </a:ln>
+            </p:spPr>
+            <p:style>
+              <a:lnRef idx="2">
+                <a:schemeClr val="accent1">
+                  <a:shade val="50000"/>
+                </a:schemeClr>
+              </a:lnRef>
+              <a:fillRef idx="1">
+                <a:schemeClr val="accent1"/>
+              </a:fillRef>
+              <a:effectRef idx="0">
+                <a:schemeClr val="accent1"/>
+              </a:effectRef>
+              <a:fontRef idx="minor">
+                <a:schemeClr val="lt1"/>
+              </a:fontRef>
+            </p:style>
+            <p:txBody>
+              <a:bodyPr rot="0" spcFirstLastPara="0" vert="horz" wrap="square" lIns="91440" tIns="45720" rIns="91440" bIns="45720" numCol="1" spcCol="0" rtlCol="0" fromWordArt="0" anchor="ctr" anchorCtr="0" forceAA="0" compatLnSpc="1">
+                <a:prstTxWarp prst="textNoShape">
+                  <a:avLst/>
+                </a:prstTxWarp>
+                <a:noAutofit/>
+              </a:bodyPr>
+              <a:lstStyle/>
+              <a:p>
+                <a:endParaRPr lang="en-US"/>
+              </a:p>
+            </p:txBody>
+          </p:sp>
+          <p:sp>
+            <p:nvSpPr>
+              <p:cNvPr id="36" name="Oval 35">
+                <a:extLst>
+                  <a:ext uri="{FF2B5EF4-FFF2-40B4-BE49-F238E27FC236}">
+                    <a16:creationId xmlns:a16="http://schemas.microsoft.com/office/drawing/2014/main" id="{5246A7EE-3229-49B7-8F1D-08032DC4E4DB}"/>
+                  </a:ext>
+                </a:extLst>
+              </p:cNvPr>
+              <p:cNvSpPr/>
+              <p:nvPr/>
+            </p:nvSpPr>
+            <p:spPr>
+              <a:xfrm>
+                <a:off x="3640032" y="2545080"/>
+                <a:ext cx="134620" cy="128905"/>
+              </a:xfrm>
+              <a:prstGeom prst="ellipse">
+                <a:avLst/>
+              </a:prstGeom>
+              <a:solidFill>
+                <a:schemeClr val="accent1">
+                  <a:lumMod val="40000"/>
+                  <a:lumOff val="60000"/>
+                </a:schemeClr>
+              </a:solidFill>
+              <a:ln>
+                <a:solidFill>
+                  <a:schemeClr val="accent1">
+                    <a:lumMod val="60000"/>
+                    <a:lumOff val="40000"/>
+                  </a:schemeClr>
+                </a:solidFill>
+              </a:ln>
+            </p:spPr>
+            <p:style>
+              <a:lnRef idx="2">
+                <a:schemeClr val="accent1">
+                  <a:shade val="50000"/>
+                </a:schemeClr>
+              </a:lnRef>
+              <a:fillRef idx="1">
+                <a:schemeClr val="accent1"/>
+              </a:fillRef>
+              <a:effectRef idx="0">
+                <a:schemeClr val="accent1"/>
+              </a:effectRef>
+              <a:fontRef idx="minor">
+                <a:schemeClr val="lt1"/>
+              </a:fontRef>
+            </p:style>
+            <p:txBody>
+              <a:bodyPr rot="0" spcFirstLastPara="0" vert="horz" wrap="square" lIns="91440" tIns="45720" rIns="91440" bIns="45720" numCol="1" spcCol="0" rtlCol="0" fromWordArt="0" anchor="ctr" anchorCtr="0" forceAA="0" compatLnSpc="1">
+                <a:prstTxWarp prst="textNoShape">
+                  <a:avLst/>
+                </a:prstTxWarp>
+                <a:noAutofit/>
+              </a:bodyPr>
+              <a:lstStyle/>
+              <a:p>
+                <a:endParaRPr lang="en-US"/>
+              </a:p>
+            </p:txBody>
+          </p:sp>
+          <p:sp>
+            <p:nvSpPr>
+              <p:cNvPr id="37" name="Oval 36">
+                <a:extLst>
+                  <a:ext uri="{FF2B5EF4-FFF2-40B4-BE49-F238E27FC236}">
+                    <a16:creationId xmlns:a16="http://schemas.microsoft.com/office/drawing/2014/main" id="{9DC45F4D-E4AE-4106-9D41-1362B4D4EEA8}"/>
+                  </a:ext>
+                </a:extLst>
+              </p:cNvPr>
+              <p:cNvSpPr/>
+              <p:nvPr/>
+            </p:nvSpPr>
+            <p:spPr>
+              <a:xfrm>
+                <a:off x="3851487" y="2545080"/>
+                <a:ext cx="134620" cy="128905"/>
+              </a:xfrm>
+              <a:prstGeom prst="ellipse">
+                <a:avLst/>
+              </a:prstGeom>
+              <a:solidFill>
+                <a:schemeClr val="accent1">
+                  <a:lumMod val="40000"/>
+                  <a:lumOff val="60000"/>
+                </a:schemeClr>
+              </a:solidFill>
+              <a:ln>
+                <a:solidFill>
+                  <a:schemeClr val="accent1">
+                    <a:lumMod val="60000"/>
+                    <a:lumOff val="40000"/>
+                  </a:schemeClr>
+                </a:solidFill>
+              </a:ln>
+            </p:spPr>
+            <p:style>
+              <a:lnRef idx="2">
+                <a:schemeClr val="accent1">
+                  <a:shade val="50000"/>
+                </a:schemeClr>
+              </a:lnRef>
+              <a:fillRef idx="1">
+                <a:schemeClr val="accent1"/>
+              </a:fillRef>
+              <a:effectRef idx="0">
+                <a:schemeClr val="accent1"/>
+              </a:effectRef>
+              <a:fontRef idx="minor">
+                <a:schemeClr val="lt1"/>
+              </a:fontRef>
+            </p:style>
+            <p:txBody>
+              <a:bodyPr rot="0" spcFirstLastPara="0" vert="horz" wrap="square" lIns="91440" tIns="45720" rIns="91440" bIns="45720" numCol="1" spcCol="0" rtlCol="0" fromWordArt="0" anchor="ctr" anchorCtr="0" forceAA="0" compatLnSpc="1">
+                <a:prstTxWarp prst="textNoShape">
+                  <a:avLst/>
+                </a:prstTxWarp>
+                <a:noAutofit/>
+              </a:bodyPr>
+              <a:lstStyle/>
+              <a:p>
+                <a:endParaRPr lang="en-US"/>
+              </a:p>
+            </p:txBody>
+          </p:sp>
+          <p:sp>
+            <p:nvSpPr>
+              <p:cNvPr id="38" name="Oval 37">
+                <a:extLst>
+                  <a:ext uri="{FF2B5EF4-FFF2-40B4-BE49-F238E27FC236}">
+                    <a16:creationId xmlns:a16="http://schemas.microsoft.com/office/drawing/2014/main" id="{C9E727C1-BE9E-4CDA-8F11-1E0D003B27DD}"/>
+                  </a:ext>
+                </a:extLst>
+              </p:cNvPr>
+              <p:cNvSpPr/>
+              <p:nvPr/>
+            </p:nvSpPr>
+            <p:spPr>
+              <a:xfrm>
+                <a:off x="4063577" y="2545080"/>
+                <a:ext cx="134620" cy="128905"/>
+              </a:xfrm>
+              <a:prstGeom prst="ellipse">
+                <a:avLst/>
+              </a:prstGeom>
+              <a:solidFill>
+                <a:schemeClr val="accent1">
+                  <a:lumMod val="40000"/>
+                  <a:lumOff val="60000"/>
+                </a:schemeClr>
+              </a:solidFill>
+              <a:ln>
+                <a:solidFill>
+                  <a:schemeClr val="accent1">
+                    <a:lumMod val="60000"/>
+                    <a:lumOff val="40000"/>
+                  </a:schemeClr>
+                </a:solidFill>
+              </a:ln>
+            </p:spPr>
+            <p:style>
+              <a:lnRef idx="2">
+                <a:schemeClr val="accent1">
+                  <a:shade val="50000"/>
+                </a:schemeClr>
+              </a:lnRef>
+              <a:fillRef idx="1">
+                <a:schemeClr val="accent1"/>
+              </a:fillRef>
+              <a:effectRef idx="0">
+                <a:schemeClr val="accent1"/>
+              </a:effectRef>
+              <a:fontRef idx="minor">
+                <a:schemeClr val="lt1"/>
+              </a:fontRef>
+            </p:style>
+            <p:txBody>
+              <a:bodyPr rot="0" spcFirstLastPara="0" vert="horz" wrap="square" lIns="91440" tIns="45720" rIns="91440" bIns="45720" numCol="1" spcCol="0" rtlCol="0" fromWordArt="0" anchor="ctr" anchorCtr="0" forceAA="0" compatLnSpc="1">
+                <a:prstTxWarp prst="textNoShape">
+                  <a:avLst/>
+                </a:prstTxWarp>
+                <a:noAutofit/>
+              </a:bodyPr>
+              <a:lstStyle/>
+              <a:p>
+                <a:endParaRPr lang="en-US"/>
+              </a:p>
+            </p:txBody>
+          </p:sp>
+        </p:grpSp>
+        <p:grpSp>
+          <p:nvGrpSpPr>
+            <p:cNvPr id="19" name="Group 18">
+              <a:extLst>
+                <a:ext uri="{FF2B5EF4-FFF2-40B4-BE49-F238E27FC236}">
+                  <a16:creationId xmlns:a16="http://schemas.microsoft.com/office/drawing/2014/main" id="{054A2394-9CE7-42EC-AE13-8B6968EB0EA2}"/>
+                </a:ext>
+              </a:extLst>
+            </p:cNvPr>
+            <p:cNvGrpSpPr/>
+            <p:nvPr/>
+          </p:nvGrpSpPr>
+          <p:grpSpPr>
+            <a:xfrm>
+              <a:off x="3557216" y="3064709"/>
+              <a:ext cx="711200" cy="203835"/>
+              <a:chOff x="3559387" y="2503170"/>
+              <a:chExt cx="711200" cy="203835"/>
+            </a:xfrm>
+          </p:grpSpPr>
+          <p:sp>
+            <p:nvSpPr>
+              <p:cNvPr id="31" name="Rectangle: Rounded Corners 30">
+                <a:extLst>
+                  <a:ext uri="{FF2B5EF4-FFF2-40B4-BE49-F238E27FC236}">
+                    <a16:creationId xmlns:a16="http://schemas.microsoft.com/office/drawing/2014/main" id="{F4E3F44E-C6C6-4A03-A532-EC486CFF9267}"/>
+                  </a:ext>
+                </a:extLst>
+              </p:cNvPr>
+              <p:cNvSpPr/>
+              <p:nvPr/>
+            </p:nvSpPr>
+            <p:spPr>
+              <a:xfrm>
+                <a:off x="3559387" y="2503170"/>
+                <a:ext cx="711200" cy="203835"/>
+              </a:xfrm>
+              <a:prstGeom prst="roundRect">
+                <a:avLst/>
+              </a:prstGeom>
+              <a:noFill/>
+              <a:ln>
+                <a:solidFill>
+                  <a:schemeClr val="tx1"/>
+                </a:solidFill>
+              </a:ln>
+            </p:spPr>
+            <p:style>
+              <a:lnRef idx="2">
+                <a:schemeClr val="accent1">
+                  <a:shade val="50000"/>
+                </a:schemeClr>
+              </a:lnRef>
+              <a:fillRef idx="1">
+                <a:schemeClr val="accent1"/>
+              </a:fillRef>
+              <a:effectRef idx="0">
+                <a:schemeClr val="accent1"/>
+              </a:effectRef>
+              <a:fontRef idx="minor">
+                <a:schemeClr val="lt1"/>
+              </a:fontRef>
+            </p:style>
+            <p:txBody>
+              <a:bodyPr rot="0" spcFirstLastPara="0" vert="horz" wrap="square" lIns="91440" tIns="45720" rIns="91440" bIns="45720" numCol="1" spcCol="0" rtlCol="0" fromWordArt="0" anchor="ctr" anchorCtr="0" forceAA="0" compatLnSpc="1">
+                <a:prstTxWarp prst="textNoShape">
+                  <a:avLst/>
+                </a:prstTxWarp>
+                <a:noAutofit/>
+              </a:bodyPr>
+              <a:lstStyle/>
+              <a:p>
+                <a:endParaRPr lang="en-US"/>
+              </a:p>
+            </p:txBody>
+          </p:sp>
+          <p:sp>
+            <p:nvSpPr>
+              <p:cNvPr id="32" name="Oval 31">
+                <a:extLst>
+                  <a:ext uri="{FF2B5EF4-FFF2-40B4-BE49-F238E27FC236}">
+                    <a16:creationId xmlns:a16="http://schemas.microsoft.com/office/drawing/2014/main" id="{919F45A9-62DA-43F6-9692-1079E106A342}"/>
+                  </a:ext>
+                </a:extLst>
+              </p:cNvPr>
+              <p:cNvSpPr/>
+              <p:nvPr/>
+            </p:nvSpPr>
+            <p:spPr>
+              <a:xfrm>
+                <a:off x="3640032" y="2545080"/>
+                <a:ext cx="134620" cy="128905"/>
+              </a:xfrm>
+              <a:prstGeom prst="ellipse">
+                <a:avLst/>
+              </a:prstGeom>
+              <a:solidFill>
+                <a:schemeClr val="accent1">
+                  <a:lumMod val="40000"/>
+                  <a:lumOff val="60000"/>
+                </a:schemeClr>
+              </a:solidFill>
+              <a:ln>
+                <a:solidFill>
+                  <a:schemeClr val="accent1">
+                    <a:lumMod val="60000"/>
+                    <a:lumOff val="40000"/>
+                  </a:schemeClr>
+                </a:solidFill>
+              </a:ln>
+            </p:spPr>
+            <p:style>
+              <a:lnRef idx="2">
+                <a:schemeClr val="accent1">
+                  <a:shade val="50000"/>
+                </a:schemeClr>
+              </a:lnRef>
+              <a:fillRef idx="1">
+                <a:schemeClr val="accent1"/>
+              </a:fillRef>
+              <a:effectRef idx="0">
+                <a:schemeClr val="accent1"/>
+              </a:effectRef>
+              <a:fontRef idx="minor">
+                <a:schemeClr val="lt1"/>
+              </a:fontRef>
+            </p:style>
+            <p:txBody>
+              <a:bodyPr rot="0" spcFirstLastPara="0" vert="horz" wrap="square" lIns="91440" tIns="45720" rIns="91440" bIns="45720" numCol="1" spcCol="0" rtlCol="0" fromWordArt="0" anchor="ctr" anchorCtr="0" forceAA="0" compatLnSpc="1">
+                <a:prstTxWarp prst="textNoShape">
+                  <a:avLst/>
+                </a:prstTxWarp>
+                <a:noAutofit/>
+              </a:bodyPr>
+              <a:lstStyle/>
+              <a:p>
+                <a:endParaRPr lang="en-US"/>
+              </a:p>
+            </p:txBody>
+          </p:sp>
+          <p:sp>
+            <p:nvSpPr>
+              <p:cNvPr id="33" name="Oval 32">
+                <a:extLst>
+                  <a:ext uri="{FF2B5EF4-FFF2-40B4-BE49-F238E27FC236}">
+                    <a16:creationId xmlns:a16="http://schemas.microsoft.com/office/drawing/2014/main" id="{F849C353-E91D-466F-812A-56B9EC03112B}"/>
+                  </a:ext>
+                </a:extLst>
+              </p:cNvPr>
+              <p:cNvSpPr/>
+              <p:nvPr/>
+            </p:nvSpPr>
+            <p:spPr>
+              <a:xfrm>
+                <a:off x="3851487" y="2545080"/>
+                <a:ext cx="134620" cy="128905"/>
+              </a:xfrm>
+              <a:prstGeom prst="ellipse">
+                <a:avLst/>
+              </a:prstGeom>
+              <a:solidFill>
+                <a:schemeClr val="accent1">
+                  <a:lumMod val="40000"/>
+                  <a:lumOff val="60000"/>
+                </a:schemeClr>
+              </a:solidFill>
+              <a:ln>
+                <a:solidFill>
+                  <a:schemeClr val="accent1">
+                    <a:lumMod val="60000"/>
+                    <a:lumOff val="40000"/>
+                  </a:schemeClr>
+                </a:solidFill>
+              </a:ln>
+            </p:spPr>
+            <p:style>
+              <a:lnRef idx="2">
+                <a:schemeClr val="accent1">
+                  <a:shade val="50000"/>
+                </a:schemeClr>
+              </a:lnRef>
+              <a:fillRef idx="1">
+                <a:schemeClr val="accent1"/>
+              </a:fillRef>
+              <a:effectRef idx="0">
+                <a:schemeClr val="accent1"/>
+              </a:effectRef>
+              <a:fontRef idx="minor">
+                <a:schemeClr val="lt1"/>
+              </a:fontRef>
+            </p:style>
+            <p:txBody>
+              <a:bodyPr rot="0" spcFirstLastPara="0" vert="horz" wrap="square" lIns="91440" tIns="45720" rIns="91440" bIns="45720" numCol="1" spcCol="0" rtlCol="0" fromWordArt="0" anchor="ctr" anchorCtr="0" forceAA="0" compatLnSpc="1">
+                <a:prstTxWarp prst="textNoShape">
+                  <a:avLst/>
+                </a:prstTxWarp>
+                <a:noAutofit/>
+              </a:bodyPr>
+              <a:lstStyle/>
+              <a:p>
+                <a:endParaRPr lang="en-US"/>
+              </a:p>
+            </p:txBody>
+          </p:sp>
+          <p:sp>
+            <p:nvSpPr>
+              <p:cNvPr id="34" name="Oval 33">
+                <a:extLst>
+                  <a:ext uri="{FF2B5EF4-FFF2-40B4-BE49-F238E27FC236}">
+                    <a16:creationId xmlns:a16="http://schemas.microsoft.com/office/drawing/2014/main" id="{058304BF-F614-425D-9E31-9FFE92132914}"/>
+                  </a:ext>
+                </a:extLst>
+              </p:cNvPr>
+              <p:cNvSpPr/>
+              <p:nvPr/>
+            </p:nvSpPr>
+            <p:spPr>
+              <a:xfrm>
+                <a:off x="4063577" y="2545080"/>
+                <a:ext cx="134620" cy="128905"/>
+              </a:xfrm>
+              <a:prstGeom prst="ellipse">
+                <a:avLst/>
+              </a:prstGeom>
+              <a:solidFill>
+                <a:schemeClr val="accent1">
+                  <a:lumMod val="40000"/>
+                  <a:lumOff val="60000"/>
+                </a:schemeClr>
+              </a:solidFill>
+              <a:ln>
+                <a:solidFill>
+                  <a:schemeClr val="accent1">
+                    <a:lumMod val="60000"/>
+                    <a:lumOff val="40000"/>
+                  </a:schemeClr>
+                </a:solidFill>
+              </a:ln>
+            </p:spPr>
+            <p:style>
+              <a:lnRef idx="2">
+                <a:schemeClr val="accent1">
+                  <a:shade val="50000"/>
+                </a:schemeClr>
+              </a:lnRef>
+              <a:fillRef idx="1">
+                <a:schemeClr val="accent1"/>
+              </a:fillRef>
+              <a:effectRef idx="0">
+                <a:schemeClr val="accent1"/>
+              </a:effectRef>
+              <a:fontRef idx="minor">
+                <a:schemeClr val="lt1"/>
+              </a:fontRef>
+            </p:style>
+            <p:txBody>
+              <a:bodyPr rot="0" spcFirstLastPara="0" vert="horz" wrap="square" lIns="91440" tIns="45720" rIns="91440" bIns="45720" numCol="1" spcCol="0" rtlCol="0" fromWordArt="0" anchor="ctr" anchorCtr="0" forceAA="0" compatLnSpc="1">
+                <a:prstTxWarp prst="textNoShape">
+                  <a:avLst/>
+                </a:prstTxWarp>
+                <a:noAutofit/>
+              </a:bodyPr>
+              <a:lstStyle/>
+              <a:p>
+                <a:endParaRPr lang="en-US"/>
+              </a:p>
+            </p:txBody>
+          </p:sp>
+        </p:grpSp>
+        <p:grpSp>
+          <p:nvGrpSpPr>
+            <p:cNvPr id="20" name="Group 19">
+              <a:extLst>
+                <a:ext uri="{FF2B5EF4-FFF2-40B4-BE49-F238E27FC236}">
+                  <a16:creationId xmlns:a16="http://schemas.microsoft.com/office/drawing/2014/main" id="{3B21855E-2D99-4F20-B840-ABBF921E1BFA}"/>
+                </a:ext>
+              </a:extLst>
+            </p:cNvPr>
+            <p:cNvGrpSpPr/>
+            <p:nvPr/>
+          </p:nvGrpSpPr>
+          <p:grpSpPr>
+            <a:xfrm>
+              <a:off x="3557216" y="3703411"/>
+              <a:ext cx="711200" cy="203835"/>
+              <a:chOff x="3559387" y="2503170"/>
+              <a:chExt cx="711200" cy="203835"/>
+            </a:xfrm>
+          </p:grpSpPr>
+          <p:sp>
+            <p:nvSpPr>
+              <p:cNvPr id="27" name="Rectangle: Rounded Corners 26">
+                <a:extLst>
+                  <a:ext uri="{FF2B5EF4-FFF2-40B4-BE49-F238E27FC236}">
+                    <a16:creationId xmlns:a16="http://schemas.microsoft.com/office/drawing/2014/main" id="{FDE632CF-3070-479E-8CF9-1DE690F0E0C6}"/>
+                  </a:ext>
+                </a:extLst>
+              </p:cNvPr>
+              <p:cNvSpPr/>
+              <p:nvPr/>
+            </p:nvSpPr>
+            <p:spPr>
+              <a:xfrm>
+                <a:off x="3559387" y="2503170"/>
+                <a:ext cx="711200" cy="203835"/>
+              </a:xfrm>
+              <a:prstGeom prst="roundRect">
+                <a:avLst/>
+              </a:prstGeom>
+              <a:noFill/>
+              <a:ln>
+                <a:solidFill>
+                  <a:schemeClr val="tx1"/>
+                </a:solidFill>
+              </a:ln>
+            </p:spPr>
+            <p:style>
+              <a:lnRef idx="2">
+                <a:schemeClr val="accent1">
+                  <a:shade val="50000"/>
+                </a:schemeClr>
+              </a:lnRef>
+              <a:fillRef idx="1">
+                <a:schemeClr val="accent1"/>
+              </a:fillRef>
+              <a:effectRef idx="0">
+                <a:schemeClr val="accent1"/>
+              </a:effectRef>
+              <a:fontRef idx="minor">
+                <a:schemeClr val="lt1"/>
+              </a:fontRef>
+            </p:style>
+            <p:txBody>
+              <a:bodyPr rot="0" spcFirstLastPara="0" vert="horz" wrap="square" lIns="91440" tIns="45720" rIns="91440" bIns="45720" numCol="1" spcCol="0" rtlCol="0" fromWordArt="0" anchor="ctr" anchorCtr="0" forceAA="0" compatLnSpc="1">
+                <a:prstTxWarp prst="textNoShape">
+                  <a:avLst/>
+                </a:prstTxWarp>
+                <a:noAutofit/>
+              </a:bodyPr>
+              <a:lstStyle/>
+              <a:p>
+                <a:endParaRPr lang="en-US"/>
+              </a:p>
+            </p:txBody>
+          </p:sp>
+          <p:sp>
+            <p:nvSpPr>
+              <p:cNvPr id="28" name="Oval 27">
+                <a:extLst>
+                  <a:ext uri="{FF2B5EF4-FFF2-40B4-BE49-F238E27FC236}">
+                    <a16:creationId xmlns:a16="http://schemas.microsoft.com/office/drawing/2014/main" id="{ECF3A2E3-D80B-4258-AE6A-04BEDE56C900}"/>
+                  </a:ext>
+                </a:extLst>
+              </p:cNvPr>
+              <p:cNvSpPr/>
+              <p:nvPr/>
+            </p:nvSpPr>
+            <p:spPr>
+              <a:xfrm>
+                <a:off x="3640032" y="2545080"/>
+                <a:ext cx="134620" cy="128905"/>
+              </a:xfrm>
+              <a:prstGeom prst="ellipse">
+                <a:avLst/>
+              </a:prstGeom>
+              <a:solidFill>
+                <a:schemeClr val="accent1">
+                  <a:lumMod val="40000"/>
+                  <a:lumOff val="60000"/>
+                </a:schemeClr>
+              </a:solidFill>
+              <a:ln>
+                <a:solidFill>
+                  <a:schemeClr val="accent1">
+                    <a:lumMod val="60000"/>
+                    <a:lumOff val="40000"/>
+                  </a:schemeClr>
+                </a:solidFill>
+              </a:ln>
+            </p:spPr>
+            <p:style>
+              <a:lnRef idx="2">
+                <a:schemeClr val="accent1">
+                  <a:shade val="50000"/>
+                </a:schemeClr>
+              </a:lnRef>
+              <a:fillRef idx="1">
+                <a:schemeClr val="accent1"/>
+              </a:fillRef>
+              <a:effectRef idx="0">
+                <a:schemeClr val="accent1"/>
+              </a:effectRef>
+              <a:fontRef idx="minor">
+                <a:schemeClr val="lt1"/>
+              </a:fontRef>
+            </p:style>
+            <p:txBody>
+              <a:bodyPr rot="0" spcFirstLastPara="0" vert="horz" wrap="square" lIns="91440" tIns="45720" rIns="91440" bIns="45720" numCol="1" spcCol="0" rtlCol="0" fromWordArt="0" anchor="ctr" anchorCtr="0" forceAA="0" compatLnSpc="1">
+                <a:prstTxWarp prst="textNoShape">
+                  <a:avLst/>
+                </a:prstTxWarp>
+                <a:noAutofit/>
+              </a:bodyPr>
+              <a:lstStyle/>
+              <a:p>
+                <a:endParaRPr lang="en-US"/>
+              </a:p>
+            </p:txBody>
+          </p:sp>
+          <p:sp>
+            <p:nvSpPr>
+              <p:cNvPr id="29" name="Oval 28">
+                <a:extLst>
+                  <a:ext uri="{FF2B5EF4-FFF2-40B4-BE49-F238E27FC236}">
+                    <a16:creationId xmlns:a16="http://schemas.microsoft.com/office/drawing/2014/main" id="{8B309E2B-0DAB-4F51-9B68-61A581BFE109}"/>
+                  </a:ext>
+                </a:extLst>
+              </p:cNvPr>
+              <p:cNvSpPr/>
+              <p:nvPr/>
+            </p:nvSpPr>
+            <p:spPr>
+              <a:xfrm>
+                <a:off x="3851487" y="2545080"/>
+                <a:ext cx="134620" cy="128905"/>
+              </a:xfrm>
+              <a:prstGeom prst="ellipse">
+                <a:avLst/>
+              </a:prstGeom>
+              <a:solidFill>
+                <a:schemeClr val="accent1">
+                  <a:lumMod val="40000"/>
+                  <a:lumOff val="60000"/>
+                </a:schemeClr>
+              </a:solidFill>
+              <a:ln>
+                <a:solidFill>
+                  <a:schemeClr val="accent1">
+                    <a:lumMod val="60000"/>
+                    <a:lumOff val="40000"/>
+                  </a:schemeClr>
+                </a:solidFill>
+              </a:ln>
+            </p:spPr>
+            <p:style>
+              <a:lnRef idx="2">
+                <a:schemeClr val="accent1">
+                  <a:shade val="50000"/>
+                </a:schemeClr>
+              </a:lnRef>
+              <a:fillRef idx="1">
+                <a:schemeClr val="accent1"/>
+              </a:fillRef>
+              <a:effectRef idx="0">
+                <a:schemeClr val="accent1"/>
+              </a:effectRef>
+              <a:fontRef idx="minor">
+                <a:schemeClr val="lt1"/>
+              </a:fontRef>
+            </p:style>
+            <p:txBody>
+              <a:bodyPr rot="0" spcFirstLastPara="0" vert="horz" wrap="square" lIns="91440" tIns="45720" rIns="91440" bIns="45720" numCol="1" spcCol="0" rtlCol="0" fromWordArt="0" anchor="ctr" anchorCtr="0" forceAA="0" compatLnSpc="1">
+                <a:prstTxWarp prst="textNoShape">
+                  <a:avLst/>
+                </a:prstTxWarp>
+                <a:noAutofit/>
+              </a:bodyPr>
+              <a:lstStyle/>
+              <a:p>
+                <a:endParaRPr lang="en-US"/>
+              </a:p>
+            </p:txBody>
+          </p:sp>
+          <p:sp>
+            <p:nvSpPr>
+              <p:cNvPr id="30" name="Oval 29">
+                <a:extLst>
+                  <a:ext uri="{FF2B5EF4-FFF2-40B4-BE49-F238E27FC236}">
+                    <a16:creationId xmlns:a16="http://schemas.microsoft.com/office/drawing/2014/main" id="{D3472EB9-90CE-4595-A36F-F03179F4D293}"/>
+                  </a:ext>
+                </a:extLst>
+              </p:cNvPr>
+              <p:cNvSpPr/>
+              <p:nvPr/>
+            </p:nvSpPr>
+            <p:spPr>
+              <a:xfrm>
+                <a:off x="4063577" y="2545080"/>
+                <a:ext cx="134620" cy="128905"/>
+              </a:xfrm>
+              <a:prstGeom prst="ellipse">
+                <a:avLst/>
+              </a:prstGeom>
+              <a:solidFill>
+                <a:schemeClr val="accent1">
+                  <a:lumMod val="40000"/>
+                  <a:lumOff val="60000"/>
+                </a:schemeClr>
+              </a:solidFill>
+              <a:ln>
+                <a:solidFill>
+                  <a:schemeClr val="accent1">
+                    <a:lumMod val="60000"/>
+                    <a:lumOff val="40000"/>
+                  </a:schemeClr>
+                </a:solidFill>
+              </a:ln>
+            </p:spPr>
+            <p:style>
+              <a:lnRef idx="2">
+                <a:schemeClr val="accent1">
+                  <a:shade val="50000"/>
+                </a:schemeClr>
+              </a:lnRef>
+              <a:fillRef idx="1">
+                <a:schemeClr val="accent1"/>
+              </a:fillRef>
+              <a:effectRef idx="0">
+                <a:schemeClr val="accent1"/>
+              </a:effectRef>
+              <a:fontRef idx="minor">
+                <a:schemeClr val="lt1"/>
+              </a:fontRef>
+            </p:style>
+            <p:txBody>
+              <a:bodyPr rot="0" spcFirstLastPara="0" vert="horz" wrap="square" lIns="91440" tIns="45720" rIns="91440" bIns="45720" numCol="1" spcCol="0" rtlCol="0" fromWordArt="0" anchor="ctr" anchorCtr="0" forceAA="0" compatLnSpc="1">
+                <a:prstTxWarp prst="textNoShape">
+                  <a:avLst/>
+                </a:prstTxWarp>
+                <a:noAutofit/>
+              </a:bodyPr>
+              <a:lstStyle/>
+              <a:p>
+                <a:endParaRPr lang="en-US"/>
+              </a:p>
+            </p:txBody>
+          </p:sp>
+        </p:grpSp>
+        <p:grpSp>
+          <p:nvGrpSpPr>
+            <p:cNvPr id="21" name="Group 20">
+              <a:extLst>
+                <a:ext uri="{FF2B5EF4-FFF2-40B4-BE49-F238E27FC236}">
+                  <a16:creationId xmlns:a16="http://schemas.microsoft.com/office/drawing/2014/main" id="{D3418411-5B78-4CC0-893D-288A5640BBF5}"/>
+                </a:ext>
+              </a:extLst>
+            </p:cNvPr>
+            <p:cNvGrpSpPr/>
+            <p:nvPr/>
+          </p:nvGrpSpPr>
+          <p:grpSpPr>
+            <a:xfrm>
+              <a:off x="3547425" y="4089057"/>
+              <a:ext cx="711200" cy="203835"/>
+              <a:chOff x="3559387" y="2503170"/>
+              <a:chExt cx="711200" cy="203835"/>
+            </a:xfrm>
+          </p:grpSpPr>
+          <p:sp>
+            <p:nvSpPr>
+              <p:cNvPr id="23" name="Rectangle: Rounded Corners 22">
+                <a:extLst>
+                  <a:ext uri="{FF2B5EF4-FFF2-40B4-BE49-F238E27FC236}">
+                    <a16:creationId xmlns:a16="http://schemas.microsoft.com/office/drawing/2014/main" id="{E810F0D5-3F31-4355-8304-C8E04942FA60}"/>
+                  </a:ext>
+                </a:extLst>
+              </p:cNvPr>
+              <p:cNvSpPr/>
+              <p:nvPr/>
+            </p:nvSpPr>
+            <p:spPr>
+              <a:xfrm>
+                <a:off x="3559387" y="2503170"/>
+                <a:ext cx="711200" cy="203835"/>
+              </a:xfrm>
+              <a:prstGeom prst="roundRect">
+                <a:avLst/>
+              </a:prstGeom>
+              <a:noFill/>
+              <a:ln>
+                <a:solidFill>
+                  <a:schemeClr val="tx1"/>
+                </a:solidFill>
+              </a:ln>
+            </p:spPr>
+            <p:style>
+              <a:lnRef idx="2">
+                <a:schemeClr val="accent1">
+                  <a:shade val="50000"/>
+                </a:schemeClr>
+              </a:lnRef>
+              <a:fillRef idx="1">
+                <a:schemeClr val="accent1"/>
+              </a:fillRef>
+              <a:effectRef idx="0">
+                <a:schemeClr val="accent1"/>
+              </a:effectRef>
+              <a:fontRef idx="minor">
+                <a:schemeClr val="lt1"/>
+              </a:fontRef>
+            </p:style>
+            <p:txBody>
+              <a:bodyPr rot="0" spcFirstLastPara="0" vert="horz" wrap="square" lIns="91440" tIns="45720" rIns="91440" bIns="45720" numCol="1" spcCol="0" rtlCol="0" fromWordArt="0" anchor="ctr" anchorCtr="0" forceAA="0" compatLnSpc="1">
+                <a:prstTxWarp prst="textNoShape">
+                  <a:avLst/>
+                </a:prstTxWarp>
+                <a:noAutofit/>
+              </a:bodyPr>
+              <a:lstStyle/>
+              <a:p>
+                <a:endParaRPr lang="en-US"/>
+              </a:p>
+            </p:txBody>
+          </p:sp>
+          <p:sp>
+            <p:nvSpPr>
+              <p:cNvPr id="24" name="Oval 23">
+                <a:extLst>
+                  <a:ext uri="{FF2B5EF4-FFF2-40B4-BE49-F238E27FC236}">
+                    <a16:creationId xmlns:a16="http://schemas.microsoft.com/office/drawing/2014/main" id="{DCD1460E-66B5-464D-B460-C2C0F91E48C2}"/>
+                  </a:ext>
+                </a:extLst>
+              </p:cNvPr>
+              <p:cNvSpPr/>
+              <p:nvPr/>
+            </p:nvSpPr>
+            <p:spPr>
+              <a:xfrm>
+                <a:off x="3640032" y="2545080"/>
+                <a:ext cx="134620" cy="128905"/>
+              </a:xfrm>
+              <a:prstGeom prst="ellipse">
+                <a:avLst/>
+              </a:prstGeom>
+              <a:solidFill>
+                <a:schemeClr val="accent1">
+                  <a:lumMod val="40000"/>
+                  <a:lumOff val="60000"/>
+                </a:schemeClr>
+              </a:solidFill>
+              <a:ln>
+                <a:solidFill>
+                  <a:schemeClr val="accent1">
+                    <a:lumMod val="60000"/>
+                    <a:lumOff val="40000"/>
+                  </a:schemeClr>
+                </a:solidFill>
+              </a:ln>
+            </p:spPr>
+            <p:style>
+              <a:lnRef idx="2">
+                <a:schemeClr val="accent1">
+                  <a:shade val="50000"/>
+                </a:schemeClr>
+              </a:lnRef>
+              <a:fillRef idx="1">
+                <a:schemeClr val="accent1"/>
+              </a:fillRef>
+              <a:effectRef idx="0">
+                <a:schemeClr val="accent1"/>
+              </a:effectRef>
+              <a:fontRef idx="minor">
+                <a:schemeClr val="lt1"/>
+              </a:fontRef>
+            </p:style>
+            <p:txBody>
+              <a:bodyPr rot="0" spcFirstLastPara="0" vert="horz" wrap="square" lIns="91440" tIns="45720" rIns="91440" bIns="45720" numCol="1" spcCol="0" rtlCol="0" fromWordArt="0" anchor="ctr" anchorCtr="0" forceAA="0" compatLnSpc="1">
+                <a:prstTxWarp prst="textNoShape">
+                  <a:avLst/>
+                </a:prstTxWarp>
+                <a:noAutofit/>
+              </a:bodyPr>
+              <a:lstStyle/>
+              <a:p>
+                <a:endParaRPr lang="en-US"/>
+              </a:p>
+            </p:txBody>
+          </p:sp>
+          <p:sp>
+            <p:nvSpPr>
+              <p:cNvPr id="25" name="Oval 24">
+                <a:extLst>
+                  <a:ext uri="{FF2B5EF4-FFF2-40B4-BE49-F238E27FC236}">
+                    <a16:creationId xmlns:a16="http://schemas.microsoft.com/office/drawing/2014/main" id="{75E5BE2C-3C34-459A-9245-1F0AF8BA4E93}"/>
+                  </a:ext>
+                </a:extLst>
+              </p:cNvPr>
+              <p:cNvSpPr/>
+              <p:nvPr/>
+            </p:nvSpPr>
+            <p:spPr>
+              <a:xfrm>
+                <a:off x="3851487" y="2545080"/>
+                <a:ext cx="134620" cy="128905"/>
+              </a:xfrm>
+              <a:prstGeom prst="ellipse">
+                <a:avLst/>
+              </a:prstGeom>
+              <a:solidFill>
+                <a:schemeClr val="accent1">
+                  <a:lumMod val="40000"/>
+                  <a:lumOff val="60000"/>
+                </a:schemeClr>
+              </a:solidFill>
+              <a:ln>
+                <a:solidFill>
+                  <a:schemeClr val="accent1">
+                    <a:lumMod val="60000"/>
+                    <a:lumOff val="40000"/>
+                  </a:schemeClr>
+                </a:solidFill>
+              </a:ln>
+            </p:spPr>
+            <p:style>
+              <a:lnRef idx="2">
+                <a:schemeClr val="accent1">
+                  <a:shade val="50000"/>
+                </a:schemeClr>
+              </a:lnRef>
+              <a:fillRef idx="1">
+                <a:schemeClr val="accent1"/>
+              </a:fillRef>
+              <a:effectRef idx="0">
+                <a:schemeClr val="accent1"/>
+              </a:effectRef>
+              <a:fontRef idx="minor">
+                <a:schemeClr val="lt1"/>
+              </a:fontRef>
+            </p:style>
+            <p:txBody>
+              <a:bodyPr rot="0" spcFirstLastPara="0" vert="horz" wrap="square" lIns="91440" tIns="45720" rIns="91440" bIns="45720" numCol="1" spcCol="0" rtlCol="0" fromWordArt="0" anchor="ctr" anchorCtr="0" forceAA="0" compatLnSpc="1">
+                <a:prstTxWarp prst="textNoShape">
+                  <a:avLst/>
+                </a:prstTxWarp>
+                <a:noAutofit/>
+              </a:bodyPr>
+              <a:lstStyle/>
+              <a:p>
+                <a:endParaRPr lang="en-US"/>
+              </a:p>
+            </p:txBody>
+          </p:sp>
+          <p:sp>
+            <p:nvSpPr>
+              <p:cNvPr id="26" name="Oval 25">
+                <a:extLst>
+                  <a:ext uri="{FF2B5EF4-FFF2-40B4-BE49-F238E27FC236}">
+                    <a16:creationId xmlns:a16="http://schemas.microsoft.com/office/drawing/2014/main" id="{EE5E03DA-8B06-4933-933A-650E8EEC5F96}"/>
+                  </a:ext>
+                </a:extLst>
+              </p:cNvPr>
+              <p:cNvSpPr/>
+              <p:nvPr/>
+            </p:nvSpPr>
+            <p:spPr>
+              <a:xfrm>
+                <a:off x="4063577" y="2545080"/>
+                <a:ext cx="134620" cy="128905"/>
+              </a:xfrm>
+              <a:prstGeom prst="ellipse">
+                <a:avLst/>
+              </a:prstGeom>
+              <a:solidFill>
+                <a:schemeClr val="accent1">
+                  <a:lumMod val="40000"/>
+                  <a:lumOff val="60000"/>
+                </a:schemeClr>
+              </a:solidFill>
+              <a:ln>
+                <a:solidFill>
+                  <a:schemeClr val="accent1">
+                    <a:lumMod val="60000"/>
+                    <a:lumOff val="40000"/>
+                  </a:schemeClr>
+                </a:solidFill>
+              </a:ln>
+            </p:spPr>
+            <p:style>
+              <a:lnRef idx="2">
+                <a:schemeClr val="accent1">
+                  <a:shade val="50000"/>
+                </a:schemeClr>
+              </a:lnRef>
+              <a:fillRef idx="1">
+                <a:schemeClr val="accent1"/>
+              </a:fillRef>
+              <a:effectRef idx="0">
+                <a:schemeClr val="accent1"/>
+              </a:effectRef>
+              <a:fontRef idx="minor">
+                <a:schemeClr val="lt1"/>
+              </a:fontRef>
+            </p:style>
+            <p:txBody>
+              <a:bodyPr rot="0" spcFirstLastPara="0" vert="horz" wrap="square" lIns="91440" tIns="45720" rIns="91440" bIns="45720" numCol="1" spcCol="0" rtlCol="0" fromWordArt="0" anchor="ctr" anchorCtr="0" forceAA="0" compatLnSpc="1">
+                <a:prstTxWarp prst="textNoShape">
+                  <a:avLst/>
+                </a:prstTxWarp>
+                <a:noAutofit/>
+              </a:bodyPr>
+              <a:lstStyle/>
+              <a:p>
+                <a:endParaRPr lang="en-US"/>
+              </a:p>
+            </p:txBody>
+          </p:sp>
+        </p:grpSp>
+        <p:sp>
+          <p:nvSpPr>
+            <p:cNvPr id="22" name="TextBox 21">
+              <a:extLst>
+                <a:ext uri="{FF2B5EF4-FFF2-40B4-BE49-F238E27FC236}">
+                  <a16:creationId xmlns:a16="http://schemas.microsoft.com/office/drawing/2014/main" id="{8F6839A9-5229-4F58-838D-C95D41B5F4AC}"/>
+                </a:ext>
+              </a:extLst>
+            </p:cNvPr>
+            <p:cNvSpPr txBox="1"/>
+            <p:nvPr/>
+          </p:nvSpPr>
+          <p:spPr>
+            <a:xfrm>
+              <a:off x="3748522" y="3243174"/>
+              <a:ext cx="343364" cy="369332"/>
+            </a:xfrm>
+            <a:prstGeom prst="rect">
+              <a:avLst/>
+            </a:prstGeom>
+            <a:noFill/>
+          </p:spPr>
+          <p:txBody>
+            <a:bodyPr wrap="none" rtlCol="0">
+              <a:spAutoFit/>
+            </a:bodyPr>
+            <a:lstStyle/>
+            <a:p>
+              <a:r>
+                <a:rPr lang="en-US" dirty="0"/>
+                <a:t>…</a:t>
+              </a:r>
+            </a:p>
+          </p:txBody>
+        </p:sp>
+      </p:grpSp>
+      <p:sp>
+        <p:nvSpPr>
+          <p:cNvPr id="40" name="TextBox 39">
+            <a:extLst>
+              <a:ext uri="{FF2B5EF4-FFF2-40B4-BE49-F238E27FC236}">
+                <a16:creationId xmlns:a16="http://schemas.microsoft.com/office/drawing/2014/main" id="{CA72FC33-55F1-4517-8F44-2EFAD7965AF8}"/>
+              </a:ext>
+            </a:extLst>
+          </p:cNvPr>
+          <p:cNvSpPr txBox="1"/>
+          <p:nvPr/>
+        </p:nvSpPr>
+        <p:spPr>
+          <a:xfrm>
+            <a:off x="3133717" y="1594384"/>
+            <a:ext cx="880305" cy="646331"/>
+          </a:xfrm>
+          <a:prstGeom prst="rect">
+            <a:avLst/>
+          </a:prstGeom>
+          <a:noFill/>
+        </p:spPr>
+        <p:txBody>
+          <a:bodyPr wrap="none" rtlCol="0">
+            <a:spAutoFit/>
+          </a:bodyPr>
+          <a:lstStyle/>
+          <a:p>
+            <a:pPr algn="ctr"/>
+            <a:r>
+              <a:rPr lang="en-US" dirty="0"/>
+              <a:t>Node</a:t>
+            </a:r>
+          </a:p>
+          <a:p>
+            <a:pPr algn="ctr"/>
+            <a:r>
+              <a:rPr lang="en-US" dirty="0"/>
+              <a:t>Vectors</a:t>
+            </a:r>
+          </a:p>
+        </p:txBody>
+      </p:sp>
+      <p:grpSp>
+        <p:nvGrpSpPr>
+          <p:cNvPr id="41" name="Group 40">
+            <a:extLst>
+              <a:ext uri="{FF2B5EF4-FFF2-40B4-BE49-F238E27FC236}">
+                <a16:creationId xmlns:a16="http://schemas.microsoft.com/office/drawing/2014/main" id="{1A6D8444-96A1-4906-86BF-AC0B1FA5D0BA}"/>
+              </a:ext>
+            </a:extLst>
+          </p:cNvPr>
+          <p:cNvGrpSpPr/>
+          <p:nvPr/>
+        </p:nvGrpSpPr>
+        <p:grpSpPr>
+          <a:xfrm>
+            <a:off x="4179127" y="3897019"/>
+            <a:ext cx="720991" cy="1610870"/>
+            <a:chOff x="3547425" y="2682022"/>
+            <a:chExt cx="720991" cy="1610870"/>
+          </a:xfrm>
+        </p:grpSpPr>
+        <p:grpSp>
+          <p:nvGrpSpPr>
+            <p:cNvPr id="42" name="Group 41">
+              <a:extLst>
+                <a:ext uri="{FF2B5EF4-FFF2-40B4-BE49-F238E27FC236}">
+                  <a16:creationId xmlns:a16="http://schemas.microsoft.com/office/drawing/2014/main" id="{BD3C18C7-AE62-41E0-9E07-F400938EDBD8}"/>
+                </a:ext>
+              </a:extLst>
+            </p:cNvPr>
+            <p:cNvGrpSpPr/>
+            <p:nvPr/>
+          </p:nvGrpSpPr>
+          <p:grpSpPr>
+            <a:xfrm>
+              <a:off x="3553406" y="2682022"/>
+              <a:ext cx="711200" cy="203835"/>
+              <a:chOff x="3559387" y="2503170"/>
+              <a:chExt cx="711200" cy="203835"/>
+            </a:xfrm>
+          </p:grpSpPr>
+          <p:sp>
+            <p:nvSpPr>
+              <p:cNvPr id="59" name="Rectangle: Rounded Corners 58">
+                <a:extLst>
+                  <a:ext uri="{FF2B5EF4-FFF2-40B4-BE49-F238E27FC236}">
+                    <a16:creationId xmlns:a16="http://schemas.microsoft.com/office/drawing/2014/main" id="{5A31863F-AC95-4FF6-AEE7-27B26AFF97DE}"/>
+                  </a:ext>
+                </a:extLst>
+              </p:cNvPr>
+              <p:cNvSpPr/>
+              <p:nvPr/>
+            </p:nvSpPr>
+            <p:spPr>
+              <a:xfrm>
+                <a:off x="3559387" y="2503170"/>
+                <a:ext cx="711200" cy="203835"/>
+              </a:xfrm>
+              <a:prstGeom prst="roundRect">
+                <a:avLst/>
+              </a:prstGeom>
+              <a:noFill/>
+              <a:ln>
+                <a:solidFill>
+                  <a:schemeClr val="tx1"/>
+                </a:solidFill>
+              </a:ln>
+            </p:spPr>
+            <p:style>
+              <a:lnRef idx="2">
+                <a:schemeClr val="accent1">
+                  <a:shade val="50000"/>
+                </a:schemeClr>
+              </a:lnRef>
+              <a:fillRef idx="1">
+                <a:schemeClr val="accent1"/>
+              </a:fillRef>
+              <a:effectRef idx="0">
+                <a:schemeClr val="accent1"/>
+              </a:effectRef>
+              <a:fontRef idx="minor">
+                <a:schemeClr val="lt1"/>
+              </a:fontRef>
+            </p:style>
+            <p:txBody>
+              <a:bodyPr rot="0" spcFirstLastPara="0" vert="horz" wrap="square" lIns="91440" tIns="45720" rIns="91440" bIns="45720" numCol="1" spcCol="0" rtlCol="0" fromWordArt="0" anchor="ctr" anchorCtr="0" forceAA="0" compatLnSpc="1">
+                <a:prstTxWarp prst="textNoShape">
+                  <a:avLst/>
+                </a:prstTxWarp>
+                <a:noAutofit/>
+              </a:bodyPr>
+              <a:lstStyle/>
+              <a:p>
+                <a:endParaRPr lang="en-US"/>
+              </a:p>
+            </p:txBody>
+          </p:sp>
+          <p:sp>
+            <p:nvSpPr>
+              <p:cNvPr id="60" name="Oval 59">
+                <a:extLst>
+                  <a:ext uri="{FF2B5EF4-FFF2-40B4-BE49-F238E27FC236}">
+                    <a16:creationId xmlns:a16="http://schemas.microsoft.com/office/drawing/2014/main" id="{A9C983F9-208B-411C-9AE4-E564A8B8B52A}"/>
+                  </a:ext>
+                </a:extLst>
+              </p:cNvPr>
+              <p:cNvSpPr/>
+              <p:nvPr/>
+            </p:nvSpPr>
+            <p:spPr>
+              <a:xfrm>
+                <a:off x="3640032" y="2545080"/>
+                <a:ext cx="134620" cy="128905"/>
+              </a:xfrm>
+              <a:prstGeom prst="ellipse">
+                <a:avLst/>
+              </a:prstGeom>
+              <a:solidFill>
+                <a:schemeClr val="accent2">
+                  <a:lumMod val="20000"/>
+                  <a:lumOff val="80000"/>
+                </a:schemeClr>
+              </a:solidFill>
+              <a:ln>
+                <a:solidFill>
+                  <a:schemeClr val="accent1">
+                    <a:lumMod val="60000"/>
+                    <a:lumOff val="40000"/>
+                  </a:schemeClr>
+                </a:solidFill>
+              </a:ln>
+            </p:spPr>
+            <p:style>
+              <a:lnRef idx="2">
+                <a:schemeClr val="accent1">
+                  <a:shade val="50000"/>
+                </a:schemeClr>
+              </a:lnRef>
+              <a:fillRef idx="1">
+                <a:schemeClr val="accent1"/>
+              </a:fillRef>
+              <a:effectRef idx="0">
+                <a:schemeClr val="accent1"/>
+              </a:effectRef>
+              <a:fontRef idx="minor">
+                <a:schemeClr val="lt1"/>
+              </a:fontRef>
+            </p:style>
+            <p:txBody>
+              <a:bodyPr rot="0" spcFirstLastPara="0" vert="horz" wrap="square" lIns="91440" tIns="45720" rIns="91440" bIns="45720" numCol="1" spcCol="0" rtlCol="0" fromWordArt="0" anchor="ctr" anchorCtr="0" forceAA="0" compatLnSpc="1">
+                <a:prstTxWarp prst="textNoShape">
+                  <a:avLst/>
+                </a:prstTxWarp>
+                <a:noAutofit/>
+              </a:bodyPr>
+              <a:lstStyle/>
+              <a:p>
+                <a:endParaRPr lang="en-US"/>
+              </a:p>
+            </p:txBody>
+          </p:sp>
+          <p:sp>
+            <p:nvSpPr>
+              <p:cNvPr id="61" name="Oval 60">
+                <a:extLst>
+                  <a:ext uri="{FF2B5EF4-FFF2-40B4-BE49-F238E27FC236}">
+                    <a16:creationId xmlns:a16="http://schemas.microsoft.com/office/drawing/2014/main" id="{DBEEB066-09E1-4AD5-B0C8-ACC81D7AF846}"/>
+                  </a:ext>
+                </a:extLst>
+              </p:cNvPr>
+              <p:cNvSpPr/>
+              <p:nvPr/>
+            </p:nvSpPr>
+            <p:spPr>
+              <a:xfrm>
+                <a:off x="3851487" y="2545080"/>
+                <a:ext cx="134620" cy="128905"/>
+              </a:xfrm>
+              <a:prstGeom prst="ellipse">
+                <a:avLst/>
+              </a:prstGeom>
+              <a:solidFill>
+                <a:schemeClr val="accent2">
+                  <a:lumMod val="20000"/>
+                  <a:lumOff val="80000"/>
+                </a:schemeClr>
+              </a:solidFill>
+              <a:ln>
+                <a:solidFill>
+                  <a:schemeClr val="accent1">
+                    <a:lumMod val="60000"/>
+                    <a:lumOff val="40000"/>
+                  </a:schemeClr>
+                </a:solidFill>
+              </a:ln>
+            </p:spPr>
+            <p:style>
+              <a:lnRef idx="2">
+                <a:schemeClr val="accent1">
+                  <a:shade val="50000"/>
+                </a:schemeClr>
+              </a:lnRef>
+              <a:fillRef idx="1">
+                <a:schemeClr val="accent1"/>
+              </a:fillRef>
+              <a:effectRef idx="0">
+                <a:schemeClr val="accent1"/>
+              </a:effectRef>
+              <a:fontRef idx="minor">
+                <a:schemeClr val="lt1"/>
+              </a:fontRef>
+            </p:style>
+            <p:txBody>
+              <a:bodyPr rot="0" spcFirstLastPara="0" vert="horz" wrap="square" lIns="91440" tIns="45720" rIns="91440" bIns="45720" numCol="1" spcCol="0" rtlCol="0" fromWordArt="0" anchor="ctr" anchorCtr="0" forceAA="0" compatLnSpc="1">
+                <a:prstTxWarp prst="textNoShape">
+                  <a:avLst/>
+                </a:prstTxWarp>
+                <a:noAutofit/>
+              </a:bodyPr>
+              <a:lstStyle/>
+              <a:p>
+                <a:endParaRPr lang="en-US"/>
+              </a:p>
+            </p:txBody>
+          </p:sp>
+          <p:sp>
+            <p:nvSpPr>
+              <p:cNvPr id="62" name="Oval 61">
+                <a:extLst>
+                  <a:ext uri="{FF2B5EF4-FFF2-40B4-BE49-F238E27FC236}">
+                    <a16:creationId xmlns:a16="http://schemas.microsoft.com/office/drawing/2014/main" id="{7ADB48A7-600D-427F-A638-4BBC9B52EBAD}"/>
+                  </a:ext>
+                </a:extLst>
+              </p:cNvPr>
+              <p:cNvSpPr/>
+              <p:nvPr/>
+            </p:nvSpPr>
+            <p:spPr>
+              <a:xfrm>
+                <a:off x="4063577" y="2545080"/>
+                <a:ext cx="134620" cy="128905"/>
+              </a:xfrm>
+              <a:prstGeom prst="ellipse">
+                <a:avLst/>
+              </a:prstGeom>
+              <a:solidFill>
+                <a:schemeClr val="accent2">
+                  <a:lumMod val="20000"/>
+                  <a:lumOff val="80000"/>
+                </a:schemeClr>
+              </a:solidFill>
+              <a:ln>
+                <a:solidFill>
+                  <a:schemeClr val="accent1">
+                    <a:lumMod val="60000"/>
+                    <a:lumOff val="40000"/>
+                  </a:schemeClr>
+                </a:solidFill>
+              </a:ln>
+            </p:spPr>
+            <p:style>
+              <a:lnRef idx="2">
+                <a:schemeClr val="accent1">
+                  <a:shade val="50000"/>
+                </a:schemeClr>
+              </a:lnRef>
+              <a:fillRef idx="1">
+                <a:schemeClr val="accent1"/>
+              </a:fillRef>
+              <a:effectRef idx="0">
+                <a:schemeClr val="accent1"/>
+              </a:effectRef>
+              <a:fontRef idx="minor">
+                <a:schemeClr val="lt1"/>
+              </a:fontRef>
+            </p:style>
+            <p:txBody>
+              <a:bodyPr rot="0" spcFirstLastPara="0" vert="horz" wrap="square" lIns="91440" tIns="45720" rIns="91440" bIns="45720" numCol="1" spcCol="0" rtlCol="0" fromWordArt="0" anchor="ctr" anchorCtr="0" forceAA="0" compatLnSpc="1">
+                <a:prstTxWarp prst="textNoShape">
+                  <a:avLst/>
+                </a:prstTxWarp>
+                <a:noAutofit/>
+              </a:bodyPr>
+              <a:lstStyle/>
+              <a:p>
+                <a:endParaRPr lang="en-US"/>
+              </a:p>
+            </p:txBody>
+          </p:sp>
+        </p:grpSp>
+        <p:grpSp>
+          <p:nvGrpSpPr>
+            <p:cNvPr id="43" name="Group 42">
+              <a:extLst>
+                <a:ext uri="{FF2B5EF4-FFF2-40B4-BE49-F238E27FC236}">
+                  <a16:creationId xmlns:a16="http://schemas.microsoft.com/office/drawing/2014/main" id="{4D692AFA-C4B7-4B43-8F6E-938183374ADB}"/>
+                </a:ext>
+              </a:extLst>
+            </p:cNvPr>
+            <p:cNvGrpSpPr/>
+            <p:nvPr/>
+          </p:nvGrpSpPr>
+          <p:grpSpPr>
+            <a:xfrm>
+              <a:off x="3557216" y="3064709"/>
+              <a:ext cx="711200" cy="203835"/>
+              <a:chOff x="3559387" y="2503170"/>
+              <a:chExt cx="711200" cy="203835"/>
+            </a:xfrm>
+          </p:grpSpPr>
+          <p:sp>
+            <p:nvSpPr>
+              <p:cNvPr id="55" name="Rectangle: Rounded Corners 54">
+                <a:extLst>
+                  <a:ext uri="{FF2B5EF4-FFF2-40B4-BE49-F238E27FC236}">
+                    <a16:creationId xmlns:a16="http://schemas.microsoft.com/office/drawing/2014/main" id="{FF6033CA-3114-43A2-84C2-59CC9E97A0EA}"/>
+                  </a:ext>
+                </a:extLst>
+              </p:cNvPr>
+              <p:cNvSpPr/>
+              <p:nvPr/>
+            </p:nvSpPr>
+            <p:spPr>
+              <a:xfrm>
+                <a:off x="3559387" y="2503170"/>
+                <a:ext cx="711200" cy="203835"/>
+              </a:xfrm>
+              <a:prstGeom prst="roundRect">
+                <a:avLst/>
+              </a:prstGeom>
+              <a:noFill/>
+              <a:ln>
+                <a:solidFill>
+                  <a:schemeClr val="tx1"/>
+                </a:solidFill>
+              </a:ln>
+            </p:spPr>
+            <p:style>
+              <a:lnRef idx="2">
+                <a:schemeClr val="accent1">
+                  <a:shade val="50000"/>
+                </a:schemeClr>
+              </a:lnRef>
+              <a:fillRef idx="1">
+                <a:schemeClr val="accent1"/>
+              </a:fillRef>
+              <a:effectRef idx="0">
+                <a:schemeClr val="accent1"/>
+              </a:effectRef>
+              <a:fontRef idx="minor">
+                <a:schemeClr val="lt1"/>
+              </a:fontRef>
+            </p:style>
+            <p:txBody>
+              <a:bodyPr rot="0" spcFirstLastPara="0" vert="horz" wrap="square" lIns="91440" tIns="45720" rIns="91440" bIns="45720" numCol="1" spcCol="0" rtlCol="0" fromWordArt="0" anchor="ctr" anchorCtr="0" forceAA="0" compatLnSpc="1">
+                <a:prstTxWarp prst="textNoShape">
+                  <a:avLst/>
+                </a:prstTxWarp>
+                <a:noAutofit/>
+              </a:bodyPr>
+              <a:lstStyle/>
+              <a:p>
+                <a:endParaRPr lang="en-US"/>
+              </a:p>
+            </p:txBody>
+          </p:sp>
+          <p:sp>
+            <p:nvSpPr>
+              <p:cNvPr id="56" name="Oval 55">
+                <a:extLst>
+                  <a:ext uri="{FF2B5EF4-FFF2-40B4-BE49-F238E27FC236}">
+                    <a16:creationId xmlns:a16="http://schemas.microsoft.com/office/drawing/2014/main" id="{DD974334-9BA3-47C2-8BB9-95AECAAE67E4}"/>
+                  </a:ext>
+                </a:extLst>
+              </p:cNvPr>
+              <p:cNvSpPr/>
+              <p:nvPr/>
+            </p:nvSpPr>
+            <p:spPr>
+              <a:xfrm>
+                <a:off x="3640032" y="2545080"/>
+                <a:ext cx="134620" cy="128905"/>
+              </a:xfrm>
+              <a:prstGeom prst="ellipse">
+                <a:avLst/>
+              </a:prstGeom>
+              <a:solidFill>
+                <a:schemeClr val="accent2">
+                  <a:lumMod val="20000"/>
+                  <a:lumOff val="80000"/>
+                </a:schemeClr>
+              </a:solidFill>
+              <a:ln>
+                <a:solidFill>
+                  <a:schemeClr val="accent1">
+                    <a:lumMod val="60000"/>
+                    <a:lumOff val="40000"/>
+                  </a:schemeClr>
+                </a:solidFill>
+              </a:ln>
+            </p:spPr>
+            <p:style>
+              <a:lnRef idx="2">
+                <a:schemeClr val="accent1">
+                  <a:shade val="50000"/>
+                </a:schemeClr>
+              </a:lnRef>
+              <a:fillRef idx="1">
+                <a:schemeClr val="accent1"/>
+              </a:fillRef>
+              <a:effectRef idx="0">
+                <a:schemeClr val="accent1"/>
+              </a:effectRef>
+              <a:fontRef idx="minor">
+                <a:schemeClr val="lt1"/>
+              </a:fontRef>
+            </p:style>
+            <p:txBody>
+              <a:bodyPr rot="0" spcFirstLastPara="0" vert="horz" wrap="square" lIns="91440" tIns="45720" rIns="91440" bIns="45720" numCol="1" spcCol="0" rtlCol="0" fromWordArt="0" anchor="ctr" anchorCtr="0" forceAA="0" compatLnSpc="1">
+                <a:prstTxWarp prst="textNoShape">
+                  <a:avLst/>
+                </a:prstTxWarp>
+                <a:noAutofit/>
+              </a:bodyPr>
+              <a:lstStyle/>
+              <a:p>
+                <a:endParaRPr lang="en-US"/>
+              </a:p>
+            </p:txBody>
+          </p:sp>
+          <p:sp>
+            <p:nvSpPr>
+              <p:cNvPr id="57" name="Oval 56">
+                <a:extLst>
+                  <a:ext uri="{FF2B5EF4-FFF2-40B4-BE49-F238E27FC236}">
+                    <a16:creationId xmlns:a16="http://schemas.microsoft.com/office/drawing/2014/main" id="{BCE8FA90-E3FF-4041-BBE0-5585613083F3}"/>
+                  </a:ext>
+                </a:extLst>
+              </p:cNvPr>
+              <p:cNvSpPr/>
+              <p:nvPr/>
+            </p:nvSpPr>
+            <p:spPr>
+              <a:xfrm>
+                <a:off x="3851487" y="2545080"/>
+                <a:ext cx="134620" cy="128905"/>
+              </a:xfrm>
+              <a:prstGeom prst="ellipse">
+                <a:avLst/>
+              </a:prstGeom>
+              <a:solidFill>
+                <a:schemeClr val="accent2">
+                  <a:lumMod val="20000"/>
+                  <a:lumOff val="80000"/>
+                </a:schemeClr>
+              </a:solidFill>
+              <a:ln>
+                <a:solidFill>
+                  <a:schemeClr val="accent1">
+                    <a:lumMod val="60000"/>
+                    <a:lumOff val="40000"/>
+                  </a:schemeClr>
+                </a:solidFill>
+              </a:ln>
+            </p:spPr>
+            <p:style>
+              <a:lnRef idx="2">
+                <a:schemeClr val="accent1">
+                  <a:shade val="50000"/>
+                </a:schemeClr>
+              </a:lnRef>
+              <a:fillRef idx="1">
+                <a:schemeClr val="accent1"/>
+              </a:fillRef>
+              <a:effectRef idx="0">
+                <a:schemeClr val="accent1"/>
+              </a:effectRef>
+              <a:fontRef idx="minor">
+                <a:schemeClr val="lt1"/>
+              </a:fontRef>
+            </p:style>
+            <p:txBody>
+              <a:bodyPr rot="0" spcFirstLastPara="0" vert="horz" wrap="square" lIns="91440" tIns="45720" rIns="91440" bIns="45720" numCol="1" spcCol="0" rtlCol="0" fromWordArt="0" anchor="ctr" anchorCtr="0" forceAA="0" compatLnSpc="1">
+                <a:prstTxWarp prst="textNoShape">
+                  <a:avLst/>
+                </a:prstTxWarp>
+                <a:noAutofit/>
+              </a:bodyPr>
+              <a:lstStyle/>
+              <a:p>
+                <a:endParaRPr lang="en-US"/>
+              </a:p>
+            </p:txBody>
+          </p:sp>
+          <p:sp>
+            <p:nvSpPr>
+              <p:cNvPr id="58" name="Oval 57">
+                <a:extLst>
+                  <a:ext uri="{FF2B5EF4-FFF2-40B4-BE49-F238E27FC236}">
+                    <a16:creationId xmlns:a16="http://schemas.microsoft.com/office/drawing/2014/main" id="{9DBD706C-F503-45CC-82A9-D7AD57F1F32E}"/>
+                  </a:ext>
+                </a:extLst>
+              </p:cNvPr>
+              <p:cNvSpPr/>
+              <p:nvPr/>
+            </p:nvSpPr>
+            <p:spPr>
+              <a:xfrm>
+                <a:off x="4063577" y="2545080"/>
+                <a:ext cx="134620" cy="128905"/>
+              </a:xfrm>
+              <a:prstGeom prst="ellipse">
+                <a:avLst/>
+              </a:prstGeom>
+              <a:solidFill>
+                <a:schemeClr val="accent2">
+                  <a:lumMod val="20000"/>
+                  <a:lumOff val="80000"/>
+                </a:schemeClr>
+              </a:solidFill>
+              <a:ln>
+                <a:solidFill>
+                  <a:schemeClr val="accent1">
+                    <a:lumMod val="60000"/>
+                    <a:lumOff val="40000"/>
+                  </a:schemeClr>
+                </a:solidFill>
+              </a:ln>
+            </p:spPr>
+            <p:style>
+              <a:lnRef idx="2">
+                <a:schemeClr val="accent1">
+                  <a:shade val="50000"/>
+                </a:schemeClr>
+              </a:lnRef>
+              <a:fillRef idx="1">
+                <a:schemeClr val="accent1"/>
+              </a:fillRef>
+              <a:effectRef idx="0">
+                <a:schemeClr val="accent1"/>
+              </a:effectRef>
+              <a:fontRef idx="minor">
+                <a:schemeClr val="lt1"/>
+              </a:fontRef>
+            </p:style>
+            <p:txBody>
+              <a:bodyPr rot="0" spcFirstLastPara="0" vert="horz" wrap="square" lIns="91440" tIns="45720" rIns="91440" bIns="45720" numCol="1" spcCol="0" rtlCol="0" fromWordArt="0" anchor="ctr" anchorCtr="0" forceAA="0" compatLnSpc="1">
+                <a:prstTxWarp prst="textNoShape">
+                  <a:avLst/>
+                </a:prstTxWarp>
+                <a:noAutofit/>
+              </a:bodyPr>
+              <a:lstStyle/>
+              <a:p>
+                <a:endParaRPr lang="en-US"/>
+              </a:p>
+            </p:txBody>
+          </p:sp>
+        </p:grpSp>
+        <p:grpSp>
+          <p:nvGrpSpPr>
+            <p:cNvPr id="44" name="Group 43">
+              <a:extLst>
+                <a:ext uri="{FF2B5EF4-FFF2-40B4-BE49-F238E27FC236}">
+                  <a16:creationId xmlns:a16="http://schemas.microsoft.com/office/drawing/2014/main" id="{271F6C86-74C6-49DD-8260-D98A8F2ABF5F}"/>
+                </a:ext>
+              </a:extLst>
+            </p:cNvPr>
+            <p:cNvGrpSpPr/>
+            <p:nvPr/>
+          </p:nvGrpSpPr>
+          <p:grpSpPr>
+            <a:xfrm>
+              <a:off x="3557216" y="3703411"/>
+              <a:ext cx="711200" cy="203835"/>
+              <a:chOff x="3559387" y="2503170"/>
+              <a:chExt cx="711200" cy="203835"/>
+            </a:xfrm>
+          </p:grpSpPr>
+          <p:sp>
+            <p:nvSpPr>
+              <p:cNvPr id="51" name="Rectangle: Rounded Corners 50">
+                <a:extLst>
+                  <a:ext uri="{FF2B5EF4-FFF2-40B4-BE49-F238E27FC236}">
+                    <a16:creationId xmlns:a16="http://schemas.microsoft.com/office/drawing/2014/main" id="{3D316C4A-B8B4-4D80-96E5-9E084920256E}"/>
+                  </a:ext>
+                </a:extLst>
+              </p:cNvPr>
+              <p:cNvSpPr/>
+              <p:nvPr/>
+            </p:nvSpPr>
+            <p:spPr>
+              <a:xfrm>
+                <a:off x="3559387" y="2503170"/>
+                <a:ext cx="711200" cy="203835"/>
+              </a:xfrm>
+              <a:prstGeom prst="roundRect">
+                <a:avLst/>
+              </a:prstGeom>
+              <a:noFill/>
+              <a:ln>
+                <a:solidFill>
+                  <a:schemeClr val="tx1"/>
+                </a:solidFill>
+              </a:ln>
+            </p:spPr>
+            <p:style>
+              <a:lnRef idx="2">
+                <a:schemeClr val="accent1">
+                  <a:shade val="50000"/>
+                </a:schemeClr>
+              </a:lnRef>
+              <a:fillRef idx="1">
+                <a:schemeClr val="accent1"/>
+              </a:fillRef>
+              <a:effectRef idx="0">
+                <a:schemeClr val="accent1"/>
+              </a:effectRef>
+              <a:fontRef idx="minor">
+                <a:schemeClr val="lt1"/>
+              </a:fontRef>
+            </p:style>
+            <p:txBody>
+              <a:bodyPr rot="0" spcFirstLastPara="0" vert="horz" wrap="square" lIns="91440" tIns="45720" rIns="91440" bIns="45720" numCol="1" spcCol="0" rtlCol="0" fromWordArt="0" anchor="ctr" anchorCtr="0" forceAA="0" compatLnSpc="1">
+                <a:prstTxWarp prst="textNoShape">
+                  <a:avLst/>
+                </a:prstTxWarp>
+                <a:noAutofit/>
+              </a:bodyPr>
+              <a:lstStyle/>
+              <a:p>
+                <a:endParaRPr lang="en-US"/>
+              </a:p>
+            </p:txBody>
+          </p:sp>
+          <p:sp>
+            <p:nvSpPr>
+              <p:cNvPr id="52" name="Oval 51">
+                <a:extLst>
+                  <a:ext uri="{FF2B5EF4-FFF2-40B4-BE49-F238E27FC236}">
+                    <a16:creationId xmlns:a16="http://schemas.microsoft.com/office/drawing/2014/main" id="{F48BDB00-F0C3-470C-9271-BEC864E2D8D2}"/>
+                  </a:ext>
+                </a:extLst>
+              </p:cNvPr>
+              <p:cNvSpPr/>
+              <p:nvPr/>
+            </p:nvSpPr>
+            <p:spPr>
+              <a:xfrm>
+                <a:off x="3640032" y="2545080"/>
+                <a:ext cx="134620" cy="128905"/>
+              </a:xfrm>
+              <a:prstGeom prst="ellipse">
+                <a:avLst/>
+              </a:prstGeom>
+              <a:solidFill>
+                <a:schemeClr val="accent2">
+                  <a:lumMod val="20000"/>
+                  <a:lumOff val="80000"/>
+                </a:schemeClr>
+              </a:solidFill>
+              <a:ln>
+                <a:solidFill>
+                  <a:schemeClr val="accent1">
+                    <a:lumMod val="60000"/>
+                    <a:lumOff val="40000"/>
+                  </a:schemeClr>
+                </a:solidFill>
+              </a:ln>
+            </p:spPr>
+            <p:style>
+              <a:lnRef idx="2">
+                <a:schemeClr val="accent1">
+                  <a:shade val="50000"/>
+                </a:schemeClr>
+              </a:lnRef>
+              <a:fillRef idx="1">
+                <a:schemeClr val="accent1"/>
+              </a:fillRef>
+              <a:effectRef idx="0">
+                <a:schemeClr val="accent1"/>
+              </a:effectRef>
+              <a:fontRef idx="minor">
+                <a:schemeClr val="lt1"/>
+              </a:fontRef>
+            </p:style>
+            <p:txBody>
+              <a:bodyPr rot="0" spcFirstLastPara="0" vert="horz" wrap="square" lIns="91440" tIns="45720" rIns="91440" bIns="45720" numCol="1" spcCol="0" rtlCol="0" fromWordArt="0" anchor="ctr" anchorCtr="0" forceAA="0" compatLnSpc="1">
+                <a:prstTxWarp prst="textNoShape">
+                  <a:avLst/>
+                </a:prstTxWarp>
+                <a:noAutofit/>
+              </a:bodyPr>
+              <a:lstStyle/>
+              <a:p>
+                <a:endParaRPr lang="en-US"/>
+              </a:p>
+            </p:txBody>
+          </p:sp>
+          <p:sp>
+            <p:nvSpPr>
+              <p:cNvPr id="53" name="Oval 52">
+                <a:extLst>
+                  <a:ext uri="{FF2B5EF4-FFF2-40B4-BE49-F238E27FC236}">
+                    <a16:creationId xmlns:a16="http://schemas.microsoft.com/office/drawing/2014/main" id="{ADE4811B-26E3-42FA-888D-9CE2FF253341}"/>
+                  </a:ext>
+                </a:extLst>
+              </p:cNvPr>
+              <p:cNvSpPr/>
+              <p:nvPr/>
+            </p:nvSpPr>
+            <p:spPr>
+              <a:xfrm>
+                <a:off x="3851487" y="2545080"/>
+                <a:ext cx="134620" cy="128905"/>
+              </a:xfrm>
+              <a:prstGeom prst="ellipse">
+                <a:avLst/>
+              </a:prstGeom>
+              <a:solidFill>
+                <a:schemeClr val="accent2">
+                  <a:lumMod val="20000"/>
+                  <a:lumOff val="80000"/>
+                </a:schemeClr>
+              </a:solidFill>
+              <a:ln>
+                <a:solidFill>
+                  <a:schemeClr val="accent1">
+                    <a:lumMod val="60000"/>
+                    <a:lumOff val="40000"/>
+                  </a:schemeClr>
+                </a:solidFill>
+              </a:ln>
+            </p:spPr>
+            <p:style>
+              <a:lnRef idx="2">
+                <a:schemeClr val="accent1">
+                  <a:shade val="50000"/>
+                </a:schemeClr>
+              </a:lnRef>
+              <a:fillRef idx="1">
+                <a:schemeClr val="accent1"/>
+              </a:fillRef>
+              <a:effectRef idx="0">
+                <a:schemeClr val="accent1"/>
+              </a:effectRef>
+              <a:fontRef idx="minor">
+                <a:schemeClr val="lt1"/>
+              </a:fontRef>
+            </p:style>
+            <p:txBody>
+              <a:bodyPr rot="0" spcFirstLastPara="0" vert="horz" wrap="square" lIns="91440" tIns="45720" rIns="91440" bIns="45720" numCol="1" spcCol="0" rtlCol="0" fromWordArt="0" anchor="ctr" anchorCtr="0" forceAA="0" compatLnSpc="1">
+                <a:prstTxWarp prst="textNoShape">
+                  <a:avLst/>
+                </a:prstTxWarp>
+                <a:noAutofit/>
+              </a:bodyPr>
+              <a:lstStyle/>
+              <a:p>
+                <a:endParaRPr lang="en-US"/>
+              </a:p>
+            </p:txBody>
+          </p:sp>
+          <p:sp>
+            <p:nvSpPr>
+              <p:cNvPr id="54" name="Oval 53">
+                <a:extLst>
+                  <a:ext uri="{FF2B5EF4-FFF2-40B4-BE49-F238E27FC236}">
+                    <a16:creationId xmlns:a16="http://schemas.microsoft.com/office/drawing/2014/main" id="{680CFE1D-9214-4619-BA82-11A636A07BA0}"/>
+                  </a:ext>
+                </a:extLst>
+              </p:cNvPr>
+              <p:cNvSpPr/>
+              <p:nvPr/>
+            </p:nvSpPr>
+            <p:spPr>
+              <a:xfrm>
+                <a:off x="4063577" y="2545080"/>
+                <a:ext cx="134620" cy="128905"/>
+              </a:xfrm>
+              <a:prstGeom prst="ellipse">
+                <a:avLst/>
+              </a:prstGeom>
+              <a:solidFill>
+                <a:schemeClr val="accent2">
+                  <a:lumMod val="20000"/>
+                  <a:lumOff val="80000"/>
+                </a:schemeClr>
+              </a:solidFill>
+              <a:ln>
+                <a:solidFill>
+                  <a:schemeClr val="accent1">
+                    <a:lumMod val="60000"/>
+                    <a:lumOff val="40000"/>
+                  </a:schemeClr>
+                </a:solidFill>
+              </a:ln>
+            </p:spPr>
+            <p:style>
+              <a:lnRef idx="2">
+                <a:schemeClr val="accent1">
+                  <a:shade val="50000"/>
+                </a:schemeClr>
+              </a:lnRef>
+              <a:fillRef idx="1">
+                <a:schemeClr val="accent1"/>
+              </a:fillRef>
+              <a:effectRef idx="0">
+                <a:schemeClr val="accent1"/>
+              </a:effectRef>
+              <a:fontRef idx="minor">
+                <a:schemeClr val="lt1"/>
+              </a:fontRef>
+            </p:style>
+            <p:txBody>
+              <a:bodyPr rot="0" spcFirstLastPara="0" vert="horz" wrap="square" lIns="91440" tIns="45720" rIns="91440" bIns="45720" numCol="1" spcCol="0" rtlCol="0" fromWordArt="0" anchor="ctr" anchorCtr="0" forceAA="0" compatLnSpc="1">
+                <a:prstTxWarp prst="textNoShape">
+                  <a:avLst/>
+                </a:prstTxWarp>
+                <a:noAutofit/>
+              </a:bodyPr>
+              <a:lstStyle/>
+              <a:p>
+                <a:endParaRPr lang="en-US"/>
+              </a:p>
+            </p:txBody>
+          </p:sp>
+        </p:grpSp>
+        <p:grpSp>
+          <p:nvGrpSpPr>
+            <p:cNvPr id="45" name="Group 44">
+              <a:extLst>
+                <a:ext uri="{FF2B5EF4-FFF2-40B4-BE49-F238E27FC236}">
+                  <a16:creationId xmlns:a16="http://schemas.microsoft.com/office/drawing/2014/main" id="{FA4826E6-25FD-49E2-BC94-D48069C2551D}"/>
+                </a:ext>
+              </a:extLst>
+            </p:cNvPr>
+            <p:cNvGrpSpPr/>
+            <p:nvPr/>
+          </p:nvGrpSpPr>
+          <p:grpSpPr>
+            <a:xfrm>
+              <a:off x="3547425" y="4089057"/>
+              <a:ext cx="711200" cy="203835"/>
+              <a:chOff x="3559387" y="2503170"/>
+              <a:chExt cx="711200" cy="203835"/>
+            </a:xfrm>
+          </p:grpSpPr>
+          <p:sp>
+            <p:nvSpPr>
+              <p:cNvPr id="47" name="Rectangle: Rounded Corners 46">
+                <a:extLst>
+                  <a:ext uri="{FF2B5EF4-FFF2-40B4-BE49-F238E27FC236}">
+                    <a16:creationId xmlns:a16="http://schemas.microsoft.com/office/drawing/2014/main" id="{67E404A8-E6F1-40AD-922C-5B0290EF76DB}"/>
+                  </a:ext>
+                </a:extLst>
+              </p:cNvPr>
+              <p:cNvSpPr/>
+              <p:nvPr/>
+            </p:nvSpPr>
+            <p:spPr>
+              <a:xfrm>
+                <a:off x="3559387" y="2503170"/>
+                <a:ext cx="711200" cy="203835"/>
+              </a:xfrm>
+              <a:prstGeom prst="roundRect">
+                <a:avLst/>
+              </a:prstGeom>
+              <a:noFill/>
+              <a:ln>
+                <a:solidFill>
+                  <a:schemeClr val="tx1"/>
+                </a:solidFill>
+              </a:ln>
+            </p:spPr>
+            <p:style>
+              <a:lnRef idx="2">
+                <a:schemeClr val="accent1">
+                  <a:shade val="50000"/>
+                </a:schemeClr>
+              </a:lnRef>
+              <a:fillRef idx="1">
+                <a:schemeClr val="accent1"/>
+              </a:fillRef>
+              <a:effectRef idx="0">
+                <a:schemeClr val="accent1"/>
+              </a:effectRef>
+              <a:fontRef idx="minor">
+                <a:schemeClr val="lt1"/>
+              </a:fontRef>
+            </p:style>
+            <p:txBody>
+              <a:bodyPr rot="0" spcFirstLastPara="0" vert="horz" wrap="square" lIns="91440" tIns="45720" rIns="91440" bIns="45720" numCol="1" spcCol="0" rtlCol="0" fromWordArt="0" anchor="ctr" anchorCtr="0" forceAA="0" compatLnSpc="1">
+                <a:prstTxWarp prst="textNoShape">
+                  <a:avLst/>
+                </a:prstTxWarp>
+                <a:noAutofit/>
+              </a:bodyPr>
+              <a:lstStyle/>
+              <a:p>
+                <a:endParaRPr lang="en-US"/>
+              </a:p>
+            </p:txBody>
+          </p:sp>
+          <p:sp>
+            <p:nvSpPr>
+              <p:cNvPr id="48" name="Oval 47">
+                <a:extLst>
+                  <a:ext uri="{FF2B5EF4-FFF2-40B4-BE49-F238E27FC236}">
+                    <a16:creationId xmlns:a16="http://schemas.microsoft.com/office/drawing/2014/main" id="{24290721-4BB0-4F5E-8017-2667E7D6E4C8}"/>
+                  </a:ext>
+                </a:extLst>
+              </p:cNvPr>
+              <p:cNvSpPr/>
+              <p:nvPr/>
+            </p:nvSpPr>
+            <p:spPr>
+              <a:xfrm>
+                <a:off x="3640032" y="2545080"/>
+                <a:ext cx="134620" cy="128905"/>
+              </a:xfrm>
+              <a:prstGeom prst="ellipse">
+                <a:avLst/>
+              </a:prstGeom>
+              <a:solidFill>
+                <a:schemeClr val="accent2">
+                  <a:lumMod val="20000"/>
+                  <a:lumOff val="80000"/>
+                </a:schemeClr>
+              </a:solidFill>
+              <a:ln>
+                <a:solidFill>
+                  <a:schemeClr val="accent1">
+                    <a:lumMod val="60000"/>
+                    <a:lumOff val="40000"/>
+                  </a:schemeClr>
+                </a:solidFill>
+              </a:ln>
+            </p:spPr>
+            <p:style>
+              <a:lnRef idx="2">
+                <a:schemeClr val="accent1">
+                  <a:shade val="50000"/>
+                </a:schemeClr>
+              </a:lnRef>
+              <a:fillRef idx="1">
+                <a:schemeClr val="accent1"/>
+              </a:fillRef>
+              <a:effectRef idx="0">
+                <a:schemeClr val="accent1"/>
+              </a:effectRef>
+              <a:fontRef idx="minor">
+                <a:schemeClr val="lt1"/>
+              </a:fontRef>
+            </p:style>
+            <p:txBody>
+              <a:bodyPr rot="0" spcFirstLastPara="0" vert="horz" wrap="square" lIns="91440" tIns="45720" rIns="91440" bIns="45720" numCol="1" spcCol="0" rtlCol="0" fromWordArt="0" anchor="ctr" anchorCtr="0" forceAA="0" compatLnSpc="1">
+                <a:prstTxWarp prst="textNoShape">
+                  <a:avLst/>
+                </a:prstTxWarp>
+                <a:noAutofit/>
+              </a:bodyPr>
+              <a:lstStyle/>
+              <a:p>
+                <a:endParaRPr lang="en-US"/>
+              </a:p>
+            </p:txBody>
+          </p:sp>
+          <p:sp>
+            <p:nvSpPr>
+              <p:cNvPr id="49" name="Oval 48">
+                <a:extLst>
+                  <a:ext uri="{FF2B5EF4-FFF2-40B4-BE49-F238E27FC236}">
+                    <a16:creationId xmlns:a16="http://schemas.microsoft.com/office/drawing/2014/main" id="{BE5B4187-A07D-4D88-B8A7-804FE3231BAF}"/>
+                  </a:ext>
+                </a:extLst>
+              </p:cNvPr>
+              <p:cNvSpPr/>
+              <p:nvPr/>
+            </p:nvSpPr>
+            <p:spPr>
+              <a:xfrm>
+                <a:off x="3851487" y="2545080"/>
+                <a:ext cx="134620" cy="128905"/>
+              </a:xfrm>
+              <a:prstGeom prst="ellipse">
+                <a:avLst/>
+              </a:prstGeom>
+              <a:solidFill>
+                <a:schemeClr val="accent2">
+                  <a:lumMod val="20000"/>
+                  <a:lumOff val="80000"/>
+                </a:schemeClr>
+              </a:solidFill>
+              <a:ln>
+                <a:solidFill>
+                  <a:schemeClr val="accent1">
+                    <a:lumMod val="60000"/>
+                    <a:lumOff val="40000"/>
+                  </a:schemeClr>
+                </a:solidFill>
+              </a:ln>
+            </p:spPr>
+            <p:style>
+              <a:lnRef idx="2">
+                <a:schemeClr val="accent1">
+                  <a:shade val="50000"/>
+                </a:schemeClr>
+              </a:lnRef>
+              <a:fillRef idx="1">
+                <a:schemeClr val="accent1"/>
+              </a:fillRef>
+              <a:effectRef idx="0">
+                <a:schemeClr val="accent1"/>
+              </a:effectRef>
+              <a:fontRef idx="minor">
+                <a:schemeClr val="lt1"/>
+              </a:fontRef>
+            </p:style>
+            <p:txBody>
+              <a:bodyPr rot="0" spcFirstLastPara="0" vert="horz" wrap="square" lIns="91440" tIns="45720" rIns="91440" bIns="45720" numCol="1" spcCol="0" rtlCol="0" fromWordArt="0" anchor="ctr" anchorCtr="0" forceAA="0" compatLnSpc="1">
+                <a:prstTxWarp prst="textNoShape">
+                  <a:avLst/>
+                </a:prstTxWarp>
+                <a:noAutofit/>
+              </a:bodyPr>
+              <a:lstStyle/>
+              <a:p>
+                <a:endParaRPr lang="en-US"/>
+              </a:p>
+            </p:txBody>
+          </p:sp>
+          <p:sp>
+            <p:nvSpPr>
+              <p:cNvPr id="50" name="Oval 49">
+                <a:extLst>
+                  <a:ext uri="{FF2B5EF4-FFF2-40B4-BE49-F238E27FC236}">
+                    <a16:creationId xmlns:a16="http://schemas.microsoft.com/office/drawing/2014/main" id="{327E4A96-80C6-40AD-9F0B-801F6B2FF711}"/>
+                  </a:ext>
+                </a:extLst>
+              </p:cNvPr>
+              <p:cNvSpPr/>
+              <p:nvPr/>
+            </p:nvSpPr>
+            <p:spPr>
+              <a:xfrm>
+                <a:off x="4063577" y="2545080"/>
+                <a:ext cx="134620" cy="128905"/>
+              </a:xfrm>
+              <a:prstGeom prst="ellipse">
+                <a:avLst/>
+              </a:prstGeom>
+              <a:solidFill>
+                <a:schemeClr val="accent2">
+                  <a:lumMod val="20000"/>
+                  <a:lumOff val="80000"/>
+                </a:schemeClr>
+              </a:solidFill>
+              <a:ln>
+                <a:solidFill>
+                  <a:schemeClr val="accent1">
+                    <a:lumMod val="60000"/>
+                    <a:lumOff val="40000"/>
+                  </a:schemeClr>
+                </a:solidFill>
+              </a:ln>
+            </p:spPr>
+            <p:style>
+              <a:lnRef idx="2">
+                <a:schemeClr val="accent1">
+                  <a:shade val="50000"/>
+                </a:schemeClr>
+              </a:lnRef>
+              <a:fillRef idx="1">
+                <a:schemeClr val="accent1"/>
+              </a:fillRef>
+              <a:effectRef idx="0">
+                <a:schemeClr val="accent1"/>
+              </a:effectRef>
+              <a:fontRef idx="minor">
+                <a:schemeClr val="lt1"/>
+              </a:fontRef>
+            </p:style>
+            <p:txBody>
+              <a:bodyPr rot="0" spcFirstLastPara="0" vert="horz" wrap="square" lIns="91440" tIns="45720" rIns="91440" bIns="45720" numCol="1" spcCol="0" rtlCol="0" fromWordArt="0" anchor="ctr" anchorCtr="0" forceAA="0" compatLnSpc="1">
+                <a:prstTxWarp prst="textNoShape">
+                  <a:avLst/>
+                </a:prstTxWarp>
+                <a:noAutofit/>
+              </a:bodyPr>
+              <a:lstStyle/>
+              <a:p>
+                <a:endParaRPr lang="en-US"/>
+              </a:p>
+            </p:txBody>
+          </p:sp>
+        </p:grpSp>
+        <p:sp>
+          <p:nvSpPr>
+            <p:cNvPr id="46" name="TextBox 45">
+              <a:extLst>
+                <a:ext uri="{FF2B5EF4-FFF2-40B4-BE49-F238E27FC236}">
+                  <a16:creationId xmlns:a16="http://schemas.microsoft.com/office/drawing/2014/main" id="{FCDAE5D3-0FE4-495B-9E28-03161F358F18}"/>
+                </a:ext>
+              </a:extLst>
+            </p:cNvPr>
+            <p:cNvSpPr txBox="1"/>
+            <p:nvPr/>
+          </p:nvSpPr>
+          <p:spPr>
+            <a:xfrm>
+              <a:off x="3748522" y="3243174"/>
+              <a:ext cx="343364" cy="369332"/>
+            </a:xfrm>
+            <a:prstGeom prst="rect">
+              <a:avLst/>
+            </a:prstGeom>
+            <a:noFill/>
+          </p:spPr>
+          <p:txBody>
+            <a:bodyPr wrap="none" rtlCol="0">
+              <a:spAutoFit/>
+            </a:bodyPr>
+            <a:lstStyle/>
+            <a:p>
+              <a:r>
+                <a:rPr lang="en-US" dirty="0"/>
+                <a:t>…</a:t>
+              </a:r>
+            </a:p>
+          </p:txBody>
+        </p:sp>
+      </p:grpSp>
+      <p:sp>
+        <p:nvSpPr>
+          <p:cNvPr id="85" name="TextBox 84">
+            <a:extLst>
+              <a:ext uri="{FF2B5EF4-FFF2-40B4-BE49-F238E27FC236}">
+                <a16:creationId xmlns:a16="http://schemas.microsoft.com/office/drawing/2014/main" id="{BDF2BD93-5BFD-441E-8718-BEEC9608E8FE}"/>
+              </a:ext>
+            </a:extLst>
+          </p:cNvPr>
+          <p:cNvSpPr txBox="1"/>
+          <p:nvPr/>
+        </p:nvSpPr>
+        <p:spPr>
+          <a:xfrm>
+            <a:off x="2446480" y="4585303"/>
+            <a:ext cx="1686166" cy="923330"/>
+          </a:xfrm>
+          <a:prstGeom prst="rect">
+            <a:avLst/>
+          </a:prstGeom>
+          <a:noFill/>
+        </p:spPr>
+        <p:txBody>
+          <a:bodyPr wrap="none" rtlCol="0">
+            <a:spAutoFit/>
+          </a:bodyPr>
+          <a:lstStyle/>
+          <a:p>
+            <a:pPr algn="ctr"/>
+            <a:r>
+              <a:rPr lang="en-US" dirty="0"/>
+              <a:t>Missing-Feature</a:t>
+            </a:r>
+          </a:p>
+          <a:p>
+            <a:pPr algn="ctr"/>
+            <a:r>
+              <a:rPr lang="en-US" dirty="0"/>
+              <a:t>Representation</a:t>
+            </a:r>
+          </a:p>
+          <a:p>
+            <a:pPr algn="ctr"/>
+            <a:r>
+              <a:rPr lang="en-US" dirty="0"/>
+              <a:t>Vectors</a:t>
+            </a:r>
+          </a:p>
+        </p:txBody>
+      </p:sp>
+      <p:sp>
+        <p:nvSpPr>
+          <p:cNvPr id="86" name="TextBox 85">
+            <a:extLst>
+              <a:ext uri="{FF2B5EF4-FFF2-40B4-BE49-F238E27FC236}">
+                <a16:creationId xmlns:a16="http://schemas.microsoft.com/office/drawing/2014/main" id="{D71AEBFD-B11C-41DD-8B4A-6417C6555484}"/>
+              </a:ext>
+            </a:extLst>
+          </p:cNvPr>
+          <p:cNvSpPr txBox="1"/>
+          <p:nvPr/>
+        </p:nvSpPr>
+        <p:spPr>
+          <a:xfrm>
+            <a:off x="5131729" y="1594384"/>
+            <a:ext cx="1928541" cy="646331"/>
+          </a:xfrm>
+          <a:prstGeom prst="rect">
+            <a:avLst/>
+          </a:prstGeom>
+          <a:noFill/>
+        </p:spPr>
+        <p:txBody>
+          <a:bodyPr wrap="square" rtlCol="0">
+            <a:spAutoFit/>
+          </a:bodyPr>
+          <a:lstStyle/>
+          <a:p>
+            <a:pPr algn="ctr"/>
+            <a:r>
+              <a:rPr lang="en-US" dirty="0"/>
+              <a:t>To Variable Type </a:t>
+            </a:r>
+          </a:p>
+          <a:p>
+            <a:pPr algn="ctr"/>
+            <a:r>
+              <a:rPr lang="en-US" dirty="0"/>
+              <a:t>Generation Model</a:t>
+            </a:r>
+          </a:p>
+        </p:txBody>
+      </p:sp>
+      <p:sp>
+        <p:nvSpPr>
+          <p:cNvPr id="87" name="Rectangle 86">
+            <a:extLst>
+              <a:ext uri="{FF2B5EF4-FFF2-40B4-BE49-F238E27FC236}">
+                <a16:creationId xmlns:a16="http://schemas.microsoft.com/office/drawing/2014/main" id="{4AE1CADC-9F95-4EE8-B45F-F6DBF0EDD59A}"/>
+              </a:ext>
+            </a:extLst>
+          </p:cNvPr>
+          <p:cNvSpPr/>
+          <p:nvPr/>
+        </p:nvSpPr>
+        <p:spPr>
+          <a:xfrm>
+            <a:off x="5457150" y="3928424"/>
+            <a:ext cx="436326" cy="1610870"/>
+          </a:xfrm>
+          <a:prstGeom prst="rect">
+            <a:avLst/>
+          </a:prstGeom>
+          <a:ln/>
+          <a:effectLst>
+            <a:outerShdw blurRad="50800" dist="38100" dir="2700000" algn="tl" rotWithShape="0">
+              <a:prstClr val="black">
+                <a:alpha val="40000"/>
+              </a:prstClr>
+            </a:outerShdw>
+          </a:effectLst>
+        </p:spPr>
+        <p:style>
+          <a:lnRef idx="1">
+            <a:schemeClr val="accent6"/>
+          </a:lnRef>
+          <a:fillRef idx="2">
+            <a:schemeClr val="accent6"/>
+          </a:fillRef>
+          <a:effectRef idx="1">
+            <a:schemeClr val="accent6"/>
+          </a:effectRef>
+          <a:fontRef idx="minor">
+            <a:schemeClr val="dk1"/>
+          </a:fontRef>
+        </p:style>
+        <p:txBody>
+          <a:bodyPr rtlCol="0" anchor="ctr"/>
+          <a:lstStyle/>
+          <a:p>
+            <a:pPr algn="ctr"/>
+            <a:endParaRPr lang="en-US" dirty="0"/>
+          </a:p>
+        </p:txBody>
+      </p:sp>
+      <p:sp>
+        <p:nvSpPr>
+          <p:cNvPr id="88" name="TextBox 87">
+            <a:extLst>
+              <a:ext uri="{FF2B5EF4-FFF2-40B4-BE49-F238E27FC236}">
+                <a16:creationId xmlns:a16="http://schemas.microsoft.com/office/drawing/2014/main" id="{ED95EFEE-5C76-4437-A99D-78570D13E300}"/>
+              </a:ext>
+            </a:extLst>
+          </p:cNvPr>
+          <p:cNvSpPr txBox="1"/>
+          <p:nvPr/>
+        </p:nvSpPr>
+        <p:spPr>
+          <a:xfrm>
+            <a:off x="5174268" y="3209694"/>
+            <a:ext cx="977832" cy="646331"/>
+          </a:xfrm>
+          <a:prstGeom prst="rect">
+            <a:avLst/>
+          </a:prstGeom>
+          <a:noFill/>
+        </p:spPr>
+        <p:txBody>
+          <a:bodyPr wrap="none" rtlCol="0">
+            <a:spAutoFit/>
+          </a:bodyPr>
+          <a:lstStyle/>
+          <a:p>
+            <a:pPr algn="ctr"/>
+            <a:r>
+              <a:rPr lang="en-US" dirty="0"/>
+              <a:t>GRU</a:t>
+            </a:r>
+          </a:p>
+          <a:p>
+            <a:pPr algn="ctr"/>
+            <a:r>
+              <a:rPr lang="en-US" dirty="0"/>
+              <a:t>Decoder</a:t>
+            </a:r>
+          </a:p>
+        </p:txBody>
+      </p:sp>
+      <p:sp>
+        <p:nvSpPr>
+          <p:cNvPr id="89" name="Rectangle 88">
+            <a:extLst>
+              <a:ext uri="{FF2B5EF4-FFF2-40B4-BE49-F238E27FC236}">
+                <a16:creationId xmlns:a16="http://schemas.microsoft.com/office/drawing/2014/main" id="{B3ABC764-9F6C-4CB9-8282-9F6946E932B4}"/>
+              </a:ext>
+            </a:extLst>
+          </p:cNvPr>
+          <p:cNvSpPr/>
+          <p:nvPr/>
+        </p:nvSpPr>
+        <p:spPr>
+          <a:xfrm>
+            <a:off x="6623944" y="3928424"/>
+            <a:ext cx="436326" cy="1610870"/>
+          </a:xfrm>
+          <a:prstGeom prst="rect">
+            <a:avLst/>
+          </a:prstGeom>
+          <a:solidFill>
+            <a:schemeClr val="accent5">
+              <a:lumMod val="20000"/>
+              <a:lumOff val="80000"/>
+            </a:schemeClr>
+          </a:solidFill>
+          <a:ln>
+            <a:solidFill>
+              <a:srgbClr val="0070C0"/>
+            </a:solidFill>
+          </a:ln>
+        </p:spPr>
+        <p:style>
+          <a:lnRef idx="2">
+            <a:schemeClr val="accent1">
+              <a:shade val="50000"/>
+            </a:schemeClr>
+          </a:lnRef>
+          <a:fillRef idx="1">
+            <a:schemeClr val="accent1"/>
+          </a:fillRef>
+          <a:effectRef idx="0">
+            <a:schemeClr val="accent1"/>
+          </a:effectRef>
+          <a:fontRef idx="minor">
+            <a:schemeClr val="lt1"/>
+          </a:fontRef>
+        </p:style>
+        <p:txBody>
+          <a:bodyPr rtlCol="0" anchor="ctr"/>
+          <a:lstStyle/>
+          <a:p>
+            <a:pPr algn="ctr"/>
+            <a:endParaRPr lang="en-US"/>
+          </a:p>
+        </p:txBody>
+      </p:sp>
+      <p:sp>
+        <p:nvSpPr>
+          <p:cNvPr id="90" name="TextBox 89">
+            <a:extLst>
+              <a:ext uri="{FF2B5EF4-FFF2-40B4-BE49-F238E27FC236}">
+                <a16:creationId xmlns:a16="http://schemas.microsoft.com/office/drawing/2014/main" id="{A54495A0-A138-46A8-90B9-3D8C90E2A997}"/>
+              </a:ext>
+            </a:extLst>
+          </p:cNvPr>
+          <p:cNvSpPr txBox="1"/>
+          <p:nvPr/>
+        </p:nvSpPr>
+        <p:spPr>
+          <a:xfrm>
+            <a:off x="6286953" y="3209694"/>
+            <a:ext cx="1080039" cy="646331"/>
+          </a:xfrm>
+          <a:prstGeom prst="rect">
+            <a:avLst/>
+          </a:prstGeom>
+          <a:noFill/>
+        </p:spPr>
+        <p:txBody>
+          <a:bodyPr wrap="none" rtlCol="0">
+            <a:spAutoFit/>
+          </a:bodyPr>
+          <a:lstStyle/>
+          <a:p>
+            <a:pPr algn="ctr"/>
+            <a:r>
+              <a:rPr lang="en-US" dirty="0"/>
+              <a:t>Predicted</a:t>
+            </a:r>
+          </a:p>
+          <a:p>
+            <a:pPr algn="ctr"/>
+            <a:r>
+              <a:rPr lang="en-US" dirty="0"/>
+              <a:t>Names</a:t>
+            </a:r>
+          </a:p>
+        </p:txBody>
+      </p:sp>
+      <p:sp>
+        <p:nvSpPr>
+          <p:cNvPr id="91" name="TextBox 90">
+            <a:extLst>
+              <a:ext uri="{FF2B5EF4-FFF2-40B4-BE49-F238E27FC236}">
+                <a16:creationId xmlns:a16="http://schemas.microsoft.com/office/drawing/2014/main" id="{F69D2426-7A44-404E-89AE-36ACD467EE11}"/>
+              </a:ext>
+            </a:extLst>
+          </p:cNvPr>
+          <p:cNvSpPr txBox="1"/>
+          <p:nvPr/>
+        </p:nvSpPr>
+        <p:spPr>
+          <a:xfrm>
+            <a:off x="6620024" y="3912690"/>
+            <a:ext cx="450764" cy="369332"/>
+          </a:xfrm>
+          <a:prstGeom prst="rect">
+            <a:avLst/>
+          </a:prstGeom>
+          <a:noFill/>
+        </p:spPr>
+        <p:txBody>
+          <a:bodyPr wrap="none" rtlCol="0">
+            <a:spAutoFit/>
+          </a:bodyPr>
+          <a:lstStyle/>
+          <a:p>
+            <a:r>
+              <a:rPr lang="en-US" dirty="0"/>
+              <a:t>N1</a:t>
+            </a:r>
+          </a:p>
+        </p:txBody>
+      </p:sp>
+      <p:sp>
+        <p:nvSpPr>
+          <p:cNvPr id="92" name="TextBox 91">
+            <a:extLst>
+              <a:ext uri="{FF2B5EF4-FFF2-40B4-BE49-F238E27FC236}">
+                <a16:creationId xmlns:a16="http://schemas.microsoft.com/office/drawing/2014/main" id="{EEE447DC-C366-43C5-A0A8-285D4A3F86BE}"/>
+              </a:ext>
+            </a:extLst>
+          </p:cNvPr>
+          <p:cNvSpPr txBox="1"/>
+          <p:nvPr/>
+        </p:nvSpPr>
+        <p:spPr>
+          <a:xfrm>
+            <a:off x="6620975" y="4229311"/>
+            <a:ext cx="450764" cy="369332"/>
+          </a:xfrm>
+          <a:prstGeom prst="rect">
+            <a:avLst/>
+          </a:prstGeom>
+          <a:noFill/>
+        </p:spPr>
+        <p:txBody>
+          <a:bodyPr wrap="none" rtlCol="0">
+            <a:spAutoFit/>
+          </a:bodyPr>
+          <a:lstStyle/>
+          <a:p>
+            <a:r>
+              <a:rPr lang="en-US" dirty="0"/>
+              <a:t>N2</a:t>
+            </a:r>
+          </a:p>
+        </p:txBody>
+      </p:sp>
+      <p:sp>
+        <p:nvSpPr>
+          <p:cNvPr id="93" name="TextBox 92">
+            <a:extLst>
+              <a:ext uri="{FF2B5EF4-FFF2-40B4-BE49-F238E27FC236}">
+                <a16:creationId xmlns:a16="http://schemas.microsoft.com/office/drawing/2014/main" id="{57C81594-566F-4BAD-9BAD-8D413AF91D6F}"/>
+              </a:ext>
+            </a:extLst>
+          </p:cNvPr>
+          <p:cNvSpPr txBox="1"/>
+          <p:nvPr/>
+        </p:nvSpPr>
+        <p:spPr>
+          <a:xfrm>
+            <a:off x="6670425" y="4620700"/>
+            <a:ext cx="343364" cy="369332"/>
+          </a:xfrm>
+          <a:prstGeom prst="rect">
+            <a:avLst/>
+          </a:prstGeom>
+          <a:noFill/>
+        </p:spPr>
+        <p:txBody>
+          <a:bodyPr wrap="none" rtlCol="0">
+            <a:spAutoFit/>
+          </a:bodyPr>
+          <a:lstStyle/>
+          <a:p>
+            <a:r>
+              <a:rPr lang="en-US" dirty="0"/>
+              <a:t>…</a:t>
+            </a:r>
+          </a:p>
+        </p:txBody>
+      </p:sp>
+      <p:sp>
+        <p:nvSpPr>
+          <p:cNvPr id="94" name="Rectangle 93">
+            <a:extLst>
+              <a:ext uri="{FF2B5EF4-FFF2-40B4-BE49-F238E27FC236}">
+                <a16:creationId xmlns:a16="http://schemas.microsoft.com/office/drawing/2014/main" id="{4CF78E2C-9142-4000-84AA-AF4057B0FD8E}"/>
+              </a:ext>
+            </a:extLst>
+          </p:cNvPr>
+          <p:cNvSpPr/>
+          <p:nvPr/>
+        </p:nvSpPr>
+        <p:spPr>
+          <a:xfrm>
+            <a:off x="7786818" y="3928424"/>
+            <a:ext cx="436326" cy="1610870"/>
+          </a:xfrm>
+          <a:prstGeom prst="rect">
+            <a:avLst/>
+          </a:prstGeom>
+          <a:solidFill>
+            <a:schemeClr val="accent2">
+              <a:lumMod val="40000"/>
+              <a:lumOff val="60000"/>
+            </a:schemeClr>
+          </a:solidFill>
+          <a:ln/>
+          <a:effectLst>
+            <a:outerShdw blurRad="50800" dist="38100" dir="2700000" algn="tl" rotWithShape="0">
+              <a:prstClr val="black">
+                <a:alpha val="40000"/>
+              </a:prstClr>
+            </a:outerShdw>
+          </a:effectLst>
+        </p:spPr>
+        <p:style>
+          <a:lnRef idx="1">
+            <a:schemeClr val="accent6"/>
+          </a:lnRef>
+          <a:fillRef idx="2">
+            <a:schemeClr val="accent6"/>
+          </a:fillRef>
+          <a:effectRef idx="1">
+            <a:schemeClr val="accent6"/>
+          </a:effectRef>
+          <a:fontRef idx="minor">
+            <a:schemeClr val="dk1"/>
+          </a:fontRef>
+        </p:style>
+        <p:txBody>
+          <a:bodyPr rtlCol="0" anchor="ctr"/>
+          <a:lstStyle/>
+          <a:p>
+            <a:pPr algn="ctr"/>
+            <a:endParaRPr lang="en-US" dirty="0"/>
+          </a:p>
+        </p:txBody>
+      </p:sp>
+      <p:sp>
+        <p:nvSpPr>
+          <p:cNvPr id="95" name="TextBox 94">
+            <a:extLst>
+              <a:ext uri="{FF2B5EF4-FFF2-40B4-BE49-F238E27FC236}">
+                <a16:creationId xmlns:a16="http://schemas.microsoft.com/office/drawing/2014/main" id="{64158782-8F25-4F36-89CA-CC3C31494752}"/>
+              </a:ext>
+            </a:extLst>
+          </p:cNvPr>
+          <p:cNvSpPr txBox="1"/>
+          <p:nvPr/>
+        </p:nvSpPr>
+        <p:spPr>
+          <a:xfrm>
+            <a:off x="7488786" y="3212004"/>
+            <a:ext cx="1031051" cy="646331"/>
+          </a:xfrm>
+          <a:prstGeom prst="rect">
+            <a:avLst/>
+          </a:prstGeom>
+          <a:noFill/>
+        </p:spPr>
+        <p:txBody>
+          <a:bodyPr wrap="none" rtlCol="0">
+            <a:spAutoFit/>
+          </a:bodyPr>
+          <a:lstStyle/>
+          <a:p>
+            <a:pPr algn="ctr"/>
+            <a:r>
+              <a:rPr lang="en-US" dirty="0"/>
+              <a:t>Name </a:t>
+            </a:r>
+          </a:p>
+          <a:p>
+            <a:pPr algn="ctr"/>
+            <a:r>
+              <a:rPr lang="en-US" dirty="0"/>
+              <a:t>Checking</a:t>
+            </a:r>
+          </a:p>
+        </p:txBody>
+      </p:sp>
+      <p:sp>
+        <p:nvSpPr>
+          <p:cNvPr id="96" name="Rectangle 95">
+            <a:extLst>
+              <a:ext uri="{FF2B5EF4-FFF2-40B4-BE49-F238E27FC236}">
+                <a16:creationId xmlns:a16="http://schemas.microsoft.com/office/drawing/2014/main" id="{99FCBC9B-C493-4103-8652-9562BCC3CA92}"/>
+              </a:ext>
+            </a:extLst>
+          </p:cNvPr>
+          <p:cNvSpPr/>
+          <p:nvPr/>
+        </p:nvSpPr>
+        <p:spPr>
+          <a:xfrm>
+            <a:off x="8938223" y="3938929"/>
+            <a:ext cx="436326" cy="1610870"/>
+          </a:xfrm>
+          <a:prstGeom prst="rect">
+            <a:avLst/>
+          </a:prstGeom>
+          <a:solidFill>
+            <a:schemeClr val="accent5">
+              <a:lumMod val="20000"/>
+              <a:lumOff val="80000"/>
+            </a:schemeClr>
+          </a:solidFill>
+          <a:ln>
+            <a:solidFill>
+              <a:srgbClr val="0070C0"/>
+            </a:solidFill>
+          </a:ln>
+        </p:spPr>
+        <p:style>
+          <a:lnRef idx="2">
+            <a:schemeClr val="accent1">
+              <a:shade val="50000"/>
+            </a:schemeClr>
+          </a:lnRef>
+          <a:fillRef idx="1">
+            <a:schemeClr val="accent1"/>
+          </a:fillRef>
+          <a:effectRef idx="0">
+            <a:schemeClr val="accent1"/>
+          </a:effectRef>
+          <a:fontRef idx="minor">
+            <a:schemeClr val="lt1"/>
+          </a:fontRef>
+        </p:style>
+        <p:txBody>
+          <a:bodyPr rtlCol="0" anchor="ctr"/>
+          <a:lstStyle/>
+          <a:p>
+            <a:pPr algn="ctr"/>
+            <a:endParaRPr lang="en-US"/>
+          </a:p>
+        </p:txBody>
+      </p:sp>
+      <p:sp>
+        <p:nvSpPr>
+          <p:cNvPr id="97" name="TextBox 96">
+            <a:extLst>
+              <a:ext uri="{FF2B5EF4-FFF2-40B4-BE49-F238E27FC236}">
+                <a16:creationId xmlns:a16="http://schemas.microsoft.com/office/drawing/2014/main" id="{33C760A8-4E88-4694-9A88-D4844ED837D9}"/>
+              </a:ext>
+            </a:extLst>
+          </p:cNvPr>
+          <p:cNvSpPr txBox="1"/>
+          <p:nvPr/>
+        </p:nvSpPr>
+        <p:spPr>
+          <a:xfrm>
+            <a:off x="8724310" y="3220199"/>
+            <a:ext cx="833883" cy="646331"/>
+          </a:xfrm>
+          <a:prstGeom prst="rect">
+            <a:avLst/>
+          </a:prstGeom>
+          <a:noFill/>
+        </p:spPr>
+        <p:txBody>
+          <a:bodyPr wrap="none" rtlCol="0">
+            <a:spAutoFit/>
+          </a:bodyPr>
+          <a:lstStyle/>
+          <a:p>
+            <a:pPr algn="ctr"/>
+            <a:r>
+              <a:rPr lang="en-US" dirty="0"/>
+              <a:t>Final</a:t>
+            </a:r>
+          </a:p>
+          <a:p>
+            <a:pPr algn="ctr"/>
+            <a:r>
+              <a:rPr lang="en-US" dirty="0"/>
+              <a:t>Names</a:t>
+            </a:r>
+          </a:p>
+        </p:txBody>
+      </p:sp>
+      <p:sp>
+        <p:nvSpPr>
+          <p:cNvPr id="98" name="TextBox 97">
+            <a:extLst>
+              <a:ext uri="{FF2B5EF4-FFF2-40B4-BE49-F238E27FC236}">
+                <a16:creationId xmlns:a16="http://schemas.microsoft.com/office/drawing/2014/main" id="{2E571D84-CEF9-44E4-918E-928EE66F0D1E}"/>
+              </a:ext>
+            </a:extLst>
+          </p:cNvPr>
+          <p:cNvSpPr txBox="1"/>
+          <p:nvPr/>
+        </p:nvSpPr>
+        <p:spPr>
+          <a:xfrm>
+            <a:off x="8893614" y="3919606"/>
+            <a:ext cx="566181" cy="369332"/>
+          </a:xfrm>
+          <a:prstGeom prst="rect">
+            <a:avLst/>
+          </a:prstGeom>
+          <a:noFill/>
+        </p:spPr>
+        <p:txBody>
+          <a:bodyPr wrap="none" rtlCol="0">
+            <a:spAutoFit/>
+          </a:bodyPr>
+          <a:lstStyle/>
+          <a:p>
+            <a:r>
+              <a:rPr lang="en-US" dirty="0"/>
+              <a:t>N1*</a:t>
+            </a:r>
+          </a:p>
+        </p:txBody>
+      </p:sp>
+      <p:sp>
+        <p:nvSpPr>
+          <p:cNvPr id="99" name="TextBox 98">
+            <a:extLst>
+              <a:ext uri="{FF2B5EF4-FFF2-40B4-BE49-F238E27FC236}">
+                <a16:creationId xmlns:a16="http://schemas.microsoft.com/office/drawing/2014/main" id="{1DD3E74E-0589-48E3-AC29-961EE2F0B505}"/>
+              </a:ext>
+            </a:extLst>
+          </p:cNvPr>
+          <p:cNvSpPr txBox="1"/>
+          <p:nvPr/>
+        </p:nvSpPr>
+        <p:spPr>
+          <a:xfrm>
+            <a:off x="8908162" y="4239816"/>
+            <a:ext cx="566181" cy="369332"/>
+          </a:xfrm>
+          <a:prstGeom prst="rect">
+            <a:avLst/>
+          </a:prstGeom>
+          <a:noFill/>
+        </p:spPr>
+        <p:txBody>
+          <a:bodyPr wrap="none" rtlCol="0">
+            <a:spAutoFit/>
+          </a:bodyPr>
+          <a:lstStyle/>
+          <a:p>
+            <a:r>
+              <a:rPr lang="en-US" dirty="0"/>
+              <a:t>N2*</a:t>
+            </a:r>
+          </a:p>
+        </p:txBody>
+      </p:sp>
+      <p:sp>
+        <p:nvSpPr>
+          <p:cNvPr id="100" name="TextBox 99">
+            <a:extLst>
+              <a:ext uri="{FF2B5EF4-FFF2-40B4-BE49-F238E27FC236}">
+                <a16:creationId xmlns:a16="http://schemas.microsoft.com/office/drawing/2014/main" id="{1F666038-EC46-41C0-BF89-0765A61BCBEC}"/>
+              </a:ext>
+            </a:extLst>
+          </p:cNvPr>
+          <p:cNvSpPr txBox="1"/>
+          <p:nvPr/>
+        </p:nvSpPr>
+        <p:spPr>
+          <a:xfrm>
+            <a:off x="8984704" y="4631205"/>
+            <a:ext cx="343364" cy="369332"/>
+          </a:xfrm>
+          <a:prstGeom prst="rect">
+            <a:avLst/>
+          </a:prstGeom>
+          <a:noFill/>
+        </p:spPr>
+        <p:txBody>
+          <a:bodyPr wrap="none" rtlCol="0">
+            <a:spAutoFit/>
+          </a:bodyPr>
+          <a:lstStyle/>
+          <a:p>
+            <a:r>
+              <a:rPr lang="en-US" dirty="0"/>
+              <a:t>…</a:t>
+            </a:r>
+          </a:p>
+        </p:txBody>
+      </p:sp>
+      <p:cxnSp>
+        <p:nvCxnSpPr>
+          <p:cNvPr id="101" name="Straight Arrow Connector 100">
+            <a:extLst>
+              <a:ext uri="{FF2B5EF4-FFF2-40B4-BE49-F238E27FC236}">
+                <a16:creationId xmlns:a16="http://schemas.microsoft.com/office/drawing/2014/main" id="{5DCED083-DB8D-4F8A-8E09-3FFDAADC526E}"/>
+              </a:ext>
+            </a:extLst>
+          </p:cNvPr>
+          <p:cNvCxnSpPr>
+            <a:cxnSpLocks/>
+          </p:cNvCxnSpPr>
+          <p:nvPr/>
+        </p:nvCxnSpPr>
+        <p:spPr>
+          <a:xfrm>
+            <a:off x="1519364" y="3520975"/>
+            <a:ext cx="371628" cy="0"/>
+          </a:xfrm>
+          <a:prstGeom prst="straightConnector1">
+            <a:avLst/>
+          </a:prstGeom>
+          <a:ln w="19050">
+            <a:tailEnd type="triangle"/>
+          </a:ln>
+        </p:spPr>
+        <p:style>
+          <a:lnRef idx="1">
+            <a:schemeClr val="accent1"/>
+          </a:lnRef>
+          <a:fillRef idx="0">
+            <a:schemeClr val="accent1"/>
+          </a:fillRef>
+          <a:effectRef idx="0">
+            <a:schemeClr val="accent1"/>
+          </a:effectRef>
+          <a:fontRef idx="minor">
+            <a:schemeClr val="tx1"/>
+          </a:fontRef>
+        </p:style>
+      </p:cxnSp>
+      <p:cxnSp>
+        <p:nvCxnSpPr>
+          <p:cNvPr id="103" name="Straight Arrow Connector 102">
+            <a:extLst>
+              <a:ext uri="{FF2B5EF4-FFF2-40B4-BE49-F238E27FC236}">
+                <a16:creationId xmlns:a16="http://schemas.microsoft.com/office/drawing/2014/main" id="{EC8E8842-C366-4C48-BD59-E47907DFC8F7}"/>
+              </a:ext>
+            </a:extLst>
+          </p:cNvPr>
+          <p:cNvCxnSpPr>
+            <a:stCxn id="16" idx="3"/>
+          </p:cNvCxnSpPr>
+          <p:nvPr/>
+        </p:nvCxnSpPr>
+        <p:spPr>
+          <a:xfrm flipV="1">
+            <a:off x="3488267" y="2434553"/>
+            <a:ext cx="673832" cy="1089372"/>
+          </a:xfrm>
+          <a:prstGeom prst="straightConnector1">
+            <a:avLst/>
+          </a:prstGeom>
+          <a:ln w="19050">
+            <a:tailEnd type="triangle"/>
+          </a:ln>
+        </p:spPr>
+        <p:style>
+          <a:lnRef idx="1">
+            <a:schemeClr val="accent1"/>
+          </a:lnRef>
+          <a:fillRef idx="0">
+            <a:schemeClr val="accent1"/>
+          </a:fillRef>
+          <a:effectRef idx="0">
+            <a:schemeClr val="accent1"/>
+          </a:effectRef>
+          <a:fontRef idx="minor">
+            <a:schemeClr val="tx1"/>
+          </a:fontRef>
+        </p:style>
+      </p:cxnSp>
+      <p:cxnSp>
+        <p:nvCxnSpPr>
+          <p:cNvPr id="105" name="Connector: Elbow 104">
+            <a:extLst>
+              <a:ext uri="{FF2B5EF4-FFF2-40B4-BE49-F238E27FC236}">
+                <a16:creationId xmlns:a16="http://schemas.microsoft.com/office/drawing/2014/main" id="{D813AC20-05C5-4B67-A58C-490034B10C39}"/>
+              </a:ext>
+            </a:extLst>
+          </p:cNvPr>
+          <p:cNvCxnSpPr>
+            <a:cxnSpLocks/>
+            <a:endCxn id="86" idx="2"/>
+          </p:cNvCxnSpPr>
+          <p:nvPr/>
+        </p:nvCxnSpPr>
+        <p:spPr>
+          <a:xfrm flipV="1">
+            <a:off x="5080000" y="2240715"/>
+            <a:ext cx="1016000" cy="320366"/>
+          </a:xfrm>
+          <a:prstGeom prst="bentConnector2">
+            <a:avLst/>
+          </a:prstGeom>
+          <a:ln w="19050">
+            <a:tailEnd type="triangle"/>
+          </a:ln>
+        </p:spPr>
+        <p:style>
+          <a:lnRef idx="1">
+            <a:schemeClr val="accent1"/>
+          </a:lnRef>
+          <a:fillRef idx="0">
+            <a:schemeClr val="accent1"/>
+          </a:fillRef>
+          <a:effectRef idx="0">
+            <a:schemeClr val="accent1"/>
+          </a:effectRef>
+          <a:fontRef idx="minor">
+            <a:schemeClr val="tx1"/>
+          </a:fontRef>
+        </p:style>
+      </p:cxnSp>
+      <p:cxnSp>
+        <p:nvCxnSpPr>
+          <p:cNvPr id="108" name="Straight Arrow Connector 107">
+            <a:extLst>
+              <a:ext uri="{FF2B5EF4-FFF2-40B4-BE49-F238E27FC236}">
+                <a16:creationId xmlns:a16="http://schemas.microsoft.com/office/drawing/2014/main" id="{4C1D4A03-2110-43CE-AB4D-2C0CEBE8917E}"/>
+              </a:ext>
+            </a:extLst>
+          </p:cNvPr>
+          <p:cNvCxnSpPr>
+            <a:stCxn id="16" idx="3"/>
+          </p:cNvCxnSpPr>
+          <p:nvPr/>
+        </p:nvCxnSpPr>
+        <p:spPr>
+          <a:xfrm>
+            <a:off x="3488267" y="3523925"/>
+            <a:ext cx="623366" cy="1034735"/>
+          </a:xfrm>
+          <a:prstGeom prst="straightConnector1">
+            <a:avLst/>
+          </a:prstGeom>
+          <a:ln w="19050">
+            <a:tailEnd type="triangle"/>
+          </a:ln>
+        </p:spPr>
+        <p:style>
+          <a:lnRef idx="1">
+            <a:schemeClr val="accent1"/>
+          </a:lnRef>
+          <a:fillRef idx="0">
+            <a:schemeClr val="accent1"/>
+          </a:fillRef>
+          <a:effectRef idx="0">
+            <a:schemeClr val="accent1"/>
+          </a:effectRef>
+          <a:fontRef idx="minor">
+            <a:schemeClr val="tx1"/>
+          </a:fontRef>
+        </p:style>
+      </p:cxnSp>
+      <p:cxnSp>
+        <p:nvCxnSpPr>
+          <p:cNvPr id="109" name="Straight Arrow Connector 108">
+            <a:extLst>
+              <a:ext uri="{FF2B5EF4-FFF2-40B4-BE49-F238E27FC236}">
+                <a16:creationId xmlns:a16="http://schemas.microsoft.com/office/drawing/2014/main" id="{701CDFBA-42AB-4579-9B72-EE3F9FD1A7B3}"/>
+              </a:ext>
+            </a:extLst>
+          </p:cNvPr>
+          <p:cNvCxnSpPr>
+            <a:cxnSpLocks/>
+          </p:cNvCxnSpPr>
+          <p:nvPr/>
+        </p:nvCxnSpPr>
+        <p:spPr>
+          <a:xfrm>
+            <a:off x="5080000" y="4733859"/>
+            <a:ext cx="371628" cy="0"/>
+          </a:xfrm>
+          <a:prstGeom prst="straightConnector1">
+            <a:avLst/>
+          </a:prstGeom>
+          <a:ln w="19050">
+            <a:tailEnd type="triangle"/>
+          </a:ln>
+        </p:spPr>
+        <p:style>
+          <a:lnRef idx="1">
+            <a:schemeClr val="accent1"/>
+          </a:lnRef>
+          <a:fillRef idx="0">
+            <a:schemeClr val="accent1"/>
+          </a:fillRef>
+          <a:effectRef idx="0">
+            <a:schemeClr val="accent1"/>
+          </a:effectRef>
+          <a:fontRef idx="minor">
+            <a:schemeClr val="tx1"/>
+          </a:fontRef>
+        </p:style>
+      </p:cxnSp>
+      <p:cxnSp>
+        <p:nvCxnSpPr>
+          <p:cNvPr id="110" name="Straight Arrow Connector 109">
+            <a:extLst>
+              <a:ext uri="{FF2B5EF4-FFF2-40B4-BE49-F238E27FC236}">
+                <a16:creationId xmlns:a16="http://schemas.microsoft.com/office/drawing/2014/main" id="{83D7EB43-99AE-44CD-B9BE-5B1110E9CC4A}"/>
+              </a:ext>
+            </a:extLst>
+          </p:cNvPr>
+          <p:cNvCxnSpPr>
+            <a:cxnSpLocks/>
+            <a:stCxn id="87" idx="3"/>
+            <a:endCxn id="89" idx="1"/>
+          </p:cNvCxnSpPr>
+          <p:nvPr/>
+        </p:nvCxnSpPr>
+        <p:spPr>
+          <a:xfrm>
+            <a:off x="5893476" y="4733859"/>
+            <a:ext cx="730468" cy="0"/>
+          </a:xfrm>
+          <a:prstGeom prst="straightConnector1">
+            <a:avLst/>
+          </a:prstGeom>
+          <a:ln w="19050">
+            <a:tailEnd type="triangle"/>
+          </a:ln>
+        </p:spPr>
+        <p:style>
+          <a:lnRef idx="1">
+            <a:schemeClr val="accent1"/>
+          </a:lnRef>
+          <a:fillRef idx="0">
+            <a:schemeClr val="accent1"/>
+          </a:fillRef>
+          <a:effectRef idx="0">
+            <a:schemeClr val="accent1"/>
+          </a:effectRef>
+          <a:fontRef idx="minor">
+            <a:schemeClr val="tx1"/>
+          </a:fontRef>
+        </p:style>
+      </p:cxnSp>
+      <p:cxnSp>
+        <p:nvCxnSpPr>
+          <p:cNvPr id="116" name="Straight Arrow Connector 115">
+            <a:extLst>
+              <a:ext uri="{FF2B5EF4-FFF2-40B4-BE49-F238E27FC236}">
+                <a16:creationId xmlns:a16="http://schemas.microsoft.com/office/drawing/2014/main" id="{490E58B6-7263-43D0-B894-2EEEE0347743}"/>
+              </a:ext>
+            </a:extLst>
+          </p:cNvPr>
+          <p:cNvCxnSpPr>
+            <a:cxnSpLocks/>
+          </p:cNvCxnSpPr>
+          <p:nvPr/>
+        </p:nvCxnSpPr>
+        <p:spPr>
+          <a:xfrm>
+            <a:off x="7070788" y="4733859"/>
+            <a:ext cx="730468" cy="0"/>
+          </a:xfrm>
+          <a:prstGeom prst="straightConnector1">
+            <a:avLst/>
+          </a:prstGeom>
+          <a:ln w="19050">
+            <a:tailEnd type="triangle"/>
+          </a:ln>
+        </p:spPr>
+        <p:style>
+          <a:lnRef idx="1">
+            <a:schemeClr val="accent1"/>
+          </a:lnRef>
+          <a:fillRef idx="0">
+            <a:schemeClr val="accent1"/>
+          </a:fillRef>
+          <a:effectRef idx="0">
+            <a:schemeClr val="accent1"/>
+          </a:effectRef>
+          <a:fontRef idx="minor">
+            <a:schemeClr val="tx1"/>
+          </a:fontRef>
+        </p:style>
+      </p:cxnSp>
+      <p:cxnSp>
+        <p:nvCxnSpPr>
+          <p:cNvPr id="117" name="Straight Arrow Connector 116">
+            <a:extLst>
+              <a:ext uri="{FF2B5EF4-FFF2-40B4-BE49-F238E27FC236}">
+                <a16:creationId xmlns:a16="http://schemas.microsoft.com/office/drawing/2014/main" id="{B4A49520-9B24-4318-82EE-B3288907EA89}"/>
+              </a:ext>
+            </a:extLst>
+          </p:cNvPr>
+          <p:cNvCxnSpPr>
+            <a:cxnSpLocks/>
+          </p:cNvCxnSpPr>
+          <p:nvPr/>
+        </p:nvCxnSpPr>
+        <p:spPr>
+          <a:xfrm>
+            <a:off x="8223144" y="4744364"/>
+            <a:ext cx="730468" cy="0"/>
+          </a:xfrm>
+          <a:prstGeom prst="straightConnector1">
+            <a:avLst/>
+          </a:prstGeom>
+          <a:ln w="19050">
+            <a:tailEnd type="triangle"/>
+          </a:ln>
+        </p:spPr>
+        <p:style>
+          <a:lnRef idx="1">
+            <a:schemeClr val="accent1"/>
+          </a:lnRef>
+          <a:fillRef idx="0">
+            <a:schemeClr val="accent1"/>
+          </a:fillRef>
+          <a:effectRef idx="0">
+            <a:schemeClr val="accent1"/>
+          </a:effectRef>
+          <a:fontRef idx="minor">
+            <a:schemeClr val="tx1"/>
+          </a:fontRef>
+        </p:style>
+      </p:cxnSp>
+      <p:sp>
+        <p:nvSpPr>
+          <p:cNvPr id="2" name="TextBox 1">
+            <a:extLst>
+              <a:ext uri="{FF2B5EF4-FFF2-40B4-BE49-F238E27FC236}">
+                <a16:creationId xmlns:a16="http://schemas.microsoft.com/office/drawing/2014/main" id="{044D2E26-74CA-0915-2DB2-61A0EC96321B}"/>
+              </a:ext>
+            </a:extLst>
+          </p:cNvPr>
+          <p:cNvSpPr txBox="1"/>
+          <p:nvPr/>
+        </p:nvSpPr>
+        <p:spPr>
+          <a:xfrm>
+            <a:off x="293341" y="2507617"/>
+            <a:ext cx="760208" cy="369332"/>
+          </a:xfrm>
+          <a:prstGeom prst="rect">
+            <a:avLst/>
+          </a:prstGeom>
+          <a:noFill/>
+        </p:spPr>
+        <p:txBody>
+          <a:bodyPr wrap="none" rtlCol="0">
+            <a:spAutoFit/>
+          </a:bodyPr>
+          <a:lstStyle/>
+          <a:p>
+            <a:r>
+              <a:rPr lang="en-US" dirty="0"/>
+              <a:t>Graph</a:t>
+            </a:r>
+          </a:p>
+        </p:txBody>
+      </p:sp>
+    </p:spTree>
+    <p:extLst>
+      <p:ext uri="{BB962C8B-B14F-4D97-AF65-F5344CB8AC3E}">
+        <p14:creationId xmlns:p14="http://schemas.microsoft.com/office/powerpoint/2010/main" val="1273081125"/>
+      </p:ext>
+    </p:extLst>
+  </p:cSld>
+  <p:clrMapOvr>
+    <a:masterClrMapping/>
+  </p:clrMapOvr>
+</p:sld>
+</file>
+
 <file path=ppt/theme/theme1.xml><?xml version="1.0" encoding="utf-8"?>
 <a:theme xmlns:a="http://schemas.openxmlformats.org/drawingml/2006/main" name="Office Theme">
   <a:themeElements>

--- a/figures/figures.pptx
+++ b/figures/figures.pptx
@@ -13,6 +13,8 @@
     <p:sldId id="261" r:id="rId7"/>
     <p:sldId id="262" r:id="rId8"/>
     <p:sldId id="263" r:id="rId9"/>
+    <p:sldId id="264" r:id="rId10"/>
+    <p:sldId id="265" r:id="rId11"/>
   </p:sldIdLst>
   <p:sldSz cx="12192000" cy="6858000"/>
   <p:notesSz cx="6858000" cy="9144000"/>
@@ -3387,6 +3389,66 @@
     <p:extLst>
       <p:ext uri="{BB962C8B-B14F-4D97-AF65-F5344CB8AC3E}">
         <p14:creationId xmlns:p14="http://schemas.microsoft.com/office/powerpoint/2010/main" val="2213039012"/>
+      </p:ext>
+    </p:extLst>
+  </p:cSld>
+  <p:clrMapOvr>
+    <a:masterClrMapping/>
+  </p:clrMapOvr>
+</p:sld>
+</file>
+
+<file path=ppt/slides/slide10.xml><?xml version="1.0" encoding="utf-8"?>
+<p:sld xmlns:a="http://schemas.openxmlformats.org/drawingml/2006/main" xmlns:r="http://schemas.openxmlformats.org/officeDocument/2006/relationships" xmlns:p="http://schemas.openxmlformats.org/presentationml/2006/main">
+  <p:cSld>
+    <p:spTree>
+      <p:nvGrpSpPr>
+        <p:cNvPr id="1" name=""/>
+        <p:cNvGrpSpPr/>
+        <p:nvPr/>
+      </p:nvGrpSpPr>
+      <p:grpSpPr>
+        <a:xfrm>
+          <a:off x="0" y="0"/>
+          <a:ext cx="0" cy="0"/>
+          <a:chOff x="0" y="0"/>
+          <a:chExt cx="0" cy="0"/>
+        </a:xfrm>
+      </p:grpSpPr>
+      <p:sp>
+        <p:nvSpPr>
+          <p:cNvPr id="2" name="Title 1">
+            <a:extLst>
+              <a:ext uri="{FF2B5EF4-FFF2-40B4-BE49-F238E27FC236}">
+                <a16:creationId xmlns:a16="http://schemas.microsoft.com/office/drawing/2014/main" id="{0F4E9BB2-E7A3-FA4D-A2C8-36BADAAF4AE0}"/>
+              </a:ext>
+            </a:extLst>
+          </p:cNvPr>
+          <p:cNvSpPr>
+            <a:spLocks noGrp="1"/>
+          </p:cNvSpPr>
+          <p:nvPr>
+            <p:ph type="title"/>
+          </p:nvPr>
+        </p:nvSpPr>
+        <p:spPr>
+          <a:xfrm>
+            <a:off x="0" y="0"/>
+            <a:ext cx="10515600" cy="1325563"/>
+          </a:xfrm>
+        </p:spPr>
+        <p:txBody>
+          <a:bodyPr/>
+          <a:lstStyle/>
+          <a:p>
+            <a:endParaRPr lang="en-US"/>
+          </a:p>
+        </p:txBody>
+      </p:sp>
+    </p:spTree>
+    <p:extLst>
+      <p:ext uri="{BB962C8B-B14F-4D97-AF65-F5344CB8AC3E}">
+        <p14:creationId xmlns:p14="http://schemas.microsoft.com/office/powerpoint/2010/main" val="969528821"/>
       </p:ext>
     </p:extLst>
   </p:cSld>
@@ -27504,6 +27566,1469 @@
 </p:sld>
 </file>
 
+<file path=ppt/slides/slide9.xml><?xml version="1.0" encoding="utf-8"?>
+<p:sld xmlns:a="http://schemas.openxmlformats.org/drawingml/2006/main" xmlns:r="http://schemas.openxmlformats.org/officeDocument/2006/relationships" xmlns:p="http://schemas.openxmlformats.org/presentationml/2006/main">
+  <p:cSld>
+    <p:spTree>
+      <p:nvGrpSpPr>
+        <p:cNvPr id="1" name=""/>
+        <p:cNvGrpSpPr/>
+        <p:nvPr/>
+      </p:nvGrpSpPr>
+      <p:grpSpPr>
+        <a:xfrm>
+          <a:off x="0" y="0"/>
+          <a:ext cx="0" cy="0"/>
+          <a:chOff x="0" y="0"/>
+          <a:chExt cx="0" cy="0"/>
+        </a:xfrm>
+      </p:grpSpPr>
+      <p:sp>
+        <p:nvSpPr>
+          <p:cNvPr id="2" name="Title 1">
+            <a:extLst>
+              <a:ext uri="{FF2B5EF4-FFF2-40B4-BE49-F238E27FC236}">
+                <a16:creationId xmlns:a16="http://schemas.microsoft.com/office/drawing/2014/main" id="{67F68743-4E9B-2B5B-CDB4-8CC1661CE498}"/>
+              </a:ext>
+            </a:extLst>
+          </p:cNvPr>
+          <p:cNvSpPr>
+            <a:spLocks noGrp="1"/>
+          </p:cNvSpPr>
+          <p:nvPr>
+            <p:ph type="title"/>
+          </p:nvPr>
+        </p:nvSpPr>
+        <p:spPr>
+          <a:xfrm>
+            <a:off x="0" y="-29136"/>
+            <a:ext cx="10515600" cy="1325563"/>
+          </a:xfrm>
+        </p:spPr>
+        <p:txBody>
+          <a:bodyPr/>
+          <a:lstStyle/>
+          <a:p>
+            <a:r>
+              <a:rPr lang="en-US" dirty="0"/>
+              <a:t>Type Dependency Graph</a:t>
+            </a:r>
+          </a:p>
+        </p:txBody>
+      </p:sp>
+      <p:sp>
+        <p:nvSpPr>
+          <p:cNvPr id="4" name="Rectangle: Rounded Corners 3">
+            <a:extLst>
+              <a:ext uri="{FF2B5EF4-FFF2-40B4-BE49-F238E27FC236}">
+                <a16:creationId xmlns:a16="http://schemas.microsoft.com/office/drawing/2014/main" id="{CA1F39E4-A527-A537-37EE-E2BFE4460FD6}"/>
+              </a:ext>
+            </a:extLst>
+          </p:cNvPr>
+          <p:cNvSpPr/>
+          <p:nvPr/>
+        </p:nvSpPr>
+        <p:spPr>
+          <a:xfrm>
+            <a:off x="5692879" y="3334106"/>
+            <a:ext cx="1415844" cy="788521"/>
+          </a:xfrm>
+          <a:prstGeom prst="roundRect">
+            <a:avLst/>
+          </a:prstGeom>
+          <a:solidFill>
+            <a:schemeClr val="accent5">
+              <a:lumMod val="20000"/>
+              <a:lumOff val="80000"/>
+            </a:schemeClr>
+          </a:solidFill>
+          <a:ln>
+            <a:solidFill>
+              <a:schemeClr val="accent5">
+                <a:lumMod val="75000"/>
+              </a:schemeClr>
+            </a:solidFill>
+          </a:ln>
+        </p:spPr>
+        <p:style>
+          <a:lnRef idx="2">
+            <a:schemeClr val="accent1">
+              <a:shade val="50000"/>
+            </a:schemeClr>
+          </a:lnRef>
+          <a:fillRef idx="1">
+            <a:schemeClr val="accent1"/>
+          </a:fillRef>
+          <a:effectRef idx="0">
+            <a:schemeClr val="accent1"/>
+          </a:effectRef>
+          <a:fontRef idx="minor">
+            <a:schemeClr val="lt1"/>
+          </a:fontRef>
+        </p:style>
+        <p:txBody>
+          <a:bodyPr rtlCol="0" anchor="ctr"/>
+          <a:lstStyle/>
+          <a:p>
+            <a:pPr algn="ctr"/>
+            <a:r>
+              <a:rPr lang="en-US" altLang="zh-CN" dirty="0">
+                <a:solidFill>
+                  <a:schemeClr val="tx1"/>
+                </a:solidFill>
+              </a:rPr>
+              <a:t>p1(5)</a:t>
+            </a:r>
+          </a:p>
+          <a:p>
+            <a:pPr algn="ctr"/>
+            <a:r>
+              <a:rPr lang="en-US" dirty="0">
+                <a:solidFill>
+                  <a:srgbClr val="FF0000"/>
+                </a:solidFill>
+              </a:rPr>
+              <a:t>Null</a:t>
+            </a:r>
+          </a:p>
+        </p:txBody>
+      </p:sp>
+      <p:sp>
+        <p:nvSpPr>
+          <p:cNvPr id="5" name="Rectangle: Rounded Corners 4">
+            <a:extLst>
+              <a:ext uri="{FF2B5EF4-FFF2-40B4-BE49-F238E27FC236}">
+                <a16:creationId xmlns:a16="http://schemas.microsoft.com/office/drawing/2014/main" id="{428073A7-2ECF-864D-99C4-2740AF3D0DFF}"/>
+              </a:ext>
+            </a:extLst>
+          </p:cNvPr>
+          <p:cNvSpPr/>
+          <p:nvPr/>
+        </p:nvSpPr>
+        <p:spPr>
+          <a:xfrm>
+            <a:off x="5692879" y="4402112"/>
+            <a:ext cx="1415844" cy="788521"/>
+          </a:xfrm>
+          <a:prstGeom prst="roundRect">
+            <a:avLst/>
+          </a:prstGeom>
+          <a:solidFill>
+            <a:schemeClr val="accent2">
+              <a:lumMod val="20000"/>
+              <a:lumOff val="80000"/>
+            </a:schemeClr>
+          </a:solidFill>
+          <a:ln>
+            <a:solidFill>
+              <a:schemeClr val="accent2">
+                <a:lumMod val="75000"/>
+              </a:schemeClr>
+            </a:solidFill>
+          </a:ln>
+        </p:spPr>
+        <p:style>
+          <a:lnRef idx="2">
+            <a:schemeClr val="accent1">
+              <a:shade val="50000"/>
+            </a:schemeClr>
+          </a:lnRef>
+          <a:fillRef idx="1">
+            <a:schemeClr val="accent1"/>
+          </a:fillRef>
+          <a:effectRef idx="0">
+            <a:schemeClr val="accent1"/>
+          </a:effectRef>
+          <a:fontRef idx="minor">
+            <a:schemeClr val="lt1"/>
+          </a:fontRef>
+        </p:style>
+        <p:txBody>
+          <a:bodyPr rtlCol="0" anchor="ctr"/>
+          <a:lstStyle/>
+          <a:p>
+            <a:pPr algn="ctr"/>
+            <a:r>
+              <a:rPr lang="en-US" altLang="zh-CN" dirty="0" err="1">
+                <a:solidFill>
+                  <a:schemeClr val="tx1"/>
+                </a:solidFill>
+              </a:rPr>
+              <a:t>Dict_write</a:t>
+            </a:r>
+            <a:endParaRPr lang="en-US" dirty="0">
+              <a:solidFill>
+                <a:srgbClr val="FF0000"/>
+              </a:solidFill>
+            </a:endParaRPr>
+          </a:p>
+        </p:txBody>
+      </p:sp>
+      <p:sp>
+        <p:nvSpPr>
+          <p:cNvPr id="6" name="Rectangle: Rounded Corners 5">
+            <a:extLst>
+              <a:ext uri="{FF2B5EF4-FFF2-40B4-BE49-F238E27FC236}">
+                <a16:creationId xmlns:a16="http://schemas.microsoft.com/office/drawing/2014/main" id="{76A8187A-E841-1A68-C629-F4FD6B5D709F}"/>
+              </a:ext>
+            </a:extLst>
+          </p:cNvPr>
+          <p:cNvSpPr/>
+          <p:nvPr/>
+        </p:nvSpPr>
+        <p:spPr>
+          <a:xfrm>
+            <a:off x="5692879" y="5466676"/>
+            <a:ext cx="1415844" cy="788521"/>
+          </a:xfrm>
+          <a:prstGeom prst="roundRect">
+            <a:avLst/>
+          </a:prstGeom>
+          <a:solidFill>
+            <a:schemeClr val="accent5">
+              <a:lumMod val="20000"/>
+              <a:lumOff val="80000"/>
+            </a:schemeClr>
+          </a:solidFill>
+          <a:ln>
+            <a:solidFill>
+              <a:schemeClr val="accent5">
+                <a:lumMod val="75000"/>
+              </a:schemeClr>
+            </a:solidFill>
+          </a:ln>
+        </p:spPr>
+        <p:style>
+          <a:lnRef idx="2">
+            <a:schemeClr val="accent1">
+              <a:shade val="50000"/>
+            </a:schemeClr>
+          </a:lnRef>
+          <a:fillRef idx="1">
+            <a:schemeClr val="accent1"/>
+          </a:fillRef>
+          <a:effectRef idx="0">
+            <a:schemeClr val="accent1"/>
+          </a:effectRef>
+          <a:fontRef idx="minor">
+            <a:schemeClr val="lt1"/>
+          </a:fontRef>
+        </p:style>
+        <p:txBody>
+          <a:bodyPr rtlCol="0" anchor="ctr"/>
+          <a:lstStyle/>
+          <a:p>
+            <a:pPr algn="ctr"/>
+            <a:r>
+              <a:rPr lang="en-US" altLang="zh-CN" dirty="0">
+                <a:solidFill>
+                  <a:schemeClr val="tx1"/>
+                </a:solidFill>
+              </a:rPr>
+              <a:t>p2(11)</a:t>
+            </a:r>
+          </a:p>
+          <a:p>
+            <a:pPr algn="ctr"/>
+            <a:r>
+              <a:rPr lang="en-US" dirty="0" err="1">
+                <a:solidFill>
+                  <a:srgbClr val="FF0000"/>
+                </a:solidFill>
+              </a:rPr>
+              <a:t>Dict</a:t>
+            </a:r>
+            <a:r>
+              <a:rPr lang="en-US" dirty="0">
+                <a:solidFill>
+                  <a:srgbClr val="FF0000"/>
+                </a:solidFill>
+              </a:rPr>
+              <a:t>[str, int]</a:t>
+            </a:r>
+          </a:p>
+        </p:txBody>
+      </p:sp>
+      <p:sp>
+        <p:nvSpPr>
+          <p:cNvPr id="7" name="Rectangle: Rounded Corners 6">
+            <a:extLst>
+              <a:ext uri="{FF2B5EF4-FFF2-40B4-BE49-F238E27FC236}">
+                <a16:creationId xmlns:a16="http://schemas.microsoft.com/office/drawing/2014/main" id="{24E622FB-C5D6-F4AB-5801-8C37CCCB7536}"/>
+              </a:ext>
+            </a:extLst>
+          </p:cNvPr>
+          <p:cNvSpPr/>
+          <p:nvPr/>
+        </p:nvSpPr>
+        <p:spPr>
+          <a:xfrm>
+            <a:off x="3244645" y="1201536"/>
+            <a:ext cx="1415844" cy="788521"/>
+          </a:xfrm>
+          <a:prstGeom prst="roundRect">
+            <a:avLst/>
+          </a:prstGeom>
+          <a:solidFill>
+            <a:schemeClr val="accent5">
+              <a:lumMod val="20000"/>
+              <a:lumOff val="80000"/>
+            </a:schemeClr>
+          </a:solidFill>
+          <a:ln>
+            <a:solidFill>
+              <a:schemeClr val="accent5">
+                <a:lumMod val="75000"/>
+              </a:schemeClr>
+            </a:solidFill>
+          </a:ln>
+        </p:spPr>
+        <p:style>
+          <a:lnRef idx="2">
+            <a:schemeClr val="accent1">
+              <a:shade val="50000"/>
+            </a:schemeClr>
+          </a:lnRef>
+          <a:fillRef idx="1">
+            <a:schemeClr val="accent1"/>
+          </a:fillRef>
+          <a:effectRef idx="0">
+            <a:schemeClr val="accent1"/>
+          </a:effectRef>
+          <a:fontRef idx="minor">
+            <a:schemeClr val="lt1"/>
+          </a:fontRef>
+        </p:style>
+        <p:txBody>
+          <a:bodyPr rtlCol="0" anchor="ctr"/>
+          <a:lstStyle/>
+          <a:p>
+            <a:pPr algn="ctr"/>
+            <a:r>
+              <a:rPr lang="en-US" altLang="zh-CN" dirty="0">
+                <a:solidFill>
+                  <a:schemeClr val="tx1"/>
+                </a:solidFill>
+              </a:rPr>
+              <a:t>m1(7)</a:t>
+            </a:r>
+          </a:p>
+          <a:p>
+            <a:pPr algn="ctr"/>
+            <a:r>
+              <a:rPr lang="en-US" dirty="0">
+                <a:solidFill>
+                  <a:srgbClr val="FF0000"/>
+                </a:solidFill>
+              </a:rPr>
+              <a:t>Unknown</a:t>
+            </a:r>
+          </a:p>
+        </p:txBody>
+      </p:sp>
+      <p:sp>
+        <p:nvSpPr>
+          <p:cNvPr id="8" name="Rectangle: Rounded Corners 7">
+            <a:extLst>
+              <a:ext uri="{FF2B5EF4-FFF2-40B4-BE49-F238E27FC236}">
+                <a16:creationId xmlns:a16="http://schemas.microsoft.com/office/drawing/2014/main" id="{7E84499C-CDCB-8283-25E3-8FED0644EFE1}"/>
+              </a:ext>
+            </a:extLst>
+          </p:cNvPr>
+          <p:cNvSpPr/>
+          <p:nvPr/>
+        </p:nvSpPr>
+        <p:spPr>
+          <a:xfrm>
+            <a:off x="3244645" y="2267821"/>
+            <a:ext cx="1415844" cy="788521"/>
+          </a:xfrm>
+          <a:prstGeom prst="roundRect">
+            <a:avLst/>
+          </a:prstGeom>
+          <a:solidFill>
+            <a:schemeClr val="accent2">
+              <a:lumMod val="20000"/>
+              <a:lumOff val="80000"/>
+            </a:schemeClr>
+          </a:solidFill>
+          <a:ln>
+            <a:solidFill>
+              <a:schemeClr val="accent2">
+                <a:lumMod val="75000"/>
+              </a:schemeClr>
+            </a:solidFill>
+          </a:ln>
+        </p:spPr>
+        <p:style>
+          <a:lnRef idx="2">
+            <a:schemeClr val="accent1">
+              <a:shade val="50000"/>
+            </a:schemeClr>
+          </a:lnRef>
+          <a:fillRef idx="1">
+            <a:schemeClr val="accent1"/>
+          </a:fillRef>
+          <a:effectRef idx="0">
+            <a:schemeClr val="accent1"/>
+          </a:effectRef>
+          <a:fontRef idx="minor">
+            <a:schemeClr val="lt1"/>
+          </a:fontRef>
+        </p:style>
+        <p:txBody>
+          <a:bodyPr rtlCol="0" anchor="ctr"/>
+          <a:lstStyle/>
+          <a:p>
+            <a:pPr algn="ctr"/>
+            <a:r>
+              <a:rPr lang="en-US" altLang="zh-CN" dirty="0">
+                <a:solidFill>
+                  <a:schemeClr val="tx1"/>
+                </a:solidFill>
+              </a:rPr>
+              <a:t>Call length</a:t>
+            </a:r>
+            <a:endParaRPr lang="en-US" dirty="0">
+              <a:solidFill>
+                <a:srgbClr val="FF0000"/>
+              </a:solidFill>
+            </a:endParaRPr>
+          </a:p>
+        </p:txBody>
+      </p:sp>
+      <p:sp>
+        <p:nvSpPr>
+          <p:cNvPr id="9" name="Rectangle: Rounded Corners 8">
+            <a:extLst>
+              <a:ext uri="{FF2B5EF4-FFF2-40B4-BE49-F238E27FC236}">
+                <a16:creationId xmlns:a16="http://schemas.microsoft.com/office/drawing/2014/main" id="{91154D63-5599-EFF9-279F-44BCDE312A73}"/>
+              </a:ext>
+            </a:extLst>
+          </p:cNvPr>
+          <p:cNvSpPr/>
+          <p:nvPr/>
+        </p:nvSpPr>
+        <p:spPr>
+          <a:xfrm>
+            <a:off x="3244645" y="3334106"/>
+            <a:ext cx="1415844" cy="788521"/>
+          </a:xfrm>
+          <a:prstGeom prst="roundRect">
+            <a:avLst/>
+          </a:prstGeom>
+          <a:solidFill>
+            <a:schemeClr val="accent5">
+              <a:lumMod val="20000"/>
+              <a:lumOff val="80000"/>
+            </a:schemeClr>
+          </a:solidFill>
+          <a:ln>
+            <a:solidFill>
+              <a:schemeClr val="accent5">
+                <a:lumMod val="75000"/>
+              </a:schemeClr>
+            </a:solidFill>
+          </a:ln>
+        </p:spPr>
+        <p:style>
+          <a:lnRef idx="2">
+            <a:schemeClr val="accent1">
+              <a:shade val="50000"/>
+            </a:schemeClr>
+          </a:lnRef>
+          <a:fillRef idx="1">
+            <a:schemeClr val="accent1"/>
+          </a:fillRef>
+          <a:effectRef idx="0">
+            <a:schemeClr val="accent1"/>
+          </a:effectRef>
+          <a:fontRef idx="minor">
+            <a:schemeClr val="lt1"/>
+          </a:fontRef>
+        </p:style>
+        <p:txBody>
+          <a:bodyPr rtlCol="0" anchor="ctr"/>
+          <a:lstStyle/>
+          <a:p>
+            <a:pPr algn="ctr"/>
+            <a:r>
+              <a:rPr lang="en-US" altLang="zh-CN" dirty="0">
+                <a:solidFill>
+                  <a:schemeClr val="tx1"/>
+                </a:solidFill>
+              </a:rPr>
+              <a:t>m2(10)</a:t>
+            </a:r>
+          </a:p>
+          <a:p>
+            <a:pPr algn="ctr"/>
+            <a:r>
+              <a:rPr lang="en-US" dirty="0">
+                <a:solidFill>
+                  <a:srgbClr val="FF0000"/>
+                </a:solidFill>
+              </a:rPr>
+              <a:t>int</a:t>
+            </a:r>
+          </a:p>
+        </p:txBody>
+      </p:sp>
+      <p:sp>
+        <p:nvSpPr>
+          <p:cNvPr id="10" name="Rectangle: Rounded Corners 9">
+            <a:extLst>
+              <a:ext uri="{FF2B5EF4-FFF2-40B4-BE49-F238E27FC236}">
+                <a16:creationId xmlns:a16="http://schemas.microsoft.com/office/drawing/2014/main" id="{01C8FAE7-9A81-B63B-28BD-0958BACC848E}"/>
+              </a:ext>
+            </a:extLst>
+          </p:cNvPr>
+          <p:cNvSpPr/>
+          <p:nvPr/>
+        </p:nvSpPr>
+        <p:spPr>
+          <a:xfrm>
+            <a:off x="7897760" y="135251"/>
+            <a:ext cx="1415844" cy="788521"/>
+          </a:xfrm>
+          <a:prstGeom prst="roundRect">
+            <a:avLst/>
+          </a:prstGeom>
+          <a:solidFill>
+            <a:schemeClr val="accent2">
+              <a:lumMod val="20000"/>
+              <a:lumOff val="80000"/>
+            </a:schemeClr>
+          </a:solidFill>
+          <a:ln>
+            <a:solidFill>
+              <a:schemeClr val="accent2">
+                <a:lumMod val="75000"/>
+              </a:schemeClr>
+            </a:solidFill>
+          </a:ln>
+        </p:spPr>
+        <p:style>
+          <a:lnRef idx="2">
+            <a:schemeClr val="accent1">
+              <a:shade val="50000"/>
+            </a:schemeClr>
+          </a:lnRef>
+          <a:fillRef idx="1">
+            <a:schemeClr val="accent1"/>
+          </a:fillRef>
+          <a:effectRef idx="0">
+            <a:schemeClr val="accent1"/>
+          </a:effectRef>
+          <a:fontRef idx="minor">
+            <a:schemeClr val="lt1"/>
+          </a:fontRef>
+        </p:style>
+        <p:txBody>
+          <a:bodyPr rtlCol="0" anchor="ctr"/>
+          <a:lstStyle/>
+          <a:p>
+            <a:pPr algn="ctr"/>
+            <a:r>
+              <a:rPr lang="en-US" altLang="zh-CN" dirty="0">
+                <a:solidFill>
+                  <a:schemeClr val="tx1"/>
+                </a:solidFill>
+              </a:rPr>
+              <a:t>Call </a:t>
+            </a:r>
+            <a:r>
+              <a:rPr lang="en-US" altLang="zh-CN" dirty="0" err="1">
+                <a:solidFill>
+                  <a:schemeClr val="tx1"/>
+                </a:solidFill>
+              </a:rPr>
+              <a:t>getRangeAt</a:t>
+            </a:r>
+            <a:endParaRPr lang="en-US" dirty="0">
+              <a:solidFill>
+                <a:srgbClr val="FF0000"/>
+              </a:solidFill>
+            </a:endParaRPr>
+          </a:p>
+        </p:txBody>
+      </p:sp>
+      <p:sp>
+        <p:nvSpPr>
+          <p:cNvPr id="11" name="Rectangle: Rounded Corners 10">
+            <a:extLst>
+              <a:ext uri="{FF2B5EF4-FFF2-40B4-BE49-F238E27FC236}">
+                <a16:creationId xmlns:a16="http://schemas.microsoft.com/office/drawing/2014/main" id="{9577DAC0-99AD-381E-322C-9B79A30F310C}"/>
+              </a:ext>
+            </a:extLst>
+          </p:cNvPr>
+          <p:cNvSpPr/>
+          <p:nvPr/>
+        </p:nvSpPr>
+        <p:spPr>
+          <a:xfrm>
+            <a:off x="7897760" y="1201536"/>
+            <a:ext cx="1415844" cy="788521"/>
+          </a:xfrm>
+          <a:prstGeom prst="roundRect">
+            <a:avLst/>
+          </a:prstGeom>
+          <a:solidFill>
+            <a:schemeClr val="accent5">
+              <a:lumMod val="20000"/>
+              <a:lumOff val="80000"/>
+            </a:schemeClr>
+          </a:solidFill>
+          <a:ln>
+            <a:solidFill>
+              <a:schemeClr val="accent5">
+                <a:lumMod val="75000"/>
+              </a:schemeClr>
+            </a:solidFill>
+          </a:ln>
+        </p:spPr>
+        <p:style>
+          <a:lnRef idx="2">
+            <a:schemeClr val="accent1">
+              <a:shade val="50000"/>
+            </a:schemeClr>
+          </a:lnRef>
+          <a:fillRef idx="1">
+            <a:schemeClr val="accent1"/>
+          </a:fillRef>
+          <a:effectRef idx="0">
+            <a:schemeClr val="accent1"/>
+          </a:effectRef>
+          <a:fontRef idx="minor">
+            <a:schemeClr val="lt1"/>
+          </a:fontRef>
+        </p:style>
+        <p:txBody>
+          <a:bodyPr rtlCol="0" anchor="ctr"/>
+          <a:lstStyle/>
+          <a:p>
+            <a:pPr algn="ctr"/>
+            <a:r>
+              <a:rPr lang="en-US" altLang="zh-CN" dirty="0">
+                <a:solidFill>
+                  <a:schemeClr val="tx1"/>
+                </a:solidFill>
+              </a:rPr>
+              <a:t>r1(7)</a:t>
+            </a:r>
+          </a:p>
+          <a:p>
+            <a:pPr algn="ctr"/>
+            <a:r>
+              <a:rPr lang="en-US" dirty="0" err="1">
+                <a:solidFill>
+                  <a:srgbClr val="FF0000"/>
+                </a:solidFill>
+              </a:rPr>
+              <a:t>getRangeAt</a:t>
+            </a:r>
+            <a:endParaRPr lang="en-US" dirty="0">
+              <a:solidFill>
+                <a:srgbClr val="FF0000"/>
+              </a:solidFill>
+            </a:endParaRPr>
+          </a:p>
+        </p:txBody>
+      </p:sp>
+      <p:sp>
+        <p:nvSpPr>
+          <p:cNvPr id="12" name="Rectangle: Rounded Corners 11">
+            <a:extLst>
+              <a:ext uri="{FF2B5EF4-FFF2-40B4-BE49-F238E27FC236}">
+                <a16:creationId xmlns:a16="http://schemas.microsoft.com/office/drawing/2014/main" id="{E5168E16-F256-6847-3150-03777B2E61A3}"/>
+              </a:ext>
+            </a:extLst>
+          </p:cNvPr>
+          <p:cNvSpPr/>
+          <p:nvPr/>
+        </p:nvSpPr>
+        <p:spPr>
+          <a:xfrm>
+            <a:off x="7897760" y="2267821"/>
+            <a:ext cx="1415844" cy="788521"/>
+          </a:xfrm>
+          <a:prstGeom prst="roundRect">
+            <a:avLst/>
+          </a:prstGeom>
+          <a:solidFill>
+            <a:schemeClr val="accent5">
+              <a:lumMod val="20000"/>
+              <a:lumOff val="80000"/>
+            </a:schemeClr>
+          </a:solidFill>
+          <a:ln>
+            <a:solidFill>
+              <a:schemeClr val="accent5">
+                <a:lumMod val="75000"/>
+              </a:schemeClr>
+            </a:solidFill>
+          </a:ln>
+        </p:spPr>
+        <p:style>
+          <a:lnRef idx="2">
+            <a:schemeClr val="accent1">
+              <a:shade val="50000"/>
+            </a:schemeClr>
+          </a:lnRef>
+          <a:fillRef idx="1">
+            <a:schemeClr val="accent1"/>
+          </a:fillRef>
+          <a:effectRef idx="0">
+            <a:schemeClr val="accent1"/>
+          </a:effectRef>
+          <a:fontRef idx="minor">
+            <a:schemeClr val="lt1"/>
+          </a:fontRef>
+        </p:style>
+        <p:txBody>
+          <a:bodyPr rtlCol="0" anchor="ctr"/>
+          <a:lstStyle/>
+          <a:p>
+            <a:pPr algn="ctr"/>
+            <a:r>
+              <a:rPr lang="en-US" altLang="zh-CN" dirty="0">
+                <a:solidFill>
+                  <a:schemeClr val="tx1"/>
+                </a:solidFill>
+              </a:rPr>
+              <a:t>r2(9)</a:t>
+            </a:r>
+          </a:p>
+          <a:p>
+            <a:pPr algn="ctr"/>
+            <a:r>
+              <a:rPr lang="en-US" dirty="0" err="1">
+                <a:solidFill>
+                  <a:srgbClr val="FF0000"/>
+                </a:solidFill>
+              </a:rPr>
+              <a:t>getRangeAt</a:t>
+            </a:r>
+            <a:endParaRPr lang="en-US" dirty="0">
+              <a:solidFill>
+                <a:srgbClr val="FF0000"/>
+              </a:solidFill>
+            </a:endParaRPr>
+          </a:p>
+        </p:txBody>
+      </p:sp>
+      <p:sp>
+        <p:nvSpPr>
+          <p:cNvPr id="13" name="Rectangle: Rounded Corners 12">
+            <a:extLst>
+              <a:ext uri="{FF2B5EF4-FFF2-40B4-BE49-F238E27FC236}">
+                <a16:creationId xmlns:a16="http://schemas.microsoft.com/office/drawing/2014/main" id="{3758C776-88F2-6E9E-A734-2AAC935BDACB}"/>
+              </a:ext>
+            </a:extLst>
+          </p:cNvPr>
+          <p:cNvSpPr/>
+          <p:nvPr/>
+        </p:nvSpPr>
+        <p:spPr>
+          <a:xfrm>
+            <a:off x="7897760" y="3303119"/>
+            <a:ext cx="1415844" cy="788521"/>
+          </a:xfrm>
+          <a:prstGeom prst="roundRect">
+            <a:avLst/>
+          </a:prstGeom>
+          <a:solidFill>
+            <a:schemeClr val="accent5">
+              <a:lumMod val="20000"/>
+              <a:lumOff val="80000"/>
+            </a:schemeClr>
+          </a:solidFill>
+          <a:ln>
+            <a:solidFill>
+              <a:schemeClr val="accent5">
+                <a:lumMod val="75000"/>
+              </a:schemeClr>
+            </a:solidFill>
+          </a:ln>
+        </p:spPr>
+        <p:style>
+          <a:lnRef idx="2">
+            <a:schemeClr val="accent1">
+              <a:shade val="50000"/>
+            </a:schemeClr>
+          </a:lnRef>
+          <a:fillRef idx="1">
+            <a:schemeClr val="accent1"/>
+          </a:fillRef>
+          <a:effectRef idx="0">
+            <a:schemeClr val="accent1"/>
+          </a:effectRef>
+          <a:fontRef idx="minor">
+            <a:schemeClr val="lt1"/>
+          </a:fontRef>
+        </p:style>
+        <p:txBody>
+          <a:bodyPr rtlCol="0" anchor="ctr"/>
+          <a:lstStyle/>
+          <a:p>
+            <a:pPr algn="ctr"/>
+            <a:r>
+              <a:rPr lang="en-US" altLang="zh-CN" dirty="0">
+                <a:solidFill>
+                  <a:schemeClr val="tx1"/>
+                </a:solidFill>
+              </a:rPr>
+              <a:t>r3(13)</a:t>
+            </a:r>
+          </a:p>
+          <a:p>
+            <a:pPr algn="ctr"/>
+            <a:r>
+              <a:rPr lang="en-US" dirty="0" err="1">
+                <a:solidFill>
+                  <a:srgbClr val="FF0000"/>
+                </a:solidFill>
+              </a:rPr>
+              <a:t>getRangeAt</a:t>
+            </a:r>
+            <a:endParaRPr lang="en-US" dirty="0">
+              <a:solidFill>
+                <a:srgbClr val="FF0000"/>
+              </a:solidFill>
+            </a:endParaRPr>
+          </a:p>
+        </p:txBody>
+      </p:sp>
+      <p:cxnSp>
+        <p:nvCxnSpPr>
+          <p:cNvPr id="15" name="Straight Arrow Connector 14">
+            <a:extLst>
+              <a:ext uri="{FF2B5EF4-FFF2-40B4-BE49-F238E27FC236}">
+                <a16:creationId xmlns:a16="http://schemas.microsoft.com/office/drawing/2014/main" id="{6F06EC58-5C78-480E-8D4F-0A44555D22E9}"/>
+              </a:ext>
+            </a:extLst>
+          </p:cNvPr>
+          <p:cNvCxnSpPr>
+            <a:stCxn id="7" idx="2"/>
+            <a:endCxn id="8" idx="0"/>
+          </p:cNvCxnSpPr>
+          <p:nvPr/>
+        </p:nvCxnSpPr>
+        <p:spPr>
+          <a:xfrm>
+            <a:off x="3952567" y="1990057"/>
+            <a:ext cx="0" cy="277764"/>
+          </a:xfrm>
+          <a:prstGeom prst="straightConnector1">
+            <a:avLst/>
+          </a:prstGeom>
+          <a:ln>
+            <a:tailEnd type="triangle"/>
+          </a:ln>
+        </p:spPr>
+        <p:style>
+          <a:lnRef idx="1">
+            <a:schemeClr val="accent1"/>
+          </a:lnRef>
+          <a:fillRef idx="0">
+            <a:schemeClr val="accent1"/>
+          </a:fillRef>
+          <a:effectRef idx="0">
+            <a:schemeClr val="accent1"/>
+          </a:effectRef>
+          <a:fontRef idx="minor">
+            <a:schemeClr val="tx1"/>
+          </a:fontRef>
+        </p:style>
+      </p:cxnSp>
+      <p:cxnSp>
+        <p:nvCxnSpPr>
+          <p:cNvPr id="16" name="Straight Arrow Connector 15">
+            <a:extLst>
+              <a:ext uri="{FF2B5EF4-FFF2-40B4-BE49-F238E27FC236}">
+                <a16:creationId xmlns:a16="http://schemas.microsoft.com/office/drawing/2014/main" id="{EE9D5372-0E8F-C461-19C6-E04AF5BC0E73}"/>
+              </a:ext>
+            </a:extLst>
+          </p:cNvPr>
+          <p:cNvCxnSpPr>
+            <a:cxnSpLocks/>
+            <a:stCxn id="8" idx="2"/>
+            <a:endCxn id="9" idx="0"/>
+          </p:cNvCxnSpPr>
+          <p:nvPr/>
+        </p:nvCxnSpPr>
+        <p:spPr>
+          <a:xfrm>
+            <a:off x="3952567" y="3056342"/>
+            <a:ext cx="0" cy="277764"/>
+          </a:xfrm>
+          <a:prstGeom prst="straightConnector1">
+            <a:avLst/>
+          </a:prstGeom>
+          <a:ln>
+            <a:tailEnd type="triangle"/>
+          </a:ln>
+        </p:spPr>
+        <p:style>
+          <a:lnRef idx="1">
+            <a:schemeClr val="accent1"/>
+          </a:lnRef>
+          <a:fillRef idx="0">
+            <a:schemeClr val="accent1"/>
+          </a:fillRef>
+          <a:effectRef idx="0">
+            <a:schemeClr val="accent1"/>
+          </a:effectRef>
+          <a:fontRef idx="minor">
+            <a:schemeClr val="tx1"/>
+          </a:fontRef>
+        </p:style>
+      </p:cxnSp>
+      <p:cxnSp>
+        <p:nvCxnSpPr>
+          <p:cNvPr id="17" name="Straight Arrow Connector 16">
+            <a:extLst>
+              <a:ext uri="{FF2B5EF4-FFF2-40B4-BE49-F238E27FC236}">
+                <a16:creationId xmlns:a16="http://schemas.microsoft.com/office/drawing/2014/main" id="{76364F1C-F5EE-3F63-862B-C2B4CB5B8B96}"/>
+              </a:ext>
+            </a:extLst>
+          </p:cNvPr>
+          <p:cNvCxnSpPr>
+            <a:cxnSpLocks/>
+            <a:stCxn id="10" idx="2"/>
+            <a:endCxn id="11" idx="0"/>
+          </p:cNvCxnSpPr>
+          <p:nvPr/>
+        </p:nvCxnSpPr>
+        <p:spPr>
+          <a:xfrm>
+            <a:off x="8605682" y="923772"/>
+            <a:ext cx="0" cy="277764"/>
+          </a:xfrm>
+          <a:prstGeom prst="straightConnector1">
+            <a:avLst/>
+          </a:prstGeom>
+          <a:ln>
+            <a:tailEnd type="triangle"/>
+          </a:ln>
+        </p:spPr>
+        <p:style>
+          <a:lnRef idx="1">
+            <a:schemeClr val="accent1"/>
+          </a:lnRef>
+          <a:fillRef idx="0">
+            <a:schemeClr val="accent1"/>
+          </a:fillRef>
+          <a:effectRef idx="0">
+            <a:schemeClr val="accent1"/>
+          </a:effectRef>
+          <a:fontRef idx="minor">
+            <a:schemeClr val="tx1"/>
+          </a:fontRef>
+        </p:style>
+      </p:cxnSp>
+      <p:cxnSp>
+        <p:nvCxnSpPr>
+          <p:cNvPr id="18" name="Straight Arrow Connector 17">
+            <a:extLst>
+              <a:ext uri="{FF2B5EF4-FFF2-40B4-BE49-F238E27FC236}">
+                <a16:creationId xmlns:a16="http://schemas.microsoft.com/office/drawing/2014/main" id="{9DA6EC7A-3178-387E-929F-E1488AE5A738}"/>
+              </a:ext>
+            </a:extLst>
+          </p:cNvPr>
+          <p:cNvCxnSpPr>
+            <a:cxnSpLocks/>
+            <a:stCxn id="11" idx="2"/>
+            <a:endCxn id="12" idx="0"/>
+          </p:cNvCxnSpPr>
+          <p:nvPr/>
+        </p:nvCxnSpPr>
+        <p:spPr>
+          <a:xfrm>
+            <a:off x="8605682" y="1990057"/>
+            <a:ext cx="0" cy="277764"/>
+          </a:xfrm>
+          <a:prstGeom prst="straightConnector1">
+            <a:avLst/>
+          </a:prstGeom>
+          <a:ln>
+            <a:tailEnd type="triangle"/>
+          </a:ln>
+        </p:spPr>
+        <p:style>
+          <a:lnRef idx="1">
+            <a:schemeClr val="accent1"/>
+          </a:lnRef>
+          <a:fillRef idx="0">
+            <a:schemeClr val="accent1"/>
+          </a:fillRef>
+          <a:effectRef idx="0">
+            <a:schemeClr val="accent1"/>
+          </a:effectRef>
+          <a:fontRef idx="minor">
+            <a:schemeClr val="tx1"/>
+          </a:fontRef>
+        </p:style>
+      </p:cxnSp>
+      <p:cxnSp>
+        <p:nvCxnSpPr>
+          <p:cNvPr id="19" name="Straight Arrow Connector 18">
+            <a:extLst>
+              <a:ext uri="{FF2B5EF4-FFF2-40B4-BE49-F238E27FC236}">
+                <a16:creationId xmlns:a16="http://schemas.microsoft.com/office/drawing/2014/main" id="{A79D0EC6-78FA-942A-F83F-27F2E9FBDB75}"/>
+              </a:ext>
+            </a:extLst>
+          </p:cNvPr>
+          <p:cNvCxnSpPr>
+            <a:cxnSpLocks/>
+            <a:stCxn id="12" idx="2"/>
+            <a:endCxn id="13" idx="0"/>
+          </p:cNvCxnSpPr>
+          <p:nvPr/>
+        </p:nvCxnSpPr>
+        <p:spPr>
+          <a:xfrm>
+            <a:off x="8605682" y="3056342"/>
+            <a:ext cx="0" cy="246777"/>
+          </a:xfrm>
+          <a:prstGeom prst="straightConnector1">
+            <a:avLst/>
+          </a:prstGeom>
+          <a:ln>
+            <a:tailEnd type="triangle"/>
+          </a:ln>
+        </p:spPr>
+        <p:style>
+          <a:lnRef idx="1">
+            <a:schemeClr val="accent1"/>
+          </a:lnRef>
+          <a:fillRef idx="0">
+            <a:schemeClr val="accent1"/>
+          </a:fillRef>
+          <a:effectRef idx="0">
+            <a:schemeClr val="accent1"/>
+          </a:effectRef>
+          <a:fontRef idx="minor">
+            <a:schemeClr val="tx1"/>
+          </a:fontRef>
+        </p:style>
+      </p:cxnSp>
+      <p:cxnSp>
+        <p:nvCxnSpPr>
+          <p:cNvPr id="20" name="Straight Arrow Connector 19">
+            <a:extLst>
+              <a:ext uri="{FF2B5EF4-FFF2-40B4-BE49-F238E27FC236}">
+                <a16:creationId xmlns:a16="http://schemas.microsoft.com/office/drawing/2014/main" id="{75B20009-50D4-484F-8B01-D64CD5F9849A}"/>
+              </a:ext>
+            </a:extLst>
+          </p:cNvPr>
+          <p:cNvCxnSpPr>
+            <a:cxnSpLocks/>
+            <a:stCxn id="13" idx="2"/>
+            <a:endCxn id="5" idx="0"/>
+          </p:cNvCxnSpPr>
+          <p:nvPr/>
+        </p:nvCxnSpPr>
+        <p:spPr>
+          <a:xfrm flipH="1">
+            <a:off x="6400801" y="4091640"/>
+            <a:ext cx="2204881" cy="310472"/>
+          </a:xfrm>
+          <a:prstGeom prst="straightConnector1">
+            <a:avLst/>
+          </a:prstGeom>
+          <a:ln>
+            <a:tailEnd type="triangle"/>
+          </a:ln>
+        </p:spPr>
+        <p:style>
+          <a:lnRef idx="1">
+            <a:schemeClr val="accent1"/>
+          </a:lnRef>
+          <a:fillRef idx="0">
+            <a:schemeClr val="accent1"/>
+          </a:fillRef>
+          <a:effectRef idx="0">
+            <a:schemeClr val="accent1"/>
+          </a:effectRef>
+          <a:fontRef idx="minor">
+            <a:schemeClr val="tx1"/>
+          </a:fontRef>
+        </p:style>
+      </p:cxnSp>
+      <p:cxnSp>
+        <p:nvCxnSpPr>
+          <p:cNvPr id="23" name="Straight Arrow Connector 22">
+            <a:extLst>
+              <a:ext uri="{FF2B5EF4-FFF2-40B4-BE49-F238E27FC236}">
+                <a16:creationId xmlns:a16="http://schemas.microsoft.com/office/drawing/2014/main" id="{8EFFA105-8D17-61C5-FA03-8C7F0C578393}"/>
+              </a:ext>
+            </a:extLst>
+          </p:cNvPr>
+          <p:cNvCxnSpPr>
+            <a:cxnSpLocks/>
+            <a:stCxn id="9" idx="2"/>
+            <a:endCxn id="5" idx="0"/>
+          </p:cNvCxnSpPr>
+          <p:nvPr/>
+        </p:nvCxnSpPr>
+        <p:spPr>
+          <a:xfrm>
+            <a:off x="3952567" y="4122627"/>
+            <a:ext cx="2448234" cy="279485"/>
+          </a:xfrm>
+          <a:prstGeom prst="straightConnector1">
+            <a:avLst/>
+          </a:prstGeom>
+          <a:ln>
+            <a:tailEnd type="triangle"/>
+          </a:ln>
+        </p:spPr>
+        <p:style>
+          <a:lnRef idx="1">
+            <a:schemeClr val="accent1"/>
+          </a:lnRef>
+          <a:fillRef idx="0">
+            <a:schemeClr val="accent1"/>
+          </a:fillRef>
+          <a:effectRef idx="0">
+            <a:schemeClr val="accent1"/>
+          </a:effectRef>
+          <a:fontRef idx="minor">
+            <a:schemeClr val="tx1"/>
+          </a:fontRef>
+        </p:style>
+      </p:cxnSp>
+      <p:cxnSp>
+        <p:nvCxnSpPr>
+          <p:cNvPr id="26" name="Straight Arrow Connector 25">
+            <a:extLst>
+              <a:ext uri="{FF2B5EF4-FFF2-40B4-BE49-F238E27FC236}">
+                <a16:creationId xmlns:a16="http://schemas.microsoft.com/office/drawing/2014/main" id="{BEA563E3-25BC-631C-B762-DBF1A110F242}"/>
+              </a:ext>
+            </a:extLst>
+          </p:cNvPr>
+          <p:cNvCxnSpPr>
+            <a:cxnSpLocks/>
+            <a:stCxn id="4" idx="2"/>
+            <a:endCxn id="5" idx="0"/>
+          </p:cNvCxnSpPr>
+          <p:nvPr/>
+        </p:nvCxnSpPr>
+        <p:spPr>
+          <a:xfrm>
+            <a:off x="6400801" y="4122627"/>
+            <a:ext cx="0" cy="279485"/>
+          </a:xfrm>
+          <a:prstGeom prst="straightConnector1">
+            <a:avLst/>
+          </a:prstGeom>
+          <a:ln>
+            <a:tailEnd type="triangle"/>
+          </a:ln>
+        </p:spPr>
+        <p:style>
+          <a:lnRef idx="1">
+            <a:schemeClr val="accent1"/>
+          </a:lnRef>
+          <a:fillRef idx="0">
+            <a:schemeClr val="accent1"/>
+          </a:fillRef>
+          <a:effectRef idx="0">
+            <a:schemeClr val="accent1"/>
+          </a:effectRef>
+          <a:fontRef idx="minor">
+            <a:schemeClr val="tx1"/>
+          </a:fontRef>
+        </p:style>
+      </p:cxnSp>
+      <p:cxnSp>
+        <p:nvCxnSpPr>
+          <p:cNvPr id="29" name="Straight Arrow Connector 28">
+            <a:extLst>
+              <a:ext uri="{FF2B5EF4-FFF2-40B4-BE49-F238E27FC236}">
+                <a16:creationId xmlns:a16="http://schemas.microsoft.com/office/drawing/2014/main" id="{E44D37C4-3282-24CF-CF00-49E909DA3B98}"/>
+              </a:ext>
+            </a:extLst>
+          </p:cNvPr>
+          <p:cNvCxnSpPr>
+            <a:cxnSpLocks/>
+            <a:stCxn id="5" idx="2"/>
+            <a:endCxn id="6" idx="0"/>
+          </p:cNvCxnSpPr>
+          <p:nvPr/>
+        </p:nvCxnSpPr>
+        <p:spPr>
+          <a:xfrm>
+            <a:off x="6400801" y="5190633"/>
+            <a:ext cx="0" cy="276043"/>
+          </a:xfrm>
+          <a:prstGeom prst="straightConnector1">
+            <a:avLst/>
+          </a:prstGeom>
+          <a:ln>
+            <a:tailEnd type="triangle"/>
+          </a:ln>
+        </p:spPr>
+        <p:style>
+          <a:lnRef idx="1">
+            <a:schemeClr val="accent1"/>
+          </a:lnRef>
+          <a:fillRef idx="0">
+            <a:schemeClr val="accent1"/>
+          </a:fillRef>
+          <a:effectRef idx="0">
+            <a:schemeClr val="accent1"/>
+          </a:effectRef>
+          <a:fontRef idx="minor">
+            <a:schemeClr val="tx1"/>
+          </a:fontRef>
+        </p:style>
+      </p:cxnSp>
+      <p:cxnSp>
+        <p:nvCxnSpPr>
+          <p:cNvPr id="55" name="Straight Arrow Connector 54">
+            <a:extLst>
+              <a:ext uri="{FF2B5EF4-FFF2-40B4-BE49-F238E27FC236}">
+                <a16:creationId xmlns:a16="http://schemas.microsoft.com/office/drawing/2014/main" id="{E9FDB852-6B18-D03E-E655-04A52FC37585}"/>
+              </a:ext>
+            </a:extLst>
+          </p:cNvPr>
+          <p:cNvCxnSpPr>
+            <a:cxnSpLocks/>
+            <a:stCxn id="13" idx="2"/>
+          </p:cNvCxnSpPr>
+          <p:nvPr/>
+        </p:nvCxnSpPr>
+        <p:spPr>
+          <a:xfrm>
+            <a:off x="8605682" y="4091640"/>
+            <a:ext cx="0" cy="310472"/>
+          </a:xfrm>
+          <a:prstGeom prst="straightConnector1">
+            <a:avLst/>
+          </a:prstGeom>
+          <a:ln>
+            <a:tailEnd type="triangle"/>
+          </a:ln>
+        </p:spPr>
+        <p:style>
+          <a:lnRef idx="1">
+            <a:schemeClr val="accent1"/>
+          </a:lnRef>
+          <a:fillRef idx="0">
+            <a:schemeClr val="accent1"/>
+          </a:fillRef>
+          <a:effectRef idx="0">
+            <a:schemeClr val="accent1"/>
+          </a:effectRef>
+          <a:fontRef idx="minor">
+            <a:schemeClr val="tx1"/>
+          </a:fontRef>
+        </p:style>
+      </p:cxnSp>
+      <p:cxnSp>
+        <p:nvCxnSpPr>
+          <p:cNvPr id="56" name="Straight Arrow Connector 55">
+            <a:extLst>
+              <a:ext uri="{FF2B5EF4-FFF2-40B4-BE49-F238E27FC236}">
+                <a16:creationId xmlns:a16="http://schemas.microsoft.com/office/drawing/2014/main" id="{0CE12F07-2546-3E12-766C-6D132D05B8DD}"/>
+              </a:ext>
+            </a:extLst>
+          </p:cNvPr>
+          <p:cNvCxnSpPr>
+            <a:cxnSpLocks/>
+            <a:stCxn id="6" idx="2"/>
+          </p:cNvCxnSpPr>
+          <p:nvPr/>
+        </p:nvCxnSpPr>
+        <p:spPr>
+          <a:xfrm flipH="1">
+            <a:off x="6393424" y="6255197"/>
+            <a:ext cx="7377" cy="246777"/>
+          </a:xfrm>
+          <a:prstGeom prst="straightConnector1">
+            <a:avLst/>
+          </a:prstGeom>
+          <a:ln>
+            <a:tailEnd type="triangle"/>
+          </a:ln>
+        </p:spPr>
+        <p:style>
+          <a:lnRef idx="1">
+            <a:schemeClr val="accent1"/>
+          </a:lnRef>
+          <a:fillRef idx="0">
+            <a:schemeClr val="accent1"/>
+          </a:fillRef>
+          <a:effectRef idx="0">
+            <a:schemeClr val="accent1"/>
+          </a:effectRef>
+          <a:fontRef idx="minor">
+            <a:schemeClr val="tx1"/>
+          </a:fontRef>
+        </p:style>
+      </p:cxnSp>
+      <p:cxnSp>
+        <p:nvCxnSpPr>
+          <p:cNvPr id="57" name="Straight Arrow Connector 56">
+            <a:extLst>
+              <a:ext uri="{FF2B5EF4-FFF2-40B4-BE49-F238E27FC236}">
+                <a16:creationId xmlns:a16="http://schemas.microsoft.com/office/drawing/2014/main" id="{7342D304-61E8-F837-4970-DF4CD5AE7E86}"/>
+              </a:ext>
+            </a:extLst>
+          </p:cNvPr>
+          <p:cNvCxnSpPr>
+            <a:cxnSpLocks/>
+            <a:stCxn id="9" idx="2"/>
+          </p:cNvCxnSpPr>
+          <p:nvPr/>
+        </p:nvCxnSpPr>
+        <p:spPr>
+          <a:xfrm>
+            <a:off x="3952567" y="4122627"/>
+            <a:ext cx="0" cy="246777"/>
+          </a:xfrm>
+          <a:prstGeom prst="straightConnector1">
+            <a:avLst/>
+          </a:prstGeom>
+          <a:ln>
+            <a:tailEnd type="triangle"/>
+          </a:ln>
+        </p:spPr>
+        <p:style>
+          <a:lnRef idx="1">
+            <a:schemeClr val="accent1"/>
+          </a:lnRef>
+          <a:fillRef idx="0">
+            <a:schemeClr val="accent1"/>
+          </a:fillRef>
+          <a:effectRef idx="0">
+            <a:schemeClr val="accent1"/>
+          </a:effectRef>
+          <a:fontRef idx="minor">
+            <a:schemeClr val="tx1"/>
+          </a:fontRef>
+        </p:style>
+      </p:cxnSp>
+      <p:sp>
+        <p:nvSpPr>
+          <p:cNvPr id="61" name="TextBox 60">
+            <a:extLst>
+              <a:ext uri="{FF2B5EF4-FFF2-40B4-BE49-F238E27FC236}">
+                <a16:creationId xmlns:a16="http://schemas.microsoft.com/office/drawing/2014/main" id="{47136017-D864-AAA7-36EC-F1E7794A6CE4}"/>
+              </a:ext>
+            </a:extLst>
+          </p:cNvPr>
+          <p:cNvSpPr txBox="1"/>
+          <p:nvPr/>
+        </p:nvSpPr>
+        <p:spPr>
+          <a:xfrm>
+            <a:off x="3780884" y="4332221"/>
+            <a:ext cx="343364" cy="369332"/>
+          </a:xfrm>
+          <a:prstGeom prst="rect">
+            <a:avLst/>
+          </a:prstGeom>
+          <a:noFill/>
+        </p:spPr>
+        <p:txBody>
+          <a:bodyPr wrap="none" rtlCol="0">
+            <a:spAutoFit/>
+          </a:bodyPr>
+          <a:lstStyle/>
+          <a:p>
+            <a:r>
+              <a:rPr lang="en-US" dirty="0"/>
+              <a:t>…</a:t>
+            </a:r>
+          </a:p>
+        </p:txBody>
+      </p:sp>
+      <p:sp>
+        <p:nvSpPr>
+          <p:cNvPr id="62" name="TextBox 61">
+            <a:extLst>
+              <a:ext uri="{FF2B5EF4-FFF2-40B4-BE49-F238E27FC236}">
+                <a16:creationId xmlns:a16="http://schemas.microsoft.com/office/drawing/2014/main" id="{52906713-364E-C8A4-D268-BBF92DCBDC55}"/>
+              </a:ext>
+            </a:extLst>
+          </p:cNvPr>
+          <p:cNvSpPr txBox="1"/>
+          <p:nvPr/>
+        </p:nvSpPr>
+        <p:spPr>
+          <a:xfrm>
+            <a:off x="8444596" y="4332221"/>
+            <a:ext cx="343364" cy="369332"/>
+          </a:xfrm>
+          <a:prstGeom prst="rect">
+            <a:avLst/>
+          </a:prstGeom>
+          <a:noFill/>
+        </p:spPr>
+        <p:txBody>
+          <a:bodyPr wrap="none" rtlCol="0">
+            <a:spAutoFit/>
+          </a:bodyPr>
+          <a:lstStyle/>
+          <a:p>
+            <a:r>
+              <a:rPr lang="en-US" dirty="0"/>
+              <a:t>…</a:t>
+            </a:r>
+          </a:p>
+        </p:txBody>
+      </p:sp>
+      <p:sp>
+        <p:nvSpPr>
+          <p:cNvPr id="63" name="TextBox 62">
+            <a:extLst>
+              <a:ext uri="{FF2B5EF4-FFF2-40B4-BE49-F238E27FC236}">
+                <a16:creationId xmlns:a16="http://schemas.microsoft.com/office/drawing/2014/main" id="{ED06E9BA-AF06-AD80-816A-526569AE2393}"/>
+              </a:ext>
+            </a:extLst>
+          </p:cNvPr>
+          <p:cNvSpPr txBox="1"/>
+          <p:nvPr/>
+        </p:nvSpPr>
+        <p:spPr>
+          <a:xfrm>
+            <a:off x="6221742" y="6378585"/>
+            <a:ext cx="343364" cy="369332"/>
+          </a:xfrm>
+          <a:prstGeom prst="rect">
+            <a:avLst/>
+          </a:prstGeom>
+          <a:noFill/>
+        </p:spPr>
+        <p:txBody>
+          <a:bodyPr wrap="none" rtlCol="0">
+            <a:spAutoFit/>
+          </a:bodyPr>
+          <a:lstStyle/>
+          <a:p>
+            <a:r>
+              <a:rPr lang="en-US" dirty="0"/>
+              <a:t>…</a:t>
+            </a:r>
+          </a:p>
+        </p:txBody>
+      </p:sp>
+    </p:spTree>
+    <p:extLst>
+      <p:ext uri="{BB962C8B-B14F-4D97-AF65-F5344CB8AC3E}">
+        <p14:creationId xmlns:p14="http://schemas.microsoft.com/office/powerpoint/2010/main" val="122903524"/>
+      </p:ext>
+    </p:extLst>
+  </p:cSld>
+  <p:clrMapOvr>
+    <a:masterClrMapping/>
+  </p:clrMapOvr>
+</p:sld>
+</file>
+
 <file path=ppt/theme/theme1.xml><?xml version="1.0" encoding="utf-8"?>
 <a:theme xmlns:a="http://schemas.openxmlformats.org/drawingml/2006/main" name="Office Theme">
   <a:themeElements>

--- a/figures/figures.pptx
+++ b/figures/figures.pptx
@@ -14,7 +14,7 @@
     <p:sldId id="262" r:id="rId8"/>
     <p:sldId id="263" r:id="rId9"/>
     <p:sldId id="264" r:id="rId10"/>
-    <p:sldId id="265" r:id="rId11"/>
+    <p:sldId id="266" r:id="rId11"/>
   </p:sldIdLst>
   <p:sldSz cx="12192000" cy="6858000"/>
   <p:notesSz cx="6858000" cy="9144000"/>
@@ -3417,38 +3417,1408 @@
       </p:grpSpPr>
       <p:sp>
         <p:nvSpPr>
-          <p:cNvPr id="2" name="Title 1">
-            <a:extLst>
-              <a:ext uri="{FF2B5EF4-FFF2-40B4-BE49-F238E27FC236}">
-                <a16:creationId xmlns:a16="http://schemas.microsoft.com/office/drawing/2014/main" id="{0F4E9BB2-E7A3-FA4D-A2C8-36BADAAF4AE0}"/>
-              </a:ext>
-            </a:extLst>
-          </p:cNvPr>
-          <p:cNvSpPr>
-            <a:spLocks noGrp="1"/>
-          </p:cNvSpPr>
-          <p:nvPr>
-            <p:ph type="title"/>
-          </p:nvPr>
+          <p:cNvPr id="4" name="Rectangle: Rounded Corners 3">
+            <a:extLst>
+              <a:ext uri="{FF2B5EF4-FFF2-40B4-BE49-F238E27FC236}">
+                <a16:creationId xmlns:a16="http://schemas.microsoft.com/office/drawing/2014/main" id="{CA1F39E4-A527-A537-37EE-E2BFE4460FD6}"/>
+              </a:ext>
+            </a:extLst>
+          </p:cNvPr>
+          <p:cNvSpPr/>
+          <p:nvPr/>
         </p:nvSpPr>
         <p:spPr>
           <a:xfrm>
-            <a:off x="0" y="0"/>
-            <a:ext cx="10515600" cy="1325563"/>
+            <a:off x="5692879" y="3334106"/>
+            <a:ext cx="1415844" cy="788521"/>
           </a:xfrm>
+          <a:prstGeom prst="roundRect">
+            <a:avLst/>
+          </a:prstGeom>
+          <a:solidFill>
+            <a:schemeClr val="accent5">
+              <a:lumMod val="20000"/>
+              <a:lumOff val="80000"/>
+            </a:schemeClr>
+          </a:solidFill>
+          <a:ln>
+            <a:solidFill>
+              <a:schemeClr val="accent5">
+                <a:lumMod val="75000"/>
+              </a:schemeClr>
+            </a:solidFill>
+          </a:ln>
+        </p:spPr>
+        <p:style>
+          <a:lnRef idx="2">
+            <a:schemeClr val="accent1">
+              <a:shade val="50000"/>
+            </a:schemeClr>
+          </a:lnRef>
+          <a:fillRef idx="1">
+            <a:schemeClr val="accent1"/>
+          </a:fillRef>
+          <a:effectRef idx="0">
+            <a:schemeClr val="accent1"/>
+          </a:effectRef>
+          <a:fontRef idx="minor">
+            <a:schemeClr val="lt1"/>
+          </a:fontRef>
+        </p:style>
+        <p:txBody>
+          <a:bodyPr rtlCol="0" anchor="ctr"/>
+          <a:lstStyle/>
+          <a:p>
+            <a:pPr algn="ctr"/>
+            <a:r>
+              <a:rPr lang="en-US" altLang="zh-CN" dirty="0">
+                <a:solidFill>
+                  <a:schemeClr val="tx1"/>
+                </a:solidFill>
+              </a:rPr>
+              <a:t>p1(5)</a:t>
+            </a:r>
+          </a:p>
+          <a:p>
+            <a:pPr algn="ctr"/>
+            <a:r>
+              <a:rPr lang="en-US" dirty="0">
+                <a:solidFill>
+                  <a:srgbClr val="FF0000"/>
+                </a:solidFill>
+              </a:rPr>
+              <a:t>Null</a:t>
+            </a:r>
+          </a:p>
+        </p:txBody>
+      </p:sp>
+      <p:sp>
+        <p:nvSpPr>
+          <p:cNvPr id="5" name="Rectangle: Rounded Corners 4">
+            <a:extLst>
+              <a:ext uri="{FF2B5EF4-FFF2-40B4-BE49-F238E27FC236}">
+                <a16:creationId xmlns:a16="http://schemas.microsoft.com/office/drawing/2014/main" id="{428073A7-2ECF-864D-99C4-2740AF3D0DFF}"/>
+              </a:ext>
+            </a:extLst>
+          </p:cNvPr>
+          <p:cNvSpPr/>
+          <p:nvPr/>
+        </p:nvSpPr>
+        <p:spPr>
+          <a:xfrm>
+            <a:off x="5692879" y="4402112"/>
+            <a:ext cx="1415844" cy="788521"/>
+          </a:xfrm>
+          <a:prstGeom prst="roundRect">
+            <a:avLst/>
+          </a:prstGeom>
+          <a:solidFill>
+            <a:schemeClr val="accent2">
+              <a:lumMod val="20000"/>
+              <a:lumOff val="80000"/>
+            </a:schemeClr>
+          </a:solidFill>
+          <a:ln>
+            <a:solidFill>
+              <a:schemeClr val="accent2">
+                <a:lumMod val="75000"/>
+              </a:schemeClr>
+            </a:solidFill>
+          </a:ln>
+        </p:spPr>
+        <p:style>
+          <a:lnRef idx="2">
+            <a:schemeClr val="accent1">
+              <a:shade val="50000"/>
+            </a:schemeClr>
+          </a:lnRef>
+          <a:fillRef idx="1">
+            <a:schemeClr val="accent1"/>
+          </a:fillRef>
+          <a:effectRef idx="0">
+            <a:schemeClr val="accent1"/>
+          </a:effectRef>
+          <a:fontRef idx="minor">
+            <a:schemeClr val="lt1"/>
+          </a:fontRef>
+        </p:style>
+        <p:txBody>
+          <a:bodyPr rtlCol="0" anchor="ctr"/>
+          <a:lstStyle/>
+          <a:p>
+            <a:pPr algn="ctr"/>
+            <a:r>
+              <a:rPr lang="en-US" altLang="zh-CN" dirty="0" err="1">
+                <a:solidFill>
+                  <a:schemeClr val="tx1"/>
+                </a:solidFill>
+              </a:rPr>
+              <a:t>Dict_write</a:t>
+            </a:r>
+            <a:endParaRPr lang="en-US" dirty="0">
+              <a:solidFill>
+                <a:srgbClr val="FF0000"/>
+              </a:solidFill>
+            </a:endParaRPr>
+          </a:p>
+        </p:txBody>
+      </p:sp>
+      <p:sp>
+        <p:nvSpPr>
+          <p:cNvPr id="6" name="Rectangle: Rounded Corners 5">
+            <a:extLst>
+              <a:ext uri="{FF2B5EF4-FFF2-40B4-BE49-F238E27FC236}">
+                <a16:creationId xmlns:a16="http://schemas.microsoft.com/office/drawing/2014/main" id="{76A8187A-E841-1A68-C629-F4FD6B5D709F}"/>
+              </a:ext>
+            </a:extLst>
+          </p:cNvPr>
+          <p:cNvSpPr/>
+          <p:nvPr/>
+        </p:nvSpPr>
+        <p:spPr>
+          <a:xfrm>
+            <a:off x="5692879" y="5466676"/>
+            <a:ext cx="1415844" cy="788521"/>
+          </a:xfrm>
+          <a:prstGeom prst="roundRect">
+            <a:avLst/>
+          </a:prstGeom>
+          <a:solidFill>
+            <a:schemeClr val="accent5">
+              <a:lumMod val="20000"/>
+              <a:lumOff val="80000"/>
+            </a:schemeClr>
+          </a:solidFill>
+          <a:ln>
+            <a:solidFill>
+              <a:schemeClr val="accent5">
+                <a:lumMod val="75000"/>
+              </a:schemeClr>
+            </a:solidFill>
+          </a:ln>
+        </p:spPr>
+        <p:style>
+          <a:lnRef idx="2">
+            <a:schemeClr val="accent1">
+              <a:shade val="50000"/>
+            </a:schemeClr>
+          </a:lnRef>
+          <a:fillRef idx="1">
+            <a:schemeClr val="accent1"/>
+          </a:fillRef>
+          <a:effectRef idx="0">
+            <a:schemeClr val="accent1"/>
+          </a:effectRef>
+          <a:fontRef idx="minor">
+            <a:schemeClr val="lt1"/>
+          </a:fontRef>
+        </p:style>
+        <p:txBody>
+          <a:bodyPr rtlCol="0" anchor="ctr"/>
+          <a:lstStyle/>
+          <a:p>
+            <a:pPr algn="ctr"/>
+            <a:r>
+              <a:rPr lang="en-US" altLang="zh-CN" dirty="0">
+                <a:solidFill>
+                  <a:schemeClr val="tx1"/>
+                </a:solidFill>
+              </a:rPr>
+              <a:t>p2(11)</a:t>
+            </a:r>
+          </a:p>
+          <a:p>
+            <a:pPr algn="ctr"/>
+            <a:r>
+              <a:rPr lang="en-US" dirty="0" err="1">
+                <a:solidFill>
+                  <a:srgbClr val="FF0000"/>
+                </a:solidFill>
+              </a:rPr>
+              <a:t>Dict</a:t>
+            </a:r>
+            <a:r>
+              <a:rPr lang="en-US" dirty="0">
+                <a:solidFill>
+                  <a:srgbClr val="FF0000"/>
+                </a:solidFill>
+              </a:rPr>
+              <a:t>[str, int]</a:t>
+            </a:r>
+          </a:p>
+        </p:txBody>
+      </p:sp>
+      <p:sp>
+        <p:nvSpPr>
+          <p:cNvPr id="7" name="Rectangle: Rounded Corners 6">
+            <a:extLst>
+              <a:ext uri="{FF2B5EF4-FFF2-40B4-BE49-F238E27FC236}">
+                <a16:creationId xmlns:a16="http://schemas.microsoft.com/office/drawing/2014/main" id="{24E622FB-C5D6-F4AB-5801-8C37CCCB7536}"/>
+              </a:ext>
+            </a:extLst>
+          </p:cNvPr>
+          <p:cNvSpPr/>
+          <p:nvPr/>
+        </p:nvSpPr>
+        <p:spPr>
+          <a:xfrm>
+            <a:off x="3244645" y="1201536"/>
+            <a:ext cx="1415844" cy="788521"/>
+          </a:xfrm>
+          <a:prstGeom prst="roundRect">
+            <a:avLst/>
+          </a:prstGeom>
+          <a:solidFill>
+            <a:schemeClr val="accent5">
+              <a:lumMod val="20000"/>
+              <a:lumOff val="80000"/>
+            </a:schemeClr>
+          </a:solidFill>
+          <a:ln>
+            <a:solidFill>
+              <a:schemeClr val="accent5">
+                <a:lumMod val="75000"/>
+              </a:schemeClr>
+            </a:solidFill>
+          </a:ln>
+        </p:spPr>
+        <p:style>
+          <a:lnRef idx="2">
+            <a:schemeClr val="accent1">
+              <a:shade val="50000"/>
+            </a:schemeClr>
+          </a:lnRef>
+          <a:fillRef idx="1">
+            <a:schemeClr val="accent1"/>
+          </a:fillRef>
+          <a:effectRef idx="0">
+            <a:schemeClr val="accent1"/>
+          </a:effectRef>
+          <a:fontRef idx="minor">
+            <a:schemeClr val="lt1"/>
+          </a:fontRef>
+        </p:style>
+        <p:txBody>
+          <a:bodyPr rtlCol="0" anchor="ctr"/>
+          <a:lstStyle/>
+          <a:p>
+            <a:pPr algn="ctr"/>
+            <a:r>
+              <a:rPr lang="en-US" altLang="zh-CN" dirty="0">
+                <a:solidFill>
+                  <a:schemeClr val="tx1"/>
+                </a:solidFill>
+              </a:rPr>
+              <a:t>m1(7)</a:t>
+            </a:r>
+          </a:p>
+          <a:p>
+            <a:pPr algn="ctr"/>
+            <a:r>
+              <a:rPr lang="en-US" dirty="0">
+                <a:solidFill>
+                  <a:srgbClr val="FF0000"/>
+                </a:solidFill>
+              </a:rPr>
+              <a:t>Unknown</a:t>
+            </a:r>
+          </a:p>
+        </p:txBody>
+      </p:sp>
+      <p:sp>
+        <p:nvSpPr>
+          <p:cNvPr id="8" name="Rectangle: Rounded Corners 7">
+            <a:extLst>
+              <a:ext uri="{FF2B5EF4-FFF2-40B4-BE49-F238E27FC236}">
+                <a16:creationId xmlns:a16="http://schemas.microsoft.com/office/drawing/2014/main" id="{7E84499C-CDCB-8283-25E3-8FED0644EFE1}"/>
+              </a:ext>
+            </a:extLst>
+          </p:cNvPr>
+          <p:cNvSpPr/>
+          <p:nvPr/>
+        </p:nvSpPr>
+        <p:spPr>
+          <a:xfrm>
+            <a:off x="3244645" y="2267821"/>
+            <a:ext cx="1415844" cy="788521"/>
+          </a:xfrm>
+          <a:prstGeom prst="roundRect">
+            <a:avLst/>
+          </a:prstGeom>
+          <a:solidFill>
+            <a:schemeClr val="accent2">
+              <a:lumMod val="20000"/>
+              <a:lumOff val="80000"/>
+            </a:schemeClr>
+          </a:solidFill>
+          <a:ln>
+            <a:solidFill>
+              <a:schemeClr val="accent2">
+                <a:lumMod val="75000"/>
+              </a:schemeClr>
+            </a:solidFill>
+          </a:ln>
+        </p:spPr>
+        <p:style>
+          <a:lnRef idx="2">
+            <a:schemeClr val="accent1">
+              <a:shade val="50000"/>
+            </a:schemeClr>
+          </a:lnRef>
+          <a:fillRef idx="1">
+            <a:schemeClr val="accent1"/>
+          </a:fillRef>
+          <a:effectRef idx="0">
+            <a:schemeClr val="accent1"/>
+          </a:effectRef>
+          <a:fontRef idx="minor">
+            <a:schemeClr val="lt1"/>
+          </a:fontRef>
+        </p:style>
+        <p:txBody>
+          <a:bodyPr rtlCol="0" anchor="ctr"/>
+          <a:lstStyle/>
+          <a:p>
+            <a:pPr algn="ctr"/>
+            <a:r>
+              <a:rPr lang="en-US" altLang="zh-CN" dirty="0">
+                <a:solidFill>
+                  <a:schemeClr val="tx1"/>
+                </a:solidFill>
+              </a:rPr>
+              <a:t>Call length</a:t>
+            </a:r>
+            <a:endParaRPr lang="en-US" dirty="0">
+              <a:solidFill>
+                <a:srgbClr val="FF0000"/>
+              </a:solidFill>
+            </a:endParaRPr>
+          </a:p>
+        </p:txBody>
+      </p:sp>
+      <p:sp>
+        <p:nvSpPr>
+          <p:cNvPr id="9" name="Rectangle: Rounded Corners 8">
+            <a:extLst>
+              <a:ext uri="{FF2B5EF4-FFF2-40B4-BE49-F238E27FC236}">
+                <a16:creationId xmlns:a16="http://schemas.microsoft.com/office/drawing/2014/main" id="{91154D63-5599-EFF9-279F-44BCDE312A73}"/>
+              </a:ext>
+            </a:extLst>
+          </p:cNvPr>
+          <p:cNvSpPr/>
+          <p:nvPr/>
+        </p:nvSpPr>
+        <p:spPr>
+          <a:xfrm>
+            <a:off x="3244645" y="3334106"/>
+            <a:ext cx="1415844" cy="788521"/>
+          </a:xfrm>
+          <a:prstGeom prst="roundRect">
+            <a:avLst/>
+          </a:prstGeom>
+          <a:solidFill>
+            <a:schemeClr val="accent5">
+              <a:lumMod val="20000"/>
+              <a:lumOff val="80000"/>
+            </a:schemeClr>
+          </a:solidFill>
+          <a:ln>
+            <a:solidFill>
+              <a:schemeClr val="accent5">
+                <a:lumMod val="75000"/>
+              </a:schemeClr>
+            </a:solidFill>
+          </a:ln>
+        </p:spPr>
+        <p:style>
+          <a:lnRef idx="2">
+            <a:schemeClr val="accent1">
+              <a:shade val="50000"/>
+            </a:schemeClr>
+          </a:lnRef>
+          <a:fillRef idx="1">
+            <a:schemeClr val="accent1"/>
+          </a:fillRef>
+          <a:effectRef idx="0">
+            <a:schemeClr val="accent1"/>
+          </a:effectRef>
+          <a:fontRef idx="minor">
+            <a:schemeClr val="lt1"/>
+          </a:fontRef>
+        </p:style>
+        <p:txBody>
+          <a:bodyPr rtlCol="0" anchor="ctr"/>
+          <a:lstStyle/>
+          <a:p>
+            <a:pPr algn="ctr"/>
+            <a:r>
+              <a:rPr lang="en-US" altLang="zh-CN" dirty="0">
+                <a:solidFill>
+                  <a:schemeClr val="tx1"/>
+                </a:solidFill>
+              </a:rPr>
+              <a:t>m2(10)</a:t>
+            </a:r>
+          </a:p>
+          <a:p>
+            <a:pPr algn="ctr"/>
+            <a:r>
+              <a:rPr lang="en-US" dirty="0">
+                <a:solidFill>
+                  <a:srgbClr val="FF0000"/>
+                </a:solidFill>
+              </a:rPr>
+              <a:t>int</a:t>
+            </a:r>
+          </a:p>
+        </p:txBody>
+      </p:sp>
+      <p:sp>
+        <p:nvSpPr>
+          <p:cNvPr id="10" name="Rectangle: Rounded Corners 9">
+            <a:extLst>
+              <a:ext uri="{FF2B5EF4-FFF2-40B4-BE49-F238E27FC236}">
+                <a16:creationId xmlns:a16="http://schemas.microsoft.com/office/drawing/2014/main" id="{01C8FAE7-9A81-B63B-28BD-0958BACC848E}"/>
+              </a:ext>
+            </a:extLst>
+          </p:cNvPr>
+          <p:cNvSpPr/>
+          <p:nvPr/>
+        </p:nvSpPr>
+        <p:spPr>
+          <a:xfrm>
+            <a:off x="7897760" y="135251"/>
+            <a:ext cx="1415844" cy="788521"/>
+          </a:xfrm>
+          <a:prstGeom prst="roundRect">
+            <a:avLst/>
+          </a:prstGeom>
+          <a:solidFill>
+            <a:schemeClr val="accent2">
+              <a:lumMod val="20000"/>
+              <a:lumOff val="80000"/>
+            </a:schemeClr>
+          </a:solidFill>
+          <a:ln>
+            <a:solidFill>
+              <a:schemeClr val="accent2">
+                <a:lumMod val="75000"/>
+              </a:schemeClr>
+            </a:solidFill>
+          </a:ln>
+        </p:spPr>
+        <p:style>
+          <a:lnRef idx="2">
+            <a:schemeClr val="accent1">
+              <a:shade val="50000"/>
+            </a:schemeClr>
+          </a:lnRef>
+          <a:fillRef idx="1">
+            <a:schemeClr val="accent1"/>
+          </a:fillRef>
+          <a:effectRef idx="0">
+            <a:schemeClr val="accent1"/>
+          </a:effectRef>
+          <a:fontRef idx="minor">
+            <a:schemeClr val="lt1"/>
+          </a:fontRef>
+        </p:style>
+        <p:txBody>
+          <a:bodyPr rtlCol="0" anchor="ctr"/>
+          <a:lstStyle/>
+          <a:p>
+            <a:pPr algn="ctr"/>
+            <a:r>
+              <a:rPr lang="en-US" altLang="zh-CN" dirty="0">
+                <a:solidFill>
+                  <a:schemeClr val="tx1"/>
+                </a:solidFill>
+              </a:rPr>
+              <a:t>Call </a:t>
+            </a:r>
+            <a:r>
+              <a:rPr lang="en-US" altLang="zh-CN" dirty="0" err="1">
+                <a:solidFill>
+                  <a:schemeClr val="tx1"/>
+                </a:solidFill>
+              </a:rPr>
+              <a:t>getRangeAt</a:t>
+            </a:r>
+            <a:endParaRPr lang="en-US" dirty="0">
+              <a:solidFill>
+                <a:srgbClr val="FF0000"/>
+              </a:solidFill>
+            </a:endParaRPr>
+          </a:p>
+        </p:txBody>
+      </p:sp>
+      <p:sp>
+        <p:nvSpPr>
+          <p:cNvPr id="11" name="Rectangle: Rounded Corners 10">
+            <a:extLst>
+              <a:ext uri="{FF2B5EF4-FFF2-40B4-BE49-F238E27FC236}">
+                <a16:creationId xmlns:a16="http://schemas.microsoft.com/office/drawing/2014/main" id="{9577DAC0-99AD-381E-322C-9B79A30F310C}"/>
+              </a:ext>
+            </a:extLst>
+          </p:cNvPr>
+          <p:cNvSpPr/>
+          <p:nvPr/>
+        </p:nvSpPr>
+        <p:spPr>
+          <a:xfrm>
+            <a:off x="7897760" y="1201536"/>
+            <a:ext cx="1415844" cy="788521"/>
+          </a:xfrm>
+          <a:prstGeom prst="roundRect">
+            <a:avLst/>
+          </a:prstGeom>
+          <a:solidFill>
+            <a:schemeClr val="accent5">
+              <a:lumMod val="20000"/>
+              <a:lumOff val="80000"/>
+            </a:schemeClr>
+          </a:solidFill>
+          <a:ln>
+            <a:solidFill>
+              <a:schemeClr val="accent5">
+                <a:lumMod val="75000"/>
+              </a:schemeClr>
+            </a:solidFill>
+          </a:ln>
+        </p:spPr>
+        <p:style>
+          <a:lnRef idx="2">
+            <a:schemeClr val="accent1">
+              <a:shade val="50000"/>
+            </a:schemeClr>
+          </a:lnRef>
+          <a:fillRef idx="1">
+            <a:schemeClr val="accent1"/>
+          </a:fillRef>
+          <a:effectRef idx="0">
+            <a:schemeClr val="accent1"/>
+          </a:effectRef>
+          <a:fontRef idx="minor">
+            <a:schemeClr val="lt1"/>
+          </a:fontRef>
+        </p:style>
+        <p:txBody>
+          <a:bodyPr rtlCol="0" anchor="ctr"/>
+          <a:lstStyle/>
+          <a:p>
+            <a:pPr algn="ctr"/>
+            <a:r>
+              <a:rPr lang="en-US" altLang="zh-CN" dirty="0">
+                <a:solidFill>
+                  <a:schemeClr val="tx1"/>
+                </a:solidFill>
+              </a:rPr>
+              <a:t>r1(7)</a:t>
+            </a:r>
+          </a:p>
+          <a:p>
+            <a:pPr algn="ctr"/>
+            <a:r>
+              <a:rPr lang="en-US" dirty="0" err="1">
+                <a:solidFill>
+                  <a:srgbClr val="FF0000"/>
+                </a:solidFill>
+              </a:rPr>
+              <a:t>getRangeAt</a:t>
+            </a:r>
+            <a:endParaRPr lang="en-US" dirty="0">
+              <a:solidFill>
+                <a:srgbClr val="FF0000"/>
+              </a:solidFill>
+            </a:endParaRPr>
+          </a:p>
+        </p:txBody>
+      </p:sp>
+      <p:sp>
+        <p:nvSpPr>
+          <p:cNvPr id="12" name="Rectangle: Rounded Corners 11">
+            <a:extLst>
+              <a:ext uri="{FF2B5EF4-FFF2-40B4-BE49-F238E27FC236}">
+                <a16:creationId xmlns:a16="http://schemas.microsoft.com/office/drawing/2014/main" id="{E5168E16-F256-6847-3150-03777B2E61A3}"/>
+              </a:ext>
+            </a:extLst>
+          </p:cNvPr>
+          <p:cNvSpPr/>
+          <p:nvPr/>
+        </p:nvSpPr>
+        <p:spPr>
+          <a:xfrm>
+            <a:off x="7897760" y="2267821"/>
+            <a:ext cx="1415844" cy="788521"/>
+          </a:xfrm>
+          <a:prstGeom prst="roundRect">
+            <a:avLst/>
+          </a:prstGeom>
+          <a:solidFill>
+            <a:schemeClr val="accent5">
+              <a:lumMod val="20000"/>
+              <a:lumOff val="80000"/>
+            </a:schemeClr>
+          </a:solidFill>
+          <a:ln>
+            <a:solidFill>
+              <a:schemeClr val="accent5">
+                <a:lumMod val="75000"/>
+              </a:schemeClr>
+            </a:solidFill>
+          </a:ln>
+        </p:spPr>
+        <p:style>
+          <a:lnRef idx="2">
+            <a:schemeClr val="accent1">
+              <a:shade val="50000"/>
+            </a:schemeClr>
+          </a:lnRef>
+          <a:fillRef idx="1">
+            <a:schemeClr val="accent1"/>
+          </a:fillRef>
+          <a:effectRef idx="0">
+            <a:schemeClr val="accent1"/>
+          </a:effectRef>
+          <a:fontRef idx="minor">
+            <a:schemeClr val="lt1"/>
+          </a:fontRef>
+        </p:style>
+        <p:txBody>
+          <a:bodyPr rtlCol="0" anchor="ctr"/>
+          <a:lstStyle/>
+          <a:p>
+            <a:pPr algn="ctr"/>
+            <a:r>
+              <a:rPr lang="en-US" altLang="zh-CN" dirty="0">
+                <a:solidFill>
+                  <a:schemeClr val="tx1"/>
+                </a:solidFill>
+              </a:rPr>
+              <a:t>r2(9)</a:t>
+            </a:r>
+          </a:p>
+          <a:p>
+            <a:pPr algn="ctr"/>
+            <a:r>
+              <a:rPr lang="en-US" dirty="0" err="1">
+                <a:solidFill>
+                  <a:srgbClr val="FF0000"/>
+                </a:solidFill>
+              </a:rPr>
+              <a:t>getRangeAt</a:t>
+            </a:r>
+            <a:endParaRPr lang="en-US" dirty="0">
+              <a:solidFill>
+                <a:srgbClr val="FF0000"/>
+              </a:solidFill>
+            </a:endParaRPr>
+          </a:p>
+        </p:txBody>
+      </p:sp>
+      <p:sp>
+        <p:nvSpPr>
+          <p:cNvPr id="13" name="Rectangle: Rounded Corners 12">
+            <a:extLst>
+              <a:ext uri="{FF2B5EF4-FFF2-40B4-BE49-F238E27FC236}">
+                <a16:creationId xmlns:a16="http://schemas.microsoft.com/office/drawing/2014/main" id="{3758C776-88F2-6E9E-A734-2AAC935BDACB}"/>
+              </a:ext>
+            </a:extLst>
+          </p:cNvPr>
+          <p:cNvSpPr/>
+          <p:nvPr/>
+        </p:nvSpPr>
+        <p:spPr>
+          <a:xfrm>
+            <a:off x="7897760" y="3303119"/>
+            <a:ext cx="1415844" cy="788521"/>
+          </a:xfrm>
+          <a:prstGeom prst="roundRect">
+            <a:avLst/>
+          </a:prstGeom>
+          <a:solidFill>
+            <a:schemeClr val="accent5">
+              <a:lumMod val="20000"/>
+              <a:lumOff val="80000"/>
+            </a:schemeClr>
+          </a:solidFill>
+          <a:ln>
+            <a:solidFill>
+              <a:schemeClr val="accent5">
+                <a:lumMod val="75000"/>
+              </a:schemeClr>
+            </a:solidFill>
+          </a:ln>
+        </p:spPr>
+        <p:style>
+          <a:lnRef idx="2">
+            <a:schemeClr val="accent1">
+              <a:shade val="50000"/>
+            </a:schemeClr>
+          </a:lnRef>
+          <a:fillRef idx="1">
+            <a:schemeClr val="accent1"/>
+          </a:fillRef>
+          <a:effectRef idx="0">
+            <a:schemeClr val="accent1"/>
+          </a:effectRef>
+          <a:fontRef idx="minor">
+            <a:schemeClr val="lt1"/>
+          </a:fontRef>
+        </p:style>
+        <p:txBody>
+          <a:bodyPr rtlCol="0" anchor="ctr"/>
+          <a:lstStyle/>
+          <a:p>
+            <a:pPr algn="ctr"/>
+            <a:r>
+              <a:rPr lang="en-US" altLang="zh-CN" dirty="0">
+                <a:solidFill>
+                  <a:schemeClr val="tx1"/>
+                </a:solidFill>
+              </a:rPr>
+              <a:t>r3(13)</a:t>
+            </a:r>
+          </a:p>
+          <a:p>
+            <a:pPr algn="ctr"/>
+            <a:r>
+              <a:rPr lang="en-US" dirty="0" err="1">
+                <a:solidFill>
+                  <a:srgbClr val="FF0000"/>
+                </a:solidFill>
+              </a:rPr>
+              <a:t>getRangeAt</a:t>
+            </a:r>
+            <a:endParaRPr lang="en-US" dirty="0">
+              <a:solidFill>
+                <a:srgbClr val="FF0000"/>
+              </a:solidFill>
+            </a:endParaRPr>
+          </a:p>
+        </p:txBody>
+      </p:sp>
+      <p:cxnSp>
+        <p:nvCxnSpPr>
+          <p:cNvPr id="15" name="Straight Arrow Connector 14">
+            <a:extLst>
+              <a:ext uri="{FF2B5EF4-FFF2-40B4-BE49-F238E27FC236}">
+                <a16:creationId xmlns:a16="http://schemas.microsoft.com/office/drawing/2014/main" id="{6F06EC58-5C78-480E-8D4F-0A44555D22E9}"/>
+              </a:ext>
+            </a:extLst>
+          </p:cNvPr>
+          <p:cNvCxnSpPr>
+            <a:stCxn id="7" idx="2"/>
+            <a:endCxn id="8" idx="0"/>
+          </p:cNvCxnSpPr>
+          <p:nvPr/>
+        </p:nvCxnSpPr>
+        <p:spPr>
+          <a:xfrm>
+            <a:off x="3952567" y="1990057"/>
+            <a:ext cx="0" cy="277764"/>
+          </a:xfrm>
+          <a:prstGeom prst="straightConnector1">
+            <a:avLst/>
+          </a:prstGeom>
+          <a:ln>
+            <a:tailEnd type="triangle"/>
+          </a:ln>
+        </p:spPr>
+        <p:style>
+          <a:lnRef idx="1">
+            <a:schemeClr val="accent1"/>
+          </a:lnRef>
+          <a:fillRef idx="0">
+            <a:schemeClr val="accent1"/>
+          </a:fillRef>
+          <a:effectRef idx="0">
+            <a:schemeClr val="accent1"/>
+          </a:effectRef>
+          <a:fontRef idx="minor">
+            <a:schemeClr val="tx1"/>
+          </a:fontRef>
+        </p:style>
+      </p:cxnSp>
+      <p:cxnSp>
+        <p:nvCxnSpPr>
+          <p:cNvPr id="16" name="Straight Arrow Connector 15">
+            <a:extLst>
+              <a:ext uri="{FF2B5EF4-FFF2-40B4-BE49-F238E27FC236}">
+                <a16:creationId xmlns:a16="http://schemas.microsoft.com/office/drawing/2014/main" id="{EE9D5372-0E8F-C461-19C6-E04AF5BC0E73}"/>
+              </a:ext>
+            </a:extLst>
+          </p:cNvPr>
+          <p:cNvCxnSpPr>
+            <a:cxnSpLocks/>
+            <a:stCxn id="8" idx="2"/>
+            <a:endCxn id="9" idx="0"/>
+          </p:cNvCxnSpPr>
+          <p:nvPr/>
+        </p:nvCxnSpPr>
+        <p:spPr>
+          <a:xfrm>
+            <a:off x="3952567" y="3056342"/>
+            <a:ext cx="0" cy="277764"/>
+          </a:xfrm>
+          <a:prstGeom prst="straightConnector1">
+            <a:avLst/>
+          </a:prstGeom>
+          <a:ln>
+            <a:tailEnd type="triangle"/>
+          </a:ln>
+        </p:spPr>
+        <p:style>
+          <a:lnRef idx="1">
+            <a:schemeClr val="accent1"/>
+          </a:lnRef>
+          <a:fillRef idx="0">
+            <a:schemeClr val="accent1"/>
+          </a:fillRef>
+          <a:effectRef idx="0">
+            <a:schemeClr val="accent1"/>
+          </a:effectRef>
+          <a:fontRef idx="minor">
+            <a:schemeClr val="tx1"/>
+          </a:fontRef>
+        </p:style>
+      </p:cxnSp>
+      <p:cxnSp>
+        <p:nvCxnSpPr>
+          <p:cNvPr id="17" name="Straight Arrow Connector 16">
+            <a:extLst>
+              <a:ext uri="{FF2B5EF4-FFF2-40B4-BE49-F238E27FC236}">
+                <a16:creationId xmlns:a16="http://schemas.microsoft.com/office/drawing/2014/main" id="{76364F1C-F5EE-3F63-862B-C2B4CB5B8B96}"/>
+              </a:ext>
+            </a:extLst>
+          </p:cNvPr>
+          <p:cNvCxnSpPr>
+            <a:cxnSpLocks/>
+            <a:stCxn id="10" idx="2"/>
+            <a:endCxn id="11" idx="0"/>
+          </p:cNvCxnSpPr>
+          <p:nvPr/>
+        </p:nvCxnSpPr>
+        <p:spPr>
+          <a:xfrm>
+            <a:off x="8605682" y="923772"/>
+            <a:ext cx="0" cy="277764"/>
+          </a:xfrm>
+          <a:prstGeom prst="straightConnector1">
+            <a:avLst/>
+          </a:prstGeom>
+          <a:ln>
+            <a:tailEnd type="triangle"/>
+          </a:ln>
+        </p:spPr>
+        <p:style>
+          <a:lnRef idx="1">
+            <a:schemeClr val="accent1"/>
+          </a:lnRef>
+          <a:fillRef idx="0">
+            <a:schemeClr val="accent1"/>
+          </a:fillRef>
+          <a:effectRef idx="0">
+            <a:schemeClr val="accent1"/>
+          </a:effectRef>
+          <a:fontRef idx="minor">
+            <a:schemeClr val="tx1"/>
+          </a:fontRef>
+        </p:style>
+      </p:cxnSp>
+      <p:cxnSp>
+        <p:nvCxnSpPr>
+          <p:cNvPr id="18" name="Straight Arrow Connector 17">
+            <a:extLst>
+              <a:ext uri="{FF2B5EF4-FFF2-40B4-BE49-F238E27FC236}">
+                <a16:creationId xmlns:a16="http://schemas.microsoft.com/office/drawing/2014/main" id="{9DA6EC7A-3178-387E-929F-E1488AE5A738}"/>
+              </a:ext>
+            </a:extLst>
+          </p:cNvPr>
+          <p:cNvCxnSpPr>
+            <a:cxnSpLocks/>
+            <a:stCxn id="11" idx="2"/>
+            <a:endCxn id="12" idx="0"/>
+          </p:cNvCxnSpPr>
+          <p:nvPr/>
+        </p:nvCxnSpPr>
+        <p:spPr>
+          <a:xfrm>
+            <a:off x="8605682" y="1990057"/>
+            <a:ext cx="0" cy="277764"/>
+          </a:xfrm>
+          <a:prstGeom prst="straightConnector1">
+            <a:avLst/>
+          </a:prstGeom>
+          <a:ln>
+            <a:tailEnd type="triangle"/>
+          </a:ln>
+        </p:spPr>
+        <p:style>
+          <a:lnRef idx="1">
+            <a:schemeClr val="accent1"/>
+          </a:lnRef>
+          <a:fillRef idx="0">
+            <a:schemeClr val="accent1"/>
+          </a:fillRef>
+          <a:effectRef idx="0">
+            <a:schemeClr val="accent1"/>
+          </a:effectRef>
+          <a:fontRef idx="minor">
+            <a:schemeClr val="tx1"/>
+          </a:fontRef>
+        </p:style>
+      </p:cxnSp>
+      <p:cxnSp>
+        <p:nvCxnSpPr>
+          <p:cNvPr id="19" name="Straight Arrow Connector 18">
+            <a:extLst>
+              <a:ext uri="{FF2B5EF4-FFF2-40B4-BE49-F238E27FC236}">
+                <a16:creationId xmlns:a16="http://schemas.microsoft.com/office/drawing/2014/main" id="{A79D0EC6-78FA-942A-F83F-27F2E9FBDB75}"/>
+              </a:ext>
+            </a:extLst>
+          </p:cNvPr>
+          <p:cNvCxnSpPr>
+            <a:cxnSpLocks/>
+            <a:stCxn id="12" idx="2"/>
+            <a:endCxn id="13" idx="0"/>
+          </p:cNvCxnSpPr>
+          <p:nvPr/>
+        </p:nvCxnSpPr>
+        <p:spPr>
+          <a:xfrm>
+            <a:off x="8605682" y="3056342"/>
+            <a:ext cx="0" cy="246777"/>
+          </a:xfrm>
+          <a:prstGeom prst="straightConnector1">
+            <a:avLst/>
+          </a:prstGeom>
+          <a:ln>
+            <a:tailEnd type="triangle"/>
+          </a:ln>
+        </p:spPr>
+        <p:style>
+          <a:lnRef idx="1">
+            <a:schemeClr val="accent1"/>
+          </a:lnRef>
+          <a:fillRef idx="0">
+            <a:schemeClr val="accent1"/>
+          </a:fillRef>
+          <a:effectRef idx="0">
+            <a:schemeClr val="accent1"/>
+          </a:effectRef>
+          <a:fontRef idx="minor">
+            <a:schemeClr val="tx1"/>
+          </a:fontRef>
+        </p:style>
+      </p:cxnSp>
+      <p:cxnSp>
+        <p:nvCxnSpPr>
+          <p:cNvPr id="20" name="Straight Arrow Connector 19">
+            <a:extLst>
+              <a:ext uri="{FF2B5EF4-FFF2-40B4-BE49-F238E27FC236}">
+                <a16:creationId xmlns:a16="http://schemas.microsoft.com/office/drawing/2014/main" id="{75B20009-50D4-484F-8B01-D64CD5F9849A}"/>
+              </a:ext>
+            </a:extLst>
+          </p:cNvPr>
+          <p:cNvCxnSpPr>
+            <a:cxnSpLocks/>
+            <a:stCxn id="13" idx="2"/>
+            <a:endCxn id="5" idx="0"/>
+          </p:cNvCxnSpPr>
+          <p:nvPr/>
+        </p:nvCxnSpPr>
+        <p:spPr>
+          <a:xfrm flipH="1">
+            <a:off x="6400801" y="4091640"/>
+            <a:ext cx="2204881" cy="310472"/>
+          </a:xfrm>
+          <a:prstGeom prst="straightConnector1">
+            <a:avLst/>
+          </a:prstGeom>
+          <a:ln>
+            <a:tailEnd type="triangle"/>
+          </a:ln>
+        </p:spPr>
+        <p:style>
+          <a:lnRef idx="1">
+            <a:schemeClr val="accent1"/>
+          </a:lnRef>
+          <a:fillRef idx="0">
+            <a:schemeClr val="accent1"/>
+          </a:fillRef>
+          <a:effectRef idx="0">
+            <a:schemeClr val="accent1"/>
+          </a:effectRef>
+          <a:fontRef idx="minor">
+            <a:schemeClr val="tx1"/>
+          </a:fontRef>
+        </p:style>
+      </p:cxnSp>
+      <p:cxnSp>
+        <p:nvCxnSpPr>
+          <p:cNvPr id="23" name="Straight Arrow Connector 22">
+            <a:extLst>
+              <a:ext uri="{FF2B5EF4-FFF2-40B4-BE49-F238E27FC236}">
+                <a16:creationId xmlns:a16="http://schemas.microsoft.com/office/drawing/2014/main" id="{8EFFA105-8D17-61C5-FA03-8C7F0C578393}"/>
+              </a:ext>
+            </a:extLst>
+          </p:cNvPr>
+          <p:cNvCxnSpPr>
+            <a:cxnSpLocks/>
+            <a:stCxn id="9" idx="2"/>
+            <a:endCxn id="5" idx="0"/>
+          </p:cNvCxnSpPr>
+          <p:nvPr/>
+        </p:nvCxnSpPr>
+        <p:spPr>
+          <a:xfrm>
+            <a:off x="3952567" y="4122627"/>
+            <a:ext cx="2448234" cy="279485"/>
+          </a:xfrm>
+          <a:prstGeom prst="straightConnector1">
+            <a:avLst/>
+          </a:prstGeom>
+          <a:ln>
+            <a:tailEnd type="triangle"/>
+          </a:ln>
+        </p:spPr>
+        <p:style>
+          <a:lnRef idx="1">
+            <a:schemeClr val="accent1"/>
+          </a:lnRef>
+          <a:fillRef idx="0">
+            <a:schemeClr val="accent1"/>
+          </a:fillRef>
+          <a:effectRef idx="0">
+            <a:schemeClr val="accent1"/>
+          </a:effectRef>
+          <a:fontRef idx="minor">
+            <a:schemeClr val="tx1"/>
+          </a:fontRef>
+        </p:style>
+      </p:cxnSp>
+      <p:cxnSp>
+        <p:nvCxnSpPr>
+          <p:cNvPr id="26" name="Straight Arrow Connector 25">
+            <a:extLst>
+              <a:ext uri="{FF2B5EF4-FFF2-40B4-BE49-F238E27FC236}">
+                <a16:creationId xmlns:a16="http://schemas.microsoft.com/office/drawing/2014/main" id="{BEA563E3-25BC-631C-B762-DBF1A110F242}"/>
+              </a:ext>
+            </a:extLst>
+          </p:cNvPr>
+          <p:cNvCxnSpPr>
+            <a:cxnSpLocks/>
+            <a:stCxn id="4" idx="2"/>
+            <a:endCxn id="5" idx="0"/>
+          </p:cNvCxnSpPr>
+          <p:nvPr/>
+        </p:nvCxnSpPr>
+        <p:spPr>
+          <a:xfrm>
+            <a:off x="6400801" y="4122627"/>
+            <a:ext cx="0" cy="279485"/>
+          </a:xfrm>
+          <a:prstGeom prst="straightConnector1">
+            <a:avLst/>
+          </a:prstGeom>
+          <a:ln>
+            <a:tailEnd type="triangle"/>
+          </a:ln>
+        </p:spPr>
+        <p:style>
+          <a:lnRef idx="1">
+            <a:schemeClr val="accent1"/>
+          </a:lnRef>
+          <a:fillRef idx="0">
+            <a:schemeClr val="accent1"/>
+          </a:fillRef>
+          <a:effectRef idx="0">
+            <a:schemeClr val="accent1"/>
+          </a:effectRef>
+          <a:fontRef idx="minor">
+            <a:schemeClr val="tx1"/>
+          </a:fontRef>
+        </p:style>
+      </p:cxnSp>
+      <p:cxnSp>
+        <p:nvCxnSpPr>
+          <p:cNvPr id="29" name="Straight Arrow Connector 28">
+            <a:extLst>
+              <a:ext uri="{FF2B5EF4-FFF2-40B4-BE49-F238E27FC236}">
+                <a16:creationId xmlns:a16="http://schemas.microsoft.com/office/drawing/2014/main" id="{E44D37C4-3282-24CF-CF00-49E909DA3B98}"/>
+              </a:ext>
+            </a:extLst>
+          </p:cNvPr>
+          <p:cNvCxnSpPr>
+            <a:cxnSpLocks/>
+            <a:stCxn id="5" idx="2"/>
+            <a:endCxn id="6" idx="0"/>
+          </p:cNvCxnSpPr>
+          <p:nvPr/>
+        </p:nvCxnSpPr>
+        <p:spPr>
+          <a:xfrm>
+            <a:off x="6400801" y="5190633"/>
+            <a:ext cx="0" cy="276043"/>
+          </a:xfrm>
+          <a:prstGeom prst="straightConnector1">
+            <a:avLst/>
+          </a:prstGeom>
+          <a:ln>
+            <a:tailEnd type="triangle"/>
+          </a:ln>
+        </p:spPr>
+        <p:style>
+          <a:lnRef idx="1">
+            <a:schemeClr val="accent1"/>
+          </a:lnRef>
+          <a:fillRef idx="0">
+            <a:schemeClr val="accent1"/>
+          </a:fillRef>
+          <a:effectRef idx="0">
+            <a:schemeClr val="accent1"/>
+          </a:effectRef>
+          <a:fontRef idx="minor">
+            <a:schemeClr val="tx1"/>
+          </a:fontRef>
+        </p:style>
+      </p:cxnSp>
+      <p:cxnSp>
+        <p:nvCxnSpPr>
+          <p:cNvPr id="55" name="Straight Arrow Connector 54">
+            <a:extLst>
+              <a:ext uri="{FF2B5EF4-FFF2-40B4-BE49-F238E27FC236}">
+                <a16:creationId xmlns:a16="http://schemas.microsoft.com/office/drawing/2014/main" id="{E9FDB852-6B18-D03E-E655-04A52FC37585}"/>
+              </a:ext>
+            </a:extLst>
+          </p:cNvPr>
+          <p:cNvCxnSpPr>
+            <a:cxnSpLocks/>
+            <a:stCxn id="13" idx="2"/>
+          </p:cNvCxnSpPr>
+          <p:nvPr/>
+        </p:nvCxnSpPr>
+        <p:spPr>
+          <a:xfrm>
+            <a:off x="8605682" y="4091640"/>
+            <a:ext cx="0" cy="310472"/>
+          </a:xfrm>
+          <a:prstGeom prst="straightConnector1">
+            <a:avLst/>
+          </a:prstGeom>
+          <a:ln>
+            <a:tailEnd type="triangle"/>
+          </a:ln>
+        </p:spPr>
+        <p:style>
+          <a:lnRef idx="1">
+            <a:schemeClr val="accent1"/>
+          </a:lnRef>
+          <a:fillRef idx="0">
+            <a:schemeClr val="accent1"/>
+          </a:fillRef>
+          <a:effectRef idx="0">
+            <a:schemeClr val="accent1"/>
+          </a:effectRef>
+          <a:fontRef idx="minor">
+            <a:schemeClr val="tx1"/>
+          </a:fontRef>
+        </p:style>
+      </p:cxnSp>
+      <p:cxnSp>
+        <p:nvCxnSpPr>
+          <p:cNvPr id="56" name="Straight Arrow Connector 55">
+            <a:extLst>
+              <a:ext uri="{FF2B5EF4-FFF2-40B4-BE49-F238E27FC236}">
+                <a16:creationId xmlns:a16="http://schemas.microsoft.com/office/drawing/2014/main" id="{0CE12F07-2546-3E12-766C-6D132D05B8DD}"/>
+              </a:ext>
+            </a:extLst>
+          </p:cNvPr>
+          <p:cNvCxnSpPr>
+            <a:cxnSpLocks/>
+            <a:stCxn id="6" idx="2"/>
+          </p:cNvCxnSpPr>
+          <p:nvPr/>
+        </p:nvCxnSpPr>
+        <p:spPr>
+          <a:xfrm flipH="1">
+            <a:off x="6393424" y="6255197"/>
+            <a:ext cx="7377" cy="246777"/>
+          </a:xfrm>
+          <a:prstGeom prst="straightConnector1">
+            <a:avLst/>
+          </a:prstGeom>
+          <a:ln>
+            <a:tailEnd type="triangle"/>
+          </a:ln>
+        </p:spPr>
+        <p:style>
+          <a:lnRef idx="1">
+            <a:schemeClr val="accent1"/>
+          </a:lnRef>
+          <a:fillRef idx="0">
+            <a:schemeClr val="accent1"/>
+          </a:fillRef>
+          <a:effectRef idx="0">
+            <a:schemeClr val="accent1"/>
+          </a:effectRef>
+          <a:fontRef idx="minor">
+            <a:schemeClr val="tx1"/>
+          </a:fontRef>
+        </p:style>
+      </p:cxnSp>
+      <p:cxnSp>
+        <p:nvCxnSpPr>
+          <p:cNvPr id="57" name="Straight Arrow Connector 56">
+            <a:extLst>
+              <a:ext uri="{FF2B5EF4-FFF2-40B4-BE49-F238E27FC236}">
+                <a16:creationId xmlns:a16="http://schemas.microsoft.com/office/drawing/2014/main" id="{7342D304-61E8-F837-4970-DF4CD5AE7E86}"/>
+              </a:ext>
+            </a:extLst>
+          </p:cNvPr>
+          <p:cNvCxnSpPr>
+            <a:cxnSpLocks/>
+            <a:stCxn id="9" idx="2"/>
+          </p:cNvCxnSpPr>
+          <p:nvPr/>
+        </p:nvCxnSpPr>
+        <p:spPr>
+          <a:xfrm>
+            <a:off x="3952567" y="4122627"/>
+            <a:ext cx="0" cy="246777"/>
+          </a:xfrm>
+          <a:prstGeom prst="straightConnector1">
+            <a:avLst/>
+          </a:prstGeom>
+          <a:ln>
+            <a:tailEnd type="triangle"/>
+          </a:ln>
+        </p:spPr>
+        <p:style>
+          <a:lnRef idx="1">
+            <a:schemeClr val="accent1"/>
+          </a:lnRef>
+          <a:fillRef idx="0">
+            <a:schemeClr val="accent1"/>
+          </a:fillRef>
+          <a:effectRef idx="0">
+            <a:schemeClr val="accent1"/>
+          </a:effectRef>
+          <a:fontRef idx="minor">
+            <a:schemeClr val="tx1"/>
+          </a:fontRef>
+        </p:style>
+      </p:cxnSp>
+      <p:sp>
+        <p:nvSpPr>
+          <p:cNvPr id="61" name="TextBox 60">
+            <a:extLst>
+              <a:ext uri="{FF2B5EF4-FFF2-40B4-BE49-F238E27FC236}">
+                <a16:creationId xmlns:a16="http://schemas.microsoft.com/office/drawing/2014/main" id="{47136017-D864-AAA7-36EC-F1E7794A6CE4}"/>
+              </a:ext>
+            </a:extLst>
+          </p:cNvPr>
+          <p:cNvSpPr txBox="1"/>
+          <p:nvPr/>
+        </p:nvSpPr>
+        <p:spPr>
+          <a:xfrm>
+            <a:off x="3780884" y="4332221"/>
+            <a:ext cx="343364" cy="369332"/>
+          </a:xfrm>
+          <a:prstGeom prst="rect">
+            <a:avLst/>
+          </a:prstGeom>
+          <a:noFill/>
         </p:spPr>
         <p:txBody>
-          <a:bodyPr/>
+          <a:bodyPr wrap="none" rtlCol="0">
+            <a:spAutoFit/>
+          </a:bodyPr>
           <a:lstStyle/>
           <a:p>
-            <a:endParaRPr lang="en-US"/>
+            <a:r>
+              <a:rPr lang="en-US" dirty="0"/>
+              <a:t>…</a:t>
+            </a:r>
+          </a:p>
+        </p:txBody>
+      </p:sp>
+      <p:sp>
+        <p:nvSpPr>
+          <p:cNvPr id="62" name="TextBox 61">
+            <a:extLst>
+              <a:ext uri="{FF2B5EF4-FFF2-40B4-BE49-F238E27FC236}">
+                <a16:creationId xmlns:a16="http://schemas.microsoft.com/office/drawing/2014/main" id="{52906713-364E-C8A4-D268-BBF92DCBDC55}"/>
+              </a:ext>
+            </a:extLst>
+          </p:cNvPr>
+          <p:cNvSpPr txBox="1"/>
+          <p:nvPr/>
+        </p:nvSpPr>
+        <p:spPr>
+          <a:xfrm>
+            <a:off x="8444596" y="4332221"/>
+            <a:ext cx="343364" cy="369332"/>
+          </a:xfrm>
+          <a:prstGeom prst="rect">
+            <a:avLst/>
+          </a:prstGeom>
+          <a:noFill/>
+        </p:spPr>
+        <p:txBody>
+          <a:bodyPr wrap="none" rtlCol="0">
+            <a:spAutoFit/>
+          </a:bodyPr>
+          <a:lstStyle/>
+          <a:p>
+            <a:r>
+              <a:rPr lang="en-US" dirty="0"/>
+              <a:t>…</a:t>
+            </a:r>
+          </a:p>
+        </p:txBody>
+      </p:sp>
+      <p:sp>
+        <p:nvSpPr>
+          <p:cNvPr id="63" name="TextBox 62">
+            <a:extLst>
+              <a:ext uri="{FF2B5EF4-FFF2-40B4-BE49-F238E27FC236}">
+                <a16:creationId xmlns:a16="http://schemas.microsoft.com/office/drawing/2014/main" id="{ED06E9BA-AF06-AD80-816A-526569AE2393}"/>
+              </a:ext>
+            </a:extLst>
+          </p:cNvPr>
+          <p:cNvSpPr txBox="1"/>
+          <p:nvPr/>
+        </p:nvSpPr>
+        <p:spPr>
+          <a:xfrm>
+            <a:off x="6221742" y="6378585"/>
+            <a:ext cx="343364" cy="369332"/>
+          </a:xfrm>
+          <a:prstGeom prst="rect">
+            <a:avLst/>
+          </a:prstGeom>
+          <a:noFill/>
+        </p:spPr>
+        <p:txBody>
+          <a:bodyPr wrap="none" rtlCol="0">
+            <a:spAutoFit/>
+          </a:bodyPr>
+          <a:lstStyle/>
+          <a:p>
+            <a:r>
+              <a:rPr lang="en-US" dirty="0"/>
+              <a:t>…</a:t>
+            </a:r>
           </a:p>
         </p:txBody>
       </p:sp>
     </p:spTree>
     <p:extLst>
       <p:ext uri="{BB962C8B-B14F-4D97-AF65-F5344CB8AC3E}">
-        <p14:creationId xmlns:p14="http://schemas.microsoft.com/office/powerpoint/2010/main" val="969528821"/>
+        <p14:creationId xmlns:p14="http://schemas.microsoft.com/office/powerpoint/2010/main" val="2179981605"/>
       </p:ext>
     </p:extLst>
   </p:cSld>

--- a/figures/figures.pptx
+++ b/figures/figures.pptx
@@ -3441,7 +3441,7 @@
           <a:bodyPr/>
           <a:lstStyle/>
           <a:p>
-            <a:endParaRPr lang="en-US"/>
+            <a:endParaRPr lang="en-US" dirty="0"/>
           </a:p>
         </p:txBody>
       </p:sp>

--- a/figures/figures.pptx
+++ b/figures/figures.pptx
@@ -15,6 +15,8 @@
     <p:sldId id="263" r:id="rId9"/>
     <p:sldId id="264" r:id="rId10"/>
     <p:sldId id="266" r:id="rId11"/>
+    <p:sldId id="267" r:id="rId12"/>
+    <p:sldId id="268" r:id="rId13"/>
   </p:sldIdLst>
   <p:sldSz cx="12192000" cy="6858000"/>
   <p:notesSz cx="6858000" cy="9144000"/>
@@ -268,7 +270,7 @@
           <a:p>
             <a:fld id="{4B9CF307-EB09-4B6C-AE6A-0B77EE827448}" type="datetimeFigureOut">
               <a:rPr lang="en-US" smtClean="0"/>
-              <a:t>1/30/2023</a:t>
+              <a:t>1/31/2023</a:t>
             </a:fld>
             <a:endParaRPr lang="en-US"/>
           </a:p>
@@ -466,7 +468,7 @@
           <a:p>
             <a:fld id="{4B9CF307-EB09-4B6C-AE6A-0B77EE827448}" type="datetimeFigureOut">
               <a:rPr lang="en-US" smtClean="0"/>
-              <a:t>1/30/2023</a:t>
+              <a:t>1/31/2023</a:t>
             </a:fld>
             <a:endParaRPr lang="en-US"/>
           </a:p>
@@ -674,7 +676,7 @@
           <a:p>
             <a:fld id="{4B9CF307-EB09-4B6C-AE6A-0B77EE827448}" type="datetimeFigureOut">
               <a:rPr lang="en-US" smtClean="0"/>
-              <a:t>1/30/2023</a:t>
+              <a:t>1/31/2023</a:t>
             </a:fld>
             <a:endParaRPr lang="en-US"/>
           </a:p>
@@ -872,7 +874,7 @@
           <a:p>
             <a:fld id="{4B9CF307-EB09-4B6C-AE6A-0B77EE827448}" type="datetimeFigureOut">
               <a:rPr lang="en-US" smtClean="0"/>
-              <a:t>1/30/2023</a:t>
+              <a:t>1/31/2023</a:t>
             </a:fld>
             <a:endParaRPr lang="en-US"/>
           </a:p>
@@ -1147,7 +1149,7 @@
           <a:p>
             <a:fld id="{4B9CF307-EB09-4B6C-AE6A-0B77EE827448}" type="datetimeFigureOut">
               <a:rPr lang="en-US" smtClean="0"/>
-              <a:t>1/30/2023</a:t>
+              <a:t>1/31/2023</a:t>
             </a:fld>
             <a:endParaRPr lang="en-US"/>
           </a:p>
@@ -1412,7 +1414,7 @@
           <a:p>
             <a:fld id="{4B9CF307-EB09-4B6C-AE6A-0B77EE827448}" type="datetimeFigureOut">
               <a:rPr lang="en-US" smtClean="0"/>
-              <a:t>1/30/2023</a:t>
+              <a:t>1/31/2023</a:t>
             </a:fld>
             <a:endParaRPr lang="en-US"/>
           </a:p>
@@ -1824,7 +1826,7 @@
           <a:p>
             <a:fld id="{4B9CF307-EB09-4B6C-AE6A-0B77EE827448}" type="datetimeFigureOut">
               <a:rPr lang="en-US" smtClean="0"/>
-              <a:t>1/30/2023</a:t>
+              <a:t>1/31/2023</a:t>
             </a:fld>
             <a:endParaRPr lang="en-US"/>
           </a:p>
@@ -1965,7 +1967,7 @@
           <a:p>
             <a:fld id="{4B9CF307-EB09-4B6C-AE6A-0B77EE827448}" type="datetimeFigureOut">
               <a:rPr lang="en-US" smtClean="0"/>
-              <a:t>1/30/2023</a:t>
+              <a:t>1/31/2023</a:t>
             </a:fld>
             <a:endParaRPr lang="en-US"/>
           </a:p>
@@ -2078,7 +2080,7 @@
           <a:p>
             <a:fld id="{4B9CF307-EB09-4B6C-AE6A-0B77EE827448}" type="datetimeFigureOut">
               <a:rPr lang="en-US" smtClean="0"/>
-              <a:t>1/30/2023</a:t>
+              <a:t>1/31/2023</a:t>
             </a:fld>
             <a:endParaRPr lang="en-US"/>
           </a:p>
@@ -2389,7 +2391,7 @@
           <a:p>
             <a:fld id="{4B9CF307-EB09-4B6C-AE6A-0B77EE827448}" type="datetimeFigureOut">
               <a:rPr lang="en-US" smtClean="0"/>
-              <a:t>1/30/2023</a:t>
+              <a:t>1/31/2023</a:t>
             </a:fld>
             <a:endParaRPr lang="en-US"/>
           </a:p>
@@ -2677,7 +2679,7 @@
           <a:p>
             <a:fld id="{4B9CF307-EB09-4B6C-AE6A-0B77EE827448}" type="datetimeFigureOut">
               <a:rPr lang="en-US" smtClean="0"/>
-              <a:t>1/30/2023</a:t>
+              <a:t>1/31/2023</a:t>
             </a:fld>
             <a:endParaRPr lang="en-US"/>
           </a:p>
@@ -2918,7 +2920,7 @@
           <a:p>
             <a:fld id="{4B9CF307-EB09-4B6C-AE6A-0B77EE827448}" type="datetimeFigureOut">
               <a:rPr lang="en-US" smtClean="0"/>
-              <a:t>1/30/2023</a:t>
+              <a:t>1/31/2023</a:t>
             </a:fld>
             <a:endParaRPr lang="en-US"/>
           </a:p>
@@ -4819,6 +4821,8123 @@
     <p:extLst>
       <p:ext uri="{BB962C8B-B14F-4D97-AF65-F5344CB8AC3E}">
         <p14:creationId xmlns:p14="http://schemas.microsoft.com/office/powerpoint/2010/main" val="2179981605"/>
+      </p:ext>
+    </p:extLst>
+  </p:cSld>
+  <p:clrMapOvr>
+    <a:masterClrMapping/>
+  </p:clrMapOvr>
+</p:sld>
+</file>
+
+<file path=ppt/slides/slide11.xml><?xml version="1.0" encoding="utf-8"?>
+<p:sld xmlns:a="http://schemas.openxmlformats.org/drawingml/2006/main" xmlns:r="http://schemas.openxmlformats.org/officeDocument/2006/relationships" xmlns:p="http://schemas.openxmlformats.org/presentationml/2006/main">
+  <p:cSld>
+    <p:spTree>
+      <p:nvGrpSpPr>
+        <p:cNvPr id="1" name=""/>
+        <p:cNvGrpSpPr/>
+        <p:nvPr/>
+      </p:nvGrpSpPr>
+      <p:grpSpPr>
+        <a:xfrm>
+          <a:off x="0" y="0"/>
+          <a:ext cx="0" cy="0"/>
+          <a:chOff x="0" y="0"/>
+          <a:chExt cx="0" cy="0"/>
+        </a:xfrm>
+      </p:grpSpPr>
+      <p:grpSp>
+        <p:nvGrpSpPr>
+          <p:cNvPr id="4" name="Group 3">
+            <a:extLst>
+              <a:ext uri="{FF2B5EF4-FFF2-40B4-BE49-F238E27FC236}">
+                <a16:creationId xmlns:a16="http://schemas.microsoft.com/office/drawing/2014/main" id="{A75C7E20-EEA8-46EF-AD64-E9F43F5D2BFC}"/>
+              </a:ext>
+            </a:extLst>
+          </p:cNvPr>
+          <p:cNvGrpSpPr/>
+          <p:nvPr/>
+        </p:nvGrpSpPr>
+        <p:grpSpPr>
+          <a:xfrm>
+            <a:off x="39859" y="2885857"/>
+            <a:ext cx="1261872" cy="1309146"/>
+            <a:chOff x="3666744" y="2717780"/>
+            <a:chExt cx="1261872" cy="1309146"/>
+          </a:xfrm>
+        </p:grpSpPr>
+        <p:sp>
+          <p:nvSpPr>
+            <p:cNvPr id="5" name="Oval 4">
+              <a:extLst>
+                <a:ext uri="{FF2B5EF4-FFF2-40B4-BE49-F238E27FC236}">
+                  <a16:creationId xmlns:a16="http://schemas.microsoft.com/office/drawing/2014/main" id="{7D3A3714-80FB-4491-A716-508B077BCF59}"/>
+                </a:ext>
+              </a:extLst>
+            </p:cNvPr>
+            <p:cNvSpPr/>
+            <p:nvPr/>
+          </p:nvSpPr>
+          <p:spPr>
+            <a:xfrm>
+              <a:off x="4197096" y="2717780"/>
+              <a:ext cx="182880" cy="182880"/>
+            </a:xfrm>
+            <a:prstGeom prst="ellipse">
+              <a:avLst/>
+            </a:prstGeom>
+            <a:solidFill>
+              <a:schemeClr val="accent6">
+                <a:lumMod val="20000"/>
+                <a:lumOff val="80000"/>
+              </a:schemeClr>
+            </a:solidFill>
+            <a:ln>
+              <a:solidFill>
+                <a:schemeClr val="accent6">
+                  <a:lumMod val="75000"/>
+                </a:schemeClr>
+              </a:solidFill>
+            </a:ln>
+          </p:spPr>
+          <p:style>
+            <a:lnRef idx="2">
+              <a:schemeClr val="accent1">
+                <a:shade val="50000"/>
+              </a:schemeClr>
+            </a:lnRef>
+            <a:fillRef idx="1">
+              <a:schemeClr val="accent1"/>
+            </a:fillRef>
+            <a:effectRef idx="0">
+              <a:schemeClr val="accent1"/>
+            </a:effectRef>
+            <a:fontRef idx="minor">
+              <a:schemeClr val="lt1"/>
+            </a:fontRef>
+          </p:style>
+          <p:txBody>
+            <a:bodyPr rtlCol="0" anchor="ctr"/>
+            <a:lstStyle/>
+            <a:p>
+              <a:pPr algn="ctr"/>
+              <a:endParaRPr lang="en-US"/>
+            </a:p>
+          </p:txBody>
+        </p:sp>
+        <p:sp>
+          <p:nvSpPr>
+            <p:cNvPr id="6" name="Oval 5">
+              <a:extLst>
+                <a:ext uri="{FF2B5EF4-FFF2-40B4-BE49-F238E27FC236}">
+                  <a16:creationId xmlns:a16="http://schemas.microsoft.com/office/drawing/2014/main" id="{60340589-8041-4422-A50A-574965ED4C70}"/>
+                </a:ext>
+              </a:extLst>
+            </p:cNvPr>
+            <p:cNvSpPr/>
+            <p:nvPr/>
+          </p:nvSpPr>
+          <p:spPr>
+            <a:xfrm>
+              <a:off x="3849624" y="3172968"/>
+              <a:ext cx="182880" cy="182880"/>
+            </a:xfrm>
+            <a:prstGeom prst="ellipse">
+              <a:avLst/>
+            </a:prstGeom>
+            <a:solidFill>
+              <a:schemeClr val="accent6">
+                <a:lumMod val="20000"/>
+                <a:lumOff val="80000"/>
+              </a:schemeClr>
+            </a:solidFill>
+            <a:ln>
+              <a:solidFill>
+                <a:schemeClr val="accent6">
+                  <a:lumMod val="75000"/>
+                </a:schemeClr>
+              </a:solidFill>
+            </a:ln>
+          </p:spPr>
+          <p:style>
+            <a:lnRef idx="2">
+              <a:schemeClr val="accent1">
+                <a:shade val="50000"/>
+              </a:schemeClr>
+            </a:lnRef>
+            <a:fillRef idx="1">
+              <a:schemeClr val="accent1"/>
+            </a:fillRef>
+            <a:effectRef idx="0">
+              <a:schemeClr val="accent1"/>
+            </a:effectRef>
+            <a:fontRef idx="minor">
+              <a:schemeClr val="lt1"/>
+            </a:fontRef>
+          </p:style>
+          <p:txBody>
+            <a:bodyPr rtlCol="0" anchor="ctr"/>
+            <a:lstStyle/>
+            <a:p>
+              <a:pPr algn="ctr"/>
+              <a:endParaRPr lang="en-US"/>
+            </a:p>
+          </p:txBody>
+        </p:sp>
+        <p:sp>
+          <p:nvSpPr>
+            <p:cNvPr id="7" name="Oval 6">
+              <a:extLst>
+                <a:ext uri="{FF2B5EF4-FFF2-40B4-BE49-F238E27FC236}">
+                  <a16:creationId xmlns:a16="http://schemas.microsoft.com/office/drawing/2014/main" id="{E88673CE-AA04-43B7-B599-4D1B15BC00C5}"/>
+                </a:ext>
+              </a:extLst>
+            </p:cNvPr>
+            <p:cNvSpPr/>
+            <p:nvPr/>
+          </p:nvSpPr>
+          <p:spPr>
+            <a:xfrm>
+              <a:off x="4288536" y="3661166"/>
+              <a:ext cx="182880" cy="182880"/>
+            </a:xfrm>
+            <a:prstGeom prst="ellipse">
+              <a:avLst/>
+            </a:prstGeom>
+            <a:solidFill>
+              <a:schemeClr val="accent6">
+                <a:lumMod val="20000"/>
+                <a:lumOff val="80000"/>
+              </a:schemeClr>
+            </a:solidFill>
+            <a:ln>
+              <a:solidFill>
+                <a:schemeClr val="accent6">
+                  <a:lumMod val="75000"/>
+                </a:schemeClr>
+              </a:solidFill>
+            </a:ln>
+          </p:spPr>
+          <p:style>
+            <a:lnRef idx="2">
+              <a:schemeClr val="accent1">
+                <a:shade val="50000"/>
+              </a:schemeClr>
+            </a:lnRef>
+            <a:fillRef idx="1">
+              <a:schemeClr val="accent1"/>
+            </a:fillRef>
+            <a:effectRef idx="0">
+              <a:schemeClr val="accent1"/>
+            </a:effectRef>
+            <a:fontRef idx="minor">
+              <a:schemeClr val="lt1"/>
+            </a:fontRef>
+          </p:style>
+          <p:txBody>
+            <a:bodyPr rtlCol="0" anchor="ctr"/>
+            <a:lstStyle/>
+            <a:p>
+              <a:pPr algn="ctr"/>
+              <a:endParaRPr lang="en-US"/>
+            </a:p>
+          </p:txBody>
+        </p:sp>
+        <p:sp>
+          <p:nvSpPr>
+            <p:cNvPr id="8" name="Oval 7">
+              <a:extLst>
+                <a:ext uri="{FF2B5EF4-FFF2-40B4-BE49-F238E27FC236}">
+                  <a16:creationId xmlns:a16="http://schemas.microsoft.com/office/drawing/2014/main" id="{8B8019A2-AC4F-4764-9C65-80730CFC1C08}"/>
+                </a:ext>
+              </a:extLst>
+            </p:cNvPr>
+            <p:cNvSpPr/>
+            <p:nvPr/>
+          </p:nvSpPr>
+          <p:spPr>
+            <a:xfrm>
+              <a:off x="4745736" y="3246120"/>
+              <a:ext cx="182880" cy="182880"/>
+            </a:xfrm>
+            <a:prstGeom prst="ellipse">
+              <a:avLst/>
+            </a:prstGeom>
+            <a:solidFill>
+              <a:schemeClr val="accent6">
+                <a:lumMod val="20000"/>
+                <a:lumOff val="80000"/>
+              </a:schemeClr>
+            </a:solidFill>
+            <a:ln>
+              <a:solidFill>
+                <a:schemeClr val="accent6">
+                  <a:lumMod val="75000"/>
+                </a:schemeClr>
+              </a:solidFill>
+            </a:ln>
+          </p:spPr>
+          <p:style>
+            <a:lnRef idx="2">
+              <a:schemeClr val="accent1">
+                <a:shade val="50000"/>
+              </a:schemeClr>
+            </a:lnRef>
+            <a:fillRef idx="1">
+              <a:schemeClr val="accent1"/>
+            </a:fillRef>
+            <a:effectRef idx="0">
+              <a:schemeClr val="accent1"/>
+            </a:effectRef>
+            <a:fontRef idx="minor">
+              <a:schemeClr val="lt1"/>
+            </a:fontRef>
+          </p:style>
+          <p:txBody>
+            <a:bodyPr rtlCol="0" anchor="ctr"/>
+            <a:lstStyle/>
+            <a:p>
+              <a:pPr algn="ctr"/>
+              <a:endParaRPr lang="en-US" dirty="0"/>
+            </a:p>
+          </p:txBody>
+        </p:sp>
+        <p:sp>
+          <p:nvSpPr>
+            <p:cNvPr id="9" name="Oval 8">
+              <a:extLst>
+                <a:ext uri="{FF2B5EF4-FFF2-40B4-BE49-F238E27FC236}">
+                  <a16:creationId xmlns:a16="http://schemas.microsoft.com/office/drawing/2014/main" id="{7DC8FD7C-BF62-4BA4-852D-4D9FC7B07915}"/>
+                </a:ext>
+              </a:extLst>
+            </p:cNvPr>
+            <p:cNvSpPr/>
+            <p:nvPr/>
+          </p:nvSpPr>
+          <p:spPr>
+            <a:xfrm>
+              <a:off x="3666744" y="3844046"/>
+              <a:ext cx="182880" cy="182880"/>
+            </a:xfrm>
+            <a:prstGeom prst="ellipse">
+              <a:avLst/>
+            </a:prstGeom>
+            <a:solidFill>
+              <a:schemeClr val="accent6">
+                <a:lumMod val="20000"/>
+                <a:lumOff val="80000"/>
+              </a:schemeClr>
+            </a:solidFill>
+            <a:ln>
+              <a:solidFill>
+                <a:schemeClr val="accent6">
+                  <a:lumMod val="75000"/>
+                </a:schemeClr>
+              </a:solidFill>
+            </a:ln>
+          </p:spPr>
+          <p:style>
+            <a:lnRef idx="2">
+              <a:schemeClr val="accent1">
+                <a:shade val="50000"/>
+              </a:schemeClr>
+            </a:lnRef>
+            <a:fillRef idx="1">
+              <a:schemeClr val="accent1"/>
+            </a:fillRef>
+            <a:effectRef idx="0">
+              <a:schemeClr val="accent1"/>
+            </a:effectRef>
+            <a:fontRef idx="minor">
+              <a:schemeClr val="lt1"/>
+            </a:fontRef>
+          </p:style>
+          <p:txBody>
+            <a:bodyPr rtlCol="0" anchor="ctr"/>
+            <a:lstStyle/>
+            <a:p>
+              <a:pPr algn="ctr"/>
+              <a:endParaRPr lang="en-US"/>
+            </a:p>
+          </p:txBody>
+        </p:sp>
+        <p:cxnSp>
+          <p:nvCxnSpPr>
+            <p:cNvPr id="10" name="Straight Arrow Connector 9">
+              <a:extLst>
+                <a:ext uri="{FF2B5EF4-FFF2-40B4-BE49-F238E27FC236}">
+                  <a16:creationId xmlns:a16="http://schemas.microsoft.com/office/drawing/2014/main" id="{B469082F-EAFD-4C99-B170-B3577DC153FD}"/>
+                </a:ext>
+              </a:extLst>
+            </p:cNvPr>
+            <p:cNvCxnSpPr>
+              <a:stCxn id="5" idx="3"/>
+              <a:endCxn id="6" idx="7"/>
+            </p:cNvCxnSpPr>
+            <p:nvPr/>
+          </p:nvCxnSpPr>
+          <p:spPr>
+            <a:xfrm flipH="1">
+              <a:off x="4005722" y="2873878"/>
+              <a:ext cx="218156" cy="325872"/>
+            </a:xfrm>
+            <a:prstGeom prst="straightConnector1">
+              <a:avLst/>
+            </a:prstGeom>
+            <a:ln>
+              <a:solidFill>
+                <a:srgbClr val="0070C0"/>
+              </a:solidFill>
+              <a:tailEnd type="triangle"/>
+            </a:ln>
+          </p:spPr>
+          <p:style>
+            <a:lnRef idx="1">
+              <a:schemeClr val="accent1"/>
+            </a:lnRef>
+            <a:fillRef idx="0">
+              <a:schemeClr val="accent1"/>
+            </a:fillRef>
+            <a:effectRef idx="0">
+              <a:schemeClr val="accent1"/>
+            </a:effectRef>
+            <a:fontRef idx="minor">
+              <a:schemeClr val="tx1"/>
+            </a:fontRef>
+          </p:style>
+        </p:cxnSp>
+        <p:cxnSp>
+          <p:nvCxnSpPr>
+            <p:cNvPr id="11" name="Straight Arrow Connector 10">
+              <a:extLst>
+                <a:ext uri="{FF2B5EF4-FFF2-40B4-BE49-F238E27FC236}">
+                  <a16:creationId xmlns:a16="http://schemas.microsoft.com/office/drawing/2014/main" id="{DDD7D46F-728F-45AC-A88C-8CBA11A9239F}"/>
+                </a:ext>
+              </a:extLst>
+            </p:cNvPr>
+            <p:cNvCxnSpPr>
+              <a:cxnSpLocks/>
+              <a:stCxn id="5" idx="4"/>
+              <a:endCxn id="7" idx="0"/>
+            </p:cNvCxnSpPr>
+            <p:nvPr/>
+          </p:nvCxnSpPr>
+          <p:spPr>
+            <a:xfrm>
+              <a:off x="4288536" y="2900660"/>
+              <a:ext cx="91440" cy="760506"/>
+            </a:xfrm>
+            <a:prstGeom prst="straightConnector1">
+              <a:avLst/>
+            </a:prstGeom>
+            <a:ln>
+              <a:solidFill>
+                <a:srgbClr val="0070C0"/>
+              </a:solidFill>
+              <a:tailEnd type="triangle"/>
+            </a:ln>
+          </p:spPr>
+          <p:style>
+            <a:lnRef idx="1">
+              <a:schemeClr val="accent1"/>
+            </a:lnRef>
+            <a:fillRef idx="0">
+              <a:schemeClr val="accent1"/>
+            </a:fillRef>
+            <a:effectRef idx="0">
+              <a:schemeClr val="accent1"/>
+            </a:effectRef>
+            <a:fontRef idx="minor">
+              <a:schemeClr val="tx1"/>
+            </a:fontRef>
+          </p:style>
+        </p:cxnSp>
+        <p:cxnSp>
+          <p:nvCxnSpPr>
+            <p:cNvPr id="12" name="Straight Arrow Connector 11">
+              <a:extLst>
+                <a:ext uri="{FF2B5EF4-FFF2-40B4-BE49-F238E27FC236}">
+                  <a16:creationId xmlns:a16="http://schemas.microsoft.com/office/drawing/2014/main" id="{C316BC33-7A21-42B3-BE31-AD649BE17A7A}"/>
+                </a:ext>
+              </a:extLst>
+            </p:cNvPr>
+            <p:cNvCxnSpPr>
+              <a:cxnSpLocks/>
+              <a:stCxn id="5" idx="5"/>
+              <a:endCxn id="8" idx="1"/>
+            </p:cNvCxnSpPr>
+            <p:nvPr/>
+          </p:nvCxnSpPr>
+          <p:spPr>
+            <a:xfrm>
+              <a:off x="4353194" y="2873878"/>
+              <a:ext cx="419324" cy="399024"/>
+            </a:xfrm>
+            <a:prstGeom prst="straightConnector1">
+              <a:avLst/>
+            </a:prstGeom>
+            <a:ln>
+              <a:solidFill>
+                <a:srgbClr val="0070C0"/>
+              </a:solidFill>
+              <a:tailEnd type="triangle"/>
+            </a:ln>
+          </p:spPr>
+          <p:style>
+            <a:lnRef idx="1">
+              <a:schemeClr val="accent1"/>
+            </a:lnRef>
+            <a:fillRef idx="0">
+              <a:schemeClr val="accent1"/>
+            </a:fillRef>
+            <a:effectRef idx="0">
+              <a:schemeClr val="accent1"/>
+            </a:effectRef>
+            <a:fontRef idx="minor">
+              <a:schemeClr val="tx1"/>
+            </a:fontRef>
+          </p:style>
+        </p:cxnSp>
+        <p:cxnSp>
+          <p:nvCxnSpPr>
+            <p:cNvPr id="13" name="Straight Arrow Connector 12">
+              <a:extLst>
+                <a:ext uri="{FF2B5EF4-FFF2-40B4-BE49-F238E27FC236}">
+                  <a16:creationId xmlns:a16="http://schemas.microsoft.com/office/drawing/2014/main" id="{B03C5068-96C0-406F-A910-7463D671365E}"/>
+                </a:ext>
+              </a:extLst>
+            </p:cNvPr>
+            <p:cNvCxnSpPr>
+              <a:cxnSpLocks/>
+              <a:stCxn id="8" idx="3"/>
+              <a:endCxn id="7" idx="7"/>
+            </p:cNvCxnSpPr>
+            <p:nvPr/>
+          </p:nvCxnSpPr>
+          <p:spPr>
+            <a:xfrm flipH="1">
+              <a:off x="4444634" y="3402218"/>
+              <a:ext cx="327884" cy="285730"/>
+            </a:xfrm>
+            <a:prstGeom prst="straightConnector1">
+              <a:avLst/>
+            </a:prstGeom>
+            <a:ln>
+              <a:solidFill>
+                <a:srgbClr val="0070C0"/>
+              </a:solidFill>
+              <a:tailEnd type="triangle"/>
+            </a:ln>
+          </p:spPr>
+          <p:style>
+            <a:lnRef idx="1">
+              <a:schemeClr val="accent1"/>
+            </a:lnRef>
+            <a:fillRef idx="0">
+              <a:schemeClr val="accent1"/>
+            </a:fillRef>
+            <a:effectRef idx="0">
+              <a:schemeClr val="accent1"/>
+            </a:effectRef>
+            <a:fontRef idx="minor">
+              <a:schemeClr val="tx1"/>
+            </a:fontRef>
+          </p:style>
+        </p:cxnSp>
+        <p:cxnSp>
+          <p:nvCxnSpPr>
+            <p:cNvPr id="14" name="Straight Arrow Connector 13">
+              <a:extLst>
+                <a:ext uri="{FF2B5EF4-FFF2-40B4-BE49-F238E27FC236}">
+                  <a16:creationId xmlns:a16="http://schemas.microsoft.com/office/drawing/2014/main" id="{766A5434-9533-4634-A02B-8CC545C14242}"/>
+                </a:ext>
+              </a:extLst>
+            </p:cNvPr>
+            <p:cNvCxnSpPr>
+              <a:cxnSpLocks/>
+              <a:stCxn id="9" idx="6"/>
+              <a:endCxn id="7" idx="2"/>
+            </p:cNvCxnSpPr>
+            <p:nvPr/>
+          </p:nvCxnSpPr>
+          <p:spPr>
+            <a:xfrm flipV="1">
+              <a:off x="3849624" y="3752606"/>
+              <a:ext cx="438912" cy="182880"/>
+            </a:xfrm>
+            <a:prstGeom prst="straightConnector1">
+              <a:avLst/>
+            </a:prstGeom>
+            <a:ln>
+              <a:solidFill>
+                <a:srgbClr val="0070C0"/>
+              </a:solidFill>
+              <a:tailEnd type="triangle"/>
+            </a:ln>
+          </p:spPr>
+          <p:style>
+            <a:lnRef idx="1">
+              <a:schemeClr val="accent1"/>
+            </a:lnRef>
+            <a:fillRef idx="0">
+              <a:schemeClr val="accent1"/>
+            </a:fillRef>
+            <a:effectRef idx="0">
+              <a:schemeClr val="accent1"/>
+            </a:effectRef>
+            <a:fontRef idx="minor">
+              <a:schemeClr val="tx1"/>
+            </a:fontRef>
+          </p:style>
+        </p:cxnSp>
+        <p:cxnSp>
+          <p:nvCxnSpPr>
+            <p:cNvPr id="15" name="Straight Arrow Connector 14">
+              <a:extLst>
+                <a:ext uri="{FF2B5EF4-FFF2-40B4-BE49-F238E27FC236}">
+                  <a16:creationId xmlns:a16="http://schemas.microsoft.com/office/drawing/2014/main" id="{0953CD24-4D99-4FAC-95EA-F1A371844B02}"/>
+                </a:ext>
+              </a:extLst>
+            </p:cNvPr>
+            <p:cNvCxnSpPr>
+              <a:cxnSpLocks/>
+              <a:stCxn id="9" idx="0"/>
+              <a:endCxn id="6" idx="4"/>
+            </p:cNvCxnSpPr>
+            <p:nvPr/>
+          </p:nvCxnSpPr>
+          <p:spPr>
+            <a:xfrm flipV="1">
+              <a:off x="3758184" y="3355848"/>
+              <a:ext cx="182880" cy="488198"/>
+            </a:xfrm>
+            <a:prstGeom prst="straightConnector1">
+              <a:avLst/>
+            </a:prstGeom>
+            <a:ln>
+              <a:solidFill>
+                <a:srgbClr val="0070C0"/>
+              </a:solidFill>
+              <a:tailEnd type="triangle"/>
+            </a:ln>
+          </p:spPr>
+          <p:style>
+            <a:lnRef idx="1">
+              <a:schemeClr val="accent1"/>
+            </a:lnRef>
+            <a:fillRef idx="0">
+              <a:schemeClr val="accent1"/>
+            </a:fillRef>
+            <a:effectRef idx="0">
+              <a:schemeClr val="accent1"/>
+            </a:effectRef>
+            <a:fontRef idx="minor">
+              <a:schemeClr val="tx1"/>
+            </a:fontRef>
+          </p:style>
+        </p:cxnSp>
+      </p:grpSp>
+      <p:sp>
+        <p:nvSpPr>
+          <p:cNvPr id="16" name="Rectangle: Rounded Corners 15">
+            <a:extLst>
+              <a:ext uri="{FF2B5EF4-FFF2-40B4-BE49-F238E27FC236}">
+                <a16:creationId xmlns:a16="http://schemas.microsoft.com/office/drawing/2014/main" id="{6AD7E2D8-ABFC-4548-A2BE-C2117F161939}"/>
+              </a:ext>
+            </a:extLst>
+          </p:cNvPr>
+          <p:cNvSpPr/>
+          <p:nvPr/>
+        </p:nvSpPr>
+        <p:spPr>
+          <a:xfrm>
+            <a:off x="1775845" y="2942504"/>
+            <a:ext cx="1201847" cy="1126266"/>
+          </a:xfrm>
+          <a:prstGeom prst="roundRect">
+            <a:avLst>
+              <a:gd name="adj" fmla="val 10106"/>
+            </a:avLst>
+          </a:prstGeom>
+          <a:solidFill>
+            <a:schemeClr val="accent4">
+              <a:lumMod val="20000"/>
+              <a:lumOff val="80000"/>
+            </a:schemeClr>
+          </a:solidFill>
+          <a:ln>
+            <a:solidFill>
+              <a:srgbClr val="FFC000"/>
+            </a:solidFill>
+          </a:ln>
+          <a:effectLst>
+            <a:outerShdw blurRad="50800" dist="38100" dir="2700000" algn="tl" rotWithShape="0">
+              <a:prstClr val="black">
+                <a:alpha val="40000"/>
+              </a:prstClr>
+            </a:outerShdw>
+          </a:effectLst>
+        </p:spPr>
+        <p:style>
+          <a:lnRef idx="2">
+            <a:schemeClr val="accent1">
+              <a:shade val="50000"/>
+            </a:schemeClr>
+          </a:lnRef>
+          <a:fillRef idx="1">
+            <a:schemeClr val="accent1"/>
+          </a:fillRef>
+          <a:effectRef idx="0">
+            <a:schemeClr val="accent1"/>
+          </a:effectRef>
+          <a:fontRef idx="minor">
+            <a:schemeClr val="lt1"/>
+          </a:fontRef>
+        </p:style>
+        <p:txBody>
+          <a:bodyPr lIns="0" tIns="0" rIns="0" bIns="0" rtlCol="0" anchor="ctr"/>
+          <a:lstStyle/>
+          <a:p>
+            <a:pPr algn="ctr"/>
+            <a:r>
+              <a:rPr lang="en-US" dirty="0">
+                <a:solidFill>
+                  <a:schemeClr val="tx1"/>
+                </a:solidFill>
+              </a:rPr>
+              <a:t>EE-Graph</a:t>
+            </a:r>
+          </a:p>
+          <a:p>
+            <a:pPr algn="ctr"/>
+            <a:r>
+              <a:rPr lang="en-US" dirty="0">
+                <a:solidFill>
+                  <a:schemeClr val="tx1"/>
+                </a:solidFill>
+              </a:rPr>
+              <a:t>Convolution</a:t>
+            </a:r>
+          </a:p>
+          <a:p>
+            <a:pPr algn="ctr"/>
+            <a:r>
+              <a:rPr lang="en-US" dirty="0">
+                <a:solidFill>
+                  <a:schemeClr val="tx1"/>
+                </a:solidFill>
+              </a:rPr>
+              <a:t>Network</a:t>
+            </a:r>
+          </a:p>
+        </p:txBody>
+      </p:sp>
+      <p:sp>
+        <p:nvSpPr>
+          <p:cNvPr id="43" name="Rectangle 26">
+            <a:extLst>
+              <a:ext uri="{FF2B5EF4-FFF2-40B4-BE49-F238E27FC236}">
+                <a16:creationId xmlns:a16="http://schemas.microsoft.com/office/drawing/2014/main" id="{DF97CE4A-34DC-461E-B6BD-B593A900C0A4}"/>
+              </a:ext>
+            </a:extLst>
+          </p:cNvPr>
+          <p:cNvSpPr>
+            <a:spLocks noChangeArrowheads="1"/>
+          </p:cNvSpPr>
+          <p:nvPr/>
+        </p:nvSpPr>
+        <p:spPr bwMode="auto">
+          <a:xfrm>
+            <a:off x="0" y="0"/>
+            <a:ext cx="12192000" cy="457200"/>
+          </a:xfrm>
+          <a:prstGeom prst="rect">
+            <a:avLst/>
+          </a:prstGeom>
+          <a:noFill/>
+          <a:ln>
+            <a:noFill/>
+          </a:ln>
+          <a:effectLst/>
+          <a:extLst>
+            <a:ext uri="{909E8E84-426E-40DD-AFC4-6F175D3DCCD1}">
+              <a14:hiddenFill xmlns:a14="http://schemas.microsoft.com/office/drawing/2010/main">
+                <a:solidFill>
+                  <a:schemeClr val="accent1"/>
+                </a:solidFill>
+              </a14:hiddenFill>
+            </a:ext>
+            <a:ext uri="{91240B29-F687-4F45-9708-019B960494DF}">
+              <a14:hiddenLine xmlns:a14="http://schemas.microsoft.com/office/drawing/2010/main" w="9525">
+                <a:solidFill>
+                  <a:schemeClr val="tx1"/>
+                </a:solidFill>
+                <a:miter lim="800000"/>
+                <a:headEnd/>
+                <a:tailEnd/>
+              </a14:hiddenLine>
+            </a:ext>
+            <a:ext uri="{AF507438-7753-43E0-B8FC-AC1667EBCBE1}">
+              <a14:hiddenEffects xmlns:a14="http://schemas.microsoft.com/office/drawing/2010/main">
+                <a:effectLst>
+                  <a:outerShdw dist="35921" dir="2700000" algn="ctr" rotWithShape="0">
+                    <a:schemeClr val="bg2"/>
+                  </a:outerShdw>
+                </a:effectLst>
+              </a14:hiddenEffects>
+            </a:ext>
+          </a:extLst>
+        </p:spPr>
+        <p:txBody>
+          <a:bodyPr vert="horz" wrap="none" lIns="91440" tIns="45720" rIns="91440" bIns="45720" numCol="1" anchor="ctr" anchorCtr="0" compatLnSpc="1">
+            <a:prstTxWarp prst="textNoShape">
+              <a:avLst/>
+            </a:prstTxWarp>
+            <a:spAutoFit/>
+          </a:bodyPr>
+          <a:lstStyle/>
+          <a:p>
+            <a:endParaRPr lang="en-US"/>
+          </a:p>
+        </p:txBody>
+      </p:sp>
+      <p:grpSp>
+        <p:nvGrpSpPr>
+          <p:cNvPr id="63" name="Group 62">
+            <a:extLst>
+              <a:ext uri="{FF2B5EF4-FFF2-40B4-BE49-F238E27FC236}">
+                <a16:creationId xmlns:a16="http://schemas.microsoft.com/office/drawing/2014/main" id="{71B3C28F-96AB-46C4-815A-09E7A4F71C7A}"/>
+              </a:ext>
+            </a:extLst>
+          </p:cNvPr>
+          <p:cNvGrpSpPr/>
+          <p:nvPr/>
+        </p:nvGrpSpPr>
+        <p:grpSpPr>
+          <a:xfrm>
+            <a:off x="3547425" y="2682022"/>
+            <a:ext cx="720991" cy="1610870"/>
+            <a:chOff x="3547425" y="2682022"/>
+            <a:chExt cx="720991" cy="1610870"/>
+          </a:xfrm>
+        </p:grpSpPr>
+        <p:grpSp>
+          <p:nvGrpSpPr>
+            <p:cNvPr id="46" name="Group 45">
+              <a:extLst>
+                <a:ext uri="{FF2B5EF4-FFF2-40B4-BE49-F238E27FC236}">
+                  <a16:creationId xmlns:a16="http://schemas.microsoft.com/office/drawing/2014/main" id="{EC4C4986-06F3-44C7-B7D4-F48C29F01CDF}"/>
+                </a:ext>
+              </a:extLst>
+            </p:cNvPr>
+            <p:cNvGrpSpPr/>
+            <p:nvPr/>
+          </p:nvGrpSpPr>
+          <p:grpSpPr>
+            <a:xfrm>
+              <a:off x="3553406" y="2682022"/>
+              <a:ext cx="711200" cy="203835"/>
+              <a:chOff x="3559387" y="2503170"/>
+              <a:chExt cx="711200" cy="203835"/>
+            </a:xfrm>
+          </p:grpSpPr>
+          <p:sp>
+            <p:nvSpPr>
+              <p:cNvPr id="18" name="Rectangle: Rounded Corners 17">
+                <a:extLst>
+                  <a:ext uri="{FF2B5EF4-FFF2-40B4-BE49-F238E27FC236}">
+                    <a16:creationId xmlns:a16="http://schemas.microsoft.com/office/drawing/2014/main" id="{4DDDA0ED-7C55-49F5-B3EE-BE76434D8889}"/>
+                  </a:ext>
+                </a:extLst>
+              </p:cNvPr>
+              <p:cNvSpPr/>
+              <p:nvPr/>
+            </p:nvSpPr>
+            <p:spPr>
+              <a:xfrm>
+                <a:off x="3559387" y="2503170"/>
+                <a:ext cx="711200" cy="203835"/>
+              </a:xfrm>
+              <a:prstGeom prst="roundRect">
+                <a:avLst/>
+              </a:prstGeom>
+              <a:noFill/>
+              <a:ln>
+                <a:solidFill>
+                  <a:schemeClr val="tx1"/>
+                </a:solidFill>
+              </a:ln>
+            </p:spPr>
+            <p:style>
+              <a:lnRef idx="2">
+                <a:schemeClr val="accent1">
+                  <a:shade val="50000"/>
+                </a:schemeClr>
+              </a:lnRef>
+              <a:fillRef idx="1">
+                <a:schemeClr val="accent1"/>
+              </a:fillRef>
+              <a:effectRef idx="0">
+                <a:schemeClr val="accent1"/>
+              </a:effectRef>
+              <a:fontRef idx="minor">
+                <a:schemeClr val="lt1"/>
+              </a:fontRef>
+            </p:style>
+            <p:txBody>
+              <a:bodyPr rot="0" spcFirstLastPara="0" vert="horz" wrap="square" lIns="91440" tIns="45720" rIns="91440" bIns="45720" numCol="1" spcCol="0" rtlCol="0" fromWordArt="0" anchor="ctr" anchorCtr="0" forceAA="0" compatLnSpc="1">
+                <a:prstTxWarp prst="textNoShape">
+                  <a:avLst/>
+                </a:prstTxWarp>
+                <a:noAutofit/>
+              </a:bodyPr>
+              <a:lstStyle/>
+              <a:p>
+                <a:endParaRPr lang="en-US"/>
+              </a:p>
+            </p:txBody>
+          </p:sp>
+          <p:sp>
+            <p:nvSpPr>
+              <p:cNvPr id="19" name="Oval 18">
+                <a:extLst>
+                  <a:ext uri="{FF2B5EF4-FFF2-40B4-BE49-F238E27FC236}">
+                    <a16:creationId xmlns:a16="http://schemas.microsoft.com/office/drawing/2014/main" id="{1128D7ED-9270-4FB2-83BD-D7742BC221F4}"/>
+                  </a:ext>
+                </a:extLst>
+              </p:cNvPr>
+              <p:cNvSpPr/>
+              <p:nvPr/>
+            </p:nvSpPr>
+            <p:spPr>
+              <a:xfrm>
+                <a:off x="3640032" y="2545080"/>
+                <a:ext cx="134620" cy="128905"/>
+              </a:xfrm>
+              <a:prstGeom prst="ellipse">
+                <a:avLst/>
+              </a:prstGeom>
+              <a:solidFill>
+                <a:schemeClr val="accent1">
+                  <a:lumMod val="40000"/>
+                  <a:lumOff val="60000"/>
+                </a:schemeClr>
+              </a:solidFill>
+              <a:ln>
+                <a:solidFill>
+                  <a:schemeClr val="accent1">
+                    <a:lumMod val="60000"/>
+                    <a:lumOff val="40000"/>
+                  </a:schemeClr>
+                </a:solidFill>
+              </a:ln>
+            </p:spPr>
+            <p:style>
+              <a:lnRef idx="2">
+                <a:schemeClr val="accent1">
+                  <a:shade val="50000"/>
+                </a:schemeClr>
+              </a:lnRef>
+              <a:fillRef idx="1">
+                <a:schemeClr val="accent1"/>
+              </a:fillRef>
+              <a:effectRef idx="0">
+                <a:schemeClr val="accent1"/>
+              </a:effectRef>
+              <a:fontRef idx="minor">
+                <a:schemeClr val="lt1"/>
+              </a:fontRef>
+            </p:style>
+            <p:txBody>
+              <a:bodyPr rot="0" spcFirstLastPara="0" vert="horz" wrap="square" lIns="91440" tIns="45720" rIns="91440" bIns="45720" numCol="1" spcCol="0" rtlCol="0" fromWordArt="0" anchor="ctr" anchorCtr="0" forceAA="0" compatLnSpc="1">
+                <a:prstTxWarp prst="textNoShape">
+                  <a:avLst/>
+                </a:prstTxWarp>
+                <a:noAutofit/>
+              </a:bodyPr>
+              <a:lstStyle/>
+              <a:p>
+                <a:endParaRPr lang="en-US"/>
+              </a:p>
+            </p:txBody>
+          </p:sp>
+          <p:sp>
+            <p:nvSpPr>
+              <p:cNvPr id="20" name="Oval 19">
+                <a:extLst>
+                  <a:ext uri="{FF2B5EF4-FFF2-40B4-BE49-F238E27FC236}">
+                    <a16:creationId xmlns:a16="http://schemas.microsoft.com/office/drawing/2014/main" id="{9DB8AAEA-59AF-42A2-95CE-DC586CE37560}"/>
+                  </a:ext>
+                </a:extLst>
+              </p:cNvPr>
+              <p:cNvSpPr/>
+              <p:nvPr/>
+            </p:nvSpPr>
+            <p:spPr>
+              <a:xfrm>
+                <a:off x="3851487" y="2545080"/>
+                <a:ext cx="134620" cy="128905"/>
+              </a:xfrm>
+              <a:prstGeom prst="ellipse">
+                <a:avLst/>
+              </a:prstGeom>
+              <a:solidFill>
+                <a:schemeClr val="accent1">
+                  <a:lumMod val="40000"/>
+                  <a:lumOff val="60000"/>
+                </a:schemeClr>
+              </a:solidFill>
+              <a:ln>
+                <a:solidFill>
+                  <a:schemeClr val="accent1">
+                    <a:lumMod val="60000"/>
+                    <a:lumOff val="40000"/>
+                  </a:schemeClr>
+                </a:solidFill>
+              </a:ln>
+            </p:spPr>
+            <p:style>
+              <a:lnRef idx="2">
+                <a:schemeClr val="accent1">
+                  <a:shade val="50000"/>
+                </a:schemeClr>
+              </a:lnRef>
+              <a:fillRef idx="1">
+                <a:schemeClr val="accent1"/>
+              </a:fillRef>
+              <a:effectRef idx="0">
+                <a:schemeClr val="accent1"/>
+              </a:effectRef>
+              <a:fontRef idx="minor">
+                <a:schemeClr val="lt1"/>
+              </a:fontRef>
+            </p:style>
+            <p:txBody>
+              <a:bodyPr rot="0" spcFirstLastPara="0" vert="horz" wrap="square" lIns="91440" tIns="45720" rIns="91440" bIns="45720" numCol="1" spcCol="0" rtlCol="0" fromWordArt="0" anchor="ctr" anchorCtr="0" forceAA="0" compatLnSpc="1">
+                <a:prstTxWarp prst="textNoShape">
+                  <a:avLst/>
+                </a:prstTxWarp>
+                <a:noAutofit/>
+              </a:bodyPr>
+              <a:lstStyle/>
+              <a:p>
+                <a:endParaRPr lang="en-US"/>
+              </a:p>
+            </p:txBody>
+          </p:sp>
+          <p:sp>
+            <p:nvSpPr>
+              <p:cNvPr id="21" name="Oval 20">
+                <a:extLst>
+                  <a:ext uri="{FF2B5EF4-FFF2-40B4-BE49-F238E27FC236}">
+                    <a16:creationId xmlns:a16="http://schemas.microsoft.com/office/drawing/2014/main" id="{B53A2837-2489-4AE8-9A97-4F741830C4E2}"/>
+                  </a:ext>
+                </a:extLst>
+              </p:cNvPr>
+              <p:cNvSpPr/>
+              <p:nvPr/>
+            </p:nvSpPr>
+            <p:spPr>
+              <a:xfrm>
+                <a:off x="4063577" y="2545080"/>
+                <a:ext cx="134620" cy="128905"/>
+              </a:xfrm>
+              <a:prstGeom prst="ellipse">
+                <a:avLst/>
+              </a:prstGeom>
+              <a:solidFill>
+                <a:schemeClr val="accent1">
+                  <a:lumMod val="40000"/>
+                  <a:lumOff val="60000"/>
+                </a:schemeClr>
+              </a:solidFill>
+              <a:ln>
+                <a:solidFill>
+                  <a:schemeClr val="accent1">
+                    <a:lumMod val="60000"/>
+                    <a:lumOff val="40000"/>
+                  </a:schemeClr>
+                </a:solidFill>
+              </a:ln>
+            </p:spPr>
+            <p:style>
+              <a:lnRef idx="2">
+                <a:schemeClr val="accent1">
+                  <a:shade val="50000"/>
+                </a:schemeClr>
+              </a:lnRef>
+              <a:fillRef idx="1">
+                <a:schemeClr val="accent1"/>
+              </a:fillRef>
+              <a:effectRef idx="0">
+                <a:schemeClr val="accent1"/>
+              </a:effectRef>
+              <a:fontRef idx="minor">
+                <a:schemeClr val="lt1"/>
+              </a:fontRef>
+            </p:style>
+            <p:txBody>
+              <a:bodyPr rot="0" spcFirstLastPara="0" vert="horz" wrap="square" lIns="91440" tIns="45720" rIns="91440" bIns="45720" numCol="1" spcCol="0" rtlCol="0" fromWordArt="0" anchor="ctr" anchorCtr="0" forceAA="0" compatLnSpc="1">
+                <a:prstTxWarp prst="textNoShape">
+                  <a:avLst/>
+                </a:prstTxWarp>
+                <a:noAutofit/>
+              </a:bodyPr>
+              <a:lstStyle/>
+              <a:p>
+                <a:endParaRPr lang="en-US"/>
+              </a:p>
+            </p:txBody>
+          </p:sp>
+        </p:grpSp>
+        <p:grpSp>
+          <p:nvGrpSpPr>
+            <p:cNvPr id="47" name="Group 46">
+              <a:extLst>
+                <a:ext uri="{FF2B5EF4-FFF2-40B4-BE49-F238E27FC236}">
+                  <a16:creationId xmlns:a16="http://schemas.microsoft.com/office/drawing/2014/main" id="{10D7F356-56F1-4254-AF71-651D11B5A249}"/>
+                </a:ext>
+              </a:extLst>
+            </p:cNvPr>
+            <p:cNvGrpSpPr/>
+            <p:nvPr/>
+          </p:nvGrpSpPr>
+          <p:grpSpPr>
+            <a:xfrm>
+              <a:off x="3557216" y="3064709"/>
+              <a:ext cx="711200" cy="203835"/>
+              <a:chOff x="3559387" y="2503170"/>
+              <a:chExt cx="711200" cy="203835"/>
+            </a:xfrm>
+          </p:grpSpPr>
+          <p:sp>
+            <p:nvSpPr>
+              <p:cNvPr id="48" name="Rectangle: Rounded Corners 47">
+                <a:extLst>
+                  <a:ext uri="{FF2B5EF4-FFF2-40B4-BE49-F238E27FC236}">
+                    <a16:creationId xmlns:a16="http://schemas.microsoft.com/office/drawing/2014/main" id="{B3156FDB-143C-4188-B2DA-16E7619EE1A5}"/>
+                  </a:ext>
+                </a:extLst>
+              </p:cNvPr>
+              <p:cNvSpPr/>
+              <p:nvPr/>
+            </p:nvSpPr>
+            <p:spPr>
+              <a:xfrm>
+                <a:off x="3559387" y="2503170"/>
+                <a:ext cx="711200" cy="203835"/>
+              </a:xfrm>
+              <a:prstGeom prst="roundRect">
+                <a:avLst/>
+              </a:prstGeom>
+              <a:noFill/>
+              <a:ln>
+                <a:solidFill>
+                  <a:schemeClr val="tx1"/>
+                </a:solidFill>
+              </a:ln>
+            </p:spPr>
+            <p:style>
+              <a:lnRef idx="2">
+                <a:schemeClr val="accent1">
+                  <a:shade val="50000"/>
+                </a:schemeClr>
+              </a:lnRef>
+              <a:fillRef idx="1">
+                <a:schemeClr val="accent1"/>
+              </a:fillRef>
+              <a:effectRef idx="0">
+                <a:schemeClr val="accent1"/>
+              </a:effectRef>
+              <a:fontRef idx="minor">
+                <a:schemeClr val="lt1"/>
+              </a:fontRef>
+            </p:style>
+            <p:txBody>
+              <a:bodyPr rot="0" spcFirstLastPara="0" vert="horz" wrap="square" lIns="91440" tIns="45720" rIns="91440" bIns="45720" numCol="1" spcCol="0" rtlCol="0" fromWordArt="0" anchor="ctr" anchorCtr="0" forceAA="0" compatLnSpc="1">
+                <a:prstTxWarp prst="textNoShape">
+                  <a:avLst/>
+                </a:prstTxWarp>
+                <a:noAutofit/>
+              </a:bodyPr>
+              <a:lstStyle/>
+              <a:p>
+                <a:endParaRPr lang="en-US"/>
+              </a:p>
+            </p:txBody>
+          </p:sp>
+          <p:sp>
+            <p:nvSpPr>
+              <p:cNvPr id="49" name="Oval 48">
+                <a:extLst>
+                  <a:ext uri="{FF2B5EF4-FFF2-40B4-BE49-F238E27FC236}">
+                    <a16:creationId xmlns:a16="http://schemas.microsoft.com/office/drawing/2014/main" id="{643A148E-A22B-44E3-9480-1BF930090B67}"/>
+                  </a:ext>
+                </a:extLst>
+              </p:cNvPr>
+              <p:cNvSpPr/>
+              <p:nvPr/>
+            </p:nvSpPr>
+            <p:spPr>
+              <a:xfrm>
+                <a:off x="3640032" y="2545080"/>
+                <a:ext cx="134620" cy="128905"/>
+              </a:xfrm>
+              <a:prstGeom prst="ellipse">
+                <a:avLst/>
+              </a:prstGeom>
+              <a:solidFill>
+                <a:schemeClr val="accent1">
+                  <a:lumMod val="40000"/>
+                  <a:lumOff val="60000"/>
+                </a:schemeClr>
+              </a:solidFill>
+              <a:ln>
+                <a:solidFill>
+                  <a:schemeClr val="accent1">
+                    <a:lumMod val="60000"/>
+                    <a:lumOff val="40000"/>
+                  </a:schemeClr>
+                </a:solidFill>
+              </a:ln>
+            </p:spPr>
+            <p:style>
+              <a:lnRef idx="2">
+                <a:schemeClr val="accent1">
+                  <a:shade val="50000"/>
+                </a:schemeClr>
+              </a:lnRef>
+              <a:fillRef idx="1">
+                <a:schemeClr val="accent1"/>
+              </a:fillRef>
+              <a:effectRef idx="0">
+                <a:schemeClr val="accent1"/>
+              </a:effectRef>
+              <a:fontRef idx="minor">
+                <a:schemeClr val="lt1"/>
+              </a:fontRef>
+            </p:style>
+            <p:txBody>
+              <a:bodyPr rot="0" spcFirstLastPara="0" vert="horz" wrap="square" lIns="91440" tIns="45720" rIns="91440" bIns="45720" numCol="1" spcCol="0" rtlCol="0" fromWordArt="0" anchor="ctr" anchorCtr="0" forceAA="0" compatLnSpc="1">
+                <a:prstTxWarp prst="textNoShape">
+                  <a:avLst/>
+                </a:prstTxWarp>
+                <a:noAutofit/>
+              </a:bodyPr>
+              <a:lstStyle/>
+              <a:p>
+                <a:endParaRPr lang="en-US"/>
+              </a:p>
+            </p:txBody>
+          </p:sp>
+          <p:sp>
+            <p:nvSpPr>
+              <p:cNvPr id="50" name="Oval 49">
+                <a:extLst>
+                  <a:ext uri="{FF2B5EF4-FFF2-40B4-BE49-F238E27FC236}">
+                    <a16:creationId xmlns:a16="http://schemas.microsoft.com/office/drawing/2014/main" id="{568692B1-9FD1-41FC-8850-F35CFD226D77}"/>
+                  </a:ext>
+                </a:extLst>
+              </p:cNvPr>
+              <p:cNvSpPr/>
+              <p:nvPr/>
+            </p:nvSpPr>
+            <p:spPr>
+              <a:xfrm>
+                <a:off x="3851487" y="2545080"/>
+                <a:ext cx="134620" cy="128905"/>
+              </a:xfrm>
+              <a:prstGeom prst="ellipse">
+                <a:avLst/>
+              </a:prstGeom>
+              <a:solidFill>
+                <a:schemeClr val="accent1">
+                  <a:lumMod val="40000"/>
+                  <a:lumOff val="60000"/>
+                </a:schemeClr>
+              </a:solidFill>
+              <a:ln>
+                <a:solidFill>
+                  <a:schemeClr val="accent1">
+                    <a:lumMod val="60000"/>
+                    <a:lumOff val="40000"/>
+                  </a:schemeClr>
+                </a:solidFill>
+              </a:ln>
+            </p:spPr>
+            <p:style>
+              <a:lnRef idx="2">
+                <a:schemeClr val="accent1">
+                  <a:shade val="50000"/>
+                </a:schemeClr>
+              </a:lnRef>
+              <a:fillRef idx="1">
+                <a:schemeClr val="accent1"/>
+              </a:fillRef>
+              <a:effectRef idx="0">
+                <a:schemeClr val="accent1"/>
+              </a:effectRef>
+              <a:fontRef idx="minor">
+                <a:schemeClr val="lt1"/>
+              </a:fontRef>
+            </p:style>
+            <p:txBody>
+              <a:bodyPr rot="0" spcFirstLastPara="0" vert="horz" wrap="square" lIns="91440" tIns="45720" rIns="91440" bIns="45720" numCol="1" spcCol="0" rtlCol="0" fromWordArt="0" anchor="ctr" anchorCtr="0" forceAA="0" compatLnSpc="1">
+                <a:prstTxWarp prst="textNoShape">
+                  <a:avLst/>
+                </a:prstTxWarp>
+                <a:noAutofit/>
+              </a:bodyPr>
+              <a:lstStyle/>
+              <a:p>
+                <a:endParaRPr lang="en-US"/>
+              </a:p>
+            </p:txBody>
+          </p:sp>
+          <p:sp>
+            <p:nvSpPr>
+              <p:cNvPr id="51" name="Oval 50">
+                <a:extLst>
+                  <a:ext uri="{FF2B5EF4-FFF2-40B4-BE49-F238E27FC236}">
+                    <a16:creationId xmlns:a16="http://schemas.microsoft.com/office/drawing/2014/main" id="{1B68E82E-9906-4A60-BC29-5843E618E9F6}"/>
+                  </a:ext>
+                </a:extLst>
+              </p:cNvPr>
+              <p:cNvSpPr/>
+              <p:nvPr/>
+            </p:nvSpPr>
+            <p:spPr>
+              <a:xfrm>
+                <a:off x="4063577" y="2545080"/>
+                <a:ext cx="134620" cy="128905"/>
+              </a:xfrm>
+              <a:prstGeom prst="ellipse">
+                <a:avLst/>
+              </a:prstGeom>
+              <a:solidFill>
+                <a:schemeClr val="accent1">
+                  <a:lumMod val="40000"/>
+                  <a:lumOff val="60000"/>
+                </a:schemeClr>
+              </a:solidFill>
+              <a:ln>
+                <a:solidFill>
+                  <a:schemeClr val="accent1">
+                    <a:lumMod val="60000"/>
+                    <a:lumOff val="40000"/>
+                  </a:schemeClr>
+                </a:solidFill>
+              </a:ln>
+            </p:spPr>
+            <p:style>
+              <a:lnRef idx="2">
+                <a:schemeClr val="accent1">
+                  <a:shade val="50000"/>
+                </a:schemeClr>
+              </a:lnRef>
+              <a:fillRef idx="1">
+                <a:schemeClr val="accent1"/>
+              </a:fillRef>
+              <a:effectRef idx="0">
+                <a:schemeClr val="accent1"/>
+              </a:effectRef>
+              <a:fontRef idx="minor">
+                <a:schemeClr val="lt1"/>
+              </a:fontRef>
+            </p:style>
+            <p:txBody>
+              <a:bodyPr rot="0" spcFirstLastPara="0" vert="horz" wrap="square" lIns="91440" tIns="45720" rIns="91440" bIns="45720" numCol="1" spcCol="0" rtlCol="0" fromWordArt="0" anchor="ctr" anchorCtr="0" forceAA="0" compatLnSpc="1">
+                <a:prstTxWarp prst="textNoShape">
+                  <a:avLst/>
+                </a:prstTxWarp>
+                <a:noAutofit/>
+              </a:bodyPr>
+              <a:lstStyle/>
+              <a:p>
+                <a:endParaRPr lang="en-US"/>
+              </a:p>
+            </p:txBody>
+          </p:sp>
+        </p:grpSp>
+        <p:grpSp>
+          <p:nvGrpSpPr>
+            <p:cNvPr id="52" name="Group 51">
+              <a:extLst>
+                <a:ext uri="{FF2B5EF4-FFF2-40B4-BE49-F238E27FC236}">
+                  <a16:creationId xmlns:a16="http://schemas.microsoft.com/office/drawing/2014/main" id="{6E94D5AF-B8E7-44F3-837C-40285C528164}"/>
+                </a:ext>
+              </a:extLst>
+            </p:cNvPr>
+            <p:cNvGrpSpPr/>
+            <p:nvPr/>
+          </p:nvGrpSpPr>
+          <p:grpSpPr>
+            <a:xfrm>
+              <a:off x="3557216" y="3703411"/>
+              <a:ext cx="711200" cy="203835"/>
+              <a:chOff x="3559387" y="2503170"/>
+              <a:chExt cx="711200" cy="203835"/>
+            </a:xfrm>
+          </p:grpSpPr>
+          <p:sp>
+            <p:nvSpPr>
+              <p:cNvPr id="53" name="Rectangle: Rounded Corners 52">
+                <a:extLst>
+                  <a:ext uri="{FF2B5EF4-FFF2-40B4-BE49-F238E27FC236}">
+                    <a16:creationId xmlns:a16="http://schemas.microsoft.com/office/drawing/2014/main" id="{74DD0041-C0EC-4ED7-BE2E-3479EFD2F3A3}"/>
+                  </a:ext>
+                </a:extLst>
+              </p:cNvPr>
+              <p:cNvSpPr/>
+              <p:nvPr/>
+            </p:nvSpPr>
+            <p:spPr>
+              <a:xfrm>
+                <a:off x="3559387" y="2503170"/>
+                <a:ext cx="711200" cy="203835"/>
+              </a:xfrm>
+              <a:prstGeom prst="roundRect">
+                <a:avLst/>
+              </a:prstGeom>
+              <a:noFill/>
+              <a:ln>
+                <a:solidFill>
+                  <a:schemeClr val="tx1"/>
+                </a:solidFill>
+              </a:ln>
+            </p:spPr>
+            <p:style>
+              <a:lnRef idx="2">
+                <a:schemeClr val="accent1">
+                  <a:shade val="50000"/>
+                </a:schemeClr>
+              </a:lnRef>
+              <a:fillRef idx="1">
+                <a:schemeClr val="accent1"/>
+              </a:fillRef>
+              <a:effectRef idx="0">
+                <a:schemeClr val="accent1"/>
+              </a:effectRef>
+              <a:fontRef idx="minor">
+                <a:schemeClr val="lt1"/>
+              </a:fontRef>
+            </p:style>
+            <p:txBody>
+              <a:bodyPr rot="0" spcFirstLastPara="0" vert="horz" wrap="square" lIns="91440" tIns="45720" rIns="91440" bIns="45720" numCol="1" spcCol="0" rtlCol="0" fromWordArt="0" anchor="ctr" anchorCtr="0" forceAA="0" compatLnSpc="1">
+                <a:prstTxWarp prst="textNoShape">
+                  <a:avLst/>
+                </a:prstTxWarp>
+                <a:noAutofit/>
+              </a:bodyPr>
+              <a:lstStyle/>
+              <a:p>
+                <a:endParaRPr lang="en-US"/>
+              </a:p>
+            </p:txBody>
+          </p:sp>
+          <p:sp>
+            <p:nvSpPr>
+              <p:cNvPr id="54" name="Oval 53">
+                <a:extLst>
+                  <a:ext uri="{FF2B5EF4-FFF2-40B4-BE49-F238E27FC236}">
+                    <a16:creationId xmlns:a16="http://schemas.microsoft.com/office/drawing/2014/main" id="{F9A7A776-2C0E-4A3B-9F5B-AA940AABC85D}"/>
+                  </a:ext>
+                </a:extLst>
+              </p:cNvPr>
+              <p:cNvSpPr/>
+              <p:nvPr/>
+            </p:nvSpPr>
+            <p:spPr>
+              <a:xfrm>
+                <a:off x="3640032" y="2545080"/>
+                <a:ext cx="134620" cy="128905"/>
+              </a:xfrm>
+              <a:prstGeom prst="ellipse">
+                <a:avLst/>
+              </a:prstGeom>
+              <a:solidFill>
+                <a:schemeClr val="accent1">
+                  <a:lumMod val="40000"/>
+                  <a:lumOff val="60000"/>
+                </a:schemeClr>
+              </a:solidFill>
+              <a:ln>
+                <a:solidFill>
+                  <a:schemeClr val="accent1">
+                    <a:lumMod val="60000"/>
+                    <a:lumOff val="40000"/>
+                  </a:schemeClr>
+                </a:solidFill>
+              </a:ln>
+            </p:spPr>
+            <p:style>
+              <a:lnRef idx="2">
+                <a:schemeClr val="accent1">
+                  <a:shade val="50000"/>
+                </a:schemeClr>
+              </a:lnRef>
+              <a:fillRef idx="1">
+                <a:schemeClr val="accent1"/>
+              </a:fillRef>
+              <a:effectRef idx="0">
+                <a:schemeClr val="accent1"/>
+              </a:effectRef>
+              <a:fontRef idx="minor">
+                <a:schemeClr val="lt1"/>
+              </a:fontRef>
+            </p:style>
+            <p:txBody>
+              <a:bodyPr rot="0" spcFirstLastPara="0" vert="horz" wrap="square" lIns="91440" tIns="45720" rIns="91440" bIns="45720" numCol="1" spcCol="0" rtlCol="0" fromWordArt="0" anchor="ctr" anchorCtr="0" forceAA="0" compatLnSpc="1">
+                <a:prstTxWarp prst="textNoShape">
+                  <a:avLst/>
+                </a:prstTxWarp>
+                <a:noAutofit/>
+              </a:bodyPr>
+              <a:lstStyle/>
+              <a:p>
+                <a:endParaRPr lang="en-US"/>
+              </a:p>
+            </p:txBody>
+          </p:sp>
+          <p:sp>
+            <p:nvSpPr>
+              <p:cNvPr id="55" name="Oval 54">
+                <a:extLst>
+                  <a:ext uri="{FF2B5EF4-FFF2-40B4-BE49-F238E27FC236}">
+                    <a16:creationId xmlns:a16="http://schemas.microsoft.com/office/drawing/2014/main" id="{DE48DAFF-8D13-4FF1-94F6-25A95F9A7AEB}"/>
+                  </a:ext>
+                </a:extLst>
+              </p:cNvPr>
+              <p:cNvSpPr/>
+              <p:nvPr/>
+            </p:nvSpPr>
+            <p:spPr>
+              <a:xfrm>
+                <a:off x="3851487" y="2545080"/>
+                <a:ext cx="134620" cy="128905"/>
+              </a:xfrm>
+              <a:prstGeom prst="ellipse">
+                <a:avLst/>
+              </a:prstGeom>
+              <a:solidFill>
+                <a:schemeClr val="accent1">
+                  <a:lumMod val="40000"/>
+                  <a:lumOff val="60000"/>
+                </a:schemeClr>
+              </a:solidFill>
+              <a:ln>
+                <a:solidFill>
+                  <a:schemeClr val="accent1">
+                    <a:lumMod val="60000"/>
+                    <a:lumOff val="40000"/>
+                  </a:schemeClr>
+                </a:solidFill>
+              </a:ln>
+            </p:spPr>
+            <p:style>
+              <a:lnRef idx="2">
+                <a:schemeClr val="accent1">
+                  <a:shade val="50000"/>
+                </a:schemeClr>
+              </a:lnRef>
+              <a:fillRef idx="1">
+                <a:schemeClr val="accent1"/>
+              </a:fillRef>
+              <a:effectRef idx="0">
+                <a:schemeClr val="accent1"/>
+              </a:effectRef>
+              <a:fontRef idx="minor">
+                <a:schemeClr val="lt1"/>
+              </a:fontRef>
+            </p:style>
+            <p:txBody>
+              <a:bodyPr rot="0" spcFirstLastPara="0" vert="horz" wrap="square" lIns="91440" tIns="45720" rIns="91440" bIns="45720" numCol="1" spcCol="0" rtlCol="0" fromWordArt="0" anchor="ctr" anchorCtr="0" forceAA="0" compatLnSpc="1">
+                <a:prstTxWarp prst="textNoShape">
+                  <a:avLst/>
+                </a:prstTxWarp>
+                <a:noAutofit/>
+              </a:bodyPr>
+              <a:lstStyle/>
+              <a:p>
+                <a:endParaRPr lang="en-US"/>
+              </a:p>
+            </p:txBody>
+          </p:sp>
+          <p:sp>
+            <p:nvSpPr>
+              <p:cNvPr id="56" name="Oval 55">
+                <a:extLst>
+                  <a:ext uri="{FF2B5EF4-FFF2-40B4-BE49-F238E27FC236}">
+                    <a16:creationId xmlns:a16="http://schemas.microsoft.com/office/drawing/2014/main" id="{D80E5E54-6325-4DDC-8796-5317720261C2}"/>
+                  </a:ext>
+                </a:extLst>
+              </p:cNvPr>
+              <p:cNvSpPr/>
+              <p:nvPr/>
+            </p:nvSpPr>
+            <p:spPr>
+              <a:xfrm>
+                <a:off x="4063577" y="2545080"/>
+                <a:ext cx="134620" cy="128905"/>
+              </a:xfrm>
+              <a:prstGeom prst="ellipse">
+                <a:avLst/>
+              </a:prstGeom>
+              <a:solidFill>
+                <a:schemeClr val="accent1">
+                  <a:lumMod val="40000"/>
+                  <a:lumOff val="60000"/>
+                </a:schemeClr>
+              </a:solidFill>
+              <a:ln>
+                <a:solidFill>
+                  <a:schemeClr val="accent1">
+                    <a:lumMod val="60000"/>
+                    <a:lumOff val="40000"/>
+                  </a:schemeClr>
+                </a:solidFill>
+              </a:ln>
+            </p:spPr>
+            <p:style>
+              <a:lnRef idx="2">
+                <a:schemeClr val="accent1">
+                  <a:shade val="50000"/>
+                </a:schemeClr>
+              </a:lnRef>
+              <a:fillRef idx="1">
+                <a:schemeClr val="accent1"/>
+              </a:fillRef>
+              <a:effectRef idx="0">
+                <a:schemeClr val="accent1"/>
+              </a:effectRef>
+              <a:fontRef idx="minor">
+                <a:schemeClr val="lt1"/>
+              </a:fontRef>
+            </p:style>
+            <p:txBody>
+              <a:bodyPr rot="0" spcFirstLastPara="0" vert="horz" wrap="square" lIns="91440" tIns="45720" rIns="91440" bIns="45720" numCol="1" spcCol="0" rtlCol="0" fromWordArt="0" anchor="ctr" anchorCtr="0" forceAA="0" compatLnSpc="1">
+                <a:prstTxWarp prst="textNoShape">
+                  <a:avLst/>
+                </a:prstTxWarp>
+                <a:noAutofit/>
+              </a:bodyPr>
+              <a:lstStyle/>
+              <a:p>
+                <a:endParaRPr lang="en-US"/>
+              </a:p>
+            </p:txBody>
+          </p:sp>
+        </p:grpSp>
+        <p:grpSp>
+          <p:nvGrpSpPr>
+            <p:cNvPr id="57" name="Group 56">
+              <a:extLst>
+                <a:ext uri="{FF2B5EF4-FFF2-40B4-BE49-F238E27FC236}">
+                  <a16:creationId xmlns:a16="http://schemas.microsoft.com/office/drawing/2014/main" id="{4C77F533-187D-4609-A36F-5EA8ED641559}"/>
+                </a:ext>
+              </a:extLst>
+            </p:cNvPr>
+            <p:cNvGrpSpPr/>
+            <p:nvPr/>
+          </p:nvGrpSpPr>
+          <p:grpSpPr>
+            <a:xfrm>
+              <a:off x="3547425" y="4089057"/>
+              <a:ext cx="711200" cy="203835"/>
+              <a:chOff x="3559387" y="2503170"/>
+              <a:chExt cx="711200" cy="203835"/>
+            </a:xfrm>
+          </p:grpSpPr>
+          <p:sp>
+            <p:nvSpPr>
+              <p:cNvPr id="58" name="Rectangle: Rounded Corners 57">
+                <a:extLst>
+                  <a:ext uri="{FF2B5EF4-FFF2-40B4-BE49-F238E27FC236}">
+                    <a16:creationId xmlns:a16="http://schemas.microsoft.com/office/drawing/2014/main" id="{3F247D63-6303-4570-A4FA-1FAE9A742299}"/>
+                  </a:ext>
+                </a:extLst>
+              </p:cNvPr>
+              <p:cNvSpPr/>
+              <p:nvPr/>
+            </p:nvSpPr>
+            <p:spPr>
+              <a:xfrm>
+                <a:off x="3559387" y="2503170"/>
+                <a:ext cx="711200" cy="203835"/>
+              </a:xfrm>
+              <a:prstGeom prst="roundRect">
+                <a:avLst/>
+              </a:prstGeom>
+              <a:noFill/>
+              <a:ln>
+                <a:solidFill>
+                  <a:schemeClr val="tx1"/>
+                </a:solidFill>
+              </a:ln>
+            </p:spPr>
+            <p:style>
+              <a:lnRef idx="2">
+                <a:schemeClr val="accent1">
+                  <a:shade val="50000"/>
+                </a:schemeClr>
+              </a:lnRef>
+              <a:fillRef idx="1">
+                <a:schemeClr val="accent1"/>
+              </a:fillRef>
+              <a:effectRef idx="0">
+                <a:schemeClr val="accent1"/>
+              </a:effectRef>
+              <a:fontRef idx="minor">
+                <a:schemeClr val="lt1"/>
+              </a:fontRef>
+            </p:style>
+            <p:txBody>
+              <a:bodyPr rot="0" spcFirstLastPara="0" vert="horz" wrap="square" lIns="91440" tIns="45720" rIns="91440" bIns="45720" numCol="1" spcCol="0" rtlCol="0" fromWordArt="0" anchor="ctr" anchorCtr="0" forceAA="0" compatLnSpc="1">
+                <a:prstTxWarp prst="textNoShape">
+                  <a:avLst/>
+                </a:prstTxWarp>
+                <a:noAutofit/>
+              </a:bodyPr>
+              <a:lstStyle/>
+              <a:p>
+                <a:endParaRPr lang="en-US"/>
+              </a:p>
+            </p:txBody>
+          </p:sp>
+          <p:sp>
+            <p:nvSpPr>
+              <p:cNvPr id="59" name="Oval 58">
+                <a:extLst>
+                  <a:ext uri="{FF2B5EF4-FFF2-40B4-BE49-F238E27FC236}">
+                    <a16:creationId xmlns:a16="http://schemas.microsoft.com/office/drawing/2014/main" id="{DD58FF30-2FDD-4A77-901F-29046AA1E0D7}"/>
+                  </a:ext>
+                </a:extLst>
+              </p:cNvPr>
+              <p:cNvSpPr/>
+              <p:nvPr/>
+            </p:nvSpPr>
+            <p:spPr>
+              <a:xfrm>
+                <a:off x="3640032" y="2545080"/>
+                <a:ext cx="134620" cy="128905"/>
+              </a:xfrm>
+              <a:prstGeom prst="ellipse">
+                <a:avLst/>
+              </a:prstGeom>
+              <a:solidFill>
+                <a:schemeClr val="accent1">
+                  <a:lumMod val="40000"/>
+                  <a:lumOff val="60000"/>
+                </a:schemeClr>
+              </a:solidFill>
+              <a:ln>
+                <a:solidFill>
+                  <a:schemeClr val="accent1">
+                    <a:lumMod val="60000"/>
+                    <a:lumOff val="40000"/>
+                  </a:schemeClr>
+                </a:solidFill>
+              </a:ln>
+            </p:spPr>
+            <p:style>
+              <a:lnRef idx="2">
+                <a:schemeClr val="accent1">
+                  <a:shade val="50000"/>
+                </a:schemeClr>
+              </a:lnRef>
+              <a:fillRef idx="1">
+                <a:schemeClr val="accent1"/>
+              </a:fillRef>
+              <a:effectRef idx="0">
+                <a:schemeClr val="accent1"/>
+              </a:effectRef>
+              <a:fontRef idx="minor">
+                <a:schemeClr val="lt1"/>
+              </a:fontRef>
+            </p:style>
+            <p:txBody>
+              <a:bodyPr rot="0" spcFirstLastPara="0" vert="horz" wrap="square" lIns="91440" tIns="45720" rIns="91440" bIns="45720" numCol="1" spcCol="0" rtlCol="0" fromWordArt="0" anchor="ctr" anchorCtr="0" forceAA="0" compatLnSpc="1">
+                <a:prstTxWarp prst="textNoShape">
+                  <a:avLst/>
+                </a:prstTxWarp>
+                <a:noAutofit/>
+              </a:bodyPr>
+              <a:lstStyle/>
+              <a:p>
+                <a:endParaRPr lang="en-US"/>
+              </a:p>
+            </p:txBody>
+          </p:sp>
+          <p:sp>
+            <p:nvSpPr>
+              <p:cNvPr id="60" name="Oval 59">
+                <a:extLst>
+                  <a:ext uri="{FF2B5EF4-FFF2-40B4-BE49-F238E27FC236}">
+                    <a16:creationId xmlns:a16="http://schemas.microsoft.com/office/drawing/2014/main" id="{BEC4E59D-A47B-4C5F-AB39-1D41238CD50A}"/>
+                  </a:ext>
+                </a:extLst>
+              </p:cNvPr>
+              <p:cNvSpPr/>
+              <p:nvPr/>
+            </p:nvSpPr>
+            <p:spPr>
+              <a:xfrm>
+                <a:off x="3851487" y="2545080"/>
+                <a:ext cx="134620" cy="128905"/>
+              </a:xfrm>
+              <a:prstGeom prst="ellipse">
+                <a:avLst/>
+              </a:prstGeom>
+              <a:solidFill>
+                <a:schemeClr val="accent1">
+                  <a:lumMod val="40000"/>
+                  <a:lumOff val="60000"/>
+                </a:schemeClr>
+              </a:solidFill>
+              <a:ln>
+                <a:solidFill>
+                  <a:schemeClr val="accent1">
+                    <a:lumMod val="60000"/>
+                    <a:lumOff val="40000"/>
+                  </a:schemeClr>
+                </a:solidFill>
+              </a:ln>
+            </p:spPr>
+            <p:style>
+              <a:lnRef idx="2">
+                <a:schemeClr val="accent1">
+                  <a:shade val="50000"/>
+                </a:schemeClr>
+              </a:lnRef>
+              <a:fillRef idx="1">
+                <a:schemeClr val="accent1"/>
+              </a:fillRef>
+              <a:effectRef idx="0">
+                <a:schemeClr val="accent1"/>
+              </a:effectRef>
+              <a:fontRef idx="minor">
+                <a:schemeClr val="lt1"/>
+              </a:fontRef>
+            </p:style>
+            <p:txBody>
+              <a:bodyPr rot="0" spcFirstLastPara="0" vert="horz" wrap="square" lIns="91440" tIns="45720" rIns="91440" bIns="45720" numCol="1" spcCol="0" rtlCol="0" fromWordArt="0" anchor="ctr" anchorCtr="0" forceAA="0" compatLnSpc="1">
+                <a:prstTxWarp prst="textNoShape">
+                  <a:avLst/>
+                </a:prstTxWarp>
+                <a:noAutofit/>
+              </a:bodyPr>
+              <a:lstStyle/>
+              <a:p>
+                <a:endParaRPr lang="en-US"/>
+              </a:p>
+            </p:txBody>
+          </p:sp>
+          <p:sp>
+            <p:nvSpPr>
+              <p:cNvPr id="61" name="Oval 60">
+                <a:extLst>
+                  <a:ext uri="{FF2B5EF4-FFF2-40B4-BE49-F238E27FC236}">
+                    <a16:creationId xmlns:a16="http://schemas.microsoft.com/office/drawing/2014/main" id="{305A8B22-4CCF-4BC6-B6DA-6FDD459CBE2C}"/>
+                  </a:ext>
+                </a:extLst>
+              </p:cNvPr>
+              <p:cNvSpPr/>
+              <p:nvPr/>
+            </p:nvSpPr>
+            <p:spPr>
+              <a:xfrm>
+                <a:off x="4063577" y="2545080"/>
+                <a:ext cx="134620" cy="128905"/>
+              </a:xfrm>
+              <a:prstGeom prst="ellipse">
+                <a:avLst/>
+              </a:prstGeom>
+              <a:solidFill>
+                <a:schemeClr val="accent1">
+                  <a:lumMod val="40000"/>
+                  <a:lumOff val="60000"/>
+                </a:schemeClr>
+              </a:solidFill>
+              <a:ln>
+                <a:solidFill>
+                  <a:schemeClr val="accent1">
+                    <a:lumMod val="60000"/>
+                    <a:lumOff val="40000"/>
+                  </a:schemeClr>
+                </a:solidFill>
+              </a:ln>
+            </p:spPr>
+            <p:style>
+              <a:lnRef idx="2">
+                <a:schemeClr val="accent1">
+                  <a:shade val="50000"/>
+                </a:schemeClr>
+              </a:lnRef>
+              <a:fillRef idx="1">
+                <a:schemeClr val="accent1"/>
+              </a:fillRef>
+              <a:effectRef idx="0">
+                <a:schemeClr val="accent1"/>
+              </a:effectRef>
+              <a:fontRef idx="minor">
+                <a:schemeClr val="lt1"/>
+              </a:fontRef>
+            </p:style>
+            <p:txBody>
+              <a:bodyPr rot="0" spcFirstLastPara="0" vert="horz" wrap="square" lIns="91440" tIns="45720" rIns="91440" bIns="45720" numCol="1" spcCol="0" rtlCol="0" fromWordArt="0" anchor="ctr" anchorCtr="0" forceAA="0" compatLnSpc="1">
+                <a:prstTxWarp prst="textNoShape">
+                  <a:avLst/>
+                </a:prstTxWarp>
+                <a:noAutofit/>
+              </a:bodyPr>
+              <a:lstStyle/>
+              <a:p>
+                <a:endParaRPr lang="en-US"/>
+              </a:p>
+            </p:txBody>
+          </p:sp>
+        </p:grpSp>
+        <p:sp>
+          <p:nvSpPr>
+            <p:cNvPr id="62" name="TextBox 61">
+              <a:extLst>
+                <a:ext uri="{FF2B5EF4-FFF2-40B4-BE49-F238E27FC236}">
+                  <a16:creationId xmlns:a16="http://schemas.microsoft.com/office/drawing/2014/main" id="{4B807A1A-F2C2-4AFB-A340-44C1C132B4DE}"/>
+                </a:ext>
+              </a:extLst>
+            </p:cNvPr>
+            <p:cNvSpPr txBox="1"/>
+            <p:nvPr/>
+          </p:nvSpPr>
+          <p:spPr>
+            <a:xfrm>
+              <a:off x="3748522" y="3243174"/>
+              <a:ext cx="343364" cy="369332"/>
+            </a:xfrm>
+            <a:prstGeom prst="rect">
+              <a:avLst/>
+            </a:prstGeom>
+            <a:noFill/>
+          </p:spPr>
+          <p:txBody>
+            <a:bodyPr wrap="none" rtlCol="0">
+              <a:spAutoFit/>
+            </a:bodyPr>
+            <a:lstStyle/>
+            <a:p>
+              <a:r>
+                <a:rPr lang="en-US" dirty="0"/>
+                <a:t>…</a:t>
+              </a:r>
+            </a:p>
+          </p:txBody>
+        </p:sp>
+      </p:grpSp>
+      <p:sp>
+        <p:nvSpPr>
+          <p:cNvPr id="64" name="TextBox 63">
+            <a:extLst>
+              <a:ext uri="{FF2B5EF4-FFF2-40B4-BE49-F238E27FC236}">
+                <a16:creationId xmlns:a16="http://schemas.microsoft.com/office/drawing/2014/main" id="{74C0257D-0541-415E-956B-B85B39C0BEB6}"/>
+              </a:ext>
+            </a:extLst>
+          </p:cNvPr>
+          <p:cNvSpPr txBox="1"/>
+          <p:nvPr/>
+        </p:nvSpPr>
+        <p:spPr>
+          <a:xfrm>
+            <a:off x="3462872" y="1908692"/>
+            <a:ext cx="880305" cy="646331"/>
+          </a:xfrm>
+          <a:prstGeom prst="rect">
+            <a:avLst/>
+          </a:prstGeom>
+          <a:noFill/>
+        </p:spPr>
+        <p:txBody>
+          <a:bodyPr wrap="none" rtlCol="0">
+            <a:spAutoFit/>
+          </a:bodyPr>
+          <a:lstStyle/>
+          <a:p>
+            <a:pPr algn="ctr"/>
+            <a:r>
+              <a:rPr lang="en-US" dirty="0"/>
+              <a:t>Node</a:t>
+            </a:r>
+          </a:p>
+          <a:p>
+            <a:pPr algn="ctr"/>
+            <a:r>
+              <a:rPr lang="en-US" dirty="0"/>
+              <a:t>Vectors</a:t>
+            </a:r>
+          </a:p>
+        </p:txBody>
+      </p:sp>
+      <p:sp>
+        <p:nvSpPr>
+          <p:cNvPr id="66" name="Flowchart: Summing Junction 65">
+            <a:extLst>
+              <a:ext uri="{FF2B5EF4-FFF2-40B4-BE49-F238E27FC236}">
+                <a16:creationId xmlns:a16="http://schemas.microsoft.com/office/drawing/2014/main" id="{3A551137-0C2D-493A-B023-4DF1EA2E5489}"/>
+              </a:ext>
+            </a:extLst>
+          </p:cNvPr>
+          <p:cNvSpPr/>
+          <p:nvPr/>
+        </p:nvSpPr>
+        <p:spPr>
+          <a:xfrm>
+            <a:off x="4379920" y="3380672"/>
+            <a:ext cx="226669" cy="203835"/>
+          </a:xfrm>
+          <a:prstGeom prst="flowChartSummingJunction">
+            <a:avLst/>
+          </a:prstGeom>
+          <a:noFill/>
+        </p:spPr>
+        <p:style>
+          <a:lnRef idx="2">
+            <a:schemeClr val="accent1">
+              <a:shade val="50000"/>
+            </a:schemeClr>
+          </a:lnRef>
+          <a:fillRef idx="1">
+            <a:schemeClr val="accent1"/>
+          </a:fillRef>
+          <a:effectRef idx="0">
+            <a:schemeClr val="accent1"/>
+          </a:effectRef>
+          <a:fontRef idx="minor">
+            <a:schemeClr val="lt1"/>
+          </a:fontRef>
+        </p:style>
+        <p:txBody>
+          <a:bodyPr rtlCol="0" anchor="ctr"/>
+          <a:lstStyle/>
+          <a:p>
+            <a:pPr algn="ctr"/>
+            <a:endParaRPr lang="en-US"/>
+          </a:p>
+        </p:txBody>
+      </p:sp>
+      <p:grpSp>
+        <p:nvGrpSpPr>
+          <p:cNvPr id="67" name="Group 66">
+            <a:extLst>
+              <a:ext uri="{FF2B5EF4-FFF2-40B4-BE49-F238E27FC236}">
+                <a16:creationId xmlns:a16="http://schemas.microsoft.com/office/drawing/2014/main" id="{462A9258-6067-438C-9D5B-1C76C3A9FACA}"/>
+              </a:ext>
+            </a:extLst>
+          </p:cNvPr>
+          <p:cNvGrpSpPr/>
+          <p:nvPr/>
+        </p:nvGrpSpPr>
+        <p:grpSpPr>
+          <a:xfrm>
+            <a:off x="4720538" y="2683800"/>
+            <a:ext cx="720991" cy="1610870"/>
+            <a:chOff x="3547425" y="2682022"/>
+            <a:chExt cx="720991" cy="1610870"/>
+          </a:xfrm>
+        </p:grpSpPr>
+        <p:grpSp>
+          <p:nvGrpSpPr>
+            <p:cNvPr id="68" name="Group 67">
+              <a:extLst>
+                <a:ext uri="{FF2B5EF4-FFF2-40B4-BE49-F238E27FC236}">
+                  <a16:creationId xmlns:a16="http://schemas.microsoft.com/office/drawing/2014/main" id="{DBB2BD8F-9692-46C2-9BD9-26950F00C356}"/>
+                </a:ext>
+              </a:extLst>
+            </p:cNvPr>
+            <p:cNvGrpSpPr/>
+            <p:nvPr/>
+          </p:nvGrpSpPr>
+          <p:grpSpPr>
+            <a:xfrm>
+              <a:off x="3553406" y="2682022"/>
+              <a:ext cx="711200" cy="203835"/>
+              <a:chOff x="3559387" y="2503170"/>
+              <a:chExt cx="711200" cy="203835"/>
+            </a:xfrm>
+          </p:grpSpPr>
+          <p:sp>
+            <p:nvSpPr>
+              <p:cNvPr id="85" name="Rectangle: Rounded Corners 84">
+                <a:extLst>
+                  <a:ext uri="{FF2B5EF4-FFF2-40B4-BE49-F238E27FC236}">
+                    <a16:creationId xmlns:a16="http://schemas.microsoft.com/office/drawing/2014/main" id="{921DDFF1-7527-432B-BBC9-73C3BBEACAA6}"/>
+                  </a:ext>
+                </a:extLst>
+              </p:cNvPr>
+              <p:cNvSpPr/>
+              <p:nvPr/>
+            </p:nvSpPr>
+            <p:spPr>
+              <a:xfrm>
+                <a:off x="3559387" y="2503170"/>
+                <a:ext cx="711200" cy="203835"/>
+              </a:xfrm>
+              <a:prstGeom prst="roundRect">
+                <a:avLst/>
+              </a:prstGeom>
+              <a:noFill/>
+              <a:ln>
+                <a:solidFill>
+                  <a:schemeClr val="tx1"/>
+                </a:solidFill>
+              </a:ln>
+            </p:spPr>
+            <p:style>
+              <a:lnRef idx="2">
+                <a:schemeClr val="accent1">
+                  <a:shade val="50000"/>
+                </a:schemeClr>
+              </a:lnRef>
+              <a:fillRef idx="1">
+                <a:schemeClr val="accent1"/>
+              </a:fillRef>
+              <a:effectRef idx="0">
+                <a:schemeClr val="accent1"/>
+              </a:effectRef>
+              <a:fontRef idx="minor">
+                <a:schemeClr val="lt1"/>
+              </a:fontRef>
+            </p:style>
+            <p:txBody>
+              <a:bodyPr rot="0" spcFirstLastPara="0" vert="horz" wrap="square" lIns="91440" tIns="45720" rIns="91440" bIns="45720" numCol="1" spcCol="0" rtlCol="0" fromWordArt="0" anchor="ctr" anchorCtr="0" forceAA="0" compatLnSpc="1">
+                <a:prstTxWarp prst="textNoShape">
+                  <a:avLst/>
+                </a:prstTxWarp>
+                <a:noAutofit/>
+              </a:bodyPr>
+              <a:lstStyle/>
+              <a:p>
+                <a:endParaRPr lang="en-US"/>
+              </a:p>
+            </p:txBody>
+          </p:sp>
+          <p:sp>
+            <p:nvSpPr>
+              <p:cNvPr id="86" name="Oval 85">
+                <a:extLst>
+                  <a:ext uri="{FF2B5EF4-FFF2-40B4-BE49-F238E27FC236}">
+                    <a16:creationId xmlns:a16="http://schemas.microsoft.com/office/drawing/2014/main" id="{6DBE0161-9BED-48B0-929E-F5164AEBB4C2}"/>
+                  </a:ext>
+                </a:extLst>
+              </p:cNvPr>
+              <p:cNvSpPr/>
+              <p:nvPr/>
+            </p:nvSpPr>
+            <p:spPr>
+              <a:xfrm>
+                <a:off x="3640032" y="2545080"/>
+                <a:ext cx="134620" cy="128905"/>
+              </a:xfrm>
+              <a:prstGeom prst="ellipse">
+                <a:avLst/>
+              </a:prstGeom>
+              <a:solidFill>
+                <a:srgbClr val="00B0F0"/>
+              </a:solidFill>
+              <a:ln>
+                <a:solidFill>
+                  <a:schemeClr val="accent1">
+                    <a:lumMod val="60000"/>
+                    <a:lumOff val="40000"/>
+                  </a:schemeClr>
+                </a:solidFill>
+              </a:ln>
+            </p:spPr>
+            <p:style>
+              <a:lnRef idx="2">
+                <a:schemeClr val="accent1">
+                  <a:shade val="50000"/>
+                </a:schemeClr>
+              </a:lnRef>
+              <a:fillRef idx="1">
+                <a:schemeClr val="accent1"/>
+              </a:fillRef>
+              <a:effectRef idx="0">
+                <a:schemeClr val="accent1"/>
+              </a:effectRef>
+              <a:fontRef idx="minor">
+                <a:schemeClr val="lt1"/>
+              </a:fontRef>
+            </p:style>
+            <p:txBody>
+              <a:bodyPr rot="0" spcFirstLastPara="0" vert="horz" wrap="square" lIns="91440" tIns="45720" rIns="91440" bIns="45720" numCol="1" spcCol="0" rtlCol="0" fromWordArt="0" anchor="ctr" anchorCtr="0" forceAA="0" compatLnSpc="1">
+                <a:prstTxWarp prst="textNoShape">
+                  <a:avLst/>
+                </a:prstTxWarp>
+                <a:noAutofit/>
+              </a:bodyPr>
+              <a:lstStyle/>
+              <a:p>
+                <a:endParaRPr lang="en-US" dirty="0"/>
+              </a:p>
+            </p:txBody>
+          </p:sp>
+          <p:sp>
+            <p:nvSpPr>
+              <p:cNvPr id="87" name="Oval 86">
+                <a:extLst>
+                  <a:ext uri="{FF2B5EF4-FFF2-40B4-BE49-F238E27FC236}">
+                    <a16:creationId xmlns:a16="http://schemas.microsoft.com/office/drawing/2014/main" id="{52DE7B79-842E-466E-A00F-6B9075F55515}"/>
+                  </a:ext>
+                </a:extLst>
+              </p:cNvPr>
+              <p:cNvSpPr/>
+              <p:nvPr/>
+            </p:nvSpPr>
+            <p:spPr>
+              <a:xfrm>
+                <a:off x="3851487" y="2545080"/>
+                <a:ext cx="134620" cy="128905"/>
+              </a:xfrm>
+              <a:prstGeom prst="ellipse">
+                <a:avLst/>
+              </a:prstGeom>
+              <a:solidFill>
+                <a:srgbClr val="00B0F0"/>
+              </a:solidFill>
+              <a:ln>
+                <a:solidFill>
+                  <a:schemeClr val="accent1">
+                    <a:lumMod val="60000"/>
+                    <a:lumOff val="40000"/>
+                  </a:schemeClr>
+                </a:solidFill>
+              </a:ln>
+            </p:spPr>
+            <p:style>
+              <a:lnRef idx="2">
+                <a:schemeClr val="accent1">
+                  <a:shade val="50000"/>
+                </a:schemeClr>
+              </a:lnRef>
+              <a:fillRef idx="1">
+                <a:schemeClr val="accent1"/>
+              </a:fillRef>
+              <a:effectRef idx="0">
+                <a:schemeClr val="accent1"/>
+              </a:effectRef>
+              <a:fontRef idx="minor">
+                <a:schemeClr val="lt1"/>
+              </a:fontRef>
+            </p:style>
+            <p:txBody>
+              <a:bodyPr rot="0" spcFirstLastPara="0" vert="horz" wrap="square" lIns="91440" tIns="45720" rIns="91440" bIns="45720" numCol="1" spcCol="0" rtlCol="0" fromWordArt="0" anchor="ctr" anchorCtr="0" forceAA="0" compatLnSpc="1">
+                <a:prstTxWarp prst="textNoShape">
+                  <a:avLst/>
+                </a:prstTxWarp>
+                <a:noAutofit/>
+              </a:bodyPr>
+              <a:lstStyle/>
+              <a:p>
+                <a:endParaRPr lang="en-US"/>
+              </a:p>
+            </p:txBody>
+          </p:sp>
+          <p:sp>
+            <p:nvSpPr>
+              <p:cNvPr id="88" name="Oval 87">
+                <a:extLst>
+                  <a:ext uri="{FF2B5EF4-FFF2-40B4-BE49-F238E27FC236}">
+                    <a16:creationId xmlns:a16="http://schemas.microsoft.com/office/drawing/2014/main" id="{F756A39B-0619-4459-B780-097B46B3DEA7}"/>
+                  </a:ext>
+                </a:extLst>
+              </p:cNvPr>
+              <p:cNvSpPr/>
+              <p:nvPr/>
+            </p:nvSpPr>
+            <p:spPr>
+              <a:xfrm>
+                <a:off x="4063577" y="2545080"/>
+                <a:ext cx="134620" cy="128905"/>
+              </a:xfrm>
+              <a:prstGeom prst="ellipse">
+                <a:avLst/>
+              </a:prstGeom>
+              <a:solidFill>
+                <a:srgbClr val="00B0F0"/>
+              </a:solidFill>
+              <a:ln>
+                <a:solidFill>
+                  <a:schemeClr val="accent1">
+                    <a:lumMod val="60000"/>
+                    <a:lumOff val="40000"/>
+                  </a:schemeClr>
+                </a:solidFill>
+              </a:ln>
+            </p:spPr>
+            <p:style>
+              <a:lnRef idx="2">
+                <a:schemeClr val="accent1">
+                  <a:shade val="50000"/>
+                </a:schemeClr>
+              </a:lnRef>
+              <a:fillRef idx="1">
+                <a:schemeClr val="accent1"/>
+              </a:fillRef>
+              <a:effectRef idx="0">
+                <a:schemeClr val="accent1"/>
+              </a:effectRef>
+              <a:fontRef idx="minor">
+                <a:schemeClr val="lt1"/>
+              </a:fontRef>
+            </p:style>
+            <p:txBody>
+              <a:bodyPr rot="0" spcFirstLastPara="0" vert="horz" wrap="square" lIns="91440" tIns="45720" rIns="91440" bIns="45720" numCol="1" spcCol="0" rtlCol="0" fromWordArt="0" anchor="ctr" anchorCtr="0" forceAA="0" compatLnSpc="1">
+                <a:prstTxWarp prst="textNoShape">
+                  <a:avLst/>
+                </a:prstTxWarp>
+                <a:noAutofit/>
+              </a:bodyPr>
+              <a:lstStyle/>
+              <a:p>
+                <a:endParaRPr lang="en-US"/>
+              </a:p>
+            </p:txBody>
+          </p:sp>
+        </p:grpSp>
+        <p:grpSp>
+          <p:nvGrpSpPr>
+            <p:cNvPr id="69" name="Group 68">
+              <a:extLst>
+                <a:ext uri="{FF2B5EF4-FFF2-40B4-BE49-F238E27FC236}">
+                  <a16:creationId xmlns:a16="http://schemas.microsoft.com/office/drawing/2014/main" id="{E254ADD6-7A76-46FE-812C-E7BFBDFF5DD4}"/>
+                </a:ext>
+              </a:extLst>
+            </p:cNvPr>
+            <p:cNvGrpSpPr/>
+            <p:nvPr/>
+          </p:nvGrpSpPr>
+          <p:grpSpPr>
+            <a:xfrm>
+              <a:off x="3557216" y="3064709"/>
+              <a:ext cx="711200" cy="203835"/>
+              <a:chOff x="3559387" y="2503170"/>
+              <a:chExt cx="711200" cy="203835"/>
+            </a:xfrm>
+          </p:grpSpPr>
+          <p:sp>
+            <p:nvSpPr>
+              <p:cNvPr id="81" name="Rectangle: Rounded Corners 80">
+                <a:extLst>
+                  <a:ext uri="{FF2B5EF4-FFF2-40B4-BE49-F238E27FC236}">
+                    <a16:creationId xmlns:a16="http://schemas.microsoft.com/office/drawing/2014/main" id="{5EEEF3B8-7AE8-4F4A-87EE-0E0076E2053E}"/>
+                  </a:ext>
+                </a:extLst>
+              </p:cNvPr>
+              <p:cNvSpPr/>
+              <p:nvPr/>
+            </p:nvSpPr>
+            <p:spPr>
+              <a:xfrm>
+                <a:off x="3559387" y="2503170"/>
+                <a:ext cx="711200" cy="203835"/>
+              </a:xfrm>
+              <a:prstGeom prst="roundRect">
+                <a:avLst/>
+              </a:prstGeom>
+              <a:noFill/>
+              <a:ln>
+                <a:solidFill>
+                  <a:schemeClr val="tx1"/>
+                </a:solidFill>
+              </a:ln>
+            </p:spPr>
+            <p:style>
+              <a:lnRef idx="2">
+                <a:schemeClr val="accent1">
+                  <a:shade val="50000"/>
+                </a:schemeClr>
+              </a:lnRef>
+              <a:fillRef idx="1">
+                <a:schemeClr val="accent1"/>
+              </a:fillRef>
+              <a:effectRef idx="0">
+                <a:schemeClr val="accent1"/>
+              </a:effectRef>
+              <a:fontRef idx="minor">
+                <a:schemeClr val="lt1"/>
+              </a:fontRef>
+            </p:style>
+            <p:txBody>
+              <a:bodyPr rot="0" spcFirstLastPara="0" vert="horz" wrap="square" lIns="91440" tIns="45720" rIns="91440" bIns="45720" numCol="1" spcCol="0" rtlCol="0" fromWordArt="0" anchor="ctr" anchorCtr="0" forceAA="0" compatLnSpc="1">
+                <a:prstTxWarp prst="textNoShape">
+                  <a:avLst/>
+                </a:prstTxWarp>
+                <a:noAutofit/>
+              </a:bodyPr>
+              <a:lstStyle/>
+              <a:p>
+                <a:endParaRPr lang="en-US"/>
+              </a:p>
+            </p:txBody>
+          </p:sp>
+          <p:sp>
+            <p:nvSpPr>
+              <p:cNvPr id="82" name="Oval 81">
+                <a:extLst>
+                  <a:ext uri="{FF2B5EF4-FFF2-40B4-BE49-F238E27FC236}">
+                    <a16:creationId xmlns:a16="http://schemas.microsoft.com/office/drawing/2014/main" id="{7E03D652-95A2-4C6D-86D2-3112A4957D2D}"/>
+                  </a:ext>
+                </a:extLst>
+              </p:cNvPr>
+              <p:cNvSpPr/>
+              <p:nvPr/>
+            </p:nvSpPr>
+            <p:spPr>
+              <a:xfrm>
+                <a:off x="3640032" y="2545080"/>
+                <a:ext cx="134620" cy="128905"/>
+              </a:xfrm>
+              <a:prstGeom prst="ellipse">
+                <a:avLst/>
+              </a:prstGeom>
+              <a:solidFill>
+                <a:srgbClr val="00B0F0"/>
+              </a:solidFill>
+              <a:ln>
+                <a:solidFill>
+                  <a:schemeClr val="accent1">
+                    <a:lumMod val="60000"/>
+                    <a:lumOff val="40000"/>
+                  </a:schemeClr>
+                </a:solidFill>
+              </a:ln>
+            </p:spPr>
+            <p:style>
+              <a:lnRef idx="2">
+                <a:schemeClr val="accent1">
+                  <a:shade val="50000"/>
+                </a:schemeClr>
+              </a:lnRef>
+              <a:fillRef idx="1">
+                <a:schemeClr val="accent1"/>
+              </a:fillRef>
+              <a:effectRef idx="0">
+                <a:schemeClr val="accent1"/>
+              </a:effectRef>
+              <a:fontRef idx="minor">
+                <a:schemeClr val="lt1"/>
+              </a:fontRef>
+            </p:style>
+            <p:txBody>
+              <a:bodyPr rot="0" spcFirstLastPara="0" vert="horz" wrap="square" lIns="91440" tIns="45720" rIns="91440" bIns="45720" numCol="1" spcCol="0" rtlCol="0" fromWordArt="0" anchor="ctr" anchorCtr="0" forceAA="0" compatLnSpc="1">
+                <a:prstTxWarp prst="textNoShape">
+                  <a:avLst/>
+                </a:prstTxWarp>
+                <a:noAutofit/>
+              </a:bodyPr>
+              <a:lstStyle/>
+              <a:p>
+                <a:endParaRPr lang="en-US"/>
+              </a:p>
+            </p:txBody>
+          </p:sp>
+          <p:sp>
+            <p:nvSpPr>
+              <p:cNvPr id="83" name="Oval 82">
+                <a:extLst>
+                  <a:ext uri="{FF2B5EF4-FFF2-40B4-BE49-F238E27FC236}">
+                    <a16:creationId xmlns:a16="http://schemas.microsoft.com/office/drawing/2014/main" id="{565DE06C-0005-474B-BCEE-B67BDF0E2505}"/>
+                  </a:ext>
+                </a:extLst>
+              </p:cNvPr>
+              <p:cNvSpPr/>
+              <p:nvPr/>
+            </p:nvSpPr>
+            <p:spPr>
+              <a:xfrm>
+                <a:off x="3851487" y="2545080"/>
+                <a:ext cx="134620" cy="128905"/>
+              </a:xfrm>
+              <a:prstGeom prst="ellipse">
+                <a:avLst/>
+              </a:prstGeom>
+              <a:solidFill>
+                <a:srgbClr val="00B0F0"/>
+              </a:solidFill>
+              <a:ln>
+                <a:solidFill>
+                  <a:schemeClr val="accent1">
+                    <a:lumMod val="60000"/>
+                    <a:lumOff val="40000"/>
+                  </a:schemeClr>
+                </a:solidFill>
+              </a:ln>
+            </p:spPr>
+            <p:style>
+              <a:lnRef idx="2">
+                <a:schemeClr val="accent1">
+                  <a:shade val="50000"/>
+                </a:schemeClr>
+              </a:lnRef>
+              <a:fillRef idx="1">
+                <a:schemeClr val="accent1"/>
+              </a:fillRef>
+              <a:effectRef idx="0">
+                <a:schemeClr val="accent1"/>
+              </a:effectRef>
+              <a:fontRef idx="minor">
+                <a:schemeClr val="lt1"/>
+              </a:fontRef>
+            </p:style>
+            <p:txBody>
+              <a:bodyPr rot="0" spcFirstLastPara="0" vert="horz" wrap="square" lIns="91440" tIns="45720" rIns="91440" bIns="45720" numCol="1" spcCol="0" rtlCol="0" fromWordArt="0" anchor="ctr" anchorCtr="0" forceAA="0" compatLnSpc="1">
+                <a:prstTxWarp prst="textNoShape">
+                  <a:avLst/>
+                </a:prstTxWarp>
+                <a:noAutofit/>
+              </a:bodyPr>
+              <a:lstStyle/>
+              <a:p>
+                <a:endParaRPr lang="en-US"/>
+              </a:p>
+            </p:txBody>
+          </p:sp>
+          <p:sp>
+            <p:nvSpPr>
+              <p:cNvPr id="84" name="Oval 83">
+                <a:extLst>
+                  <a:ext uri="{FF2B5EF4-FFF2-40B4-BE49-F238E27FC236}">
+                    <a16:creationId xmlns:a16="http://schemas.microsoft.com/office/drawing/2014/main" id="{DDFDD935-8192-4E6E-A8B7-098DC565C697}"/>
+                  </a:ext>
+                </a:extLst>
+              </p:cNvPr>
+              <p:cNvSpPr/>
+              <p:nvPr/>
+            </p:nvSpPr>
+            <p:spPr>
+              <a:xfrm>
+                <a:off x="4063577" y="2545080"/>
+                <a:ext cx="134620" cy="128905"/>
+              </a:xfrm>
+              <a:prstGeom prst="ellipse">
+                <a:avLst/>
+              </a:prstGeom>
+              <a:solidFill>
+                <a:srgbClr val="00B0F0"/>
+              </a:solidFill>
+              <a:ln>
+                <a:solidFill>
+                  <a:schemeClr val="accent1">
+                    <a:lumMod val="60000"/>
+                    <a:lumOff val="40000"/>
+                  </a:schemeClr>
+                </a:solidFill>
+              </a:ln>
+            </p:spPr>
+            <p:style>
+              <a:lnRef idx="2">
+                <a:schemeClr val="accent1">
+                  <a:shade val="50000"/>
+                </a:schemeClr>
+              </a:lnRef>
+              <a:fillRef idx="1">
+                <a:schemeClr val="accent1"/>
+              </a:fillRef>
+              <a:effectRef idx="0">
+                <a:schemeClr val="accent1"/>
+              </a:effectRef>
+              <a:fontRef idx="minor">
+                <a:schemeClr val="lt1"/>
+              </a:fontRef>
+            </p:style>
+            <p:txBody>
+              <a:bodyPr rot="0" spcFirstLastPara="0" vert="horz" wrap="square" lIns="91440" tIns="45720" rIns="91440" bIns="45720" numCol="1" spcCol="0" rtlCol="0" fromWordArt="0" anchor="ctr" anchorCtr="0" forceAA="0" compatLnSpc="1">
+                <a:prstTxWarp prst="textNoShape">
+                  <a:avLst/>
+                </a:prstTxWarp>
+                <a:noAutofit/>
+              </a:bodyPr>
+              <a:lstStyle/>
+              <a:p>
+                <a:endParaRPr lang="en-US"/>
+              </a:p>
+            </p:txBody>
+          </p:sp>
+        </p:grpSp>
+        <p:grpSp>
+          <p:nvGrpSpPr>
+            <p:cNvPr id="70" name="Group 69">
+              <a:extLst>
+                <a:ext uri="{FF2B5EF4-FFF2-40B4-BE49-F238E27FC236}">
+                  <a16:creationId xmlns:a16="http://schemas.microsoft.com/office/drawing/2014/main" id="{A8F24DA3-1C3E-4200-8FF5-CEB441FAC6A6}"/>
+                </a:ext>
+              </a:extLst>
+            </p:cNvPr>
+            <p:cNvGrpSpPr/>
+            <p:nvPr/>
+          </p:nvGrpSpPr>
+          <p:grpSpPr>
+            <a:xfrm>
+              <a:off x="3557216" y="3703411"/>
+              <a:ext cx="711200" cy="203835"/>
+              <a:chOff x="3559387" y="2503170"/>
+              <a:chExt cx="711200" cy="203835"/>
+            </a:xfrm>
+          </p:grpSpPr>
+          <p:sp>
+            <p:nvSpPr>
+              <p:cNvPr id="77" name="Rectangle: Rounded Corners 76">
+                <a:extLst>
+                  <a:ext uri="{FF2B5EF4-FFF2-40B4-BE49-F238E27FC236}">
+                    <a16:creationId xmlns:a16="http://schemas.microsoft.com/office/drawing/2014/main" id="{75C318E7-B580-4ACF-88E6-4D3FD1962BB4}"/>
+                  </a:ext>
+                </a:extLst>
+              </p:cNvPr>
+              <p:cNvSpPr/>
+              <p:nvPr/>
+            </p:nvSpPr>
+            <p:spPr>
+              <a:xfrm>
+                <a:off x="3559387" y="2503170"/>
+                <a:ext cx="711200" cy="203835"/>
+              </a:xfrm>
+              <a:prstGeom prst="roundRect">
+                <a:avLst/>
+              </a:prstGeom>
+              <a:noFill/>
+              <a:ln>
+                <a:solidFill>
+                  <a:schemeClr val="tx1"/>
+                </a:solidFill>
+              </a:ln>
+            </p:spPr>
+            <p:style>
+              <a:lnRef idx="2">
+                <a:schemeClr val="accent1">
+                  <a:shade val="50000"/>
+                </a:schemeClr>
+              </a:lnRef>
+              <a:fillRef idx="1">
+                <a:schemeClr val="accent1"/>
+              </a:fillRef>
+              <a:effectRef idx="0">
+                <a:schemeClr val="accent1"/>
+              </a:effectRef>
+              <a:fontRef idx="minor">
+                <a:schemeClr val="lt1"/>
+              </a:fontRef>
+            </p:style>
+            <p:txBody>
+              <a:bodyPr rot="0" spcFirstLastPara="0" vert="horz" wrap="square" lIns="91440" tIns="45720" rIns="91440" bIns="45720" numCol="1" spcCol="0" rtlCol="0" fromWordArt="0" anchor="ctr" anchorCtr="0" forceAA="0" compatLnSpc="1">
+                <a:prstTxWarp prst="textNoShape">
+                  <a:avLst/>
+                </a:prstTxWarp>
+                <a:noAutofit/>
+              </a:bodyPr>
+              <a:lstStyle/>
+              <a:p>
+                <a:endParaRPr lang="en-US"/>
+              </a:p>
+            </p:txBody>
+          </p:sp>
+          <p:sp>
+            <p:nvSpPr>
+              <p:cNvPr id="78" name="Oval 77">
+                <a:extLst>
+                  <a:ext uri="{FF2B5EF4-FFF2-40B4-BE49-F238E27FC236}">
+                    <a16:creationId xmlns:a16="http://schemas.microsoft.com/office/drawing/2014/main" id="{F3B93F5E-1292-4B87-BB5D-8F47CF40337E}"/>
+                  </a:ext>
+                </a:extLst>
+              </p:cNvPr>
+              <p:cNvSpPr/>
+              <p:nvPr/>
+            </p:nvSpPr>
+            <p:spPr>
+              <a:xfrm>
+                <a:off x="3640032" y="2545080"/>
+                <a:ext cx="134620" cy="128905"/>
+              </a:xfrm>
+              <a:prstGeom prst="ellipse">
+                <a:avLst/>
+              </a:prstGeom>
+              <a:solidFill>
+                <a:srgbClr val="00B0F0"/>
+              </a:solidFill>
+              <a:ln>
+                <a:solidFill>
+                  <a:schemeClr val="accent1">
+                    <a:lumMod val="60000"/>
+                    <a:lumOff val="40000"/>
+                  </a:schemeClr>
+                </a:solidFill>
+              </a:ln>
+            </p:spPr>
+            <p:style>
+              <a:lnRef idx="2">
+                <a:schemeClr val="accent1">
+                  <a:shade val="50000"/>
+                </a:schemeClr>
+              </a:lnRef>
+              <a:fillRef idx="1">
+                <a:schemeClr val="accent1"/>
+              </a:fillRef>
+              <a:effectRef idx="0">
+                <a:schemeClr val="accent1"/>
+              </a:effectRef>
+              <a:fontRef idx="minor">
+                <a:schemeClr val="lt1"/>
+              </a:fontRef>
+            </p:style>
+            <p:txBody>
+              <a:bodyPr rot="0" spcFirstLastPara="0" vert="horz" wrap="square" lIns="91440" tIns="45720" rIns="91440" bIns="45720" numCol="1" spcCol="0" rtlCol="0" fromWordArt="0" anchor="ctr" anchorCtr="0" forceAA="0" compatLnSpc="1">
+                <a:prstTxWarp prst="textNoShape">
+                  <a:avLst/>
+                </a:prstTxWarp>
+                <a:noAutofit/>
+              </a:bodyPr>
+              <a:lstStyle/>
+              <a:p>
+                <a:endParaRPr lang="en-US"/>
+              </a:p>
+            </p:txBody>
+          </p:sp>
+          <p:sp>
+            <p:nvSpPr>
+              <p:cNvPr id="79" name="Oval 78">
+                <a:extLst>
+                  <a:ext uri="{FF2B5EF4-FFF2-40B4-BE49-F238E27FC236}">
+                    <a16:creationId xmlns:a16="http://schemas.microsoft.com/office/drawing/2014/main" id="{0C338790-CC15-403A-AA05-AA596F0BB520}"/>
+                  </a:ext>
+                </a:extLst>
+              </p:cNvPr>
+              <p:cNvSpPr/>
+              <p:nvPr/>
+            </p:nvSpPr>
+            <p:spPr>
+              <a:xfrm>
+                <a:off x="3851487" y="2545080"/>
+                <a:ext cx="134620" cy="128905"/>
+              </a:xfrm>
+              <a:prstGeom prst="ellipse">
+                <a:avLst/>
+              </a:prstGeom>
+              <a:solidFill>
+                <a:srgbClr val="00B0F0"/>
+              </a:solidFill>
+              <a:ln>
+                <a:solidFill>
+                  <a:schemeClr val="accent1">
+                    <a:lumMod val="60000"/>
+                    <a:lumOff val="40000"/>
+                  </a:schemeClr>
+                </a:solidFill>
+              </a:ln>
+            </p:spPr>
+            <p:style>
+              <a:lnRef idx="2">
+                <a:schemeClr val="accent1">
+                  <a:shade val="50000"/>
+                </a:schemeClr>
+              </a:lnRef>
+              <a:fillRef idx="1">
+                <a:schemeClr val="accent1"/>
+              </a:fillRef>
+              <a:effectRef idx="0">
+                <a:schemeClr val="accent1"/>
+              </a:effectRef>
+              <a:fontRef idx="minor">
+                <a:schemeClr val="lt1"/>
+              </a:fontRef>
+            </p:style>
+            <p:txBody>
+              <a:bodyPr rot="0" spcFirstLastPara="0" vert="horz" wrap="square" lIns="91440" tIns="45720" rIns="91440" bIns="45720" numCol="1" spcCol="0" rtlCol="0" fromWordArt="0" anchor="ctr" anchorCtr="0" forceAA="0" compatLnSpc="1">
+                <a:prstTxWarp prst="textNoShape">
+                  <a:avLst/>
+                </a:prstTxWarp>
+                <a:noAutofit/>
+              </a:bodyPr>
+              <a:lstStyle/>
+              <a:p>
+                <a:endParaRPr lang="en-US"/>
+              </a:p>
+            </p:txBody>
+          </p:sp>
+          <p:sp>
+            <p:nvSpPr>
+              <p:cNvPr id="80" name="Oval 79">
+                <a:extLst>
+                  <a:ext uri="{FF2B5EF4-FFF2-40B4-BE49-F238E27FC236}">
+                    <a16:creationId xmlns:a16="http://schemas.microsoft.com/office/drawing/2014/main" id="{FBAC7FA5-DB42-48E3-8CDF-1C84A1F3D573}"/>
+                  </a:ext>
+                </a:extLst>
+              </p:cNvPr>
+              <p:cNvSpPr/>
+              <p:nvPr/>
+            </p:nvSpPr>
+            <p:spPr>
+              <a:xfrm>
+                <a:off x="4063577" y="2545080"/>
+                <a:ext cx="134620" cy="128905"/>
+              </a:xfrm>
+              <a:prstGeom prst="ellipse">
+                <a:avLst/>
+              </a:prstGeom>
+              <a:solidFill>
+                <a:srgbClr val="00B0F0"/>
+              </a:solidFill>
+              <a:ln>
+                <a:solidFill>
+                  <a:schemeClr val="accent1">
+                    <a:lumMod val="60000"/>
+                    <a:lumOff val="40000"/>
+                  </a:schemeClr>
+                </a:solidFill>
+              </a:ln>
+            </p:spPr>
+            <p:style>
+              <a:lnRef idx="2">
+                <a:schemeClr val="accent1">
+                  <a:shade val="50000"/>
+                </a:schemeClr>
+              </a:lnRef>
+              <a:fillRef idx="1">
+                <a:schemeClr val="accent1"/>
+              </a:fillRef>
+              <a:effectRef idx="0">
+                <a:schemeClr val="accent1"/>
+              </a:effectRef>
+              <a:fontRef idx="minor">
+                <a:schemeClr val="lt1"/>
+              </a:fontRef>
+            </p:style>
+            <p:txBody>
+              <a:bodyPr rot="0" spcFirstLastPara="0" vert="horz" wrap="square" lIns="91440" tIns="45720" rIns="91440" bIns="45720" numCol="1" spcCol="0" rtlCol="0" fromWordArt="0" anchor="ctr" anchorCtr="0" forceAA="0" compatLnSpc="1">
+                <a:prstTxWarp prst="textNoShape">
+                  <a:avLst/>
+                </a:prstTxWarp>
+                <a:noAutofit/>
+              </a:bodyPr>
+              <a:lstStyle/>
+              <a:p>
+                <a:endParaRPr lang="en-US"/>
+              </a:p>
+            </p:txBody>
+          </p:sp>
+        </p:grpSp>
+        <p:grpSp>
+          <p:nvGrpSpPr>
+            <p:cNvPr id="71" name="Group 70">
+              <a:extLst>
+                <a:ext uri="{FF2B5EF4-FFF2-40B4-BE49-F238E27FC236}">
+                  <a16:creationId xmlns:a16="http://schemas.microsoft.com/office/drawing/2014/main" id="{ABF0855F-1A95-4581-940C-41B7E64CAE39}"/>
+                </a:ext>
+              </a:extLst>
+            </p:cNvPr>
+            <p:cNvGrpSpPr/>
+            <p:nvPr/>
+          </p:nvGrpSpPr>
+          <p:grpSpPr>
+            <a:xfrm>
+              <a:off x="3547425" y="4089057"/>
+              <a:ext cx="711200" cy="203835"/>
+              <a:chOff x="3559387" y="2503170"/>
+              <a:chExt cx="711200" cy="203835"/>
+            </a:xfrm>
+          </p:grpSpPr>
+          <p:sp>
+            <p:nvSpPr>
+              <p:cNvPr id="73" name="Rectangle: Rounded Corners 72">
+                <a:extLst>
+                  <a:ext uri="{FF2B5EF4-FFF2-40B4-BE49-F238E27FC236}">
+                    <a16:creationId xmlns:a16="http://schemas.microsoft.com/office/drawing/2014/main" id="{A07EED3A-59C4-4844-A43B-47F9ED620F2C}"/>
+                  </a:ext>
+                </a:extLst>
+              </p:cNvPr>
+              <p:cNvSpPr/>
+              <p:nvPr/>
+            </p:nvSpPr>
+            <p:spPr>
+              <a:xfrm>
+                <a:off x="3559387" y="2503170"/>
+                <a:ext cx="711200" cy="203835"/>
+              </a:xfrm>
+              <a:prstGeom prst="roundRect">
+                <a:avLst/>
+              </a:prstGeom>
+              <a:noFill/>
+              <a:ln>
+                <a:solidFill>
+                  <a:schemeClr val="tx1"/>
+                </a:solidFill>
+              </a:ln>
+            </p:spPr>
+            <p:style>
+              <a:lnRef idx="2">
+                <a:schemeClr val="accent1">
+                  <a:shade val="50000"/>
+                </a:schemeClr>
+              </a:lnRef>
+              <a:fillRef idx="1">
+                <a:schemeClr val="accent1"/>
+              </a:fillRef>
+              <a:effectRef idx="0">
+                <a:schemeClr val="accent1"/>
+              </a:effectRef>
+              <a:fontRef idx="minor">
+                <a:schemeClr val="lt1"/>
+              </a:fontRef>
+            </p:style>
+            <p:txBody>
+              <a:bodyPr rot="0" spcFirstLastPara="0" vert="horz" wrap="square" lIns="91440" tIns="45720" rIns="91440" bIns="45720" numCol="1" spcCol="0" rtlCol="0" fromWordArt="0" anchor="ctr" anchorCtr="0" forceAA="0" compatLnSpc="1">
+                <a:prstTxWarp prst="textNoShape">
+                  <a:avLst/>
+                </a:prstTxWarp>
+                <a:noAutofit/>
+              </a:bodyPr>
+              <a:lstStyle/>
+              <a:p>
+                <a:endParaRPr lang="en-US"/>
+              </a:p>
+            </p:txBody>
+          </p:sp>
+          <p:sp>
+            <p:nvSpPr>
+              <p:cNvPr id="74" name="Oval 73">
+                <a:extLst>
+                  <a:ext uri="{FF2B5EF4-FFF2-40B4-BE49-F238E27FC236}">
+                    <a16:creationId xmlns:a16="http://schemas.microsoft.com/office/drawing/2014/main" id="{1E6AFD5D-A6E2-42AC-B501-7C658EAFBC9B}"/>
+                  </a:ext>
+                </a:extLst>
+              </p:cNvPr>
+              <p:cNvSpPr/>
+              <p:nvPr/>
+            </p:nvSpPr>
+            <p:spPr>
+              <a:xfrm>
+                <a:off x="3640032" y="2545080"/>
+                <a:ext cx="134620" cy="128905"/>
+              </a:xfrm>
+              <a:prstGeom prst="ellipse">
+                <a:avLst/>
+              </a:prstGeom>
+              <a:solidFill>
+                <a:srgbClr val="00B0F0"/>
+              </a:solidFill>
+              <a:ln>
+                <a:solidFill>
+                  <a:schemeClr val="accent1">
+                    <a:lumMod val="60000"/>
+                    <a:lumOff val="40000"/>
+                  </a:schemeClr>
+                </a:solidFill>
+              </a:ln>
+            </p:spPr>
+            <p:style>
+              <a:lnRef idx="2">
+                <a:schemeClr val="accent1">
+                  <a:shade val="50000"/>
+                </a:schemeClr>
+              </a:lnRef>
+              <a:fillRef idx="1">
+                <a:schemeClr val="accent1"/>
+              </a:fillRef>
+              <a:effectRef idx="0">
+                <a:schemeClr val="accent1"/>
+              </a:effectRef>
+              <a:fontRef idx="minor">
+                <a:schemeClr val="lt1"/>
+              </a:fontRef>
+            </p:style>
+            <p:txBody>
+              <a:bodyPr rot="0" spcFirstLastPara="0" vert="horz" wrap="square" lIns="91440" tIns="45720" rIns="91440" bIns="45720" numCol="1" spcCol="0" rtlCol="0" fromWordArt="0" anchor="ctr" anchorCtr="0" forceAA="0" compatLnSpc="1">
+                <a:prstTxWarp prst="textNoShape">
+                  <a:avLst/>
+                </a:prstTxWarp>
+                <a:noAutofit/>
+              </a:bodyPr>
+              <a:lstStyle/>
+              <a:p>
+                <a:endParaRPr lang="en-US"/>
+              </a:p>
+            </p:txBody>
+          </p:sp>
+          <p:sp>
+            <p:nvSpPr>
+              <p:cNvPr id="75" name="Oval 74">
+                <a:extLst>
+                  <a:ext uri="{FF2B5EF4-FFF2-40B4-BE49-F238E27FC236}">
+                    <a16:creationId xmlns:a16="http://schemas.microsoft.com/office/drawing/2014/main" id="{86BB7C09-8ADD-4165-B032-F3BB5D932DCB}"/>
+                  </a:ext>
+                </a:extLst>
+              </p:cNvPr>
+              <p:cNvSpPr/>
+              <p:nvPr/>
+            </p:nvSpPr>
+            <p:spPr>
+              <a:xfrm>
+                <a:off x="3851487" y="2545080"/>
+                <a:ext cx="134620" cy="128905"/>
+              </a:xfrm>
+              <a:prstGeom prst="ellipse">
+                <a:avLst/>
+              </a:prstGeom>
+              <a:solidFill>
+                <a:srgbClr val="00B0F0"/>
+              </a:solidFill>
+              <a:ln>
+                <a:solidFill>
+                  <a:schemeClr val="accent1">
+                    <a:lumMod val="60000"/>
+                    <a:lumOff val="40000"/>
+                  </a:schemeClr>
+                </a:solidFill>
+              </a:ln>
+            </p:spPr>
+            <p:style>
+              <a:lnRef idx="2">
+                <a:schemeClr val="accent1">
+                  <a:shade val="50000"/>
+                </a:schemeClr>
+              </a:lnRef>
+              <a:fillRef idx="1">
+                <a:schemeClr val="accent1"/>
+              </a:fillRef>
+              <a:effectRef idx="0">
+                <a:schemeClr val="accent1"/>
+              </a:effectRef>
+              <a:fontRef idx="minor">
+                <a:schemeClr val="lt1"/>
+              </a:fontRef>
+            </p:style>
+            <p:txBody>
+              <a:bodyPr rot="0" spcFirstLastPara="0" vert="horz" wrap="square" lIns="91440" tIns="45720" rIns="91440" bIns="45720" numCol="1" spcCol="0" rtlCol="0" fromWordArt="0" anchor="ctr" anchorCtr="0" forceAA="0" compatLnSpc="1">
+                <a:prstTxWarp prst="textNoShape">
+                  <a:avLst/>
+                </a:prstTxWarp>
+                <a:noAutofit/>
+              </a:bodyPr>
+              <a:lstStyle/>
+              <a:p>
+                <a:endParaRPr lang="en-US"/>
+              </a:p>
+            </p:txBody>
+          </p:sp>
+          <p:sp>
+            <p:nvSpPr>
+              <p:cNvPr id="76" name="Oval 75">
+                <a:extLst>
+                  <a:ext uri="{FF2B5EF4-FFF2-40B4-BE49-F238E27FC236}">
+                    <a16:creationId xmlns:a16="http://schemas.microsoft.com/office/drawing/2014/main" id="{729E0830-60C4-4DD6-AA7D-E9148D326E74}"/>
+                  </a:ext>
+                </a:extLst>
+              </p:cNvPr>
+              <p:cNvSpPr/>
+              <p:nvPr/>
+            </p:nvSpPr>
+            <p:spPr>
+              <a:xfrm>
+                <a:off x="4063577" y="2545080"/>
+                <a:ext cx="134620" cy="128905"/>
+              </a:xfrm>
+              <a:prstGeom prst="ellipse">
+                <a:avLst/>
+              </a:prstGeom>
+              <a:solidFill>
+                <a:srgbClr val="00B0F0"/>
+              </a:solidFill>
+              <a:ln>
+                <a:solidFill>
+                  <a:schemeClr val="accent1">
+                    <a:lumMod val="60000"/>
+                    <a:lumOff val="40000"/>
+                  </a:schemeClr>
+                </a:solidFill>
+              </a:ln>
+            </p:spPr>
+            <p:style>
+              <a:lnRef idx="2">
+                <a:schemeClr val="accent1">
+                  <a:shade val="50000"/>
+                </a:schemeClr>
+              </a:lnRef>
+              <a:fillRef idx="1">
+                <a:schemeClr val="accent1"/>
+              </a:fillRef>
+              <a:effectRef idx="0">
+                <a:schemeClr val="accent1"/>
+              </a:effectRef>
+              <a:fontRef idx="minor">
+                <a:schemeClr val="lt1"/>
+              </a:fontRef>
+            </p:style>
+            <p:txBody>
+              <a:bodyPr rot="0" spcFirstLastPara="0" vert="horz" wrap="square" lIns="91440" tIns="45720" rIns="91440" bIns="45720" numCol="1" spcCol="0" rtlCol="0" fromWordArt="0" anchor="ctr" anchorCtr="0" forceAA="0" compatLnSpc="1">
+                <a:prstTxWarp prst="textNoShape">
+                  <a:avLst/>
+                </a:prstTxWarp>
+                <a:noAutofit/>
+              </a:bodyPr>
+              <a:lstStyle/>
+              <a:p>
+                <a:endParaRPr lang="en-US"/>
+              </a:p>
+            </p:txBody>
+          </p:sp>
+        </p:grpSp>
+        <p:sp>
+          <p:nvSpPr>
+            <p:cNvPr id="72" name="TextBox 71">
+              <a:extLst>
+                <a:ext uri="{FF2B5EF4-FFF2-40B4-BE49-F238E27FC236}">
+                  <a16:creationId xmlns:a16="http://schemas.microsoft.com/office/drawing/2014/main" id="{4E69B18C-24C1-4954-948E-D10AFB7C8DC9}"/>
+                </a:ext>
+              </a:extLst>
+            </p:cNvPr>
+            <p:cNvSpPr txBox="1"/>
+            <p:nvPr/>
+          </p:nvSpPr>
+          <p:spPr>
+            <a:xfrm>
+              <a:off x="3748522" y="3243174"/>
+              <a:ext cx="343364" cy="369332"/>
+            </a:xfrm>
+            <a:prstGeom prst="rect">
+              <a:avLst/>
+            </a:prstGeom>
+            <a:noFill/>
+          </p:spPr>
+          <p:txBody>
+            <a:bodyPr wrap="none" rtlCol="0">
+              <a:spAutoFit/>
+            </a:bodyPr>
+            <a:lstStyle/>
+            <a:p>
+              <a:r>
+                <a:rPr lang="en-US" dirty="0"/>
+                <a:t>…</a:t>
+              </a:r>
+            </a:p>
+          </p:txBody>
+        </p:sp>
+      </p:grpSp>
+      <p:sp>
+        <p:nvSpPr>
+          <p:cNvPr id="89" name="TextBox 88">
+            <a:extLst>
+              <a:ext uri="{FF2B5EF4-FFF2-40B4-BE49-F238E27FC236}">
+                <a16:creationId xmlns:a16="http://schemas.microsoft.com/office/drawing/2014/main" id="{CC9999F7-C77B-4713-9819-76621603C16B}"/>
+              </a:ext>
+            </a:extLst>
+          </p:cNvPr>
+          <p:cNvSpPr txBox="1"/>
+          <p:nvPr/>
+        </p:nvSpPr>
+        <p:spPr>
+          <a:xfrm>
+            <a:off x="4615166" y="1905455"/>
+            <a:ext cx="880306" cy="646331"/>
+          </a:xfrm>
+          <a:prstGeom prst="rect">
+            <a:avLst/>
+          </a:prstGeom>
+          <a:noFill/>
+        </p:spPr>
+        <p:txBody>
+          <a:bodyPr wrap="none" rtlCol="0">
+            <a:spAutoFit/>
+          </a:bodyPr>
+          <a:lstStyle/>
+          <a:p>
+            <a:pPr algn="ctr"/>
+            <a:r>
+              <a:rPr lang="en-US" dirty="0"/>
+              <a:t>Node</a:t>
+            </a:r>
+          </a:p>
+          <a:p>
+            <a:pPr algn="ctr"/>
+            <a:r>
+              <a:rPr lang="en-US" dirty="0"/>
+              <a:t>Vectors</a:t>
+            </a:r>
+          </a:p>
+        </p:txBody>
+      </p:sp>
+      <p:grpSp>
+        <p:nvGrpSpPr>
+          <p:cNvPr id="91" name="Group 90">
+            <a:extLst>
+              <a:ext uri="{FF2B5EF4-FFF2-40B4-BE49-F238E27FC236}">
+                <a16:creationId xmlns:a16="http://schemas.microsoft.com/office/drawing/2014/main" id="{F99E98EC-1981-4AED-8B69-BAE8D5ED74FC}"/>
+              </a:ext>
+            </a:extLst>
+          </p:cNvPr>
+          <p:cNvGrpSpPr/>
+          <p:nvPr/>
+        </p:nvGrpSpPr>
+        <p:grpSpPr>
+          <a:xfrm>
+            <a:off x="5891558" y="2682022"/>
+            <a:ext cx="720991" cy="1610870"/>
+            <a:chOff x="3547425" y="2682022"/>
+            <a:chExt cx="720991" cy="1610870"/>
+          </a:xfrm>
+        </p:grpSpPr>
+        <p:grpSp>
+          <p:nvGrpSpPr>
+            <p:cNvPr id="92" name="Group 91">
+              <a:extLst>
+                <a:ext uri="{FF2B5EF4-FFF2-40B4-BE49-F238E27FC236}">
+                  <a16:creationId xmlns:a16="http://schemas.microsoft.com/office/drawing/2014/main" id="{EFA71E03-1EE2-4355-841A-F439A08D7F6D}"/>
+                </a:ext>
+              </a:extLst>
+            </p:cNvPr>
+            <p:cNvGrpSpPr/>
+            <p:nvPr/>
+          </p:nvGrpSpPr>
+          <p:grpSpPr>
+            <a:xfrm>
+              <a:off x="3553406" y="2682022"/>
+              <a:ext cx="711200" cy="203835"/>
+              <a:chOff x="3559387" y="2503170"/>
+              <a:chExt cx="711200" cy="203835"/>
+            </a:xfrm>
+          </p:grpSpPr>
+          <p:sp>
+            <p:nvSpPr>
+              <p:cNvPr id="109" name="Rectangle: Rounded Corners 108">
+                <a:extLst>
+                  <a:ext uri="{FF2B5EF4-FFF2-40B4-BE49-F238E27FC236}">
+                    <a16:creationId xmlns:a16="http://schemas.microsoft.com/office/drawing/2014/main" id="{F53E1FE0-CDDE-4617-9D28-751BEB5E93AF}"/>
+                  </a:ext>
+                </a:extLst>
+              </p:cNvPr>
+              <p:cNvSpPr/>
+              <p:nvPr/>
+            </p:nvSpPr>
+            <p:spPr>
+              <a:xfrm>
+                <a:off x="3559387" y="2503170"/>
+                <a:ext cx="711200" cy="203835"/>
+              </a:xfrm>
+              <a:prstGeom prst="roundRect">
+                <a:avLst/>
+              </a:prstGeom>
+              <a:noFill/>
+              <a:ln>
+                <a:solidFill>
+                  <a:schemeClr val="tx1"/>
+                </a:solidFill>
+              </a:ln>
+            </p:spPr>
+            <p:style>
+              <a:lnRef idx="2">
+                <a:schemeClr val="accent1">
+                  <a:shade val="50000"/>
+                </a:schemeClr>
+              </a:lnRef>
+              <a:fillRef idx="1">
+                <a:schemeClr val="accent1"/>
+              </a:fillRef>
+              <a:effectRef idx="0">
+                <a:schemeClr val="accent1"/>
+              </a:effectRef>
+              <a:fontRef idx="minor">
+                <a:schemeClr val="lt1"/>
+              </a:fontRef>
+            </p:style>
+            <p:txBody>
+              <a:bodyPr rot="0" spcFirstLastPara="0" vert="horz" wrap="square" lIns="91440" tIns="45720" rIns="91440" bIns="45720" numCol="1" spcCol="0" rtlCol="0" fromWordArt="0" anchor="ctr" anchorCtr="0" forceAA="0" compatLnSpc="1">
+                <a:prstTxWarp prst="textNoShape">
+                  <a:avLst/>
+                </a:prstTxWarp>
+                <a:noAutofit/>
+              </a:bodyPr>
+              <a:lstStyle/>
+              <a:p>
+                <a:endParaRPr lang="en-US"/>
+              </a:p>
+            </p:txBody>
+          </p:sp>
+          <p:sp>
+            <p:nvSpPr>
+              <p:cNvPr id="110" name="Oval 109">
+                <a:extLst>
+                  <a:ext uri="{FF2B5EF4-FFF2-40B4-BE49-F238E27FC236}">
+                    <a16:creationId xmlns:a16="http://schemas.microsoft.com/office/drawing/2014/main" id="{FDC780A8-F4A5-4A0C-BFA8-09EAE5372FDF}"/>
+                  </a:ext>
+                </a:extLst>
+              </p:cNvPr>
+              <p:cNvSpPr/>
+              <p:nvPr/>
+            </p:nvSpPr>
+            <p:spPr>
+              <a:xfrm>
+                <a:off x="3640032" y="2545080"/>
+                <a:ext cx="134620" cy="128905"/>
+              </a:xfrm>
+              <a:prstGeom prst="ellipse">
+                <a:avLst/>
+              </a:prstGeom>
+              <a:solidFill>
+                <a:srgbClr val="0070C0"/>
+              </a:solidFill>
+              <a:ln>
+                <a:solidFill>
+                  <a:schemeClr val="accent1">
+                    <a:lumMod val="60000"/>
+                    <a:lumOff val="40000"/>
+                  </a:schemeClr>
+                </a:solidFill>
+              </a:ln>
+            </p:spPr>
+            <p:style>
+              <a:lnRef idx="2">
+                <a:schemeClr val="accent1">
+                  <a:shade val="50000"/>
+                </a:schemeClr>
+              </a:lnRef>
+              <a:fillRef idx="1">
+                <a:schemeClr val="accent1"/>
+              </a:fillRef>
+              <a:effectRef idx="0">
+                <a:schemeClr val="accent1"/>
+              </a:effectRef>
+              <a:fontRef idx="minor">
+                <a:schemeClr val="lt1"/>
+              </a:fontRef>
+            </p:style>
+            <p:txBody>
+              <a:bodyPr rot="0" spcFirstLastPara="0" vert="horz" wrap="square" lIns="91440" tIns="45720" rIns="91440" bIns="45720" numCol="1" spcCol="0" rtlCol="0" fromWordArt="0" anchor="ctr" anchorCtr="0" forceAA="0" compatLnSpc="1">
+                <a:prstTxWarp prst="textNoShape">
+                  <a:avLst/>
+                </a:prstTxWarp>
+                <a:noAutofit/>
+              </a:bodyPr>
+              <a:lstStyle/>
+              <a:p>
+                <a:endParaRPr lang="en-US" dirty="0"/>
+              </a:p>
+            </p:txBody>
+          </p:sp>
+          <p:sp>
+            <p:nvSpPr>
+              <p:cNvPr id="111" name="Oval 110">
+                <a:extLst>
+                  <a:ext uri="{FF2B5EF4-FFF2-40B4-BE49-F238E27FC236}">
+                    <a16:creationId xmlns:a16="http://schemas.microsoft.com/office/drawing/2014/main" id="{8AA54E81-B523-4E3A-BF78-D1545FB8C8AB}"/>
+                  </a:ext>
+                </a:extLst>
+              </p:cNvPr>
+              <p:cNvSpPr/>
+              <p:nvPr/>
+            </p:nvSpPr>
+            <p:spPr>
+              <a:xfrm>
+                <a:off x="3851487" y="2545080"/>
+                <a:ext cx="134620" cy="128905"/>
+              </a:xfrm>
+              <a:prstGeom prst="ellipse">
+                <a:avLst/>
+              </a:prstGeom>
+              <a:solidFill>
+                <a:srgbClr val="0070C0"/>
+              </a:solidFill>
+              <a:ln>
+                <a:solidFill>
+                  <a:schemeClr val="accent1">
+                    <a:lumMod val="60000"/>
+                    <a:lumOff val="40000"/>
+                  </a:schemeClr>
+                </a:solidFill>
+              </a:ln>
+            </p:spPr>
+            <p:style>
+              <a:lnRef idx="2">
+                <a:schemeClr val="accent1">
+                  <a:shade val="50000"/>
+                </a:schemeClr>
+              </a:lnRef>
+              <a:fillRef idx="1">
+                <a:schemeClr val="accent1"/>
+              </a:fillRef>
+              <a:effectRef idx="0">
+                <a:schemeClr val="accent1"/>
+              </a:effectRef>
+              <a:fontRef idx="minor">
+                <a:schemeClr val="lt1"/>
+              </a:fontRef>
+            </p:style>
+            <p:txBody>
+              <a:bodyPr rot="0" spcFirstLastPara="0" vert="horz" wrap="square" lIns="91440" tIns="45720" rIns="91440" bIns="45720" numCol="1" spcCol="0" rtlCol="0" fromWordArt="0" anchor="ctr" anchorCtr="0" forceAA="0" compatLnSpc="1">
+                <a:prstTxWarp prst="textNoShape">
+                  <a:avLst/>
+                </a:prstTxWarp>
+                <a:noAutofit/>
+              </a:bodyPr>
+              <a:lstStyle/>
+              <a:p>
+                <a:endParaRPr lang="en-US"/>
+              </a:p>
+            </p:txBody>
+          </p:sp>
+          <p:sp>
+            <p:nvSpPr>
+              <p:cNvPr id="112" name="Oval 111">
+                <a:extLst>
+                  <a:ext uri="{FF2B5EF4-FFF2-40B4-BE49-F238E27FC236}">
+                    <a16:creationId xmlns:a16="http://schemas.microsoft.com/office/drawing/2014/main" id="{5A36A4CA-F1AA-41E3-B9E7-3C1EA5361803}"/>
+                  </a:ext>
+                </a:extLst>
+              </p:cNvPr>
+              <p:cNvSpPr/>
+              <p:nvPr/>
+            </p:nvSpPr>
+            <p:spPr>
+              <a:xfrm>
+                <a:off x="4063577" y="2545080"/>
+                <a:ext cx="134620" cy="128905"/>
+              </a:xfrm>
+              <a:prstGeom prst="ellipse">
+                <a:avLst/>
+              </a:prstGeom>
+              <a:solidFill>
+                <a:srgbClr val="0070C0"/>
+              </a:solidFill>
+              <a:ln>
+                <a:solidFill>
+                  <a:schemeClr val="accent1">
+                    <a:lumMod val="60000"/>
+                    <a:lumOff val="40000"/>
+                  </a:schemeClr>
+                </a:solidFill>
+              </a:ln>
+            </p:spPr>
+            <p:style>
+              <a:lnRef idx="2">
+                <a:schemeClr val="accent1">
+                  <a:shade val="50000"/>
+                </a:schemeClr>
+              </a:lnRef>
+              <a:fillRef idx="1">
+                <a:schemeClr val="accent1"/>
+              </a:fillRef>
+              <a:effectRef idx="0">
+                <a:schemeClr val="accent1"/>
+              </a:effectRef>
+              <a:fontRef idx="minor">
+                <a:schemeClr val="lt1"/>
+              </a:fontRef>
+            </p:style>
+            <p:txBody>
+              <a:bodyPr rot="0" spcFirstLastPara="0" vert="horz" wrap="square" lIns="91440" tIns="45720" rIns="91440" bIns="45720" numCol="1" spcCol="0" rtlCol="0" fromWordArt="0" anchor="ctr" anchorCtr="0" forceAA="0" compatLnSpc="1">
+                <a:prstTxWarp prst="textNoShape">
+                  <a:avLst/>
+                </a:prstTxWarp>
+                <a:noAutofit/>
+              </a:bodyPr>
+              <a:lstStyle/>
+              <a:p>
+                <a:endParaRPr lang="en-US"/>
+              </a:p>
+            </p:txBody>
+          </p:sp>
+        </p:grpSp>
+        <p:grpSp>
+          <p:nvGrpSpPr>
+            <p:cNvPr id="93" name="Group 92">
+              <a:extLst>
+                <a:ext uri="{FF2B5EF4-FFF2-40B4-BE49-F238E27FC236}">
+                  <a16:creationId xmlns:a16="http://schemas.microsoft.com/office/drawing/2014/main" id="{029DE85B-626F-4E8F-A859-09B370F1B33E}"/>
+                </a:ext>
+              </a:extLst>
+            </p:cNvPr>
+            <p:cNvGrpSpPr/>
+            <p:nvPr/>
+          </p:nvGrpSpPr>
+          <p:grpSpPr>
+            <a:xfrm>
+              <a:off x="3557216" y="3064709"/>
+              <a:ext cx="711200" cy="203835"/>
+              <a:chOff x="3559387" y="2503170"/>
+              <a:chExt cx="711200" cy="203835"/>
+            </a:xfrm>
+          </p:grpSpPr>
+          <p:sp>
+            <p:nvSpPr>
+              <p:cNvPr id="105" name="Rectangle: Rounded Corners 104">
+                <a:extLst>
+                  <a:ext uri="{FF2B5EF4-FFF2-40B4-BE49-F238E27FC236}">
+                    <a16:creationId xmlns:a16="http://schemas.microsoft.com/office/drawing/2014/main" id="{88B52E5C-D92D-41C2-9442-431885C5E11A}"/>
+                  </a:ext>
+                </a:extLst>
+              </p:cNvPr>
+              <p:cNvSpPr/>
+              <p:nvPr/>
+            </p:nvSpPr>
+            <p:spPr>
+              <a:xfrm>
+                <a:off x="3559387" y="2503170"/>
+                <a:ext cx="711200" cy="203835"/>
+              </a:xfrm>
+              <a:prstGeom prst="roundRect">
+                <a:avLst/>
+              </a:prstGeom>
+              <a:noFill/>
+              <a:ln>
+                <a:solidFill>
+                  <a:schemeClr val="tx1"/>
+                </a:solidFill>
+              </a:ln>
+            </p:spPr>
+            <p:style>
+              <a:lnRef idx="2">
+                <a:schemeClr val="accent1">
+                  <a:shade val="50000"/>
+                </a:schemeClr>
+              </a:lnRef>
+              <a:fillRef idx="1">
+                <a:schemeClr val="accent1"/>
+              </a:fillRef>
+              <a:effectRef idx="0">
+                <a:schemeClr val="accent1"/>
+              </a:effectRef>
+              <a:fontRef idx="minor">
+                <a:schemeClr val="lt1"/>
+              </a:fontRef>
+            </p:style>
+            <p:txBody>
+              <a:bodyPr rot="0" spcFirstLastPara="0" vert="horz" wrap="square" lIns="91440" tIns="45720" rIns="91440" bIns="45720" numCol="1" spcCol="0" rtlCol="0" fromWordArt="0" anchor="ctr" anchorCtr="0" forceAA="0" compatLnSpc="1">
+                <a:prstTxWarp prst="textNoShape">
+                  <a:avLst/>
+                </a:prstTxWarp>
+                <a:noAutofit/>
+              </a:bodyPr>
+              <a:lstStyle/>
+              <a:p>
+                <a:endParaRPr lang="en-US"/>
+              </a:p>
+            </p:txBody>
+          </p:sp>
+          <p:sp>
+            <p:nvSpPr>
+              <p:cNvPr id="106" name="Oval 105">
+                <a:extLst>
+                  <a:ext uri="{FF2B5EF4-FFF2-40B4-BE49-F238E27FC236}">
+                    <a16:creationId xmlns:a16="http://schemas.microsoft.com/office/drawing/2014/main" id="{E53B0A8F-6224-4B03-972F-47E4527CD758}"/>
+                  </a:ext>
+                </a:extLst>
+              </p:cNvPr>
+              <p:cNvSpPr/>
+              <p:nvPr/>
+            </p:nvSpPr>
+            <p:spPr>
+              <a:xfrm>
+                <a:off x="3640032" y="2545080"/>
+                <a:ext cx="134620" cy="128905"/>
+              </a:xfrm>
+              <a:prstGeom prst="ellipse">
+                <a:avLst/>
+              </a:prstGeom>
+              <a:solidFill>
+                <a:srgbClr val="0070C0"/>
+              </a:solidFill>
+              <a:ln>
+                <a:solidFill>
+                  <a:schemeClr val="accent1">
+                    <a:lumMod val="60000"/>
+                    <a:lumOff val="40000"/>
+                  </a:schemeClr>
+                </a:solidFill>
+              </a:ln>
+            </p:spPr>
+            <p:style>
+              <a:lnRef idx="2">
+                <a:schemeClr val="accent1">
+                  <a:shade val="50000"/>
+                </a:schemeClr>
+              </a:lnRef>
+              <a:fillRef idx="1">
+                <a:schemeClr val="accent1"/>
+              </a:fillRef>
+              <a:effectRef idx="0">
+                <a:schemeClr val="accent1"/>
+              </a:effectRef>
+              <a:fontRef idx="minor">
+                <a:schemeClr val="lt1"/>
+              </a:fontRef>
+            </p:style>
+            <p:txBody>
+              <a:bodyPr rot="0" spcFirstLastPara="0" vert="horz" wrap="square" lIns="91440" tIns="45720" rIns="91440" bIns="45720" numCol="1" spcCol="0" rtlCol="0" fromWordArt="0" anchor="ctr" anchorCtr="0" forceAA="0" compatLnSpc="1">
+                <a:prstTxWarp prst="textNoShape">
+                  <a:avLst/>
+                </a:prstTxWarp>
+                <a:noAutofit/>
+              </a:bodyPr>
+              <a:lstStyle/>
+              <a:p>
+                <a:endParaRPr lang="en-US"/>
+              </a:p>
+            </p:txBody>
+          </p:sp>
+          <p:sp>
+            <p:nvSpPr>
+              <p:cNvPr id="107" name="Oval 106">
+                <a:extLst>
+                  <a:ext uri="{FF2B5EF4-FFF2-40B4-BE49-F238E27FC236}">
+                    <a16:creationId xmlns:a16="http://schemas.microsoft.com/office/drawing/2014/main" id="{2DB34156-D2C2-428E-AF0B-9F8FC81B4F2F}"/>
+                  </a:ext>
+                </a:extLst>
+              </p:cNvPr>
+              <p:cNvSpPr/>
+              <p:nvPr/>
+            </p:nvSpPr>
+            <p:spPr>
+              <a:xfrm>
+                <a:off x="3851487" y="2545080"/>
+                <a:ext cx="134620" cy="128905"/>
+              </a:xfrm>
+              <a:prstGeom prst="ellipse">
+                <a:avLst/>
+              </a:prstGeom>
+              <a:solidFill>
+                <a:srgbClr val="0070C0"/>
+              </a:solidFill>
+              <a:ln>
+                <a:solidFill>
+                  <a:schemeClr val="accent1">
+                    <a:lumMod val="60000"/>
+                    <a:lumOff val="40000"/>
+                  </a:schemeClr>
+                </a:solidFill>
+              </a:ln>
+            </p:spPr>
+            <p:style>
+              <a:lnRef idx="2">
+                <a:schemeClr val="accent1">
+                  <a:shade val="50000"/>
+                </a:schemeClr>
+              </a:lnRef>
+              <a:fillRef idx="1">
+                <a:schemeClr val="accent1"/>
+              </a:fillRef>
+              <a:effectRef idx="0">
+                <a:schemeClr val="accent1"/>
+              </a:effectRef>
+              <a:fontRef idx="minor">
+                <a:schemeClr val="lt1"/>
+              </a:fontRef>
+            </p:style>
+            <p:txBody>
+              <a:bodyPr rot="0" spcFirstLastPara="0" vert="horz" wrap="square" lIns="91440" tIns="45720" rIns="91440" bIns="45720" numCol="1" spcCol="0" rtlCol="0" fromWordArt="0" anchor="ctr" anchorCtr="0" forceAA="0" compatLnSpc="1">
+                <a:prstTxWarp prst="textNoShape">
+                  <a:avLst/>
+                </a:prstTxWarp>
+                <a:noAutofit/>
+              </a:bodyPr>
+              <a:lstStyle/>
+              <a:p>
+                <a:endParaRPr lang="en-US"/>
+              </a:p>
+            </p:txBody>
+          </p:sp>
+          <p:sp>
+            <p:nvSpPr>
+              <p:cNvPr id="108" name="Oval 107">
+                <a:extLst>
+                  <a:ext uri="{FF2B5EF4-FFF2-40B4-BE49-F238E27FC236}">
+                    <a16:creationId xmlns:a16="http://schemas.microsoft.com/office/drawing/2014/main" id="{6C373AB2-9A93-4FBE-8D64-78833A4D4C23}"/>
+                  </a:ext>
+                </a:extLst>
+              </p:cNvPr>
+              <p:cNvSpPr/>
+              <p:nvPr/>
+            </p:nvSpPr>
+            <p:spPr>
+              <a:xfrm>
+                <a:off x="4063577" y="2545080"/>
+                <a:ext cx="134620" cy="128905"/>
+              </a:xfrm>
+              <a:prstGeom prst="ellipse">
+                <a:avLst/>
+              </a:prstGeom>
+              <a:solidFill>
+                <a:srgbClr val="0070C0"/>
+              </a:solidFill>
+              <a:ln>
+                <a:solidFill>
+                  <a:schemeClr val="accent1">
+                    <a:lumMod val="60000"/>
+                    <a:lumOff val="40000"/>
+                  </a:schemeClr>
+                </a:solidFill>
+              </a:ln>
+            </p:spPr>
+            <p:style>
+              <a:lnRef idx="2">
+                <a:schemeClr val="accent1">
+                  <a:shade val="50000"/>
+                </a:schemeClr>
+              </a:lnRef>
+              <a:fillRef idx="1">
+                <a:schemeClr val="accent1"/>
+              </a:fillRef>
+              <a:effectRef idx="0">
+                <a:schemeClr val="accent1"/>
+              </a:effectRef>
+              <a:fontRef idx="minor">
+                <a:schemeClr val="lt1"/>
+              </a:fontRef>
+            </p:style>
+            <p:txBody>
+              <a:bodyPr rot="0" spcFirstLastPara="0" vert="horz" wrap="square" lIns="91440" tIns="45720" rIns="91440" bIns="45720" numCol="1" spcCol="0" rtlCol="0" fromWordArt="0" anchor="ctr" anchorCtr="0" forceAA="0" compatLnSpc="1">
+                <a:prstTxWarp prst="textNoShape">
+                  <a:avLst/>
+                </a:prstTxWarp>
+                <a:noAutofit/>
+              </a:bodyPr>
+              <a:lstStyle/>
+              <a:p>
+                <a:endParaRPr lang="en-US"/>
+              </a:p>
+            </p:txBody>
+          </p:sp>
+        </p:grpSp>
+        <p:grpSp>
+          <p:nvGrpSpPr>
+            <p:cNvPr id="94" name="Group 93">
+              <a:extLst>
+                <a:ext uri="{FF2B5EF4-FFF2-40B4-BE49-F238E27FC236}">
+                  <a16:creationId xmlns:a16="http://schemas.microsoft.com/office/drawing/2014/main" id="{AB1D676C-CD5B-46E6-B626-99237E8DFF02}"/>
+                </a:ext>
+              </a:extLst>
+            </p:cNvPr>
+            <p:cNvGrpSpPr/>
+            <p:nvPr/>
+          </p:nvGrpSpPr>
+          <p:grpSpPr>
+            <a:xfrm>
+              <a:off x="3557216" y="3703411"/>
+              <a:ext cx="711200" cy="203835"/>
+              <a:chOff x="3559387" y="2503170"/>
+              <a:chExt cx="711200" cy="203835"/>
+            </a:xfrm>
+          </p:grpSpPr>
+          <p:sp>
+            <p:nvSpPr>
+              <p:cNvPr id="101" name="Rectangle: Rounded Corners 100">
+                <a:extLst>
+                  <a:ext uri="{FF2B5EF4-FFF2-40B4-BE49-F238E27FC236}">
+                    <a16:creationId xmlns:a16="http://schemas.microsoft.com/office/drawing/2014/main" id="{58B9B012-561C-4D9F-BBFD-7D7448A7E18B}"/>
+                  </a:ext>
+                </a:extLst>
+              </p:cNvPr>
+              <p:cNvSpPr/>
+              <p:nvPr/>
+            </p:nvSpPr>
+            <p:spPr>
+              <a:xfrm>
+                <a:off x="3559387" y="2503170"/>
+                <a:ext cx="711200" cy="203835"/>
+              </a:xfrm>
+              <a:prstGeom prst="roundRect">
+                <a:avLst/>
+              </a:prstGeom>
+              <a:noFill/>
+              <a:ln>
+                <a:solidFill>
+                  <a:schemeClr val="tx1"/>
+                </a:solidFill>
+              </a:ln>
+            </p:spPr>
+            <p:style>
+              <a:lnRef idx="2">
+                <a:schemeClr val="accent1">
+                  <a:shade val="50000"/>
+                </a:schemeClr>
+              </a:lnRef>
+              <a:fillRef idx="1">
+                <a:schemeClr val="accent1"/>
+              </a:fillRef>
+              <a:effectRef idx="0">
+                <a:schemeClr val="accent1"/>
+              </a:effectRef>
+              <a:fontRef idx="minor">
+                <a:schemeClr val="lt1"/>
+              </a:fontRef>
+            </p:style>
+            <p:txBody>
+              <a:bodyPr rot="0" spcFirstLastPara="0" vert="horz" wrap="square" lIns="91440" tIns="45720" rIns="91440" bIns="45720" numCol="1" spcCol="0" rtlCol="0" fromWordArt="0" anchor="ctr" anchorCtr="0" forceAA="0" compatLnSpc="1">
+                <a:prstTxWarp prst="textNoShape">
+                  <a:avLst/>
+                </a:prstTxWarp>
+                <a:noAutofit/>
+              </a:bodyPr>
+              <a:lstStyle/>
+              <a:p>
+                <a:endParaRPr lang="en-US"/>
+              </a:p>
+            </p:txBody>
+          </p:sp>
+          <p:sp>
+            <p:nvSpPr>
+              <p:cNvPr id="102" name="Oval 101">
+                <a:extLst>
+                  <a:ext uri="{FF2B5EF4-FFF2-40B4-BE49-F238E27FC236}">
+                    <a16:creationId xmlns:a16="http://schemas.microsoft.com/office/drawing/2014/main" id="{8AFD315F-D523-4D37-A8BA-A5D70F6C549A}"/>
+                  </a:ext>
+                </a:extLst>
+              </p:cNvPr>
+              <p:cNvSpPr/>
+              <p:nvPr/>
+            </p:nvSpPr>
+            <p:spPr>
+              <a:xfrm>
+                <a:off x="3640032" y="2545080"/>
+                <a:ext cx="134620" cy="128905"/>
+              </a:xfrm>
+              <a:prstGeom prst="ellipse">
+                <a:avLst/>
+              </a:prstGeom>
+              <a:solidFill>
+                <a:srgbClr val="0070C0"/>
+              </a:solidFill>
+              <a:ln>
+                <a:solidFill>
+                  <a:schemeClr val="accent1">
+                    <a:lumMod val="60000"/>
+                    <a:lumOff val="40000"/>
+                  </a:schemeClr>
+                </a:solidFill>
+              </a:ln>
+            </p:spPr>
+            <p:style>
+              <a:lnRef idx="2">
+                <a:schemeClr val="accent1">
+                  <a:shade val="50000"/>
+                </a:schemeClr>
+              </a:lnRef>
+              <a:fillRef idx="1">
+                <a:schemeClr val="accent1"/>
+              </a:fillRef>
+              <a:effectRef idx="0">
+                <a:schemeClr val="accent1"/>
+              </a:effectRef>
+              <a:fontRef idx="minor">
+                <a:schemeClr val="lt1"/>
+              </a:fontRef>
+            </p:style>
+            <p:txBody>
+              <a:bodyPr rot="0" spcFirstLastPara="0" vert="horz" wrap="square" lIns="91440" tIns="45720" rIns="91440" bIns="45720" numCol="1" spcCol="0" rtlCol="0" fromWordArt="0" anchor="ctr" anchorCtr="0" forceAA="0" compatLnSpc="1">
+                <a:prstTxWarp prst="textNoShape">
+                  <a:avLst/>
+                </a:prstTxWarp>
+                <a:noAutofit/>
+              </a:bodyPr>
+              <a:lstStyle/>
+              <a:p>
+                <a:endParaRPr lang="en-US"/>
+              </a:p>
+            </p:txBody>
+          </p:sp>
+          <p:sp>
+            <p:nvSpPr>
+              <p:cNvPr id="103" name="Oval 102">
+                <a:extLst>
+                  <a:ext uri="{FF2B5EF4-FFF2-40B4-BE49-F238E27FC236}">
+                    <a16:creationId xmlns:a16="http://schemas.microsoft.com/office/drawing/2014/main" id="{4A65E3E0-8338-4828-9B98-48BE13D73E14}"/>
+                  </a:ext>
+                </a:extLst>
+              </p:cNvPr>
+              <p:cNvSpPr/>
+              <p:nvPr/>
+            </p:nvSpPr>
+            <p:spPr>
+              <a:xfrm>
+                <a:off x="3851487" y="2545080"/>
+                <a:ext cx="134620" cy="128905"/>
+              </a:xfrm>
+              <a:prstGeom prst="ellipse">
+                <a:avLst/>
+              </a:prstGeom>
+              <a:solidFill>
+                <a:srgbClr val="0070C0"/>
+              </a:solidFill>
+              <a:ln>
+                <a:solidFill>
+                  <a:schemeClr val="accent1">
+                    <a:lumMod val="60000"/>
+                    <a:lumOff val="40000"/>
+                  </a:schemeClr>
+                </a:solidFill>
+              </a:ln>
+            </p:spPr>
+            <p:style>
+              <a:lnRef idx="2">
+                <a:schemeClr val="accent1">
+                  <a:shade val="50000"/>
+                </a:schemeClr>
+              </a:lnRef>
+              <a:fillRef idx="1">
+                <a:schemeClr val="accent1"/>
+              </a:fillRef>
+              <a:effectRef idx="0">
+                <a:schemeClr val="accent1"/>
+              </a:effectRef>
+              <a:fontRef idx="minor">
+                <a:schemeClr val="lt1"/>
+              </a:fontRef>
+            </p:style>
+            <p:txBody>
+              <a:bodyPr rot="0" spcFirstLastPara="0" vert="horz" wrap="square" lIns="91440" tIns="45720" rIns="91440" bIns="45720" numCol="1" spcCol="0" rtlCol="0" fromWordArt="0" anchor="ctr" anchorCtr="0" forceAA="0" compatLnSpc="1">
+                <a:prstTxWarp prst="textNoShape">
+                  <a:avLst/>
+                </a:prstTxWarp>
+                <a:noAutofit/>
+              </a:bodyPr>
+              <a:lstStyle/>
+              <a:p>
+                <a:endParaRPr lang="en-US"/>
+              </a:p>
+            </p:txBody>
+          </p:sp>
+          <p:sp>
+            <p:nvSpPr>
+              <p:cNvPr id="104" name="Oval 103">
+                <a:extLst>
+                  <a:ext uri="{FF2B5EF4-FFF2-40B4-BE49-F238E27FC236}">
+                    <a16:creationId xmlns:a16="http://schemas.microsoft.com/office/drawing/2014/main" id="{80999250-84AC-4297-ABC6-992DA08E36E5}"/>
+                  </a:ext>
+                </a:extLst>
+              </p:cNvPr>
+              <p:cNvSpPr/>
+              <p:nvPr/>
+            </p:nvSpPr>
+            <p:spPr>
+              <a:xfrm>
+                <a:off x="4063577" y="2545080"/>
+                <a:ext cx="134620" cy="128905"/>
+              </a:xfrm>
+              <a:prstGeom prst="ellipse">
+                <a:avLst/>
+              </a:prstGeom>
+              <a:solidFill>
+                <a:srgbClr val="0070C0"/>
+              </a:solidFill>
+              <a:ln>
+                <a:solidFill>
+                  <a:schemeClr val="accent1">
+                    <a:lumMod val="60000"/>
+                    <a:lumOff val="40000"/>
+                  </a:schemeClr>
+                </a:solidFill>
+              </a:ln>
+            </p:spPr>
+            <p:style>
+              <a:lnRef idx="2">
+                <a:schemeClr val="accent1">
+                  <a:shade val="50000"/>
+                </a:schemeClr>
+              </a:lnRef>
+              <a:fillRef idx="1">
+                <a:schemeClr val="accent1"/>
+              </a:fillRef>
+              <a:effectRef idx="0">
+                <a:schemeClr val="accent1"/>
+              </a:effectRef>
+              <a:fontRef idx="minor">
+                <a:schemeClr val="lt1"/>
+              </a:fontRef>
+            </p:style>
+            <p:txBody>
+              <a:bodyPr rot="0" spcFirstLastPara="0" vert="horz" wrap="square" lIns="91440" tIns="45720" rIns="91440" bIns="45720" numCol="1" spcCol="0" rtlCol="0" fromWordArt="0" anchor="ctr" anchorCtr="0" forceAA="0" compatLnSpc="1">
+                <a:prstTxWarp prst="textNoShape">
+                  <a:avLst/>
+                </a:prstTxWarp>
+                <a:noAutofit/>
+              </a:bodyPr>
+              <a:lstStyle/>
+              <a:p>
+                <a:endParaRPr lang="en-US" dirty="0"/>
+              </a:p>
+            </p:txBody>
+          </p:sp>
+        </p:grpSp>
+        <p:grpSp>
+          <p:nvGrpSpPr>
+            <p:cNvPr id="95" name="Group 94">
+              <a:extLst>
+                <a:ext uri="{FF2B5EF4-FFF2-40B4-BE49-F238E27FC236}">
+                  <a16:creationId xmlns:a16="http://schemas.microsoft.com/office/drawing/2014/main" id="{B3545452-50FB-4C20-AA3E-BD0D8EDA2174}"/>
+                </a:ext>
+              </a:extLst>
+            </p:cNvPr>
+            <p:cNvGrpSpPr/>
+            <p:nvPr/>
+          </p:nvGrpSpPr>
+          <p:grpSpPr>
+            <a:xfrm>
+              <a:off x="3547425" y="4089057"/>
+              <a:ext cx="711200" cy="203835"/>
+              <a:chOff x="3559387" y="2503170"/>
+              <a:chExt cx="711200" cy="203835"/>
+            </a:xfrm>
+          </p:grpSpPr>
+          <p:sp>
+            <p:nvSpPr>
+              <p:cNvPr id="97" name="Rectangle: Rounded Corners 96">
+                <a:extLst>
+                  <a:ext uri="{FF2B5EF4-FFF2-40B4-BE49-F238E27FC236}">
+                    <a16:creationId xmlns:a16="http://schemas.microsoft.com/office/drawing/2014/main" id="{830D509F-D5E4-4C23-BB09-90682CAA9817}"/>
+                  </a:ext>
+                </a:extLst>
+              </p:cNvPr>
+              <p:cNvSpPr/>
+              <p:nvPr/>
+            </p:nvSpPr>
+            <p:spPr>
+              <a:xfrm>
+                <a:off x="3559387" y="2503170"/>
+                <a:ext cx="711200" cy="203835"/>
+              </a:xfrm>
+              <a:prstGeom prst="roundRect">
+                <a:avLst/>
+              </a:prstGeom>
+              <a:noFill/>
+              <a:ln>
+                <a:solidFill>
+                  <a:schemeClr val="tx1"/>
+                </a:solidFill>
+              </a:ln>
+            </p:spPr>
+            <p:style>
+              <a:lnRef idx="2">
+                <a:schemeClr val="accent1">
+                  <a:shade val="50000"/>
+                </a:schemeClr>
+              </a:lnRef>
+              <a:fillRef idx="1">
+                <a:schemeClr val="accent1"/>
+              </a:fillRef>
+              <a:effectRef idx="0">
+                <a:schemeClr val="accent1"/>
+              </a:effectRef>
+              <a:fontRef idx="minor">
+                <a:schemeClr val="lt1"/>
+              </a:fontRef>
+            </p:style>
+            <p:txBody>
+              <a:bodyPr rot="0" spcFirstLastPara="0" vert="horz" wrap="square" lIns="91440" tIns="45720" rIns="91440" bIns="45720" numCol="1" spcCol="0" rtlCol="0" fromWordArt="0" anchor="ctr" anchorCtr="0" forceAA="0" compatLnSpc="1">
+                <a:prstTxWarp prst="textNoShape">
+                  <a:avLst/>
+                </a:prstTxWarp>
+                <a:noAutofit/>
+              </a:bodyPr>
+              <a:lstStyle/>
+              <a:p>
+                <a:endParaRPr lang="en-US"/>
+              </a:p>
+            </p:txBody>
+          </p:sp>
+          <p:sp>
+            <p:nvSpPr>
+              <p:cNvPr id="98" name="Oval 97">
+                <a:extLst>
+                  <a:ext uri="{FF2B5EF4-FFF2-40B4-BE49-F238E27FC236}">
+                    <a16:creationId xmlns:a16="http://schemas.microsoft.com/office/drawing/2014/main" id="{8A30CC19-CBCE-468D-9625-72EB93B28FD0}"/>
+                  </a:ext>
+                </a:extLst>
+              </p:cNvPr>
+              <p:cNvSpPr/>
+              <p:nvPr/>
+            </p:nvSpPr>
+            <p:spPr>
+              <a:xfrm>
+                <a:off x="3640032" y="2545080"/>
+                <a:ext cx="134620" cy="128905"/>
+              </a:xfrm>
+              <a:prstGeom prst="ellipse">
+                <a:avLst/>
+              </a:prstGeom>
+              <a:solidFill>
+                <a:srgbClr val="0070C0"/>
+              </a:solidFill>
+              <a:ln>
+                <a:solidFill>
+                  <a:schemeClr val="accent1">
+                    <a:lumMod val="60000"/>
+                    <a:lumOff val="40000"/>
+                  </a:schemeClr>
+                </a:solidFill>
+              </a:ln>
+            </p:spPr>
+            <p:style>
+              <a:lnRef idx="2">
+                <a:schemeClr val="accent1">
+                  <a:shade val="50000"/>
+                </a:schemeClr>
+              </a:lnRef>
+              <a:fillRef idx="1">
+                <a:schemeClr val="accent1"/>
+              </a:fillRef>
+              <a:effectRef idx="0">
+                <a:schemeClr val="accent1"/>
+              </a:effectRef>
+              <a:fontRef idx="minor">
+                <a:schemeClr val="lt1"/>
+              </a:fontRef>
+            </p:style>
+            <p:txBody>
+              <a:bodyPr rot="0" spcFirstLastPara="0" vert="horz" wrap="square" lIns="91440" tIns="45720" rIns="91440" bIns="45720" numCol="1" spcCol="0" rtlCol="0" fromWordArt="0" anchor="ctr" anchorCtr="0" forceAA="0" compatLnSpc="1">
+                <a:prstTxWarp prst="textNoShape">
+                  <a:avLst/>
+                </a:prstTxWarp>
+                <a:noAutofit/>
+              </a:bodyPr>
+              <a:lstStyle/>
+              <a:p>
+                <a:endParaRPr lang="en-US"/>
+              </a:p>
+            </p:txBody>
+          </p:sp>
+          <p:sp>
+            <p:nvSpPr>
+              <p:cNvPr id="99" name="Oval 98">
+                <a:extLst>
+                  <a:ext uri="{FF2B5EF4-FFF2-40B4-BE49-F238E27FC236}">
+                    <a16:creationId xmlns:a16="http://schemas.microsoft.com/office/drawing/2014/main" id="{B493CE6D-C659-464A-BF33-CDE686E43892}"/>
+                  </a:ext>
+                </a:extLst>
+              </p:cNvPr>
+              <p:cNvSpPr/>
+              <p:nvPr/>
+            </p:nvSpPr>
+            <p:spPr>
+              <a:xfrm>
+                <a:off x="3851487" y="2545080"/>
+                <a:ext cx="134620" cy="128905"/>
+              </a:xfrm>
+              <a:prstGeom prst="ellipse">
+                <a:avLst/>
+              </a:prstGeom>
+              <a:solidFill>
+                <a:srgbClr val="0070C0"/>
+              </a:solidFill>
+              <a:ln>
+                <a:solidFill>
+                  <a:schemeClr val="accent1">
+                    <a:lumMod val="60000"/>
+                    <a:lumOff val="40000"/>
+                  </a:schemeClr>
+                </a:solidFill>
+              </a:ln>
+            </p:spPr>
+            <p:style>
+              <a:lnRef idx="2">
+                <a:schemeClr val="accent1">
+                  <a:shade val="50000"/>
+                </a:schemeClr>
+              </a:lnRef>
+              <a:fillRef idx="1">
+                <a:schemeClr val="accent1"/>
+              </a:fillRef>
+              <a:effectRef idx="0">
+                <a:schemeClr val="accent1"/>
+              </a:effectRef>
+              <a:fontRef idx="minor">
+                <a:schemeClr val="lt1"/>
+              </a:fontRef>
+            </p:style>
+            <p:txBody>
+              <a:bodyPr rot="0" spcFirstLastPara="0" vert="horz" wrap="square" lIns="91440" tIns="45720" rIns="91440" bIns="45720" numCol="1" spcCol="0" rtlCol="0" fromWordArt="0" anchor="ctr" anchorCtr="0" forceAA="0" compatLnSpc="1">
+                <a:prstTxWarp prst="textNoShape">
+                  <a:avLst/>
+                </a:prstTxWarp>
+                <a:noAutofit/>
+              </a:bodyPr>
+              <a:lstStyle/>
+              <a:p>
+                <a:endParaRPr lang="en-US"/>
+              </a:p>
+            </p:txBody>
+          </p:sp>
+          <p:sp>
+            <p:nvSpPr>
+              <p:cNvPr id="100" name="Oval 99">
+                <a:extLst>
+                  <a:ext uri="{FF2B5EF4-FFF2-40B4-BE49-F238E27FC236}">
+                    <a16:creationId xmlns:a16="http://schemas.microsoft.com/office/drawing/2014/main" id="{8395355E-FDB9-49D4-94AC-A4920A160CD2}"/>
+                  </a:ext>
+                </a:extLst>
+              </p:cNvPr>
+              <p:cNvSpPr/>
+              <p:nvPr/>
+            </p:nvSpPr>
+            <p:spPr>
+              <a:xfrm>
+                <a:off x="4063577" y="2545080"/>
+                <a:ext cx="134620" cy="128905"/>
+              </a:xfrm>
+              <a:prstGeom prst="ellipse">
+                <a:avLst/>
+              </a:prstGeom>
+              <a:solidFill>
+                <a:srgbClr val="0070C0"/>
+              </a:solidFill>
+              <a:ln>
+                <a:solidFill>
+                  <a:schemeClr val="accent1">
+                    <a:lumMod val="60000"/>
+                    <a:lumOff val="40000"/>
+                  </a:schemeClr>
+                </a:solidFill>
+              </a:ln>
+            </p:spPr>
+            <p:style>
+              <a:lnRef idx="2">
+                <a:schemeClr val="accent1">
+                  <a:shade val="50000"/>
+                </a:schemeClr>
+              </a:lnRef>
+              <a:fillRef idx="1">
+                <a:schemeClr val="accent1"/>
+              </a:fillRef>
+              <a:effectRef idx="0">
+                <a:schemeClr val="accent1"/>
+              </a:effectRef>
+              <a:fontRef idx="minor">
+                <a:schemeClr val="lt1"/>
+              </a:fontRef>
+            </p:style>
+            <p:txBody>
+              <a:bodyPr rot="0" spcFirstLastPara="0" vert="horz" wrap="square" lIns="91440" tIns="45720" rIns="91440" bIns="45720" numCol="1" spcCol="0" rtlCol="0" fromWordArt="0" anchor="ctr" anchorCtr="0" forceAA="0" compatLnSpc="1">
+                <a:prstTxWarp prst="textNoShape">
+                  <a:avLst/>
+                </a:prstTxWarp>
+                <a:noAutofit/>
+              </a:bodyPr>
+              <a:lstStyle/>
+              <a:p>
+                <a:endParaRPr lang="en-US"/>
+              </a:p>
+            </p:txBody>
+          </p:sp>
+        </p:grpSp>
+        <p:sp>
+          <p:nvSpPr>
+            <p:cNvPr id="96" name="TextBox 95">
+              <a:extLst>
+                <a:ext uri="{FF2B5EF4-FFF2-40B4-BE49-F238E27FC236}">
+                  <a16:creationId xmlns:a16="http://schemas.microsoft.com/office/drawing/2014/main" id="{3DCA80F2-D04B-4D56-A705-D354C8D72D5F}"/>
+                </a:ext>
+              </a:extLst>
+            </p:cNvPr>
+            <p:cNvSpPr txBox="1"/>
+            <p:nvPr/>
+          </p:nvSpPr>
+          <p:spPr>
+            <a:xfrm>
+              <a:off x="3748522" y="3243174"/>
+              <a:ext cx="343364" cy="369332"/>
+            </a:xfrm>
+            <a:prstGeom prst="rect">
+              <a:avLst/>
+            </a:prstGeom>
+            <a:noFill/>
+          </p:spPr>
+          <p:txBody>
+            <a:bodyPr wrap="none" rtlCol="0">
+              <a:spAutoFit/>
+            </a:bodyPr>
+            <a:lstStyle/>
+            <a:p>
+              <a:r>
+                <a:rPr lang="en-US" dirty="0"/>
+                <a:t>…</a:t>
+              </a:r>
+            </a:p>
+          </p:txBody>
+        </p:sp>
+      </p:grpSp>
+      <p:sp>
+        <p:nvSpPr>
+          <p:cNvPr id="113" name="TextBox 112">
+            <a:extLst>
+              <a:ext uri="{FF2B5EF4-FFF2-40B4-BE49-F238E27FC236}">
+                <a16:creationId xmlns:a16="http://schemas.microsoft.com/office/drawing/2014/main" id="{9B397CA0-992F-4E06-8F83-CCECD1F416B2}"/>
+              </a:ext>
+            </a:extLst>
+          </p:cNvPr>
+          <p:cNvSpPr txBox="1"/>
+          <p:nvPr/>
+        </p:nvSpPr>
+        <p:spPr>
+          <a:xfrm>
+            <a:off x="5665965" y="1893416"/>
+            <a:ext cx="1160895" cy="646331"/>
+          </a:xfrm>
+          <a:prstGeom prst="rect">
+            <a:avLst/>
+          </a:prstGeom>
+          <a:noFill/>
+        </p:spPr>
+        <p:txBody>
+          <a:bodyPr wrap="none" rtlCol="0">
+            <a:spAutoFit/>
+          </a:bodyPr>
+          <a:lstStyle/>
+          <a:p>
+            <a:pPr algn="ctr"/>
+            <a:r>
+              <a:rPr lang="en-US" dirty="0"/>
+              <a:t>Enhanced </a:t>
+            </a:r>
+          </a:p>
+          <a:p>
+            <a:pPr algn="ctr"/>
+            <a:r>
+              <a:rPr lang="en-US" dirty="0"/>
+              <a:t>Vectors</a:t>
+            </a:r>
+          </a:p>
+        </p:txBody>
+      </p:sp>
+      <p:sp>
+        <p:nvSpPr>
+          <p:cNvPr id="114" name="Rectangle 113">
+            <a:extLst>
+              <a:ext uri="{FF2B5EF4-FFF2-40B4-BE49-F238E27FC236}">
+                <a16:creationId xmlns:a16="http://schemas.microsoft.com/office/drawing/2014/main" id="{0E8E6CA9-D5E4-4BC1-87B7-2D244B5B92AA}"/>
+              </a:ext>
+            </a:extLst>
+          </p:cNvPr>
+          <p:cNvSpPr/>
+          <p:nvPr/>
+        </p:nvSpPr>
+        <p:spPr>
+          <a:xfrm>
+            <a:off x="7208590" y="2699990"/>
+            <a:ext cx="436326" cy="1610870"/>
+          </a:xfrm>
+          <a:prstGeom prst="rect">
+            <a:avLst/>
+          </a:prstGeom>
+          <a:ln/>
+          <a:effectLst>
+            <a:outerShdw blurRad="50800" dist="38100" dir="2700000" algn="tl" rotWithShape="0">
+              <a:prstClr val="black">
+                <a:alpha val="40000"/>
+              </a:prstClr>
+            </a:outerShdw>
+          </a:effectLst>
+        </p:spPr>
+        <p:style>
+          <a:lnRef idx="1">
+            <a:schemeClr val="accent6"/>
+          </a:lnRef>
+          <a:fillRef idx="2">
+            <a:schemeClr val="accent6"/>
+          </a:fillRef>
+          <a:effectRef idx="1">
+            <a:schemeClr val="accent6"/>
+          </a:effectRef>
+          <a:fontRef idx="minor">
+            <a:schemeClr val="dk1"/>
+          </a:fontRef>
+        </p:style>
+        <p:txBody>
+          <a:bodyPr rtlCol="0" anchor="ctr"/>
+          <a:lstStyle/>
+          <a:p>
+            <a:pPr algn="ctr"/>
+            <a:endParaRPr lang="en-US" dirty="0"/>
+          </a:p>
+        </p:txBody>
+      </p:sp>
+      <p:sp>
+        <p:nvSpPr>
+          <p:cNvPr id="115" name="TextBox 114">
+            <a:extLst>
+              <a:ext uri="{FF2B5EF4-FFF2-40B4-BE49-F238E27FC236}">
+                <a16:creationId xmlns:a16="http://schemas.microsoft.com/office/drawing/2014/main" id="{77389297-A266-49A1-AAF6-5944E501000E}"/>
+              </a:ext>
+            </a:extLst>
+          </p:cNvPr>
+          <p:cNvSpPr txBox="1"/>
+          <p:nvPr/>
+        </p:nvSpPr>
+        <p:spPr>
+          <a:xfrm>
+            <a:off x="6949564" y="2020741"/>
+            <a:ext cx="977832" cy="646331"/>
+          </a:xfrm>
+          <a:prstGeom prst="rect">
+            <a:avLst/>
+          </a:prstGeom>
+          <a:noFill/>
+        </p:spPr>
+        <p:txBody>
+          <a:bodyPr wrap="none" rtlCol="0">
+            <a:spAutoFit/>
+          </a:bodyPr>
+          <a:lstStyle/>
+          <a:p>
+            <a:pPr algn="ctr"/>
+            <a:r>
+              <a:rPr lang="en-US" dirty="0"/>
+              <a:t>GRU</a:t>
+            </a:r>
+          </a:p>
+          <a:p>
+            <a:pPr algn="ctr"/>
+            <a:r>
+              <a:rPr lang="en-US" dirty="0"/>
+              <a:t>Decoder</a:t>
+            </a:r>
+          </a:p>
+        </p:txBody>
+      </p:sp>
+      <p:grpSp>
+        <p:nvGrpSpPr>
+          <p:cNvPr id="125" name="Group 124">
+            <a:extLst>
+              <a:ext uri="{FF2B5EF4-FFF2-40B4-BE49-F238E27FC236}">
+                <a16:creationId xmlns:a16="http://schemas.microsoft.com/office/drawing/2014/main" id="{4A508EE9-9A6E-47E6-A861-F1AE1CBA2E74}"/>
+              </a:ext>
+            </a:extLst>
+          </p:cNvPr>
+          <p:cNvGrpSpPr/>
+          <p:nvPr/>
+        </p:nvGrpSpPr>
+        <p:grpSpPr>
+          <a:xfrm>
+            <a:off x="8156246" y="2639894"/>
+            <a:ext cx="417129" cy="1658950"/>
+            <a:chOff x="8142596" y="2641653"/>
+            <a:chExt cx="417129" cy="1669419"/>
+          </a:xfrm>
+        </p:grpSpPr>
+        <p:sp>
+          <p:nvSpPr>
+            <p:cNvPr id="116" name="Rectangle 115">
+              <a:extLst>
+                <a:ext uri="{FF2B5EF4-FFF2-40B4-BE49-F238E27FC236}">
+                  <a16:creationId xmlns:a16="http://schemas.microsoft.com/office/drawing/2014/main" id="{BA55D7F1-FFB9-40D8-9D79-82F80A846EC6}"/>
+                </a:ext>
+              </a:extLst>
+            </p:cNvPr>
+            <p:cNvSpPr/>
+            <p:nvPr/>
+          </p:nvSpPr>
+          <p:spPr>
+            <a:xfrm>
+              <a:off x="8203433" y="2700202"/>
+              <a:ext cx="296234" cy="1610870"/>
+            </a:xfrm>
+            <a:prstGeom prst="rect">
+              <a:avLst/>
+            </a:prstGeom>
+            <a:solidFill>
+              <a:schemeClr val="accent2">
+                <a:lumMod val="20000"/>
+                <a:lumOff val="80000"/>
+              </a:schemeClr>
+            </a:solidFill>
+            <a:ln>
+              <a:solidFill>
+                <a:srgbClr val="C00000"/>
+              </a:solidFill>
+            </a:ln>
+          </p:spPr>
+          <p:style>
+            <a:lnRef idx="2">
+              <a:schemeClr val="accent1">
+                <a:shade val="50000"/>
+              </a:schemeClr>
+            </a:lnRef>
+            <a:fillRef idx="1">
+              <a:schemeClr val="accent1"/>
+            </a:fillRef>
+            <a:effectRef idx="0">
+              <a:schemeClr val="accent1"/>
+            </a:effectRef>
+            <a:fontRef idx="minor">
+              <a:schemeClr val="lt1"/>
+            </a:fontRef>
+          </p:style>
+          <p:txBody>
+            <a:bodyPr rtlCol="0" anchor="ctr"/>
+            <a:lstStyle/>
+            <a:p>
+              <a:pPr algn="ctr"/>
+              <a:r>
+                <a:rPr lang="en-US" dirty="0">
+                  <a:solidFill>
+                    <a:schemeClr val="tx1"/>
+                  </a:solidFill>
+                </a:rPr>
+                <a:t>…</a:t>
+              </a:r>
+            </a:p>
+          </p:txBody>
+        </p:sp>
+        <p:sp>
+          <p:nvSpPr>
+            <p:cNvPr id="119" name="TextBox 118">
+              <a:extLst>
+                <a:ext uri="{FF2B5EF4-FFF2-40B4-BE49-F238E27FC236}">
+                  <a16:creationId xmlns:a16="http://schemas.microsoft.com/office/drawing/2014/main" id="{A1A37F6F-1689-4104-BF64-78881B90B530}"/>
+                </a:ext>
+              </a:extLst>
+            </p:cNvPr>
+            <p:cNvSpPr txBox="1"/>
+            <p:nvPr/>
+          </p:nvSpPr>
+          <p:spPr>
+            <a:xfrm>
+              <a:off x="8145829" y="2641653"/>
+              <a:ext cx="413896" cy="369332"/>
+            </a:xfrm>
+            <a:prstGeom prst="rect">
+              <a:avLst/>
+            </a:prstGeom>
+            <a:noFill/>
+          </p:spPr>
+          <p:txBody>
+            <a:bodyPr wrap="none" rtlCol="0">
+              <a:spAutoFit/>
+            </a:bodyPr>
+            <a:lstStyle/>
+            <a:p>
+              <a:r>
+                <a:rPr lang="en-US" dirty="0"/>
+                <a:t>T1</a:t>
+              </a:r>
+            </a:p>
+          </p:txBody>
+        </p:sp>
+        <p:sp>
+          <p:nvSpPr>
+            <p:cNvPr id="120" name="TextBox 119">
+              <a:extLst>
+                <a:ext uri="{FF2B5EF4-FFF2-40B4-BE49-F238E27FC236}">
+                  <a16:creationId xmlns:a16="http://schemas.microsoft.com/office/drawing/2014/main" id="{809B0699-3ED6-4EE2-BF8B-B3A035D8335F}"/>
+                </a:ext>
+              </a:extLst>
+            </p:cNvPr>
+            <p:cNvSpPr txBox="1"/>
+            <p:nvPr/>
+          </p:nvSpPr>
+          <p:spPr>
+            <a:xfrm>
+              <a:off x="8142596" y="2942504"/>
+              <a:ext cx="413896" cy="369332"/>
+            </a:xfrm>
+            <a:prstGeom prst="rect">
+              <a:avLst/>
+            </a:prstGeom>
+            <a:noFill/>
+          </p:spPr>
+          <p:txBody>
+            <a:bodyPr wrap="none" rtlCol="0">
+              <a:spAutoFit/>
+            </a:bodyPr>
+            <a:lstStyle/>
+            <a:p>
+              <a:r>
+                <a:rPr lang="en-US" dirty="0"/>
+                <a:t>T2</a:t>
+              </a:r>
+            </a:p>
+          </p:txBody>
+        </p:sp>
+      </p:grpSp>
+      <p:sp>
+        <p:nvSpPr>
+          <p:cNvPr id="121" name="TextBox 120">
+            <a:extLst>
+              <a:ext uri="{FF2B5EF4-FFF2-40B4-BE49-F238E27FC236}">
+                <a16:creationId xmlns:a16="http://schemas.microsoft.com/office/drawing/2014/main" id="{7B8D7E9E-D578-4E50-BDD3-6051DA50EA76}"/>
+              </a:ext>
+            </a:extLst>
+          </p:cNvPr>
+          <p:cNvSpPr txBox="1"/>
+          <p:nvPr/>
+        </p:nvSpPr>
+        <p:spPr>
+          <a:xfrm>
+            <a:off x="7820320" y="2017636"/>
+            <a:ext cx="1080039" cy="646331"/>
+          </a:xfrm>
+          <a:prstGeom prst="rect">
+            <a:avLst/>
+          </a:prstGeom>
+          <a:noFill/>
+        </p:spPr>
+        <p:txBody>
+          <a:bodyPr wrap="none" rtlCol="0">
+            <a:spAutoFit/>
+          </a:bodyPr>
+          <a:lstStyle/>
+          <a:p>
+            <a:pPr algn="ctr"/>
+            <a:r>
+              <a:rPr lang="en-US" dirty="0"/>
+              <a:t>Predicted</a:t>
+            </a:r>
+          </a:p>
+          <a:p>
+            <a:pPr algn="ctr"/>
+            <a:r>
+              <a:rPr lang="en-US" dirty="0"/>
+              <a:t>Types</a:t>
+            </a:r>
+          </a:p>
+        </p:txBody>
+      </p:sp>
+      <p:sp>
+        <p:nvSpPr>
+          <p:cNvPr id="122" name="Rectangle 121">
+            <a:extLst>
+              <a:ext uri="{FF2B5EF4-FFF2-40B4-BE49-F238E27FC236}">
+                <a16:creationId xmlns:a16="http://schemas.microsoft.com/office/drawing/2014/main" id="{14790091-278C-4409-AF34-FC41C54DBC03}"/>
+              </a:ext>
+            </a:extLst>
+          </p:cNvPr>
+          <p:cNvSpPr/>
+          <p:nvPr/>
+        </p:nvSpPr>
+        <p:spPr>
+          <a:xfrm>
+            <a:off x="8974031" y="2693842"/>
+            <a:ext cx="436326" cy="1610870"/>
+          </a:xfrm>
+          <a:prstGeom prst="rect">
+            <a:avLst/>
+          </a:prstGeom>
+          <a:solidFill>
+            <a:schemeClr val="accent5">
+              <a:lumMod val="40000"/>
+              <a:lumOff val="60000"/>
+            </a:schemeClr>
+          </a:solidFill>
+          <a:ln/>
+          <a:effectLst>
+            <a:outerShdw blurRad="50800" dist="38100" dir="2700000" algn="tl" rotWithShape="0">
+              <a:prstClr val="black">
+                <a:alpha val="40000"/>
+              </a:prstClr>
+            </a:outerShdw>
+          </a:effectLst>
+        </p:spPr>
+        <p:style>
+          <a:lnRef idx="1">
+            <a:schemeClr val="accent6"/>
+          </a:lnRef>
+          <a:fillRef idx="2">
+            <a:schemeClr val="accent6"/>
+          </a:fillRef>
+          <a:effectRef idx="1">
+            <a:schemeClr val="accent6"/>
+          </a:effectRef>
+          <a:fontRef idx="minor">
+            <a:schemeClr val="dk1"/>
+          </a:fontRef>
+        </p:style>
+        <p:txBody>
+          <a:bodyPr rtlCol="0" anchor="ctr"/>
+          <a:lstStyle/>
+          <a:p>
+            <a:pPr algn="ctr"/>
+            <a:endParaRPr lang="en-US" dirty="0"/>
+          </a:p>
+        </p:txBody>
+      </p:sp>
+      <p:sp>
+        <p:nvSpPr>
+          <p:cNvPr id="123" name="TextBox 122">
+            <a:extLst>
+              <a:ext uri="{FF2B5EF4-FFF2-40B4-BE49-F238E27FC236}">
+                <a16:creationId xmlns:a16="http://schemas.microsoft.com/office/drawing/2014/main" id="{35DE3DBD-C6FD-445E-B07E-5A81C3BED9E5}"/>
+              </a:ext>
+            </a:extLst>
+          </p:cNvPr>
+          <p:cNvSpPr txBox="1"/>
+          <p:nvPr/>
+        </p:nvSpPr>
+        <p:spPr>
+          <a:xfrm>
+            <a:off x="8859397" y="1785642"/>
+            <a:ext cx="744113" cy="923330"/>
+          </a:xfrm>
+          <a:prstGeom prst="rect">
+            <a:avLst/>
+          </a:prstGeom>
+          <a:noFill/>
+        </p:spPr>
+        <p:txBody>
+          <a:bodyPr wrap="none" rtlCol="0">
+            <a:spAutoFit/>
+          </a:bodyPr>
+          <a:lstStyle/>
+          <a:p>
+            <a:pPr algn="ctr"/>
+            <a:r>
+              <a:rPr lang="en-US" dirty="0"/>
+              <a:t>Rule-</a:t>
+            </a:r>
+          </a:p>
+          <a:p>
+            <a:pPr algn="ctr"/>
+            <a:r>
+              <a:rPr lang="en-US" dirty="0"/>
+              <a:t>based</a:t>
+            </a:r>
+          </a:p>
+          <a:p>
+            <a:pPr algn="ctr"/>
+            <a:r>
+              <a:rPr lang="en-US" dirty="0"/>
+              <a:t>Filter</a:t>
+            </a:r>
+          </a:p>
+        </p:txBody>
+      </p:sp>
+      <p:grpSp>
+        <p:nvGrpSpPr>
+          <p:cNvPr id="126" name="Group 125">
+            <a:extLst>
+              <a:ext uri="{FF2B5EF4-FFF2-40B4-BE49-F238E27FC236}">
+                <a16:creationId xmlns:a16="http://schemas.microsoft.com/office/drawing/2014/main" id="{A9DBAE9E-7BA4-4FA1-B658-574BF8C0C5A0}"/>
+              </a:ext>
+            </a:extLst>
+          </p:cNvPr>
+          <p:cNvGrpSpPr/>
+          <p:nvPr/>
+        </p:nvGrpSpPr>
+        <p:grpSpPr>
+          <a:xfrm>
+            <a:off x="9844427" y="2633132"/>
+            <a:ext cx="532545" cy="1669419"/>
+            <a:chOff x="8142596" y="2641653"/>
+            <a:chExt cx="532545" cy="1669419"/>
+          </a:xfrm>
+        </p:grpSpPr>
+        <p:sp>
+          <p:nvSpPr>
+            <p:cNvPr id="127" name="Rectangle 126">
+              <a:extLst>
+                <a:ext uri="{FF2B5EF4-FFF2-40B4-BE49-F238E27FC236}">
+                  <a16:creationId xmlns:a16="http://schemas.microsoft.com/office/drawing/2014/main" id="{0462166F-CBDA-4EEE-BF10-0645F6F0A899}"/>
+                </a:ext>
+              </a:extLst>
+            </p:cNvPr>
+            <p:cNvSpPr/>
+            <p:nvPr/>
+          </p:nvSpPr>
+          <p:spPr>
+            <a:xfrm>
+              <a:off x="8203433" y="2700202"/>
+              <a:ext cx="421202" cy="1610870"/>
+            </a:xfrm>
+            <a:prstGeom prst="rect">
+              <a:avLst/>
+            </a:prstGeom>
+            <a:solidFill>
+              <a:schemeClr val="accent2">
+                <a:lumMod val="20000"/>
+                <a:lumOff val="80000"/>
+              </a:schemeClr>
+            </a:solidFill>
+            <a:ln>
+              <a:solidFill>
+                <a:srgbClr val="C00000"/>
+              </a:solidFill>
+            </a:ln>
+          </p:spPr>
+          <p:style>
+            <a:lnRef idx="2">
+              <a:schemeClr val="accent1">
+                <a:shade val="50000"/>
+              </a:schemeClr>
+            </a:lnRef>
+            <a:fillRef idx="1">
+              <a:schemeClr val="accent1"/>
+            </a:fillRef>
+            <a:effectRef idx="0">
+              <a:schemeClr val="accent1"/>
+            </a:effectRef>
+            <a:fontRef idx="minor">
+              <a:schemeClr val="lt1"/>
+            </a:fontRef>
+          </p:style>
+          <p:txBody>
+            <a:bodyPr rtlCol="0" anchor="ctr"/>
+            <a:lstStyle/>
+            <a:p>
+              <a:pPr algn="ctr"/>
+              <a:r>
+                <a:rPr lang="en-US" dirty="0">
+                  <a:solidFill>
+                    <a:schemeClr val="tx1"/>
+                  </a:solidFill>
+                </a:rPr>
+                <a:t>…</a:t>
+              </a:r>
+            </a:p>
+          </p:txBody>
+        </p:sp>
+        <p:sp>
+          <p:nvSpPr>
+            <p:cNvPr id="128" name="TextBox 127">
+              <a:extLst>
+                <a:ext uri="{FF2B5EF4-FFF2-40B4-BE49-F238E27FC236}">
+                  <a16:creationId xmlns:a16="http://schemas.microsoft.com/office/drawing/2014/main" id="{A58B1548-008E-4184-8247-04FA070DD33F}"/>
+                </a:ext>
+              </a:extLst>
+            </p:cNvPr>
+            <p:cNvSpPr txBox="1"/>
+            <p:nvPr/>
+          </p:nvSpPr>
+          <p:spPr>
+            <a:xfrm>
+              <a:off x="8145829" y="2641653"/>
+              <a:ext cx="529312" cy="369332"/>
+            </a:xfrm>
+            <a:prstGeom prst="rect">
+              <a:avLst/>
+            </a:prstGeom>
+            <a:noFill/>
+          </p:spPr>
+          <p:txBody>
+            <a:bodyPr wrap="none" rtlCol="0">
+              <a:spAutoFit/>
+            </a:bodyPr>
+            <a:lstStyle/>
+            <a:p>
+              <a:r>
+                <a:rPr lang="en-US" dirty="0"/>
+                <a:t>T1*</a:t>
+              </a:r>
+            </a:p>
+          </p:txBody>
+        </p:sp>
+        <p:sp>
+          <p:nvSpPr>
+            <p:cNvPr id="129" name="TextBox 128">
+              <a:extLst>
+                <a:ext uri="{FF2B5EF4-FFF2-40B4-BE49-F238E27FC236}">
+                  <a16:creationId xmlns:a16="http://schemas.microsoft.com/office/drawing/2014/main" id="{EFA53460-C317-4A7E-9B62-A772BEF4BCD0}"/>
+                </a:ext>
+              </a:extLst>
+            </p:cNvPr>
+            <p:cNvSpPr txBox="1"/>
+            <p:nvPr/>
+          </p:nvSpPr>
+          <p:spPr>
+            <a:xfrm>
+              <a:off x="8142596" y="2942504"/>
+              <a:ext cx="529312" cy="369332"/>
+            </a:xfrm>
+            <a:prstGeom prst="rect">
+              <a:avLst/>
+            </a:prstGeom>
+            <a:noFill/>
+          </p:spPr>
+          <p:txBody>
+            <a:bodyPr wrap="none" rtlCol="0">
+              <a:spAutoFit/>
+            </a:bodyPr>
+            <a:lstStyle/>
+            <a:p>
+              <a:r>
+                <a:rPr lang="en-US" dirty="0"/>
+                <a:t>T2*</a:t>
+              </a:r>
+            </a:p>
+          </p:txBody>
+        </p:sp>
+      </p:grpSp>
+      <p:sp>
+        <p:nvSpPr>
+          <p:cNvPr id="130" name="TextBox 129">
+            <a:extLst>
+              <a:ext uri="{FF2B5EF4-FFF2-40B4-BE49-F238E27FC236}">
+                <a16:creationId xmlns:a16="http://schemas.microsoft.com/office/drawing/2014/main" id="{1AE205CC-41C3-4E25-B689-2C504B9DA21F}"/>
+              </a:ext>
+            </a:extLst>
+          </p:cNvPr>
+          <p:cNvSpPr txBox="1"/>
+          <p:nvPr/>
+        </p:nvSpPr>
+        <p:spPr>
+          <a:xfrm>
+            <a:off x="9764294" y="2017636"/>
+            <a:ext cx="717632" cy="646331"/>
+          </a:xfrm>
+          <a:prstGeom prst="rect">
+            <a:avLst/>
+          </a:prstGeom>
+          <a:noFill/>
+        </p:spPr>
+        <p:txBody>
+          <a:bodyPr wrap="none" rtlCol="0">
+            <a:spAutoFit/>
+          </a:bodyPr>
+          <a:lstStyle/>
+          <a:p>
+            <a:pPr algn="ctr"/>
+            <a:r>
+              <a:rPr lang="en-US" dirty="0"/>
+              <a:t>Final</a:t>
+            </a:r>
+          </a:p>
+          <a:p>
+            <a:pPr algn="ctr"/>
+            <a:r>
+              <a:rPr lang="en-US" dirty="0"/>
+              <a:t>Types</a:t>
+            </a:r>
+          </a:p>
+        </p:txBody>
+      </p:sp>
+      <p:cxnSp>
+        <p:nvCxnSpPr>
+          <p:cNvPr id="132" name="Straight Arrow Connector 131">
+            <a:extLst>
+              <a:ext uri="{FF2B5EF4-FFF2-40B4-BE49-F238E27FC236}">
+                <a16:creationId xmlns:a16="http://schemas.microsoft.com/office/drawing/2014/main" id="{DE9974E0-11F6-4FFA-B07C-E17437C2990E}"/>
+              </a:ext>
+            </a:extLst>
+          </p:cNvPr>
+          <p:cNvCxnSpPr>
+            <a:cxnSpLocks/>
+            <a:endCxn id="16" idx="1"/>
+          </p:cNvCxnSpPr>
+          <p:nvPr/>
+        </p:nvCxnSpPr>
+        <p:spPr>
+          <a:xfrm>
+            <a:off x="1404217" y="3505637"/>
+            <a:ext cx="371628" cy="0"/>
+          </a:xfrm>
+          <a:prstGeom prst="straightConnector1">
+            <a:avLst/>
+          </a:prstGeom>
+          <a:ln w="19050">
+            <a:tailEnd type="triangle"/>
+          </a:ln>
+        </p:spPr>
+        <p:style>
+          <a:lnRef idx="1">
+            <a:schemeClr val="accent1"/>
+          </a:lnRef>
+          <a:fillRef idx="0">
+            <a:schemeClr val="accent1"/>
+          </a:fillRef>
+          <a:effectRef idx="0">
+            <a:schemeClr val="accent1"/>
+          </a:effectRef>
+          <a:fontRef idx="minor">
+            <a:schemeClr val="tx1"/>
+          </a:fontRef>
+        </p:style>
+      </p:cxnSp>
+      <p:cxnSp>
+        <p:nvCxnSpPr>
+          <p:cNvPr id="137" name="Straight Arrow Connector 136">
+            <a:extLst>
+              <a:ext uri="{FF2B5EF4-FFF2-40B4-BE49-F238E27FC236}">
+                <a16:creationId xmlns:a16="http://schemas.microsoft.com/office/drawing/2014/main" id="{AB78BB1E-DDC3-4F33-9B20-A99224BDA9A5}"/>
+              </a:ext>
+            </a:extLst>
+          </p:cNvPr>
+          <p:cNvCxnSpPr>
+            <a:cxnSpLocks/>
+          </p:cNvCxnSpPr>
+          <p:nvPr/>
+        </p:nvCxnSpPr>
+        <p:spPr>
+          <a:xfrm>
+            <a:off x="2977692" y="3505637"/>
+            <a:ext cx="371628" cy="0"/>
+          </a:xfrm>
+          <a:prstGeom prst="straightConnector1">
+            <a:avLst/>
+          </a:prstGeom>
+          <a:ln w="19050">
+            <a:tailEnd type="triangle"/>
+          </a:ln>
+        </p:spPr>
+        <p:style>
+          <a:lnRef idx="1">
+            <a:schemeClr val="accent1"/>
+          </a:lnRef>
+          <a:fillRef idx="0">
+            <a:schemeClr val="accent1"/>
+          </a:fillRef>
+          <a:effectRef idx="0">
+            <a:schemeClr val="accent1"/>
+          </a:effectRef>
+          <a:fontRef idx="minor">
+            <a:schemeClr val="tx1"/>
+          </a:fontRef>
+        </p:style>
+      </p:cxnSp>
+      <p:cxnSp>
+        <p:nvCxnSpPr>
+          <p:cNvPr id="138" name="Straight Arrow Connector 137">
+            <a:extLst>
+              <a:ext uri="{FF2B5EF4-FFF2-40B4-BE49-F238E27FC236}">
+                <a16:creationId xmlns:a16="http://schemas.microsoft.com/office/drawing/2014/main" id="{FDC8DCF5-7195-400A-97B0-990BB50EF6BB}"/>
+              </a:ext>
+            </a:extLst>
+          </p:cNvPr>
+          <p:cNvCxnSpPr>
+            <a:cxnSpLocks/>
+          </p:cNvCxnSpPr>
+          <p:nvPr/>
+        </p:nvCxnSpPr>
+        <p:spPr>
+          <a:xfrm>
+            <a:off x="5441529" y="3499301"/>
+            <a:ext cx="371628" cy="0"/>
+          </a:xfrm>
+          <a:prstGeom prst="straightConnector1">
+            <a:avLst/>
+          </a:prstGeom>
+          <a:ln w="19050">
+            <a:tailEnd type="triangle"/>
+          </a:ln>
+        </p:spPr>
+        <p:style>
+          <a:lnRef idx="1">
+            <a:schemeClr val="accent1"/>
+          </a:lnRef>
+          <a:fillRef idx="0">
+            <a:schemeClr val="accent1"/>
+          </a:fillRef>
+          <a:effectRef idx="0">
+            <a:schemeClr val="accent1"/>
+          </a:effectRef>
+          <a:fontRef idx="minor">
+            <a:schemeClr val="tx1"/>
+          </a:fontRef>
+        </p:style>
+      </p:cxnSp>
+      <p:cxnSp>
+        <p:nvCxnSpPr>
+          <p:cNvPr id="139" name="Straight Arrow Connector 138">
+            <a:extLst>
+              <a:ext uri="{FF2B5EF4-FFF2-40B4-BE49-F238E27FC236}">
+                <a16:creationId xmlns:a16="http://schemas.microsoft.com/office/drawing/2014/main" id="{9ED214FD-1E4C-4BBD-8082-33906CBA7320}"/>
+              </a:ext>
+            </a:extLst>
+          </p:cNvPr>
+          <p:cNvCxnSpPr>
+            <a:cxnSpLocks/>
+          </p:cNvCxnSpPr>
+          <p:nvPr/>
+        </p:nvCxnSpPr>
+        <p:spPr>
+          <a:xfrm>
+            <a:off x="6836962" y="3499277"/>
+            <a:ext cx="371628" cy="0"/>
+          </a:xfrm>
+          <a:prstGeom prst="straightConnector1">
+            <a:avLst/>
+          </a:prstGeom>
+          <a:ln w="19050">
+            <a:tailEnd type="triangle"/>
+          </a:ln>
+        </p:spPr>
+        <p:style>
+          <a:lnRef idx="1">
+            <a:schemeClr val="accent1"/>
+          </a:lnRef>
+          <a:fillRef idx="0">
+            <a:schemeClr val="accent1"/>
+          </a:fillRef>
+          <a:effectRef idx="0">
+            <a:schemeClr val="accent1"/>
+          </a:effectRef>
+          <a:fontRef idx="minor">
+            <a:schemeClr val="tx1"/>
+          </a:fontRef>
+        </p:style>
+      </p:cxnSp>
+      <p:cxnSp>
+        <p:nvCxnSpPr>
+          <p:cNvPr id="140" name="Straight Arrow Connector 139">
+            <a:extLst>
+              <a:ext uri="{FF2B5EF4-FFF2-40B4-BE49-F238E27FC236}">
+                <a16:creationId xmlns:a16="http://schemas.microsoft.com/office/drawing/2014/main" id="{6AF7CBC9-9632-4AC5-9932-4B485A25B00A}"/>
+              </a:ext>
+            </a:extLst>
+          </p:cNvPr>
+          <p:cNvCxnSpPr>
+            <a:cxnSpLocks/>
+            <a:stCxn id="114" idx="3"/>
+            <a:endCxn id="116" idx="1"/>
+          </p:cNvCxnSpPr>
+          <p:nvPr/>
+        </p:nvCxnSpPr>
+        <p:spPr>
+          <a:xfrm flipV="1">
+            <a:off x="7644916" y="3498460"/>
+            <a:ext cx="572167" cy="6965"/>
+          </a:xfrm>
+          <a:prstGeom prst="straightConnector1">
+            <a:avLst/>
+          </a:prstGeom>
+          <a:ln w="19050">
+            <a:tailEnd type="triangle"/>
+          </a:ln>
+        </p:spPr>
+        <p:style>
+          <a:lnRef idx="1">
+            <a:schemeClr val="accent1"/>
+          </a:lnRef>
+          <a:fillRef idx="0">
+            <a:schemeClr val="accent1"/>
+          </a:fillRef>
+          <a:effectRef idx="0">
+            <a:schemeClr val="accent1"/>
+          </a:effectRef>
+          <a:fontRef idx="minor">
+            <a:schemeClr val="tx1"/>
+          </a:fontRef>
+        </p:style>
+      </p:cxnSp>
+      <p:cxnSp>
+        <p:nvCxnSpPr>
+          <p:cNvPr id="144" name="Straight Arrow Connector 143">
+            <a:extLst>
+              <a:ext uri="{FF2B5EF4-FFF2-40B4-BE49-F238E27FC236}">
+                <a16:creationId xmlns:a16="http://schemas.microsoft.com/office/drawing/2014/main" id="{85F6009F-AE3B-43BD-AC39-001294C4BB65}"/>
+              </a:ext>
+            </a:extLst>
+          </p:cNvPr>
+          <p:cNvCxnSpPr>
+            <a:cxnSpLocks/>
+            <a:stCxn id="116" idx="3"/>
+            <a:endCxn id="122" idx="1"/>
+          </p:cNvCxnSpPr>
+          <p:nvPr/>
+        </p:nvCxnSpPr>
+        <p:spPr>
+          <a:xfrm>
+            <a:off x="8513317" y="3498460"/>
+            <a:ext cx="460714" cy="817"/>
+          </a:xfrm>
+          <a:prstGeom prst="straightConnector1">
+            <a:avLst/>
+          </a:prstGeom>
+          <a:ln w="19050">
+            <a:tailEnd type="triangle"/>
+          </a:ln>
+        </p:spPr>
+        <p:style>
+          <a:lnRef idx="1">
+            <a:schemeClr val="accent1"/>
+          </a:lnRef>
+          <a:fillRef idx="0">
+            <a:schemeClr val="accent1"/>
+          </a:fillRef>
+          <a:effectRef idx="0">
+            <a:schemeClr val="accent1"/>
+          </a:effectRef>
+          <a:fontRef idx="minor">
+            <a:schemeClr val="tx1"/>
+          </a:fontRef>
+        </p:style>
+      </p:cxnSp>
+      <p:cxnSp>
+        <p:nvCxnSpPr>
+          <p:cNvPr id="148" name="Straight Arrow Connector 147">
+            <a:extLst>
+              <a:ext uri="{FF2B5EF4-FFF2-40B4-BE49-F238E27FC236}">
+                <a16:creationId xmlns:a16="http://schemas.microsoft.com/office/drawing/2014/main" id="{2DAB4077-9435-4E9F-A4B0-5769BB0C40DE}"/>
+              </a:ext>
+            </a:extLst>
+          </p:cNvPr>
+          <p:cNvCxnSpPr>
+            <a:cxnSpLocks/>
+            <a:stCxn id="122" idx="3"/>
+            <a:endCxn id="127" idx="1"/>
+          </p:cNvCxnSpPr>
+          <p:nvPr/>
+        </p:nvCxnSpPr>
+        <p:spPr>
+          <a:xfrm flipV="1">
+            <a:off x="9410357" y="3497116"/>
+            <a:ext cx="494907" cy="2161"/>
+          </a:xfrm>
+          <a:prstGeom prst="straightConnector1">
+            <a:avLst/>
+          </a:prstGeom>
+          <a:ln w="19050">
+            <a:tailEnd type="triangle"/>
+          </a:ln>
+        </p:spPr>
+        <p:style>
+          <a:lnRef idx="1">
+            <a:schemeClr val="accent1"/>
+          </a:lnRef>
+          <a:fillRef idx="0">
+            <a:schemeClr val="accent1"/>
+          </a:fillRef>
+          <a:effectRef idx="0">
+            <a:schemeClr val="accent1"/>
+          </a:effectRef>
+          <a:fontRef idx="minor">
+            <a:schemeClr val="tx1"/>
+          </a:fontRef>
+        </p:style>
+      </p:cxnSp>
+      <p:sp>
+        <p:nvSpPr>
+          <p:cNvPr id="3" name="TextBox 2">
+            <a:extLst>
+              <a:ext uri="{FF2B5EF4-FFF2-40B4-BE49-F238E27FC236}">
+                <a16:creationId xmlns:a16="http://schemas.microsoft.com/office/drawing/2014/main" id="{2EEB875D-7093-427D-A225-855AD93467A1}"/>
+              </a:ext>
+            </a:extLst>
+          </p:cNvPr>
+          <p:cNvSpPr txBox="1"/>
+          <p:nvPr/>
+        </p:nvSpPr>
+        <p:spPr>
+          <a:xfrm>
+            <a:off x="293341" y="2507617"/>
+            <a:ext cx="760208" cy="369332"/>
+          </a:xfrm>
+          <a:prstGeom prst="rect">
+            <a:avLst/>
+          </a:prstGeom>
+          <a:noFill/>
+        </p:spPr>
+        <p:txBody>
+          <a:bodyPr wrap="none" rtlCol="0">
+            <a:spAutoFit/>
+          </a:bodyPr>
+          <a:lstStyle/>
+          <a:p>
+            <a:r>
+              <a:rPr lang="en-US" dirty="0"/>
+              <a:t>Graph</a:t>
+            </a:r>
+          </a:p>
+        </p:txBody>
+      </p:sp>
+      <p:sp>
+        <p:nvSpPr>
+          <p:cNvPr id="2" name="TextBox 1">
+            <a:extLst>
+              <a:ext uri="{FF2B5EF4-FFF2-40B4-BE49-F238E27FC236}">
+                <a16:creationId xmlns:a16="http://schemas.microsoft.com/office/drawing/2014/main" id="{5531D25B-C7D2-7E94-4CA9-AF0819F7AE43}"/>
+              </a:ext>
+            </a:extLst>
+          </p:cNvPr>
+          <p:cNvSpPr txBox="1"/>
+          <p:nvPr/>
+        </p:nvSpPr>
+        <p:spPr>
+          <a:xfrm>
+            <a:off x="4423672" y="4310860"/>
+            <a:ext cx="1304931" cy="307777"/>
+          </a:xfrm>
+          <a:prstGeom prst="rect">
+            <a:avLst/>
+          </a:prstGeom>
+          <a:noFill/>
+        </p:spPr>
+        <p:txBody>
+          <a:bodyPr wrap="square" rtlCol="0">
+            <a:spAutoFit/>
+          </a:bodyPr>
+          <a:lstStyle/>
+          <a:p>
+            <a:pPr algn="ctr"/>
+            <a:r>
+              <a:rPr lang="en-US" sz="1400" dirty="0"/>
+              <a:t>(from </a:t>
+            </a:r>
+            <a:r>
+              <a:rPr lang="en-US" sz="1400" dirty="0" err="1"/>
+              <a:t>GCNmf</a:t>
+            </a:r>
+            <a:r>
+              <a:rPr lang="en-US" sz="1400" dirty="0"/>
+              <a:t>)</a:t>
+            </a:r>
+          </a:p>
+        </p:txBody>
+      </p:sp>
+    </p:spTree>
+    <p:extLst>
+      <p:ext uri="{BB962C8B-B14F-4D97-AF65-F5344CB8AC3E}">
+        <p14:creationId xmlns:p14="http://schemas.microsoft.com/office/powerpoint/2010/main" val="3308097998"/>
+      </p:ext>
+    </p:extLst>
+  </p:cSld>
+  <p:clrMapOvr>
+    <a:masterClrMapping/>
+  </p:clrMapOvr>
+</p:sld>
+</file>
+
+<file path=ppt/slides/slide12.xml><?xml version="1.0" encoding="utf-8"?>
+<p:sld xmlns:a="http://schemas.openxmlformats.org/drawingml/2006/main" xmlns:r="http://schemas.openxmlformats.org/officeDocument/2006/relationships" xmlns:p="http://schemas.openxmlformats.org/presentationml/2006/main">
+  <p:cSld>
+    <p:spTree>
+      <p:nvGrpSpPr>
+        <p:cNvPr id="1" name=""/>
+        <p:cNvGrpSpPr/>
+        <p:nvPr/>
+      </p:nvGrpSpPr>
+      <p:grpSpPr>
+        <a:xfrm>
+          <a:off x="0" y="0"/>
+          <a:ext cx="0" cy="0"/>
+          <a:chOff x="0" y="0"/>
+          <a:chExt cx="0" cy="0"/>
+        </a:xfrm>
+      </p:grpSpPr>
+      <p:grpSp>
+        <p:nvGrpSpPr>
+          <p:cNvPr id="4" name="Group 3">
+            <a:extLst>
+              <a:ext uri="{FF2B5EF4-FFF2-40B4-BE49-F238E27FC236}">
+                <a16:creationId xmlns:a16="http://schemas.microsoft.com/office/drawing/2014/main" id="{05BD183D-0B86-42EB-88F6-042196F2497E}"/>
+              </a:ext>
+            </a:extLst>
+          </p:cNvPr>
+          <p:cNvGrpSpPr/>
+          <p:nvPr/>
+        </p:nvGrpSpPr>
+        <p:grpSpPr>
+          <a:xfrm>
+            <a:off x="39859" y="2885857"/>
+            <a:ext cx="1261872" cy="1309146"/>
+            <a:chOff x="3666744" y="2717780"/>
+            <a:chExt cx="1261872" cy="1309146"/>
+          </a:xfrm>
+        </p:grpSpPr>
+        <p:sp>
+          <p:nvSpPr>
+            <p:cNvPr id="5" name="Oval 4">
+              <a:extLst>
+                <a:ext uri="{FF2B5EF4-FFF2-40B4-BE49-F238E27FC236}">
+                  <a16:creationId xmlns:a16="http://schemas.microsoft.com/office/drawing/2014/main" id="{E5788072-969C-4C1D-B81B-3E02357D4D70}"/>
+                </a:ext>
+              </a:extLst>
+            </p:cNvPr>
+            <p:cNvSpPr/>
+            <p:nvPr/>
+          </p:nvSpPr>
+          <p:spPr>
+            <a:xfrm>
+              <a:off x="4197096" y="2717780"/>
+              <a:ext cx="182880" cy="182880"/>
+            </a:xfrm>
+            <a:prstGeom prst="ellipse">
+              <a:avLst/>
+            </a:prstGeom>
+            <a:solidFill>
+              <a:schemeClr val="accent6">
+                <a:lumMod val="20000"/>
+                <a:lumOff val="80000"/>
+              </a:schemeClr>
+            </a:solidFill>
+            <a:ln>
+              <a:solidFill>
+                <a:schemeClr val="accent6">
+                  <a:lumMod val="75000"/>
+                </a:schemeClr>
+              </a:solidFill>
+            </a:ln>
+          </p:spPr>
+          <p:style>
+            <a:lnRef idx="2">
+              <a:schemeClr val="accent1">
+                <a:shade val="50000"/>
+              </a:schemeClr>
+            </a:lnRef>
+            <a:fillRef idx="1">
+              <a:schemeClr val="accent1"/>
+            </a:fillRef>
+            <a:effectRef idx="0">
+              <a:schemeClr val="accent1"/>
+            </a:effectRef>
+            <a:fontRef idx="minor">
+              <a:schemeClr val="lt1"/>
+            </a:fontRef>
+          </p:style>
+          <p:txBody>
+            <a:bodyPr rtlCol="0" anchor="ctr"/>
+            <a:lstStyle/>
+            <a:p>
+              <a:pPr algn="ctr"/>
+              <a:endParaRPr lang="en-US"/>
+            </a:p>
+          </p:txBody>
+        </p:sp>
+        <p:sp>
+          <p:nvSpPr>
+            <p:cNvPr id="6" name="Oval 5">
+              <a:extLst>
+                <a:ext uri="{FF2B5EF4-FFF2-40B4-BE49-F238E27FC236}">
+                  <a16:creationId xmlns:a16="http://schemas.microsoft.com/office/drawing/2014/main" id="{3B97AC91-CC66-418C-9804-A8FD2A250815}"/>
+                </a:ext>
+              </a:extLst>
+            </p:cNvPr>
+            <p:cNvSpPr/>
+            <p:nvPr/>
+          </p:nvSpPr>
+          <p:spPr>
+            <a:xfrm>
+              <a:off x="3849624" y="3172968"/>
+              <a:ext cx="182880" cy="182880"/>
+            </a:xfrm>
+            <a:prstGeom prst="ellipse">
+              <a:avLst/>
+            </a:prstGeom>
+            <a:solidFill>
+              <a:schemeClr val="accent6">
+                <a:lumMod val="20000"/>
+                <a:lumOff val="80000"/>
+              </a:schemeClr>
+            </a:solidFill>
+            <a:ln>
+              <a:solidFill>
+                <a:schemeClr val="accent6">
+                  <a:lumMod val="75000"/>
+                </a:schemeClr>
+              </a:solidFill>
+            </a:ln>
+          </p:spPr>
+          <p:style>
+            <a:lnRef idx="2">
+              <a:schemeClr val="accent1">
+                <a:shade val="50000"/>
+              </a:schemeClr>
+            </a:lnRef>
+            <a:fillRef idx="1">
+              <a:schemeClr val="accent1"/>
+            </a:fillRef>
+            <a:effectRef idx="0">
+              <a:schemeClr val="accent1"/>
+            </a:effectRef>
+            <a:fontRef idx="minor">
+              <a:schemeClr val="lt1"/>
+            </a:fontRef>
+          </p:style>
+          <p:txBody>
+            <a:bodyPr rtlCol="0" anchor="ctr"/>
+            <a:lstStyle/>
+            <a:p>
+              <a:pPr algn="ctr"/>
+              <a:endParaRPr lang="en-US"/>
+            </a:p>
+          </p:txBody>
+        </p:sp>
+        <p:sp>
+          <p:nvSpPr>
+            <p:cNvPr id="7" name="Oval 6">
+              <a:extLst>
+                <a:ext uri="{FF2B5EF4-FFF2-40B4-BE49-F238E27FC236}">
+                  <a16:creationId xmlns:a16="http://schemas.microsoft.com/office/drawing/2014/main" id="{A6E73F57-C031-497D-9C5F-87AD0FD44C34}"/>
+                </a:ext>
+              </a:extLst>
+            </p:cNvPr>
+            <p:cNvSpPr/>
+            <p:nvPr/>
+          </p:nvSpPr>
+          <p:spPr>
+            <a:xfrm>
+              <a:off x="4288536" y="3661166"/>
+              <a:ext cx="182880" cy="182880"/>
+            </a:xfrm>
+            <a:prstGeom prst="ellipse">
+              <a:avLst/>
+            </a:prstGeom>
+            <a:solidFill>
+              <a:schemeClr val="accent6">
+                <a:lumMod val="20000"/>
+                <a:lumOff val="80000"/>
+              </a:schemeClr>
+            </a:solidFill>
+            <a:ln>
+              <a:solidFill>
+                <a:schemeClr val="accent6">
+                  <a:lumMod val="75000"/>
+                </a:schemeClr>
+              </a:solidFill>
+            </a:ln>
+          </p:spPr>
+          <p:style>
+            <a:lnRef idx="2">
+              <a:schemeClr val="accent1">
+                <a:shade val="50000"/>
+              </a:schemeClr>
+            </a:lnRef>
+            <a:fillRef idx="1">
+              <a:schemeClr val="accent1"/>
+            </a:fillRef>
+            <a:effectRef idx="0">
+              <a:schemeClr val="accent1"/>
+            </a:effectRef>
+            <a:fontRef idx="minor">
+              <a:schemeClr val="lt1"/>
+            </a:fontRef>
+          </p:style>
+          <p:txBody>
+            <a:bodyPr rtlCol="0" anchor="ctr"/>
+            <a:lstStyle/>
+            <a:p>
+              <a:pPr algn="ctr"/>
+              <a:endParaRPr lang="en-US"/>
+            </a:p>
+          </p:txBody>
+        </p:sp>
+        <p:sp>
+          <p:nvSpPr>
+            <p:cNvPr id="8" name="Oval 7">
+              <a:extLst>
+                <a:ext uri="{FF2B5EF4-FFF2-40B4-BE49-F238E27FC236}">
+                  <a16:creationId xmlns:a16="http://schemas.microsoft.com/office/drawing/2014/main" id="{41ADC034-E8C9-493E-907B-53D7BDF021A5}"/>
+                </a:ext>
+              </a:extLst>
+            </p:cNvPr>
+            <p:cNvSpPr/>
+            <p:nvPr/>
+          </p:nvSpPr>
+          <p:spPr>
+            <a:xfrm>
+              <a:off x="4745736" y="3246120"/>
+              <a:ext cx="182880" cy="182880"/>
+            </a:xfrm>
+            <a:prstGeom prst="ellipse">
+              <a:avLst/>
+            </a:prstGeom>
+            <a:solidFill>
+              <a:schemeClr val="accent6">
+                <a:lumMod val="20000"/>
+                <a:lumOff val="80000"/>
+              </a:schemeClr>
+            </a:solidFill>
+            <a:ln>
+              <a:solidFill>
+                <a:schemeClr val="accent6">
+                  <a:lumMod val="75000"/>
+                </a:schemeClr>
+              </a:solidFill>
+            </a:ln>
+          </p:spPr>
+          <p:style>
+            <a:lnRef idx="2">
+              <a:schemeClr val="accent1">
+                <a:shade val="50000"/>
+              </a:schemeClr>
+            </a:lnRef>
+            <a:fillRef idx="1">
+              <a:schemeClr val="accent1"/>
+            </a:fillRef>
+            <a:effectRef idx="0">
+              <a:schemeClr val="accent1"/>
+            </a:effectRef>
+            <a:fontRef idx="minor">
+              <a:schemeClr val="lt1"/>
+            </a:fontRef>
+          </p:style>
+          <p:txBody>
+            <a:bodyPr rtlCol="0" anchor="ctr"/>
+            <a:lstStyle/>
+            <a:p>
+              <a:pPr algn="ctr"/>
+              <a:endParaRPr lang="en-US" dirty="0"/>
+            </a:p>
+          </p:txBody>
+        </p:sp>
+        <p:sp>
+          <p:nvSpPr>
+            <p:cNvPr id="9" name="Oval 8">
+              <a:extLst>
+                <a:ext uri="{FF2B5EF4-FFF2-40B4-BE49-F238E27FC236}">
+                  <a16:creationId xmlns:a16="http://schemas.microsoft.com/office/drawing/2014/main" id="{44AFACC5-88D5-420B-8C0D-019D8D431DCD}"/>
+                </a:ext>
+              </a:extLst>
+            </p:cNvPr>
+            <p:cNvSpPr/>
+            <p:nvPr/>
+          </p:nvSpPr>
+          <p:spPr>
+            <a:xfrm>
+              <a:off x="3666744" y="3844046"/>
+              <a:ext cx="182880" cy="182880"/>
+            </a:xfrm>
+            <a:prstGeom prst="ellipse">
+              <a:avLst/>
+            </a:prstGeom>
+            <a:solidFill>
+              <a:schemeClr val="accent6">
+                <a:lumMod val="20000"/>
+                <a:lumOff val="80000"/>
+              </a:schemeClr>
+            </a:solidFill>
+            <a:ln>
+              <a:solidFill>
+                <a:schemeClr val="accent6">
+                  <a:lumMod val="75000"/>
+                </a:schemeClr>
+              </a:solidFill>
+            </a:ln>
+          </p:spPr>
+          <p:style>
+            <a:lnRef idx="2">
+              <a:schemeClr val="accent1">
+                <a:shade val="50000"/>
+              </a:schemeClr>
+            </a:lnRef>
+            <a:fillRef idx="1">
+              <a:schemeClr val="accent1"/>
+            </a:fillRef>
+            <a:effectRef idx="0">
+              <a:schemeClr val="accent1"/>
+            </a:effectRef>
+            <a:fontRef idx="minor">
+              <a:schemeClr val="lt1"/>
+            </a:fontRef>
+          </p:style>
+          <p:txBody>
+            <a:bodyPr rtlCol="0" anchor="ctr"/>
+            <a:lstStyle/>
+            <a:p>
+              <a:pPr algn="ctr"/>
+              <a:endParaRPr lang="en-US"/>
+            </a:p>
+          </p:txBody>
+        </p:sp>
+        <p:cxnSp>
+          <p:nvCxnSpPr>
+            <p:cNvPr id="10" name="Straight Arrow Connector 9">
+              <a:extLst>
+                <a:ext uri="{FF2B5EF4-FFF2-40B4-BE49-F238E27FC236}">
+                  <a16:creationId xmlns:a16="http://schemas.microsoft.com/office/drawing/2014/main" id="{45C6A2D0-B5FF-45E2-8CE4-C7B8D13F4913}"/>
+                </a:ext>
+              </a:extLst>
+            </p:cNvPr>
+            <p:cNvCxnSpPr>
+              <a:stCxn id="5" idx="3"/>
+              <a:endCxn id="6" idx="7"/>
+            </p:cNvCxnSpPr>
+            <p:nvPr/>
+          </p:nvCxnSpPr>
+          <p:spPr>
+            <a:xfrm flipH="1">
+              <a:off x="4005722" y="2873878"/>
+              <a:ext cx="218156" cy="325872"/>
+            </a:xfrm>
+            <a:prstGeom prst="straightConnector1">
+              <a:avLst/>
+            </a:prstGeom>
+            <a:ln>
+              <a:solidFill>
+                <a:srgbClr val="0070C0"/>
+              </a:solidFill>
+              <a:tailEnd type="triangle"/>
+            </a:ln>
+          </p:spPr>
+          <p:style>
+            <a:lnRef idx="1">
+              <a:schemeClr val="accent1"/>
+            </a:lnRef>
+            <a:fillRef idx="0">
+              <a:schemeClr val="accent1"/>
+            </a:fillRef>
+            <a:effectRef idx="0">
+              <a:schemeClr val="accent1"/>
+            </a:effectRef>
+            <a:fontRef idx="minor">
+              <a:schemeClr val="tx1"/>
+            </a:fontRef>
+          </p:style>
+        </p:cxnSp>
+        <p:cxnSp>
+          <p:nvCxnSpPr>
+            <p:cNvPr id="11" name="Straight Arrow Connector 10">
+              <a:extLst>
+                <a:ext uri="{FF2B5EF4-FFF2-40B4-BE49-F238E27FC236}">
+                  <a16:creationId xmlns:a16="http://schemas.microsoft.com/office/drawing/2014/main" id="{916F75C0-A6E5-42E8-AF7F-65F22B32AB94}"/>
+                </a:ext>
+              </a:extLst>
+            </p:cNvPr>
+            <p:cNvCxnSpPr>
+              <a:cxnSpLocks/>
+              <a:stCxn id="5" idx="4"/>
+              <a:endCxn id="7" idx="0"/>
+            </p:cNvCxnSpPr>
+            <p:nvPr/>
+          </p:nvCxnSpPr>
+          <p:spPr>
+            <a:xfrm>
+              <a:off x="4288536" y="2900660"/>
+              <a:ext cx="91440" cy="760506"/>
+            </a:xfrm>
+            <a:prstGeom prst="straightConnector1">
+              <a:avLst/>
+            </a:prstGeom>
+            <a:ln>
+              <a:solidFill>
+                <a:srgbClr val="0070C0"/>
+              </a:solidFill>
+              <a:tailEnd type="triangle"/>
+            </a:ln>
+          </p:spPr>
+          <p:style>
+            <a:lnRef idx="1">
+              <a:schemeClr val="accent1"/>
+            </a:lnRef>
+            <a:fillRef idx="0">
+              <a:schemeClr val="accent1"/>
+            </a:fillRef>
+            <a:effectRef idx="0">
+              <a:schemeClr val="accent1"/>
+            </a:effectRef>
+            <a:fontRef idx="minor">
+              <a:schemeClr val="tx1"/>
+            </a:fontRef>
+          </p:style>
+        </p:cxnSp>
+        <p:cxnSp>
+          <p:nvCxnSpPr>
+            <p:cNvPr id="12" name="Straight Arrow Connector 11">
+              <a:extLst>
+                <a:ext uri="{FF2B5EF4-FFF2-40B4-BE49-F238E27FC236}">
+                  <a16:creationId xmlns:a16="http://schemas.microsoft.com/office/drawing/2014/main" id="{C0937B8F-C243-4DBB-AEB0-59A785F1B80D}"/>
+                </a:ext>
+              </a:extLst>
+            </p:cNvPr>
+            <p:cNvCxnSpPr>
+              <a:cxnSpLocks/>
+              <a:stCxn id="5" idx="5"/>
+              <a:endCxn id="8" idx="1"/>
+            </p:cNvCxnSpPr>
+            <p:nvPr/>
+          </p:nvCxnSpPr>
+          <p:spPr>
+            <a:xfrm>
+              <a:off x="4353194" y="2873878"/>
+              <a:ext cx="419324" cy="399024"/>
+            </a:xfrm>
+            <a:prstGeom prst="straightConnector1">
+              <a:avLst/>
+            </a:prstGeom>
+            <a:ln>
+              <a:solidFill>
+                <a:srgbClr val="0070C0"/>
+              </a:solidFill>
+              <a:tailEnd type="triangle"/>
+            </a:ln>
+          </p:spPr>
+          <p:style>
+            <a:lnRef idx="1">
+              <a:schemeClr val="accent1"/>
+            </a:lnRef>
+            <a:fillRef idx="0">
+              <a:schemeClr val="accent1"/>
+            </a:fillRef>
+            <a:effectRef idx="0">
+              <a:schemeClr val="accent1"/>
+            </a:effectRef>
+            <a:fontRef idx="minor">
+              <a:schemeClr val="tx1"/>
+            </a:fontRef>
+          </p:style>
+        </p:cxnSp>
+        <p:cxnSp>
+          <p:nvCxnSpPr>
+            <p:cNvPr id="13" name="Straight Arrow Connector 12">
+              <a:extLst>
+                <a:ext uri="{FF2B5EF4-FFF2-40B4-BE49-F238E27FC236}">
+                  <a16:creationId xmlns:a16="http://schemas.microsoft.com/office/drawing/2014/main" id="{29B04A20-B743-4B82-B885-6F329C49A813}"/>
+                </a:ext>
+              </a:extLst>
+            </p:cNvPr>
+            <p:cNvCxnSpPr>
+              <a:cxnSpLocks/>
+              <a:stCxn id="8" idx="3"/>
+              <a:endCxn id="7" idx="7"/>
+            </p:cNvCxnSpPr>
+            <p:nvPr/>
+          </p:nvCxnSpPr>
+          <p:spPr>
+            <a:xfrm flipH="1">
+              <a:off x="4444634" y="3402218"/>
+              <a:ext cx="327884" cy="285730"/>
+            </a:xfrm>
+            <a:prstGeom prst="straightConnector1">
+              <a:avLst/>
+            </a:prstGeom>
+            <a:ln>
+              <a:solidFill>
+                <a:srgbClr val="0070C0"/>
+              </a:solidFill>
+              <a:tailEnd type="triangle"/>
+            </a:ln>
+          </p:spPr>
+          <p:style>
+            <a:lnRef idx="1">
+              <a:schemeClr val="accent1"/>
+            </a:lnRef>
+            <a:fillRef idx="0">
+              <a:schemeClr val="accent1"/>
+            </a:fillRef>
+            <a:effectRef idx="0">
+              <a:schemeClr val="accent1"/>
+            </a:effectRef>
+            <a:fontRef idx="minor">
+              <a:schemeClr val="tx1"/>
+            </a:fontRef>
+          </p:style>
+        </p:cxnSp>
+        <p:cxnSp>
+          <p:nvCxnSpPr>
+            <p:cNvPr id="14" name="Straight Arrow Connector 13">
+              <a:extLst>
+                <a:ext uri="{FF2B5EF4-FFF2-40B4-BE49-F238E27FC236}">
+                  <a16:creationId xmlns:a16="http://schemas.microsoft.com/office/drawing/2014/main" id="{90D13FC1-B4C7-460F-B970-1132AD8B942E}"/>
+                </a:ext>
+              </a:extLst>
+            </p:cNvPr>
+            <p:cNvCxnSpPr>
+              <a:cxnSpLocks/>
+              <a:stCxn id="9" idx="6"/>
+              <a:endCxn id="7" idx="2"/>
+            </p:cNvCxnSpPr>
+            <p:nvPr/>
+          </p:nvCxnSpPr>
+          <p:spPr>
+            <a:xfrm flipV="1">
+              <a:off x="3849624" y="3752606"/>
+              <a:ext cx="438912" cy="182880"/>
+            </a:xfrm>
+            <a:prstGeom prst="straightConnector1">
+              <a:avLst/>
+            </a:prstGeom>
+            <a:ln>
+              <a:solidFill>
+                <a:srgbClr val="0070C0"/>
+              </a:solidFill>
+              <a:tailEnd type="triangle"/>
+            </a:ln>
+          </p:spPr>
+          <p:style>
+            <a:lnRef idx="1">
+              <a:schemeClr val="accent1"/>
+            </a:lnRef>
+            <a:fillRef idx="0">
+              <a:schemeClr val="accent1"/>
+            </a:fillRef>
+            <a:effectRef idx="0">
+              <a:schemeClr val="accent1"/>
+            </a:effectRef>
+            <a:fontRef idx="minor">
+              <a:schemeClr val="tx1"/>
+            </a:fontRef>
+          </p:style>
+        </p:cxnSp>
+        <p:cxnSp>
+          <p:nvCxnSpPr>
+            <p:cNvPr id="15" name="Straight Arrow Connector 14">
+              <a:extLst>
+                <a:ext uri="{FF2B5EF4-FFF2-40B4-BE49-F238E27FC236}">
+                  <a16:creationId xmlns:a16="http://schemas.microsoft.com/office/drawing/2014/main" id="{421A8B38-18BD-4BA4-B448-C3D8EBBE5D14}"/>
+                </a:ext>
+              </a:extLst>
+            </p:cNvPr>
+            <p:cNvCxnSpPr>
+              <a:cxnSpLocks/>
+              <a:stCxn id="9" idx="0"/>
+              <a:endCxn id="6" idx="4"/>
+            </p:cNvCxnSpPr>
+            <p:nvPr/>
+          </p:nvCxnSpPr>
+          <p:spPr>
+            <a:xfrm flipV="1">
+              <a:off x="3758184" y="3355848"/>
+              <a:ext cx="182880" cy="488198"/>
+            </a:xfrm>
+            <a:prstGeom prst="straightConnector1">
+              <a:avLst/>
+            </a:prstGeom>
+            <a:ln>
+              <a:solidFill>
+                <a:srgbClr val="0070C0"/>
+              </a:solidFill>
+              <a:tailEnd type="triangle"/>
+            </a:ln>
+          </p:spPr>
+          <p:style>
+            <a:lnRef idx="1">
+              <a:schemeClr val="accent1"/>
+            </a:lnRef>
+            <a:fillRef idx="0">
+              <a:schemeClr val="accent1"/>
+            </a:fillRef>
+            <a:effectRef idx="0">
+              <a:schemeClr val="accent1"/>
+            </a:effectRef>
+            <a:fontRef idx="minor">
+              <a:schemeClr val="tx1"/>
+            </a:fontRef>
+          </p:style>
+        </p:cxnSp>
+      </p:grpSp>
+      <p:sp>
+        <p:nvSpPr>
+          <p:cNvPr id="16" name="Rectangle: Rounded Corners 15">
+            <a:extLst>
+              <a:ext uri="{FF2B5EF4-FFF2-40B4-BE49-F238E27FC236}">
+                <a16:creationId xmlns:a16="http://schemas.microsoft.com/office/drawing/2014/main" id="{EEFE1ACB-AB9F-4E48-87EB-ED655D5C73ED}"/>
+              </a:ext>
+            </a:extLst>
+          </p:cNvPr>
+          <p:cNvSpPr/>
+          <p:nvPr/>
+        </p:nvSpPr>
+        <p:spPr>
+          <a:xfrm>
+            <a:off x="1890992" y="2753203"/>
+            <a:ext cx="1597275" cy="1541444"/>
+          </a:xfrm>
+          <a:prstGeom prst="roundRect">
+            <a:avLst>
+              <a:gd name="adj" fmla="val 10106"/>
+            </a:avLst>
+          </a:prstGeom>
+          <a:solidFill>
+            <a:schemeClr val="accent4">
+              <a:lumMod val="20000"/>
+              <a:lumOff val="80000"/>
+            </a:schemeClr>
+          </a:solidFill>
+          <a:ln>
+            <a:solidFill>
+              <a:srgbClr val="FFC000"/>
+            </a:solidFill>
+          </a:ln>
+          <a:effectLst>
+            <a:outerShdw blurRad="50800" dist="38100" dir="2700000" algn="tl" rotWithShape="0">
+              <a:prstClr val="black">
+                <a:alpha val="40000"/>
+              </a:prstClr>
+            </a:outerShdw>
+          </a:effectLst>
+        </p:spPr>
+        <p:style>
+          <a:lnRef idx="2">
+            <a:schemeClr val="accent1">
+              <a:shade val="50000"/>
+            </a:schemeClr>
+          </a:lnRef>
+          <a:fillRef idx="1">
+            <a:schemeClr val="accent1"/>
+          </a:fillRef>
+          <a:effectRef idx="0">
+            <a:schemeClr val="accent1"/>
+          </a:effectRef>
+          <a:fontRef idx="minor">
+            <a:schemeClr val="lt1"/>
+          </a:fontRef>
+        </p:style>
+        <p:txBody>
+          <a:bodyPr lIns="0" tIns="0" rIns="0" bIns="0" rtlCol="0" anchor="ctr"/>
+          <a:lstStyle/>
+          <a:p>
+            <a:pPr algn="ctr"/>
+            <a:r>
+              <a:rPr lang="en-US" dirty="0">
+                <a:solidFill>
+                  <a:schemeClr val="tx1"/>
+                </a:solidFill>
+              </a:rPr>
+              <a:t>Graph</a:t>
+            </a:r>
+          </a:p>
+          <a:p>
+            <a:pPr algn="ctr"/>
+            <a:r>
+              <a:rPr lang="en-US" dirty="0">
+                <a:solidFill>
+                  <a:schemeClr val="tx1"/>
+                </a:solidFill>
+              </a:rPr>
+              <a:t>Convolution</a:t>
+            </a:r>
+          </a:p>
+          <a:p>
+            <a:pPr algn="ctr"/>
+            <a:r>
+              <a:rPr lang="en-US" dirty="0">
+                <a:solidFill>
+                  <a:schemeClr val="tx1"/>
+                </a:solidFill>
+              </a:rPr>
+              <a:t>Network – </a:t>
+            </a:r>
+          </a:p>
+          <a:p>
+            <a:pPr algn="ctr"/>
+            <a:r>
+              <a:rPr lang="en-US" dirty="0">
+                <a:solidFill>
+                  <a:schemeClr val="tx1"/>
+                </a:solidFill>
+              </a:rPr>
+              <a:t>Missing Feature</a:t>
+            </a:r>
+          </a:p>
+          <a:p>
+            <a:pPr algn="ctr"/>
+            <a:r>
+              <a:rPr lang="en-US" dirty="0">
+                <a:solidFill>
+                  <a:schemeClr val="tx1"/>
+                </a:solidFill>
+              </a:rPr>
+              <a:t>(</a:t>
+            </a:r>
+            <a:r>
+              <a:rPr lang="en-US" dirty="0" err="1">
+                <a:solidFill>
+                  <a:schemeClr val="tx1"/>
+                </a:solidFill>
+              </a:rPr>
+              <a:t>GCNmf</a:t>
+            </a:r>
+            <a:r>
+              <a:rPr lang="en-US" dirty="0">
+                <a:solidFill>
+                  <a:schemeClr val="tx1"/>
+                </a:solidFill>
+              </a:rPr>
+              <a:t>)</a:t>
+            </a:r>
+          </a:p>
+        </p:txBody>
+      </p:sp>
+      <p:cxnSp>
+        <p:nvCxnSpPr>
+          <p:cNvPr id="101" name="Straight Arrow Connector 100">
+            <a:extLst>
+              <a:ext uri="{FF2B5EF4-FFF2-40B4-BE49-F238E27FC236}">
+                <a16:creationId xmlns:a16="http://schemas.microsoft.com/office/drawing/2014/main" id="{5DCED083-DB8D-4F8A-8E09-3FFDAADC526E}"/>
+              </a:ext>
+            </a:extLst>
+          </p:cNvPr>
+          <p:cNvCxnSpPr>
+            <a:cxnSpLocks/>
+          </p:cNvCxnSpPr>
+          <p:nvPr/>
+        </p:nvCxnSpPr>
+        <p:spPr>
+          <a:xfrm>
+            <a:off x="1519364" y="3520975"/>
+            <a:ext cx="371628" cy="0"/>
+          </a:xfrm>
+          <a:prstGeom prst="straightConnector1">
+            <a:avLst/>
+          </a:prstGeom>
+          <a:ln w="19050">
+            <a:tailEnd type="triangle"/>
+          </a:ln>
+        </p:spPr>
+        <p:style>
+          <a:lnRef idx="1">
+            <a:schemeClr val="accent1"/>
+          </a:lnRef>
+          <a:fillRef idx="0">
+            <a:schemeClr val="accent1"/>
+          </a:fillRef>
+          <a:effectRef idx="0">
+            <a:schemeClr val="accent1"/>
+          </a:effectRef>
+          <a:fontRef idx="minor">
+            <a:schemeClr val="tx1"/>
+          </a:fontRef>
+        </p:style>
+      </p:cxnSp>
+      <p:cxnSp>
+        <p:nvCxnSpPr>
+          <p:cNvPr id="108" name="Straight Arrow Connector 107">
+            <a:extLst>
+              <a:ext uri="{FF2B5EF4-FFF2-40B4-BE49-F238E27FC236}">
+                <a16:creationId xmlns:a16="http://schemas.microsoft.com/office/drawing/2014/main" id="{4C1D4A03-2110-43CE-AB4D-2C0CEBE8917E}"/>
+              </a:ext>
+            </a:extLst>
+          </p:cNvPr>
+          <p:cNvCxnSpPr>
+            <a:cxnSpLocks/>
+          </p:cNvCxnSpPr>
+          <p:nvPr/>
+        </p:nvCxnSpPr>
+        <p:spPr>
+          <a:xfrm>
+            <a:off x="3488267" y="3520975"/>
+            <a:ext cx="731520" cy="0"/>
+          </a:xfrm>
+          <a:prstGeom prst="straightConnector1">
+            <a:avLst/>
+          </a:prstGeom>
+          <a:ln w="19050">
+            <a:tailEnd type="triangle"/>
+          </a:ln>
+        </p:spPr>
+        <p:style>
+          <a:lnRef idx="1">
+            <a:schemeClr val="accent1"/>
+          </a:lnRef>
+          <a:fillRef idx="0">
+            <a:schemeClr val="accent1"/>
+          </a:fillRef>
+          <a:effectRef idx="0">
+            <a:schemeClr val="accent1"/>
+          </a:effectRef>
+          <a:fontRef idx="minor">
+            <a:schemeClr val="tx1"/>
+          </a:fontRef>
+        </p:style>
+      </p:cxnSp>
+      <p:grpSp>
+        <p:nvGrpSpPr>
+          <p:cNvPr id="65" name="Group 64">
+            <a:extLst>
+              <a:ext uri="{FF2B5EF4-FFF2-40B4-BE49-F238E27FC236}">
+                <a16:creationId xmlns:a16="http://schemas.microsoft.com/office/drawing/2014/main" id="{33F0014F-B82B-5CA1-95C5-6A6592F999F5}"/>
+              </a:ext>
+            </a:extLst>
+          </p:cNvPr>
+          <p:cNvGrpSpPr/>
+          <p:nvPr/>
+        </p:nvGrpSpPr>
+        <p:grpSpPr>
+          <a:xfrm>
+            <a:off x="3707749" y="2027188"/>
+            <a:ext cx="5889445" cy="2347755"/>
+            <a:chOff x="3951588" y="2027188"/>
+            <a:chExt cx="5889445" cy="2347755"/>
+          </a:xfrm>
+        </p:grpSpPr>
+        <p:sp>
+          <p:nvSpPr>
+            <p:cNvPr id="85" name="TextBox 84">
+              <a:extLst>
+                <a:ext uri="{FF2B5EF4-FFF2-40B4-BE49-F238E27FC236}">
+                  <a16:creationId xmlns:a16="http://schemas.microsoft.com/office/drawing/2014/main" id="{BDF2BD93-5BFD-441E-8718-BEEC9608E8FE}"/>
+                </a:ext>
+              </a:extLst>
+            </p:cNvPr>
+            <p:cNvSpPr txBox="1"/>
+            <p:nvPr/>
+          </p:nvSpPr>
+          <p:spPr>
+            <a:xfrm>
+              <a:off x="3951588" y="2027188"/>
+              <a:ext cx="1686167" cy="646331"/>
+            </a:xfrm>
+            <a:prstGeom prst="rect">
+              <a:avLst/>
+            </a:prstGeom>
+            <a:noFill/>
+          </p:spPr>
+          <p:txBody>
+            <a:bodyPr wrap="none" rtlCol="0">
+              <a:spAutoFit/>
+            </a:bodyPr>
+            <a:lstStyle/>
+            <a:p>
+              <a:pPr algn="ctr"/>
+              <a:r>
+                <a:rPr lang="en-US" dirty="0"/>
+                <a:t>Missing-Feature</a:t>
+              </a:r>
+            </a:p>
+            <a:p>
+              <a:pPr algn="ctr"/>
+              <a:r>
+                <a:rPr lang="en-US" dirty="0"/>
+                <a:t>Vectors</a:t>
+              </a:r>
+            </a:p>
+          </p:txBody>
+        </p:sp>
+        <p:grpSp>
+          <p:nvGrpSpPr>
+            <p:cNvPr id="3" name="Group 2">
+              <a:extLst>
+                <a:ext uri="{FF2B5EF4-FFF2-40B4-BE49-F238E27FC236}">
+                  <a16:creationId xmlns:a16="http://schemas.microsoft.com/office/drawing/2014/main" id="{196623BC-65A1-83C3-158B-A40410C094D0}"/>
+                </a:ext>
+              </a:extLst>
+            </p:cNvPr>
+            <p:cNvGrpSpPr/>
+            <p:nvPr/>
+          </p:nvGrpSpPr>
+          <p:grpSpPr>
+            <a:xfrm>
+              <a:off x="4461967" y="2034838"/>
+              <a:ext cx="5379066" cy="2340105"/>
+              <a:chOff x="4333274" y="2072912"/>
+              <a:chExt cx="5379066" cy="2340105"/>
+            </a:xfrm>
+          </p:grpSpPr>
+          <p:grpSp>
+            <p:nvGrpSpPr>
+              <p:cNvPr id="41" name="Group 40">
+                <a:extLst>
+                  <a:ext uri="{FF2B5EF4-FFF2-40B4-BE49-F238E27FC236}">
+                    <a16:creationId xmlns:a16="http://schemas.microsoft.com/office/drawing/2014/main" id="{1A6D8444-96A1-4906-86BF-AC0B1FA5D0BA}"/>
+                  </a:ext>
+                </a:extLst>
+              </p:cNvPr>
+              <p:cNvGrpSpPr/>
+              <p:nvPr/>
+            </p:nvGrpSpPr>
+            <p:grpSpPr>
+              <a:xfrm>
+                <a:off x="4333274" y="2760237"/>
+                <a:ext cx="720991" cy="1610870"/>
+                <a:chOff x="3547425" y="2682022"/>
+                <a:chExt cx="720991" cy="1610870"/>
+              </a:xfrm>
+            </p:grpSpPr>
+            <p:grpSp>
+              <p:nvGrpSpPr>
+                <p:cNvPr id="42" name="Group 41">
+                  <a:extLst>
+                    <a:ext uri="{FF2B5EF4-FFF2-40B4-BE49-F238E27FC236}">
+                      <a16:creationId xmlns:a16="http://schemas.microsoft.com/office/drawing/2014/main" id="{BD3C18C7-AE62-41E0-9E07-F400938EDBD8}"/>
+                    </a:ext>
+                  </a:extLst>
+                </p:cNvPr>
+                <p:cNvGrpSpPr/>
+                <p:nvPr/>
+              </p:nvGrpSpPr>
+              <p:grpSpPr>
+                <a:xfrm>
+                  <a:off x="3553406" y="2682022"/>
+                  <a:ext cx="711200" cy="203835"/>
+                  <a:chOff x="3559387" y="2503170"/>
+                  <a:chExt cx="711200" cy="203835"/>
+                </a:xfrm>
+              </p:grpSpPr>
+              <p:sp>
+                <p:nvSpPr>
+                  <p:cNvPr id="59" name="Rectangle: Rounded Corners 58">
+                    <a:extLst>
+                      <a:ext uri="{FF2B5EF4-FFF2-40B4-BE49-F238E27FC236}">
+                        <a16:creationId xmlns:a16="http://schemas.microsoft.com/office/drawing/2014/main" id="{5A31863F-AC95-4FF6-AEE7-27B26AFF97DE}"/>
+                      </a:ext>
+                    </a:extLst>
+                  </p:cNvPr>
+                  <p:cNvSpPr/>
+                  <p:nvPr/>
+                </p:nvSpPr>
+                <p:spPr>
+                  <a:xfrm>
+                    <a:off x="3559387" y="2503170"/>
+                    <a:ext cx="711200" cy="203835"/>
+                  </a:xfrm>
+                  <a:prstGeom prst="roundRect">
+                    <a:avLst/>
+                  </a:prstGeom>
+                  <a:noFill/>
+                  <a:ln>
+                    <a:solidFill>
+                      <a:schemeClr val="tx1"/>
+                    </a:solidFill>
+                  </a:ln>
+                </p:spPr>
+                <p:style>
+                  <a:lnRef idx="2">
+                    <a:schemeClr val="accent1">
+                      <a:shade val="50000"/>
+                    </a:schemeClr>
+                  </a:lnRef>
+                  <a:fillRef idx="1">
+                    <a:schemeClr val="accent1"/>
+                  </a:fillRef>
+                  <a:effectRef idx="0">
+                    <a:schemeClr val="accent1"/>
+                  </a:effectRef>
+                  <a:fontRef idx="minor">
+                    <a:schemeClr val="lt1"/>
+                  </a:fontRef>
+                </p:style>
+                <p:txBody>
+                  <a:bodyPr rot="0" spcFirstLastPara="0" vert="horz" wrap="square" lIns="91440" tIns="45720" rIns="91440" bIns="45720" numCol="1" spcCol="0" rtlCol="0" fromWordArt="0" anchor="ctr" anchorCtr="0" forceAA="0" compatLnSpc="1">
+                    <a:prstTxWarp prst="textNoShape">
+                      <a:avLst/>
+                    </a:prstTxWarp>
+                    <a:noAutofit/>
+                  </a:bodyPr>
+                  <a:lstStyle/>
+                  <a:p>
+                    <a:endParaRPr lang="en-US"/>
+                  </a:p>
+                </p:txBody>
+              </p:sp>
+              <p:sp>
+                <p:nvSpPr>
+                  <p:cNvPr id="60" name="Oval 59">
+                    <a:extLst>
+                      <a:ext uri="{FF2B5EF4-FFF2-40B4-BE49-F238E27FC236}">
+                        <a16:creationId xmlns:a16="http://schemas.microsoft.com/office/drawing/2014/main" id="{A9C983F9-208B-411C-9AE4-E564A8B8B52A}"/>
+                      </a:ext>
+                    </a:extLst>
+                  </p:cNvPr>
+                  <p:cNvSpPr/>
+                  <p:nvPr/>
+                </p:nvSpPr>
+                <p:spPr>
+                  <a:xfrm>
+                    <a:off x="3640032" y="2545080"/>
+                    <a:ext cx="134620" cy="128905"/>
+                  </a:xfrm>
+                  <a:prstGeom prst="ellipse">
+                    <a:avLst/>
+                  </a:prstGeom>
+                  <a:solidFill>
+                    <a:schemeClr val="accent2">
+                      <a:lumMod val="20000"/>
+                      <a:lumOff val="80000"/>
+                    </a:schemeClr>
+                  </a:solidFill>
+                  <a:ln>
+                    <a:solidFill>
+                      <a:schemeClr val="accent1">
+                        <a:lumMod val="60000"/>
+                        <a:lumOff val="40000"/>
+                      </a:schemeClr>
+                    </a:solidFill>
+                  </a:ln>
+                </p:spPr>
+                <p:style>
+                  <a:lnRef idx="2">
+                    <a:schemeClr val="accent1">
+                      <a:shade val="50000"/>
+                    </a:schemeClr>
+                  </a:lnRef>
+                  <a:fillRef idx="1">
+                    <a:schemeClr val="accent1"/>
+                  </a:fillRef>
+                  <a:effectRef idx="0">
+                    <a:schemeClr val="accent1"/>
+                  </a:effectRef>
+                  <a:fontRef idx="minor">
+                    <a:schemeClr val="lt1"/>
+                  </a:fontRef>
+                </p:style>
+                <p:txBody>
+                  <a:bodyPr rot="0" spcFirstLastPara="0" vert="horz" wrap="square" lIns="91440" tIns="45720" rIns="91440" bIns="45720" numCol="1" spcCol="0" rtlCol="0" fromWordArt="0" anchor="ctr" anchorCtr="0" forceAA="0" compatLnSpc="1">
+                    <a:prstTxWarp prst="textNoShape">
+                      <a:avLst/>
+                    </a:prstTxWarp>
+                    <a:noAutofit/>
+                  </a:bodyPr>
+                  <a:lstStyle/>
+                  <a:p>
+                    <a:endParaRPr lang="en-US"/>
+                  </a:p>
+                </p:txBody>
+              </p:sp>
+              <p:sp>
+                <p:nvSpPr>
+                  <p:cNvPr id="61" name="Oval 60">
+                    <a:extLst>
+                      <a:ext uri="{FF2B5EF4-FFF2-40B4-BE49-F238E27FC236}">
+                        <a16:creationId xmlns:a16="http://schemas.microsoft.com/office/drawing/2014/main" id="{DBEEB066-09E1-4AD5-B0C8-ACC81D7AF846}"/>
+                      </a:ext>
+                    </a:extLst>
+                  </p:cNvPr>
+                  <p:cNvSpPr/>
+                  <p:nvPr/>
+                </p:nvSpPr>
+                <p:spPr>
+                  <a:xfrm>
+                    <a:off x="3851487" y="2545080"/>
+                    <a:ext cx="134620" cy="128905"/>
+                  </a:xfrm>
+                  <a:prstGeom prst="ellipse">
+                    <a:avLst/>
+                  </a:prstGeom>
+                  <a:solidFill>
+                    <a:schemeClr val="accent2">
+                      <a:lumMod val="20000"/>
+                      <a:lumOff val="80000"/>
+                    </a:schemeClr>
+                  </a:solidFill>
+                  <a:ln>
+                    <a:solidFill>
+                      <a:schemeClr val="accent1">
+                        <a:lumMod val="60000"/>
+                        <a:lumOff val="40000"/>
+                      </a:schemeClr>
+                    </a:solidFill>
+                  </a:ln>
+                </p:spPr>
+                <p:style>
+                  <a:lnRef idx="2">
+                    <a:schemeClr val="accent1">
+                      <a:shade val="50000"/>
+                    </a:schemeClr>
+                  </a:lnRef>
+                  <a:fillRef idx="1">
+                    <a:schemeClr val="accent1"/>
+                  </a:fillRef>
+                  <a:effectRef idx="0">
+                    <a:schemeClr val="accent1"/>
+                  </a:effectRef>
+                  <a:fontRef idx="minor">
+                    <a:schemeClr val="lt1"/>
+                  </a:fontRef>
+                </p:style>
+                <p:txBody>
+                  <a:bodyPr rot="0" spcFirstLastPara="0" vert="horz" wrap="square" lIns="91440" tIns="45720" rIns="91440" bIns="45720" numCol="1" spcCol="0" rtlCol="0" fromWordArt="0" anchor="ctr" anchorCtr="0" forceAA="0" compatLnSpc="1">
+                    <a:prstTxWarp prst="textNoShape">
+                      <a:avLst/>
+                    </a:prstTxWarp>
+                    <a:noAutofit/>
+                  </a:bodyPr>
+                  <a:lstStyle/>
+                  <a:p>
+                    <a:endParaRPr lang="en-US"/>
+                  </a:p>
+                </p:txBody>
+              </p:sp>
+              <p:sp>
+                <p:nvSpPr>
+                  <p:cNvPr id="62" name="Oval 61">
+                    <a:extLst>
+                      <a:ext uri="{FF2B5EF4-FFF2-40B4-BE49-F238E27FC236}">
+                        <a16:creationId xmlns:a16="http://schemas.microsoft.com/office/drawing/2014/main" id="{7ADB48A7-600D-427F-A638-4BBC9B52EBAD}"/>
+                      </a:ext>
+                    </a:extLst>
+                  </p:cNvPr>
+                  <p:cNvSpPr/>
+                  <p:nvPr/>
+                </p:nvSpPr>
+                <p:spPr>
+                  <a:xfrm>
+                    <a:off x="4063577" y="2545080"/>
+                    <a:ext cx="134620" cy="128905"/>
+                  </a:xfrm>
+                  <a:prstGeom prst="ellipse">
+                    <a:avLst/>
+                  </a:prstGeom>
+                  <a:solidFill>
+                    <a:schemeClr val="accent2">
+                      <a:lumMod val="20000"/>
+                      <a:lumOff val="80000"/>
+                    </a:schemeClr>
+                  </a:solidFill>
+                  <a:ln>
+                    <a:solidFill>
+                      <a:schemeClr val="accent1">
+                        <a:lumMod val="60000"/>
+                        <a:lumOff val="40000"/>
+                      </a:schemeClr>
+                    </a:solidFill>
+                  </a:ln>
+                </p:spPr>
+                <p:style>
+                  <a:lnRef idx="2">
+                    <a:schemeClr val="accent1">
+                      <a:shade val="50000"/>
+                    </a:schemeClr>
+                  </a:lnRef>
+                  <a:fillRef idx="1">
+                    <a:schemeClr val="accent1"/>
+                  </a:fillRef>
+                  <a:effectRef idx="0">
+                    <a:schemeClr val="accent1"/>
+                  </a:effectRef>
+                  <a:fontRef idx="minor">
+                    <a:schemeClr val="lt1"/>
+                  </a:fontRef>
+                </p:style>
+                <p:txBody>
+                  <a:bodyPr rot="0" spcFirstLastPara="0" vert="horz" wrap="square" lIns="91440" tIns="45720" rIns="91440" bIns="45720" numCol="1" spcCol="0" rtlCol="0" fromWordArt="0" anchor="ctr" anchorCtr="0" forceAA="0" compatLnSpc="1">
+                    <a:prstTxWarp prst="textNoShape">
+                      <a:avLst/>
+                    </a:prstTxWarp>
+                    <a:noAutofit/>
+                  </a:bodyPr>
+                  <a:lstStyle/>
+                  <a:p>
+                    <a:endParaRPr lang="en-US"/>
+                  </a:p>
+                </p:txBody>
+              </p:sp>
+            </p:grpSp>
+            <p:grpSp>
+              <p:nvGrpSpPr>
+                <p:cNvPr id="43" name="Group 42">
+                  <a:extLst>
+                    <a:ext uri="{FF2B5EF4-FFF2-40B4-BE49-F238E27FC236}">
+                      <a16:creationId xmlns:a16="http://schemas.microsoft.com/office/drawing/2014/main" id="{4D692AFA-C4B7-4B43-8F6E-938183374ADB}"/>
+                    </a:ext>
+                  </a:extLst>
+                </p:cNvPr>
+                <p:cNvGrpSpPr/>
+                <p:nvPr/>
+              </p:nvGrpSpPr>
+              <p:grpSpPr>
+                <a:xfrm>
+                  <a:off x="3557216" y="3064709"/>
+                  <a:ext cx="711200" cy="203835"/>
+                  <a:chOff x="3559387" y="2503170"/>
+                  <a:chExt cx="711200" cy="203835"/>
+                </a:xfrm>
+              </p:grpSpPr>
+              <p:sp>
+                <p:nvSpPr>
+                  <p:cNvPr id="55" name="Rectangle: Rounded Corners 54">
+                    <a:extLst>
+                      <a:ext uri="{FF2B5EF4-FFF2-40B4-BE49-F238E27FC236}">
+                        <a16:creationId xmlns:a16="http://schemas.microsoft.com/office/drawing/2014/main" id="{FF6033CA-3114-43A2-84C2-59CC9E97A0EA}"/>
+                      </a:ext>
+                    </a:extLst>
+                  </p:cNvPr>
+                  <p:cNvSpPr/>
+                  <p:nvPr/>
+                </p:nvSpPr>
+                <p:spPr>
+                  <a:xfrm>
+                    <a:off x="3559387" y="2503170"/>
+                    <a:ext cx="711200" cy="203835"/>
+                  </a:xfrm>
+                  <a:prstGeom prst="roundRect">
+                    <a:avLst/>
+                  </a:prstGeom>
+                  <a:noFill/>
+                  <a:ln>
+                    <a:solidFill>
+                      <a:schemeClr val="tx1"/>
+                    </a:solidFill>
+                  </a:ln>
+                </p:spPr>
+                <p:style>
+                  <a:lnRef idx="2">
+                    <a:schemeClr val="accent1">
+                      <a:shade val="50000"/>
+                    </a:schemeClr>
+                  </a:lnRef>
+                  <a:fillRef idx="1">
+                    <a:schemeClr val="accent1"/>
+                  </a:fillRef>
+                  <a:effectRef idx="0">
+                    <a:schemeClr val="accent1"/>
+                  </a:effectRef>
+                  <a:fontRef idx="minor">
+                    <a:schemeClr val="lt1"/>
+                  </a:fontRef>
+                </p:style>
+                <p:txBody>
+                  <a:bodyPr rot="0" spcFirstLastPara="0" vert="horz" wrap="square" lIns="91440" tIns="45720" rIns="91440" bIns="45720" numCol="1" spcCol="0" rtlCol="0" fromWordArt="0" anchor="ctr" anchorCtr="0" forceAA="0" compatLnSpc="1">
+                    <a:prstTxWarp prst="textNoShape">
+                      <a:avLst/>
+                    </a:prstTxWarp>
+                    <a:noAutofit/>
+                  </a:bodyPr>
+                  <a:lstStyle/>
+                  <a:p>
+                    <a:endParaRPr lang="en-US"/>
+                  </a:p>
+                </p:txBody>
+              </p:sp>
+              <p:sp>
+                <p:nvSpPr>
+                  <p:cNvPr id="56" name="Oval 55">
+                    <a:extLst>
+                      <a:ext uri="{FF2B5EF4-FFF2-40B4-BE49-F238E27FC236}">
+                        <a16:creationId xmlns:a16="http://schemas.microsoft.com/office/drawing/2014/main" id="{DD974334-9BA3-47C2-8BB9-95AECAAE67E4}"/>
+                      </a:ext>
+                    </a:extLst>
+                  </p:cNvPr>
+                  <p:cNvSpPr/>
+                  <p:nvPr/>
+                </p:nvSpPr>
+                <p:spPr>
+                  <a:xfrm>
+                    <a:off x="3640032" y="2545080"/>
+                    <a:ext cx="134620" cy="128905"/>
+                  </a:xfrm>
+                  <a:prstGeom prst="ellipse">
+                    <a:avLst/>
+                  </a:prstGeom>
+                  <a:solidFill>
+                    <a:schemeClr val="accent2">
+                      <a:lumMod val="20000"/>
+                      <a:lumOff val="80000"/>
+                    </a:schemeClr>
+                  </a:solidFill>
+                  <a:ln>
+                    <a:solidFill>
+                      <a:schemeClr val="accent1">
+                        <a:lumMod val="60000"/>
+                        <a:lumOff val="40000"/>
+                      </a:schemeClr>
+                    </a:solidFill>
+                  </a:ln>
+                </p:spPr>
+                <p:style>
+                  <a:lnRef idx="2">
+                    <a:schemeClr val="accent1">
+                      <a:shade val="50000"/>
+                    </a:schemeClr>
+                  </a:lnRef>
+                  <a:fillRef idx="1">
+                    <a:schemeClr val="accent1"/>
+                  </a:fillRef>
+                  <a:effectRef idx="0">
+                    <a:schemeClr val="accent1"/>
+                  </a:effectRef>
+                  <a:fontRef idx="minor">
+                    <a:schemeClr val="lt1"/>
+                  </a:fontRef>
+                </p:style>
+                <p:txBody>
+                  <a:bodyPr rot="0" spcFirstLastPara="0" vert="horz" wrap="square" lIns="91440" tIns="45720" rIns="91440" bIns="45720" numCol="1" spcCol="0" rtlCol="0" fromWordArt="0" anchor="ctr" anchorCtr="0" forceAA="0" compatLnSpc="1">
+                    <a:prstTxWarp prst="textNoShape">
+                      <a:avLst/>
+                    </a:prstTxWarp>
+                    <a:noAutofit/>
+                  </a:bodyPr>
+                  <a:lstStyle/>
+                  <a:p>
+                    <a:endParaRPr lang="en-US"/>
+                  </a:p>
+                </p:txBody>
+              </p:sp>
+              <p:sp>
+                <p:nvSpPr>
+                  <p:cNvPr id="57" name="Oval 56">
+                    <a:extLst>
+                      <a:ext uri="{FF2B5EF4-FFF2-40B4-BE49-F238E27FC236}">
+                        <a16:creationId xmlns:a16="http://schemas.microsoft.com/office/drawing/2014/main" id="{BCE8FA90-E3FF-4041-BBE0-5585613083F3}"/>
+                      </a:ext>
+                    </a:extLst>
+                  </p:cNvPr>
+                  <p:cNvSpPr/>
+                  <p:nvPr/>
+                </p:nvSpPr>
+                <p:spPr>
+                  <a:xfrm>
+                    <a:off x="3851487" y="2545080"/>
+                    <a:ext cx="134620" cy="128905"/>
+                  </a:xfrm>
+                  <a:prstGeom prst="ellipse">
+                    <a:avLst/>
+                  </a:prstGeom>
+                  <a:solidFill>
+                    <a:schemeClr val="accent2">
+                      <a:lumMod val="20000"/>
+                      <a:lumOff val="80000"/>
+                    </a:schemeClr>
+                  </a:solidFill>
+                  <a:ln>
+                    <a:solidFill>
+                      <a:schemeClr val="accent1">
+                        <a:lumMod val="60000"/>
+                        <a:lumOff val="40000"/>
+                      </a:schemeClr>
+                    </a:solidFill>
+                  </a:ln>
+                </p:spPr>
+                <p:style>
+                  <a:lnRef idx="2">
+                    <a:schemeClr val="accent1">
+                      <a:shade val="50000"/>
+                    </a:schemeClr>
+                  </a:lnRef>
+                  <a:fillRef idx="1">
+                    <a:schemeClr val="accent1"/>
+                  </a:fillRef>
+                  <a:effectRef idx="0">
+                    <a:schemeClr val="accent1"/>
+                  </a:effectRef>
+                  <a:fontRef idx="minor">
+                    <a:schemeClr val="lt1"/>
+                  </a:fontRef>
+                </p:style>
+                <p:txBody>
+                  <a:bodyPr rot="0" spcFirstLastPara="0" vert="horz" wrap="square" lIns="91440" tIns="45720" rIns="91440" bIns="45720" numCol="1" spcCol="0" rtlCol="0" fromWordArt="0" anchor="ctr" anchorCtr="0" forceAA="0" compatLnSpc="1">
+                    <a:prstTxWarp prst="textNoShape">
+                      <a:avLst/>
+                    </a:prstTxWarp>
+                    <a:noAutofit/>
+                  </a:bodyPr>
+                  <a:lstStyle/>
+                  <a:p>
+                    <a:endParaRPr lang="en-US"/>
+                  </a:p>
+                </p:txBody>
+              </p:sp>
+              <p:sp>
+                <p:nvSpPr>
+                  <p:cNvPr id="58" name="Oval 57">
+                    <a:extLst>
+                      <a:ext uri="{FF2B5EF4-FFF2-40B4-BE49-F238E27FC236}">
+                        <a16:creationId xmlns:a16="http://schemas.microsoft.com/office/drawing/2014/main" id="{9DBD706C-F503-45CC-82A9-D7AD57F1F32E}"/>
+                      </a:ext>
+                    </a:extLst>
+                  </p:cNvPr>
+                  <p:cNvSpPr/>
+                  <p:nvPr/>
+                </p:nvSpPr>
+                <p:spPr>
+                  <a:xfrm>
+                    <a:off x="4063577" y="2545080"/>
+                    <a:ext cx="134620" cy="128905"/>
+                  </a:xfrm>
+                  <a:prstGeom prst="ellipse">
+                    <a:avLst/>
+                  </a:prstGeom>
+                  <a:solidFill>
+                    <a:schemeClr val="accent2">
+                      <a:lumMod val="20000"/>
+                      <a:lumOff val="80000"/>
+                    </a:schemeClr>
+                  </a:solidFill>
+                  <a:ln>
+                    <a:solidFill>
+                      <a:schemeClr val="accent1">
+                        <a:lumMod val="60000"/>
+                        <a:lumOff val="40000"/>
+                      </a:schemeClr>
+                    </a:solidFill>
+                  </a:ln>
+                </p:spPr>
+                <p:style>
+                  <a:lnRef idx="2">
+                    <a:schemeClr val="accent1">
+                      <a:shade val="50000"/>
+                    </a:schemeClr>
+                  </a:lnRef>
+                  <a:fillRef idx="1">
+                    <a:schemeClr val="accent1"/>
+                  </a:fillRef>
+                  <a:effectRef idx="0">
+                    <a:schemeClr val="accent1"/>
+                  </a:effectRef>
+                  <a:fontRef idx="minor">
+                    <a:schemeClr val="lt1"/>
+                  </a:fontRef>
+                </p:style>
+                <p:txBody>
+                  <a:bodyPr rot="0" spcFirstLastPara="0" vert="horz" wrap="square" lIns="91440" tIns="45720" rIns="91440" bIns="45720" numCol="1" spcCol="0" rtlCol="0" fromWordArt="0" anchor="ctr" anchorCtr="0" forceAA="0" compatLnSpc="1">
+                    <a:prstTxWarp prst="textNoShape">
+                      <a:avLst/>
+                    </a:prstTxWarp>
+                    <a:noAutofit/>
+                  </a:bodyPr>
+                  <a:lstStyle/>
+                  <a:p>
+                    <a:endParaRPr lang="en-US"/>
+                  </a:p>
+                </p:txBody>
+              </p:sp>
+            </p:grpSp>
+            <p:grpSp>
+              <p:nvGrpSpPr>
+                <p:cNvPr id="44" name="Group 43">
+                  <a:extLst>
+                    <a:ext uri="{FF2B5EF4-FFF2-40B4-BE49-F238E27FC236}">
+                      <a16:creationId xmlns:a16="http://schemas.microsoft.com/office/drawing/2014/main" id="{271F6C86-74C6-49DD-8260-D98A8F2ABF5F}"/>
+                    </a:ext>
+                  </a:extLst>
+                </p:cNvPr>
+                <p:cNvGrpSpPr/>
+                <p:nvPr/>
+              </p:nvGrpSpPr>
+              <p:grpSpPr>
+                <a:xfrm>
+                  <a:off x="3557216" y="3703411"/>
+                  <a:ext cx="711200" cy="203835"/>
+                  <a:chOff x="3559387" y="2503170"/>
+                  <a:chExt cx="711200" cy="203835"/>
+                </a:xfrm>
+              </p:grpSpPr>
+              <p:sp>
+                <p:nvSpPr>
+                  <p:cNvPr id="51" name="Rectangle: Rounded Corners 50">
+                    <a:extLst>
+                      <a:ext uri="{FF2B5EF4-FFF2-40B4-BE49-F238E27FC236}">
+                        <a16:creationId xmlns:a16="http://schemas.microsoft.com/office/drawing/2014/main" id="{3D316C4A-B8B4-4D80-96E5-9E084920256E}"/>
+                      </a:ext>
+                    </a:extLst>
+                  </p:cNvPr>
+                  <p:cNvSpPr/>
+                  <p:nvPr/>
+                </p:nvSpPr>
+                <p:spPr>
+                  <a:xfrm>
+                    <a:off x="3559387" y="2503170"/>
+                    <a:ext cx="711200" cy="203835"/>
+                  </a:xfrm>
+                  <a:prstGeom prst="roundRect">
+                    <a:avLst/>
+                  </a:prstGeom>
+                  <a:noFill/>
+                  <a:ln>
+                    <a:solidFill>
+                      <a:schemeClr val="tx1"/>
+                    </a:solidFill>
+                  </a:ln>
+                </p:spPr>
+                <p:style>
+                  <a:lnRef idx="2">
+                    <a:schemeClr val="accent1">
+                      <a:shade val="50000"/>
+                    </a:schemeClr>
+                  </a:lnRef>
+                  <a:fillRef idx="1">
+                    <a:schemeClr val="accent1"/>
+                  </a:fillRef>
+                  <a:effectRef idx="0">
+                    <a:schemeClr val="accent1"/>
+                  </a:effectRef>
+                  <a:fontRef idx="minor">
+                    <a:schemeClr val="lt1"/>
+                  </a:fontRef>
+                </p:style>
+                <p:txBody>
+                  <a:bodyPr rot="0" spcFirstLastPara="0" vert="horz" wrap="square" lIns="91440" tIns="45720" rIns="91440" bIns="45720" numCol="1" spcCol="0" rtlCol="0" fromWordArt="0" anchor="ctr" anchorCtr="0" forceAA="0" compatLnSpc="1">
+                    <a:prstTxWarp prst="textNoShape">
+                      <a:avLst/>
+                    </a:prstTxWarp>
+                    <a:noAutofit/>
+                  </a:bodyPr>
+                  <a:lstStyle/>
+                  <a:p>
+                    <a:endParaRPr lang="en-US"/>
+                  </a:p>
+                </p:txBody>
+              </p:sp>
+              <p:sp>
+                <p:nvSpPr>
+                  <p:cNvPr id="52" name="Oval 51">
+                    <a:extLst>
+                      <a:ext uri="{FF2B5EF4-FFF2-40B4-BE49-F238E27FC236}">
+                        <a16:creationId xmlns:a16="http://schemas.microsoft.com/office/drawing/2014/main" id="{F48BDB00-F0C3-470C-9271-BEC864E2D8D2}"/>
+                      </a:ext>
+                    </a:extLst>
+                  </p:cNvPr>
+                  <p:cNvSpPr/>
+                  <p:nvPr/>
+                </p:nvSpPr>
+                <p:spPr>
+                  <a:xfrm>
+                    <a:off x="3640032" y="2545080"/>
+                    <a:ext cx="134620" cy="128905"/>
+                  </a:xfrm>
+                  <a:prstGeom prst="ellipse">
+                    <a:avLst/>
+                  </a:prstGeom>
+                  <a:solidFill>
+                    <a:schemeClr val="accent2">
+                      <a:lumMod val="20000"/>
+                      <a:lumOff val="80000"/>
+                    </a:schemeClr>
+                  </a:solidFill>
+                  <a:ln>
+                    <a:solidFill>
+                      <a:schemeClr val="accent1">
+                        <a:lumMod val="60000"/>
+                        <a:lumOff val="40000"/>
+                      </a:schemeClr>
+                    </a:solidFill>
+                  </a:ln>
+                </p:spPr>
+                <p:style>
+                  <a:lnRef idx="2">
+                    <a:schemeClr val="accent1">
+                      <a:shade val="50000"/>
+                    </a:schemeClr>
+                  </a:lnRef>
+                  <a:fillRef idx="1">
+                    <a:schemeClr val="accent1"/>
+                  </a:fillRef>
+                  <a:effectRef idx="0">
+                    <a:schemeClr val="accent1"/>
+                  </a:effectRef>
+                  <a:fontRef idx="minor">
+                    <a:schemeClr val="lt1"/>
+                  </a:fontRef>
+                </p:style>
+                <p:txBody>
+                  <a:bodyPr rot="0" spcFirstLastPara="0" vert="horz" wrap="square" lIns="91440" tIns="45720" rIns="91440" bIns="45720" numCol="1" spcCol="0" rtlCol="0" fromWordArt="0" anchor="ctr" anchorCtr="0" forceAA="0" compatLnSpc="1">
+                    <a:prstTxWarp prst="textNoShape">
+                      <a:avLst/>
+                    </a:prstTxWarp>
+                    <a:noAutofit/>
+                  </a:bodyPr>
+                  <a:lstStyle/>
+                  <a:p>
+                    <a:endParaRPr lang="en-US"/>
+                  </a:p>
+                </p:txBody>
+              </p:sp>
+              <p:sp>
+                <p:nvSpPr>
+                  <p:cNvPr id="53" name="Oval 52">
+                    <a:extLst>
+                      <a:ext uri="{FF2B5EF4-FFF2-40B4-BE49-F238E27FC236}">
+                        <a16:creationId xmlns:a16="http://schemas.microsoft.com/office/drawing/2014/main" id="{ADE4811B-26E3-42FA-888D-9CE2FF253341}"/>
+                      </a:ext>
+                    </a:extLst>
+                  </p:cNvPr>
+                  <p:cNvSpPr/>
+                  <p:nvPr/>
+                </p:nvSpPr>
+                <p:spPr>
+                  <a:xfrm>
+                    <a:off x="3851487" y="2545080"/>
+                    <a:ext cx="134620" cy="128905"/>
+                  </a:xfrm>
+                  <a:prstGeom prst="ellipse">
+                    <a:avLst/>
+                  </a:prstGeom>
+                  <a:solidFill>
+                    <a:schemeClr val="accent2">
+                      <a:lumMod val="20000"/>
+                      <a:lumOff val="80000"/>
+                    </a:schemeClr>
+                  </a:solidFill>
+                  <a:ln>
+                    <a:solidFill>
+                      <a:schemeClr val="accent1">
+                        <a:lumMod val="60000"/>
+                        <a:lumOff val="40000"/>
+                      </a:schemeClr>
+                    </a:solidFill>
+                  </a:ln>
+                </p:spPr>
+                <p:style>
+                  <a:lnRef idx="2">
+                    <a:schemeClr val="accent1">
+                      <a:shade val="50000"/>
+                    </a:schemeClr>
+                  </a:lnRef>
+                  <a:fillRef idx="1">
+                    <a:schemeClr val="accent1"/>
+                  </a:fillRef>
+                  <a:effectRef idx="0">
+                    <a:schemeClr val="accent1"/>
+                  </a:effectRef>
+                  <a:fontRef idx="minor">
+                    <a:schemeClr val="lt1"/>
+                  </a:fontRef>
+                </p:style>
+                <p:txBody>
+                  <a:bodyPr rot="0" spcFirstLastPara="0" vert="horz" wrap="square" lIns="91440" tIns="45720" rIns="91440" bIns="45720" numCol="1" spcCol="0" rtlCol="0" fromWordArt="0" anchor="ctr" anchorCtr="0" forceAA="0" compatLnSpc="1">
+                    <a:prstTxWarp prst="textNoShape">
+                      <a:avLst/>
+                    </a:prstTxWarp>
+                    <a:noAutofit/>
+                  </a:bodyPr>
+                  <a:lstStyle/>
+                  <a:p>
+                    <a:endParaRPr lang="en-US"/>
+                  </a:p>
+                </p:txBody>
+              </p:sp>
+              <p:sp>
+                <p:nvSpPr>
+                  <p:cNvPr id="54" name="Oval 53">
+                    <a:extLst>
+                      <a:ext uri="{FF2B5EF4-FFF2-40B4-BE49-F238E27FC236}">
+                        <a16:creationId xmlns:a16="http://schemas.microsoft.com/office/drawing/2014/main" id="{680CFE1D-9214-4619-BA82-11A636A07BA0}"/>
+                      </a:ext>
+                    </a:extLst>
+                  </p:cNvPr>
+                  <p:cNvSpPr/>
+                  <p:nvPr/>
+                </p:nvSpPr>
+                <p:spPr>
+                  <a:xfrm>
+                    <a:off x="4063577" y="2545080"/>
+                    <a:ext cx="134620" cy="128905"/>
+                  </a:xfrm>
+                  <a:prstGeom prst="ellipse">
+                    <a:avLst/>
+                  </a:prstGeom>
+                  <a:solidFill>
+                    <a:schemeClr val="accent2">
+                      <a:lumMod val="20000"/>
+                      <a:lumOff val="80000"/>
+                    </a:schemeClr>
+                  </a:solidFill>
+                  <a:ln>
+                    <a:solidFill>
+                      <a:schemeClr val="accent1">
+                        <a:lumMod val="60000"/>
+                        <a:lumOff val="40000"/>
+                      </a:schemeClr>
+                    </a:solidFill>
+                  </a:ln>
+                </p:spPr>
+                <p:style>
+                  <a:lnRef idx="2">
+                    <a:schemeClr val="accent1">
+                      <a:shade val="50000"/>
+                    </a:schemeClr>
+                  </a:lnRef>
+                  <a:fillRef idx="1">
+                    <a:schemeClr val="accent1"/>
+                  </a:fillRef>
+                  <a:effectRef idx="0">
+                    <a:schemeClr val="accent1"/>
+                  </a:effectRef>
+                  <a:fontRef idx="minor">
+                    <a:schemeClr val="lt1"/>
+                  </a:fontRef>
+                </p:style>
+                <p:txBody>
+                  <a:bodyPr rot="0" spcFirstLastPara="0" vert="horz" wrap="square" lIns="91440" tIns="45720" rIns="91440" bIns="45720" numCol="1" spcCol="0" rtlCol="0" fromWordArt="0" anchor="ctr" anchorCtr="0" forceAA="0" compatLnSpc="1">
+                    <a:prstTxWarp prst="textNoShape">
+                      <a:avLst/>
+                    </a:prstTxWarp>
+                    <a:noAutofit/>
+                  </a:bodyPr>
+                  <a:lstStyle/>
+                  <a:p>
+                    <a:endParaRPr lang="en-US"/>
+                  </a:p>
+                </p:txBody>
+              </p:sp>
+            </p:grpSp>
+            <p:grpSp>
+              <p:nvGrpSpPr>
+                <p:cNvPr id="45" name="Group 44">
+                  <a:extLst>
+                    <a:ext uri="{FF2B5EF4-FFF2-40B4-BE49-F238E27FC236}">
+                      <a16:creationId xmlns:a16="http://schemas.microsoft.com/office/drawing/2014/main" id="{FA4826E6-25FD-49E2-BC94-D48069C2551D}"/>
+                    </a:ext>
+                  </a:extLst>
+                </p:cNvPr>
+                <p:cNvGrpSpPr/>
+                <p:nvPr/>
+              </p:nvGrpSpPr>
+              <p:grpSpPr>
+                <a:xfrm>
+                  <a:off x="3547425" y="4089057"/>
+                  <a:ext cx="711200" cy="203835"/>
+                  <a:chOff x="3559387" y="2503170"/>
+                  <a:chExt cx="711200" cy="203835"/>
+                </a:xfrm>
+              </p:grpSpPr>
+              <p:sp>
+                <p:nvSpPr>
+                  <p:cNvPr id="47" name="Rectangle: Rounded Corners 46">
+                    <a:extLst>
+                      <a:ext uri="{FF2B5EF4-FFF2-40B4-BE49-F238E27FC236}">
+                        <a16:creationId xmlns:a16="http://schemas.microsoft.com/office/drawing/2014/main" id="{67E404A8-E6F1-40AD-922C-5B0290EF76DB}"/>
+                      </a:ext>
+                    </a:extLst>
+                  </p:cNvPr>
+                  <p:cNvSpPr/>
+                  <p:nvPr/>
+                </p:nvSpPr>
+                <p:spPr>
+                  <a:xfrm>
+                    <a:off x="3559387" y="2503170"/>
+                    <a:ext cx="711200" cy="203835"/>
+                  </a:xfrm>
+                  <a:prstGeom prst="roundRect">
+                    <a:avLst/>
+                  </a:prstGeom>
+                  <a:noFill/>
+                  <a:ln>
+                    <a:solidFill>
+                      <a:schemeClr val="tx1"/>
+                    </a:solidFill>
+                  </a:ln>
+                </p:spPr>
+                <p:style>
+                  <a:lnRef idx="2">
+                    <a:schemeClr val="accent1">
+                      <a:shade val="50000"/>
+                    </a:schemeClr>
+                  </a:lnRef>
+                  <a:fillRef idx="1">
+                    <a:schemeClr val="accent1"/>
+                  </a:fillRef>
+                  <a:effectRef idx="0">
+                    <a:schemeClr val="accent1"/>
+                  </a:effectRef>
+                  <a:fontRef idx="minor">
+                    <a:schemeClr val="lt1"/>
+                  </a:fontRef>
+                </p:style>
+                <p:txBody>
+                  <a:bodyPr rot="0" spcFirstLastPara="0" vert="horz" wrap="square" lIns="91440" tIns="45720" rIns="91440" bIns="45720" numCol="1" spcCol="0" rtlCol="0" fromWordArt="0" anchor="ctr" anchorCtr="0" forceAA="0" compatLnSpc="1">
+                    <a:prstTxWarp prst="textNoShape">
+                      <a:avLst/>
+                    </a:prstTxWarp>
+                    <a:noAutofit/>
+                  </a:bodyPr>
+                  <a:lstStyle/>
+                  <a:p>
+                    <a:endParaRPr lang="en-US"/>
+                  </a:p>
+                </p:txBody>
+              </p:sp>
+              <p:sp>
+                <p:nvSpPr>
+                  <p:cNvPr id="48" name="Oval 47">
+                    <a:extLst>
+                      <a:ext uri="{FF2B5EF4-FFF2-40B4-BE49-F238E27FC236}">
+                        <a16:creationId xmlns:a16="http://schemas.microsoft.com/office/drawing/2014/main" id="{24290721-4BB0-4F5E-8017-2667E7D6E4C8}"/>
+                      </a:ext>
+                    </a:extLst>
+                  </p:cNvPr>
+                  <p:cNvSpPr/>
+                  <p:nvPr/>
+                </p:nvSpPr>
+                <p:spPr>
+                  <a:xfrm>
+                    <a:off x="3640032" y="2545080"/>
+                    <a:ext cx="134620" cy="128905"/>
+                  </a:xfrm>
+                  <a:prstGeom prst="ellipse">
+                    <a:avLst/>
+                  </a:prstGeom>
+                  <a:solidFill>
+                    <a:schemeClr val="accent2">
+                      <a:lumMod val="20000"/>
+                      <a:lumOff val="80000"/>
+                    </a:schemeClr>
+                  </a:solidFill>
+                  <a:ln>
+                    <a:solidFill>
+                      <a:schemeClr val="accent1">
+                        <a:lumMod val="60000"/>
+                        <a:lumOff val="40000"/>
+                      </a:schemeClr>
+                    </a:solidFill>
+                  </a:ln>
+                </p:spPr>
+                <p:style>
+                  <a:lnRef idx="2">
+                    <a:schemeClr val="accent1">
+                      <a:shade val="50000"/>
+                    </a:schemeClr>
+                  </a:lnRef>
+                  <a:fillRef idx="1">
+                    <a:schemeClr val="accent1"/>
+                  </a:fillRef>
+                  <a:effectRef idx="0">
+                    <a:schemeClr val="accent1"/>
+                  </a:effectRef>
+                  <a:fontRef idx="minor">
+                    <a:schemeClr val="lt1"/>
+                  </a:fontRef>
+                </p:style>
+                <p:txBody>
+                  <a:bodyPr rot="0" spcFirstLastPara="0" vert="horz" wrap="square" lIns="91440" tIns="45720" rIns="91440" bIns="45720" numCol="1" spcCol="0" rtlCol="0" fromWordArt="0" anchor="ctr" anchorCtr="0" forceAA="0" compatLnSpc="1">
+                    <a:prstTxWarp prst="textNoShape">
+                      <a:avLst/>
+                    </a:prstTxWarp>
+                    <a:noAutofit/>
+                  </a:bodyPr>
+                  <a:lstStyle/>
+                  <a:p>
+                    <a:endParaRPr lang="en-US"/>
+                  </a:p>
+                </p:txBody>
+              </p:sp>
+              <p:sp>
+                <p:nvSpPr>
+                  <p:cNvPr id="49" name="Oval 48">
+                    <a:extLst>
+                      <a:ext uri="{FF2B5EF4-FFF2-40B4-BE49-F238E27FC236}">
+                        <a16:creationId xmlns:a16="http://schemas.microsoft.com/office/drawing/2014/main" id="{BE5B4187-A07D-4D88-B8A7-804FE3231BAF}"/>
+                      </a:ext>
+                    </a:extLst>
+                  </p:cNvPr>
+                  <p:cNvSpPr/>
+                  <p:nvPr/>
+                </p:nvSpPr>
+                <p:spPr>
+                  <a:xfrm>
+                    <a:off x="3851487" y="2545080"/>
+                    <a:ext cx="134620" cy="128905"/>
+                  </a:xfrm>
+                  <a:prstGeom prst="ellipse">
+                    <a:avLst/>
+                  </a:prstGeom>
+                  <a:solidFill>
+                    <a:schemeClr val="accent2">
+                      <a:lumMod val="20000"/>
+                      <a:lumOff val="80000"/>
+                    </a:schemeClr>
+                  </a:solidFill>
+                  <a:ln>
+                    <a:solidFill>
+                      <a:schemeClr val="accent1">
+                        <a:lumMod val="60000"/>
+                        <a:lumOff val="40000"/>
+                      </a:schemeClr>
+                    </a:solidFill>
+                  </a:ln>
+                </p:spPr>
+                <p:style>
+                  <a:lnRef idx="2">
+                    <a:schemeClr val="accent1">
+                      <a:shade val="50000"/>
+                    </a:schemeClr>
+                  </a:lnRef>
+                  <a:fillRef idx="1">
+                    <a:schemeClr val="accent1"/>
+                  </a:fillRef>
+                  <a:effectRef idx="0">
+                    <a:schemeClr val="accent1"/>
+                  </a:effectRef>
+                  <a:fontRef idx="minor">
+                    <a:schemeClr val="lt1"/>
+                  </a:fontRef>
+                </p:style>
+                <p:txBody>
+                  <a:bodyPr rot="0" spcFirstLastPara="0" vert="horz" wrap="square" lIns="91440" tIns="45720" rIns="91440" bIns="45720" numCol="1" spcCol="0" rtlCol="0" fromWordArt="0" anchor="ctr" anchorCtr="0" forceAA="0" compatLnSpc="1">
+                    <a:prstTxWarp prst="textNoShape">
+                      <a:avLst/>
+                    </a:prstTxWarp>
+                    <a:noAutofit/>
+                  </a:bodyPr>
+                  <a:lstStyle/>
+                  <a:p>
+                    <a:endParaRPr lang="en-US"/>
+                  </a:p>
+                </p:txBody>
+              </p:sp>
+              <p:sp>
+                <p:nvSpPr>
+                  <p:cNvPr id="50" name="Oval 49">
+                    <a:extLst>
+                      <a:ext uri="{FF2B5EF4-FFF2-40B4-BE49-F238E27FC236}">
+                        <a16:creationId xmlns:a16="http://schemas.microsoft.com/office/drawing/2014/main" id="{327E4A96-80C6-40AD-9F0B-801F6B2FF711}"/>
+                      </a:ext>
+                    </a:extLst>
+                  </p:cNvPr>
+                  <p:cNvSpPr/>
+                  <p:nvPr/>
+                </p:nvSpPr>
+                <p:spPr>
+                  <a:xfrm>
+                    <a:off x="4063577" y="2545080"/>
+                    <a:ext cx="134620" cy="128905"/>
+                  </a:xfrm>
+                  <a:prstGeom prst="ellipse">
+                    <a:avLst/>
+                  </a:prstGeom>
+                  <a:solidFill>
+                    <a:schemeClr val="accent2">
+                      <a:lumMod val="20000"/>
+                      <a:lumOff val="80000"/>
+                    </a:schemeClr>
+                  </a:solidFill>
+                  <a:ln>
+                    <a:solidFill>
+                      <a:schemeClr val="accent1">
+                        <a:lumMod val="60000"/>
+                        <a:lumOff val="40000"/>
+                      </a:schemeClr>
+                    </a:solidFill>
+                  </a:ln>
+                </p:spPr>
+                <p:style>
+                  <a:lnRef idx="2">
+                    <a:schemeClr val="accent1">
+                      <a:shade val="50000"/>
+                    </a:schemeClr>
+                  </a:lnRef>
+                  <a:fillRef idx="1">
+                    <a:schemeClr val="accent1"/>
+                  </a:fillRef>
+                  <a:effectRef idx="0">
+                    <a:schemeClr val="accent1"/>
+                  </a:effectRef>
+                  <a:fontRef idx="minor">
+                    <a:schemeClr val="lt1"/>
+                  </a:fontRef>
+                </p:style>
+                <p:txBody>
+                  <a:bodyPr rot="0" spcFirstLastPara="0" vert="horz" wrap="square" lIns="91440" tIns="45720" rIns="91440" bIns="45720" numCol="1" spcCol="0" rtlCol="0" fromWordArt="0" anchor="ctr" anchorCtr="0" forceAA="0" compatLnSpc="1">
+                    <a:prstTxWarp prst="textNoShape">
+                      <a:avLst/>
+                    </a:prstTxWarp>
+                    <a:noAutofit/>
+                  </a:bodyPr>
+                  <a:lstStyle/>
+                  <a:p>
+                    <a:endParaRPr lang="en-US"/>
+                  </a:p>
+                </p:txBody>
+              </p:sp>
+            </p:grpSp>
+            <p:sp>
+              <p:nvSpPr>
+                <p:cNvPr id="46" name="TextBox 45">
+                  <a:extLst>
+                    <a:ext uri="{FF2B5EF4-FFF2-40B4-BE49-F238E27FC236}">
+                      <a16:creationId xmlns:a16="http://schemas.microsoft.com/office/drawing/2014/main" id="{FCDAE5D3-0FE4-495B-9E28-03161F358F18}"/>
+                    </a:ext>
+                  </a:extLst>
+                </p:cNvPr>
+                <p:cNvSpPr txBox="1"/>
+                <p:nvPr/>
+              </p:nvSpPr>
+              <p:spPr>
+                <a:xfrm>
+                  <a:off x="3748522" y="3243174"/>
+                  <a:ext cx="343364" cy="369332"/>
+                </a:xfrm>
+                <a:prstGeom prst="rect">
+                  <a:avLst/>
+                </a:prstGeom>
+                <a:noFill/>
+              </p:spPr>
+              <p:txBody>
+                <a:bodyPr wrap="none" rtlCol="0">
+                  <a:spAutoFit/>
+                </a:bodyPr>
+                <a:lstStyle/>
+                <a:p>
+                  <a:r>
+                    <a:rPr lang="en-US" dirty="0"/>
+                    <a:t>…</a:t>
+                  </a:r>
+                </a:p>
+              </p:txBody>
+            </p:sp>
+          </p:grpSp>
+          <p:sp>
+            <p:nvSpPr>
+              <p:cNvPr id="87" name="Rectangle 86">
+                <a:extLst>
+                  <a:ext uri="{FF2B5EF4-FFF2-40B4-BE49-F238E27FC236}">
+                    <a16:creationId xmlns:a16="http://schemas.microsoft.com/office/drawing/2014/main" id="{4AE1CADC-9F95-4EE8-B45F-F6DBF0EDD59A}"/>
+                  </a:ext>
+                </a:extLst>
+              </p:cNvPr>
+              <p:cNvSpPr/>
+              <p:nvPr/>
+            </p:nvSpPr>
+            <p:spPr>
+              <a:xfrm>
+                <a:off x="5611297" y="2791642"/>
+                <a:ext cx="436326" cy="1610870"/>
+              </a:xfrm>
+              <a:prstGeom prst="rect">
+                <a:avLst/>
+              </a:prstGeom>
+              <a:ln/>
+              <a:effectLst>
+                <a:outerShdw blurRad="50800" dist="38100" dir="2700000" algn="tl" rotWithShape="0">
+                  <a:prstClr val="black">
+                    <a:alpha val="40000"/>
+                  </a:prstClr>
+                </a:outerShdw>
+              </a:effectLst>
+            </p:spPr>
+            <p:style>
+              <a:lnRef idx="1">
+                <a:schemeClr val="accent6"/>
+              </a:lnRef>
+              <a:fillRef idx="2">
+                <a:schemeClr val="accent6"/>
+              </a:fillRef>
+              <a:effectRef idx="1">
+                <a:schemeClr val="accent6"/>
+              </a:effectRef>
+              <a:fontRef idx="minor">
+                <a:schemeClr val="dk1"/>
+              </a:fontRef>
+            </p:style>
+            <p:txBody>
+              <a:bodyPr rtlCol="0" anchor="ctr"/>
+              <a:lstStyle/>
+              <a:p>
+                <a:pPr algn="ctr"/>
+                <a:endParaRPr lang="en-US" dirty="0"/>
+              </a:p>
+            </p:txBody>
+          </p:sp>
+          <p:sp>
+            <p:nvSpPr>
+              <p:cNvPr id="88" name="TextBox 87">
+                <a:extLst>
+                  <a:ext uri="{FF2B5EF4-FFF2-40B4-BE49-F238E27FC236}">
+                    <a16:creationId xmlns:a16="http://schemas.microsoft.com/office/drawing/2014/main" id="{ED95EFEE-5C76-4437-A99D-78570D13E300}"/>
+                  </a:ext>
+                </a:extLst>
+              </p:cNvPr>
+              <p:cNvSpPr txBox="1"/>
+              <p:nvPr/>
+            </p:nvSpPr>
+            <p:spPr>
+              <a:xfrm>
+                <a:off x="5328415" y="2072912"/>
+                <a:ext cx="977832" cy="646331"/>
+              </a:xfrm>
+              <a:prstGeom prst="rect">
+                <a:avLst/>
+              </a:prstGeom>
+              <a:noFill/>
+            </p:spPr>
+            <p:txBody>
+              <a:bodyPr wrap="none" rtlCol="0">
+                <a:spAutoFit/>
+              </a:bodyPr>
+              <a:lstStyle/>
+              <a:p>
+                <a:pPr algn="ctr"/>
+                <a:r>
+                  <a:rPr lang="en-US" dirty="0"/>
+                  <a:t>GRU</a:t>
+                </a:r>
+              </a:p>
+              <a:p>
+                <a:pPr algn="ctr"/>
+                <a:r>
+                  <a:rPr lang="en-US" dirty="0"/>
+                  <a:t>Decoder</a:t>
+                </a:r>
+              </a:p>
+            </p:txBody>
+          </p:sp>
+          <p:sp>
+            <p:nvSpPr>
+              <p:cNvPr id="89" name="Rectangle 88">
+                <a:extLst>
+                  <a:ext uri="{FF2B5EF4-FFF2-40B4-BE49-F238E27FC236}">
+                    <a16:creationId xmlns:a16="http://schemas.microsoft.com/office/drawing/2014/main" id="{B3ABC764-9F6C-4CB9-8282-9F6946E932B4}"/>
+                  </a:ext>
+                </a:extLst>
+              </p:cNvPr>
+              <p:cNvSpPr/>
+              <p:nvPr/>
+            </p:nvSpPr>
+            <p:spPr>
+              <a:xfrm>
+                <a:off x="6778091" y="2791642"/>
+                <a:ext cx="436326" cy="1610870"/>
+              </a:xfrm>
+              <a:prstGeom prst="rect">
+                <a:avLst/>
+              </a:prstGeom>
+              <a:solidFill>
+                <a:schemeClr val="accent5">
+                  <a:lumMod val="20000"/>
+                  <a:lumOff val="80000"/>
+                </a:schemeClr>
+              </a:solidFill>
+              <a:ln>
+                <a:solidFill>
+                  <a:srgbClr val="0070C0"/>
+                </a:solidFill>
+              </a:ln>
+            </p:spPr>
+            <p:style>
+              <a:lnRef idx="2">
+                <a:schemeClr val="accent1">
+                  <a:shade val="50000"/>
+                </a:schemeClr>
+              </a:lnRef>
+              <a:fillRef idx="1">
+                <a:schemeClr val="accent1"/>
+              </a:fillRef>
+              <a:effectRef idx="0">
+                <a:schemeClr val="accent1"/>
+              </a:effectRef>
+              <a:fontRef idx="minor">
+                <a:schemeClr val="lt1"/>
+              </a:fontRef>
+            </p:style>
+            <p:txBody>
+              <a:bodyPr rtlCol="0" anchor="ctr"/>
+              <a:lstStyle/>
+              <a:p>
+                <a:pPr algn="ctr"/>
+                <a:endParaRPr lang="en-US"/>
+              </a:p>
+            </p:txBody>
+          </p:sp>
+          <p:sp>
+            <p:nvSpPr>
+              <p:cNvPr id="90" name="TextBox 89">
+                <a:extLst>
+                  <a:ext uri="{FF2B5EF4-FFF2-40B4-BE49-F238E27FC236}">
+                    <a16:creationId xmlns:a16="http://schemas.microsoft.com/office/drawing/2014/main" id="{A54495A0-A138-46A8-90B9-3D8C90E2A997}"/>
+                  </a:ext>
+                </a:extLst>
+              </p:cNvPr>
+              <p:cNvSpPr txBox="1"/>
+              <p:nvPr/>
+            </p:nvSpPr>
+            <p:spPr>
+              <a:xfrm>
+                <a:off x="6441100" y="2072912"/>
+                <a:ext cx="1080039" cy="646331"/>
+              </a:xfrm>
+              <a:prstGeom prst="rect">
+                <a:avLst/>
+              </a:prstGeom>
+              <a:noFill/>
+            </p:spPr>
+            <p:txBody>
+              <a:bodyPr wrap="none" rtlCol="0">
+                <a:spAutoFit/>
+              </a:bodyPr>
+              <a:lstStyle/>
+              <a:p>
+                <a:pPr algn="ctr"/>
+                <a:r>
+                  <a:rPr lang="en-US" dirty="0"/>
+                  <a:t>Predicted</a:t>
+                </a:r>
+              </a:p>
+              <a:p>
+                <a:pPr algn="ctr"/>
+                <a:r>
+                  <a:rPr lang="en-US" dirty="0"/>
+                  <a:t>Names</a:t>
+                </a:r>
+              </a:p>
+            </p:txBody>
+          </p:sp>
+          <p:sp>
+            <p:nvSpPr>
+              <p:cNvPr id="91" name="TextBox 90">
+                <a:extLst>
+                  <a:ext uri="{FF2B5EF4-FFF2-40B4-BE49-F238E27FC236}">
+                    <a16:creationId xmlns:a16="http://schemas.microsoft.com/office/drawing/2014/main" id="{F69D2426-7A44-404E-89AE-36ACD467EE11}"/>
+                  </a:ext>
+                </a:extLst>
+              </p:cNvPr>
+              <p:cNvSpPr txBox="1"/>
+              <p:nvPr/>
+            </p:nvSpPr>
+            <p:spPr>
+              <a:xfrm>
+                <a:off x="6774171" y="2775908"/>
+                <a:ext cx="450764" cy="369332"/>
+              </a:xfrm>
+              <a:prstGeom prst="rect">
+                <a:avLst/>
+              </a:prstGeom>
+              <a:noFill/>
+            </p:spPr>
+            <p:txBody>
+              <a:bodyPr wrap="none" rtlCol="0">
+                <a:spAutoFit/>
+              </a:bodyPr>
+              <a:lstStyle/>
+              <a:p>
+                <a:r>
+                  <a:rPr lang="en-US" dirty="0"/>
+                  <a:t>N1</a:t>
+                </a:r>
+              </a:p>
+            </p:txBody>
+          </p:sp>
+          <p:sp>
+            <p:nvSpPr>
+              <p:cNvPr id="92" name="TextBox 91">
+                <a:extLst>
+                  <a:ext uri="{FF2B5EF4-FFF2-40B4-BE49-F238E27FC236}">
+                    <a16:creationId xmlns:a16="http://schemas.microsoft.com/office/drawing/2014/main" id="{EEE447DC-C366-43C5-A0A8-285D4A3F86BE}"/>
+                  </a:ext>
+                </a:extLst>
+              </p:cNvPr>
+              <p:cNvSpPr txBox="1"/>
+              <p:nvPr/>
+            </p:nvSpPr>
+            <p:spPr>
+              <a:xfrm>
+                <a:off x="6775122" y="3092529"/>
+                <a:ext cx="450764" cy="369332"/>
+              </a:xfrm>
+              <a:prstGeom prst="rect">
+                <a:avLst/>
+              </a:prstGeom>
+              <a:noFill/>
+            </p:spPr>
+            <p:txBody>
+              <a:bodyPr wrap="none" rtlCol="0">
+                <a:spAutoFit/>
+              </a:bodyPr>
+              <a:lstStyle/>
+              <a:p>
+                <a:r>
+                  <a:rPr lang="en-US" dirty="0"/>
+                  <a:t>N2</a:t>
+                </a:r>
+              </a:p>
+            </p:txBody>
+          </p:sp>
+          <p:sp>
+            <p:nvSpPr>
+              <p:cNvPr id="93" name="TextBox 92">
+                <a:extLst>
+                  <a:ext uri="{FF2B5EF4-FFF2-40B4-BE49-F238E27FC236}">
+                    <a16:creationId xmlns:a16="http://schemas.microsoft.com/office/drawing/2014/main" id="{57C81594-566F-4BAD-9BAD-8D413AF91D6F}"/>
+                  </a:ext>
+                </a:extLst>
+              </p:cNvPr>
+              <p:cNvSpPr txBox="1"/>
+              <p:nvPr/>
+            </p:nvSpPr>
+            <p:spPr>
+              <a:xfrm>
+                <a:off x="6824572" y="3483918"/>
+                <a:ext cx="343364" cy="369332"/>
+              </a:xfrm>
+              <a:prstGeom prst="rect">
+                <a:avLst/>
+              </a:prstGeom>
+              <a:noFill/>
+            </p:spPr>
+            <p:txBody>
+              <a:bodyPr wrap="none" rtlCol="0">
+                <a:spAutoFit/>
+              </a:bodyPr>
+              <a:lstStyle/>
+              <a:p>
+                <a:r>
+                  <a:rPr lang="en-US" dirty="0"/>
+                  <a:t>…</a:t>
+                </a:r>
+              </a:p>
+            </p:txBody>
+          </p:sp>
+          <p:sp>
+            <p:nvSpPr>
+              <p:cNvPr id="94" name="Rectangle 93">
+                <a:extLst>
+                  <a:ext uri="{FF2B5EF4-FFF2-40B4-BE49-F238E27FC236}">
+                    <a16:creationId xmlns:a16="http://schemas.microsoft.com/office/drawing/2014/main" id="{4CF78E2C-9142-4000-84AA-AF4057B0FD8E}"/>
+                  </a:ext>
+                </a:extLst>
+              </p:cNvPr>
+              <p:cNvSpPr/>
+              <p:nvPr/>
+            </p:nvSpPr>
+            <p:spPr>
+              <a:xfrm>
+                <a:off x="7940965" y="2791642"/>
+                <a:ext cx="436326" cy="1610870"/>
+              </a:xfrm>
+              <a:prstGeom prst="rect">
+                <a:avLst/>
+              </a:prstGeom>
+              <a:solidFill>
+                <a:schemeClr val="accent2">
+                  <a:lumMod val="40000"/>
+                  <a:lumOff val="60000"/>
+                </a:schemeClr>
+              </a:solidFill>
+              <a:ln/>
+              <a:effectLst>
+                <a:outerShdw blurRad="50800" dist="38100" dir="2700000" algn="tl" rotWithShape="0">
+                  <a:prstClr val="black">
+                    <a:alpha val="40000"/>
+                  </a:prstClr>
+                </a:outerShdw>
+              </a:effectLst>
+            </p:spPr>
+            <p:style>
+              <a:lnRef idx="1">
+                <a:schemeClr val="accent6"/>
+              </a:lnRef>
+              <a:fillRef idx="2">
+                <a:schemeClr val="accent6"/>
+              </a:fillRef>
+              <a:effectRef idx="1">
+                <a:schemeClr val="accent6"/>
+              </a:effectRef>
+              <a:fontRef idx="minor">
+                <a:schemeClr val="dk1"/>
+              </a:fontRef>
+            </p:style>
+            <p:txBody>
+              <a:bodyPr rtlCol="0" anchor="ctr"/>
+              <a:lstStyle/>
+              <a:p>
+                <a:pPr algn="ctr"/>
+                <a:endParaRPr lang="en-US" dirty="0"/>
+              </a:p>
+            </p:txBody>
+          </p:sp>
+          <p:sp>
+            <p:nvSpPr>
+              <p:cNvPr id="95" name="TextBox 94">
+                <a:extLst>
+                  <a:ext uri="{FF2B5EF4-FFF2-40B4-BE49-F238E27FC236}">
+                    <a16:creationId xmlns:a16="http://schemas.microsoft.com/office/drawing/2014/main" id="{64158782-8F25-4F36-89CA-CC3C31494752}"/>
+                  </a:ext>
+                </a:extLst>
+              </p:cNvPr>
+              <p:cNvSpPr txBox="1"/>
+              <p:nvPr/>
+            </p:nvSpPr>
+            <p:spPr>
+              <a:xfrm>
+                <a:off x="7642933" y="2075222"/>
+                <a:ext cx="1031051" cy="646331"/>
+              </a:xfrm>
+              <a:prstGeom prst="rect">
+                <a:avLst/>
+              </a:prstGeom>
+              <a:noFill/>
+            </p:spPr>
+            <p:txBody>
+              <a:bodyPr wrap="none" rtlCol="0">
+                <a:spAutoFit/>
+              </a:bodyPr>
+              <a:lstStyle/>
+              <a:p>
+                <a:pPr algn="ctr"/>
+                <a:r>
+                  <a:rPr lang="en-US" dirty="0"/>
+                  <a:t>Name </a:t>
+                </a:r>
+              </a:p>
+              <a:p>
+                <a:pPr algn="ctr"/>
+                <a:r>
+                  <a:rPr lang="en-US" dirty="0"/>
+                  <a:t>Checking</a:t>
+                </a:r>
+              </a:p>
+            </p:txBody>
+          </p:sp>
+          <p:sp>
+            <p:nvSpPr>
+              <p:cNvPr id="96" name="Rectangle 95">
+                <a:extLst>
+                  <a:ext uri="{FF2B5EF4-FFF2-40B4-BE49-F238E27FC236}">
+                    <a16:creationId xmlns:a16="http://schemas.microsoft.com/office/drawing/2014/main" id="{99FCBC9B-C493-4103-8652-9562BCC3CA92}"/>
+                  </a:ext>
+                </a:extLst>
+              </p:cNvPr>
+              <p:cNvSpPr/>
+              <p:nvPr/>
+            </p:nvSpPr>
+            <p:spPr>
+              <a:xfrm>
+                <a:off x="9092370" y="2802147"/>
+                <a:ext cx="436326" cy="1610870"/>
+              </a:xfrm>
+              <a:prstGeom prst="rect">
+                <a:avLst/>
+              </a:prstGeom>
+              <a:solidFill>
+                <a:schemeClr val="accent5">
+                  <a:lumMod val="20000"/>
+                  <a:lumOff val="80000"/>
+                </a:schemeClr>
+              </a:solidFill>
+              <a:ln>
+                <a:solidFill>
+                  <a:srgbClr val="0070C0"/>
+                </a:solidFill>
+              </a:ln>
+            </p:spPr>
+            <p:style>
+              <a:lnRef idx="2">
+                <a:schemeClr val="accent1">
+                  <a:shade val="50000"/>
+                </a:schemeClr>
+              </a:lnRef>
+              <a:fillRef idx="1">
+                <a:schemeClr val="accent1"/>
+              </a:fillRef>
+              <a:effectRef idx="0">
+                <a:schemeClr val="accent1"/>
+              </a:effectRef>
+              <a:fontRef idx="minor">
+                <a:schemeClr val="lt1"/>
+              </a:fontRef>
+            </p:style>
+            <p:txBody>
+              <a:bodyPr rtlCol="0" anchor="ctr"/>
+              <a:lstStyle/>
+              <a:p>
+                <a:pPr algn="ctr"/>
+                <a:endParaRPr lang="en-US"/>
+              </a:p>
+            </p:txBody>
+          </p:sp>
+          <p:sp>
+            <p:nvSpPr>
+              <p:cNvPr id="97" name="TextBox 96">
+                <a:extLst>
+                  <a:ext uri="{FF2B5EF4-FFF2-40B4-BE49-F238E27FC236}">
+                    <a16:creationId xmlns:a16="http://schemas.microsoft.com/office/drawing/2014/main" id="{33C760A8-4E88-4694-9A88-D4844ED837D9}"/>
+                  </a:ext>
+                </a:extLst>
+              </p:cNvPr>
+              <p:cNvSpPr txBox="1"/>
+              <p:nvPr/>
+            </p:nvSpPr>
+            <p:spPr>
+              <a:xfrm>
+                <a:off x="8878457" y="2083417"/>
+                <a:ext cx="833883" cy="646331"/>
+              </a:xfrm>
+              <a:prstGeom prst="rect">
+                <a:avLst/>
+              </a:prstGeom>
+              <a:noFill/>
+            </p:spPr>
+            <p:txBody>
+              <a:bodyPr wrap="none" rtlCol="0">
+                <a:spAutoFit/>
+              </a:bodyPr>
+              <a:lstStyle/>
+              <a:p>
+                <a:pPr algn="ctr"/>
+                <a:r>
+                  <a:rPr lang="en-US" dirty="0"/>
+                  <a:t>Final</a:t>
+                </a:r>
+              </a:p>
+              <a:p>
+                <a:pPr algn="ctr"/>
+                <a:r>
+                  <a:rPr lang="en-US" dirty="0"/>
+                  <a:t>Names</a:t>
+                </a:r>
+              </a:p>
+            </p:txBody>
+          </p:sp>
+          <p:sp>
+            <p:nvSpPr>
+              <p:cNvPr id="98" name="TextBox 97">
+                <a:extLst>
+                  <a:ext uri="{FF2B5EF4-FFF2-40B4-BE49-F238E27FC236}">
+                    <a16:creationId xmlns:a16="http://schemas.microsoft.com/office/drawing/2014/main" id="{2E571D84-CEF9-44E4-918E-928EE66F0D1E}"/>
+                  </a:ext>
+                </a:extLst>
+              </p:cNvPr>
+              <p:cNvSpPr txBox="1"/>
+              <p:nvPr/>
+            </p:nvSpPr>
+            <p:spPr>
+              <a:xfrm>
+                <a:off x="9047761" y="2782824"/>
+                <a:ext cx="566181" cy="369332"/>
+              </a:xfrm>
+              <a:prstGeom prst="rect">
+                <a:avLst/>
+              </a:prstGeom>
+              <a:noFill/>
+            </p:spPr>
+            <p:txBody>
+              <a:bodyPr wrap="none" rtlCol="0">
+                <a:spAutoFit/>
+              </a:bodyPr>
+              <a:lstStyle/>
+              <a:p>
+                <a:r>
+                  <a:rPr lang="en-US" dirty="0"/>
+                  <a:t>N1*</a:t>
+                </a:r>
+              </a:p>
+            </p:txBody>
+          </p:sp>
+          <p:sp>
+            <p:nvSpPr>
+              <p:cNvPr id="99" name="TextBox 98">
+                <a:extLst>
+                  <a:ext uri="{FF2B5EF4-FFF2-40B4-BE49-F238E27FC236}">
+                    <a16:creationId xmlns:a16="http://schemas.microsoft.com/office/drawing/2014/main" id="{1DD3E74E-0589-48E3-AC29-961EE2F0B505}"/>
+                  </a:ext>
+                </a:extLst>
+              </p:cNvPr>
+              <p:cNvSpPr txBox="1"/>
+              <p:nvPr/>
+            </p:nvSpPr>
+            <p:spPr>
+              <a:xfrm>
+                <a:off x="9062309" y="3103034"/>
+                <a:ext cx="566181" cy="369332"/>
+              </a:xfrm>
+              <a:prstGeom prst="rect">
+                <a:avLst/>
+              </a:prstGeom>
+              <a:noFill/>
+            </p:spPr>
+            <p:txBody>
+              <a:bodyPr wrap="none" rtlCol="0">
+                <a:spAutoFit/>
+              </a:bodyPr>
+              <a:lstStyle/>
+              <a:p>
+                <a:r>
+                  <a:rPr lang="en-US" dirty="0"/>
+                  <a:t>N2*</a:t>
+                </a:r>
+              </a:p>
+            </p:txBody>
+          </p:sp>
+          <p:sp>
+            <p:nvSpPr>
+              <p:cNvPr id="100" name="TextBox 99">
+                <a:extLst>
+                  <a:ext uri="{FF2B5EF4-FFF2-40B4-BE49-F238E27FC236}">
+                    <a16:creationId xmlns:a16="http://schemas.microsoft.com/office/drawing/2014/main" id="{1F666038-EC46-41C0-BF89-0765A61BCBEC}"/>
+                  </a:ext>
+                </a:extLst>
+              </p:cNvPr>
+              <p:cNvSpPr txBox="1"/>
+              <p:nvPr/>
+            </p:nvSpPr>
+            <p:spPr>
+              <a:xfrm>
+                <a:off x="9138851" y="3494423"/>
+                <a:ext cx="343364" cy="369332"/>
+              </a:xfrm>
+              <a:prstGeom prst="rect">
+                <a:avLst/>
+              </a:prstGeom>
+              <a:noFill/>
+            </p:spPr>
+            <p:txBody>
+              <a:bodyPr wrap="none" rtlCol="0">
+                <a:spAutoFit/>
+              </a:bodyPr>
+              <a:lstStyle/>
+              <a:p>
+                <a:r>
+                  <a:rPr lang="en-US" dirty="0"/>
+                  <a:t>…</a:t>
+                </a:r>
+              </a:p>
+            </p:txBody>
+          </p:sp>
+          <p:cxnSp>
+            <p:nvCxnSpPr>
+              <p:cNvPr id="109" name="Straight Arrow Connector 108">
+                <a:extLst>
+                  <a:ext uri="{FF2B5EF4-FFF2-40B4-BE49-F238E27FC236}">
+                    <a16:creationId xmlns:a16="http://schemas.microsoft.com/office/drawing/2014/main" id="{701CDFBA-42AB-4579-9B72-EE3F9FD1A7B3}"/>
+                  </a:ext>
+                </a:extLst>
+              </p:cNvPr>
+              <p:cNvCxnSpPr>
+                <a:cxnSpLocks/>
+              </p:cNvCxnSpPr>
+              <p:nvPr/>
+            </p:nvCxnSpPr>
+            <p:spPr>
+              <a:xfrm>
+                <a:off x="5234147" y="3597077"/>
+                <a:ext cx="371628" cy="0"/>
+              </a:xfrm>
+              <a:prstGeom prst="straightConnector1">
+                <a:avLst/>
+              </a:prstGeom>
+              <a:ln w="19050">
+                <a:tailEnd type="triangle"/>
+              </a:ln>
+            </p:spPr>
+            <p:style>
+              <a:lnRef idx="1">
+                <a:schemeClr val="accent1"/>
+              </a:lnRef>
+              <a:fillRef idx="0">
+                <a:schemeClr val="accent1"/>
+              </a:fillRef>
+              <a:effectRef idx="0">
+                <a:schemeClr val="accent1"/>
+              </a:effectRef>
+              <a:fontRef idx="minor">
+                <a:schemeClr val="tx1"/>
+              </a:fontRef>
+            </p:style>
+          </p:cxnSp>
+          <p:cxnSp>
+            <p:nvCxnSpPr>
+              <p:cNvPr id="110" name="Straight Arrow Connector 109">
+                <a:extLst>
+                  <a:ext uri="{FF2B5EF4-FFF2-40B4-BE49-F238E27FC236}">
+                    <a16:creationId xmlns:a16="http://schemas.microsoft.com/office/drawing/2014/main" id="{83D7EB43-99AE-44CD-B9BE-5B1110E9CC4A}"/>
+                  </a:ext>
+                </a:extLst>
+              </p:cNvPr>
+              <p:cNvCxnSpPr>
+                <a:cxnSpLocks/>
+                <a:stCxn id="87" idx="3"/>
+                <a:endCxn id="89" idx="1"/>
+              </p:cNvCxnSpPr>
+              <p:nvPr/>
+            </p:nvCxnSpPr>
+            <p:spPr>
+              <a:xfrm>
+                <a:off x="6047623" y="3597077"/>
+                <a:ext cx="730468" cy="0"/>
+              </a:xfrm>
+              <a:prstGeom prst="straightConnector1">
+                <a:avLst/>
+              </a:prstGeom>
+              <a:ln w="19050">
+                <a:tailEnd type="triangle"/>
+              </a:ln>
+            </p:spPr>
+            <p:style>
+              <a:lnRef idx="1">
+                <a:schemeClr val="accent1"/>
+              </a:lnRef>
+              <a:fillRef idx="0">
+                <a:schemeClr val="accent1"/>
+              </a:fillRef>
+              <a:effectRef idx="0">
+                <a:schemeClr val="accent1"/>
+              </a:effectRef>
+              <a:fontRef idx="minor">
+                <a:schemeClr val="tx1"/>
+              </a:fontRef>
+            </p:style>
+          </p:cxnSp>
+          <p:cxnSp>
+            <p:nvCxnSpPr>
+              <p:cNvPr id="116" name="Straight Arrow Connector 115">
+                <a:extLst>
+                  <a:ext uri="{FF2B5EF4-FFF2-40B4-BE49-F238E27FC236}">
+                    <a16:creationId xmlns:a16="http://schemas.microsoft.com/office/drawing/2014/main" id="{490E58B6-7263-43D0-B894-2EEEE0347743}"/>
+                  </a:ext>
+                </a:extLst>
+              </p:cNvPr>
+              <p:cNvCxnSpPr>
+                <a:cxnSpLocks/>
+              </p:cNvCxnSpPr>
+              <p:nvPr/>
+            </p:nvCxnSpPr>
+            <p:spPr>
+              <a:xfrm>
+                <a:off x="7224935" y="3597077"/>
+                <a:ext cx="730468" cy="0"/>
+              </a:xfrm>
+              <a:prstGeom prst="straightConnector1">
+                <a:avLst/>
+              </a:prstGeom>
+              <a:ln w="19050">
+                <a:tailEnd type="triangle"/>
+              </a:ln>
+            </p:spPr>
+            <p:style>
+              <a:lnRef idx="1">
+                <a:schemeClr val="accent1"/>
+              </a:lnRef>
+              <a:fillRef idx="0">
+                <a:schemeClr val="accent1"/>
+              </a:fillRef>
+              <a:effectRef idx="0">
+                <a:schemeClr val="accent1"/>
+              </a:effectRef>
+              <a:fontRef idx="minor">
+                <a:schemeClr val="tx1"/>
+              </a:fontRef>
+            </p:style>
+          </p:cxnSp>
+          <p:cxnSp>
+            <p:nvCxnSpPr>
+              <p:cNvPr id="117" name="Straight Arrow Connector 116">
+                <a:extLst>
+                  <a:ext uri="{FF2B5EF4-FFF2-40B4-BE49-F238E27FC236}">
+                    <a16:creationId xmlns:a16="http://schemas.microsoft.com/office/drawing/2014/main" id="{B4A49520-9B24-4318-82EE-B3288907EA89}"/>
+                  </a:ext>
+                </a:extLst>
+              </p:cNvPr>
+              <p:cNvCxnSpPr>
+                <a:cxnSpLocks/>
+              </p:cNvCxnSpPr>
+              <p:nvPr/>
+            </p:nvCxnSpPr>
+            <p:spPr>
+              <a:xfrm>
+                <a:off x="8377291" y="3607582"/>
+                <a:ext cx="730468" cy="0"/>
+              </a:xfrm>
+              <a:prstGeom prst="straightConnector1">
+                <a:avLst/>
+              </a:prstGeom>
+              <a:ln w="19050">
+                <a:tailEnd type="triangle"/>
+              </a:ln>
+            </p:spPr>
+            <p:style>
+              <a:lnRef idx="1">
+                <a:schemeClr val="accent1"/>
+              </a:lnRef>
+              <a:fillRef idx="0">
+                <a:schemeClr val="accent1"/>
+              </a:fillRef>
+              <a:effectRef idx="0">
+                <a:schemeClr val="accent1"/>
+              </a:effectRef>
+              <a:fontRef idx="minor">
+                <a:schemeClr val="tx1"/>
+              </a:fontRef>
+            </p:style>
+          </p:cxnSp>
+        </p:grpSp>
+      </p:grpSp>
+      <p:sp>
+        <p:nvSpPr>
+          <p:cNvPr id="2" name="TextBox 1">
+            <a:extLst>
+              <a:ext uri="{FF2B5EF4-FFF2-40B4-BE49-F238E27FC236}">
+                <a16:creationId xmlns:a16="http://schemas.microsoft.com/office/drawing/2014/main" id="{044D2E26-74CA-0915-2DB2-61A0EC96321B}"/>
+              </a:ext>
+            </a:extLst>
+          </p:cNvPr>
+          <p:cNvSpPr txBox="1"/>
+          <p:nvPr/>
+        </p:nvSpPr>
+        <p:spPr>
+          <a:xfrm>
+            <a:off x="293341" y="2507617"/>
+            <a:ext cx="760208" cy="369332"/>
+          </a:xfrm>
+          <a:prstGeom prst="rect">
+            <a:avLst/>
+          </a:prstGeom>
+          <a:noFill/>
+        </p:spPr>
+        <p:txBody>
+          <a:bodyPr wrap="none" rtlCol="0">
+            <a:spAutoFit/>
+          </a:bodyPr>
+          <a:lstStyle/>
+          <a:p>
+            <a:r>
+              <a:rPr lang="en-US" dirty="0"/>
+              <a:t>Graph</a:t>
+            </a:r>
+          </a:p>
+        </p:txBody>
+      </p:sp>
+    </p:spTree>
+    <p:extLst>
+      <p:ext uri="{BB962C8B-B14F-4D97-AF65-F5344CB8AC3E}">
+        <p14:creationId xmlns:p14="http://schemas.microsoft.com/office/powerpoint/2010/main" val="106435468"/>
       </p:ext>
     </p:extLst>
   </p:cSld>

--- a/figures/figures.pptx
+++ b/figures/figures.pptx
@@ -17,6 +17,7 @@
     <p:sldId id="266" r:id="rId11"/>
     <p:sldId id="267" r:id="rId12"/>
     <p:sldId id="268" r:id="rId13"/>
+    <p:sldId id="269" r:id="rId14"/>
   </p:sldIdLst>
   <p:sldSz cx="12192000" cy="6858000"/>
   <p:notesSz cx="6858000" cy="9144000"/>
@@ -12947,6 +12948,1237 @@
 </p:sld>
 </file>
 
+<file path=ppt/slides/slide13.xml><?xml version="1.0" encoding="utf-8"?>
+<p:sld xmlns:a="http://schemas.openxmlformats.org/drawingml/2006/main" xmlns:r="http://schemas.openxmlformats.org/officeDocument/2006/relationships" xmlns:p="http://schemas.openxmlformats.org/presentationml/2006/main">
+  <p:cSld>
+    <p:spTree>
+      <p:nvGrpSpPr>
+        <p:cNvPr id="1" name=""/>
+        <p:cNvGrpSpPr/>
+        <p:nvPr/>
+      </p:nvGrpSpPr>
+      <p:grpSpPr>
+        <a:xfrm>
+          <a:off x="0" y="0"/>
+          <a:ext cx="0" cy="0"/>
+          <a:chOff x="0" y="0"/>
+          <a:chExt cx="0" cy="0"/>
+        </a:xfrm>
+      </p:grpSpPr>
+      <p:sp>
+        <p:nvSpPr>
+          <p:cNvPr id="5" name="Rectangle: Rounded Corners 4">
+            <a:extLst>
+              <a:ext uri="{FF2B5EF4-FFF2-40B4-BE49-F238E27FC236}">
+                <a16:creationId xmlns:a16="http://schemas.microsoft.com/office/drawing/2014/main" id="{428073A7-2ECF-864D-99C4-2740AF3D0DFF}"/>
+              </a:ext>
+            </a:extLst>
+          </p:cNvPr>
+          <p:cNvSpPr/>
+          <p:nvPr/>
+        </p:nvSpPr>
+        <p:spPr>
+          <a:xfrm>
+            <a:off x="5692879" y="4402112"/>
+            <a:ext cx="1415844" cy="788521"/>
+          </a:xfrm>
+          <a:prstGeom prst="roundRect">
+            <a:avLst/>
+          </a:prstGeom>
+          <a:solidFill>
+            <a:schemeClr val="accent2">
+              <a:lumMod val="20000"/>
+              <a:lumOff val="80000"/>
+            </a:schemeClr>
+          </a:solidFill>
+          <a:ln>
+            <a:solidFill>
+              <a:schemeClr val="accent2">
+                <a:lumMod val="75000"/>
+              </a:schemeClr>
+            </a:solidFill>
+          </a:ln>
+        </p:spPr>
+        <p:style>
+          <a:lnRef idx="2">
+            <a:schemeClr val="accent1">
+              <a:shade val="50000"/>
+            </a:schemeClr>
+          </a:lnRef>
+          <a:fillRef idx="1">
+            <a:schemeClr val="accent1"/>
+          </a:fillRef>
+          <a:effectRef idx="0">
+            <a:schemeClr val="accent1"/>
+          </a:effectRef>
+          <a:fontRef idx="minor">
+            <a:schemeClr val="lt1"/>
+          </a:fontRef>
+        </p:style>
+        <p:txBody>
+          <a:bodyPr rtlCol="0" anchor="ctr"/>
+          <a:lstStyle/>
+          <a:p>
+            <a:pPr algn="ctr"/>
+            <a:r>
+              <a:rPr lang="en-US" altLang="zh-CN" dirty="0" err="1">
+                <a:solidFill>
+                  <a:schemeClr val="tx1"/>
+                </a:solidFill>
+              </a:rPr>
+              <a:t>Dict_write</a:t>
+            </a:r>
+            <a:endParaRPr lang="en-US" dirty="0">
+              <a:solidFill>
+                <a:srgbClr val="FF0000"/>
+              </a:solidFill>
+            </a:endParaRPr>
+          </a:p>
+        </p:txBody>
+      </p:sp>
+      <p:sp>
+        <p:nvSpPr>
+          <p:cNvPr id="6" name="Rectangle: Rounded Corners 5">
+            <a:extLst>
+              <a:ext uri="{FF2B5EF4-FFF2-40B4-BE49-F238E27FC236}">
+                <a16:creationId xmlns:a16="http://schemas.microsoft.com/office/drawing/2014/main" id="{76A8187A-E841-1A68-C629-F4FD6B5D709F}"/>
+              </a:ext>
+            </a:extLst>
+          </p:cNvPr>
+          <p:cNvSpPr/>
+          <p:nvPr/>
+        </p:nvSpPr>
+        <p:spPr>
+          <a:xfrm>
+            <a:off x="5692879" y="5466676"/>
+            <a:ext cx="1415844" cy="788521"/>
+          </a:xfrm>
+          <a:prstGeom prst="roundRect">
+            <a:avLst/>
+          </a:prstGeom>
+          <a:solidFill>
+            <a:schemeClr val="accent5">
+              <a:lumMod val="20000"/>
+              <a:lumOff val="80000"/>
+            </a:schemeClr>
+          </a:solidFill>
+          <a:ln>
+            <a:solidFill>
+              <a:schemeClr val="accent5">
+                <a:lumMod val="75000"/>
+              </a:schemeClr>
+            </a:solidFill>
+          </a:ln>
+        </p:spPr>
+        <p:style>
+          <a:lnRef idx="2">
+            <a:schemeClr val="accent1">
+              <a:shade val="50000"/>
+            </a:schemeClr>
+          </a:lnRef>
+          <a:fillRef idx="1">
+            <a:schemeClr val="accent1"/>
+          </a:fillRef>
+          <a:effectRef idx="0">
+            <a:schemeClr val="accent1"/>
+          </a:effectRef>
+          <a:fontRef idx="minor">
+            <a:schemeClr val="lt1"/>
+          </a:fontRef>
+        </p:style>
+        <p:txBody>
+          <a:bodyPr rtlCol="0" anchor="ctr"/>
+          <a:lstStyle/>
+          <a:p>
+            <a:pPr algn="ctr"/>
+            <a:r>
+              <a:rPr lang="en-US" altLang="zh-CN" dirty="0">
+                <a:solidFill>
+                  <a:schemeClr val="tx1"/>
+                </a:solidFill>
+              </a:rPr>
+              <a:t>p1(11)</a:t>
+            </a:r>
+          </a:p>
+          <a:p>
+            <a:pPr algn="ctr"/>
+            <a:r>
+              <a:rPr lang="en-US" dirty="0" err="1">
+                <a:solidFill>
+                  <a:srgbClr val="FF0000"/>
+                </a:solidFill>
+              </a:rPr>
+              <a:t>Dict</a:t>
+            </a:r>
+            <a:r>
+              <a:rPr lang="en-US" dirty="0">
+                <a:solidFill>
+                  <a:srgbClr val="FF0000"/>
+                </a:solidFill>
+              </a:rPr>
+              <a:t>[str, int]</a:t>
+            </a:r>
+          </a:p>
+        </p:txBody>
+      </p:sp>
+      <p:sp>
+        <p:nvSpPr>
+          <p:cNvPr id="8" name="Rectangle: Rounded Corners 7">
+            <a:extLst>
+              <a:ext uri="{FF2B5EF4-FFF2-40B4-BE49-F238E27FC236}">
+                <a16:creationId xmlns:a16="http://schemas.microsoft.com/office/drawing/2014/main" id="{7E84499C-CDCB-8283-25E3-8FED0644EFE1}"/>
+              </a:ext>
+            </a:extLst>
+          </p:cNvPr>
+          <p:cNvSpPr/>
+          <p:nvPr/>
+        </p:nvSpPr>
+        <p:spPr>
+          <a:xfrm>
+            <a:off x="3244645" y="2267821"/>
+            <a:ext cx="1415844" cy="788521"/>
+          </a:xfrm>
+          <a:prstGeom prst="roundRect">
+            <a:avLst/>
+          </a:prstGeom>
+          <a:solidFill>
+            <a:schemeClr val="accent2">
+              <a:lumMod val="20000"/>
+              <a:lumOff val="80000"/>
+            </a:schemeClr>
+          </a:solidFill>
+          <a:ln>
+            <a:solidFill>
+              <a:schemeClr val="accent2">
+                <a:lumMod val="75000"/>
+              </a:schemeClr>
+            </a:solidFill>
+          </a:ln>
+        </p:spPr>
+        <p:style>
+          <a:lnRef idx="2">
+            <a:schemeClr val="accent1">
+              <a:shade val="50000"/>
+            </a:schemeClr>
+          </a:lnRef>
+          <a:fillRef idx="1">
+            <a:schemeClr val="accent1"/>
+          </a:fillRef>
+          <a:effectRef idx="0">
+            <a:schemeClr val="accent1"/>
+          </a:effectRef>
+          <a:fontRef idx="minor">
+            <a:schemeClr val="lt1"/>
+          </a:fontRef>
+        </p:style>
+        <p:txBody>
+          <a:bodyPr rtlCol="0" anchor="ctr"/>
+          <a:lstStyle/>
+          <a:p>
+            <a:pPr algn="ctr"/>
+            <a:r>
+              <a:rPr lang="en-US" altLang="zh-CN" dirty="0">
+                <a:solidFill>
+                  <a:schemeClr val="tx1"/>
+                </a:solidFill>
+              </a:rPr>
+              <a:t>CALL </a:t>
+            </a:r>
+            <a:r>
+              <a:rPr lang="en-US" altLang="zh-CN" dirty="0" err="1">
+                <a:solidFill>
+                  <a:schemeClr val="tx1"/>
+                </a:solidFill>
+              </a:rPr>
+              <a:t>len</a:t>
+            </a:r>
+            <a:endParaRPr lang="en-US" dirty="0">
+              <a:solidFill>
+                <a:srgbClr val="FF0000"/>
+              </a:solidFill>
+            </a:endParaRPr>
+          </a:p>
+        </p:txBody>
+      </p:sp>
+      <p:sp>
+        <p:nvSpPr>
+          <p:cNvPr id="9" name="Rectangle: Rounded Corners 8">
+            <a:extLst>
+              <a:ext uri="{FF2B5EF4-FFF2-40B4-BE49-F238E27FC236}">
+                <a16:creationId xmlns:a16="http://schemas.microsoft.com/office/drawing/2014/main" id="{91154D63-5599-EFF9-279F-44BCDE312A73}"/>
+              </a:ext>
+            </a:extLst>
+          </p:cNvPr>
+          <p:cNvSpPr/>
+          <p:nvPr/>
+        </p:nvSpPr>
+        <p:spPr>
+          <a:xfrm>
+            <a:off x="3244645" y="3334106"/>
+            <a:ext cx="1415844" cy="788521"/>
+          </a:xfrm>
+          <a:prstGeom prst="roundRect">
+            <a:avLst/>
+          </a:prstGeom>
+          <a:solidFill>
+            <a:schemeClr val="accent5">
+              <a:lumMod val="20000"/>
+              <a:lumOff val="80000"/>
+            </a:schemeClr>
+          </a:solidFill>
+          <a:ln>
+            <a:solidFill>
+              <a:schemeClr val="accent5">
+                <a:lumMod val="75000"/>
+              </a:schemeClr>
+            </a:solidFill>
+          </a:ln>
+        </p:spPr>
+        <p:style>
+          <a:lnRef idx="2">
+            <a:schemeClr val="accent1">
+              <a:shade val="50000"/>
+            </a:schemeClr>
+          </a:lnRef>
+          <a:fillRef idx="1">
+            <a:schemeClr val="accent1"/>
+          </a:fillRef>
+          <a:effectRef idx="0">
+            <a:schemeClr val="accent1"/>
+          </a:effectRef>
+          <a:fontRef idx="minor">
+            <a:schemeClr val="lt1"/>
+          </a:fontRef>
+        </p:style>
+        <p:txBody>
+          <a:bodyPr rtlCol="0" anchor="ctr"/>
+          <a:lstStyle/>
+          <a:p>
+            <a:pPr algn="ctr"/>
+            <a:r>
+              <a:rPr lang="en-US" altLang="zh-CN" dirty="0">
+                <a:solidFill>
+                  <a:schemeClr val="tx1"/>
+                </a:solidFill>
+              </a:rPr>
+              <a:t>m1(10)</a:t>
+            </a:r>
+          </a:p>
+          <a:p>
+            <a:pPr algn="ctr"/>
+            <a:r>
+              <a:rPr lang="en-US" dirty="0">
+                <a:solidFill>
+                  <a:srgbClr val="FF0000"/>
+                </a:solidFill>
+              </a:rPr>
+              <a:t>int</a:t>
+            </a:r>
+          </a:p>
+        </p:txBody>
+      </p:sp>
+      <p:sp>
+        <p:nvSpPr>
+          <p:cNvPr id="10" name="Rectangle: Rounded Corners 9">
+            <a:extLst>
+              <a:ext uri="{FF2B5EF4-FFF2-40B4-BE49-F238E27FC236}">
+                <a16:creationId xmlns:a16="http://schemas.microsoft.com/office/drawing/2014/main" id="{01C8FAE7-9A81-B63B-28BD-0958BACC848E}"/>
+              </a:ext>
+            </a:extLst>
+          </p:cNvPr>
+          <p:cNvSpPr/>
+          <p:nvPr/>
+        </p:nvSpPr>
+        <p:spPr>
+          <a:xfrm>
+            <a:off x="7897760" y="135251"/>
+            <a:ext cx="1415844" cy="788521"/>
+          </a:xfrm>
+          <a:prstGeom prst="roundRect">
+            <a:avLst/>
+          </a:prstGeom>
+          <a:solidFill>
+            <a:schemeClr val="accent2">
+              <a:lumMod val="20000"/>
+              <a:lumOff val="80000"/>
+            </a:schemeClr>
+          </a:solidFill>
+          <a:ln>
+            <a:solidFill>
+              <a:schemeClr val="accent2">
+                <a:lumMod val="75000"/>
+              </a:schemeClr>
+            </a:solidFill>
+          </a:ln>
+        </p:spPr>
+        <p:style>
+          <a:lnRef idx="2">
+            <a:schemeClr val="accent1">
+              <a:shade val="50000"/>
+            </a:schemeClr>
+          </a:lnRef>
+          <a:fillRef idx="1">
+            <a:schemeClr val="accent1"/>
+          </a:fillRef>
+          <a:effectRef idx="0">
+            <a:schemeClr val="accent1"/>
+          </a:effectRef>
+          <a:fontRef idx="minor">
+            <a:schemeClr val="lt1"/>
+          </a:fontRef>
+        </p:style>
+        <p:txBody>
+          <a:bodyPr rtlCol="0" anchor="ctr"/>
+          <a:lstStyle/>
+          <a:p>
+            <a:pPr algn="ctr"/>
+            <a:r>
+              <a:rPr lang="en-US" altLang="zh-CN" dirty="0">
+                <a:solidFill>
+                  <a:schemeClr val="tx1"/>
+                </a:solidFill>
+              </a:rPr>
+              <a:t>CALL </a:t>
+            </a:r>
+            <a:r>
+              <a:rPr lang="en-US" altLang="zh-CN" dirty="0" err="1">
+                <a:solidFill>
+                  <a:schemeClr val="tx1"/>
+                </a:solidFill>
+              </a:rPr>
+              <a:t>getRangeAt</a:t>
+            </a:r>
+            <a:endParaRPr lang="en-US" dirty="0">
+              <a:solidFill>
+                <a:srgbClr val="FF0000"/>
+              </a:solidFill>
+            </a:endParaRPr>
+          </a:p>
+        </p:txBody>
+      </p:sp>
+      <p:sp>
+        <p:nvSpPr>
+          <p:cNvPr id="11" name="Rectangle: Rounded Corners 10">
+            <a:extLst>
+              <a:ext uri="{FF2B5EF4-FFF2-40B4-BE49-F238E27FC236}">
+                <a16:creationId xmlns:a16="http://schemas.microsoft.com/office/drawing/2014/main" id="{9577DAC0-99AD-381E-322C-9B79A30F310C}"/>
+              </a:ext>
+            </a:extLst>
+          </p:cNvPr>
+          <p:cNvSpPr/>
+          <p:nvPr/>
+        </p:nvSpPr>
+        <p:spPr>
+          <a:xfrm>
+            <a:off x="7897760" y="1201536"/>
+            <a:ext cx="1415844" cy="788521"/>
+          </a:xfrm>
+          <a:prstGeom prst="roundRect">
+            <a:avLst/>
+          </a:prstGeom>
+          <a:solidFill>
+            <a:schemeClr val="accent5">
+              <a:lumMod val="20000"/>
+              <a:lumOff val="80000"/>
+            </a:schemeClr>
+          </a:solidFill>
+          <a:ln>
+            <a:solidFill>
+              <a:schemeClr val="accent5">
+                <a:lumMod val="75000"/>
+              </a:schemeClr>
+            </a:solidFill>
+          </a:ln>
+        </p:spPr>
+        <p:style>
+          <a:lnRef idx="2">
+            <a:schemeClr val="accent1">
+              <a:shade val="50000"/>
+            </a:schemeClr>
+          </a:lnRef>
+          <a:fillRef idx="1">
+            <a:schemeClr val="accent1"/>
+          </a:fillRef>
+          <a:effectRef idx="0">
+            <a:schemeClr val="accent1"/>
+          </a:effectRef>
+          <a:fontRef idx="minor">
+            <a:schemeClr val="lt1"/>
+          </a:fontRef>
+        </p:style>
+        <p:txBody>
+          <a:bodyPr rtlCol="0" anchor="ctr"/>
+          <a:lstStyle/>
+          <a:p>
+            <a:pPr algn="ctr"/>
+            <a:r>
+              <a:rPr lang="en-US" altLang="zh-CN" dirty="0">
+                <a:solidFill>
+                  <a:schemeClr val="tx1"/>
+                </a:solidFill>
+              </a:rPr>
+              <a:t>r1(6)</a:t>
+            </a:r>
+          </a:p>
+          <a:p>
+            <a:pPr algn="ctr"/>
+            <a:r>
+              <a:rPr lang="en-US" dirty="0">
+                <a:solidFill>
+                  <a:srgbClr val="FF0000"/>
+                </a:solidFill>
+              </a:rPr>
+              <a:t>[]</a:t>
+            </a:r>
+          </a:p>
+        </p:txBody>
+      </p:sp>
+      <p:sp>
+        <p:nvSpPr>
+          <p:cNvPr id="12" name="Rectangle: Rounded Corners 11">
+            <a:extLst>
+              <a:ext uri="{FF2B5EF4-FFF2-40B4-BE49-F238E27FC236}">
+                <a16:creationId xmlns:a16="http://schemas.microsoft.com/office/drawing/2014/main" id="{E5168E16-F256-6847-3150-03777B2E61A3}"/>
+              </a:ext>
+            </a:extLst>
+          </p:cNvPr>
+          <p:cNvSpPr/>
+          <p:nvPr/>
+        </p:nvSpPr>
+        <p:spPr>
+          <a:xfrm>
+            <a:off x="7897760" y="2267821"/>
+            <a:ext cx="1415844" cy="788521"/>
+          </a:xfrm>
+          <a:prstGeom prst="roundRect">
+            <a:avLst/>
+          </a:prstGeom>
+          <a:solidFill>
+            <a:schemeClr val="accent5">
+              <a:lumMod val="20000"/>
+              <a:lumOff val="80000"/>
+            </a:schemeClr>
+          </a:solidFill>
+          <a:ln>
+            <a:solidFill>
+              <a:schemeClr val="accent5">
+                <a:lumMod val="75000"/>
+              </a:schemeClr>
+            </a:solidFill>
+          </a:ln>
+        </p:spPr>
+        <p:style>
+          <a:lnRef idx="2">
+            <a:schemeClr val="accent1">
+              <a:shade val="50000"/>
+            </a:schemeClr>
+          </a:lnRef>
+          <a:fillRef idx="1">
+            <a:schemeClr val="accent1"/>
+          </a:fillRef>
+          <a:effectRef idx="0">
+            <a:schemeClr val="accent1"/>
+          </a:effectRef>
+          <a:fontRef idx="minor">
+            <a:schemeClr val="lt1"/>
+          </a:fontRef>
+        </p:style>
+        <p:txBody>
+          <a:bodyPr rtlCol="0" anchor="ctr"/>
+          <a:lstStyle/>
+          <a:p>
+            <a:pPr algn="ctr"/>
+            <a:r>
+              <a:rPr lang="en-US" altLang="zh-CN" dirty="0">
+                <a:solidFill>
+                  <a:schemeClr val="tx1"/>
+                </a:solidFill>
+              </a:rPr>
+              <a:t>r2(9)</a:t>
+            </a:r>
+          </a:p>
+          <a:p>
+            <a:pPr algn="ctr"/>
+            <a:r>
+              <a:rPr lang="en-US" dirty="0">
+                <a:solidFill>
+                  <a:srgbClr val="FF0000"/>
+                </a:solidFill>
+              </a:rPr>
+              <a:t>[]</a:t>
+            </a:r>
+          </a:p>
+        </p:txBody>
+      </p:sp>
+      <p:sp>
+        <p:nvSpPr>
+          <p:cNvPr id="13" name="Rectangle: Rounded Corners 12">
+            <a:extLst>
+              <a:ext uri="{FF2B5EF4-FFF2-40B4-BE49-F238E27FC236}">
+                <a16:creationId xmlns:a16="http://schemas.microsoft.com/office/drawing/2014/main" id="{3758C776-88F2-6E9E-A734-2AAC935BDACB}"/>
+              </a:ext>
+            </a:extLst>
+          </p:cNvPr>
+          <p:cNvSpPr/>
+          <p:nvPr/>
+        </p:nvSpPr>
+        <p:spPr>
+          <a:xfrm>
+            <a:off x="7897760" y="3303119"/>
+            <a:ext cx="1415844" cy="788521"/>
+          </a:xfrm>
+          <a:prstGeom prst="roundRect">
+            <a:avLst/>
+          </a:prstGeom>
+          <a:solidFill>
+            <a:schemeClr val="accent5">
+              <a:lumMod val="20000"/>
+              <a:lumOff val="80000"/>
+            </a:schemeClr>
+          </a:solidFill>
+          <a:ln>
+            <a:solidFill>
+              <a:schemeClr val="accent5">
+                <a:lumMod val="75000"/>
+              </a:schemeClr>
+            </a:solidFill>
+          </a:ln>
+        </p:spPr>
+        <p:style>
+          <a:lnRef idx="2">
+            <a:schemeClr val="accent1">
+              <a:shade val="50000"/>
+            </a:schemeClr>
+          </a:lnRef>
+          <a:fillRef idx="1">
+            <a:schemeClr val="accent1"/>
+          </a:fillRef>
+          <a:effectRef idx="0">
+            <a:schemeClr val="accent1"/>
+          </a:effectRef>
+          <a:fontRef idx="minor">
+            <a:schemeClr val="lt1"/>
+          </a:fontRef>
+        </p:style>
+        <p:txBody>
+          <a:bodyPr rtlCol="0" anchor="ctr"/>
+          <a:lstStyle/>
+          <a:p>
+            <a:pPr algn="ctr"/>
+            <a:r>
+              <a:rPr lang="en-US" altLang="zh-CN" dirty="0">
+                <a:solidFill>
+                  <a:schemeClr val="tx1"/>
+                </a:solidFill>
+              </a:rPr>
+              <a:t>r3(13)</a:t>
+            </a:r>
+          </a:p>
+          <a:p>
+            <a:pPr algn="ctr"/>
+            <a:r>
+              <a:rPr lang="en-US">
+                <a:solidFill>
+                  <a:srgbClr val="FF0000"/>
+                </a:solidFill>
+              </a:rPr>
+              <a:t>[]</a:t>
+            </a:r>
+            <a:endParaRPr lang="en-US" dirty="0">
+              <a:solidFill>
+                <a:srgbClr val="FF0000"/>
+              </a:solidFill>
+            </a:endParaRPr>
+          </a:p>
+        </p:txBody>
+      </p:sp>
+      <p:cxnSp>
+        <p:nvCxnSpPr>
+          <p:cNvPr id="15" name="Straight Arrow Connector 14">
+            <a:extLst>
+              <a:ext uri="{FF2B5EF4-FFF2-40B4-BE49-F238E27FC236}">
+                <a16:creationId xmlns:a16="http://schemas.microsoft.com/office/drawing/2014/main" id="{6F06EC58-5C78-480E-8D4F-0A44555D22E9}"/>
+              </a:ext>
+            </a:extLst>
+          </p:cNvPr>
+          <p:cNvCxnSpPr>
+            <a:cxnSpLocks/>
+            <a:endCxn id="8" idx="0"/>
+          </p:cNvCxnSpPr>
+          <p:nvPr/>
+        </p:nvCxnSpPr>
+        <p:spPr>
+          <a:xfrm>
+            <a:off x="3952567" y="1990057"/>
+            <a:ext cx="0" cy="277764"/>
+          </a:xfrm>
+          <a:prstGeom prst="straightConnector1">
+            <a:avLst/>
+          </a:prstGeom>
+          <a:ln>
+            <a:tailEnd type="triangle"/>
+          </a:ln>
+        </p:spPr>
+        <p:style>
+          <a:lnRef idx="1">
+            <a:schemeClr val="accent1"/>
+          </a:lnRef>
+          <a:fillRef idx="0">
+            <a:schemeClr val="accent1"/>
+          </a:fillRef>
+          <a:effectRef idx="0">
+            <a:schemeClr val="accent1"/>
+          </a:effectRef>
+          <a:fontRef idx="minor">
+            <a:schemeClr val="tx1"/>
+          </a:fontRef>
+        </p:style>
+      </p:cxnSp>
+      <p:cxnSp>
+        <p:nvCxnSpPr>
+          <p:cNvPr id="16" name="Straight Arrow Connector 15">
+            <a:extLst>
+              <a:ext uri="{FF2B5EF4-FFF2-40B4-BE49-F238E27FC236}">
+                <a16:creationId xmlns:a16="http://schemas.microsoft.com/office/drawing/2014/main" id="{EE9D5372-0E8F-C461-19C6-E04AF5BC0E73}"/>
+              </a:ext>
+            </a:extLst>
+          </p:cNvPr>
+          <p:cNvCxnSpPr>
+            <a:cxnSpLocks/>
+            <a:stCxn id="8" idx="2"/>
+            <a:endCxn id="9" idx="0"/>
+          </p:cNvCxnSpPr>
+          <p:nvPr/>
+        </p:nvCxnSpPr>
+        <p:spPr>
+          <a:xfrm>
+            <a:off x="3952567" y="3056342"/>
+            <a:ext cx="0" cy="277764"/>
+          </a:xfrm>
+          <a:prstGeom prst="straightConnector1">
+            <a:avLst/>
+          </a:prstGeom>
+          <a:ln>
+            <a:tailEnd type="triangle"/>
+          </a:ln>
+        </p:spPr>
+        <p:style>
+          <a:lnRef idx="1">
+            <a:schemeClr val="accent1"/>
+          </a:lnRef>
+          <a:fillRef idx="0">
+            <a:schemeClr val="accent1"/>
+          </a:fillRef>
+          <a:effectRef idx="0">
+            <a:schemeClr val="accent1"/>
+          </a:effectRef>
+          <a:fontRef idx="minor">
+            <a:schemeClr val="tx1"/>
+          </a:fontRef>
+        </p:style>
+      </p:cxnSp>
+      <p:cxnSp>
+        <p:nvCxnSpPr>
+          <p:cNvPr id="17" name="Straight Arrow Connector 16">
+            <a:extLst>
+              <a:ext uri="{FF2B5EF4-FFF2-40B4-BE49-F238E27FC236}">
+                <a16:creationId xmlns:a16="http://schemas.microsoft.com/office/drawing/2014/main" id="{76364F1C-F5EE-3F63-862B-C2B4CB5B8B96}"/>
+              </a:ext>
+            </a:extLst>
+          </p:cNvPr>
+          <p:cNvCxnSpPr>
+            <a:cxnSpLocks/>
+            <a:stCxn id="10" idx="2"/>
+            <a:endCxn id="11" idx="0"/>
+          </p:cNvCxnSpPr>
+          <p:nvPr/>
+        </p:nvCxnSpPr>
+        <p:spPr>
+          <a:xfrm>
+            <a:off x="8605682" y="923772"/>
+            <a:ext cx="0" cy="277764"/>
+          </a:xfrm>
+          <a:prstGeom prst="straightConnector1">
+            <a:avLst/>
+          </a:prstGeom>
+          <a:ln>
+            <a:tailEnd type="triangle"/>
+          </a:ln>
+        </p:spPr>
+        <p:style>
+          <a:lnRef idx="1">
+            <a:schemeClr val="accent1"/>
+          </a:lnRef>
+          <a:fillRef idx="0">
+            <a:schemeClr val="accent1"/>
+          </a:fillRef>
+          <a:effectRef idx="0">
+            <a:schemeClr val="accent1"/>
+          </a:effectRef>
+          <a:fontRef idx="minor">
+            <a:schemeClr val="tx1"/>
+          </a:fontRef>
+        </p:style>
+      </p:cxnSp>
+      <p:cxnSp>
+        <p:nvCxnSpPr>
+          <p:cNvPr id="18" name="Straight Arrow Connector 17">
+            <a:extLst>
+              <a:ext uri="{FF2B5EF4-FFF2-40B4-BE49-F238E27FC236}">
+                <a16:creationId xmlns:a16="http://schemas.microsoft.com/office/drawing/2014/main" id="{9DA6EC7A-3178-387E-929F-E1488AE5A738}"/>
+              </a:ext>
+            </a:extLst>
+          </p:cNvPr>
+          <p:cNvCxnSpPr>
+            <a:cxnSpLocks/>
+            <a:stCxn id="11" idx="2"/>
+            <a:endCxn id="12" idx="0"/>
+          </p:cNvCxnSpPr>
+          <p:nvPr/>
+        </p:nvCxnSpPr>
+        <p:spPr>
+          <a:xfrm>
+            <a:off x="8605682" y="1990057"/>
+            <a:ext cx="0" cy="277764"/>
+          </a:xfrm>
+          <a:prstGeom prst="straightConnector1">
+            <a:avLst/>
+          </a:prstGeom>
+          <a:ln>
+            <a:tailEnd type="triangle"/>
+          </a:ln>
+        </p:spPr>
+        <p:style>
+          <a:lnRef idx="1">
+            <a:schemeClr val="accent1"/>
+          </a:lnRef>
+          <a:fillRef idx="0">
+            <a:schemeClr val="accent1"/>
+          </a:fillRef>
+          <a:effectRef idx="0">
+            <a:schemeClr val="accent1"/>
+          </a:effectRef>
+          <a:fontRef idx="minor">
+            <a:schemeClr val="tx1"/>
+          </a:fontRef>
+        </p:style>
+      </p:cxnSp>
+      <p:cxnSp>
+        <p:nvCxnSpPr>
+          <p:cNvPr id="19" name="Straight Arrow Connector 18">
+            <a:extLst>
+              <a:ext uri="{FF2B5EF4-FFF2-40B4-BE49-F238E27FC236}">
+                <a16:creationId xmlns:a16="http://schemas.microsoft.com/office/drawing/2014/main" id="{A79D0EC6-78FA-942A-F83F-27F2E9FBDB75}"/>
+              </a:ext>
+            </a:extLst>
+          </p:cNvPr>
+          <p:cNvCxnSpPr>
+            <a:cxnSpLocks/>
+            <a:stCxn id="12" idx="2"/>
+            <a:endCxn id="13" idx="0"/>
+          </p:cNvCxnSpPr>
+          <p:nvPr/>
+        </p:nvCxnSpPr>
+        <p:spPr>
+          <a:xfrm>
+            <a:off x="8605682" y="3056342"/>
+            <a:ext cx="0" cy="246777"/>
+          </a:xfrm>
+          <a:prstGeom prst="straightConnector1">
+            <a:avLst/>
+          </a:prstGeom>
+          <a:ln>
+            <a:tailEnd type="triangle"/>
+          </a:ln>
+        </p:spPr>
+        <p:style>
+          <a:lnRef idx="1">
+            <a:schemeClr val="accent1"/>
+          </a:lnRef>
+          <a:fillRef idx="0">
+            <a:schemeClr val="accent1"/>
+          </a:fillRef>
+          <a:effectRef idx="0">
+            <a:schemeClr val="accent1"/>
+          </a:effectRef>
+          <a:fontRef idx="minor">
+            <a:schemeClr val="tx1"/>
+          </a:fontRef>
+        </p:style>
+      </p:cxnSp>
+      <p:cxnSp>
+        <p:nvCxnSpPr>
+          <p:cNvPr id="20" name="Straight Arrow Connector 19">
+            <a:extLst>
+              <a:ext uri="{FF2B5EF4-FFF2-40B4-BE49-F238E27FC236}">
+                <a16:creationId xmlns:a16="http://schemas.microsoft.com/office/drawing/2014/main" id="{75B20009-50D4-484F-8B01-D64CD5F9849A}"/>
+              </a:ext>
+            </a:extLst>
+          </p:cNvPr>
+          <p:cNvCxnSpPr>
+            <a:cxnSpLocks/>
+            <a:stCxn id="13" idx="2"/>
+            <a:endCxn id="5" idx="0"/>
+          </p:cNvCxnSpPr>
+          <p:nvPr/>
+        </p:nvCxnSpPr>
+        <p:spPr>
+          <a:xfrm flipH="1">
+            <a:off x="6400801" y="4091640"/>
+            <a:ext cx="2204881" cy="310472"/>
+          </a:xfrm>
+          <a:prstGeom prst="straightConnector1">
+            <a:avLst/>
+          </a:prstGeom>
+          <a:ln>
+            <a:tailEnd type="triangle"/>
+          </a:ln>
+        </p:spPr>
+        <p:style>
+          <a:lnRef idx="1">
+            <a:schemeClr val="accent1"/>
+          </a:lnRef>
+          <a:fillRef idx="0">
+            <a:schemeClr val="accent1"/>
+          </a:fillRef>
+          <a:effectRef idx="0">
+            <a:schemeClr val="accent1"/>
+          </a:effectRef>
+          <a:fontRef idx="minor">
+            <a:schemeClr val="tx1"/>
+          </a:fontRef>
+        </p:style>
+      </p:cxnSp>
+      <p:cxnSp>
+        <p:nvCxnSpPr>
+          <p:cNvPr id="23" name="Straight Arrow Connector 22">
+            <a:extLst>
+              <a:ext uri="{FF2B5EF4-FFF2-40B4-BE49-F238E27FC236}">
+                <a16:creationId xmlns:a16="http://schemas.microsoft.com/office/drawing/2014/main" id="{8EFFA105-8D17-61C5-FA03-8C7F0C578393}"/>
+              </a:ext>
+            </a:extLst>
+          </p:cNvPr>
+          <p:cNvCxnSpPr>
+            <a:cxnSpLocks/>
+            <a:stCxn id="9" idx="2"/>
+            <a:endCxn id="5" idx="0"/>
+          </p:cNvCxnSpPr>
+          <p:nvPr/>
+        </p:nvCxnSpPr>
+        <p:spPr>
+          <a:xfrm>
+            <a:off x="3952567" y="4122627"/>
+            <a:ext cx="2448234" cy="279485"/>
+          </a:xfrm>
+          <a:prstGeom prst="straightConnector1">
+            <a:avLst/>
+          </a:prstGeom>
+          <a:ln>
+            <a:tailEnd type="triangle"/>
+          </a:ln>
+        </p:spPr>
+        <p:style>
+          <a:lnRef idx="1">
+            <a:schemeClr val="accent1"/>
+          </a:lnRef>
+          <a:fillRef idx="0">
+            <a:schemeClr val="accent1"/>
+          </a:fillRef>
+          <a:effectRef idx="0">
+            <a:schemeClr val="accent1"/>
+          </a:effectRef>
+          <a:fontRef idx="minor">
+            <a:schemeClr val="tx1"/>
+          </a:fontRef>
+        </p:style>
+      </p:cxnSp>
+      <p:cxnSp>
+        <p:nvCxnSpPr>
+          <p:cNvPr id="29" name="Straight Arrow Connector 28">
+            <a:extLst>
+              <a:ext uri="{FF2B5EF4-FFF2-40B4-BE49-F238E27FC236}">
+                <a16:creationId xmlns:a16="http://schemas.microsoft.com/office/drawing/2014/main" id="{E44D37C4-3282-24CF-CF00-49E909DA3B98}"/>
+              </a:ext>
+            </a:extLst>
+          </p:cNvPr>
+          <p:cNvCxnSpPr>
+            <a:cxnSpLocks/>
+            <a:stCxn id="5" idx="2"/>
+            <a:endCxn id="6" idx="0"/>
+          </p:cNvCxnSpPr>
+          <p:nvPr/>
+        </p:nvCxnSpPr>
+        <p:spPr>
+          <a:xfrm>
+            <a:off x="6400801" y="5190633"/>
+            <a:ext cx="0" cy="276043"/>
+          </a:xfrm>
+          <a:prstGeom prst="straightConnector1">
+            <a:avLst/>
+          </a:prstGeom>
+          <a:ln>
+            <a:tailEnd type="triangle"/>
+          </a:ln>
+        </p:spPr>
+        <p:style>
+          <a:lnRef idx="1">
+            <a:schemeClr val="accent1"/>
+          </a:lnRef>
+          <a:fillRef idx="0">
+            <a:schemeClr val="accent1"/>
+          </a:fillRef>
+          <a:effectRef idx="0">
+            <a:schemeClr val="accent1"/>
+          </a:effectRef>
+          <a:fontRef idx="minor">
+            <a:schemeClr val="tx1"/>
+          </a:fontRef>
+        </p:style>
+      </p:cxnSp>
+      <p:cxnSp>
+        <p:nvCxnSpPr>
+          <p:cNvPr id="55" name="Straight Arrow Connector 54">
+            <a:extLst>
+              <a:ext uri="{FF2B5EF4-FFF2-40B4-BE49-F238E27FC236}">
+                <a16:creationId xmlns:a16="http://schemas.microsoft.com/office/drawing/2014/main" id="{E9FDB852-6B18-D03E-E655-04A52FC37585}"/>
+              </a:ext>
+            </a:extLst>
+          </p:cNvPr>
+          <p:cNvCxnSpPr>
+            <a:cxnSpLocks/>
+            <a:stCxn id="13" idx="2"/>
+          </p:cNvCxnSpPr>
+          <p:nvPr/>
+        </p:nvCxnSpPr>
+        <p:spPr>
+          <a:xfrm>
+            <a:off x="8605682" y="4091640"/>
+            <a:ext cx="0" cy="310472"/>
+          </a:xfrm>
+          <a:prstGeom prst="straightConnector1">
+            <a:avLst/>
+          </a:prstGeom>
+          <a:ln>
+            <a:tailEnd type="triangle"/>
+          </a:ln>
+        </p:spPr>
+        <p:style>
+          <a:lnRef idx="1">
+            <a:schemeClr val="accent1"/>
+          </a:lnRef>
+          <a:fillRef idx="0">
+            <a:schemeClr val="accent1"/>
+          </a:fillRef>
+          <a:effectRef idx="0">
+            <a:schemeClr val="accent1"/>
+          </a:effectRef>
+          <a:fontRef idx="minor">
+            <a:schemeClr val="tx1"/>
+          </a:fontRef>
+        </p:style>
+      </p:cxnSp>
+      <p:cxnSp>
+        <p:nvCxnSpPr>
+          <p:cNvPr id="56" name="Straight Arrow Connector 55">
+            <a:extLst>
+              <a:ext uri="{FF2B5EF4-FFF2-40B4-BE49-F238E27FC236}">
+                <a16:creationId xmlns:a16="http://schemas.microsoft.com/office/drawing/2014/main" id="{0CE12F07-2546-3E12-766C-6D132D05B8DD}"/>
+              </a:ext>
+            </a:extLst>
+          </p:cNvPr>
+          <p:cNvCxnSpPr>
+            <a:cxnSpLocks/>
+            <a:stCxn id="6" idx="2"/>
+          </p:cNvCxnSpPr>
+          <p:nvPr/>
+        </p:nvCxnSpPr>
+        <p:spPr>
+          <a:xfrm flipH="1">
+            <a:off x="6393424" y="6255197"/>
+            <a:ext cx="7377" cy="246777"/>
+          </a:xfrm>
+          <a:prstGeom prst="straightConnector1">
+            <a:avLst/>
+          </a:prstGeom>
+          <a:ln>
+            <a:tailEnd type="triangle"/>
+          </a:ln>
+        </p:spPr>
+        <p:style>
+          <a:lnRef idx="1">
+            <a:schemeClr val="accent1"/>
+          </a:lnRef>
+          <a:fillRef idx="0">
+            <a:schemeClr val="accent1"/>
+          </a:fillRef>
+          <a:effectRef idx="0">
+            <a:schemeClr val="accent1"/>
+          </a:effectRef>
+          <a:fontRef idx="minor">
+            <a:schemeClr val="tx1"/>
+          </a:fontRef>
+        </p:style>
+      </p:cxnSp>
+      <p:cxnSp>
+        <p:nvCxnSpPr>
+          <p:cNvPr id="57" name="Straight Arrow Connector 56">
+            <a:extLst>
+              <a:ext uri="{FF2B5EF4-FFF2-40B4-BE49-F238E27FC236}">
+                <a16:creationId xmlns:a16="http://schemas.microsoft.com/office/drawing/2014/main" id="{7342D304-61E8-F837-4970-DF4CD5AE7E86}"/>
+              </a:ext>
+            </a:extLst>
+          </p:cNvPr>
+          <p:cNvCxnSpPr>
+            <a:cxnSpLocks/>
+            <a:stCxn id="9" idx="2"/>
+          </p:cNvCxnSpPr>
+          <p:nvPr/>
+        </p:nvCxnSpPr>
+        <p:spPr>
+          <a:xfrm>
+            <a:off x="3952567" y="4122627"/>
+            <a:ext cx="0" cy="246777"/>
+          </a:xfrm>
+          <a:prstGeom prst="straightConnector1">
+            <a:avLst/>
+          </a:prstGeom>
+          <a:ln>
+            <a:tailEnd type="triangle"/>
+          </a:ln>
+        </p:spPr>
+        <p:style>
+          <a:lnRef idx="1">
+            <a:schemeClr val="accent1"/>
+          </a:lnRef>
+          <a:fillRef idx="0">
+            <a:schemeClr val="accent1"/>
+          </a:fillRef>
+          <a:effectRef idx="0">
+            <a:schemeClr val="accent1"/>
+          </a:effectRef>
+          <a:fontRef idx="minor">
+            <a:schemeClr val="tx1"/>
+          </a:fontRef>
+        </p:style>
+      </p:cxnSp>
+      <p:sp>
+        <p:nvSpPr>
+          <p:cNvPr id="61" name="TextBox 60">
+            <a:extLst>
+              <a:ext uri="{FF2B5EF4-FFF2-40B4-BE49-F238E27FC236}">
+                <a16:creationId xmlns:a16="http://schemas.microsoft.com/office/drawing/2014/main" id="{47136017-D864-AAA7-36EC-F1E7794A6CE4}"/>
+              </a:ext>
+            </a:extLst>
+          </p:cNvPr>
+          <p:cNvSpPr txBox="1"/>
+          <p:nvPr/>
+        </p:nvSpPr>
+        <p:spPr>
+          <a:xfrm>
+            <a:off x="3780884" y="4332221"/>
+            <a:ext cx="343364" cy="369332"/>
+          </a:xfrm>
+          <a:prstGeom prst="rect">
+            <a:avLst/>
+          </a:prstGeom>
+          <a:noFill/>
+        </p:spPr>
+        <p:txBody>
+          <a:bodyPr wrap="none" rtlCol="0">
+            <a:spAutoFit/>
+          </a:bodyPr>
+          <a:lstStyle/>
+          <a:p>
+            <a:r>
+              <a:rPr lang="en-US" dirty="0"/>
+              <a:t>…</a:t>
+            </a:r>
+          </a:p>
+        </p:txBody>
+      </p:sp>
+      <p:sp>
+        <p:nvSpPr>
+          <p:cNvPr id="62" name="TextBox 61">
+            <a:extLst>
+              <a:ext uri="{FF2B5EF4-FFF2-40B4-BE49-F238E27FC236}">
+                <a16:creationId xmlns:a16="http://schemas.microsoft.com/office/drawing/2014/main" id="{52906713-364E-C8A4-D268-BBF92DCBDC55}"/>
+              </a:ext>
+            </a:extLst>
+          </p:cNvPr>
+          <p:cNvSpPr txBox="1"/>
+          <p:nvPr/>
+        </p:nvSpPr>
+        <p:spPr>
+          <a:xfrm>
+            <a:off x="8444596" y="4332221"/>
+            <a:ext cx="343364" cy="369332"/>
+          </a:xfrm>
+          <a:prstGeom prst="rect">
+            <a:avLst/>
+          </a:prstGeom>
+          <a:noFill/>
+        </p:spPr>
+        <p:txBody>
+          <a:bodyPr wrap="none" rtlCol="0">
+            <a:spAutoFit/>
+          </a:bodyPr>
+          <a:lstStyle/>
+          <a:p>
+            <a:r>
+              <a:rPr lang="en-US" dirty="0"/>
+              <a:t>…</a:t>
+            </a:r>
+          </a:p>
+        </p:txBody>
+      </p:sp>
+      <p:sp>
+        <p:nvSpPr>
+          <p:cNvPr id="63" name="TextBox 62">
+            <a:extLst>
+              <a:ext uri="{FF2B5EF4-FFF2-40B4-BE49-F238E27FC236}">
+                <a16:creationId xmlns:a16="http://schemas.microsoft.com/office/drawing/2014/main" id="{ED06E9BA-AF06-AD80-816A-526569AE2393}"/>
+              </a:ext>
+            </a:extLst>
+          </p:cNvPr>
+          <p:cNvSpPr txBox="1"/>
+          <p:nvPr/>
+        </p:nvSpPr>
+        <p:spPr>
+          <a:xfrm>
+            <a:off x="6221742" y="6378585"/>
+            <a:ext cx="343364" cy="369332"/>
+          </a:xfrm>
+          <a:prstGeom prst="rect">
+            <a:avLst/>
+          </a:prstGeom>
+          <a:noFill/>
+        </p:spPr>
+        <p:txBody>
+          <a:bodyPr wrap="none" rtlCol="0">
+            <a:spAutoFit/>
+          </a:bodyPr>
+          <a:lstStyle/>
+          <a:p>
+            <a:r>
+              <a:rPr lang="en-US" dirty="0"/>
+              <a:t>…</a:t>
+            </a:r>
+          </a:p>
+        </p:txBody>
+      </p:sp>
+    </p:spTree>
+    <p:extLst>
+      <p:ext uri="{BB962C8B-B14F-4D97-AF65-F5344CB8AC3E}">
+        <p14:creationId xmlns:p14="http://schemas.microsoft.com/office/powerpoint/2010/main" val="1541397657"/>
+      </p:ext>
+    </p:extLst>
+  </p:cSld>
+  <p:clrMapOvr>
+    <a:masterClrMapping/>
+  </p:clrMapOvr>
+</p:sld>
+</file>
+
 <file path=ppt/slides/slide2.xml><?xml version="1.0" encoding="utf-8"?>
 <p:sld xmlns:a="http://schemas.openxmlformats.org/drawingml/2006/main" xmlns:r="http://schemas.openxmlformats.org/officeDocument/2006/relationships" xmlns:p="http://schemas.openxmlformats.org/presentationml/2006/main">
   <p:cSld>

--- a/figures/figures.pptx
+++ b/figures/figures.pptx
@@ -6,8 +6,8 @@
   </p:sldMasterIdLst>
   <p:sldIdLst>
     <p:sldId id="256" r:id="rId2"/>
-    <p:sldId id="257" r:id="rId3"/>
-    <p:sldId id="258" r:id="rId4"/>
+    <p:sldId id="258" r:id="rId3"/>
+    <p:sldId id="257" r:id="rId4"/>
     <p:sldId id="259" r:id="rId5"/>
     <p:sldId id="260" r:id="rId6"/>
     <p:sldId id="261" r:id="rId7"/>
@@ -18,6 +18,7 @@
     <p:sldId id="267" r:id="rId12"/>
     <p:sldId id="268" r:id="rId13"/>
     <p:sldId id="269" r:id="rId14"/>
+    <p:sldId id="270" r:id="rId15"/>
   </p:sldIdLst>
   <p:sldSz cx="12192000" cy="6858000"/>
   <p:notesSz cx="6858000" cy="9144000"/>
@@ -271,7 +272,7 @@
           <a:p>
             <a:fld id="{4B9CF307-EB09-4B6C-AE6A-0B77EE827448}" type="datetimeFigureOut">
               <a:rPr lang="en-US" smtClean="0"/>
-              <a:t>1/31/2023</a:t>
+              <a:t>2/1/2023</a:t>
             </a:fld>
             <a:endParaRPr lang="en-US"/>
           </a:p>
@@ -469,7 +470,7 @@
           <a:p>
             <a:fld id="{4B9CF307-EB09-4B6C-AE6A-0B77EE827448}" type="datetimeFigureOut">
               <a:rPr lang="en-US" smtClean="0"/>
-              <a:t>1/31/2023</a:t>
+              <a:t>2/1/2023</a:t>
             </a:fld>
             <a:endParaRPr lang="en-US"/>
           </a:p>
@@ -677,7 +678,7 @@
           <a:p>
             <a:fld id="{4B9CF307-EB09-4B6C-AE6A-0B77EE827448}" type="datetimeFigureOut">
               <a:rPr lang="en-US" smtClean="0"/>
-              <a:t>1/31/2023</a:t>
+              <a:t>2/1/2023</a:t>
             </a:fld>
             <a:endParaRPr lang="en-US"/>
           </a:p>
@@ -875,7 +876,7 @@
           <a:p>
             <a:fld id="{4B9CF307-EB09-4B6C-AE6A-0B77EE827448}" type="datetimeFigureOut">
               <a:rPr lang="en-US" smtClean="0"/>
-              <a:t>1/31/2023</a:t>
+              <a:t>2/1/2023</a:t>
             </a:fld>
             <a:endParaRPr lang="en-US"/>
           </a:p>
@@ -1150,7 +1151,7 @@
           <a:p>
             <a:fld id="{4B9CF307-EB09-4B6C-AE6A-0B77EE827448}" type="datetimeFigureOut">
               <a:rPr lang="en-US" smtClean="0"/>
-              <a:t>1/31/2023</a:t>
+              <a:t>2/1/2023</a:t>
             </a:fld>
             <a:endParaRPr lang="en-US"/>
           </a:p>
@@ -1415,7 +1416,7 @@
           <a:p>
             <a:fld id="{4B9CF307-EB09-4B6C-AE6A-0B77EE827448}" type="datetimeFigureOut">
               <a:rPr lang="en-US" smtClean="0"/>
-              <a:t>1/31/2023</a:t>
+              <a:t>2/1/2023</a:t>
             </a:fld>
             <a:endParaRPr lang="en-US"/>
           </a:p>
@@ -1827,7 +1828,7 @@
           <a:p>
             <a:fld id="{4B9CF307-EB09-4B6C-AE6A-0B77EE827448}" type="datetimeFigureOut">
               <a:rPr lang="en-US" smtClean="0"/>
-              <a:t>1/31/2023</a:t>
+              <a:t>2/1/2023</a:t>
             </a:fld>
             <a:endParaRPr lang="en-US"/>
           </a:p>
@@ -1968,7 +1969,7 @@
           <a:p>
             <a:fld id="{4B9CF307-EB09-4B6C-AE6A-0B77EE827448}" type="datetimeFigureOut">
               <a:rPr lang="en-US" smtClean="0"/>
-              <a:t>1/31/2023</a:t>
+              <a:t>2/1/2023</a:t>
             </a:fld>
             <a:endParaRPr lang="en-US"/>
           </a:p>
@@ -2081,7 +2082,7 @@
           <a:p>
             <a:fld id="{4B9CF307-EB09-4B6C-AE6A-0B77EE827448}" type="datetimeFigureOut">
               <a:rPr lang="en-US" smtClean="0"/>
-              <a:t>1/31/2023</a:t>
+              <a:t>2/1/2023</a:t>
             </a:fld>
             <a:endParaRPr lang="en-US"/>
           </a:p>
@@ -2392,7 +2393,7 @@
           <a:p>
             <a:fld id="{4B9CF307-EB09-4B6C-AE6A-0B77EE827448}" type="datetimeFigureOut">
               <a:rPr lang="en-US" smtClean="0"/>
-              <a:t>1/31/2023</a:t>
+              <a:t>2/1/2023</a:t>
             </a:fld>
             <a:endParaRPr lang="en-US"/>
           </a:p>
@@ -2680,7 +2681,7 @@
           <a:p>
             <a:fld id="{4B9CF307-EB09-4B6C-AE6A-0B77EE827448}" type="datetimeFigureOut">
               <a:rPr lang="en-US" smtClean="0"/>
-              <a:t>1/31/2023</a:t>
+              <a:t>2/1/2023</a:t>
             </a:fld>
             <a:endParaRPr lang="en-US"/>
           </a:p>
@@ -2921,7 +2922,7 @@
           <a:p>
             <a:fld id="{4B9CF307-EB09-4B6C-AE6A-0B77EE827448}" type="datetimeFigureOut">
               <a:rPr lang="en-US" smtClean="0"/>
-              <a:t>1/31/2023</a:t>
+              <a:t>2/1/2023</a:t>
             </a:fld>
             <a:endParaRPr lang="en-US"/>
           </a:p>
@@ -14179,7 +14180,7 @@
 </p:sld>
 </file>
 
-<file path=ppt/slides/slide2.xml><?xml version="1.0" encoding="utf-8"?>
+<file path=ppt/slides/slide14.xml><?xml version="1.0" encoding="utf-8"?>
 <p:sld xmlns:a="http://schemas.openxmlformats.org/drawingml/2006/main" xmlns:r="http://schemas.openxmlformats.org/officeDocument/2006/relationships" xmlns:p="http://schemas.openxmlformats.org/presentationml/2006/main">
   <p:cSld>
     <p:spTree>
@@ -15017,7 +15018,7 @@
                   <a:schemeClr val="tx1"/>
                 </a:solidFill>
               </a:rPr>
-              <a:t>Variable Type Generation</a:t>
+              <a:t>Variable Name Generation</a:t>
             </a:r>
           </a:p>
           <a:p>
@@ -15094,7 +15095,7 @@
                   <a:schemeClr val="tx1"/>
                 </a:solidFill>
               </a:rPr>
-              <a:t>Variable Name Generation</a:t>
+              <a:t>Variable Type Generation</a:t>
             </a:r>
           </a:p>
           <a:p>
@@ -15255,7 +15256,7 @@
             <a:pPr algn="ctr"/>
             <a:r>
               <a:rPr lang="en-US" dirty="0"/>
-              <a:t>Variables’ Types</a:t>
+              <a:t>Variables’ Names</a:t>
             </a:r>
           </a:p>
         </p:txBody>
@@ -15291,7 +15292,7 @@
             <a:pPr algn="ctr"/>
             <a:r>
               <a:rPr lang="en-US" dirty="0"/>
-              <a:t>Variables’ Names</a:t>
+              <a:t>Variables’ Types</a:t>
             </a:r>
           </a:p>
         </p:txBody>
@@ -15554,7 +15555,7 @@
         <p:spPr>
           <a:xfrm>
             <a:off x="7361941" y="3260084"/>
-            <a:ext cx="1081963" cy="646331"/>
+            <a:ext cx="1093184" cy="646331"/>
           </a:xfrm>
           <a:prstGeom prst="rect">
             <a:avLst/>
@@ -15568,13 +15569,13 @@
           <a:lstStyle/>
           <a:p>
             <a:r>
-              <a:rPr lang="en-US" dirty="0"/>
+              <a:rPr lang="en-US" i="1" dirty="0"/>
               <a:t>Dual-Task</a:t>
             </a:r>
           </a:p>
           <a:p>
             <a:r>
-              <a:rPr lang="en-US" dirty="0"/>
+              <a:rPr lang="en-US" i="1" dirty="0"/>
               <a:t>Learning</a:t>
             </a:r>
           </a:p>
@@ -15669,7 +15670,7 @@
     </p:spTree>
     <p:extLst>
       <p:ext uri="{BB962C8B-B14F-4D97-AF65-F5344CB8AC3E}">
-        <p14:creationId xmlns:p14="http://schemas.microsoft.com/office/powerpoint/2010/main" val="1943562508"/>
+        <p14:creationId xmlns:p14="http://schemas.microsoft.com/office/powerpoint/2010/main" val="478827493"/>
       </p:ext>
     </p:extLst>
   </p:cSld>
@@ -15679,7 +15680,7 @@
 </p:sld>
 </file>
 
-<file path=ppt/slides/slide3.xml><?xml version="1.0" encoding="utf-8"?>
+<file path=ppt/slides/slide2.xml><?xml version="1.0" encoding="utf-8"?>
 <p:sld xmlns:a="http://schemas.openxmlformats.org/drawingml/2006/main" xmlns:r="http://schemas.openxmlformats.org/officeDocument/2006/relationships" xmlns:p="http://schemas.openxmlformats.org/presentationml/2006/main">
   <p:cSld>
     <p:spTree>
@@ -17064,6 +17065,1506 @@
     <p:extLst>
       <p:ext uri="{BB962C8B-B14F-4D97-AF65-F5344CB8AC3E}">
         <p14:creationId xmlns:p14="http://schemas.microsoft.com/office/powerpoint/2010/main" val="351330088"/>
+      </p:ext>
+    </p:extLst>
+  </p:cSld>
+  <p:clrMapOvr>
+    <a:masterClrMapping/>
+  </p:clrMapOvr>
+</p:sld>
+</file>
+
+<file path=ppt/slides/slide3.xml><?xml version="1.0" encoding="utf-8"?>
+<p:sld xmlns:a="http://schemas.openxmlformats.org/drawingml/2006/main" xmlns:r="http://schemas.openxmlformats.org/officeDocument/2006/relationships" xmlns:p="http://schemas.openxmlformats.org/presentationml/2006/main">
+  <p:cSld>
+    <p:spTree>
+      <p:nvGrpSpPr>
+        <p:cNvPr id="1" name=""/>
+        <p:cNvGrpSpPr/>
+        <p:nvPr/>
+      </p:nvGrpSpPr>
+      <p:grpSpPr>
+        <a:xfrm>
+          <a:off x="0" y="0"/>
+          <a:ext cx="0" cy="0"/>
+          <a:chOff x="0" y="0"/>
+          <a:chExt cx="0" cy="0"/>
+        </a:xfrm>
+      </p:grpSpPr>
+      <p:sp>
+        <p:nvSpPr>
+          <p:cNvPr id="4" name="Rectangle: Folded Corner 3">
+            <a:extLst>
+              <a:ext uri="{FF2B5EF4-FFF2-40B4-BE49-F238E27FC236}">
+                <a16:creationId xmlns:a16="http://schemas.microsoft.com/office/drawing/2014/main" id="{83DE70CB-DE98-492C-B0E8-C48F698E91BC}"/>
+              </a:ext>
+            </a:extLst>
+          </p:cNvPr>
+          <p:cNvSpPr/>
+          <p:nvPr/>
+        </p:nvSpPr>
+        <p:spPr>
+          <a:xfrm>
+            <a:off x="2052782" y="3212035"/>
+            <a:ext cx="676656" cy="786384"/>
+          </a:xfrm>
+          <a:prstGeom prst="foldedCorner">
+            <a:avLst/>
+          </a:prstGeom>
+          <a:solidFill>
+            <a:schemeClr val="bg1">
+              <a:lumMod val="85000"/>
+            </a:schemeClr>
+          </a:solidFill>
+          <a:ln>
+            <a:solidFill>
+              <a:schemeClr val="tx1"/>
+            </a:solidFill>
+          </a:ln>
+        </p:spPr>
+        <p:style>
+          <a:lnRef idx="2">
+            <a:schemeClr val="accent1">
+              <a:shade val="50000"/>
+            </a:schemeClr>
+          </a:lnRef>
+          <a:fillRef idx="1">
+            <a:schemeClr val="accent1"/>
+          </a:fillRef>
+          <a:effectRef idx="0">
+            <a:schemeClr val="accent1"/>
+          </a:effectRef>
+          <a:fontRef idx="minor">
+            <a:schemeClr val="lt1"/>
+          </a:fontRef>
+        </p:style>
+        <p:txBody>
+          <a:bodyPr rtlCol="0" anchor="ctr"/>
+          <a:lstStyle/>
+          <a:p>
+            <a:pPr algn="ctr"/>
+            <a:endParaRPr lang="en-US"/>
+          </a:p>
+        </p:txBody>
+      </p:sp>
+      <p:sp>
+        <p:nvSpPr>
+          <p:cNvPr id="5" name="TextBox 4">
+            <a:extLst>
+              <a:ext uri="{FF2B5EF4-FFF2-40B4-BE49-F238E27FC236}">
+                <a16:creationId xmlns:a16="http://schemas.microsoft.com/office/drawing/2014/main" id="{3CF03D92-04AD-486F-933E-7CBEF5781A93}"/>
+              </a:ext>
+            </a:extLst>
+          </p:cNvPr>
+          <p:cNvSpPr txBox="1"/>
+          <p:nvPr/>
+        </p:nvSpPr>
+        <p:spPr>
+          <a:xfrm>
+            <a:off x="1513276" y="2811248"/>
+            <a:ext cx="1609344" cy="369332"/>
+          </a:xfrm>
+          <a:prstGeom prst="rect">
+            <a:avLst/>
+          </a:prstGeom>
+          <a:noFill/>
+        </p:spPr>
+        <p:txBody>
+          <a:bodyPr wrap="square" rtlCol="0">
+            <a:spAutoFit/>
+          </a:bodyPr>
+          <a:lstStyle/>
+          <a:p>
+            <a:pPr algn="ctr"/>
+            <a:r>
+              <a:rPr lang="en-US" dirty="0"/>
+              <a:t>Minified Code</a:t>
+            </a:r>
+          </a:p>
+        </p:txBody>
+      </p:sp>
+      <p:sp>
+        <p:nvSpPr>
+          <p:cNvPr id="6" name="Rectangle: Rounded Corners 5">
+            <a:extLst>
+              <a:ext uri="{FF2B5EF4-FFF2-40B4-BE49-F238E27FC236}">
+                <a16:creationId xmlns:a16="http://schemas.microsoft.com/office/drawing/2014/main" id="{4FE65C00-D047-4D37-84E8-2EBAAB877F85}"/>
+              </a:ext>
+            </a:extLst>
+          </p:cNvPr>
+          <p:cNvSpPr/>
+          <p:nvPr/>
+        </p:nvSpPr>
+        <p:spPr>
+          <a:xfrm>
+            <a:off x="3401187" y="3042284"/>
+            <a:ext cx="1201847" cy="1126266"/>
+          </a:xfrm>
+          <a:prstGeom prst="roundRect">
+            <a:avLst>
+              <a:gd name="adj" fmla="val 10106"/>
+            </a:avLst>
+          </a:prstGeom>
+          <a:solidFill>
+            <a:schemeClr val="accent4">
+              <a:lumMod val="20000"/>
+              <a:lumOff val="80000"/>
+            </a:schemeClr>
+          </a:solidFill>
+          <a:ln>
+            <a:solidFill>
+              <a:srgbClr val="FFC000"/>
+            </a:solidFill>
+          </a:ln>
+        </p:spPr>
+        <p:style>
+          <a:lnRef idx="2">
+            <a:schemeClr val="accent1">
+              <a:shade val="50000"/>
+            </a:schemeClr>
+          </a:lnRef>
+          <a:fillRef idx="1">
+            <a:schemeClr val="accent1"/>
+          </a:fillRef>
+          <a:effectRef idx="0">
+            <a:schemeClr val="accent1"/>
+          </a:effectRef>
+          <a:fontRef idx="minor">
+            <a:schemeClr val="lt1"/>
+          </a:fontRef>
+        </p:style>
+        <p:txBody>
+          <a:bodyPr lIns="0" tIns="0" rIns="0" bIns="0" rtlCol="0" anchor="ctr"/>
+          <a:lstStyle/>
+          <a:p>
+            <a:pPr algn="ctr"/>
+            <a:r>
+              <a:rPr lang="en-US" dirty="0">
+                <a:solidFill>
+                  <a:schemeClr val="tx1"/>
+                </a:solidFill>
+              </a:rPr>
+              <a:t>Graph</a:t>
+            </a:r>
+          </a:p>
+          <a:p>
+            <a:pPr algn="ctr"/>
+            <a:r>
+              <a:rPr lang="en-US" dirty="0">
+                <a:solidFill>
+                  <a:schemeClr val="tx1"/>
+                </a:solidFill>
+              </a:rPr>
+              <a:t>Generation </a:t>
+            </a:r>
+          </a:p>
+        </p:txBody>
+      </p:sp>
+      <p:grpSp>
+        <p:nvGrpSpPr>
+          <p:cNvPr id="31" name="Group 30">
+            <a:extLst>
+              <a:ext uri="{FF2B5EF4-FFF2-40B4-BE49-F238E27FC236}">
+                <a16:creationId xmlns:a16="http://schemas.microsoft.com/office/drawing/2014/main" id="{E0CCCDA8-2B26-45C8-9F0D-7E460680F76E}"/>
+              </a:ext>
+            </a:extLst>
+          </p:cNvPr>
+          <p:cNvGrpSpPr/>
+          <p:nvPr/>
+        </p:nvGrpSpPr>
+        <p:grpSpPr>
+          <a:xfrm>
+            <a:off x="5075832" y="2904474"/>
+            <a:ext cx="1261872" cy="1309146"/>
+            <a:chOff x="3666744" y="2717780"/>
+            <a:chExt cx="1261872" cy="1309146"/>
+          </a:xfrm>
+        </p:grpSpPr>
+        <p:sp>
+          <p:nvSpPr>
+            <p:cNvPr id="7" name="Oval 6">
+              <a:extLst>
+                <a:ext uri="{FF2B5EF4-FFF2-40B4-BE49-F238E27FC236}">
+                  <a16:creationId xmlns:a16="http://schemas.microsoft.com/office/drawing/2014/main" id="{CFCF9805-79BC-4A83-A005-484F41D24980}"/>
+                </a:ext>
+              </a:extLst>
+            </p:cNvPr>
+            <p:cNvSpPr/>
+            <p:nvPr/>
+          </p:nvSpPr>
+          <p:spPr>
+            <a:xfrm>
+              <a:off x="4197096" y="2717780"/>
+              <a:ext cx="182880" cy="182880"/>
+            </a:xfrm>
+            <a:prstGeom prst="ellipse">
+              <a:avLst/>
+            </a:prstGeom>
+            <a:solidFill>
+              <a:schemeClr val="accent6">
+                <a:lumMod val="20000"/>
+                <a:lumOff val="80000"/>
+              </a:schemeClr>
+            </a:solidFill>
+            <a:ln>
+              <a:solidFill>
+                <a:schemeClr val="accent6">
+                  <a:lumMod val="75000"/>
+                </a:schemeClr>
+              </a:solidFill>
+            </a:ln>
+          </p:spPr>
+          <p:style>
+            <a:lnRef idx="2">
+              <a:schemeClr val="accent1">
+                <a:shade val="50000"/>
+              </a:schemeClr>
+            </a:lnRef>
+            <a:fillRef idx="1">
+              <a:schemeClr val="accent1"/>
+            </a:fillRef>
+            <a:effectRef idx="0">
+              <a:schemeClr val="accent1"/>
+            </a:effectRef>
+            <a:fontRef idx="minor">
+              <a:schemeClr val="lt1"/>
+            </a:fontRef>
+          </p:style>
+          <p:txBody>
+            <a:bodyPr rtlCol="0" anchor="ctr"/>
+            <a:lstStyle/>
+            <a:p>
+              <a:pPr algn="ctr"/>
+              <a:endParaRPr lang="en-US"/>
+            </a:p>
+          </p:txBody>
+        </p:sp>
+        <p:sp>
+          <p:nvSpPr>
+            <p:cNvPr id="8" name="Oval 7">
+              <a:extLst>
+                <a:ext uri="{FF2B5EF4-FFF2-40B4-BE49-F238E27FC236}">
+                  <a16:creationId xmlns:a16="http://schemas.microsoft.com/office/drawing/2014/main" id="{D42F71BE-5950-44B1-9EC5-F10C1DC93071}"/>
+                </a:ext>
+              </a:extLst>
+            </p:cNvPr>
+            <p:cNvSpPr/>
+            <p:nvPr/>
+          </p:nvSpPr>
+          <p:spPr>
+            <a:xfrm>
+              <a:off x="3849624" y="3172968"/>
+              <a:ext cx="182880" cy="182880"/>
+            </a:xfrm>
+            <a:prstGeom prst="ellipse">
+              <a:avLst/>
+            </a:prstGeom>
+            <a:solidFill>
+              <a:schemeClr val="accent6">
+                <a:lumMod val="20000"/>
+                <a:lumOff val="80000"/>
+              </a:schemeClr>
+            </a:solidFill>
+            <a:ln>
+              <a:solidFill>
+                <a:schemeClr val="accent6">
+                  <a:lumMod val="75000"/>
+                </a:schemeClr>
+              </a:solidFill>
+            </a:ln>
+          </p:spPr>
+          <p:style>
+            <a:lnRef idx="2">
+              <a:schemeClr val="accent1">
+                <a:shade val="50000"/>
+              </a:schemeClr>
+            </a:lnRef>
+            <a:fillRef idx="1">
+              <a:schemeClr val="accent1"/>
+            </a:fillRef>
+            <a:effectRef idx="0">
+              <a:schemeClr val="accent1"/>
+            </a:effectRef>
+            <a:fontRef idx="minor">
+              <a:schemeClr val="lt1"/>
+            </a:fontRef>
+          </p:style>
+          <p:txBody>
+            <a:bodyPr rtlCol="0" anchor="ctr"/>
+            <a:lstStyle/>
+            <a:p>
+              <a:pPr algn="ctr"/>
+              <a:endParaRPr lang="en-US"/>
+            </a:p>
+          </p:txBody>
+        </p:sp>
+        <p:sp>
+          <p:nvSpPr>
+            <p:cNvPr id="9" name="Oval 8">
+              <a:extLst>
+                <a:ext uri="{FF2B5EF4-FFF2-40B4-BE49-F238E27FC236}">
+                  <a16:creationId xmlns:a16="http://schemas.microsoft.com/office/drawing/2014/main" id="{BAFDDF9D-8F8F-4C4F-B008-92D4B8E4D56C}"/>
+                </a:ext>
+              </a:extLst>
+            </p:cNvPr>
+            <p:cNvSpPr/>
+            <p:nvPr/>
+          </p:nvSpPr>
+          <p:spPr>
+            <a:xfrm>
+              <a:off x="4288536" y="3661166"/>
+              <a:ext cx="182880" cy="182880"/>
+            </a:xfrm>
+            <a:prstGeom prst="ellipse">
+              <a:avLst/>
+            </a:prstGeom>
+            <a:solidFill>
+              <a:schemeClr val="accent6">
+                <a:lumMod val="20000"/>
+                <a:lumOff val="80000"/>
+              </a:schemeClr>
+            </a:solidFill>
+            <a:ln>
+              <a:solidFill>
+                <a:schemeClr val="accent6">
+                  <a:lumMod val="75000"/>
+                </a:schemeClr>
+              </a:solidFill>
+            </a:ln>
+          </p:spPr>
+          <p:style>
+            <a:lnRef idx="2">
+              <a:schemeClr val="accent1">
+                <a:shade val="50000"/>
+              </a:schemeClr>
+            </a:lnRef>
+            <a:fillRef idx="1">
+              <a:schemeClr val="accent1"/>
+            </a:fillRef>
+            <a:effectRef idx="0">
+              <a:schemeClr val="accent1"/>
+            </a:effectRef>
+            <a:fontRef idx="minor">
+              <a:schemeClr val="lt1"/>
+            </a:fontRef>
+          </p:style>
+          <p:txBody>
+            <a:bodyPr rtlCol="0" anchor="ctr"/>
+            <a:lstStyle/>
+            <a:p>
+              <a:pPr algn="ctr"/>
+              <a:endParaRPr lang="en-US"/>
+            </a:p>
+          </p:txBody>
+        </p:sp>
+        <p:sp>
+          <p:nvSpPr>
+            <p:cNvPr id="10" name="Oval 9">
+              <a:extLst>
+                <a:ext uri="{FF2B5EF4-FFF2-40B4-BE49-F238E27FC236}">
+                  <a16:creationId xmlns:a16="http://schemas.microsoft.com/office/drawing/2014/main" id="{4B5193BA-3134-49A7-94B5-D295224606C1}"/>
+                </a:ext>
+              </a:extLst>
+            </p:cNvPr>
+            <p:cNvSpPr/>
+            <p:nvPr/>
+          </p:nvSpPr>
+          <p:spPr>
+            <a:xfrm>
+              <a:off x="4745736" y="3246120"/>
+              <a:ext cx="182880" cy="182880"/>
+            </a:xfrm>
+            <a:prstGeom prst="ellipse">
+              <a:avLst/>
+            </a:prstGeom>
+            <a:solidFill>
+              <a:schemeClr val="accent6">
+                <a:lumMod val="20000"/>
+                <a:lumOff val="80000"/>
+              </a:schemeClr>
+            </a:solidFill>
+            <a:ln>
+              <a:solidFill>
+                <a:schemeClr val="accent6">
+                  <a:lumMod val="75000"/>
+                </a:schemeClr>
+              </a:solidFill>
+            </a:ln>
+          </p:spPr>
+          <p:style>
+            <a:lnRef idx="2">
+              <a:schemeClr val="accent1">
+                <a:shade val="50000"/>
+              </a:schemeClr>
+            </a:lnRef>
+            <a:fillRef idx="1">
+              <a:schemeClr val="accent1"/>
+            </a:fillRef>
+            <a:effectRef idx="0">
+              <a:schemeClr val="accent1"/>
+            </a:effectRef>
+            <a:fontRef idx="minor">
+              <a:schemeClr val="lt1"/>
+            </a:fontRef>
+          </p:style>
+          <p:txBody>
+            <a:bodyPr rtlCol="0" anchor="ctr"/>
+            <a:lstStyle/>
+            <a:p>
+              <a:pPr algn="ctr"/>
+              <a:endParaRPr lang="en-US" dirty="0"/>
+            </a:p>
+          </p:txBody>
+        </p:sp>
+        <p:sp>
+          <p:nvSpPr>
+            <p:cNvPr id="11" name="Oval 10">
+              <a:extLst>
+                <a:ext uri="{FF2B5EF4-FFF2-40B4-BE49-F238E27FC236}">
+                  <a16:creationId xmlns:a16="http://schemas.microsoft.com/office/drawing/2014/main" id="{F6604EDE-2BF7-4CBB-B7D7-E5B175780E3A}"/>
+                </a:ext>
+              </a:extLst>
+            </p:cNvPr>
+            <p:cNvSpPr/>
+            <p:nvPr/>
+          </p:nvSpPr>
+          <p:spPr>
+            <a:xfrm>
+              <a:off x="3666744" y="3844046"/>
+              <a:ext cx="182880" cy="182880"/>
+            </a:xfrm>
+            <a:prstGeom prst="ellipse">
+              <a:avLst/>
+            </a:prstGeom>
+            <a:solidFill>
+              <a:schemeClr val="accent6">
+                <a:lumMod val="20000"/>
+                <a:lumOff val="80000"/>
+              </a:schemeClr>
+            </a:solidFill>
+            <a:ln>
+              <a:solidFill>
+                <a:schemeClr val="accent6">
+                  <a:lumMod val="75000"/>
+                </a:schemeClr>
+              </a:solidFill>
+            </a:ln>
+          </p:spPr>
+          <p:style>
+            <a:lnRef idx="2">
+              <a:schemeClr val="accent1">
+                <a:shade val="50000"/>
+              </a:schemeClr>
+            </a:lnRef>
+            <a:fillRef idx="1">
+              <a:schemeClr val="accent1"/>
+            </a:fillRef>
+            <a:effectRef idx="0">
+              <a:schemeClr val="accent1"/>
+            </a:effectRef>
+            <a:fontRef idx="minor">
+              <a:schemeClr val="lt1"/>
+            </a:fontRef>
+          </p:style>
+          <p:txBody>
+            <a:bodyPr rtlCol="0" anchor="ctr"/>
+            <a:lstStyle/>
+            <a:p>
+              <a:pPr algn="ctr"/>
+              <a:endParaRPr lang="en-US"/>
+            </a:p>
+          </p:txBody>
+        </p:sp>
+        <p:cxnSp>
+          <p:nvCxnSpPr>
+            <p:cNvPr id="13" name="Straight Arrow Connector 12">
+              <a:extLst>
+                <a:ext uri="{FF2B5EF4-FFF2-40B4-BE49-F238E27FC236}">
+                  <a16:creationId xmlns:a16="http://schemas.microsoft.com/office/drawing/2014/main" id="{5879F9E2-F1A1-49B0-9944-6ED1A4B3DB68}"/>
+                </a:ext>
+              </a:extLst>
+            </p:cNvPr>
+            <p:cNvCxnSpPr>
+              <a:stCxn id="7" idx="3"/>
+              <a:endCxn id="8" idx="7"/>
+            </p:cNvCxnSpPr>
+            <p:nvPr/>
+          </p:nvCxnSpPr>
+          <p:spPr>
+            <a:xfrm flipH="1">
+              <a:off x="4005722" y="2873878"/>
+              <a:ext cx="218156" cy="325872"/>
+            </a:xfrm>
+            <a:prstGeom prst="straightConnector1">
+              <a:avLst/>
+            </a:prstGeom>
+            <a:ln>
+              <a:solidFill>
+                <a:srgbClr val="0070C0"/>
+              </a:solidFill>
+              <a:tailEnd type="triangle"/>
+            </a:ln>
+          </p:spPr>
+          <p:style>
+            <a:lnRef idx="1">
+              <a:schemeClr val="accent1"/>
+            </a:lnRef>
+            <a:fillRef idx="0">
+              <a:schemeClr val="accent1"/>
+            </a:fillRef>
+            <a:effectRef idx="0">
+              <a:schemeClr val="accent1"/>
+            </a:effectRef>
+            <a:fontRef idx="minor">
+              <a:schemeClr val="tx1"/>
+            </a:fontRef>
+          </p:style>
+        </p:cxnSp>
+        <p:cxnSp>
+          <p:nvCxnSpPr>
+            <p:cNvPr id="14" name="Straight Arrow Connector 13">
+              <a:extLst>
+                <a:ext uri="{FF2B5EF4-FFF2-40B4-BE49-F238E27FC236}">
+                  <a16:creationId xmlns:a16="http://schemas.microsoft.com/office/drawing/2014/main" id="{75B964A6-5E36-44F5-87C8-AFF4D98B2E81}"/>
+                </a:ext>
+              </a:extLst>
+            </p:cNvPr>
+            <p:cNvCxnSpPr>
+              <a:cxnSpLocks/>
+              <a:stCxn id="7" idx="4"/>
+              <a:endCxn id="9" idx="0"/>
+            </p:cNvCxnSpPr>
+            <p:nvPr/>
+          </p:nvCxnSpPr>
+          <p:spPr>
+            <a:xfrm>
+              <a:off x="4288536" y="2900660"/>
+              <a:ext cx="91440" cy="760506"/>
+            </a:xfrm>
+            <a:prstGeom prst="straightConnector1">
+              <a:avLst/>
+            </a:prstGeom>
+            <a:ln>
+              <a:solidFill>
+                <a:srgbClr val="0070C0"/>
+              </a:solidFill>
+              <a:tailEnd type="triangle"/>
+            </a:ln>
+          </p:spPr>
+          <p:style>
+            <a:lnRef idx="1">
+              <a:schemeClr val="accent1"/>
+            </a:lnRef>
+            <a:fillRef idx="0">
+              <a:schemeClr val="accent1"/>
+            </a:fillRef>
+            <a:effectRef idx="0">
+              <a:schemeClr val="accent1"/>
+            </a:effectRef>
+            <a:fontRef idx="minor">
+              <a:schemeClr val="tx1"/>
+            </a:fontRef>
+          </p:style>
+        </p:cxnSp>
+        <p:cxnSp>
+          <p:nvCxnSpPr>
+            <p:cNvPr id="17" name="Straight Arrow Connector 16">
+              <a:extLst>
+                <a:ext uri="{FF2B5EF4-FFF2-40B4-BE49-F238E27FC236}">
+                  <a16:creationId xmlns:a16="http://schemas.microsoft.com/office/drawing/2014/main" id="{1DB2E3CB-7C3D-4F13-A6AC-67077C484D84}"/>
+                </a:ext>
+              </a:extLst>
+            </p:cNvPr>
+            <p:cNvCxnSpPr>
+              <a:cxnSpLocks/>
+              <a:stCxn id="7" idx="5"/>
+              <a:endCxn id="10" idx="1"/>
+            </p:cNvCxnSpPr>
+            <p:nvPr/>
+          </p:nvCxnSpPr>
+          <p:spPr>
+            <a:xfrm>
+              <a:off x="4353194" y="2873878"/>
+              <a:ext cx="419324" cy="399024"/>
+            </a:xfrm>
+            <a:prstGeom prst="straightConnector1">
+              <a:avLst/>
+            </a:prstGeom>
+            <a:ln>
+              <a:solidFill>
+                <a:srgbClr val="0070C0"/>
+              </a:solidFill>
+              <a:tailEnd type="triangle"/>
+            </a:ln>
+          </p:spPr>
+          <p:style>
+            <a:lnRef idx="1">
+              <a:schemeClr val="accent1"/>
+            </a:lnRef>
+            <a:fillRef idx="0">
+              <a:schemeClr val="accent1"/>
+            </a:fillRef>
+            <a:effectRef idx="0">
+              <a:schemeClr val="accent1"/>
+            </a:effectRef>
+            <a:fontRef idx="minor">
+              <a:schemeClr val="tx1"/>
+            </a:fontRef>
+          </p:style>
+        </p:cxnSp>
+        <p:cxnSp>
+          <p:nvCxnSpPr>
+            <p:cNvPr id="20" name="Straight Arrow Connector 19">
+              <a:extLst>
+                <a:ext uri="{FF2B5EF4-FFF2-40B4-BE49-F238E27FC236}">
+                  <a16:creationId xmlns:a16="http://schemas.microsoft.com/office/drawing/2014/main" id="{A7F3D125-8440-4C24-9645-67F44989D3B5}"/>
+                </a:ext>
+              </a:extLst>
+            </p:cNvPr>
+            <p:cNvCxnSpPr>
+              <a:cxnSpLocks/>
+              <a:stCxn id="10" idx="3"/>
+              <a:endCxn id="9" idx="7"/>
+            </p:cNvCxnSpPr>
+            <p:nvPr/>
+          </p:nvCxnSpPr>
+          <p:spPr>
+            <a:xfrm flipH="1">
+              <a:off x="4444634" y="3402218"/>
+              <a:ext cx="327884" cy="285730"/>
+            </a:xfrm>
+            <a:prstGeom prst="straightConnector1">
+              <a:avLst/>
+            </a:prstGeom>
+            <a:ln>
+              <a:solidFill>
+                <a:srgbClr val="0070C0"/>
+              </a:solidFill>
+              <a:tailEnd type="triangle"/>
+            </a:ln>
+          </p:spPr>
+          <p:style>
+            <a:lnRef idx="1">
+              <a:schemeClr val="accent1"/>
+            </a:lnRef>
+            <a:fillRef idx="0">
+              <a:schemeClr val="accent1"/>
+            </a:fillRef>
+            <a:effectRef idx="0">
+              <a:schemeClr val="accent1"/>
+            </a:effectRef>
+            <a:fontRef idx="minor">
+              <a:schemeClr val="tx1"/>
+            </a:fontRef>
+          </p:style>
+        </p:cxnSp>
+        <p:cxnSp>
+          <p:nvCxnSpPr>
+            <p:cNvPr id="23" name="Straight Arrow Connector 22">
+              <a:extLst>
+                <a:ext uri="{FF2B5EF4-FFF2-40B4-BE49-F238E27FC236}">
+                  <a16:creationId xmlns:a16="http://schemas.microsoft.com/office/drawing/2014/main" id="{ACE0AE8F-0C75-4D78-9BFB-07898567BA1F}"/>
+                </a:ext>
+              </a:extLst>
+            </p:cNvPr>
+            <p:cNvCxnSpPr>
+              <a:cxnSpLocks/>
+              <a:stCxn id="11" idx="6"/>
+              <a:endCxn id="9" idx="2"/>
+            </p:cNvCxnSpPr>
+            <p:nvPr/>
+          </p:nvCxnSpPr>
+          <p:spPr>
+            <a:xfrm flipV="1">
+              <a:off x="3849624" y="3752606"/>
+              <a:ext cx="438912" cy="182880"/>
+            </a:xfrm>
+            <a:prstGeom prst="straightConnector1">
+              <a:avLst/>
+            </a:prstGeom>
+            <a:ln>
+              <a:solidFill>
+                <a:srgbClr val="0070C0"/>
+              </a:solidFill>
+              <a:tailEnd type="triangle"/>
+            </a:ln>
+          </p:spPr>
+          <p:style>
+            <a:lnRef idx="1">
+              <a:schemeClr val="accent1"/>
+            </a:lnRef>
+            <a:fillRef idx="0">
+              <a:schemeClr val="accent1"/>
+            </a:fillRef>
+            <a:effectRef idx="0">
+              <a:schemeClr val="accent1"/>
+            </a:effectRef>
+            <a:fontRef idx="minor">
+              <a:schemeClr val="tx1"/>
+            </a:fontRef>
+          </p:style>
+        </p:cxnSp>
+        <p:cxnSp>
+          <p:nvCxnSpPr>
+            <p:cNvPr id="27" name="Straight Arrow Connector 26">
+              <a:extLst>
+                <a:ext uri="{FF2B5EF4-FFF2-40B4-BE49-F238E27FC236}">
+                  <a16:creationId xmlns:a16="http://schemas.microsoft.com/office/drawing/2014/main" id="{0D13432C-4D7A-40EA-9BAD-2C3E37DF264A}"/>
+                </a:ext>
+              </a:extLst>
+            </p:cNvPr>
+            <p:cNvCxnSpPr>
+              <a:cxnSpLocks/>
+              <a:stCxn id="11" idx="0"/>
+              <a:endCxn id="8" idx="4"/>
+            </p:cNvCxnSpPr>
+            <p:nvPr/>
+          </p:nvCxnSpPr>
+          <p:spPr>
+            <a:xfrm flipV="1">
+              <a:off x="3758184" y="3355848"/>
+              <a:ext cx="182880" cy="488198"/>
+            </a:xfrm>
+            <a:prstGeom prst="straightConnector1">
+              <a:avLst/>
+            </a:prstGeom>
+            <a:ln>
+              <a:solidFill>
+                <a:srgbClr val="0070C0"/>
+              </a:solidFill>
+              <a:tailEnd type="triangle"/>
+            </a:ln>
+          </p:spPr>
+          <p:style>
+            <a:lnRef idx="1">
+              <a:schemeClr val="accent1"/>
+            </a:lnRef>
+            <a:fillRef idx="0">
+              <a:schemeClr val="accent1"/>
+            </a:fillRef>
+            <a:effectRef idx="0">
+              <a:schemeClr val="accent1"/>
+            </a:effectRef>
+            <a:fontRef idx="minor">
+              <a:schemeClr val="tx1"/>
+            </a:fontRef>
+          </p:style>
+        </p:cxnSp>
+      </p:grpSp>
+      <p:sp>
+        <p:nvSpPr>
+          <p:cNvPr id="32" name="Rectangle: Rounded Corners 31">
+            <a:extLst>
+              <a:ext uri="{FF2B5EF4-FFF2-40B4-BE49-F238E27FC236}">
+                <a16:creationId xmlns:a16="http://schemas.microsoft.com/office/drawing/2014/main" id="{B005A5E1-4BFA-43BB-9947-C97901BF37F2}"/>
+              </a:ext>
+            </a:extLst>
+          </p:cNvPr>
+          <p:cNvSpPr/>
+          <p:nvPr/>
+        </p:nvSpPr>
+        <p:spPr>
+          <a:xfrm>
+            <a:off x="6761018" y="1886153"/>
+            <a:ext cx="1201847" cy="1126266"/>
+          </a:xfrm>
+          <a:prstGeom prst="roundRect">
+            <a:avLst>
+              <a:gd name="adj" fmla="val 10106"/>
+            </a:avLst>
+          </a:prstGeom>
+          <a:solidFill>
+            <a:schemeClr val="accent4">
+              <a:lumMod val="20000"/>
+              <a:lumOff val="80000"/>
+            </a:schemeClr>
+          </a:solidFill>
+          <a:ln>
+            <a:solidFill>
+              <a:srgbClr val="FFC000"/>
+            </a:solidFill>
+          </a:ln>
+        </p:spPr>
+        <p:style>
+          <a:lnRef idx="2">
+            <a:schemeClr val="accent1">
+              <a:shade val="50000"/>
+            </a:schemeClr>
+          </a:lnRef>
+          <a:fillRef idx="1">
+            <a:schemeClr val="accent1"/>
+          </a:fillRef>
+          <a:effectRef idx="0">
+            <a:schemeClr val="accent1"/>
+          </a:effectRef>
+          <a:fontRef idx="minor">
+            <a:schemeClr val="lt1"/>
+          </a:fontRef>
+        </p:style>
+        <p:txBody>
+          <a:bodyPr lIns="0" tIns="0" rIns="0" bIns="0" rtlCol="0" anchor="ctr"/>
+          <a:lstStyle/>
+          <a:p>
+            <a:pPr algn="ctr"/>
+            <a:r>
+              <a:rPr lang="en-US" dirty="0">
+                <a:solidFill>
+                  <a:schemeClr val="tx1"/>
+                </a:solidFill>
+              </a:rPr>
+              <a:t>Variable Type Generation</a:t>
+            </a:r>
+          </a:p>
+          <a:p>
+            <a:pPr algn="ctr"/>
+            <a:r>
+              <a:rPr lang="en-US" dirty="0">
+                <a:solidFill>
+                  <a:schemeClr val="tx1"/>
+                </a:solidFill>
+              </a:rPr>
+              <a:t>Model</a:t>
+            </a:r>
+          </a:p>
+        </p:txBody>
+      </p:sp>
+      <p:sp>
+        <p:nvSpPr>
+          <p:cNvPr id="33" name="Rectangle: Rounded Corners 32">
+            <a:extLst>
+              <a:ext uri="{FF2B5EF4-FFF2-40B4-BE49-F238E27FC236}">
+                <a16:creationId xmlns:a16="http://schemas.microsoft.com/office/drawing/2014/main" id="{8C59E19E-2FB7-45C9-8EA3-2932A37D06B2}"/>
+              </a:ext>
+            </a:extLst>
+          </p:cNvPr>
+          <p:cNvSpPr/>
+          <p:nvPr/>
+        </p:nvSpPr>
+        <p:spPr>
+          <a:xfrm>
+            <a:off x="6761018" y="4251980"/>
+            <a:ext cx="1201847" cy="1126266"/>
+          </a:xfrm>
+          <a:prstGeom prst="roundRect">
+            <a:avLst>
+              <a:gd name="adj" fmla="val 10106"/>
+            </a:avLst>
+          </a:prstGeom>
+          <a:solidFill>
+            <a:schemeClr val="accent4">
+              <a:lumMod val="20000"/>
+              <a:lumOff val="80000"/>
+            </a:schemeClr>
+          </a:solidFill>
+          <a:ln>
+            <a:solidFill>
+              <a:srgbClr val="FFC000"/>
+            </a:solidFill>
+          </a:ln>
+        </p:spPr>
+        <p:style>
+          <a:lnRef idx="2">
+            <a:schemeClr val="accent1">
+              <a:shade val="50000"/>
+            </a:schemeClr>
+          </a:lnRef>
+          <a:fillRef idx="1">
+            <a:schemeClr val="accent1"/>
+          </a:fillRef>
+          <a:effectRef idx="0">
+            <a:schemeClr val="accent1"/>
+          </a:effectRef>
+          <a:fontRef idx="minor">
+            <a:schemeClr val="lt1"/>
+          </a:fontRef>
+        </p:style>
+        <p:txBody>
+          <a:bodyPr lIns="0" tIns="0" rIns="0" bIns="0" rtlCol="0" anchor="ctr"/>
+          <a:lstStyle/>
+          <a:p>
+            <a:pPr algn="ctr"/>
+            <a:r>
+              <a:rPr lang="en-US" dirty="0">
+                <a:solidFill>
+                  <a:schemeClr val="tx1"/>
+                </a:solidFill>
+              </a:rPr>
+              <a:t>Variable Name Generation</a:t>
+            </a:r>
+          </a:p>
+          <a:p>
+            <a:pPr algn="ctr"/>
+            <a:r>
+              <a:rPr lang="en-US" dirty="0">
+                <a:solidFill>
+                  <a:schemeClr val="tx1"/>
+                </a:solidFill>
+              </a:rPr>
+              <a:t>Model</a:t>
+            </a:r>
+          </a:p>
+        </p:txBody>
+      </p:sp>
+      <p:sp>
+        <p:nvSpPr>
+          <p:cNvPr id="35" name="Rectangle 34">
+            <a:extLst>
+              <a:ext uri="{FF2B5EF4-FFF2-40B4-BE49-F238E27FC236}">
+                <a16:creationId xmlns:a16="http://schemas.microsoft.com/office/drawing/2014/main" id="{49E16109-8502-402A-905D-C158004FFBD9}"/>
+              </a:ext>
+            </a:extLst>
+          </p:cNvPr>
+          <p:cNvSpPr/>
+          <p:nvPr/>
+        </p:nvSpPr>
+        <p:spPr>
+          <a:xfrm>
+            <a:off x="8789511" y="1886153"/>
+            <a:ext cx="436326" cy="1126266"/>
+          </a:xfrm>
+          <a:prstGeom prst="rect">
+            <a:avLst/>
+          </a:prstGeom>
+          <a:solidFill>
+            <a:schemeClr val="accent2">
+              <a:lumMod val="20000"/>
+              <a:lumOff val="80000"/>
+            </a:schemeClr>
+          </a:solidFill>
+          <a:ln>
+            <a:solidFill>
+              <a:srgbClr val="C00000"/>
+            </a:solidFill>
+          </a:ln>
+        </p:spPr>
+        <p:style>
+          <a:lnRef idx="2">
+            <a:schemeClr val="accent1">
+              <a:shade val="50000"/>
+            </a:schemeClr>
+          </a:lnRef>
+          <a:fillRef idx="1">
+            <a:schemeClr val="accent1"/>
+          </a:fillRef>
+          <a:effectRef idx="0">
+            <a:schemeClr val="accent1"/>
+          </a:effectRef>
+          <a:fontRef idx="minor">
+            <a:schemeClr val="lt1"/>
+          </a:fontRef>
+        </p:style>
+        <p:txBody>
+          <a:bodyPr rtlCol="0" anchor="ctr"/>
+          <a:lstStyle/>
+          <a:p>
+            <a:pPr algn="ctr"/>
+            <a:endParaRPr lang="en-US"/>
+          </a:p>
+        </p:txBody>
+      </p:sp>
+      <p:sp>
+        <p:nvSpPr>
+          <p:cNvPr id="36" name="Rectangle 35">
+            <a:extLst>
+              <a:ext uri="{FF2B5EF4-FFF2-40B4-BE49-F238E27FC236}">
+                <a16:creationId xmlns:a16="http://schemas.microsoft.com/office/drawing/2014/main" id="{FD6C0E98-F9E2-45D2-B037-550984F01837}"/>
+              </a:ext>
+            </a:extLst>
+          </p:cNvPr>
+          <p:cNvSpPr/>
+          <p:nvPr/>
+        </p:nvSpPr>
+        <p:spPr>
+          <a:xfrm>
+            <a:off x="8789511" y="4251980"/>
+            <a:ext cx="436326" cy="1126266"/>
+          </a:xfrm>
+          <a:prstGeom prst="rect">
+            <a:avLst/>
+          </a:prstGeom>
+          <a:solidFill>
+            <a:schemeClr val="accent5">
+              <a:lumMod val="20000"/>
+              <a:lumOff val="80000"/>
+            </a:schemeClr>
+          </a:solidFill>
+          <a:ln>
+            <a:solidFill>
+              <a:srgbClr val="0070C0"/>
+            </a:solidFill>
+          </a:ln>
+        </p:spPr>
+        <p:style>
+          <a:lnRef idx="2">
+            <a:schemeClr val="accent1">
+              <a:shade val="50000"/>
+            </a:schemeClr>
+          </a:lnRef>
+          <a:fillRef idx="1">
+            <a:schemeClr val="accent1"/>
+          </a:fillRef>
+          <a:effectRef idx="0">
+            <a:schemeClr val="accent1"/>
+          </a:effectRef>
+          <a:fontRef idx="minor">
+            <a:schemeClr val="lt1"/>
+          </a:fontRef>
+        </p:style>
+        <p:txBody>
+          <a:bodyPr rtlCol="0" anchor="ctr"/>
+          <a:lstStyle/>
+          <a:p>
+            <a:pPr algn="ctr"/>
+            <a:endParaRPr lang="en-US"/>
+          </a:p>
+        </p:txBody>
+      </p:sp>
+      <p:sp>
+        <p:nvSpPr>
+          <p:cNvPr id="37" name="TextBox 36">
+            <a:extLst>
+              <a:ext uri="{FF2B5EF4-FFF2-40B4-BE49-F238E27FC236}">
+                <a16:creationId xmlns:a16="http://schemas.microsoft.com/office/drawing/2014/main" id="{024AF42E-304E-4AAD-99FC-0740368ECA34}"/>
+              </a:ext>
+            </a:extLst>
+          </p:cNvPr>
+          <p:cNvSpPr txBox="1"/>
+          <p:nvPr/>
+        </p:nvSpPr>
+        <p:spPr>
+          <a:xfrm>
+            <a:off x="8203002" y="1245065"/>
+            <a:ext cx="1609344" cy="646331"/>
+          </a:xfrm>
+          <a:prstGeom prst="rect">
+            <a:avLst/>
+          </a:prstGeom>
+          <a:noFill/>
+        </p:spPr>
+        <p:txBody>
+          <a:bodyPr wrap="square" rtlCol="0">
+            <a:spAutoFit/>
+          </a:bodyPr>
+          <a:lstStyle/>
+          <a:p>
+            <a:pPr algn="ctr"/>
+            <a:r>
+              <a:rPr lang="en-US" dirty="0"/>
+              <a:t>Variables’ Types</a:t>
+            </a:r>
+          </a:p>
+        </p:txBody>
+      </p:sp>
+      <p:sp>
+        <p:nvSpPr>
+          <p:cNvPr id="38" name="TextBox 37">
+            <a:extLst>
+              <a:ext uri="{FF2B5EF4-FFF2-40B4-BE49-F238E27FC236}">
+                <a16:creationId xmlns:a16="http://schemas.microsoft.com/office/drawing/2014/main" id="{89D390B6-92BF-4857-B8B0-5A6700585064}"/>
+              </a:ext>
+            </a:extLst>
+          </p:cNvPr>
+          <p:cNvSpPr txBox="1"/>
+          <p:nvPr/>
+        </p:nvSpPr>
+        <p:spPr>
+          <a:xfrm>
+            <a:off x="8203002" y="3616134"/>
+            <a:ext cx="1609344" cy="646331"/>
+          </a:xfrm>
+          <a:prstGeom prst="rect">
+            <a:avLst/>
+          </a:prstGeom>
+          <a:noFill/>
+        </p:spPr>
+        <p:txBody>
+          <a:bodyPr wrap="square" rtlCol="0">
+            <a:spAutoFit/>
+          </a:bodyPr>
+          <a:lstStyle/>
+          <a:p>
+            <a:pPr algn="ctr"/>
+            <a:r>
+              <a:rPr lang="en-US" dirty="0"/>
+              <a:t>Variables’ Names</a:t>
+            </a:r>
+          </a:p>
+        </p:txBody>
+      </p:sp>
+      <p:sp>
+        <p:nvSpPr>
+          <p:cNvPr id="39" name="TextBox 38">
+            <a:extLst>
+              <a:ext uri="{FF2B5EF4-FFF2-40B4-BE49-F238E27FC236}">
+                <a16:creationId xmlns:a16="http://schemas.microsoft.com/office/drawing/2014/main" id="{357B409A-EC5B-40A4-A5E9-DEF9AFBDF295}"/>
+              </a:ext>
+            </a:extLst>
+          </p:cNvPr>
+          <p:cNvSpPr txBox="1"/>
+          <p:nvPr/>
+        </p:nvSpPr>
+        <p:spPr>
+          <a:xfrm>
+            <a:off x="4828294" y="2239163"/>
+            <a:ext cx="1609344" cy="646331"/>
+          </a:xfrm>
+          <a:prstGeom prst="rect">
+            <a:avLst/>
+          </a:prstGeom>
+          <a:noFill/>
+        </p:spPr>
+        <p:txBody>
+          <a:bodyPr wrap="square" rtlCol="0">
+            <a:spAutoFit/>
+          </a:bodyPr>
+          <a:lstStyle/>
+          <a:p>
+            <a:pPr algn="ctr"/>
+            <a:r>
+              <a:rPr lang="en-US" dirty="0"/>
+              <a:t>Representation Graph</a:t>
+            </a:r>
+          </a:p>
+        </p:txBody>
+      </p:sp>
+      <p:cxnSp>
+        <p:nvCxnSpPr>
+          <p:cNvPr id="41" name="Straight Arrow Connector 40">
+            <a:extLst>
+              <a:ext uri="{FF2B5EF4-FFF2-40B4-BE49-F238E27FC236}">
+                <a16:creationId xmlns:a16="http://schemas.microsoft.com/office/drawing/2014/main" id="{554B9514-3448-47BB-9838-D5D6747BF184}"/>
+              </a:ext>
+            </a:extLst>
+          </p:cNvPr>
+          <p:cNvCxnSpPr>
+            <a:stCxn id="4" idx="3"/>
+            <a:endCxn id="6" idx="1"/>
+          </p:cNvCxnSpPr>
+          <p:nvPr/>
+        </p:nvCxnSpPr>
+        <p:spPr>
+          <a:xfrm>
+            <a:off x="2729438" y="3605227"/>
+            <a:ext cx="671749" cy="190"/>
+          </a:xfrm>
+          <a:prstGeom prst="straightConnector1">
+            <a:avLst/>
+          </a:prstGeom>
+          <a:ln w="25400">
+            <a:tailEnd type="triangle"/>
+          </a:ln>
+        </p:spPr>
+        <p:style>
+          <a:lnRef idx="1">
+            <a:schemeClr val="accent1"/>
+          </a:lnRef>
+          <a:fillRef idx="0">
+            <a:schemeClr val="accent1"/>
+          </a:fillRef>
+          <a:effectRef idx="0">
+            <a:schemeClr val="accent1"/>
+          </a:effectRef>
+          <a:fontRef idx="minor">
+            <a:schemeClr val="tx1"/>
+          </a:fontRef>
+        </p:style>
+      </p:cxnSp>
+      <p:cxnSp>
+        <p:nvCxnSpPr>
+          <p:cNvPr id="42" name="Straight Arrow Connector 41">
+            <a:extLst>
+              <a:ext uri="{FF2B5EF4-FFF2-40B4-BE49-F238E27FC236}">
+                <a16:creationId xmlns:a16="http://schemas.microsoft.com/office/drawing/2014/main" id="{48E6B7C3-87DA-4443-AF04-1C294B79848C}"/>
+              </a:ext>
+            </a:extLst>
+          </p:cNvPr>
+          <p:cNvCxnSpPr/>
+          <p:nvPr/>
+        </p:nvCxnSpPr>
+        <p:spPr>
+          <a:xfrm>
+            <a:off x="4594999" y="3605227"/>
+            <a:ext cx="548640" cy="190"/>
+          </a:xfrm>
+          <a:prstGeom prst="straightConnector1">
+            <a:avLst/>
+          </a:prstGeom>
+          <a:ln w="25400">
+            <a:tailEnd type="triangle"/>
+          </a:ln>
+        </p:spPr>
+        <p:style>
+          <a:lnRef idx="1">
+            <a:schemeClr val="accent1"/>
+          </a:lnRef>
+          <a:fillRef idx="0">
+            <a:schemeClr val="accent1"/>
+          </a:fillRef>
+          <a:effectRef idx="0">
+            <a:schemeClr val="accent1"/>
+          </a:effectRef>
+          <a:fontRef idx="minor">
+            <a:schemeClr val="tx1"/>
+          </a:fontRef>
+        </p:style>
+      </p:cxnSp>
+      <p:cxnSp>
+        <p:nvCxnSpPr>
+          <p:cNvPr id="43" name="Straight Arrow Connector 42">
+            <a:extLst>
+              <a:ext uri="{FF2B5EF4-FFF2-40B4-BE49-F238E27FC236}">
+                <a16:creationId xmlns:a16="http://schemas.microsoft.com/office/drawing/2014/main" id="{B0122614-82B3-4B0E-BEEB-1985ACACAB58}"/>
+              </a:ext>
+            </a:extLst>
+          </p:cNvPr>
+          <p:cNvCxnSpPr>
+            <a:cxnSpLocks/>
+          </p:cNvCxnSpPr>
+          <p:nvPr/>
+        </p:nvCxnSpPr>
+        <p:spPr>
+          <a:xfrm flipV="1">
+            <a:off x="6346198" y="2449476"/>
+            <a:ext cx="414820" cy="950191"/>
+          </a:xfrm>
+          <a:prstGeom prst="straightConnector1">
+            <a:avLst/>
+          </a:prstGeom>
+          <a:ln w="25400">
+            <a:tailEnd type="triangle"/>
+          </a:ln>
+        </p:spPr>
+        <p:style>
+          <a:lnRef idx="1">
+            <a:schemeClr val="accent1"/>
+          </a:lnRef>
+          <a:fillRef idx="0">
+            <a:schemeClr val="accent1"/>
+          </a:fillRef>
+          <a:effectRef idx="0">
+            <a:schemeClr val="accent1"/>
+          </a:effectRef>
+          <a:fontRef idx="minor">
+            <a:schemeClr val="tx1"/>
+          </a:fontRef>
+        </p:style>
+      </p:cxnSp>
+      <p:cxnSp>
+        <p:nvCxnSpPr>
+          <p:cNvPr id="45" name="Straight Arrow Connector 44">
+            <a:extLst>
+              <a:ext uri="{FF2B5EF4-FFF2-40B4-BE49-F238E27FC236}">
+                <a16:creationId xmlns:a16="http://schemas.microsoft.com/office/drawing/2014/main" id="{7BDED607-7075-4604-AC8A-035ECB539DD9}"/>
+              </a:ext>
+            </a:extLst>
+          </p:cNvPr>
+          <p:cNvCxnSpPr>
+            <a:cxnSpLocks/>
+            <a:endCxn id="33" idx="1"/>
+          </p:cNvCxnSpPr>
+          <p:nvPr/>
+        </p:nvCxnSpPr>
+        <p:spPr>
+          <a:xfrm>
+            <a:off x="6337451" y="3786641"/>
+            <a:ext cx="423567" cy="1028472"/>
+          </a:xfrm>
+          <a:prstGeom prst="straightConnector1">
+            <a:avLst/>
+          </a:prstGeom>
+          <a:ln w="25400">
+            <a:tailEnd type="triangle"/>
+          </a:ln>
+        </p:spPr>
+        <p:style>
+          <a:lnRef idx="1">
+            <a:schemeClr val="accent1"/>
+          </a:lnRef>
+          <a:fillRef idx="0">
+            <a:schemeClr val="accent1"/>
+          </a:fillRef>
+          <a:effectRef idx="0">
+            <a:schemeClr val="accent1"/>
+          </a:effectRef>
+          <a:fontRef idx="minor">
+            <a:schemeClr val="tx1"/>
+          </a:fontRef>
+        </p:style>
+      </p:cxnSp>
+      <p:cxnSp>
+        <p:nvCxnSpPr>
+          <p:cNvPr id="3" name="Straight Arrow Connector 2">
+            <a:extLst>
+              <a:ext uri="{FF2B5EF4-FFF2-40B4-BE49-F238E27FC236}">
+                <a16:creationId xmlns:a16="http://schemas.microsoft.com/office/drawing/2014/main" id="{7E25D987-202C-4C95-9F99-8A712C7C7F36}"/>
+              </a:ext>
+            </a:extLst>
+          </p:cNvPr>
+          <p:cNvCxnSpPr>
+            <a:stCxn id="32" idx="2"/>
+            <a:endCxn id="33" idx="0"/>
+          </p:cNvCxnSpPr>
+          <p:nvPr/>
+        </p:nvCxnSpPr>
+        <p:spPr>
+          <a:xfrm>
+            <a:off x="7361942" y="3012419"/>
+            <a:ext cx="0" cy="1239561"/>
+          </a:xfrm>
+          <a:prstGeom prst="straightConnector1">
+            <a:avLst/>
+          </a:prstGeom>
+          <a:ln w="19050">
+            <a:headEnd type="triangle"/>
+            <a:tailEnd type="triangle"/>
+          </a:ln>
+        </p:spPr>
+        <p:style>
+          <a:lnRef idx="1">
+            <a:schemeClr val="accent1"/>
+          </a:lnRef>
+          <a:fillRef idx="0">
+            <a:schemeClr val="accent1"/>
+          </a:fillRef>
+          <a:effectRef idx="0">
+            <a:schemeClr val="accent1"/>
+          </a:effectRef>
+          <a:fontRef idx="minor">
+            <a:schemeClr val="tx1"/>
+          </a:fontRef>
+        </p:style>
+      </p:cxnSp>
+      <p:sp>
+        <p:nvSpPr>
+          <p:cNvPr id="12" name="TextBox 11">
+            <a:extLst>
+              <a:ext uri="{FF2B5EF4-FFF2-40B4-BE49-F238E27FC236}">
+                <a16:creationId xmlns:a16="http://schemas.microsoft.com/office/drawing/2014/main" id="{97BB675F-B265-4C42-AA4D-EFE8CEEF4D23}"/>
+              </a:ext>
+            </a:extLst>
+          </p:cNvPr>
+          <p:cNvSpPr txBox="1"/>
+          <p:nvPr/>
+        </p:nvSpPr>
+        <p:spPr>
+          <a:xfrm>
+            <a:off x="7361941" y="3260084"/>
+            <a:ext cx="1081963" cy="646331"/>
+          </a:xfrm>
+          <a:prstGeom prst="rect">
+            <a:avLst/>
+          </a:prstGeom>
+          <a:noFill/>
+        </p:spPr>
+        <p:txBody>
+          <a:bodyPr wrap="none" rtlCol="0">
+            <a:spAutoFit/>
+          </a:bodyPr>
+          <a:lstStyle/>
+          <a:p>
+            <a:r>
+              <a:rPr lang="en-US" dirty="0"/>
+              <a:t>Dual-Task</a:t>
+            </a:r>
+          </a:p>
+          <a:p>
+            <a:r>
+              <a:rPr lang="en-US" dirty="0"/>
+              <a:t>Learning</a:t>
+            </a:r>
+          </a:p>
+        </p:txBody>
+      </p:sp>
+      <p:cxnSp>
+        <p:nvCxnSpPr>
+          <p:cNvPr id="18" name="Straight Arrow Connector 17">
+            <a:extLst>
+              <a:ext uri="{FF2B5EF4-FFF2-40B4-BE49-F238E27FC236}">
+                <a16:creationId xmlns:a16="http://schemas.microsoft.com/office/drawing/2014/main" id="{97D291E3-F089-48A7-9533-3F61A0515079}"/>
+              </a:ext>
+            </a:extLst>
+          </p:cNvPr>
+          <p:cNvCxnSpPr>
+            <a:stCxn id="32" idx="3"/>
+            <a:endCxn id="35" idx="1"/>
+          </p:cNvCxnSpPr>
+          <p:nvPr/>
+        </p:nvCxnSpPr>
+        <p:spPr>
+          <a:xfrm>
+            <a:off x="7962865" y="2449286"/>
+            <a:ext cx="826646" cy="0"/>
+          </a:xfrm>
+          <a:prstGeom prst="straightConnector1">
+            <a:avLst/>
+          </a:prstGeom>
+          <a:ln w="19050">
+            <a:headEnd type="triangle"/>
+            <a:tailEnd type="triangle"/>
+          </a:ln>
+        </p:spPr>
+        <p:style>
+          <a:lnRef idx="1">
+            <a:schemeClr val="accent1"/>
+          </a:lnRef>
+          <a:fillRef idx="0">
+            <a:schemeClr val="accent1"/>
+          </a:fillRef>
+          <a:effectRef idx="0">
+            <a:schemeClr val="accent1"/>
+          </a:effectRef>
+          <a:fontRef idx="minor">
+            <a:schemeClr val="tx1"/>
+          </a:fontRef>
+        </p:style>
+      </p:cxnSp>
+      <p:cxnSp>
+        <p:nvCxnSpPr>
+          <p:cNvPr id="21" name="Straight Arrow Connector 20">
+            <a:extLst>
+              <a:ext uri="{FF2B5EF4-FFF2-40B4-BE49-F238E27FC236}">
+                <a16:creationId xmlns:a16="http://schemas.microsoft.com/office/drawing/2014/main" id="{5DA08198-DDD0-480F-B362-042AC6C1F30B}"/>
+              </a:ext>
+            </a:extLst>
+          </p:cNvPr>
+          <p:cNvCxnSpPr>
+            <a:stCxn id="33" idx="3"/>
+            <a:endCxn id="36" idx="1"/>
+          </p:cNvCxnSpPr>
+          <p:nvPr/>
+        </p:nvCxnSpPr>
+        <p:spPr>
+          <a:xfrm>
+            <a:off x="7962865" y="4815113"/>
+            <a:ext cx="826646" cy="0"/>
+          </a:xfrm>
+          <a:prstGeom prst="straightConnector1">
+            <a:avLst/>
+          </a:prstGeom>
+          <a:ln w="19050">
+            <a:headEnd type="triangle"/>
+            <a:tailEnd type="triangle"/>
+          </a:ln>
+        </p:spPr>
+        <p:style>
+          <a:lnRef idx="1">
+            <a:schemeClr val="accent1"/>
+          </a:lnRef>
+          <a:fillRef idx="0">
+            <a:schemeClr val="accent1"/>
+          </a:fillRef>
+          <a:effectRef idx="0">
+            <a:schemeClr val="accent1"/>
+          </a:effectRef>
+          <a:fontRef idx="minor">
+            <a:schemeClr val="tx1"/>
+          </a:fontRef>
+        </p:style>
+      </p:cxnSp>
+    </p:spTree>
+    <p:extLst>
+      <p:ext uri="{BB962C8B-B14F-4D97-AF65-F5344CB8AC3E}">
+        <p14:creationId xmlns:p14="http://schemas.microsoft.com/office/powerpoint/2010/main" val="1943562508"/>
       </p:ext>
     </p:extLst>
   </p:cSld>
